--- a/Research Project 2022 - Jay & Minh.pptx
+++ b/Research Project 2022 - Jay & Minh.pptx
@@ -1,46 +1,46 @@
 
 <file path=ppt/presentation.xml><?xml version="1.0" encoding="utf-8"?>
-<p:presentation xmlns:a="http://schemas.openxmlformats.org/drawingml/2006/main" xmlns:r="http://schemas.openxmlformats.org/officeDocument/2006/relationships" xmlns:mc="http://schemas.openxmlformats.org/markup-compatibility/2006" xmlns:mv="urn:schemas-microsoft-com:mac:vml" xmlns:p="http://schemas.openxmlformats.org/presentationml/2006/main" xmlns:c="http://schemas.openxmlformats.org/drawingml/2006/chart" xmlns:dgm="http://schemas.openxmlformats.org/drawingml/2006/diagram" xmlns:o="urn:schemas-microsoft-com:office:office" xmlns:v="urn:schemas-microsoft-com:vml" xmlns:pvml="urn:schemas-microsoft-com:office:powerpoint" xmlns:com="http://schemas.openxmlformats.org/drawingml/2006/compatibility" xmlns:p14="http://schemas.microsoft.com/office/powerpoint/2010/main" xmlns:p15="http://schemas.microsoft.com/office/powerpoint/2012/main" xmlns:ahyp="http://schemas.microsoft.com/office/drawing/2018/hyperlinkcolor" autoCompressPictures="0" strictFirstAndLastChars="0" saveSubsetFonts="1">
+<p:presentation xmlns:a="http://schemas.openxmlformats.org/drawingml/2006/main" xmlns:r="http://schemas.openxmlformats.org/officeDocument/2006/relationships" xmlns:p="http://schemas.openxmlformats.org/presentationml/2006/main" strictFirstAndLastChars="0" saveSubsetFonts="1" autoCompressPictures="0">
   <p:sldMasterIdLst>
-    <p:sldMasterId id="2147483659" r:id="rId4"/>
+    <p:sldMasterId id="2147483659" r:id="rId1"/>
   </p:sldMasterIdLst>
   <p:notesMasterIdLst>
-    <p:notesMasterId r:id="rId5"/>
+    <p:notesMasterId r:id="rId30"/>
   </p:notesMasterIdLst>
   <p:sldIdLst>
-    <p:sldId id="256" r:id="rId6"/>
-    <p:sldId id="257" r:id="rId7"/>
-    <p:sldId id="258" r:id="rId8"/>
-    <p:sldId id="259" r:id="rId9"/>
-    <p:sldId id="260" r:id="rId10"/>
-    <p:sldId id="261" r:id="rId11"/>
-    <p:sldId id="262" r:id="rId12"/>
-    <p:sldId id="263" r:id="rId13"/>
-    <p:sldId id="264" r:id="rId14"/>
-    <p:sldId id="265" r:id="rId15"/>
-    <p:sldId id="266" r:id="rId16"/>
-    <p:sldId id="267" r:id="rId17"/>
-    <p:sldId id="268" r:id="rId18"/>
-    <p:sldId id="269" r:id="rId19"/>
-    <p:sldId id="270" r:id="rId20"/>
-    <p:sldId id="271" r:id="rId21"/>
-    <p:sldId id="272" r:id="rId22"/>
-    <p:sldId id="273" r:id="rId23"/>
-    <p:sldId id="274" r:id="rId24"/>
-    <p:sldId id="275" r:id="rId25"/>
-    <p:sldId id="276" r:id="rId26"/>
-    <p:sldId id="277" r:id="rId27"/>
-    <p:sldId id="278" r:id="rId28"/>
-    <p:sldId id="279" r:id="rId29"/>
-    <p:sldId id="280" r:id="rId30"/>
-    <p:sldId id="281" r:id="rId31"/>
-    <p:sldId id="282" r:id="rId32"/>
-    <p:sldId id="283" r:id="rId33"/>
+    <p:sldId id="256" r:id="rId2"/>
+    <p:sldId id="257" r:id="rId3"/>
+    <p:sldId id="258" r:id="rId4"/>
+    <p:sldId id="259" r:id="rId5"/>
+    <p:sldId id="260" r:id="rId6"/>
+    <p:sldId id="261" r:id="rId7"/>
+    <p:sldId id="262" r:id="rId8"/>
+    <p:sldId id="263" r:id="rId9"/>
+    <p:sldId id="264" r:id="rId10"/>
+    <p:sldId id="265" r:id="rId11"/>
+    <p:sldId id="266" r:id="rId12"/>
+    <p:sldId id="267" r:id="rId13"/>
+    <p:sldId id="268" r:id="rId14"/>
+    <p:sldId id="269" r:id="rId15"/>
+    <p:sldId id="270" r:id="rId16"/>
+    <p:sldId id="271" r:id="rId17"/>
+    <p:sldId id="272" r:id="rId18"/>
+    <p:sldId id="273" r:id="rId19"/>
+    <p:sldId id="274" r:id="rId20"/>
+    <p:sldId id="275" r:id="rId21"/>
+    <p:sldId id="276" r:id="rId22"/>
+    <p:sldId id="277" r:id="rId23"/>
+    <p:sldId id="278" r:id="rId24"/>
+    <p:sldId id="279" r:id="rId25"/>
+    <p:sldId id="280" r:id="rId26"/>
+    <p:sldId id="281" r:id="rId27"/>
+    <p:sldId id="282" r:id="rId28"/>
+    <p:sldId id="283" r:id="rId29"/>
   </p:sldIdLst>
-  <p:sldSz cy="5143500" cx="9144000"/>
+  <p:sldSz cx="9144000" cy="5143500" type="screen16x9"/>
   <p:notesSz cx="6858000" cy="9144000"/>
   <p:defaultTextStyle>
-    <a:defPPr lvl="0" marR="0" rtl="0" algn="l">
+    <a:defPPr marR="0" lvl="0" algn="l" rtl="0">
       <a:lnSpc>
         <a:spcPct val="100000"/>
       </a:lnSpc>
@@ -51,7 +51,7 @@
         <a:spcPts val="0"/>
       </a:spcAft>
     </a:defPPr>
-    <a:lvl1pPr lvl="0" marR="0" rtl="0" algn="l">
+    <a:lvl1pPr marR="0" lvl="0" algn="l" rtl="0">
       <a:lnSpc>
         <a:spcPct val="100000"/>
       </a:lnSpc>
@@ -65,7 +65,7 @@
         <a:srgbClr val="000000"/>
       </a:buClr>
       <a:buFont typeface="Arial"/>
-      <a:defRPr b="0" i="0" sz="1400" u="none" cap="none" strike="noStrike">
+      <a:defRPr sz="1400" b="0" i="0" u="none" strike="noStrike" cap="none">
         <a:solidFill>
           <a:srgbClr val="000000"/>
         </a:solidFill>
@@ -75,7 +75,7 @@
         <a:sym typeface="Arial"/>
       </a:defRPr>
     </a:lvl1pPr>
-    <a:lvl2pPr lvl="1" marR="0" rtl="0" algn="l">
+    <a:lvl2pPr marR="0" lvl="1" algn="l" rtl="0">
       <a:lnSpc>
         <a:spcPct val="100000"/>
       </a:lnSpc>
@@ -89,7 +89,7 @@
         <a:srgbClr val="000000"/>
       </a:buClr>
       <a:buFont typeface="Arial"/>
-      <a:defRPr b="0" i="0" sz="1400" u="none" cap="none" strike="noStrike">
+      <a:defRPr sz="1400" b="0" i="0" u="none" strike="noStrike" cap="none">
         <a:solidFill>
           <a:srgbClr val="000000"/>
         </a:solidFill>
@@ -99,7 +99,7 @@
         <a:sym typeface="Arial"/>
       </a:defRPr>
     </a:lvl2pPr>
-    <a:lvl3pPr lvl="2" marR="0" rtl="0" algn="l">
+    <a:lvl3pPr marR="0" lvl="2" algn="l" rtl="0">
       <a:lnSpc>
         <a:spcPct val="100000"/>
       </a:lnSpc>
@@ -113,7 +113,7 @@
         <a:srgbClr val="000000"/>
       </a:buClr>
       <a:buFont typeface="Arial"/>
-      <a:defRPr b="0" i="0" sz="1400" u="none" cap="none" strike="noStrike">
+      <a:defRPr sz="1400" b="0" i="0" u="none" strike="noStrike" cap="none">
         <a:solidFill>
           <a:srgbClr val="000000"/>
         </a:solidFill>
@@ -123,7 +123,7 @@
         <a:sym typeface="Arial"/>
       </a:defRPr>
     </a:lvl3pPr>
-    <a:lvl4pPr lvl="3" marR="0" rtl="0" algn="l">
+    <a:lvl4pPr marR="0" lvl="3" algn="l" rtl="0">
       <a:lnSpc>
         <a:spcPct val="100000"/>
       </a:lnSpc>
@@ -137,7 +137,7 @@
         <a:srgbClr val="000000"/>
       </a:buClr>
       <a:buFont typeface="Arial"/>
-      <a:defRPr b="0" i="0" sz="1400" u="none" cap="none" strike="noStrike">
+      <a:defRPr sz="1400" b="0" i="0" u="none" strike="noStrike" cap="none">
         <a:solidFill>
           <a:srgbClr val="000000"/>
         </a:solidFill>
@@ -147,7 +147,7 @@
         <a:sym typeface="Arial"/>
       </a:defRPr>
     </a:lvl4pPr>
-    <a:lvl5pPr lvl="4" marR="0" rtl="0" algn="l">
+    <a:lvl5pPr marR="0" lvl="4" algn="l" rtl="0">
       <a:lnSpc>
         <a:spcPct val="100000"/>
       </a:lnSpc>
@@ -161,7 +161,7 @@
         <a:srgbClr val="000000"/>
       </a:buClr>
       <a:buFont typeface="Arial"/>
-      <a:defRPr b="0" i="0" sz="1400" u="none" cap="none" strike="noStrike">
+      <a:defRPr sz="1400" b="0" i="0" u="none" strike="noStrike" cap="none">
         <a:solidFill>
           <a:srgbClr val="000000"/>
         </a:solidFill>
@@ -171,7 +171,7 @@
         <a:sym typeface="Arial"/>
       </a:defRPr>
     </a:lvl5pPr>
-    <a:lvl6pPr lvl="5" marR="0" rtl="0" algn="l">
+    <a:lvl6pPr marR="0" lvl="5" algn="l" rtl="0">
       <a:lnSpc>
         <a:spcPct val="100000"/>
       </a:lnSpc>
@@ -185,7 +185,7 @@
         <a:srgbClr val="000000"/>
       </a:buClr>
       <a:buFont typeface="Arial"/>
-      <a:defRPr b="0" i="0" sz="1400" u="none" cap="none" strike="noStrike">
+      <a:defRPr sz="1400" b="0" i="0" u="none" strike="noStrike" cap="none">
         <a:solidFill>
           <a:srgbClr val="000000"/>
         </a:solidFill>
@@ -195,7 +195,7 @@
         <a:sym typeface="Arial"/>
       </a:defRPr>
     </a:lvl6pPr>
-    <a:lvl7pPr lvl="6" marR="0" rtl="0" algn="l">
+    <a:lvl7pPr marR="0" lvl="6" algn="l" rtl="0">
       <a:lnSpc>
         <a:spcPct val="100000"/>
       </a:lnSpc>
@@ -209,7 +209,7 @@
         <a:srgbClr val="000000"/>
       </a:buClr>
       <a:buFont typeface="Arial"/>
-      <a:defRPr b="0" i="0" sz="1400" u="none" cap="none" strike="noStrike">
+      <a:defRPr sz="1400" b="0" i="0" u="none" strike="noStrike" cap="none">
         <a:solidFill>
           <a:srgbClr val="000000"/>
         </a:solidFill>
@@ -219,7 +219,7 @@
         <a:sym typeface="Arial"/>
       </a:defRPr>
     </a:lvl7pPr>
-    <a:lvl8pPr lvl="7" marR="0" rtl="0" algn="l">
+    <a:lvl8pPr marR="0" lvl="7" algn="l" rtl="0">
       <a:lnSpc>
         <a:spcPct val="100000"/>
       </a:lnSpc>
@@ -233,7 +233,7 @@
         <a:srgbClr val="000000"/>
       </a:buClr>
       <a:buFont typeface="Arial"/>
-      <a:defRPr b="0" i="0" sz="1400" u="none" cap="none" strike="noStrike">
+      <a:defRPr sz="1400" b="0" i="0" u="none" strike="noStrike" cap="none">
         <a:solidFill>
           <a:srgbClr val="000000"/>
         </a:solidFill>
@@ -243,7 +243,7 @@
         <a:sym typeface="Arial"/>
       </a:defRPr>
     </a:lvl8pPr>
-    <a:lvl9pPr lvl="8" marR="0" rtl="0" algn="l">
+    <a:lvl9pPr marR="0" lvl="8" algn="l" rtl="0">
       <a:lnSpc>
         <a:spcPct val="100000"/>
       </a:lnSpc>
@@ -257,7 +257,7 @@
         <a:srgbClr val="000000"/>
       </a:buClr>
       <a:buFont typeface="Arial"/>
-      <a:defRPr b="0" i="0" sz="1400" u="none" cap="none" strike="noStrike">
+      <a:defRPr sz="1400" b="0" i="0" u="none" strike="noStrike" cap="none">
         <a:solidFill>
           <a:srgbClr val="000000"/>
         </a:solidFill>
@@ -270,7 +270,7 @@
   </p:defaultTextStyle>
   <p:extLst>
     <p:ext uri="{EFAFB233-063F-42B5-8137-9DF3F51BA10A}">
-      <p15:sldGuideLst>
+      <p15:sldGuideLst xmlns:p15="http://schemas.microsoft.com/office/powerpoint/2012/main">
         <p15:guide id="1" orient="horz" pos="1620">
           <p15:clr>
             <a:srgbClr val="A4A3A4"/>
@@ -288,11 +288,16 @@
 </file>
 
 <file path=ppt/notesMasters/notesMaster1.xml><?xml version="1.0" encoding="utf-8"?>
-<p:notesMaster xmlns:a="http://schemas.openxmlformats.org/drawingml/2006/main" xmlns:r="http://schemas.openxmlformats.org/officeDocument/2006/relationships" xmlns:mc="http://schemas.openxmlformats.org/markup-compatibility/2006" xmlns:mv="urn:schemas-microsoft-com:mac:vml" xmlns:p="http://schemas.openxmlformats.org/presentationml/2006/main" xmlns:c="http://schemas.openxmlformats.org/drawingml/2006/chart" xmlns:dgm="http://schemas.openxmlformats.org/drawingml/2006/diagram" xmlns:o="urn:schemas-microsoft-com:office:office" xmlns:v="urn:schemas-microsoft-com:vml" xmlns:pvml="urn:schemas-microsoft-com:office:powerpoint" xmlns:com="http://schemas.openxmlformats.org/drawingml/2006/compatibility" xmlns:p14="http://schemas.microsoft.com/office/powerpoint/2010/main" xmlns:p15="http://schemas.microsoft.com/office/powerpoint/2012/main" xmlns:ahyp="http://schemas.microsoft.com/office/drawing/2018/hyperlinkcolor">
+<p:notesMaster xmlns:a="http://schemas.openxmlformats.org/drawingml/2006/main" xmlns:r="http://schemas.openxmlformats.org/officeDocument/2006/relationships" xmlns:p="http://schemas.openxmlformats.org/presentationml/2006/main">
   <p:cSld>
+    <p:bg>
+      <p:bgRef idx="1001">
+        <a:schemeClr val="bg1"/>
+      </p:bgRef>
+    </p:bg>
     <p:spTree>
       <p:nvGrpSpPr>
-        <p:cNvPr id="2" name="Shape 2"/>
+        <p:cNvPr id="1" name="Shape 2"/>
         <p:cNvGrpSpPr/>
         <p:nvPr/>
       </p:nvGrpSpPr>
@@ -307,9 +312,11 @@
       <p:sp>
         <p:nvSpPr>
           <p:cNvPr id="3" name="Google Shape;3;n"/>
-          <p:cNvSpPr/>
-          <p:nvPr>
-            <p:ph idx="2" type="sldImg"/>
+          <p:cNvSpPr>
+            <a:spLocks noGrp="1" noRot="1" noChangeAspect="1"/>
+          </p:cNvSpPr>
+          <p:nvPr>
+            <p:ph type="sldImg" idx="2"/>
           </p:nvPr>
         </p:nvSpPr>
         <p:spPr>
@@ -318,9 +325,13 @@
             <a:ext cx="6096075" cy="3429000"/>
           </a:xfrm>
           <a:custGeom>
-            <a:rect b="b" l="l" r="r" t="t"/>
+            <a:avLst/>
+            <a:gdLst/>
+            <a:ahLst/>
+            <a:cxnLst/>
+            <a:rect l="l" t="t" r="r" b="b"/>
             <a:pathLst>
-              <a:path extrusionOk="0" h="120000" w="120000">
+              <a:path w="120000" h="120000" extrusionOk="0">
                 <a:moveTo>
                   <a:pt x="0" y="0"/>
                 </a:moveTo>
@@ -338,23 +349,25 @@
             </a:pathLst>
           </a:custGeom>
           <a:noFill/>
-          <a:ln cap="flat" cmpd="sng" w="9525">
+          <a:ln w="9525" cap="flat" cmpd="sng">
             <a:solidFill>
               <a:srgbClr val="000000"/>
             </a:solidFill>
             <a:prstDash val="solid"/>
             <a:round/>
-            <a:headEnd len="sm" w="sm" type="none"/>
-            <a:tailEnd len="sm" w="sm" type="none"/>
+            <a:headEnd type="none" w="sm" len="sm"/>
+            <a:tailEnd type="none" w="sm" len="sm"/>
           </a:ln>
         </p:spPr>
       </p:sp>
       <p:sp>
         <p:nvSpPr>
           <p:cNvPr id="4" name="Google Shape;4;n"/>
-          <p:cNvSpPr txBox="1"/>
-          <p:nvPr>
-            <p:ph idx="1" type="body"/>
+          <p:cNvSpPr txBox="1">
+            <a:spLocks noGrp="1"/>
+          </p:cNvSpPr>
+          <p:nvPr>
+            <p:ph type="body" idx="1"/>
           </p:nvPr>
         </p:nvSpPr>
         <p:spPr>
@@ -371,11 +384,11 @@
           </a:ln>
         </p:spPr>
         <p:txBody>
-          <a:bodyPr anchorCtr="0" anchor="t" bIns="91425" lIns="91425" spcFirstLastPara="1" rIns="91425" wrap="square" tIns="91425">
+          <a:bodyPr spcFirstLastPara="1" wrap="square" lIns="91425" tIns="91425" rIns="91425" bIns="91425" anchor="t" anchorCtr="0">
             <a:noAutofit/>
           </a:bodyPr>
           <a:lstStyle>
-            <a:lvl1pPr indent="-298450" lvl="0" marL="457200">
+            <a:lvl1pPr marL="457200" lvl="0" indent="-298450">
               <a:spcBef>
                 <a:spcPts val="0"/>
               </a:spcBef>
@@ -386,7 +399,7 @@
               <a:buChar char="●"/>
               <a:defRPr sz="1100"/>
             </a:lvl1pPr>
-            <a:lvl2pPr indent="-298450" lvl="1" marL="914400">
+            <a:lvl2pPr marL="914400" lvl="1" indent="-298450">
               <a:spcBef>
                 <a:spcPts val="0"/>
               </a:spcBef>
@@ -397,7 +410,7 @@
               <a:buChar char="○"/>
               <a:defRPr sz="1100"/>
             </a:lvl2pPr>
-            <a:lvl3pPr indent="-298450" lvl="2" marL="1371600">
+            <a:lvl3pPr marL="1371600" lvl="2" indent="-298450">
               <a:spcBef>
                 <a:spcPts val="0"/>
               </a:spcBef>
@@ -408,7 +421,7 @@
               <a:buChar char="■"/>
               <a:defRPr sz="1100"/>
             </a:lvl3pPr>
-            <a:lvl4pPr indent="-298450" lvl="3" marL="1828800">
+            <a:lvl4pPr marL="1828800" lvl="3" indent="-298450">
               <a:spcBef>
                 <a:spcPts val="0"/>
               </a:spcBef>
@@ -419,7 +432,7 @@
               <a:buChar char="●"/>
               <a:defRPr sz="1100"/>
             </a:lvl4pPr>
-            <a:lvl5pPr indent="-298450" lvl="4" marL="2286000">
+            <a:lvl5pPr marL="2286000" lvl="4" indent="-298450">
               <a:spcBef>
                 <a:spcPts val="0"/>
               </a:spcBef>
@@ -430,7 +443,7 @@
               <a:buChar char="○"/>
               <a:defRPr sz="1100"/>
             </a:lvl5pPr>
-            <a:lvl6pPr indent="-298450" lvl="5" marL="2743200">
+            <a:lvl6pPr marL="2743200" lvl="5" indent="-298450">
               <a:spcBef>
                 <a:spcPts val="0"/>
               </a:spcBef>
@@ -441,7 +454,7 @@
               <a:buChar char="■"/>
               <a:defRPr sz="1100"/>
             </a:lvl6pPr>
-            <a:lvl7pPr indent="-298450" lvl="6" marL="3200400">
+            <a:lvl7pPr marL="3200400" lvl="6" indent="-298450">
               <a:spcBef>
                 <a:spcPts val="0"/>
               </a:spcBef>
@@ -452,7 +465,7 @@
               <a:buChar char="●"/>
               <a:defRPr sz="1100"/>
             </a:lvl7pPr>
-            <a:lvl8pPr indent="-298450" lvl="7" marL="3657600">
+            <a:lvl8pPr marL="3657600" lvl="7" indent="-298450">
               <a:spcBef>
                 <a:spcPts val="0"/>
               </a:spcBef>
@@ -463,7 +476,7 @@
               <a:buChar char="○"/>
               <a:defRPr sz="1100"/>
             </a:lvl8pPr>
-            <a:lvl9pPr indent="-298450" lvl="8" marL="4114800">
+            <a:lvl9pPr marL="4114800" lvl="8" indent="-298450">
               <a:spcBef>
                 <a:spcPts val="0"/>
               </a:spcBef>
@@ -475,14 +488,16 @@
               <a:defRPr sz="1100"/>
             </a:lvl9pPr>
           </a:lstStyle>
-          <a:p/>
+          <a:p>
+            <a:endParaRPr/>
+          </a:p>
         </p:txBody>
       </p:sp>
     </p:spTree>
   </p:cSld>
-  <p:clrMap accent1="accent1" accent2="accent2" accent3="accent3" accent4="accent4" accent5="accent5" accent6="accent6" bg1="lt1" bg2="dk2" tx1="dk1" tx2="lt2" folHlink="folHlink" hlink="hlink"/>
+  <p:clrMap bg1="lt1" tx1="dk1" bg2="dk2" tx2="lt2" accent1="accent1" accent2="accent2" accent3="accent3" accent4="accent4" accent5="accent5" accent6="accent6" hlink="hlink" folHlink="folHlink"/>
   <p:notesStyle>
-    <a:defPPr lvl="0" marR="0" rtl="0" algn="l">
+    <a:defPPr marR="0" lvl="0" algn="l" rtl="0">
       <a:lnSpc>
         <a:spcPct val="100000"/>
       </a:lnSpc>
@@ -493,7 +508,7 @@
         <a:spcPts val="0"/>
       </a:spcAft>
     </a:defPPr>
-    <a:lvl1pPr lvl="0" marR="0" rtl="0" algn="l">
+    <a:lvl1pPr marR="0" lvl="0" algn="l" rtl="0">
       <a:lnSpc>
         <a:spcPct val="100000"/>
       </a:lnSpc>
@@ -507,7 +522,7 @@
         <a:srgbClr val="000000"/>
       </a:buClr>
       <a:buFont typeface="Arial"/>
-      <a:defRPr b="0" i="0" sz="1400" u="none" cap="none" strike="noStrike">
+      <a:defRPr sz="1400" b="0" i="0" u="none" strike="noStrike" cap="none">
         <a:solidFill>
           <a:srgbClr val="000000"/>
         </a:solidFill>
@@ -517,7 +532,7 @@
         <a:sym typeface="Arial"/>
       </a:defRPr>
     </a:lvl1pPr>
-    <a:lvl2pPr lvl="1" marR="0" rtl="0" algn="l">
+    <a:lvl2pPr marR="0" lvl="1" algn="l" rtl="0">
       <a:lnSpc>
         <a:spcPct val="100000"/>
       </a:lnSpc>
@@ -531,7 +546,7 @@
         <a:srgbClr val="000000"/>
       </a:buClr>
       <a:buFont typeface="Arial"/>
-      <a:defRPr b="0" i="0" sz="1400" u="none" cap="none" strike="noStrike">
+      <a:defRPr sz="1400" b="0" i="0" u="none" strike="noStrike" cap="none">
         <a:solidFill>
           <a:srgbClr val="000000"/>
         </a:solidFill>
@@ -541,7 +556,7 @@
         <a:sym typeface="Arial"/>
       </a:defRPr>
     </a:lvl2pPr>
-    <a:lvl3pPr lvl="2" marR="0" rtl="0" algn="l">
+    <a:lvl3pPr marR="0" lvl="2" algn="l" rtl="0">
       <a:lnSpc>
         <a:spcPct val="100000"/>
       </a:lnSpc>
@@ -555,7 +570,7 @@
         <a:srgbClr val="000000"/>
       </a:buClr>
       <a:buFont typeface="Arial"/>
-      <a:defRPr b="0" i="0" sz="1400" u="none" cap="none" strike="noStrike">
+      <a:defRPr sz="1400" b="0" i="0" u="none" strike="noStrike" cap="none">
         <a:solidFill>
           <a:srgbClr val="000000"/>
         </a:solidFill>
@@ -565,7 +580,7 @@
         <a:sym typeface="Arial"/>
       </a:defRPr>
     </a:lvl3pPr>
-    <a:lvl4pPr lvl="3" marR="0" rtl="0" algn="l">
+    <a:lvl4pPr marR="0" lvl="3" algn="l" rtl="0">
       <a:lnSpc>
         <a:spcPct val="100000"/>
       </a:lnSpc>
@@ -579,7 +594,7 @@
         <a:srgbClr val="000000"/>
       </a:buClr>
       <a:buFont typeface="Arial"/>
-      <a:defRPr b="0" i="0" sz="1400" u="none" cap="none" strike="noStrike">
+      <a:defRPr sz="1400" b="0" i="0" u="none" strike="noStrike" cap="none">
         <a:solidFill>
           <a:srgbClr val="000000"/>
         </a:solidFill>
@@ -589,7 +604,7 @@
         <a:sym typeface="Arial"/>
       </a:defRPr>
     </a:lvl4pPr>
-    <a:lvl5pPr lvl="4" marR="0" rtl="0" algn="l">
+    <a:lvl5pPr marR="0" lvl="4" algn="l" rtl="0">
       <a:lnSpc>
         <a:spcPct val="100000"/>
       </a:lnSpc>
@@ -603,7 +618,7 @@
         <a:srgbClr val="000000"/>
       </a:buClr>
       <a:buFont typeface="Arial"/>
-      <a:defRPr b="0" i="0" sz="1400" u="none" cap="none" strike="noStrike">
+      <a:defRPr sz="1400" b="0" i="0" u="none" strike="noStrike" cap="none">
         <a:solidFill>
           <a:srgbClr val="000000"/>
         </a:solidFill>
@@ -613,7 +628,7 @@
         <a:sym typeface="Arial"/>
       </a:defRPr>
     </a:lvl5pPr>
-    <a:lvl6pPr lvl="5" marR="0" rtl="0" algn="l">
+    <a:lvl6pPr marR="0" lvl="5" algn="l" rtl="0">
       <a:lnSpc>
         <a:spcPct val="100000"/>
       </a:lnSpc>
@@ -627,7 +642,7 @@
         <a:srgbClr val="000000"/>
       </a:buClr>
       <a:buFont typeface="Arial"/>
-      <a:defRPr b="0" i="0" sz="1400" u="none" cap="none" strike="noStrike">
+      <a:defRPr sz="1400" b="0" i="0" u="none" strike="noStrike" cap="none">
         <a:solidFill>
           <a:srgbClr val="000000"/>
         </a:solidFill>
@@ -637,7 +652,7 @@
         <a:sym typeface="Arial"/>
       </a:defRPr>
     </a:lvl6pPr>
-    <a:lvl7pPr lvl="6" marR="0" rtl="0" algn="l">
+    <a:lvl7pPr marR="0" lvl="6" algn="l" rtl="0">
       <a:lnSpc>
         <a:spcPct val="100000"/>
       </a:lnSpc>
@@ -651,7 +666,7 @@
         <a:srgbClr val="000000"/>
       </a:buClr>
       <a:buFont typeface="Arial"/>
-      <a:defRPr b="0" i="0" sz="1400" u="none" cap="none" strike="noStrike">
+      <a:defRPr sz="1400" b="0" i="0" u="none" strike="noStrike" cap="none">
         <a:solidFill>
           <a:srgbClr val="000000"/>
         </a:solidFill>
@@ -661,7 +676,7 @@
         <a:sym typeface="Arial"/>
       </a:defRPr>
     </a:lvl7pPr>
-    <a:lvl8pPr lvl="7" marR="0" rtl="0" algn="l">
+    <a:lvl8pPr marR="0" lvl="7" algn="l" rtl="0">
       <a:lnSpc>
         <a:spcPct val="100000"/>
       </a:lnSpc>
@@ -675,7 +690,7 @@
         <a:srgbClr val="000000"/>
       </a:buClr>
       <a:buFont typeface="Arial"/>
-      <a:defRPr b="0" i="0" sz="1400" u="none" cap="none" strike="noStrike">
+      <a:defRPr sz="1400" b="0" i="0" u="none" strike="noStrike" cap="none">
         <a:solidFill>
           <a:srgbClr val="000000"/>
         </a:solidFill>
@@ -685,7 +700,7 @@
         <a:sym typeface="Arial"/>
       </a:defRPr>
     </a:lvl8pPr>
-    <a:lvl9pPr lvl="8" marR="0" rtl="0" algn="l">
+    <a:lvl9pPr marR="0" lvl="8" algn="l" rtl="0">
       <a:lnSpc>
         <a:spcPct val="100000"/>
       </a:lnSpc>
@@ -699,7 +714,7 @@
         <a:srgbClr val="000000"/>
       </a:buClr>
       <a:buFont typeface="Arial"/>
-      <a:defRPr b="0" i="0" sz="1400" u="none" cap="none" strike="noStrike">
+      <a:defRPr sz="1400" b="0" i="0" u="none" strike="noStrike" cap="none">
         <a:solidFill>
           <a:srgbClr val="000000"/>
         </a:solidFill>
@@ -714,11 +729,11 @@
 </file>
 
 <file path=ppt/notesSlides/notesSlide1.xml><?xml version="1.0" encoding="utf-8"?>
-<p:notes xmlns:a="http://schemas.openxmlformats.org/drawingml/2006/main" xmlns:r="http://schemas.openxmlformats.org/officeDocument/2006/relationships" xmlns:mc="http://schemas.openxmlformats.org/markup-compatibility/2006" xmlns:mv="urn:schemas-microsoft-com:mac:vml" xmlns:p="http://schemas.openxmlformats.org/presentationml/2006/main" xmlns:c="http://schemas.openxmlformats.org/drawingml/2006/chart" xmlns:dgm="http://schemas.openxmlformats.org/drawingml/2006/diagram" xmlns:o="urn:schemas-microsoft-com:office:office" xmlns:v="urn:schemas-microsoft-com:vml" xmlns:pvml="urn:schemas-microsoft-com:office:powerpoint" xmlns:com="http://schemas.openxmlformats.org/drawingml/2006/compatibility" xmlns:p14="http://schemas.microsoft.com/office/powerpoint/2010/main" xmlns:p15="http://schemas.microsoft.com/office/powerpoint/2012/main" xmlns:ahyp="http://schemas.microsoft.com/office/drawing/2018/hyperlinkcolor" showMasterPhAnim="0" showMasterSp="0">
+<p:notes xmlns:a="http://schemas.openxmlformats.org/drawingml/2006/main" xmlns:r="http://schemas.openxmlformats.org/officeDocument/2006/relationships" xmlns:p="http://schemas.openxmlformats.org/presentationml/2006/main" showMasterSp="0" showMasterPhAnim="0">
   <p:cSld>
     <p:spTree>
       <p:nvGrpSpPr>
-        <p:cNvPr id="50" name="Shape 50"/>
+        <p:cNvPr id="1" name="Shape 50"/>
         <p:cNvGrpSpPr/>
         <p:nvPr/>
       </p:nvGrpSpPr>
@@ -733,9 +748,11 @@
       <p:sp>
         <p:nvSpPr>
           <p:cNvPr id="51" name="Google Shape;51;p:notes"/>
-          <p:cNvSpPr/>
-          <p:nvPr>
-            <p:ph idx="2" type="sldImg"/>
+          <p:cNvSpPr>
+            <a:spLocks noGrp="1" noRot="1" noChangeAspect="1"/>
+          </p:cNvSpPr>
+          <p:nvPr>
+            <p:ph type="sldImg" idx="2"/>
           </p:nvPr>
         </p:nvSpPr>
         <p:spPr>
@@ -744,9 +761,13 @@
             <a:ext cx="6096075" cy="3429000"/>
           </a:xfrm>
           <a:custGeom>
-            <a:rect b="b" l="l" r="r" t="t"/>
+            <a:avLst/>
+            <a:gdLst/>
+            <a:ahLst/>
+            <a:cxnLst/>
+            <a:rect l="l" t="t" r="r" b="b"/>
             <a:pathLst>
-              <a:path extrusionOk="0" h="120000" w="120000">
+              <a:path w="120000" h="120000" extrusionOk="0">
                 <a:moveTo>
                   <a:pt x="0" y="0"/>
                 </a:moveTo>
@@ -768,9 +789,11 @@
       <p:sp>
         <p:nvSpPr>
           <p:cNvPr id="52" name="Google Shape;52;p:notes"/>
-          <p:cNvSpPr txBox="1"/>
-          <p:nvPr>
-            <p:ph idx="1" type="body"/>
+          <p:cNvSpPr txBox="1">
+            <a:spLocks noGrp="1"/>
+          </p:cNvSpPr>
+          <p:nvPr>
+            <p:ph type="body" idx="1"/>
           </p:nvPr>
         </p:nvSpPr>
         <p:spPr>
@@ -783,23 +806,20 @@
           </a:prstGeom>
         </p:spPr>
         <p:txBody>
-          <a:bodyPr anchorCtr="0" anchor="t" bIns="91425" lIns="91425" spcFirstLastPara="1" rIns="91425" wrap="square" tIns="91425">
+          <a:bodyPr spcFirstLastPara="1" wrap="square" lIns="91425" tIns="91425" rIns="91425" bIns="91425" anchor="t" anchorCtr="0">
             <a:noAutofit/>
           </a:bodyPr>
           <a:lstStyle/>
           <a:p>
-            <a:pPr indent="0" lvl="0" marL="0" rtl="0" algn="l">
-              <a:spcBef>
-                <a:spcPts val="0"/>
-              </a:spcBef>
-              <a:spcAft>
-                <a:spcPts val="0"/>
-              </a:spcAft>
-              <a:buNone/>
-            </a:pPr>
-            <a:r>
-              <a:t/>
-            </a:r>
+            <a:pPr marL="0" lvl="0" indent="0" algn="l" rtl="0">
+              <a:spcBef>
+                <a:spcPts val="0"/>
+              </a:spcBef>
+              <a:spcAft>
+                <a:spcPts val="0"/>
+              </a:spcAft>
+              <a:buNone/>
+            </a:pPr>
             <a:endParaRPr/>
           </a:p>
         </p:txBody>
@@ -813,11 +833,11 @@
 </file>
 
 <file path=ppt/notesSlides/notesSlide10.xml><?xml version="1.0" encoding="utf-8"?>
-<p:notes xmlns:a="http://schemas.openxmlformats.org/drawingml/2006/main" xmlns:r="http://schemas.openxmlformats.org/officeDocument/2006/relationships" xmlns:mc="http://schemas.openxmlformats.org/markup-compatibility/2006" xmlns:mv="urn:schemas-microsoft-com:mac:vml" xmlns:p="http://schemas.openxmlformats.org/presentationml/2006/main" xmlns:c="http://schemas.openxmlformats.org/drawingml/2006/chart" xmlns:dgm="http://schemas.openxmlformats.org/drawingml/2006/diagram" xmlns:o="urn:schemas-microsoft-com:office:office" xmlns:v="urn:schemas-microsoft-com:vml" xmlns:pvml="urn:schemas-microsoft-com:office:powerpoint" xmlns:com="http://schemas.openxmlformats.org/drawingml/2006/compatibility" xmlns:p14="http://schemas.microsoft.com/office/powerpoint/2010/main" xmlns:p15="http://schemas.microsoft.com/office/powerpoint/2012/main" xmlns:ahyp="http://schemas.microsoft.com/office/drawing/2018/hyperlinkcolor" showMasterPhAnim="0" showMasterSp="0">
+<p:notes xmlns:a="http://schemas.openxmlformats.org/drawingml/2006/main" xmlns:r="http://schemas.openxmlformats.org/officeDocument/2006/relationships" xmlns:p="http://schemas.openxmlformats.org/presentationml/2006/main" showMasterSp="0" showMasterPhAnim="0">
   <p:cSld>
     <p:spTree>
       <p:nvGrpSpPr>
-        <p:cNvPr id="120" name="Shape 120"/>
+        <p:cNvPr id="1" name="Shape 120"/>
         <p:cNvGrpSpPr/>
         <p:nvPr/>
       </p:nvGrpSpPr>
@@ -832,9 +852,11 @@
       <p:sp>
         <p:nvSpPr>
           <p:cNvPr id="121" name="Google Shape;121;g1152e44ef54_0_14:notes"/>
-          <p:cNvSpPr/>
-          <p:nvPr>
-            <p:ph idx="2" type="sldImg"/>
+          <p:cNvSpPr>
+            <a:spLocks noGrp="1" noRot="1" noChangeAspect="1"/>
+          </p:cNvSpPr>
+          <p:nvPr>
+            <p:ph type="sldImg" idx="2"/>
           </p:nvPr>
         </p:nvSpPr>
         <p:spPr>
@@ -843,9 +865,13 @@
             <a:ext cx="6096000" cy="3429000"/>
           </a:xfrm>
           <a:custGeom>
-            <a:rect b="b" l="l" r="r" t="t"/>
+            <a:avLst/>
+            <a:gdLst/>
+            <a:ahLst/>
+            <a:cxnLst/>
+            <a:rect l="l" t="t" r="r" b="b"/>
             <a:pathLst>
-              <a:path extrusionOk="0" h="120000" w="120000">
+              <a:path w="120000" h="120000" extrusionOk="0">
                 <a:moveTo>
                   <a:pt x="0" y="0"/>
                 </a:moveTo>
@@ -867,9 +893,11 @@
       <p:sp>
         <p:nvSpPr>
           <p:cNvPr id="122" name="Google Shape;122;g1152e44ef54_0_14:notes"/>
-          <p:cNvSpPr txBox="1"/>
-          <p:nvPr>
-            <p:ph idx="1" type="body"/>
+          <p:cNvSpPr txBox="1">
+            <a:spLocks noGrp="1"/>
+          </p:cNvSpPr>
+          <p:nvPr>
+            <p:ph type="body" idx="1"/>
           </p:nvPr>
         </p:nvSpPr>
         <p:spPr>
@@ -882,23 +910,20 @@
           </a:prstGeom>
         </p:spPr>
         <p:txBody>
-          <a:bodyPr anchorCtr="0" anchor="t" bIns="91425" lIns="91425" spcFirstLastPara="1" rIns="91425" wrap="square" tIns="91425">
+          <a:bodyPr spcFirstLastPara="1" wrap="square" lIns="91425" tIns="91425" rIns="91425" bIns="91425" anchor="t" anchorCtr="0">
             <a:noAutofit/>
           </a:bodyPr>
           <a:lstStyle/>
           <a:p>
-            <a:pPr indent="0" lvl="0" marL="0" rtl="0" algn="l">
-              <a:spcBef>
-                <a:spcPts val="0"/>
-              </a:spcBef>
-              <a:spcAft>
-                <a:spcPts val="0"/>
-              </a:spcAft>
-              <a:buNone/>
-            </a:pPr>
-            <a:r>
-              <a:t/>
-            </a:r>
+            <a:pPr marL="0" lvl="0" indent="0" algn="l" rtl="0">
+              <a:spcBef>
+                <a:spcPts val="0"/>
+              </a:spcBef>
+              <a:spcAft>
+                <a:spcPts val="0"/>
+              </a:spcAft>
+              <a:buNone/>
+            </a:pPr>
             <a:endParaRPr/>
           </a:p>
         </p:txBody>
@@ -912,11 +937,11 @@
 </file>
 
 <file path=ppt/notesSlides/notesSlide11.xml><?xml version="1.0" encoding="utf-8"?>
-<p:notes xmlns:a="http://schemas.openxmlformats.org/drawingml/2006/main" xmlns:r="http://schemas.openxmlformats.org/officeDocument/2006/relationships" xmlns:mc="http://schemas.openxmlformats.org/markup-compatibility/2006" xmlns:mv="urn:schemas-microsoft-com:mac:vml" xmlns:p="http://schemas.openxmlformats.org/presentationml/2006/main" xmlns:c="http://schemas.openxmlformats.org/drawingml/2006/chart" xmlns:dgm="http://schemas.openxmlformats.org/drawingml/2006/diagram" xmlns:o="urn:schemas-microsoft-com:office:office" xmlns:v="urn:schemas-microsoft-com:vml" xmlns:pvml="urn:schemas-microsoft-com:office:powerpoint" xmlns:com="http://schemas.openxmlformats.org/drawingml/2006/compatibility" xmlns:p14="http://schemas.microsoft.com/office/powerpoint/2010/main" xmlns:p15="http://schemas.microsoft.com/office/powerpoint/2012/main" xmlns:ahyp="http://schemas.microsoft.com/office/drawing/2018/hyperlinkcolor" showMasterPhAnim="0" showMasterSp="0">
+<p:notes xmlns:a="http://schemas.openxmlformats.org/drawingml/2006/main" xmlns:r="http://schemas.openxmlformats.org/officeDocument/2006/relationships" xmlns:p="http://schemas.openxmlformats.org/presentationml/2006/main" showMasterSp="0" showMasterPhAnim="0">
   <p:cSld>
     <p:spTree>
       <p:nvGrpSpPr>
-        <p:cNvPr id="128" name="Shape 128"/>
+        <p:cNvPr id="1" name="Shape 128"/>
         <p:cNvGrpSpPr/>
         <p:nvPr/>
       </p:nvGrpSpPr>
@@ -931,9 +956,11 @@
       <p:sp>
         <p:nvSpPr>
           <p:cNvPr id="129" name="Google Shape;129;g115637626fa_0_95:notes"/>
-          <p:cNvSpPr/>
-          <p:nvPr>
-            <p:ph idx="2" type="sldImg"/>
+          <p:cNvSpPr>
+            <a:spLocks noGrp="1" noRot="1" noChangeAspect="1"/>
+          </p:cNvSpPr>
+          <p:nvPr>
+            <p:ph type="sldImg" idx="2"/>
           </p:nvPr>
         </p:nvSpPr>
         <p:spPr>
@@ -942,9 +969,13 @@
             <a:ext cx="6096000" cy="3429000"/>
           </a:xfrm>
           <a:custGeom>
-            <a:rect b="b" l="l" r="r" t="t"/>
+            <a:avLst/>
+            <a:gdLst/>
+            <a:ahLst/>
+            <a:cxnLst/>
+            <a:rect l="l" t="t" r="r" b="b"/>
             <a:pathLst>
-              <a:path extrusionOk="0" h="120000" w="120000">
+              <a:path w="120000" h="120000" extrusionOk="0">
                 <a:moveTo>
                   <a:pt x="0" y="0"/>
                 </a:moveTo>
@@ -966,9 +997,11 @@
       <p:sp>
         <p:nvSpPr>
           <p:cNvPr id="130" name="Google Shape;130;g115637626fa_0_95:notes"/>
-          <p:cNvSpPr txBox="1"/>
-          <p:nvPr>
-            <p:ph idx="1" type="body"/>
+          <p:cNvSpPr txBox="1">
+            <a:spLocks noGrp="1"/>
+          </p:cNvSpPr>
+          <p:nvPr>
+            <p:ph type="body" idx="1"/>
           </p:nvPr>
         </p:nvSpPr>
         <p:spPr>
@@ -981,23 +1014,20 @@
           </a:prstGeom>
         </p:spPr>
         <p:txBody>
-          <a:bodyPr anchorCtr="0" anchor="t" bIns="91425" lIns="91425" spcFirstLastPara="1" rIns="91425" wrap="square" tIns="91425">
+          <a:bodyPr spcFirstLastPara="1" wrap="square" lIns="91425" tIns="91425" rIns="91425" bIns="91425" anchor="t" anchorCtr="0">
             <a:noAutofit/>
           </a:bodyPr>
           <a:lstStyle/>
           <a:p>
-            <a:pPr indent="0" lvl="0" marL="0" rtl="0" algn="l">
-              <a:spcBef>
-                <a:spcPts val="0"/>
-              </a:spcBef>
-              <a:spcAft>
-                <a:spcPts val="0"/>
-              </a:spcAft>
-              <a:buNone/>
-            </a:pPr>
-            <a:r>
-              <a:t/>
-            </a:r>
+            <a:pPr marL="0" lvl="0" indent="0" algn="l" rtl="0">
+              <a:spcBef>
+                <a:spcPts val="0"/>
+              </a:spcBef>
+              <a:spcAft>
+                <a:spcPts val="0"/>
+              </a:spcAft>
+              <a:buNone/>
+            </a:pPr>
             <a:endParaRPr/>
           </a:p>
         </p:txBody>
@@ -1011,11 +1041,11 @@
 </file>
 
 <file path=ppt/notesSlides/notesSlide12.xml><?xml version="1.0" encoding="utf-8"?>
-<p:notes xmlns:a="http://schemas.openxmlformats.org/drawingml/2006/main" xmlns:r="http://schemas.openxmlformats.org/officeDocument/2006/relationships" xmlns:mc="http://schemas.openxmlformats.org/markup-compatibility/2006" xmlns:mv="urn:schemas-microsoft-com:mac:vml" xmlns:p="http://schemas.openxmlformats.org/presentationml/2006/main" xmlns:c="http://schemas.openxmlformats.org/drawingml/2006/chart" xmlns:dgm="http://schemas.openxmlformats.org/drawingml/2006/diagram" xmlns:o="urn:schemas-microsoft-com:office:office" xmlns:v="urn:schemas-microsoft-com:vml" xmlns:pvml="urn:schemas-microsoft-com:office:powerpoint" xmlns:com="http://schemas.openxmlformats.org/drawingml/2006/compatibility" xmlns:p14="http://schemas.microsoft.com/office/powerpoint/2010/main" xmlns:p15="http://schemas.microsoft.com/office/powerpoint/2012/main" xmlns:ahyp="http://schemas.microsoft.com/office/drawing/2018/hyperlinkcolor" showMasterPhAnim="0" showMasterSp="0">
+<p:notes xmlns:a="http://schemas.openxmlformats.org/drawingml/2006/main" xmlns:r="http://schemas.openxmlformats.org/officeDocument/2006/relationships" xmlns:p="http://schemas.openxmlformats.org/presentationml/2006/main" showMasterSp="0" showMasterPhAnim="0">
   <p:cSld>
     <p:spTree>
       <p:nvGrpSpPr>
-        <p:cNvPr id="135" name="Shape 135"/>
+        <p:cNvPr id="1" name="Shape 135"/>
         <p:cNvGrpSpPr/>
         <p:nvPr/>
       </p:nvGrpSpPr>
@@ -1030,9 +1060,11 @@
       <p:sp>
         <p:nvSpPr>
           <p:cNvPr id="136" name="Google Shape;136;g115637626fa_0_102:notes"/>
-          <p:cNvSpPr/>
-          <p:nvPr>
-            <p:ph idx="2" type="sldImg"/>
+          <p:cNvSpPr>
+            <a:spLocks noGrp="1" noRot="1" noChangeAspect="1"/>
+          </p:cNvSpPr>
+          <p:nvPr>
+            <p:ph type="sldImg" idx="2"/>
           </p:nvPr>
         </p:nvSpPr>
         <p:spPr>
@@ -1041,9 +1073,13 @@
             <a:ext cx="6096000" cy="3429000"/>
           </a:xfrm>
           <a:custGeom>
-            <a:rect b="b" l="l" r="r" t="t"/>
+            <a:avLst/>
+            <a:gdLst/>
+            <a:ahLst/>
+            <a:cxnLst/>
+            <a:rect l="l" t="t" r="r" b="b"/>
             <a:pathLst>
-              <a:path extrusionOk="0" h="120000" w="120000">
+              <a:path w="120000" h="120000" extrusionOk="0">
                 <a:moveTo>
                   <a:pt x="0" y="0"/>
                 </a:moveTo>
@@ -1065,9 +1101,11 @@
       <p:sp>
         <p:nvSpPr>
           <p:cNvPr id="137" name="Google Shape;137;g115637626fa_0_102:notes"/>
-          <p:cNvSpPr txBox="1"/>
-          <p:nvPr>
-            <p:ph idx="1" type="body"/>
+          <p:cNvSpPr txBox="1">
+            <a:spLocks noGrp="1"/>
+          </p:cNvSpPr>
+          <p:nvPr>
+            <p:ph type="body" idx="1"/>
           </p:nvPr>
         </p:nvSpPr>
         <p:spPr>
@@ -1080,23 +1118,20 @@
           </a:prstGeom>
         </p:spPr>
         <p:txBody>
-          <a:bodyPr anchorCtr="0" anchor="t" bIns="91425" lIns="91425" spcFirstLastPara="1" rIns="91425" wrap="square" tIns="91425">
+          <a:bodyPr spcFirstLastPara="1" wrap="square" lIns="91425" tIns="91425" rIns="91425" bIns="91425" anchor="t" anchorCtr="0">
             <a:noAutofit/>
           </a:bodyPr>
           <a:lstStyle/>
           <a:p>
-            <a:pPr indent="0" lvl="0" marL="0" rtl="0" algn="l">
-              <a:spcBef>
-                <a:spcPts val="0"/>
-              </a:spcBef>
-              <a:spcAft>
-                <a:spcPts val="0"/>
-              </a:spcAft>
-              <a:buNone/>
-            </a:pPr>
-            <a:r>
-              <a:t/>
-            </a:r>
+            <a:pPr marL="0" lvl="0" indent="0" algn="l" rtl="0">
+              <a:spcBef>
+                <a:spcPts val="0"/>
+              </a:spcBef>
+              <a:spcAft>
+                <a:spcPts val="0"/>
+              </a:spcAft>
+              <a:buNone/>
+            </a:pPr>
             <a:endParaRPr/>
           </a:p>
         </p:txBody>
@@ -1110,11 +1145,11 @@
 </file>
 
 <file path=ppt/notesSlides/notesSlide13.xml><?xml version="1.0" encoding="utf-8"?>
-<p:notes xmlns:a="http://schemas.openxmlformats.org/drawingml/2006/main" xmlns:r="http://schemas.openxmlformats.org/officeDocument/2006/relationships" xmlns:mc="http://schemas.openxmlformats.org/markup-compatibility/2006" xmlns:mv="urn:schemas-microsoft-com:mac:vml" xmlns:p="http://schemas.openxmlformats.org/presentationml/2006/main" xmlns:c="http://schemas.openxmlformats.org/drawingml/2006/chart" xmlns:dgm="http://schemas.openxmlformats.org/drawingml/2006/diagram" xmlns:o="urn:schemas-microsoft-com:office:office" xmlns:v="urn:schemas-microsoft-com:vml" xmlns:pvml="urn:schemas-microsoft-com:office:powerpoint" xmlns:com="http://schemas.openxmlformats.org/drawingml/2006/compatibility" xmlns:p14="http://schemas.microsoft.com/office/powerpoint/2010/main" xmlns:p15="http://schemas.microsoft.com/office/powerpoint/2012/main" xmlns:ahyp="http://schemas.microsoft.com/office/drawing/2018/hyperlinkcolor" showMasterPhAnim="0" showMasterSp="0">
+<p:notes xmlns:a="http://schemas.openxmlformats.org/drawingml/2006/main" xmlns:r="http://schemas.openxmlformats.org/officeDocument/2006/relationships" xmlns:p="http://schemas.openxmlformats.org/presentationml/2006/main" showMasterSp="0" showMasterPhAnim="0">
   <p:cSld>
     <p:spTree>
       <p:nvGrpSpPr>
-        <p:cNvPr id="142" name="Shape 142"/>
+        <p:cNvPr id="1" name="Shape 142"/>
         <p:cNvGrpSpPr/>
         <p:nvPr/>
       </p:nvGrpSpPr>
@@ -1129,9 +1164,11 @@
       <p:sp>
         <p:nvSpPr>
           <p:cNvPr id="143" name="Google Shape;143;g115637626fa_0_108:notes"/>
-          <p:cNvSpPr/>
-          <p:nvPr>
-            <p:ph idx="2" type="sldImg"/>
+          <p:cNvSpPr>
+            <a:spLocks noGrp="1" noRot="1" noChangeAspect="1"/>
+          </p:cNvSpPr>
+          <p:nvPr>
+            <p:ph type="sldImg" idx="2"/>
           </p:nvPr>
         </p:nvSpPr>
         <p:spPr>
@@ -1140,9 +1177,13 @@
             <a:ext cx="6096000" cy="3429000"/>
           </a:xfrm>
           <a:custGeom>
-            <a:rect b="b" l="l" r="r" t="t"/>
+            <a:avLst/>
+            <a:gdLst/>
+            <a:ahLst/>
+            <a:cxnLst/>
+            <a:rect l="l" t="t" r="r" b="b"/>
             <a:pathLst>
-              <a:path extrusionOk="0" h="120000" w="120000">
+              <a:path w="120000" h="120000" extrusionOk="0">
                 <a:moveTo>
                   <a:pt x="0" y="0"/>
                 </a:moveTo>
@@ -1164,9 +1205,11 @@
       <p:sp>
         <p:nvSpPr>
           <p:cNvPr id="144" name="Google Shape;144;g115637626fa_0_108:notes"/>
-          <p:cNvSpPr txBox="1"/>
-          <p:nvPr>
-            <p:ph idx="1" type="body"/>
+          <p:cNvSpPr txBox="1">
+            <a:spLocks noGrp="1"/>
+          </p:cNvSpPr>
+          <p:nvPr>
+            <p:ph type="body" idx="1"/>
           </p:nvPr>
         </p:nvSpPr>
         <p:spPr>
@@ -1179,23 +1222,20 @@
           </a:prstGeom>
         </p:spPr>
         <p:txBody>
-          <a:bodyPr anchorCtr="0" anchor="t" bIns="91425" lIns="91425" spcFirstLastPara="1" rIns="91425" wrap="square" tIns="91425">
+          <a:bodyPr spcFirstLastPara="1" wrap="square" lIns="91425" tIns="91425" rIns="91425" bIns="91425" anchor="t" anchorCtr="0">
             <a:noAutofit/>
           </a:bodyPr>
           <a:lstStyle/>
           <a:p>
-            <a:pPr indent="0" lvl="0" marL="0" rtl="0" algn="l">
-              <a:spcBef>
-                <a:spcPts val="0"/>
-              </a:spcBef>
-              <a:spcAft>
-                <a:spcPts val="0"/>
-              </a:spcAft>
-              <a:buNone/>
-            </a:pPr>
-            <a:r>
-              <a:t/>
-            </a:r>
+            <a:pPr marL="0" lvl="0" indent="0" algn="l" rtl="0">
+              <a:spcBef>
+                <a:spcPts val="0"/>
+              </a:spcBef>
+              <a:spcAft>
+                <a:spcPts val="0"/>
+              </a:spcAft>
+              <a:buNone/>
+            </a:pPr>
             <a:endParaRPr/>
           </a:p>
         </p:txBody>
@@ -1209,11 +1249,11 @@
 </file>
 
 <file path=ppt/notesSlides/notesSlide14.xml><?xml version="1.0" encoding="utf-8"?>
-<p:notes xmlns:a="http://schemas.openxmlformats.org/drawingml/2006/main" xmlns:r="http://schemas.openxmlformats.org/officeDocument/2006/relationships" xmlns:mc="http://schemas.openxmlformats.org/markup-compatibility/2006" xmlns:mv="urn:schemas-microsoft-com:mac:vml" xmlns:p="http://schemas.openxmlformats.org/presentationml/2006/main" xmlns:c="http://schemas.openxmlformats.org/drawingml/2006/chart" xmlns:dgm="http://schemas.openxmlformats.org/drawingml/2006/diagram" xmlns:o="urn:schemas-microsoft-com:office:office" xmlns:v="urn:schemas-microsoft-com:vml" xmlns:pvml="urn:schemas-microsoft-com:office:powerpoint" xmlns:com="http://schemas.openxmlformats.org/drawingml/2006/compatibility" xmlns:p14="http://schemas.microsoft.com/office/powerpoint/2010/main" xmlns:p15="http://schemas.microsoft.com/office/powerpoint/2012/main" xmlns:ahyp="http://schemas.microsoft.com/office/drawing/2018/hyperlinkcolor" showMasterPhAnim="0" showMasterSp="0">
+<p:notes xmlns:a="http://schemas.openxmlformats.org/drawingml/2006/main" xmlns:r="http://schemas.openxmlformats.org/officeDocument/2006/relationships" xmlns:p="http://schemas.openxmlformats.org/presentationml/2006/main" showMasterSp="0" showMasterPhAnim="0">
   <p:cSld>
     <p:spTree>
       <p:nvGrpSpPr>
-        <p:cNvPr id="153" name="Shape 153"/>
+        <p:cNvPr id="1" name="Shape 153"/>
         <p:cNvGrpSpPr/>
         <p:nvPr/>
       </p:nvGrpSpPr>
@@ -1228,9 +1268,11 @@
       <p:sp>
         <p:nvSpPr>
           <p:cNvPr id="154" name="Google Shape;154;g115637626fa_0_13:notes"/>
-          <p:cNvSpPr/>
-          <p:nvPr>
-            <p:ph idx="2" type="sldImg"/>
+          <p:cNvSpPr>
+            <a:spLocks noGrp="1" noRot="1" noChangeAspect="1"/>
+          </p:cNvSpPr>
+          <p:nvPr>
+            <p:ph type="sldImg" idx="2"/>
           </p:nvPr>
         </p:nvSpPr>
         <p:spPr>
@@ -1239,9 +1281,13 @@
             <a:ext cx="6096000" cy="3429000"/>
           </a:xfrm>
           <a:custGeom>
-            <a:rect b="b" l="l" r="r" t="t"/>
+            <a:avLst/>
+            <a:gdLst/>
+            <a:ahLst/>
+            <a:cxnLst/>
+            <a:rect l="l" t="t" r="r" b="b"/>
             <a:pathLst>
-              <a:path extrusionOk="0" h="120000" w="120000">
+              <a:path w="120000" h="120000" extrusionOk="0">
                 <a:moveTo>
                   <a:pt x="0" y="0"/>
                 </a:moveTo>
@@ -1263,9 +1309,11 @@
       <p:sp>
         <p:nvSpPr>
           <p:cNvPr id="155" name="Google Shape;155;g115637626fa_0_13:notes"/>
-          <p:cNvSpPr txBox="1"/>
-          <p:nvPr>
-            <p:ph idx="1" type="body"/>
+          <p:cNvSpPr txBox="1">
+            <a:spLocks noGrp="1"/>
+          </p:cNvSpPr>
+          <p:nvPr>
+            <p:ph type="body" idx="1"/>
           </p:nvPr>
         </p:nvSpPr>
         <p:spPr>
@@ -1278,23 +1326,20 @@
           </a:prstGeom>
         </p:spPr>
         <p:txBody>
-          <a:bodyPr anchorCtr="0" anchor="t" bIns="91425" lIns="91425" spcFirstLastPara="1" rIns="91425" wrap="square" tIns="91425">
+          <a:bodyPr spcFirstLastPara="1" wrap="square" lIns="91425" tIns="91425" rIns="91425" bIns="91425" anchor="t" anchorCtr="0">
             <a:noAutofit/>
           </a:bodyPr>
           <a:lstStyle/>
           <a:p>
-            <a:pPr indent="0" lvl="0" marL="0" rtl="0" algn="l">
-              <a:spcBef>
-                <a:spcPts val="0"/>
-              </a:spcBef>
-              <a:spcAft>
-                <a:spcPts val="0"/>
-              </a:spcAft>
-              <a:buNone/>
-            </a:pPr>
-            <a:r>
-              <a:t/>
-            </a:r>
+            <a:pPr marL="0" lvl="0" indent="0" algn="l" rtl="0">
+              <a:spcBef>
+                <a:spcPts val="0"/>
+              </a:spcBef>
+              <a:spcAft>
+                <a:spcPts val="0"/>
+              </a:spcAft>
+              <a:buNone/>
+            </a:pPr>
             <a:endParaRPr/>
           </a:p>
         </p:txBody>
@@ -1308,11 +1353,11 @@
 </file>
 
 <file path=ppt/notesSlides/notesSlide15.xml><?xml version="1.0" encoding="utf-8"?>
-<p:notes xmlns:a="http://schemas.openxmlformats.org/drawingml/2006/main" xmlns:r="http://schemas.openxmlformats.org/officeDocument/2006/relationships" xmlns:mc="http://schemas.openxmlformats.org/markup-compatibility/2006" xmlns:mv="urn:schemas-microsoft-com:mac:vml" xmlns:p="http://schemas.openxmlformats.org/presentationml/2006/main" xmlns:c="http://schemas.openxmlformats.org/drawingml/2006/chart" xmlns:dgm="http://schemas.openxmlformats.org/drawingml/2006/diagram" xmlns:o="urn:schemas-microsoft-com:office:office" xmlns:v="urn:schemas-microsoft-com:vml" xmlns:pvml="urn:schemas-microsoft-com:office:powerpoint" xmlns:com="http://schemas.openxmlformats.org/drawingml/2006/compatibility" xmlns:p14="http://schemas.microsoft.com/office/powerpoint/2010/main" xmlns:p15="http://schemas.microsoft.com/office/powerpoint/2012/main" xmlns:ahyp="http://schemas.microsoft.com/office/drawing/2018/hyperlinkcolor" showMasterPhAnim="0" showMasterSp="0">
+<p:notes xmlns:a="http://schemas.openxmlformats.org/drawingml/2006/main" xmlns:r="http://schemas.openxmlformats.org/officeDocument/2006/relationships" xmlns:p="http://schemas.openxmlformats.org/presentationml/2006/main" showMasterSp="0" showMasterPhAnim="0">
   <p:cSld>
     <p:spTree>
       <p:nvGrpSpPr>
-        <p:cNvPr id="161" name="Shape 161"/>
+        <p:cNvPr id="1" name="Shape 161"/>
         <p:cNvGrpSpPr/>
         <p:nvPr/>
       </p:nvGrpSpPr>
@@ -1327,9 +1372,11 @@
       <p:sp>
         <p:nvSpPr>
           <p:cNvPr id="162" name="Google Shape;162;g115637626fa_0_121:notes"/>
-          <p:cNvSpPr/>
-          <p:nvPr>
-            <p:ph idx="2" type="sldImg"/>
+          <p:cNvSpPr>
+            <a:spLocks noGrp="1" noRot="1" noChangeAspect="1"/>
+          </p:cNvSpPr>
+          <p:nvPr>
+            <p:ph type="sldImg" idx="2"/>
           </p:nvPr>
         </p:nvSpPr>
         <p:spPr>
@@ -1338,9 +1385,13 @@
             <a:ext cx="6096000" cy="3429000"/>
           </a:xfrm>
           <a:custGeom>
-            <a:rect b="b" l="l" r="r" t="t"/>
+            <a:avLst/>
+            <a:gdLst/>
+            <a:ahLst/>
+            <a:cxnLst/>
+            <a:rect l="l" t="t" r="r" b="b"/>
             <a:pathLst>
-              <a:path extrusionOk="0" h="120000" w="120000">
+              <a:path w="120000" h="120000" extrusionOk="0">
                 <a:moveTo>
                   <a:pt x="0" y="0"/>
                 </a:moveTo>
@@ -1362,9 +1413,11 @@
       <p:sp>
         <p:nvSpPr>
           <p:cNvPr id="163" name="Google Shape;163;g115637626fa_0_121:notes"/>
-          <p:cNvSpPr txBox="1"/>
-          <p:nvPr>
-            <p:ph idx="1" type="body"/>
+          <p:cNvSpPr txBox="1">
+            <a:spLocks noGrp="1"/>
+          </p:cNvSpPr>
+          <p:nvPr>
+            <p:ph type="body" idx="1"/>
           </p:nvPr>
         </p:nvSpPr>
         <p:spPr>
@@ -1377,23 +1430,20 @@
           </a:prstGeom>
         </p:spPr>
         <p:txBody>
-          <a:bodyPr anchorCtr="0" anchor="t" bIns="91425" lIns="91425" spcFirstLastPara="1" rIns="91425" wrap="square" tIns="91425">
+          <a:bodyPr spcFirstLastPara="1" wrap="square" lIns="91425" tIns="91425" rIns="91425" bIns="91425" anchor="t" anchorCtr="0">
             <a:noAutofit/>
           </a:bodyPr>
           <a:lstStyle/>
           <a:p>
-            <a:pPr indent="0" lvl="0" marL="0" rtl="0" algn="l">
-              <a:spcBef>
-                <a:spcPts val="0"/>
-              </a:spcBef>
-              <a:spcAft>
-                <a:spcPts val="0"/>
-              </a:spcAft>
-              <a:buNone/>
-            </a:pPr>
-            <a:r>
-              <a:t/>
-            </a:r>
+            <a:pPr marL="0" lvl="0" indent="0" algn="l" rtl="0">
+              <a:spcBef>
+                <a:spcPts val="0"/>
+              </a:spcBef>
+              <a:spcAft>
+                <a:spcPts val="0"/>
+              </a:spcAft>
+              <a:buNone/>
+            </a:pPr>
             <a:endParaRPr/>
           </a:p>
         </p:txBody>
@@ -1407,11 +1457,11 @@
 </file>
 
 <file path=ppt/notesSlides/notesSlide16.xml><?xml version="1.0" encoding="utf-8"?>
-<p:notes xmlns:a="http://schemas.openxmlformats.org/drawingml/2006/main" xmlns:r="http://schemas.openxmlformats.org/officeDocument/2006/relationships" xmlns:mc="http://schemas.openxmlformats.org/markup-compatibility/2006" xmlns:mv="urn:schemas-microsoft-com:mac:vml" xmlns:p="http://schemas.openxmlformats.org/presentationml/2006/main" xmlns:c="http://schemas.openxmlformats.org/drawingml/2006/chart" xmlns:dgm="http://schemas.openxmlformats.org/drawingml/2006/diagram" xmlns:o="urn:schemas-microsoft-com:office:office" xmlns:v="urn:schemas-microsoft-com:vml" xmlns:pvml="urn:schemas-microsoft-com:office:powerpoint" xmlns:com="http://schemas.openxmlformats.org/drawingml/2006/compatibility" xmlns:p14="http://schemas.microsoft.com/office/powerpoint/2010/main" xmlns:p15="http://schemas.microsoft.com/office/powerpoint/2012/main" xmlns:ahyp="http://schemas.microsoft.com/office/drawing/2018/hyperlinkcolor" showMasterPhAnim="0" showMasterSp="0">
+<p:notes xmlns:a="http://schemas.openxmlformats.org/drawingml/2006/main" xmlns:r="http://schemas.openxmlformats.org/officeDocument/2006/relationships" xmlns:p="http://schemas.openxmlformats.org/presentationml/2006/main" showMasterSp="0" showMasterPhAnim="0">
   <p:cSld>
     <p:spTree>
       <p:nvGrpSpPr>
-        <p:cNvPr id="168" name="Shape 168"/>
+        <p:cNvPr id="1" name="Shape 168"/>
         <p:cNvGrpSpPr/>
         <p:nvPr/>
       </p:nvGrpSpPr>
@@ -1426,9 +1476,11 @@
       <p:sp>
         <p:nvSpPr>
           <p:cNvPr id="169" name="Google Shape;169;g115637626fa_0_127:notes"/>
-          <p:cNvSpPr/>
-          <p:nvPr>
-            <p:ph idx="2" type="sldImg"/>
+          <p:cNvSpPr>
+            <a:spLocks noGrp="1" noRot="1" noChangeAspect="1"/>
+          </p:cNvSpPr>
+          <p:nvPr>
+            <p:ph type="sldImg" idx="2"/>
           </p:nvPr>
         </p:nvSpPr>
         <p:spPr>
@@ -1437,9 +1489,13 @@
             <a:ext cx="6096000" cy="3429000"/>
           </a:xfrm>
           <a:custGeom>
-            <a:rect b="b" l="l" r="r" t="t"/>
+            <a:avLst/>
+            <a:gdLst/>
+            <a:ahLst/>
+            <a:cxnLst/>
+            <a:rect l="l" t="t" r="r" b="b"/>
             <a:pathLst>
-              <a:path extrusionOk="0" h="120000" w="120000">
+              <a:path w="120000" h="120000" extrusionOk="0">
                 <a:moveTo>
                   <a:pt x="0" y="0"/>
                 </a:moveTo>
@@ -1461,9 +1517,11 @@
       <p:sp>
         <p:nvSpPr>
           <p:cNvPr id="170" name="Google Shape;170;g115637626fa_0_127:notes"/>
-          <p:cNvSpPr txBox="1"/>
-          <p:nvPr>
-            <p:ph idx="1" type="body"/>
+          <p:cNvSpPr txBox="1">
+            <a:spLocks noGrp="1"/>
+          </p:cNvSpPr>
+          <p:nvPr>
+            <p:ph type="body" idx="1"/>
           </p:nvPr>
         </p:nvSpPr>
         <p:spPr>
@@ -1476,23 +1534,20 @@
           </a:prstGeom>
         </p:spPr>
         <p:txBody>
-          <a:bodyPr anchorCtr="0" anchor="t" bIns="91425" lIns="91425" spcFirstLastPara="1" rIns="91425" wrap="square" tIns="91425">
+          <a:bodyPr spcFirstLastPara="1" wrap="square" lIns="91425" tIns="91425" rIns="91425" bIns="91425" anchor="t" anchorCtr="0">
             <a:noAutofit/>
           </a:bodyPr>
           <a:lstStyle/>
           <a:p>
-            <a:pPr indent="0" lvl="0" marL="0" rtl="0" algn="l">
-              <a:spcBef>
-                <a:spcPts val="0"/>
-              </a:spcBef>
-              <a:spcAft>
-                <a:spcPts val="0"/>
-              </a:spcAft>
-              <a:buNone/>
-            </a:pPr>
-            <a:r>
-              <a:t/>
-            </a:r>
+            <a:pPr marL="0" lvl="0" indent="0" algn="l" rtl="0">
+              <a:spcBef>
+                <a:spcPts val="0"/>
+              </a:spcBef>
+              <a:spcAft>
+                <a:spcPts val="0"/>
+              </a:spcAft>
+              <a:buNone/>
+            </a:pPr>
             <a:endParaRPr/>
           </a:p>
         </p:txBody>
@@ -1506,11 +1561,11 @@
 </file>
 
 <file path=ppt/notesSlides/notesSlide17.xml><?xml version="1.0" encoding="utf-8"?>
-<p:notes xmlns:a="http://schemas.openxmlformats.org/drawingml/2006/main" xmlns:r="http://schemas.openxmlformats.org/officeDocument/2006/relationships" xmlns:mc="http://schemas.openxmlformats.org/markup-compatibility/2006" xmlns:mv="urn:schemas-microsoft-com:mac:vml" xmlns:p="http://schemas.openxmlformats.org/presentationml/2006/main" xmlns:c="http://schemas.openxmlformats.org/drawingml/2006/chart" xmlns:dgm="http://schemas.openxmlformats.org/drawingml/2006/diagram" xmlns:o="urn:schemas-microsoft-com:office:office" xmlns:v="urn:schemas-microsoft-com:vml" xmlns:pvml="urn:schemas-microsoft-com:office:powerpoint" xmlns:com="http://schemas.openxmlformats.org/drawingml/2006/compatibility" xmlns:p14="http://schemas.microsoft.com/office/powerpoint/2010/main" xmlns:p15="http://schemas.microsoft.com/office/powerpoint/2012/main" xmlns:ahyp="http://schemas.microsoft.com/office/drawing/2018/hyperlinkcolor" showMasterPhAnim="0" showMasterSp="0">
+<p:notes xmlns:a="http://schemas.openxmlformats.org/drawingml/2006/main" xmlns:r="http://schemas.openxmlformats.org/officeDocument/2006/relationships" xmlns:p="http://schemas.openxmlformats.org/presentationml/2006/main" showMasterSp="0" showMasterPhAnim="0">
   <p:cSld>
     <p:spTree>
       <p:nvGrpSpPr>
-        <p:cNvPr id="181" name="Shape 181"/>
+        <p:cNvPr id="1" name="Shape 181"/>
         <p:cNvGrpSpPr/>
         <p:nvPr/>
       </p:nvGrpSpPr>
@@ -1525,9 +1580,11 @@
       <p:sp>
         <p:nvSpPr>
           <p:cNvPr id="182" name="Google Shape;182;g115637626fa_0_18:notes"/>
-          <p:cNvSpPr/>
-          <p:nvPr>
-            <p:ph idx="2" type="sldImg"/>
+          <p:cNvSpPr>
+            <a:spLocks noGrp="1" noRot="1" noChangeAspect="1"/>
+          </p:cNvSpPr>
+          <p:nvPr>
+            <p:ph type="sldImg" idx="2"/>
           </p:nvPr>
         </p:nvSpPr>
         <p:spPr>
@@ -1536,9 +1593,13 @@
             <a:ext cx="6096000" cy="3429000"/>
           </a:xfrm>
           <a:custGeom>
-            <a:rect b="b" l="l" r="r" t="t"/>
+            <a:avLst/>
+            <a:gdLst/>
+            <a:ahLst/>
+            <a:cxnLst/>
+            <a:rect l="l" t="t" r="r" b="b"/>
             <a:pathLst>
-              <a:path extrusionOk="0" h="120000" w="120000">
+              <a:path w="120000" h="120000" extrusionOk="0">
                 <a:moveTo>
                   <a:pt x="0" y="0"/>
                 </a:moveTo>
@@ -1560,9 +1621,11 @@
       <p:sp>
         <p:nvSpPr>
           <p:cNvPr id="183" name="Google Shape;183;g115637626fa_0_18:notes"/>
-          <p:cNvSpPr txBox="1"/>
-          <p:nvPr>
-            <p:ph idx="1" type="body"/>
+          <p:cNvSpPr txBox="1">
+            <a:spLocks noGrp="1"/>
+          </p:cNvSpPr>
+          <p:nvPr>
+            <p:ph type="body" idx="1"/>
           </p:nvPr>
         </p:nvSpPr>
         <p:spPr>
@@ -1575,23 +1638,20 @@
           </a:prstGeom>
         </p:spPr>
         <p:txBody>
-          <a:bodyPr anchorCtr="0" anchor="t" bIns="91425" lIns="91425" spcFirstLastPara="1" rIns="91425" wrap="square" tIns="91425">
+          <a:bodyPr spcFirstLastPara="1" wrap="square" lIns="91425" tIns="91425" rIns="91425" bIns="91425" anchor="t" anchorCtr="0">
             <a:noAutofit/>
           </a:bodyPr>
           <a:lstStyle/>
           <a:p>
-            <a:pPr indent="0" lvl="0" marL="0" rtl="0" algn="l">
-              <a:spcBef>
-                <a:spcPts val="0"/>
-              </a:spcBef>
-              <a:spcAft>
-                <a:spcPts val="0"/>
-              </a:spcAft>
-              <a:buNone/>
-            </a:pPr>
-            <a:r>
-              <a:t/>
-            </a:r>
+            <a:pPr marL="0" lvl="0" indent="0" algn="l" rtl="0">
+              <a:spcBef>
+                <a:spcPts val="0"/>
+              </a:spcBef>
+              <a:spcAft>
+                <a:spcPts val="0"/>
+              </a:spcAft>
+              <a:buNone/>
+            </a:pPr>
             <a:endParaRPr/>
           </a:p>
         </p:txBody>
@@ -1605,11 +1665,11 @@
 </file>
 
 <file path=ppt/notesSlides/notesSlide18.xml><?xml version="1.0" encoding="utf-8"?>
-<p:notes xmlns:a="http://schemas.openxmlformats.org/drawingml/2006/main" xmlns:r="http://schemas.openxmlformats.org/officeDocument/2006/relationships" xmlns:mc="http://schemas.openxmlformats.org/markup-compatibility/2006" xmlns:mv="urn:schemas-microsoft-com:mac:vml" xmlns:p="http://schemas.openxmlformats.org/presentationml/2006/main" xmlns:c="http://schemas.openxmlformats.org/drawingml/2006/chart" xmlns:dgm="http://schemas.openxmlformats.org/drawingml/2006/diagram" xmlns:o="urn:schemas-microsoft-com:office:office" xmlns:v="urn:schemas-microsoft-com:vml" xmlns:pvml="urn:schemas-microsoft-com:office:powerpoint" xmlns:com="http://schemas.openxmlformats.org/drawingml/2006/compatibility" xmlns:p14="http://schemas.microsoft.com/office/powerpoint/2010/main" xmlns:p15="http://schemas.microsoft.com/office/powerpoint/2012/main" xmlns:ahyp="http://schemas.microsoft.com/office/drawing/2018/hyperlinkcolor" showMasterPhAnim="0" showMasterSp="0">
+<p:notes xmlns:a="http://schemas.openxmlformats.org/drawingml/2006/main" xmlns:r="http://schemas.openxmlformats.org/officeDocument/2006/relationships" xmlns:p="http://schemas.openxmlformats.org/presentationml/2006/main" showMasterSp="0" showMasterPhAnim="0">
   <p:cSld>
     <p:spTree>
       <p:nvGrpSpPr>
-        <p:cNvPr id="189" name="Shape 189"/>
+        <p:cNvPr id="1" name="Shape 189"/>
         <p:cNvGrpSpPr/>
         <p:nvPr/>
       </p:nvGrpSpPr>
@@ -1624,9 +1684,11 @@
       <p:sp>
         <p:nvSpPr>
           <p:cNvPr id="190" name="Google Shape;190;g115637626fa_0_146:notes"/>
-          <p:cNvSpPr/>
-          <p:nvPr>
-            <p:ph idx="2" type="sldImg"/>
+          <p:cNvSpPr>
+            <a:spLocks noGrp="1" noRot="1" noChangeAspect="1"/>
+          </p:cNvSpPr>
+          <p:nvPr>
+            <p:ph type="sldImg" idx="2"/>
           </p:nvPr>
         </p:nvSpPr>
         <p:spPr>
@@ -1635,9 +1697,13 @@
             <a:ext cx="6096000" cy="3429000"/>
           </a:xfrm>
           <a:custGeom>
-            <a:rect b="b" l="l" r="r" t="t"/>
+            <a:avLst/>
+            <a:gdLst/>
+            <a:ahLst/>
+            <a:cxnLst/>
+            <a:rect l="l" t="t" r="r" b="b"/>
             <a:pathLst>
-              <a:path extrusionOk="0" h="120000" w="120000">
+              <a:path w="120000" h="120000" extrusionOk="0">
                 <a:moveTo>
                   <a:pt x="0" y="0"/>
                 </a:moveTo>
@@ -1659,9 +1725,11 @@
       <p:sp>
         <p:nvSpPr>
           <p:cNvPr id="191" name="Google Shape;191;g115637626fa_0_146:notes"/>
-          <p:cNvSpPr txBox="1"/>
-          <p:nvPr>
-            <p:ph idx="1" type="body"/>
+          <p:cNvSpPr txBox="1">
+            <a:spLocks noGrp="1"/>
+          </p:cNvSpPr>
+          <p:nvPr>
+            <p:ph type="body" idx="1"/>
           </p:nvPr>
         </p:nvSpPr>
         <p:spPr>
@@ -1674,23 +1742,20 @@
           </a:prstGeom>
         </p:spPr>
         <p:txBody>
-          <a:bodyPr anchorCtr="0" anchor="t" bIns="91425" lIns="91425" spcFirstLastPara="1" rIns="91425" wrap="square" tIns="91425">
+          <a:bodyPr spcFirstLastPara="1" wrap="square" lIns="91425" tIns="91425" rIns="91425" bIns="91425" anchor="t" anchorCtr="0">
             <a:noAutofit/>
           </a:bodyPr>
           <a:lstStyle/>
           <a:p>
-            <a:pPr indent="0" lvl="0" marL="0" rtl="0" algn="l">
-              <a:spcBef>
-                <a:spcPts val="0"/>
-              </a:spcBef>
-              <a:spcAft>
-                <a:spcPts val="0"/>
-              </a:spcAft>
-              <a:buNone/>
-            </a:pPr>
-            <a:r>
-              <a:t/>
-            </a:r>
+            <a:pPr marL="0" lvl="0" indent="0" algn="l" rtl="0">
+              <a:spcBef>
+                <a:spcPts val="0"/>
+              </a:spcBef>
+              <a:spcAft>
+                <a:spcPts val="0"/>
+              </a:spcAft>
+              <a:buNone/>
+            </a:pPr>
             <a:endParaRPr/>
           </a:p>
         </p:txBody>
@@ -1704,11 +1769,11 @@
 </file>
 
 <file path=ppt/notesSlides/notesSlide19.xml><?xml version="1.0" encoding="utf-8"?>
-<p:notes xmlns:a="http://schemas.openxmlformats.org/drawingml/2006/main" xmlns:r="http://schemas.openxmlformats.org/officeDocument/2006/relationships" xmlns:mc="http://schemas.openxmlformats.org/markup-compatibility/2006" xmlns:mv="urn:schemas-microsoft-com:mac:vml" xmlns:p="http://schemas.openxmlformats.org/presentationml/2006/main" xmlns:c="http://schemas.openxmlformats.org/drawingml/2006/chart" xmlns:dgm="http://schemas.openxmlformats.org/drawingml/2006/diagram" xmlns:o="urn:schemas-microsoft-com:office:office" xmlns:v="urn:schemas-microsoft-com:vml" xmlns:pvml="urn:schemas-microsoft-com:office:powerpoint" xmlns:com="http://schemas.openxmlformats.org/drawingml/2006/compatibility" xmlns:p14="http://schemas.microsoft.com/office/powerpoint/2010/main" xmlns:p15="http://schemas.microsoft.com/office/powerpoint/2012/main" xmlns:ahyp="http://schemas.microsoft.com/office/drawing/2018/hyperlinkcolor" showMasterPhAnim="0" showMasterSp="0">
+<p:notes xmlns:a="http://schemas.openxmlformats.org/drawingml/2006/main" xmlns:r="http://schemas.openxmlformats.org/officeDocument/2006/relationships" xmlns:p="http://schemas.openxmlformats.org/presentationml/2006/main" showMasterSp="0" showMasterPhAnim="0">
   <p:cSld>
     <p:spTree>
       <p:nvGrpSpPr>
-        <p:cNvPr id="197" name="Shape 197"/>
+        <p:cNvPr id="1" name="Shape 197"/>
         <p:cNvGrpSpPr/>
         <p:nvPr/>
       </p:nvGrpSpPr>
@@ -1723,9 +1788,11 @@
       <p:sp>
         <p:nvSpPr>
           <p:cNvPr id="198" name="Google Shape;198;g115637626fa_0_23:notes"/>
-          <p:cNvSpPr/>
-          <p:nvPr>
-            <p:ph idx="2" type="sldImg"/>
+          <p:cNvSpPr>
+            <a:spLocks noGrp="1" noRot="1" noChangeAspect="1"/>
+          </p:cNvSpPr>
+          <p:nvPr>
+            <p:ph type="sldImg" idx="2"/>
           </p:nvPr>
         </p:nvSpPr>
         <p:spPr>
@@ -1734,9 +1801,13 @@
             <a:ext cx="6096000" cy="3429000"/>
           </a:xfrm>
           <a:custGeom>
-            <a:rect b="b" l="l" r="r" t="t"/>
+            <a:avLst/>
+            <a:gdLst/>
+            <a:ahLst/>
+            <a:cxnLst/>
+            <a:rect l="l" t="t" r="r" b="b"/>
             <a:pathLst>
-              <a:path extrusionOk="0" h="120000" w="120000">
+              <a:path w="120000" h="120000" extrusionOk="0">
                 <a:moveTo>
                   <a:pt x="0" y="0"/>
                 </a:moveTo>
@@ -1758,9 +1829,11 @@
       <p:sp>
         <p:nvSpPr>
           <p:cNvPr id="199" name="Google Shape;199;g115637626fa_0_23:notes"/>
-          <p:cNvSpPr txBox="1"/>
-          <p:nvPr>
-            <p:ph idx="1" type="body"/>
+          <p:cNvSpPr txBox="1">
+            <a:spLocks noGrp="1"/>
+          </p:cNvSpPr>
+          <p:nvPr>
+            <p:ph type="body" idx="1"/>
           </p:nvPr>
         </p:nvSpPr>
         <p:spPr>
@@ -1773,23 +1846,20 @@
           </a:prstGeom>
         </p:spPr>
         <p:txBody>
-          <a:bodyPr anchorCtr="0" anchor="t" bIns="91425" lIns="91425" spcFirstLastPara="1" rIns="91425" wrap="square" tIns="91425">
+          <a:bodyPr spcFirstLastPara="1" wrap="square" lIns="91425" tIns="91425" rIns="91425" bIns="91425" anchor="t" anchorCtr="0">
             <a:noAutofit/>
           </a:bodyPr>
           <a:lstStyle/>
           <a:p>
-            <a:pPr indent="0" lvl="0" marL="0" rtl="0" algn="l">
-              <a:spcBef>
-                <a:spcPts val="0"/>
-              </a:spcBef>
-              <a:spcAft>
-                <a:spcPts val="0"/>
-              </a:spcAft>
-              <a:buNone/>
-            </a:pPr>
-            <a:r>
-              <a:t/>
-            </a:r>
+            <a:pPr marL="0" lvl="0" indent="0" algn="l" rtl="0">
+              <a:spcBef>
+                <a:spcPts val="0"/>
+              </a:spcBef>
+              <a:spcAft>
+                <a:spcPts val="0"/>
+              </a:spcAft>
+              <a:buNone/>
+            </a:pPr>
             <a:endParaRPr/>
           </a:p>
         </p:txBody>
@@ -1803,11 +1873,11 @@
 </file>
 
 <file path=ppt/notesSlides/notesSlide2.xml><?xml version="1.0" encoding="utf-8"?>
-<p:notes xmlns:a="http://schemas.openxmlformats.org/drawingml/2006/main" xmlns:r="http://schemas.openxmlformats.org/officeDocument/2006/relationships" xmlns:mc="http://schemas.openxmlformats.org/markup-compatibility/2006" xmlns:mv="urn:schemas-microsoft-com:mac:vml" xmlns:p="http://schemas.openxmlformats.org/presentationml/2006/main" xmlns:c="http://schemas.openxmlformats.org/drawingml/2006/chart" xmlns:dgm="http://schemas.openxmlformats.org/drawingml/2006/diagram" xmlns:o="urn:schemas-microsoft-com:office:office" xmlns:v="urn:schemas-microsoft-com:vml" xmlns:pvml="urn:schemas-microsoft-com:office:powerpoint" xmlns:com="http://schemas.openxmlformats.org/drawingml/2006/compatibility" xmlns:p14="http://schemas.microsoft.com/office/powerpoint/2010/main" xmlns:p15="http://schemas.microsoft.com/office/powerpoint/2012/main" xmlns:ahyp="http://schemas.microsoft.com/office/drawing/2018/hyperlinkcolor" showMasterPhAnim="0" showMasterSp="0">
+<p:notes xmlns:a="http://schemas.openxmlformats.org/drawingml/2006/main" xmlns:r="http://schemas.openxmlformats.org/officeDocument/2006/relationships" xmlns:p="http://schemas.openxmlformats.org/presentationml/2006/main" showMasterSp="0" showMasterPhAnim="0">
   <p:cSld>
     <p:spTree>
       <p:nvGrpSpPr>
-        <p:cNvPr id="57" name="Shape 57"/>
+        <p:cNvPr id="1" name="Shape 57"/>
         <p:cNvGrpSpPr/>
         <p:nvPr/>
       </p:nvGrpSpPr>
@@ -1822,9 +1892,11 @@
       <p:sp>
         <p:nvSpPr>
           <p:cNvPr id="58" name="Google Shape;58;g1152e44ef54_0_2:notes"/>
-          <p:cNvSpPr/>
-          <p:nvPr>
-            <p:ph idx="2" type="sldImg"/>
+          <p:cNvSpPr>
+            <a:spLocks noGrp="1" noRot="1" noChangeAspect="1"/>
+          </p:cNvSpPr>
+          <p:nvPr>
+            <p:ph type="sldImg" idx="2"/>
           </p:nvPr>
         </p:nvSpPr>
         <p:spPr>
@@ -1833,9 +1905,13 @@
             <a:ext cx="6096000" cy="3429000"/>
           </a:xfrm>
           <a:custGeom>
-            <a:rect b="b" l="l" r="r" t="t"/>
+            <a:avLst/>
+            <a:gdLst/>
+            <a:ahLst/>
+            <a:cxnLst/>
+            <a:rect l="l" t="t" r="r" b="b"/>
             <a:pathLst>
-              <a:path extrusionOk="0" h="120000" w="120000">
+              <a:path w="120000" h="120000" extrusionOk="0">
                 <a:moveTo>
                   <a:pt x="0" y="0"/>
                 </a:moveTo>
@@ -1857,9 +1933,11 @@
       <p:sp>
         <p:nvSpPr>
           <p:cNvPr id="59" name="Google Shape;59;g1152e44ef54_0_2:notes"/>
-          <p:cNvSpPr txBox="1"/>
-          <p:nvPr>
-            <p:ph idx="1" type="body"/>
+          <p:cNvSpPr txBox="1">
+            <a:spLocks noGrp="1"/>
+          </p:cNvSpPr>
+          <p:nvPr>
+            <p:ph type="body" idx="1"/>
           </p:nvPr>
         </p:nvSpPr>
         <p:spPr>
@@ -1872,23 +1950,20 @@
           </a:prstGeom>
         </p:spPr>
         <p:txBody>
-          <a:bodyPr anchorCtr="0" anchor="t" bIns="91425" lIns="91425" spcFirstLastPara="1" rIns="91425" wrap="square" tIns="91425">
+          <a:bodyPr spcFirstLastPara="1" wrap="square" lIns="91425" tIns="91425" rIns="91425" bIns="91425" anchor="t" anchorCtr="0">
             <a:noAutofit/>
           </a:bodyPr>
           <a:lstStyle/>
           <a:p>
-            <a:pPr indent="0" lvl="0" marL="0" rtl="0" algn="l">
-              <a:spcBef>
-                <a:spcPts val="0"/>
-              </a:spcBef>
-              <a:spcAft>
-                <a:spcPts val="0"/>
-              </a:spcAft>
-              <a:buNone/>
-            </a:pPr>
-            <a:r>
-              <a:t/>
-            </a:r>
+            <a:pPr marL="0" lvl="0" indent="0" algn="l" rtl="0">
+              <a:spcBef>
+                <a:spcPts val="0"/>
+              </a:spcBef>
+              <a:spcAft>
+                <a:spcPts val="0"/>
+              </a:spcAft>
+              <a:buNone/>
+            </a:pPr>
             <a:endParaRPr/>
           </a:p>
         </p:txBody>
@@ -1902,11 +1977,11 @@
 </file>
 
 <file path=ppt/notesSlides/notesSlide20.xml><?xml version="1.0" encoding="utf-8"?>
-<p:notes xmlns:a="http://schemas.openxmlformats.org/drawingml/2006/main" xmlns:r="http://schemas.openxmlformats.org/officeDocument/2006/relationships" xmlns:mc="http://schemas.openxmlformats.org/markup-compatibility/2006" xmlns:mv="urn:schemas-microsoft-com:mac:vml" xmlns:p="http://schemas.openxmlformats.org/presentationml/2006/main" xmlns:c="http://schemas.openxmlformats.org/drawingml/2006/chart" xmlns:dgm="http://schemas.openxmlformats.org/drawingml/2006/diagram" xmlns:o="urn:schemas-microsoft-com:office:office" xmlns:v="urn:schemas-microsoft-com:vml" xmlns:pvml="urn:schemas-microsoft-com:office:powerpoint" xmlns:com="http://schemas.openxmlformats.org/drawingml/2006/compatibility" xmlns:p14="http://schemas.microsoft.com/office/powerpoint/2010/main" xmlns:p15="http://schemas.microsoft.com/office/powerpoint/2012/main" xmlns:ahyp="http://schemas.microsoft.com/office/drawing/2018/hyperlinkcolor" showMasterPhAnim="0" showMasterSp="0">
+<p:notes xmlns:a="http://schemas.openxmlformats.org/drawingml/2006/main" xmlns:r="http://schemas.openxmlformats.org/officeDocument/2006/relationships" xmlns:p="http://schemas.openxmlformats.org/presentationml/2006/main" showMasterSp="0" showMasterPhAnim="0">
   <p:cSld>
     <p:spTree>
       <p:nvGrpSpPr>
-        <p:cNvPr id="205" name="Shape 205"/>
+        <p:cNvPr id="1" name="Shape 205"/>
         <p:cNvGrpSpPr/>
         <p:nvPr/>
       </p:nvGrpSpPr>
@@ -1921,9 +1996,11 @@
       <p:sp>
         <p:nvSpPr>
           <p:cNvPr id="206" name="Google Shape;206;g115637626fa_0_28:notes"/>
-          <p:cNvSpPr/>
-          <p:nvPr>
-            <p:ph idx="2" type="sldImg"/>
+          <p:cNvSpPr>
+            <a:spLocks noGrp="1" noRot="1" noChangeAspect="1"/>
+          </p:cNvSpPr>
+          <p:nvPr>
+            <p:ph type="sldImg" idx="2"/>
           </p:nvPr>
         </p:nvSpPr>
         <p:spPr>
@@ -1932,9 +2009,13 @@
             <a:ext cx="6096000" cy="3429000"/>
           </a:xfrm>
           <a:custGeom>
-            <a:rect b="b" l="l" r="r" t="t"/>
+            <a:avLst/>
+            <a:gdLst/>
+            <a:ahLst/>
+            <a:cxnLst/>
+            <a:rect l="l" t="t" r="r" b="b"/>
             <a:pathLst>
-              <a:path extrusionOk="0" h="120000" w="120000">
+              <a:path w="120000" h="120000" extrusionOk="0">
                 <a:moveTo>
                   <a:pt x="0" y="0"/>
                 </a:moveTo>
@@ -1956,9 +2037,11 @@
       <p:sp>
         <p:nvSpPr>
           <p:cNvPr id="207" name="Google Shape;207;g115637626fa_0_28:notes"/>
-          <p:cNvSpPr txBox="1"/>
-          <p:nvPr>
-            <p:ph idx="1" type="body"/>
+          <p:cNvSpPr txBox="1">
+            <a:spLocks noGrp="1"/>
+          </p:cNvSpPr>
+          <p:nvPr>
+            <p:ph type="body" idx="1"/>
           </p:nvPr>
         </p:nvSpPr>
         <p:spPr>
@@ -1971,23 +2054,20 @@
           </a:prstGeom>
         </p:spPr>
         <p:txBody>
-          <a:bodyPr anchorCtr="0" anchor="t" bIns="91425" lIns="91425" spcFirstLastPara="1" rIns="91425" wrap="square" tIns="91425">
+          <a:bodyPr spcFirstLastPara="1" wrap="square" lIns="91425" tIns="91425" rIns="91425" bIns="91425" anchor="t" anchorCtr="0">
             <a:noAutofit/>
           </a:bodyPr>
           <a:lstStyle/>
           <a:p>
-            <a:pPr indent="0" lvl="0" marL="0" rtl="0" algn="l">
-              <a:spcBef>
-                <a:spcPts val="0"/>
-              </a:spcBef>
-              <a:spcAft>
-                <a:spcPts val="0"/>
-              </a:spcAft>
-              <a:buNone/>
-            </a:pPr>
-            <a:r>
-              <a:t/>
-            </a:r>
+            <a:pPr marL="0" lvl="0" indent="0" algn="l" rtl="0">
+              <a:spcBef>
+                <a:spcPts val="0"/>
+              </a:spcBef>
+              <a:spcAft>
+                <a:spcPts val="0"/>
+              </a:spcAft>
+              <a:buNone/>
+            </a:pPr>
             <a:endParaRPr/>
           </a:p>
         </p:txBody>
@@ -2001,11 +2081,11 @@
 </file>
 
 <file path=ppt/notesSlides/notesSlide21.xml><?xml version="1.0" encoding="utf-8"?>
-<p:notes xmlns:a="http://schemas.openxmlformats.org/drawingml/2006/main" xmlns:r="http://schemas.openxmlformats.org/officeDocument/2006/relationships" xmlns:mc="http://schemas.openxmlformats.org/markup-compatibility/2006" xmlns:mv="urn:schemas-microsoft-com:mac:vml" xmlns:p="http://schemas.openxmlformats.org/presentationml/2006/main" xmlns:c="http://schemas.openxmlformats.org/drawingml/2006/chart" xmlns:dgm="http://schemas.openxmlformats.org/drawingml/2006/diagram" xmlns:o="urn:schemas-microsoft-com:office:office" xmlns:v="urn:schemas-microsoft-com:vml" xmlns:pvml="urn:schemas-microsoft-com:office:powerpoint" xmlns:com="http://schemas.openxmlformats.org/drawingml/2006/compatibility" xmlns:p14="http://schemas.microsoft.com/office/powerpoint/2010/main" xmlns:p15="http://schemas.microsoft.com/office/powerpoint/2012/main" xmlns:ahyp="http://schemas.microsoft.com/office/drawing/2018/hyperlinkcolor" showMasterPhAnim="0" showMasterSp="0">
+<p:notes xmlns:a="http://schemas.openxmlformats.org/drawingml/2006/main" xmlns:r="http://schemas.openxmlformats.org/officeDocument/2006/relationships" xmlns:p="http://schemas.openxmlformats.org/presentationml/2006/main" showMasterSp="0" showMasterPhAnim="0">
   <p:cSld>
     <p:spTree>
       <p:nvGrpSpPr>
-        <p:cNvPr id="213" name="Shape 213"/>
+        <p:cNvPr id="1" name="Shape 213"/>
         <p:cNvGrpSpPr/>
         <p:nvPr/>
       </p:nvGrpSpPr>
@@ -2020,9 +2100,11 @@
       <p:sp>
         <p:nvSpPr>
           <p:cNvPr id="214" name="Google Shape;214;g1184faf39ae_0_0:notes"/>
-          <p:cNvSpPr/>
-          <p:nvPr>
-            <p:ph idx="2" type="sldImg"/>
+          <p:cNvSpPr>
+            <a:spLocks noGrp="1" noRot="1" noChangeAspect="1"/>
+          </p:cNvSpPr>
+          <p:nvPr>
+            <p:ph type="sldImg" idx="2"/>
           </p:nvPr>
         </p:nvSpPr>
         <p:spPr>
@@ -2031,9 +2113,13 @@
             <a:ext cx="6096000" cy="3429000"/>
           </a:xfrm>
           <a:custGeom>
-            <a:rect b="b" l="l" r="r" t="t"/>
+            <a:avLst/>
+            <a:gdLst/>
+            <a:ahLst/>
+            <a:cxnLst/>
+            <a:rect l="l" t="t" r="r" b="b"/>
             <a:pathLst>
-              <a:path extrusionOk="0" h="120000" w="120000">
+              <a:path w="120000" h="120000" extrusionOk="0">
                 <a:moveTo>
                   <a:pt x="0" y="0"/>
                 </a:moveTo>
@@ -2055,9 +2141,11 @@
       <p:sp>
         <p:nvSpPr>
           <p:cNvPr id="215" name="Google Shape;215;g1184faf39ae_0_0:notes"/>
-          <p:cNvSpPr txBox="1"/>
-          <p:nvPr>
-            <p:ph idx="1" type="body"/>
+          <p:cNvSpPr txBox="1">
+            <a:spLocks noGrp="1"/>
+          </p:cNvSpPr>
+          <p:nvPr>
+            <p:ph type="body" idx="1"/>
           </p:nvPr>
         </p:nvSpPr>
         <p:spPr>
@@ -2070,23 +2158,20 @@
           </a:prstGeom>
         </p:spPr>
         <p:txBody>
-          <a:bodyPr anchorCtr="0" anchor="t" bIns="91425" lIns="91425" spcFirstLastPara="1" rIns="91425" wrap="square" tIns="91425">
+          <a:bodyPr spcFirstLastPara="1" wrap="square" lIns="91425" tIns="91425" rIns="91425" bIns="91425" anchor="t" anchorCtr="0">
             <a:noAutofit/>
           </a:bodyPr>
           <a:lstStyle/>
           <a:p>
-            <a:pPr indent="0" lvl="0" marL="0" rtl="0" algn="l">
-              <a:spcBef>
-                <a:spcPts val="0"/>
-              </a:spcBef>
-              <a:spcAft>
-                <a:spcPts val="0"/>
-              </a:spcAft>
-              <a:buNone/>
-            </a:pPr>
-            <a:r>
-              <a:t/>
-            </a:r>
+            <a:pPr marL="0" lvl="0" indent="0" algn="l" rtl="0">
+              <a:spcBef>
+                <a:spcPts val="0"/>
+              </a:spcBef>
+              <a:spcAft>
+                <a:spcPts val="0"/>
+              </a:spcAft>
+              <a:buNone/>
+            </a:pPr>
             <a:endParaRPr/>
           </a:p>
         </p:txBody>
@@ -2100,11 +2185,11 @@
 </file>
 
 <file path=ppt/notesSlides/notesSlide22.xml><?xml version="1.0" encoding="utf-8"?>
-<p:notes xmlns:a="http://schemas.openxmlformats.org/drawingml/2006/main" xmlns:r="http://schemas.openxmlformats.org/officeDocument/2006/relationships" xmlns:mc="http://schemas.openxmlformats.org/markup-compatibility/2006" xmlns:mv="urn:schemas-microsoft-com:mac:vml" xmlns:p="http://schemas.openxmlformats.org/presentationml/2006/main" xmlns:c="http://schemas.openxmlformats.org/drawingml/2006/chart" xmlns:dgm="http://schemas.openxmlformats.org/drawingml/2006/diagram" xmlns:o="urn:schemas-microsoft-com:office:office" xmlns:v="urn:schemas-microsoft-com:vml" xmlns:pvml="urn:schemas-microsoft-com:office:powerpoint" xmlns:com="http://schemas.openxmlformats.org/drawingml/2006/compatibility" xmlns:p14="http://schemas.microsoft.com/office/powerpoint/2010/main" xmlns:p15="http://schemas.microsoft.com/office/powerpoint/2012/main" xmlns:ahyp="http://schemas.microsoft.com/office/drawing/2018/hyperlinkcolor" showMasterPhAnim="0" showMasterSp="0">
+<p:notes xmlns:a="http://schemas.openxmlformats.org/drawingml/2006/main" xmlns:r="http://schemas.openxmlformats.org/officeDocument/2006/relationships" xmlns:p="http://schemas.openxmlformats.org/presentationml/2006/main" showMasterSp="0" showMasterPhAnim="0">
   <p:cSld>
     <p:spTree>
       <p:nvGrpSpPr>
-        <p:cNvPr id="220" name="Shape 220"/>
+        <p:cNvPr id="1" name="Shape 220"/>
         <p:cNvGrpSpPr/>
         <p:nvPr/>
       </p:nvGrpSpPr>
@@ -2119,9 +2204,11 @@
       <p:sp>
         <p:nvSpPr>
           <p:cNvPr id="221" name="Google Shape;221;g1184faf39ae_0_7:notes"/>
-          <p:cNvSpPr/>
-          <p:nvPr>
-            <p:ph idx="2" type="sldImg"/>
+          <p:cNvSpPr>
+            <a:spLocks noGrp="1" noRot="1" noChangeAspect="1"/>
+          </p:cNvSpPr>
+          <p:nvPr>
+            <p:ph type="sldImg" idx="2"/>
           </p:nvPr>
         </p:nvSpPr>
         <p:spPr>
@@ -2130,9 +2217,13 @@
             <a:ext cx="6096000" cy="3429000"/>
           </a:xfrm>
           <a:custGeom>
-            <a:rect b="b" l="l" r="r" t="t"/>
+            <a:avLst/>
+            <a:gdLst/>
+            <a:ahLst/>
+            <a:cxnLst/>
+            <a:rect l="l" t="t" r="r" b="b"/>
             <a:pathLst>
-              <a:path extrusionOk="0" h="120000" w="120000">
+              <a:path w="120000" h="120000" extrusionOk="0">
                 <a:moveTo>
                   <a:pt x="0" y="0"/>
                 </a:moveTo>
@@ -2154,9 +2245,11 @@
       <p:sp>
         <p:nvSpPr>
           <p:cNvPr id="222" name="Google Shape;222;g1184faf39ae_0_7:notes"/>
-          <p:cNvSpPr txBox="1"/>
-          <p:nvPr>
-            <p:ph idx="1" type="body"/>
+          <p:cNvSpPr txBox="1">
+            <a:spLocks noGrp="1"/>
+          </p:cNvSpPr>
+          <p:nvPr>
+            <p:ph type="body" idx="1"/>
           </p:nvPr>
         </p:nvSpPr>
         <p:spPr>
@@ -2169,23 +2262,20 @@
           </a:prstGeom>
         </p:spPr>
         <p:txBody>
-          <a:bodyPr anchorCtr="0" anchor="t" bIns="91425" lIns="91425" spcFirstLastPara="1" rIns="91425" wrap="square" tIns="91425">
+          <a:bodyPr spcFirstLastPara="1" wrap="square" lIns="91425" tIns="91425" rIns="91425" bIns="91425" anchor="t" anchorCtr="0">
             <a:noAutofit/>
           </a:bodyPr>
           <a:lstStyle/>
           <a:p>
-            <a:pPr indent="0" lvl="0" marL="0" rtl="0" algn="l">
-              <a:spcBef>
-                <a:spcPts val="0"/>
-              </a:spcBef>
-              <a:spcAft>
-                <a:spcPts val="0"/>
-              </a:spcAft>
-              <a:buNone/>
-            </a:pPr>
-            <a:r>
-              <a:t/>
-            </a:r>
+            <a:pPr marL="0" lvl="0" indent="0" algn="l" rtl="0">
+              <a:spcBef>
+                <a:spcPts val="0"/>
+              </a:spcBef>
+              <a:spcAft>
+                <a:spcPts val="0"/>
+              </a:spcAft>
+              <a:buNone/>
+            </a:pPr>
             <a:endParaRPr/>
           </a:p>
         </p:txBody>
@@ -2199,11 +2289,11 @@
 </file>
 
 <file path=ppt/notesSlides/notesSlide23.xml><?xml version="1.0" encoding="utf-8"?>
-<p:notes xmlns:a="http://schemas.openxmlformats.org/drawingml/2006/main" xmlns:r="http://schemas.openxmlformats.org/officeDocument/2006/relationships" xmlns:mc="http://schemas.openxmlformats.org/markup-compatibility/2006" xmlns:mv="urn:schemas-microsoft-com:mac:vml" xmlns:p="http://schemas.openxmlformats.org/presentationml/2006/main" xmlns:c="http://schemas.openxmlformats.org/drawingml/2006/chart" xmlns:dgm="http://schemas.openxmlformats.org/drawingml/2006/diagram" xmlns:o="urn:schemas-microsoft-com:office:office" xmlns:v="urn:schemas-microsoft-com:vml" xmlns:pvml="urn:schemas-microsoft-com:office:powerpoint" xmlns:com="http://schemas.openxmlformats.org/drawingml/2006/compatibility" xmlns:p14="http://schemas.microsoft.com/office/powerpoint/2010/main" xmlns:p15="http://schemas.microsoft.com/office/powerpoint/2012/main" xmlns:ahyp="http://schemas.microsoft.com/office/drawing/2018/hyperlinkcolor" showMasterPhAnim="0" showMasterSp="0">
+<p:notes xmlns:a="http://schemas.openxmlformats.org/drawingml/2006/main" xmlns:r="http://schemas.openxmlformats.org/officeDocument/2006/relationships" xmlns:p="http://schemas.openxmlformats.org/presentationml/2006/main" showMasterSp="0" showMasterPhAnim="0">
   <p:cSld>
     <p:spTree>
       <p:nvGrpSpPr>
-        <p:cNvPr id="228" name="Shape 228"/>
+        <p:cNvPr id="1" name="Shape 228"/>
         <p:cNvGrpSpPr/>
         <p:nvPr/>
       </p:nvGrpSpPr>
@@ -2218,9 +2308,11 @@
       <p:sp>
         <p:nvSpPr>
           <p:cNvPr id="229" name="Google Shape;229;g1184faf39ae_0_15:notes"/>
-          <p:cNvSpPr/>
-          <p:nvPr>
-            <p:ph idx="2" type="sldImg"/>
+          <p:cNvSpPr>
+            <a:spLocks noGrp="1" noRot="1" noChangeAspect="1"/>
+          </p:cNvSpPr>
+          <p:nvPr>
+            <p:ph type="sldImg" idx="2"/>
           </p:nvPr>
         </p:nvSpPr>
         <p:spPr>
@@ -2229,9 +2321,13 @@
             <a:ext cx="6096000" cy="3429000"/>
           </a:xfrm>
           <a:custGeom>
-            <a:rect b="b" l="l" r="r" t="t"/>
+            <a:avLst/>
+            <a:gdLst/>
+            <a:ahLst/>
+            <a:cxnLst/>
+            <a:rect l="l" t="t" r="r" b="b"/>
             <a:pathLst>
-              <a:path extrusionOk="0" h="120000" w="120000">
+              <a:path w="120000" h="120000" extrusionOk="0">
                 <a:moveTo>
                   <a:pt x="0" y="0"/>
                 </a:moveTo>
@@ -2253,9 +2349,11 @@
       <p:sp>
         <p:nvSpPr>
           <p:cNvPr id="230" name="Google Shape;230;g1184faf39ae_0_15:notes"/>
-          <p:cNvSpPr txBox="1"/>
-          <p:nvPr>
-            <p:ph idx="1" type="body"/>
+          <p:cNvSpPr txBox="1">
+            <a:spLocks noGrp="1"/>
+          </p:cNvSpPr>
+          <p:nvPr>
+            <p:ph type="body" idx="1"/>
           </p:nvPr>
         </p:nvSpPr>
         <p:spPr>
@@ -2268,23 +2366,20 @@
           </a:prstGeom>
         </p:spPr>
         <p:txBody>
-          <a:bodyPr anchorCtr="0" anchor="t" bIns="91425" lIns="91425" spcFirstLastPara="1" rIns="91425" wrap="square" tIns="91425">
+          <a:bodyPr spcFirstLastPara="1" wrap="square" lIns="91425" tIns="91425" rIns="91425" bIns="91425" anchor="t" anchorCtr="0">
             <a:noAutofit/>
           </a:bodyPr>
           <a:lstStyle/>
           <a:p>
-            <a:pPr indent="0" lvl="0" marL="0" rtl="0" algn="l">
-              <a:spcBef>
-                <a:spcPts val="0"/>
-              </a:spcBef>
-              <a:spcAft>
-                <a:spcPts val="0"/>
-              </a:spcAft>
-              <a:buNone/>
-            </a:pPr>
-            <a:r>
-              <a:t/>
-            </a:r>
+            <a:pPr marL="0" lvl="0" indent="0" algn="l" rtl="0">
+              <a:spcBef>
+                <a:spcPts val="0"/>
+              </a:spcBef>
+              <a:spcAft>
+                <a:spcPts val="0"/>
+              </a:spcAft>
+              <a:buNone/>
+            </a:pPr>
             <a:endParaRPr/>
           </a:p>
         </p:txBody>
@@ -2298,11 +2393,11 @@
 </file>
 
 <file path=ppt/notesSlides/notesSlide24.xml><?xml version="1.0" encoding="utf-8"?>
-<p:notes xmlns:a="http://schemas.openxmlformats.org/drawingml/2006/main" xmlns:r="http://schemas.openxmlformats.org/officeDocument/2006/relationships" xmlns:mc="http://schemas.openxmlformats.org/markup-compatibility/2006" xmlns:mv="urn:schemas-microsoft-com:mac:vml" xmlns:p="http://schemas.openxmlformats.org/presentationml/2006/main" xmlns:c="http://schemas.openxmlformats.org/drawingml/2006/chart" xmlns:dgm="http://schemas.openxmlformats.org/drawingml/2006/diagram" xmlns:o="urn:schemas-microsoft-com:office:office" xmlns:v="urn:schemas-microsoft-com:vml" xmlns:pvml="urn:schemas-microsoft-com:office:powerpoint" xmlns:com="http://schemas.openxmlformats.org/drawingml/2006/compatibility" xmlns:p14="http://schemas.microsoft.com/office/powerpoint/2010/main" xmlns:p15="http://schemas.microsoft.com/office/powerpoint/2012/main" xmlns:ahyp="http://schemas.microsoft.com/office/drawing/2018/hyperlinkcolor" showMasterPhAnim="0" showMasterSp="0">
+<p:notes xmlns:a="http://schemas.openxmlformats.org/drawingml/2006/main" xmlns:r="http://schemas.openxmlformats.org/officeDocument/2006/relationships" xmlns:p="http://schemas.openxmlformats.org/presentationml/2006/main" showMasterSp="0" showMasterPhAnim="0">
   <p:cSld>
     <p:spTree>
       <p:nvGrpSpPr>
-        <p:cNvPr id="234" name="Shape 234"/>
+        <p:cNvPr id="1" name="Shape 234"/>
         <p:cNvGrpSpPr/>
         <p:nvPr/>
       </p:nvGrpSpPr>
@@ -2317,9 +2412,11 @@
       <p:sp>
         <p:nvSpPr>
           <p:cNvPr id="235" name="Google Shape;235;g1184faf39ae_0_21:notes"/>
-          <p:cNvSpPr/>
-          <p:nvPr>
-            <p:ph idx="2" type="sldImg"/>
+          <p:cNvSpPr>
+            <a:spLocks noGrp="1" noRot="1" noChangeAspect="1"/>
+          </p:cNvSpPr>
+          <p:nvPr>
+            <p:ph type="sldImg" idx="2"/>
           </p:nvPr>
         </p:nvSpPr>
         <p:spPr>
@@ -2328,9 +2425,13 @@
             <a:ext cx="6096000" cy="3429000"/>
           </a:xfrm>
           <a:custGeom>
-            <a:rect b="b" l="l" r="r" t="t"/>
+            <a:avLst/>
+            <a:gdLst/>
+            <a:ahLst/>
+            <a:cxnLst/>
+            <a:rect l="l" t="t" r="r" b="b"/>
             <a:pathLst>
-              <a:path extrusionOk="0" h="120000" w="120000">
+              <a:path w="120000" h="120000" extrusionOk="0">
                 <a:moveTo>
                   <a:pt x="0" y="0"/>
                 </a:moveTo>
@@ -2352,9 +2453,11 @@
       <p:sp>
         <p:nvSpPr>
           <p:cNvPr id="236" name="Google Shape;236;g1184faf39ae_0_21:notes"/>
-          <p:cNvSpPr txBox="1"/>
-          <p:nvPr>
-            <p:ph idx="1" type="body"/>
+          <p:cNvSpPr txBox="1">
+            <a:spLocks noGrp="1"/>
+          </p:cNvSpPr>
+          <p:nvPr>
+            <p:ph type="body" idx="1"/>
           </p:nvPr>
         </p:nvSpPr>
         <p:spPr>
@@ -2367,23 +2470,20 @@
           </a:prstGeom>
         </p:spPr>
         <p:txBody>
-          <a:bodyPr anchorCtr="0" anchor="t" bIns="91425" lIns="91425" spcFirstLastPara="1" rIns="91425" wrap="square" tIns="91425">
+          <a:bodyPr spcFirstLastPara="1" wrap="square" lIns="91425" tIns="91425" rIns="91425" bIns="91425" anchor="t" anchorCtr="0">
             <a:noAutofit/>
           </a:bodyPr>
           <a:lstStyle/>
           <a:p>
-            <a:pPr indent="0" lvl="0" marL="0" rtl="0" algn="l">
-              <a:spcBef>
-                <a:spcPts val="0"/>
-              </a:spcBef>
-              <a:spcAft>
-                <a:spcPts val="0"/>
-              </a:spcAft>
-              <a:buNone/>
-            </a:pPr>
-            <a:r>
-              <a:t/>
-            </a:r>
+            <a:pPr marL="0" lvl="0" indent="0" algn="l" rtl="0">
+              <a:spcBef>
+                <a:spcPts val="0"/>
+              </a:spcBef>
+              <a:spcAft>
+                <a:spcPts val="0"/>
+              </a:spcAft>
+              <a:buNone/>
+            </a:pPr>
             <a:endParaRPr/>
           </a:p>
         </p:txBody>
@@ -2397,11 +2497,11 @@
 </file>
 
 <file path=ppt/notesSlides/notesSlide25.xml><?xml version="1.0" encoding="utf-8"?>
-<p:notes xmlns:a="http://schemas.openxmlformats.org/drawingml/2006/main" xmlns:r="http://schemas.openxmlformats.org/officeDocument/2006/relationships" xmlns:mc="http://schemas.openxmlformats.org/markup-compatibility/2006" xmlns:mv="urn:schemas-microsoft-com:mac:vml" xmlns:p="http://schemas.openxmlformats.org/presentationml/2006/main" xmlns:c="http://schemas.openxmlformats.org/drawingml/2006/chart" xmlns:dgm="http://schemas.openxmlformats.org/drawingml/2006/diagram" xmlns:o="urn:schemas-microsoft-com:office:office" xmlns:v="urn:schemas-microsoft-com:vml" xmlns:pvml="urn:schemas-microsoft-com:office:powerpoint" xmlns:com="http://schemas.openxmlformats.org/drawingml/2006/compatibility" xmlns:p14="http://schemas.microsoft.com/office/powerpoint/2010/main" xmlns:p15="http://schemas.microsoft.com/office/powerpoint/2012/main" xmlns:ahyp="http://schemas.microsoft.com/office/drawing/2018/hyperlinkcolor" showMasterPhAnim="0" showMasterSp="0">
+<p:notes xmlns:a="http://schemas.openxmlformats.org/drawingml/2006/main" xmlns:r="http://schemas.openxmlformats.org/officeDocument/2006/relationships" xmlns:p="http://schemas.openxmlformats.org/presentationml/2006/main" showMasterSp="0" showMasterPhAnim="0">
   <p:cSld>
     <p:spTree>
       <p:nvGrpSpPr>
-        <p:cNvPr id="241" name="Shape 241"/>
+        <p:cNvPr id="1" name="Shape 241"/>
         <p:cNvGrpSpPr/>
         <p:nvPr/>
       </p:nvGrpSpPr>
@@ -2416,9 +2516,11 @@
       <p:sp>
         <p:nvSpPr>
           <p:cNvPr id="242" name="Google Shape;242;g1184faf39ae_0_28:notes"/>
-          <p:cNvSpPr/>
-          <p:nvPr>
-            <p:ph idx="2" type="sldImg"/>
+          <p:cNvSpPr>
+            <a:spLocks noGrp="1" noRot="1" noChangeAspect="1"/>
+          </p:cNvSpPr>
+          <p:nvPr>
+            <p:ph type="sldImg" idx="2"/>
           </p:nvPr>
         </p:nvSpPr>
         <p:spPr>
@@ -2427,9 +2529,13 @@
             <a:ext cx="6096000" cy="3429000"/>
           </a:xfrm>
           <a:custGeom>
-            <a:rect b="b" l="l" r="r" t="t"/>
+            <a:avLst/>
+            <a:gdLst/>
+            <a:ahLst/>
+            <a:cxnLst/>
+            <a:rect l="l" t="t" r="r" b="b"/>
             <a:pathLst>
-              <a:path extrusionOk="0" h="120000" w="120000">
+              <a:path w="120000" h="120000" extrusionOk="0">
                 <a:moveTo>
                   <a:pt x="0" y="0"/>
                 </a:moveTo>
@@ -2451,9 +2557,11 @@
       <p:sp>
         <p:nvSpPr>
           <p:cNvPr id="243" name="Google Shape;243;g1184faf39ae_0_28:notes"/>
-          <p:cNvSpPr txBox="1"/>
-          <p:nvPr>
-            <p:ph idx="1" type="body"/>
+          <p:cNvSpPr txBox="1">
+            <a:spLocks noGrp="1"/>
+          </p:cNvSpPr>
+          <p:nvPr>
+            <p:ph type="body" idx="1"/>
           </p:nvPr>
         </p:nvSpPr>
         <p:spPr>
@@ -2466,23 +2574,20 @@
           </a:prstGeom>
         </p:spPr>
         <p:txBody>
-          <a:bodyPr anchorCtr="0" anchor="t" bIns="91425" lIns="91425" spcFirstLastPara="1" rIns="91425" wrap="square" tIns="91425">
+          <a:bodyPr spcFirstLastPara="1" wrap="square" lIns="91425" tIns="91425" rIns="91425" bIns="91425" anchor="t" anchorCtr="0">
             <a:noAutofit/>
           </a:bodyPr>
           <a:lstStyle/>
           <a:p>
-            <a:pPr indent="0" lvl="0" marL="0" rtl="0" algn="l">
-              <a:spcBef>
-                <a:spcPts val="0"/>
-              </a:spcBef>
-              <a:spcAft>
-                <a:spcPts val="0"/>
-              </a:spcAft>
-              <a:buNone/>
-            </a:pPr>
-            <a:r>
-              <a:t/>
-            </a:r>
+            <a:pPr marL="0" lvl="0" indent="0" algn="l" rtl="0">
+              <a:spcBef>
+                <a:spcPts val="0"/>
+              </a:spcBef>
+              <a:spcAft>
+                <a:spcPts val="0"/>
+              </a:spcAft>
+              <a:buNone/>
+            </a:pPr>
             <a:endParaRPr/>
           </a:p>
         </p:txBody>
@@ -2496,11 +2601,11 @@
 </file>
 
 <file path=ppt/notesSlides/notesSlide26.xml><?xml version="1.0" encoding="utf-8"?>
-<p:notes xmlns:a="http://schemas.openxmlformats.org/drawingml/2006/main" xmlns:r="http://schemas.openxmlformats.org/officeDocument/2006/relationships" xmlns:mc="http://schemas.openxmlformats.org/markup-compatibility/2006" xmlns:mv="urn:schemas-microsoft-com:mac:vml" xmlns:p="http://schemas.openxmlformats.org/presentationml/2006/main" xmlns:c="http://schemas.openxmlformats.org/drawingml/2006/chart" xmlns:dgm="http://schemas.openxmlformats.org/drawingml/2006/diagram" xmlns:o="urn:schemas-microsoft-com:office:office" xmlns:v="urn:schemas-microsoft-com:vml" xmlns:pvml="urn:schemas-microsoft-com:office:powerpoint" xmlns:com="http://schemas.openxmlformats.org/drawingml/2006/compatibility" xmlns:p14="http://schemas.microsoft.com/office/powerpoint/2010/main" xmlns:p15="http://schemas.microsoft.com/office/powerpoint/2012/main" xmlns:ahyp="http://schemas.microsoft.com/office/drawing/2018/hyperlinkcolor" showMasterPhAnim="0" showMasterSp="0">
+<p:notes xmlns:a="http://schemas.openxmlformats.org/drawingml/2006/main" xmlns:r="http://schemas.openxmlformats.org/officeDocument/2006/relationships" xmlns:p="http://schemas.openxmlformats.org/presentationml/2006/main" showMasterSp="0" showMasterPhAnim="0">
   <p:cSld>
     <p:spTree>
       <p:nvGrpSpPr>
-        <p:cNvPr id="249" name="Shape 249"/>
+        <p:cNvPr id="1" name="Shape 249"/>
         <p:cNvGrpSpPr/>
         <p:nvPr/>
       </p:nvGrpSpPr>
@@ -2515,9 +2620,11 @@
       <p:sp>
         <p:nvSpPr>
           <p:cNvPr id="250" name="Google Shape;250;g114deed6f4e_0_220:notes"/>
-          <p:cNvSpPr/>
-          <p:nvPr>
-            <p:ph idx="2" type="sldImg"/>
+          <p:cNvSpPr>
+            <a:spLocks noGrp="1" noRot="1" noChangeAspect="1"/>
+          </p:cNvSpPr>
+          <p:nvPr>
+            <p:ph type="sldImg" idx="2"/>
           </p:nvPr>
         </p:nvSpPr>
         <p:spPr>
@@ -2526,9 +2633,13 @@
             <a:ext cx="6096000" cy="3429000"/>
           </a:xfrm>
           <a:custGeom>
-            <a:rect b="b" l="l" r="r" t="t"/>
+            <a:avLst/>
+            <a:gdLst/>
+            <a:ahLst/>
+            <a:cxnLst/>
+            <a:rect l="l" t="t" r="r" b="b"/>
             <a:pathLst>
-              <a:path extrusionOk="0" h="120000" w="120000">
+              <a:path w="120000" h="120000" extrusionOk="0">
                 <a:moveTo>
                   <a:pt x="0" y="0"/>
                 </a:moveTo>
@@ -2550,9 +2661,11 @@
       <p:sp>
         <p:nvSpPr>
           <p:cNvPr id="251" name="Google Shape;251;g114deed6f4e_0_220:notes"/>
-          <p:cNvSpPr txBox="1"/>
-          <p:nvPr>
-            <p:ph idx="1" type="body"/>
+          <p:cNvSpPr txBox="1">
+            <a:spLocks noGrp="1"/>
+          </p:cNvSpPr>
+          <p:nvPr>
+            <p:ph type="body" idx="1"/>
           </p:nvPr>
         </p:nvSpPr>
         <p:spPr>
@@ -2565,23 +2678,20 @@
           </a:prstGeom>
         </p:spPr>
         <p:txBody>
-          <a:bodyPr anchorCtr="0" anchor="t" bIns="91425" lIns="91425" spcFirstLastPara="1" rIns="91425" wrap="square" tIns="91425">
+          <a:bodyPr spcFirstLastPara="1" wrap="square" lIns="91425" tIns="91425" rIns="91425" bIns="91425" anchor="t" anchorCtr="0">
             <a:noAutofit/>
           </a:bodyPr>
           <a:lstStyle/>
           <a:p>
-            <a:pPr indent="0" lvl="0" marL="0" rtl="0" algn="l">
-              <a:spcBef>
-                <a:spcPts val="0"/>
-              </a:spcBef>
-              <a:spcAft>
-                <a:spcPts val="0"/>
-              </a:spcAft>
-              <a:buNone/>
-            </a:pPr>
-            <a:r>
-              <a:t/>
-            </a:r>
+            <a:pPr marL="0" lvl="0" indent="0" algn="l" rtl="0">
+              <a:spcBef>
+                <a:spcPts val="0"/>
+              </a:spcBef>
+              <a:spcAft>
+                <a:spcPts val="0"/>
+              </a:spcAft>
+              <a:buNone/>
+            </a:pPr>
             <a:endParaRPr/>
           </a:p>
         </p:txBody>
@@ -2595,11 +2705,11 @@
 </file>
 
 <file path=ppt/notesSlides/notesSlide27.xml><?xml version="1.0" encoding="utf-8"?>
-<p:notes xmlns:a="http://schemas.openxmlformats.org/drawingml/2006/main" xmlns:r="http://schemas.openxmlformats.org/officeDocument/2006/relationships" xmlns:mc="http://schemas.openxmlformats.org/markup-compatibility/2006" xmlns:mv="urn:schemas-microsoft-com:mac:vml" xmlns:p="http://schemas.openxmlformats.org/presentationml/2006/main" xmlns:c="http://schemas.openxmlformats.org/drawingml/2006/chart" xmlns:dgm="http://schemas.openxmlformats.org/drawingml/2006/diagram" xmlns:o="urn:schemas-microsoft-com:office:office" xmlns:v="urn:schemas-microsoft-com:vml" xmlns:pvml="urn:schemas-microsoft-com:office:powerpoint" xmlns:com="http://schemas.openxmlformats.org/drawingml/2006/compatibility" xmlns:p14="http://schemas.microsoft.com/office/powerpoint/2010/main" xmlns:p15="http://schemas.microsoft.com/office/powerpoint/2012/main" xmlns:ahyp="http://schemas.microsoft.com/office/drawing/2018/hyperlinkcolor" showMasterPhAnim="0" showMasterSp="0">
+<p:notes xmlns:a="http://schemas.openxmlformats.org/drawingml/2006/main" xmlns:r="http://schemas.openxmlformats.org/officeDocument/2006/relationships" xmlns:p="http://schemas.openxmlformats.org/presentationml/2006/main" showMasterSp="0" showMasterPhAnim="0">
   <p:cSld>
     <p:spTree>
       <p:nvGrpSpPr>
-        <p:cNvPr id="256" name="Shape 256"/>
+        <p:cNvPr id="1" name="Shape 256"/>
         <p:cNvGrpSpPr/>
         <p:nvPr/>
       </p:nvGrpSpPr>
@@ -2614,9 +2724,11 @@
       <p:sp>
         <p:nvSpPr>
           <p:cNvPr id="257" name="Google Shape;257;g115637626fa_0_6:notes"/>
-          <p:cNvSpPr/>
-          <p:nvPr>
-            <p:ph idx="2" type="sldImg"/>
+          <p:cNvSpPr>
+            <a:spLocks noGrp="1" noRot="1" noChangeAspect="1"/>
+          </p:cNvSpPr>
+          <p:nvPr>
+            <p:ph type="sldImg" idx="2"/>
           </p:nvPr>
         </p:nvSpPr>
         <p:spPr>
@@ -2625,9 +2737,13 @@
             <a:ext cx="6096000" cy="3429000"/>
           </a:xfrm>
           <a:custGeom>
-            <a:rect b="b" l="l" r="r" t="t"/>
+            <a:avLst/>
+            <a:gdLst/>
+            <a:ahLst/>
+            <a:cxnLst/>
+            <a:rect l="l" t="t" r="r" b="b"/>
             <a:pathLst>
-              <a:path extrusionOk="0" h="120000" w="120000">
+              <a:path w="120000" h="120000" extrusionOk="0">
                 <a:moveTo>
                   <a:pt x="0" y="0"/>
                 </a:moveTo>
@@ -2649,9 +2765,11 @@
       <p:sp>
         <p:nvSpPr>
           <p:cNvPr id="258" name="Google Shape;258;g115637626fa_0_6:notes"/>
-          <p:cNvSpPr txBox="1"/>
-          <p:nvPr>
-            <p:ph idx="1" type="body"/>
+          <p:cNvSpPr txBox="1">
+            <a:spLocks noGrp="1"/>
+          </p:cNvSpPr>
+          <p:nvPr>
+            <p:ph type="body" idx="1"/>
           </p:nvPr>
         </p:nvSpPr>
         <p:spPr>
@@ -2664,23 +2782,20 @@
           </a:prstGeom>
         </p:spPr>
         <p:txBody>
-          <a:bodyPr anchorCtr="0" anchor="t" bIns="91425" lIns="91425" spcFirstLastPara="1" rIns="91425" wrap="square" tIns="91425">
+          <a:bodyPr spcFirstLastPara="1" wrap="square" lIns="91425" tIns="91425" rIns="91425" bIns="91425" anchor="t" anchorCtr="0">
             <a:noAutofit/>
           </a:bodyPr>
           <a:lstStyle/>
           <a:p>
-            <a:pPr indent="0" lvl="0" marL="0" rtl="0" algn="l">
-              <a:spcBef>
-                <a:spcPts val="0"/>
-              </a:spcBef>
-              <a:spcAft>
-                <a:spcPts val="0"/>
-              </a:spcAft>
-              <a:buNone/>
-            </a:pPr>
-            <a:r>
-              <a:t/>
-            </a:r>
+            <a:pPr marL="0" lvl="0" indent="0" algn="l" rtl="0">
+              <a:spcBef>
+                <a:spcPts val="0"/>
+              </a:spcBef>
+              <a:spcAft>
+                <a:spcPts val="0"/>
+              </a:spcAft>
+              <a:buNone/>
+            </a:pPr>
             <a:endParaRPr/>
           </a:p>
         </p:txBody>
@@ -2694,11 +2809,11 @@
 </file>
 
 <file path=ppt/notesSlides/notesSlide28.xml><?xml version="1.0" encoding="utf-8"?>
-<p:notes xmlns:a="http://schemas.openxmlformats.org/drawingml/2006/main" xmlns:r="http://schemas.openxmlformats.org/officeDocument/2006/relationships" xmlns:mc="http://schemas.openxmlformats.org/markup-compatibility/2006" xmlns:mv="urn:schemas-microsoft-com:mac:vml" xmlns:p="http://schemas.openxmlformats.org/presentationml/2006/main" xmlns:c="http://schemas.openxmlformats.org/drawingml/2006/chart" xmlns:dgm="http://schemas.openxmlformats.org/drawingml/2006/diagram" xmlns:o="urn:schemas-microsoft-com:office:office" xmlns:v="urn:schemas-microsoft-com:vml" xmlns:pvml="urn:schemas-microsoft-com:office:powerpoint" xmlns:com="http://schemas.openxmlformats.org/drawingml/2006/compatibility" xmlns:p14="http://schemas.microsoft.com/office/powerpoint/2010/main" xmlns:p15="http://schemas.microsoft.com/office/powerpoint/2012/main" xmlns:ahyp="http://schemas.microsoft.com/office/drawing/2018/hyperlinkcolor" showMasterPhAnim="0" showMasterSp="0">
+<p:notes xmlns:a="http://schemas.openxmlformats.org/drawingml/2006/main" xmlns:r="http://schemas.openxmlformats.org/officeDocument/2006/relationships" xmlns:p="http://schemas.openxmlformats.org/presentationml/2006/main" showMasterSp="0" showMasterPhAnim="0">
   <p:cSld>
     <p:spTree>
       <p:nvGrpSpPr>
-        <p:cNvPr id="263" name="Shape 263"/>
+        <p:cNvPr id="1" name="Shape 263"/>
         <p:cNvGrpSpPr/>
         <p:nvPr/>
       </p:nvGrpSpPr>
@@ -2713,20 +2828,26 @@
       <p:sp>
         <p:nvSpPr>
           <p:cNvPr id="264" name="Google Shape;264;g115637626fa_0_83:notes"/>
-          <p:cNvSpPr/>
-          <p:nvPr>
-            <p:ph idx="2" type="sldImg"/>
-          </p:nvPr>
-        </p:nvSpPr>
-        <p:spPr>
-          <a:xfrm>
-            <a:off x="381300" y="685800"/>
+          <p:cNvSpPr>
+            <a:spLocks noGrp="1" noRot="1" noChangeAspect="1"/>
+          </p:cNvSpPr>
+          <p:nvPr>
+            <p:ph type="sldImg" idx="2"/>
+          </p:nvPr>
+        </p:nvSpPr>
+        <p:spPr>
+          <a:xfrm>
+            <a:off x="381000" y="685800"/>
             <a:ext cx="6096000" cy="3429000"/>
           </a:xfrm>
           <a:custGeom>
-            <a:rect b="b" l="l" r="r" t="t"/>
+            <a:avLst/>
+            <a:gdLst/>
+            <a:ahLst/>
+            <a:cxnLst/>
+            <a:rect l="l" t="t" r="r" b="b"/>
             <a:pathLst>
-              <a:path extrusionOk="0" h="120000" w="120000">
+              <a:path w="120000" h="120000" extrusionOk="0">
                 <a:moveTo>
                   <a:pt x="0" y="0"/>
                 </a:moveTo>
@@ -2748,9 +2869,11 @@
       <p:sp>
         <p:nvSpPr>
           <p:cNvPr id="265" name="Google Shape;265;g115637626fa_0_83:notes"/>
-          <p:cNvSpPr txBox="1"/>
-          <p:nvPr>
-            <p:ph idx="1" type="body"/>
+          <p:cNvSpPr txBox="1">
+            <a:spLocks noGrp="1"/>
+          </p:cNvSpPr>
+          <p:nvPr>
+            <p:ph type="body" idx="1"/>
           </p:nvPr>
         </p:nvSpPr>
         <p:spPr>
@@ -2763,23 +2886,20 @@
           </a:prstGeom>
         </p:spPr>
         <p:txBody>
-          <a:bodyPr anchorCtr="0" anchor="t" bIns="91425" lIns="91425" spcFirstLastPara="1" rIns="91425" wrap="square" tIns="91425">
+          <a:bodyPr spcFirstLastPara="1" wrap="square" lIns="91425" tIns="91425" rIns="91425" bIns="91425" anchor="t" anchorCtr="0">
             <a:noAutofit/>
           </a:bodyPr>
           <a:lstStyle/>
           <a:p>
-            <a:pPr indent="0" lvl="0" marL="0" rtl="0" algn="l">
-              <a:spcBef>
-                <a:spcPts val="0"/>
-              </a:spcBef>
-              <a:spcAft>
-                <a:spcPts val="0"/>
-              </a:spcAft>
-              <a:buNone/>
-            </a:pPr>
-            <a:r>
-              <a:t/>
-            </a:r>
+            <a:pPr marL="0" lvl="0" indent="0" algn="l" rtl="0">
+              <a:spcBef>
+                <a:spcPts val="0"/>
+              </a:spcBef>
+              <a:spcAft>
+                <a:spcPts val="0"/>
+              </a:spcAft>
+              <a:buNone/>
+            </a:pPr>
             <a:endParaRPr/>
           </a:p>
         </p:txBody>
@@ -2793,11 +2913,11 @@
 </file>
 
 <file path=ppt/notesSlides/notesSlide3.xml><?xml version="1.0" encoding="utf-8"?>
-<p:notes xmlns:a="http://schemas.openxmlformats.org/drawingml/2006/main" xmlns:r="http://schemas.openxmlformats.org/officeDocument/2006/relationships" xmlns:mc="http://schemas.openxmlformats.org/markup-compatibility/2006" xmlns:mv="urn:schemas-microsoft-com:mac:vml" xmlns:p="http://schemas.openxmlformats.org/presentationml/2006/main" xmlns:c="http://schemas.openxmlformats.org/drawingml/2006/chart" xmlns:dgm="http://schemas.openxmlformats.org/drawingml/2006/diagram" xmlns:o="urn:schemas-microsoft-com:office:office" xmlns:v="urn:schemas-microsoft-com:vml" xmlns:pvml="urn:schemas-microsoft-com:office:powerpoint" xmlns:com="http://schemas.openxmlformats.org/drawingml/2006/compatibility" xmlns:p14="http://schemas.microsoft.com/office/powerpoint/2010/main" xmlns:p15="http://schemas.microsoft.com/office/powerpoint/2012/main" xmlns:ahyp="http://schemas.microsoft.com/office/drawing/2018/hyperlinkcolor" showMasterPhAnim="0" showMasterSp="0">
+<p:notes xmlns:a="http://schemas.openxmlformats.org/drawingml/2006/main" xmlns:r="http://schemas.openxmlformats.org/officeDocument/2006/relationships" xmlns:p="http://schemas.openxmlformats.org/presentationml/2006/main" showMasterSp="0" showMasterPhAnim="0">
   <p:cSld>
     <p:spTree>
       <p:nvGrpSpPr>
-        <p:cNvPr id="63" name="Shape 63"/>
+        <p:cNvPr id="1" name="Shape 63"/>
         <p:cNvGrpSpPr/>
         <p:nvPr/>
       </p:nvGrpSpPr>
@@ -2812,9 +2932,11 @@
       <p:sp>
         <p:nvSpPr>
           <p:cNvPr id="64" name="Google Shape;64;g1152e44ef54_0_8:notes"/>
-          <p:cNvSpPr/>
-          <p:nvPr>
-            <p:ph idx="2" type="sldImg"/>
+          <p:cNvSpPr>
+            <a:spLocks noGrp="1" noRot="1" noChangeAspect="1"/>
+          </p:cNvSpPr>
+          <p:nvPr>
+            <p:ph type="sldImg" idx="2"/>
           </p:nvPr>
         </p:nvSpPr>
         <p:spPr>
@@ -2823,9 +2945,13 @@
             <a:ext cx="6096000" cy="3429000"/>
           </a:xfrm>
           <a:custGeom>
-            <a:rect b="b" l="l" r="r" t="t"/>
+            <a:avLst/>
+            <a:gdLst/>
+            <a:ahLst/>
+            <a:cxnLst/>
+            <a:rect l="l" t="t" r="r" b="b"/>
             <a:pathLst>
-              <a:path extrusionOk="0" h="120000" w="120000">
+              <a:path w="120000" h="120000" extrusionOk="0">
                 <a:moveTo>
                   <a:pt x="0" y="0"/>
                 </a:moveTo>
@@ -2847,9 +2973,11 @@
       <p:sp>
         <p:nvSpPr>
           <p:cNvPr id="65" name="Google Shape;65;g1152e44ef54_0_8:notes"/>
-          <p:cNvSpPr txBox="1"/>
-          <p:nvPr>
-            <p:ph idx="1" type="body"/>
+          <p:cNvSpPr txBox="1">
+            <a:spLocks noGrp="1"/>
+          </p:cNvSpPr>
+          <p:nvPr>
+            <p:ph type="body" idx="1"/>
           </p:nvPr>
         </p:nvSpPr>
         <p:spPr>
@@ -2862,23 +2990,20 @@
           </a:prstGeom>
         </p:spPr>
         <p:txBody>
-          <a:bodyPr anchorCtr="0" anchor="t" bIns="91425" lIns="91425" spcFirstLastPara="1" rIns="91425" wrap="square" tIns="91425">
+          <a:bodyPr spcFirstLastPara="1" wrap="square" lIns="91425" tIns="91425" rIns="91425" bIns="91425" anchor="t" anchorCtr="0">
             <a:noAutofit/>
           </a:bodyPr>
           <a:lstStyle/>
           <a:p>
-            <a:pPr indent="0" lvl="0" marL="0" rtl="0" algn="l">
-              <a:spcBef>
-                <a:spcPts val="0"/>
-              </a:spcBef>
-              <a:spcAft>
-                <a:spcPts val="0"/>
-              </a:spcAft>
-              <a:buNone/>
-            </a:pPr>
-            <a:r>
-              <a:t/>
-            </a:r>
+            <a:pPr marL="0" lvl="0" indent="0" algn="l" rtl="0">
+              <a:spcBef>
+                <a:spcPts val="0"/>
+              </a:spcBef>
+              <a:spcAft>
+                <a:spcPts val="0"/>
+              </a:spcAft>
+              <a:buNone/>
+            </a:pPr>
             <a:endParaRPr/>
           </a:p>
         </p:txBody>
@@ -2892,11 +3017,11 @@
 </file>
 
 <file path=ppt/notesSlides/notesSlide4.xml><?xml version="1.0" encoding="utf-8"?>
-<p:notes xmlns:a="http://schemas.openxmlformats.org/drawingml/2006/main" xmlns:r="http://schemas.openxmlformats.org/officeDocument/2006/relationships" xmlns:mc="http://schemas.openxmlformats.org/markup-compatibility/2006" xmlns:mv="urn:schemas-microsoft-com:mac:vml" xmlns:p="http://schemas.openxmlformats.org/presentationml/2006/main" xmlns:c="http://schemas.openxmlformats.org/drawingml/2006/chart" xmlns:dgm="http://schemas.openxmlformats.org/drawingml/2006/diagram" xmlns:o="urn:schemas-microsoft-com:office:office" xmlns:v="urn:schemas-microsoft-com:vml" xmlns:pvml="urn:schemas-microsoft-com:office:powerpoint" xmlns:com="http://schemas.openxmlformats.org/drawingml/2006/compatibility" xmlns:p14="http://schemas.microsoft.com/office/powerpoint/2010/main" xmlns:p15="http://schemas.microsoft.com/office/powerpoint/2012/main" xmlns:ahyp="http://schemas.microsoft.com/office/drawing/2018/hyperlinkcolor" showMasterPhAnim="0" showMasterSp="0">
+<p:notes xmlns:a="http://schemas.openxmlformats.org/drawingml/2006/main" xmlns:r="http://schemas.openxmlformats.org/officeDocument/2006/relationships" xmlns:p="http://schemas.openxmlformats.org/presentationml/2006/main" showMasterSp="0" showMasterPhAnim="0">
   <p:cSld>
     <p:spTree>
       <p:nvGrpSpPr>
-        <p:cNvPr id="70" name="Shape 70"/>
+        <p:cNvPr id="1" name="Shape 70"/>
         <p:cNvGrpSpPr/>
         <p:nvPr/>
       </p:nvGrpSpPr>
@@ -2911,9 +3036,11 @@
       <p:sp>
         <p:nvSpPr>
           <p:cNvPr id="71" name="Google Shape;71;g115637626fa_0_33:notes"/>
-          <p:cNvSpPr/>
-          <p:nvPr>
-            <p:ph idx="2" type="sldImg"/>
+          <p:cNvSpPr>
+            <a:spLocks noGrp="1" noRot="1" noChangeAspect="1"/>
+          </p:cNvSpPr>
+          <p:nvPr>
+            <p:ph type="sldImg" idx="2"/>
           </p:nvPr>
         </p:nvSpPr>
         <p:spPr>
@@ -2922,9 +3049,13 @@
             <a:ext cx="6096000" cy="3429000"/>
           </a:xfrm>
           <a:custGeom>
-            <a:rect b="b" l="l" r="r" t="t"/>
+            <a:avLst/>
+            <a:gdLst/>
+            <a:ahLst/>
+            <a:cxnLst/>
+            <a:rect l="l" t="t" r="r" b="b"/>
             <a:pathLst>
-              <a:path extrusionOk="0" h="120000" w="120000">
+              <a:path w="120000" h="120000" extrusionOk="0">
                 <a:moveTo>
                   <a:pt x="0" y="0"/>
                 </a:moveTo>
@@ -2946,9 +3077,11 @@
       <p:sp>
         <p:nvSpPr>
           <p:cNvPr id="72" name="Google Shape;72;g115637626fa_0_33:notes"/>
-          <p:cNvSpPr txBox="1"/>
-          <p:nvPr>
-            <p:ph idx="1" type="body"/>
+          <p:cNvSpPr txBox="1">
+            <a:spLocks noGrp="1"/>
+          </p:cNvSpPr>
+          <p:nvPr>
+            <p:ph type="body" idx="1"/>
           </p:nvPr>
         </p:nvSpPr>
         <p:spPr>
@@ -2961,23 +3094,20 @@
           </a:prstGeom>
         </p:spPr>
         <p:txBody>
-          <a:bodyPr anchorCtr="0" anchor="t" bIns="91425" lIns="91425" spcFirstLastPara="1" rIns="91425" wrap="square" tIns="91425">
+          <a:bodyPr spcFirstLastPara="1" wrap="square" lIns="91425" tIns="91425" rIns="91425" bIns="91425" anchor="t" anchorCtr="0">
             <a:noAutofit/>
           </a:bodyPr>
           <a:lstStyle/>
           <a:p>
-            <a:pPr indent="0" lvl="0" marL="0" rtl="0" algn="l">
-              <a:spcBef>
-                <a:spcPts val="0"/>
-              </a:spcBef>
-              <a:spcAft>
-                <a:spcPts val="0"/>
-              </a:spcAft>
-              <a:buNone/>
-            </a:pPr>
-            <a:r>
-              <a:t/>
-            </a:r>
+            <a:pPr marL="0" lvl="0" indent="0" algn="l" rtl="0">
+              <a:spcBef>
+                <a:spcPts val="0"/>
+              </a:spcBef>
+              <a:spcAft>
+                <a:spcPts val="0"/>
+              </a:spcAft>
+              <a:buNone/>
+            </a:pPr>
             <a:endParaRPr/>
           </a:p>
         </p:txBody>
@@ -2991,11 +3121,11 @@
 </file>
 
 <file path=ppt/notesSlides/notesSlide5.xml><?xml version="1.0" encoding="utf-8"?>
-<p:notes xmlns:a="http://schemas.openxmlformats.org/drawingml/2006/main" xmlns:r="http://schemas.openxmlformats.org/officeDocument/2006/relationships" xmlns:mc="http://schemas.openxmlformats.org/markup-compatibility/2006" xmlns:mv="urn:schemas-microsoft-com:mac:vml" xmlns:p="http://schemas.openxmlformats.org/presentationml/2006/main" xmlns:c="http://schemas.openxmlformats.org/drawingml/2006/chart" xmlns:dgm="http://schemas.openxmlformats.org/drawingml/2006/diagram" xmlns:o="urn:schemas-microsoft-com:office:office" xmlns:v="urn:schemas-microsoft-com:vml" xmlns:pvml="urn:schemas-microsoft-com:office:powerpoint" xmlns:com="http://schemas.openxmlformats.org/drawingml/2006/compatibility" xmlns:p14="http://schemas.microsoft.com/office/powerpoint/2010/main" xmlns:p15="http://schemas.microsoft.com/office/powerpoint/2012/main" xmlns:ahyp="http://schemas.microsoft.com/office/drawing/2018/hyperlinkcolor" showMasterPhAnim="0" showMasterSp="0">
+<p:notes xmlns:a="http://schemas.openxmlformats.org/drawingml/2006/main" xmlns:r="http://schemas.openxmlformats.org/officeDocument/2006/relationships" xmlns:p="http://schemas.openxmlformats.org/presentationml/2006/main" showMasterSp="0" showMasterPhAnim="0">
   <p:cSld>
     <p:spTree>
       <p:nvGrpSpPr>
-        <p:cNvPr id="80" name="Shape 80"/>
+        <p:cNvPr id="1" name="Shape 80"/>
         <p:cNvGrpSpPr/>
         <p:nvPr/>
       </p:nvGrpSpPr>
@@ -3010,9 +3140,11 @@
       <p:sp>
         <p:nvSpPr>
           <p:cNvPr id="81" name="Google Shape;81;g115637626fa_0_47:notes"/>
-          <p:cNvSpPr/>
-          <p:nvPr>
-            <p:ph idx="2" type="sldImg"/>
+          <p:cNvSpPr>
+            <a:spLocks noGrp="1" noRot="1" noChangeAspect="1"/>
+          </p:cNvSpPr>
+          <p:nvPr>
+            <p:ph type="sldImg" idx="2"/>
           </p:nvPr>
         </p:nvSpPr>
         <p:spPr>
@@ -3021,9 +3153,13 @@
             <a:ext cx="6096000" cy="3429000"/>
           </a:xfrm>
           <a:custGeom>
-            <a:rect b="b" l="l" r="r" t="t"/>
+            <a:avLst/>
+            <a:gdLst/>
+            <a:ahLst/>
+            <a:cxnLst/>
+            <a:rect l="l" t="t" r="r" b="b"/>
             <a:pathLst>
-              <a:path extrusionOk="0" h="120000" w="120000">
+              <a:path w="120000" h="120000" extrusionOk="0">
                 <a:moveTo>
                   <a:pt x="0" y="0"/>
                 </a:moveTo>
@@ -3045,9 +3181,11 @@
       <p:sp>
         <p:nvSpPr>
           <p:cNvPr id="82" name="Google Shape;82;g115637626fa_0_47:notes"/>
-          <p:cNvSpPr txBox="1"/>
-          <p:nvPr>
-            <p:ph idx="1" type="body"/>
+          <p:cNvSpPr txBox="1">
+            <a:spLocks noGrp="1"/>
+          </p:cNvSpPr>
+          <p:nvPr>
+            <p:ph type="body" idx="1"/>
           </p:nvPr>
         </p:nvSpPr>
         <p:spPr>
@@ -3060,23 +3198,20 @@
           </a:prstGeom>
         </p:spPr>
         <p:txBody>
-          <a:bodyPr anchorCtr="0" anchor="t" bIns="91425" lIns="91425" spcFirstLastPara="1" rIns="91425" wrap="square" tIns="91425">
+          <a:bodyPr spcFirstLastPara="1" wrap="square" lIns="91425" tIns="91425" rIns="91425" bIns="91425" anchor="t" anchorCtr="0">
             <a:noAutofit/>
           </a:bodyPr>
           <a:lstStyle/>
           <a:p>
-            <a:pPr indent="0" lvl="0" marL="0" rtl="0" algn="l">
-              <a:spcBef>
-                <a:spcPts val="0"/>
-              </a:spcBef>
-              <a:spcAft>
-                <a:spcPts val="0"/>
-              </a:spcAft>
-              <a:buNone/>
-            </a:pPr>
-            <a:r>
-              <a:t/>
-            </a:r>
+            <a:pPr marL="0" lvl="0" indent="0" algn="l" rtl="0">
+              <a:spcBef>
+                <a:spcPts val="0"/>
+              </a:spcBef>
+              <a:spcAft>
+                <a:spcPts val="0"/>
+              </a:spcAft>
+              <a:buNone/>
+            </a:pPr>
             <a:endParaRPr/>
           </a:p>
         </p:txBody>
@@ -3090,11 +3225,11 @@
 </file>
 
 <file path=ppt/notesSlides/notesSlide6.xml><?xml version="1.0" encoding="utf-8"?>
-<p:notes xmlns:a="http://schemas.openxmlformats.org/drawingml/2006/main" xmlns:r="http://schemas.openxmlformats.org/officeDocument/2006/relationships" xmlns:mc="http://schemas.openxmlformats.org/markup-compatibility/2006" xmlns:mv="urn:schemas-microsoft-com:mac:vml" xmlns:p="http://schemas.openxmlformats.org/presentationml/2006/main" xmlns:c="http://schemas.openxmlformats.org/drawingml/2006/chart" xmlns:dgm="http://schemas.openxmlformats.org/drawingml/2006/diagram" xmlns:o="urn:schemas-microsoft-com:office:office" xmlns:v="urn:schemas-microsoft-com:vml" xmlns:pvml="urn:schemas-microsoft-com:office:powerpoint" xmlns:com="http://schemas.openxmlformats.org/drawingml/2006/compatibility" xmlns:p14="http://schemas.microsoft.com/office/powerpoint/2010/main" xmlns:p15="http://schemas.microsoft.com/office/powerpoint/2012/main" xmlns:ahyp="http://schemas.microsoft.com/office/drawing/2018/hyperlinkcolor" showMasterPhAnim="0" showMasterSp="0">
+<p:notes xmlns:a="http://schemas.openxmlformats.org/drawingml/2006/main" xmlns:r="http://schemas.openxmlformats.org/officeDocument/2006/relationships" xmlns:p="http://schemas.openxmlformats.org/presentationml/2006/main" showMasterSp="0" showMasterPhAnim="0">
   <p:cSld>
     <p:spTree>
       <p:nvGrpSpPr>
-        <p:cNvPr id="88" name="Shape 88"/>
+        <p:cNvPr id="1" name="Shape 88"/>
         <p:cNvGrpSpPr/>
         <p:nvPr/>
       </p:nvGrpSpPr>
@@ -3109,9 +3244,11 @@
       <p:sp>
         <p:nvSpPr>
           <p:cNvPr id="89" name="Google Shape;89;g115637626fa_0_52:notes"/>
-          <p:cNvSpPr/>
-          <p:nvPr>
-            <p:ph idx="2" type="sldImg"/>
+          <p:cNvSpPr>
+            <a:spLocks noGrp="1" noRot="1" noChangeAspect="1"/>
+          </p:cNvSpPr>
+          <p:nvPr>
+            <p:ph type="sldImg" idx="2"/>
           </p:nvPr>
         </p:nvSpPr>
         <p:spPr>
@@ -3120,9 +3257,13 @@
             <a:ext cx="6096000" cy="3429000"/>
           </a:xfrm>
           <a:custGeom>
-            <a:rect b="b" l="l" r="r" t="t"/>
+            <a:avLst/>
+            <a:gdLst/>
+            <a:ahLst/>
+            <a:cxnLst/>
+            <a:rect l="l" t="t" r="r" b="b"/>
             <a:pathLst>
-              <a:path extrusionOk="0" h="120000" w="120000">
+              <a:path w="120000" h="120000" extrusionOk="0">
                 <a:moveTo>
                   <a:pt x="0" y="0"/>
                 </a:moveTo>
@@ -3144,9 +3285,11 @@
       <p:sp>
         <p:nvSpPr>
           <p:cNvPr id="90" name="Google Shape;90;g115637626fa_0_52:notes"/>
-          <p:cNvSpPr txBox="1"/>
-          <p:nvPr>
-            <p:ph idx="1" type="body"/>
+          <p:cNvSpPr txBox="1">
+            <a:spLocks noGrp="1"/>
+          </p:cNvSpPr>
+          <p:nvPr>
+            <p:ph type="body" idx="1"/>
           </p:nvPr>
         </p:nvSpPr>
         <p:spPr>
@@ -3159,23 +3302,20 @@
           </a:prstGeom>
         </p:spPr>
         <p:txBody>
-          <a:bodyPr anchorCtr="0" anchor="t" bIns="91425" lIns="91425" spcFirstLastPara="1" rIns="91425" wrap="square" tIns="91425">
+          <a:bodyPr spcFirstLastPara="1" wrap="square" lIns="91425" tIns="91425" rIns="91425" bIns="91425" anchor="t" anchorCtr="0">
             <a:noAutofit/>
           </a:bodyPr>
           <a:lstStyle/>
           <a:p>
-            <a:pPr indent="0" lvl="0" marL="0" rtl="0" algn="l">
-              <a:spcBef>
-                <a:spcPts val="0"/>
-              </a:spcBef>
-              <a:spcAft>
-                <a:spcPts val="0"/>
-              </a:spcAft>
-              <a:buNone/>
-            </a:pPr>
-            <a:r>
-              <a:t/>
-            </a:r>
+            <a:pPr marL="0" lvl="0" indent="0" algn="l" rtl="0">
+              <a:spcBef>
+                <a:spcPts val="0"/>
+              </a:spcBef>
+              <a:spcAft>
+                <a:spcPts val="0"/>
+              </a:spcAft>
+              <a:buNone/>
+            </a:pPr>
             <a:endParaRPr/>
           </a:p>
         </p:txBody>
@@ -3189,11 +3329,11 @@
 </file>
 
 <file path=ppt/notesSlides/notesSlide7.xml><?xml version="1.0" encoding="utf-8"?>
-<p:notes xmlns:a="http://schemas.openxmlformats.org/drawingml/2006/main" xmlns:r="http://schemas.openxmlformats.org/officeDocument/2006/relationships" xmlns:mc="http://schemas.openxmlformats.org/markup-compatibility/2006" xmlns:mv="urn:schemas-microsoft-com:mac:vml" xmlns:p="http://schemas.openxmlformats.org/presentationml/2006/main" xmlns:c="http://schemas.openxmlformats.org/drawingml/2006/chart" xmlns:dgm="http://schemas.openxmlformats.org/drawingml/2006/diagram" xmlns:o="urn:schemas-microsoft-com:office:office" xmlns:v="urn:schemas-microsoft-com:vml" xmlns:pvml="urn:schemas-microsoft-com:office:powerpoint" xmlns:com="http://schemas.openxmlformats.org/drawingml/2006/compatibility" xmlns:p14="http://schemas.microsoft.com/office/powerpoint/2010/main" xmlns:p15="http://schemas.microsoft.com/office/powerpoint/2012/main" xmlns:ahyp="http://schemas.microsoft.com/office/drawing/2018/hyperlinkcolor" showMasterPhAnim="0" showMasterSp="0">
+<p:notes xmlns:a="http://schemas.openxmlformats.org/drawingml/2006/main" xmlns:r="http://schemas.openxmlformats.org/officeDocument/2006/relationships" xmlns:p="http://schemas.openxmlformats.org/presentationml/2006/main" showMasterSp="0" showMasterPhAnim="0">
   <p:cSld>
     <p:spTree>
       <p:nvGrpSpPr>
-        <p:cNvPr id="97" name="Shape 97"/>
+        <p:cNvPr id="1" name="Shape 97"/>
         <p:cNvGrpSpPr/>
         <p:nvPr/>
       </p:nvGrpSpPr>
@@ -3208,9 +3348,11 @@
       <p:sp>
         <p:nvSpPr>
           <p:cNvPr id="98" name="Google Shape;98;g115637626fa_0_65:notes"/>
-          <p:cNvSpPr/>
-          <p:nvPr>
-            <p:ph idx="2" type="sldImg"/>
+          <p:cNvSpPr>
+            <a:spLocks noGrp="1" noRot="1" noChangeAspect="1"/>
+          </p:cNvSpPr>
+          <p:nvPr>
+            <p:ph type="sldImg" idx="2"/>
           </p:nvPr>
         </p:nvSpPr>
         <p:spPr>
@@ -3219,9 +3361,13 @@
             <a:ext cx="6096000" cy="3429000"/>
           </a:xfrm>
           <a:custGeom>
-            <a:rect b="b" l="l" r="r" t="t"/>
+            <a:avLst/>
+            <a:gdLst/>
+            <a:ahLst/>
+            <a:cxnLst/>
+            <a:rect l="l" t="t" r="r" b="b"/>
             <a:pathLst>
-              <a:path extrusionOk="0" h="120000" w="120000">
+              <a:path w="120000" h="120000" extrusionOk="0">
                 <a:moveTo>
                   <a:pt x="0" y="0"/>
                 </a:moveTo>
@@ -3243,9 +3389,11 @@
       <p:sp>
         <p:nvSpPr>
           <p:cNvPr id="99" name="Google Shape;99;g115637626fa_0_65:notes"/>
-          <p:cNvSpPr txBox="1"/>
-          <p:nvPr>
-            <p:ph idx="1" type="body"/>
+          <p:cNvSpPr txBox="1">
+            <a:spLocks noGrp="1"/>
+          </p:cNvSpPr>
+          <p:nvPr>
+            <p:ph type="body" idx="1"/>
           </p:nvPr>
         </p:nvSpPr>
         <p:spPr>
@@ -3258,23 +3406,20 @@
           </a:prstGeom>
         </p:spPr>
         <p:txBody>
-          <a:bodyPr anchorCtr="0" anchor="t" bIns="91425" lIns="91425" spcFirstLastPara="1" rIns="91425" wrap="square" tIns="91425">
+          <a:bodyPr spcFirstLastPara="1" wrap="square" lIns="91425" tIns="91425" rIns="91425" bIns="91425" anchor="t" anchorCtr="0">
             <a:noAutofit/>
           </a:bodyPr>
           <a:lstStyle/>
           <a:p>
-            <a:pPr indent="0" lvl="0" marL="0" rtl="0" algn="l">
-              <a:spcBef>
-                <a:spcPts val="0"/>
-              </a:spcBef>
-              <a:spcAft>
-                <a:spcPts val="0"/>
-              </a:spcAft>
-              <a:buNone/>
-            </a:pPr>
-            <a:r>
-              <a:t/>
-            </a:r>
+            <a:pPr marL="0" lvl="0" indent="0" algn="l" rtl="0">
+              <a:spcBef>
+                <a:spcPts val="0"/>
+              </a:spcBef>
+              <a:spcAft>
+                <a:spcPts val="0"/>
+              </a:spcAft>
+              <a:buNone/>
+            </a:pPr>
             <a:endParaRPr/>
           </a:p>
         </p:txBody>
@@ -3288,11 +3433,11 @@
 </file>
 
 <file path=ppt/notesSlides/notesSlide8.xml><?xml version="1.0" encoding="utf-8"?>
-<p:notes xmlns:a="http://schemas.openxmlformats.org/drawingml/2006/main" xmlns:r="http://schemas.openxmlformats.org/officeDocument/2006/relationships" xmlns:mc="http://schemas.openxmlformats.org/markup-compatibility/2006" xmlns:mv="urn:schemas-microsoft-com:mac:vml" xmlns:p="http://schemas.openxmlformats.org/presentationml/2006/main" xmlns:c="http://schemas.openxmlformats.org/drawingml/2006/chart" xmlns:dgm="http://schemas.openxmlformats.org/drawingml/2006/diagram" xmlns:o="urn:schemas-microsoft-com:office:office" xmlns:v="urn:schemas-microsoft-com:vml" xmlns:pvml="urn:schemas-microsoft-com:office:powerpoint" xmlns:com="http://schemas.openxmlformats.org/drawingml/2006/compatibility" xmlns:p14="http://schemas.microsoft.com/office/powerpoint/2010/main" xmlns:p15="http://schemas.microsoft.com/office/powerpoint/2012/main" xmlns:ahyp="http://schemas.microsoft.com/office/drawing/2018/hyperlinkcolor" showMasterPhAnim="0" showMasterSp="0">
+<p:notes xmlns:a="http://schemas.openxmlformats.org/drawingml/2006/main" xmlns:r="http://schemas.openxmlformats.org/officeDocument/2006/relationships" xmlns:p="http://schemas.openxmlformats.org/presentationml/2006/main" showMasterSp="0" showMasterPhAnim="0">
   <p:cSld>
     <p:spTree>
       <p:nvGrpSpPr>
-        <p:cNvPr id="105" name="Shape 105"/>
+        <p:cNvPr id="1" name="Shape 105"/>
         <p:cNvGrpSpPr/>
         <p:nvPr/>
       </p:nvGrpSpPr>
@@ -3307,9 +3452,11 @@
       <p:sp>
         <p:nvSpPr>
           <p:cNvPr id="106" name="Google Shape;106;g115637626fa_0_73:notes"/>
-          <p:cNvSpPr/>
-          <p:nvPr>
-            <p:ph idx="2" type="sldImg"/>
+          <p:cNvSpPr>
+            <a:spLocks noGrp="1" noRot="1" noChangeAspect="1"/>
+          </p:cNvSpPr>
+          <p:nvPr>
+            <p:ph type="sldImg" idx="2"/>
           </p:nvPr>
         </p:nvSpPr>
         <p:spPr>
@@ -3318,9 +3465,13 @@
             <a:ext cx="6096000" cy="3429000"/>
           </a:xfrm>
           <a:custGeom>
-            <a:rect b="b" l="l" r="r" t="t"/>
+            <a:avLst/>
+            <a:gdLst/>
+            <a:ahLst/>
+            <a:cxnLst/>
+            <a:rect l="l" t="t" r="r" b="b"/>
             <a:pathLst>
-              <a:path extrusionOk="0" h="120000" w="120000">
+              <a:path w="120000" h="120000" extrusionOk="0">
                 <a:moveTo>
                   <a:pt x="0" y="0"/>
                 </a:moveTo>
@@ -3342,9 +3493,11 @@
       <p:sp>
         <p:nvSpPr>
           <p:cNvPr id="107" name="Google Shape;107;g115637626fa_0_73:notes"/>
-          <p:cNvSpPr txBox="1"/>
-          <p:nvPr>
-            <p:ph idx="1" type="body"/>
+          <p:cNvSpPr txBox="1">
+            <a:spLocks noGrp="1"/>
+          </p:cNvSpPr>
+          <p:nvPr>
+            <p:ph type="body" idx="1"/>
           </p:nvPr>
         </p:nvSpPr>
         <p:spPr>
@@ -3357,23 +3510,20 @@
           </a:prstGeom>
         </p:spPr>
         <p:txBody>
-          <a:bodyPr anchorCtr="0" anchor="t" bIns="91425" lIns="91425" spcFirstLastPara="1" rIns="91425" wrap="square" tIns="91425">
+          <a:bodyPr spcFirstLastPara="1" wrap="square" lIns="91425" tIns="91425" rIns="91425" bIns="91425" anchor="t" anchorCtr="0">
             <a:noAutofit/>
           </a:bodyPr>
           <a:lstStyle/>
           <a:p>
-            <a:pPr indent="0" lvl="0" marL="0" rtl="0" algn="l">
-              <a:spcBef>
-                <a:spcPts val="0"/>
-              </a:spcBef>
-              <a:spcAft>
-                <a:spcPts val="0"/>
-              </a:spcAft>
-              <a:buNone/>
-            </a:pPr>
-            <a:r>
-              <a:t/>
-            </a:r>
+            <a:pPr marL="0" lvl="0" indent="0" algn="l" rtl="0">
+              <a:spcBef>
+                <a:spcPts val="0"/>
+              </a:spcBef>
+              <a:spcAft>
+                <a:spcPts val="0"/>
+              </a:spcAft>
+              <a:buNone/>
+            </a:pPr>
             <a:endParaRPr/>
           </a:p>
         </p:txBody>
@@ -3387,11 +3537,11 @@
 </file>
 
 <file path=ppt/notesSlides/notesSlide9.xml><?xml version="1.0" encoding="utf-8"?>
-<p:notes xmlns:a="http://schemas.openxmlformats.org/drawingml/2006/main" xmlns:r="http://schemas.openxmlformats.org/officeDocument/2006/relationships" xmlns:mc="http://schemas.openxmlformats.org/markup-compatibility/2006" xmlns:mv="urn:schemas-microsoft-com:mac:vml" xmlns:p="http://schemas.openxmlformats.org/presentationml/2006/main" xmlns:c="http://schemas.openxmlformats.org/drawingml/2006/chart" xmlns:dgm="http://schemas.openxmlformats.org/drawingml/2006/diagram" xmlns:o="urn:schemas-microsoft-com:office:office" xmlns:v="urn:schemas-microsoft-com:vml" xmlns:pvml="urn:schemas-microsoft-com:office:powerpoint" xmlns:com="http://schemas.openxmlformats.org/drawingml/2006/compatibility" xmlns:p14="http://schemas.microsoft.com/office/powerpoint/2010/main" xmlns:p15="http://schemas.microsoft.com/office/powerpoint/2012/main" xmlns:ahyp="http://schemas.microsoft.com/office/drawing/2018/hyperlinkcolor" showMasterPhAnim="0" showMasterSp="0">
+<p:notes xmlns:a="http://schemas.openxmlformats.org/drawingml/2006/main" xmlns:r="http://schemas.openxmlformats.org/officeDocument/2006/relationships" xmlns:p="http://schemas.openxmlformats.org/presentationml/2006/main" showMasterSp="0" showMasterPhAnim="0">
   <p:cSld>
     <p:spTree>
       <p:nvGrpSpPr>
-        <p:cNvPr id="113" name="Shape 113"/>
+        <p:cNvPr id="1" name="Shape 113"/>
         <p:cNvGrpSpPr/>
         <p:nvPr/>
       </p:nvGrpSpPr>
@@ -3406,9 +3556,11 @@
       <p:sp>
         <p:nvSpPr>
           <p:cNvPr id="114" name="Google Shape;114;g115637626fa_0_78:notes"/>
-          <p:cNvSpPr/>
-          <p:nvPr>
-            <p:ph idx="2" type="sldImg"/>
+          <p:cNvSpPr>
+            <a:spLocks noGrp="1" noRot="1" noChangeAspect="1"/>
+          </p:cNvSpPr>
+          <p:nvPr>
+            <p:ph type="sldImg" idx="2"/>
           </p:nvPr>
         </p:nvSpPr>
         <p:spPr>
@@ -3417,9 +3569,13 @@
             <a:ext cx="6096000" cy="3429000"/>
           </a:xfrm>
           <a:custGeom>
-            <a:rect b="b" l="l" r="r" t="t"/>
+            <a:avLst/>
+            <a:gdLst/>
+            <a:ahLst/>
+            <a:cxnLst/>
+            <a:rect l="l" t="t" r="r" b="b"/>
             <a:pathLst>
-              <a:path extrusionOk="0" h="120000" w="120000">
+              <a:path w="120000" h="120000" extrusionOk="0">
                 <a:moveTo>
                   <a:pt x="0" y="0"/>
                 </a:moveTo>
@@ -3441,9 +3597,11 @@
       <p:sp>
         <p:nvSpPr>
           <p:cNvPr id="115" name="Google Shape;115;g115637626fa_0_78:notes"/>
-          <p:cNvSpPr txBox="1"/>
-          <p:nvPr>
-            <p:ph idx="1" type="body"/>
+          <p:cNvSpPr txBox="1">
+            <a:spLocks noGrp="1"/>
+          </p:cNvSpPr>
+          <p:nvPr>
+            <p:ph type="body" idx="1"/>
           </p:nvPr>
         </p:nvSpPr>
         <p:spPr>
@@ -3456,23 +3614,20 @@
           </a:prstGeom>
         </p:spPr>
         <p:txBody>
-          <a:bodyPr anchorCtr="0" anchor="t" bIns="91425" lIns="91425" spcFirstLastPara="1" rIns="91425" wrap="square" tIns="91425">
+          <a:bodyPr spcFirstLastPara="1" wrap="square" lIns="91425" tIns="91425" rIns="91425" bIns="91425" anchor="t" anchorCtr="0">
             <a:noAutofit/>
           </a:bodyPr>
           <a:lstStyle/>
           <a:p>
-            <a:pPr indent="0" lvl="0" marL="0" rtl="0" algn="l">
-              <a:spcBef>
-                <a:spcPts val="0"/>
-              </a:spcBef>
-              <a:spcAft>
-                <a:spcPts val="0"/>
-              </a:spcAft>
-              <a:buNone/>
-            </a:pPr>
-            <a:r>
-              <a:t/>
-            </a:r>
+            <a:pPr marL="0" lvl="0" indent="0" algn="l" rtl="0">
+              <a:spcBef>
+                <a:spcPts val="0"/>
+              </a:spcBef>
+              <a:spcAft>
+                <a:spcPts val="0"/>
+              </a:spcAft>
+              <a:buNone/>
+            </a:pPr>
             <a:endParaRPr/>
           </a:p>
         </p:txBody>
@@ -3486,11 +3641,11 @@
 </file>
 
 <file path=ppt/slideLayouts/slideLayout1.xml><?xml version="1.0" encoding="utf-8"?>
-<p:sldLayout xmlns:a="http://schemas.openxmlformats.org/drawingml/2006/main" xmlns:r="http://schemas.openxmlformats.org/officeDocument/2006/relationships" xmlns:mc="http://schemas.openxmlformats.org/markup-compatibility/2006" xmlns:mv="urn:schemas-microsoft-com:mac:vml" xmlns:p="http://schemas.openxmlformats.org/presentationml/2006/main" xmlns:c="http://schemas.openxmlformats.org/drawingml/2006/chart" xmlns:dgm="http://schemas.openxmlformats.org/drawingml/2006/diagram" xmlns:o="urn:schemas-microsoft-com:office:office" xmlns:v="urn:schemas-microsoft-com:vml" xmlns:pvml="urn:schemas-microsoft-com:office:powerpoint" xmlns:com="http://schemas.openxmlformats.org/drawingml/2006/compatibility" xmlns:p14="http://schemas.microsoft.com/office/powerpoint/2010/main" xmlns:p15="http://schemas.microsoft.com/office/powerpoint/2012/main" xmlns:ahyp="http://schemas.microsoft.com/office/drawing/2018/hyperlinkcolor" matchingName="Title slide" type="title">
+<p:sldLayout xmlns:a="http://schemas.openxmlformats.org/drawingml/2006/main" xmlns:r="http://schemas.openxmlformats.org/officeDocument/2006/relationships" xmlns:p="http://schemas.openxmlformats.org/presentationml/2006/main" matchingName="Title slide" type="title">
   <p:cSld name="TITLE">
     <p:spTree>
       <p:nvGrpSpPr>
-        <p:cNvPr id="9" name="Shape 9"/>
+        <p:cNvPr id="1" name="Shape 9"/>
         <p:cNvGrpSpPr/>
         <p:nvPr/>
       </p:nvGrpSpPr>
@@ -3505,7 +3660,9 @@
       <p:sp>
         <p:nvSpPr>
           <p:cNvPr id="10" name="Google Shape;10;p2"/>
-          <p:cNvSpPr txBox="1"/>
+          <p:cNvSpPr txBox="1">
+            <a:spLocks noGrp="1"/>
+          </p:cNvSpPr>
           <p:nvPr>
             <p:ph type="ctrTitle"/>
           </p:nvPr>
@@ -3520,7 +3677,7 @@
           </a:prstGeom>
         </p:spPr>
         <p:txBody>
-          <a:bodyPr anchorCtr="0" anchor="b" bIns="91425" lIns="91425" spcFirstLastPara="1" rIns="91425" wrap="square" tIns="91425">
+          <a:bodyPr spcFirstLastPara="1" wrap="square" lIns="91425" tIns="91425" rIns="91425" bIns="91425" anchor="b" anchorCtr="0">
             <a:normAutofit/>
           </a:bodyPr>
           <a:lstStyle>
@@ -3624,15 +3781,19 @@
               <a:defRPr sz="5200"/>
             </a:lvl9pPr>
           </a:lstStyle>
-          <a:p/>
+          <a:p>
+            <a:endParaRPr/>
+          </a:p>
         </p:txBody>
       </p:sp>
       <p:sp>
         <p:nvSpPr>
           <p:cNvPr id="11" name="Google Shape;11;p2"/>
-          <p:cNvSpPr txBox="1"/>
-          <p:nvPr>
-            <p:ph idx="1" type="subTitle"/>
+          <p:cNvSpPr txBox="1">
+            <a:spLocks noGrp="1"/>
+          </p:cNvSpPr>
+          <p:nvPr>
+            <p:ph type="subTitle" idx="1"/>
           </p:nvPr>
         </p:nvSpPr>
         <p:spPr>
@@ -3645,7 +3806,7 @@
           </a:prstGeom>
         </p:spPr>
         <p:txBody>
-          <a:bodyPr anchorCtr="0" anchor="t" bIns="91425" lIns="91425" spcFirstLastPara="1" rIns="91425" wrap="square" tIns="91425">
+          <a:bodyPr spcFirstLastPara="1" wrap="square" lIns="91425" tIns="91425" rIns="91425" bIns="91425" anchor="t" anchorCtr="0">
             <a:normAutofit/>
           </a:bodyPr>
           <a:lstStyle>
@@ -3776,15 +3937,19 @@
               <a:defRPr sz="2800"/>
             </a:lvl9pPr>
           </a:lstStyle>
-          <a:p/>
+          <a:p>
+            <a:endParaRPr/>
+          </a:p>
         </p:txBody>
       </p:sp>
       <p:sp>
         <p:nvSpPr>
           <p:cNvPr id="12" name="Google Shape;12;p2"/>
-          <p:cNvSpPr txBox="1"/>
-          <p:nvPr>
-            <p:ph idx="12" type="sldNum"/>
+          <p:cNvSpPr txBox="1">
+            <a:spLocks noGrp="1"/>
+          </p:cNvSpPr>
+          <p:nvPr>
+            <p:ph type="sldNum" idx="12"/>
           </p:nvPr>
         </p:nvSpPr>
         <p:spPr>
@@ -3797,7 +3962,7 @@
           </a:prstGeom>
         </p:spPr>
         <p:txBody>
-          <a:bodyPr anchorCtr="0" anchor="ctr" bIns="91425" lIns="91425" spcFirstLastPara="1" rIns="91425" wrap="square" tIns="91425">
+          <a:bodyPr spcFirstLastPara="1" wrap="square" lIns="91425" tIns="91425" rIns="91425" bIns="91425" anchor="ctr" anchorCtr="0">
             <a:normAutofit/>
           </a:bodyPr>
           <a:lstStyle>
@@ -3839,7 +4004,7 @@
             </a:lvl9pPr>
           </a:lstStyle>
           <a:p>
-            <a:pPr indent="0" lvl="0" marL="0" rtl="0" algn="r">
+            <a:pPr marL="0" lvl="0" indent="0" algn="r" rtl="0">
               <a:spcBef>
                 <a:spcPts val="0"/>
               </a:spcBef>
@@ -3865,11 +4030,11 @@
 </file>
 
 <file path=ppt/slideLayouts/slideLayout10.xml><?xml version="1.0" encoding="utf-8"?>
-<p:sldLayout xmlns:a="http://schemas.openxmlformats.org/drawingml/2006/main" xmlns:r="http://schemas.openxmlformats.org/officeDocument/2006/relationships" xmlns:mc="http://schemas.openxmlformats.org/markup-compatibility/2006" xmlns:mv="urn:schemas-microsoft-com:mac:vml" xmlns:p="http://schemas.openxmlformats.org/presentationml/2006/main" xmlns:c="http://schemas.openxmlformats.org/drawingml/2006/chart" xmlns:dgm="http://schemas.openxmlformats.org/drawingml/2006/diagram" xmlns:o="urn:schemas-microsoft-com:office:office" xmlns:v="urn:schemas-microsoft-com:vml" xmlns:pvml="urn:schemas-microsoft-com:office:powerpoint" xmlns:com="http://schemas.openxmlformats.org/drawingml/2006/compatibility" xmlns:p14="http://schemas.microsoft.com/office/powerpoint/2010/main" xmlns:p15="http://schemas.microsoft.com/office/powerpoint/2012/main" xmlns:ahyp="http://schemas.microsoft.com/office/drawing/2018/hyperlinkcolor" matchingName="Big number">
+<p:sldLayout xmlns:a="http://schemas.openxmlformats.org/drawingml/2006/main" xmlns:r="http://schemas.openxmlformats.org/officeDocument/2006/relationships" xmlns:p="http://schemas.openxmlformats.org/presentationml/2006/main" matchingName="Big number">
   <p:cSld name="BIG_NUMBER">
     <p:spTree>
       <p:nvGrpSpPr>
-        <p:cNvPr id="44" name="Shape 44"/>
+        <p:cNvPr id="1" name="Shape 44"/>
         <p:cNvGrpSpPr/>
         <p:nvPr/>
       </p:nvGrpSpPr>
@@ -3884,9 +4049,11 @@
       <p:sp>
         <p:nvSpPr>
           <p:cNvPr id="45" name="Google Shape;45;p11"/>
-          <p:cNvSpPr txBox="1"/>
-          <p:nvPr>
-            <p:ph hasCustomPrompt="1" type="title"/>
+          <p:cNvSpPr txBox="1">
+            <a:spLocks noGrp="1"/>
+          </p:cNvSpPr>
+          <p:nvPr>
+            <p:ph type="title" hasCustomPrompt="1"/>
           </p:nvPr>
         </p:nvSpPr>
         <p:spPr>
@@ -3899,7 +4066,7 @@
           </a:prstGeom>
         </p:spPr>
         <p:txBody>
-          <a:bodyPr anchorCtr="0" anchor="b" bIns="91425" lIns="91425" spcFirstLastPara="1" rIns="91425" wrap="square" tIns="91425">
+          <a:bodyPr spcFirstLastPara="1" wrap="square" lIns="91425" tIns="91425" rIns="91425" bIns="91425" anchor="b" anchorCtr="0">
             <a:normAutofit/>
           </a:bodyPr>
           <a:lstStyle>
@@ -4013,9 +4180,11 @@
       <p:sp>
         <p:nvSpPr>
           <p:cNvPr id="46" name="Google Shape;46;p11"/>
-          <p:cNvSpPr txBox="1"/>
-          <p:nvPr>
-            <p:ph idx="1" type="body"/>
+          <p:cNvSpPr txBox="1">
+            <a:spLocks noGrp="1"/>
+          </p:cNvSpPr>
+          <p:nvPr>
+            <p:ph type="body" idx="1"/>
           </p:nvPr>
         </p:nvSpPr>
         <p:spPr>
@@ -4028,11 +4197,11 @@
           </a:prstGeom>
         </p:spPr>
         <p:txBody>
-          <a:bodyPr anchorCtr="0" anchor="t" bIns="91425" lIns="91425" spcFirstLastPara="1" rIns="91425" wrap="square" tIns="91425">
+          <a:bodyPr spcFirstLastPara="1" wrap="square" lIns="91425" tIns="91425" rIns="91425" bIns="91425" anchor="t" anchorCtr="0">
             <a:normAutofit/>
           </a:bodyPr>
           <a:lstStyle>
-            <a:lvl1pPr indent="-342900" lvl="0" marL="457200" algn="ctr">
+            <a:lvl1pPr marL="457200" lvl="0" indent="-342900" algn="ctr">
               <a:spcBef>
                 <a:spcPts val="0"/>
               </a:spcBef>
@@ -4043,7 +4212,7 @@
               <a:buChar char="●"/>
               <a:defRPr/>
             </a:lvl1pPr>
-            <a:lvl2pPr indent="-317500" lvl="1" marL="914400" algn="ctr">
+            <a:lvl2pPr marL="914400" lvl="1" indent="-317500" algn="ctr">
               <a:spcBef>
                 <a:spcPts val="0"/>
               </a:spcBef>
@@ -4054,7 +4223,7 @@
               <a:buChar char="○"/>
               <a:defRPr/>
             </a:lvl2pPr>
-            <a:lvl3pPr indent="-317500" lvl="2" marL="1371600" algn="ctr">
+            <a:lvl3pPr marL="1371600" lvl="2" indent="-317500" algn="ctr">
               <a:spcBef>
                 <a:spcPts val="0"/>
               </a:spcBef>
@@ -4065,7 +4234,7 @@
               <a:buChar char="■"/>
               <a:defRPr/>
             </a:lvl3pPr>
-            <a:lvl4pPr indent="-317500" lvl="3" marL="1828800" algn="ctr">
+            <a:lvl4pPr marL="1828800" lvl="3" indent="-317500" algn="ctr">
               <a:spcBef>
                 <a:spcPts val="0"/>
               </a:spcBef>
@@ -4076,7 +4245,7 @@
               <a:buChar char="●"/>
               <a:defRPr/>
             </a:lvl4pPr>
-            <a:lvl5pPr indent="-317500" lvl="4" marL="2286000" algn="ctr">
+            <a:lvl5pPr marL="2286000" lvl="4" indent="-317500" algn="ctr">
               <a:spcBef>
                 <a:spcPts val="0"/>
               </a:spcBef>
@@ -4087,7 +4256,7 @@
               <a:buChar char="○"/>
               <a:defRPr/>
             </a:lvl5pPr>
-            <a:lvl6pPr indent="-317500" lvl="5" marL="2743200" algn="ctr">
+            <a:lvl6pPr marL="2743200" lvl="5" indent="-317500" algn="ctr">
               <a:spcBef>
                 <a:spcPts val="0"/>
               </a:spcBef>
@@ -4098,7 +4267,7 @@
               <a:buChar char="■"/>
               <a:defRPr/>
             </a:lvl6pPr>
-            <a:lvl7pPr indent="-317500" lvl="6" marL="3200400" algn="ctr">
+            <a:lvl7pPr marL="3200400" lvl="6" indent="-317500" algn="ctr">
               <a:spcBef>
                 <a:spcPts val="0"/>
               </a:spcBef>
@@ -4109,7 +4278,7 @@
               <a:buChar char="●"/>
               <a:defRPr/>
             </a:lvl7pPr>
-            <a:lvl8pPr indent="-317500" lvl="7" marL="3657600" algn="ctr">
+            <a:lvl8pPr marL="3657600" lvl="7" indent="-317500" algn="ctr">
               <a:spcBef>
                 <a:spcPts val="0"/>
               </a:spcBef>
@@ -4120,7 +4289,7 @@
               <a:buChar char="○"/>
               <a:defRPr/>
             </a:lvl8pPr>
-            <a:lvl9pPr indent="-317500" lvl="8" marL="4114800" algn="ctr">
+            <a:lvl9pPr marL="4114800" lvl="8" indent="-317500" algn="ctr">
               <a:spcBef>
                 <a:spcPts val="0"/>
               </a:spcBef>
@@ -4132,15 +4301,19 @@
               <a:defRPr/>
             </a:lvl9pPr>
           </a:lstStyle>
-          <a:p/>
+          <a:p>
+            <a:endParaRPr/>
+          </a:p>
         </p:txBody>
       </p:sp>
       <p:sp>
         <p:nvSpPr>
           <p:cNvPr id="47" name="Google Shape;47;p11"/>
-          <p:cNvSpPr txBox="1"/>
-          <p:nvPr>
-            <p:ph idx="12" type="sldNum"/>
+          <p:cNvSpPr txBox="1">
+            <a:spLocks noGrp="1"/>
+          </p:cNvSpPr>
+          <p:nvPr>
+            <p:ph type="sldNum" idx="12"/>
           </p:nvPr>
         </p:nvSpPr>
         <p:spPr>
@@ -4153,7 +4326,7 @@
           </a:prstGeom>
         </p:spPr>
         <p:txBody>
-          <a:bodyPr anchorCtr="0" anchor="ctr" bIns="91425" lIns="91425" spcFirstLastPara="1" rIns="91425" wrap="square" tIns="91425">
+          <a:bodyPr spcFirstLastPara="1" wrap="square" lIns="91425" tIns="91425" rIns="91425" bIns="91425" anchor="ctr" anchorCtr="0">
             <a:normAutofit/>
           </a:bodyPr>
           <a:lstStyle>
@@ -4195,7 +4368,7 @@
             </a:lvl9pPr>
           </a:lstStyle>
           <a:p>
-            <a:pPr indent="0" lvl="0" marL="0" rtl="0" algn="r">
+            <a:pPr marL="0" lvl="0" indent="0" algn="r" rtl="0">
               <a:spcBef>
                 <a:spcPts val="0"/>
               </a:spcBef>
@@ -4221,11 +4394,11 @@
 </file>
 
 <file path=ppt/slideLayouts/slideLayout11.xml><?xml version="1.0" encoding="utf-8"?>
-<p:sldLayout xmlns:a="http://schemas.openxmlformats.org/drawingml/2006/main" xmlns:r="http://schemas.openxmlformats.org/officeDocument/2006/relationships" xmlns:mc="http://schemas.openxmlformats.org/markup-compatibility/2006" xmlns:mv="urn:schemas-microsoft-com:mac:vml" xmlns:p="http://schemas.openxmlformats.org/presentationml/2006/main" xmlns:c="http://schemas.openxmlformats.org/drawingml/2006/chart" xmlns:dgm="http://schemas.openxmlformats.org/drawingml/2006/diagram" xmlns:o="urn:schemas-microsoft-com:office:office" xmlns:v="urn:schemas-microsoft-com:vml" xmlns:pvml="urn:schemas-microsoft-com:office:powerpoint" xmlns:com="http://schemas.openxmlformats.org/drawingml/2006/compatibility" xmlns:p14="http://schemas.microsoft.com/office/powerpoint/2010/main" xmlns:p15="http://schemas.microsoft.com/office/powerpoint/2012/main" xmlns:ahyp="http://schemas.microsoft.com/office/drawing/2018/hyperlinkcolor" matchingName="Blank" type="blank">
+<p:sldLayout xmlns:a="http://schemas.openxmlformats.org/drawingml/2006/main" xmlns:r="http://schemas.openxmlformats.org/officeDocument/2006/relationships" xmlns:p="http://schemas.openxmlformats.org/presentationml/2006/main" matchingName="Blank" type="blank">
   <p:cSld name="BLANK">
     <p:spTree>
       <p:nvGrpSpPr>
-        <p:cNvPr id="48" name="Shape 48"/>
+        <p:cNvPr id="1" name="Shape 48"/>
         <p:cNvGrpSpPr/>
         <p:nvPr/>
       </p:nvGrpSpPr>
@@ -4240,9 +4413,11 @@
       <p:sp>
         <p:nvSpPr>
           <p:cNvPr id="49" name="Google Shape;49;p12"/>
-          <p:cNvSpPr txBox="1"/>
-          <p:nvPr>
-            <p:ph idx="12" type="sldNum"/>
+          <p:cNvSpPr txBox="1">
+            <a:spLocks noGrp="1"/>
+          </p:cNvSpPr>
+          <p:nvPr>
+            <p:ph type="sldNum" idx="12"/>
           </p:nvPr>
         </p:nvSpPr>
         <p:spPr>
@@ -4255,7 +4430,7 @@
           </a:prstGeom>
         </p:spPr>
         <p:txBody>
-          <a:bodyPr anchorCtr="0" anchor="ctr" bIns="91425" lIns="91425" spcFirstLastPara="1" rIns="91425" wrap="square" tIns="91425">
+          <a:bodyPr spcFirstLastPara="1" wrap="square" lIns="91425" tIns="91425" rIns="91425" bIns="91425" anchor="ctr" anchorCtr="0">
             <a:normAutofit/>
           </a:bodyPr>
           <a:lstStyle>
@@ -4297,7 +4472,7 @@
             </a:lvl9pPr>
           </a:lstStyle>
           <a:p>
-            <a:pPr indent="0" lvl="0" marL="0" rtl="0" algn="r">
+            <a:pPr marL="0" lvl="0" indent="0" algn="r" rtl="0">
               <a:spcBef>
                 <a:spcPts val="0"/>
               </a:spcBef>
@@ -4323,11 +4498,11 @@
 </file>
 
 <file path=ppt/slideLayouts/slideLayout2.xml><?xml version="1.0" encoding="utf-8"?>
-<p:sldLayout xmlns:a="http://schemas.openxmlformats.org/drawingml/2006/main" xmlns:r="http://schemas.openxmlformats.org/officeDocument/2006/relationships" xmlns:mc="http://schemas.openxmlformats.org/markup-compatibility/2006" xmlns:mv="urn:schemas-microsoft-com:mac:vml" xmlns:p="http://schemas.openxmlformats.org/presentationml/2006/main" xmlns:c="http://schemas.openxmlformats.org/drawingml/2006/chart" xmlns:dgm="http://schemas.openxmlformats.org/drawingml/2006/diagram" xmlns:o="urn:schemas-microsoft-com:office:office" xmlns:v="urn:schemas-microsoft-com:vml" xmlns:pvml="urn:schemas-microsoft-com:office:powerpoint" xmlns:com="http://schemas.openxmlformats.org/drawingml/2006/compatibility" xmlns:p14="http://schemas.microsoft.com/office/powerpoint/2010/main" xmlns:p15="http://schemas.microsoft.com/office/powerpoint/2012/main" xmlns:ahyp="http://schemas.microsoft.com/office/drawing/2018/hyperlinkcolor" matchingName="Section header" type="secHead">
+<p:sldLayout xmlns:a="http://schemas.openxmlformats.org/drawingml/2006/main" xmlns:r="http://schemas.openxmlformats.org/officeDocument/2006/relationships" xmlns:p="http://schemas.openxmlformats.org/presentationml/2006/main" matchingName="Section header" type="secHead">
   <p:cSld name="SECTION_HEADER">
     <p:spTree>
       <p:nvGrpSpPr>
-        <p:cNvPr id="13" name="Shape 13"/>
+        <p:cNvPr id="1" name="Shape 13"/>
         <p:cNvGrpSpPr/>
         <p:nvPr/>
       </p:nvGrpSpPr>
@@ -4342,7 +4517,9 @@
       <p:sp>
         <p:nvSpPr>
           <p:cNvPr id="14" name="Google Shape;14;p3"/>
-          <p:cNvSpPr txBox="1"/>
+          <p:cNvSpPr txBox="1">
+            <a:spLocks noGrp="1"/>
+          </p:cNvSpPr>
           <p:nvPr>
             <p:ph type="title"/>
           </p:nvPr>
@@ -4357,7 +4534,7 @@
           </a:prstGeom>
         </p:spPr>
         <p:txBody>
-          <a:bodyPr anchorCtr="0" anchor="ctr" bIns="91425" lIns="91425" spcFirstLastPara="1" rIns="91425" wrap="square" tIns="91425">
+          <a:bodyPr spcFirstLastPara="1" wrap="square" lIns="91425" tIns="91425" rIns="91425" bIns="91425" anchor="ctr" anchorCtr="0">
             <a:normAutofit/>
           </a:bodyPr>
           <a:lstStyle>
@@ -4461,15 +4638,19 @@
               <a:defRPr sz="3600"/>
             </a:lvl9pPr>
           </a:lstStyle>
-          <a:p/>
+          <a:p>
+            <a:endParaRPr/>
+          </a:p>
         </p:txBody>
       </p:sp>
       <p:sp>
         <p:nvSpPr>
           <p:cNvPr id="15" name="Google Shape;15;p3"/>
-          <p:cNvSpPr txBox="1"/>
-          <p:nvPr>
-            <p:ph idx="12" type="sldNum"/>
+          <p:cNvSpPr txBox="1">
+            <a:spLocks noGrp="1"/>
+          </p:cNvSpPr>
+          <p:nvPr>
+            <p:ph type="sldNum" idx="12"/>
           </p:nvPr>
         </p:nvSpPr>
         <p:spPr>
@@ -4482,7 +4663,7 @@
           </a:prstGeom>
         </p:spPr>
         <p:txBody>
-          <a:bodyPr anchorCtr="0" anchor="ctr" bIns="91425" lIns="91425" spcFirstLastPara="1" rIns="91425" wrap="square" tIns="91425">
+          <a:bodyPr spcFirstLastPara="1" wrap="square" lIns="91425" tIns="91425" rIns="91425" bIns="91425" anchor="ctr" anchorCtr="0">
             <a:normAutofit/>
           </a:bodyPr>
           <a:lstStyle>
@@ -4524,7 +4705,7 @@
             </a:lvl9pPr>
           </a:lstStyle>
           <a:p>
-            <a:pPr indent="0" lvl="0" marL="0" rtl="0" algn="r">
+            <a:pPr marL="0" lvl="0" indent="0" algn="r" rtl="0">
               <a:spcBef>
                 <a:spcPts val="0"/>
               </a:spcBef>
@@ -4550,11 +4731,11 @@
 </file>
 
 <file path=ppt/slideLayouts/slideLayout3.xml><?xml version="1.0" encoding="utf-8"?>
-<p:sldLayout xmlns:a="http://schemas.openxmlformats.org/drawingml/2006/main" xmlns:r="http://schemas.openxmlformats.org/officeDocument/2006/relationships" xmlns:mc="http://schemas.openxmlformats.org/markup-compatibility/2006" xmlns:mv="urn:schemas-microsoft-com:mac:vml" xmlns:p="http://schemas.openxmlformats.org/presentationml/2006/main" xmlns:c="http://schemas.openxmlformats.org/drawingml/2006/chart" xmlns:dgm="http://schemas.openxmlformats.org/drawingml/2006/diagram" xmlns:o="urn:schemas-microsoft-com:office:office" xmlns:v="urn:schemas-microsoft-com:vml" xmlns:pvml="urn:schemas-microsoft-com:office:powerpoint" xmlns:com="http://schemas.openxmlformats.org/drawingml/2006/compatibility" xmlns:p14="http://schemas.microsoft.com/office/powerpoint/2010/main" xmlns:p15="http://schemas.microsoft.com/office/powerpoint/2012/main" xmlns:ahyp="http://schemas.microsoft.com/office/drawing/2018/hyperlinkcolor" matchingName="Title and body" type="tx">
+<p:sldLayout xmlns:a="http://schemas.openxmlformats.org/drawingml/2006/main" xmlns:r="http://schemas.openxmlformats.org/officeDocument/2006/relationships" xmlns:p="http://schemas.openxmlformats.org/presentationml/2006/main" matchingName="Title and body" type="tx">
   <p:cSld name="TITLE_AND_BODY">
     <p:spTree>
       <p:nvGrpSpPr>
-        <p:cNvPr id="16" name="Shape 16"/>
+        <p:cNvPr id="1" name="Shape 16"/>
         <p:cNvGrpSpPr/>
         <p:nvPr/>
       </p:nvGrpSpPr>
@@ -4569,7 +4750,9 @@
       <p:sp>
         <p:nvSpPr>
           <p:cNvPr id="17" name="Google Shape;17;p4"/>
-          <p:cNvSpPr txBox="1"/>
+          <p:cNvSpPr txBox="1">
+            <a:spLocks noGrp="1"/>
+          </p:cNvSpPr>
           <p:nvPr>
             <p:ph type="title"/>
           </p:nvPr>
@@ -4584,7 +4767,7 @@
           </a:prstGeom>
         </p:spPr>
         <p:txBody>
-          <a:bodyPr anchorCtr="0" anchor="t" bIns="91425" lIns="91425" spcFirstLastPara="1" rIns="91425" wrap="square" tIns="91425">
+          <a:bodyPr spcFirstLastPara="1" wrap="square" lIns="91425" tIns="91425" rIns="91425" bIns="91425" anchor="t" anchorCtr="0">
             <a:normAutofit/>
           </a:bodyPr>
           <a:lstStyle>
@@ -4688,15 +4871,19 @@
               <a:defRPr/>
             </a:lvl9pPr>
           </a:lstStyle>
-          <a:p/>
+          <a:p>
+            <a:endParaRPr/>
+          </a:p>
         </p:txBody>
       </p:sp>
       <p:sp>
         <p:nvSpPr>
           <p:cNvPr id="18" name="Google Shape;18;p4"/>
-          <p:cNvSpPr txBox="1"/>
-          <p:nvPr>
-            <p:ph idx="1" type="body"/>
+          <p:cNvSpPr txBox="1">
+            <a:spLocks noGrp="1"/>
+          </p:cNvSpPr>
+          <p:nvPr>
+            <p:ph type="body" idx="1"/>
           </p:nvPr>
         </p:nvSpPr>
         <p:spPr>
@@ -4709,11 +4896,11 @@
           </a:prstGeom>
         </p:spPr>
         <p:txBody>
-          <a:bodyPr anchorCtr="0" anchor="t" bIns="91425" lIns="91425" spcFirstLastPara="1" rIns="91425" wrap="square" tIns="91425">
+          <a:bodyPr spcFirstLastPara="1" wrap="square" lIns="91425" tIns="91425" rIns="91425" bIns="91425" anchor="t" anchorCtr="0">
             <a:normAutofit/>
           </a:bodyPr>
           <a:lstStyle>
-            <a:lvl1pPr indent="-342900" lvl="0" marL="457200">
+            <a:lvl1pPr marL="457200" lvl="0" indent="-342900">
               <a:spcBef>
                 <a:spcPts val="0"/>
               </a:spcBef>
@@ -4724,7 +4911,7 @@
               <a:buChar char="●"/>
               <a:defRPr/>
             </a:lvl1pPr>
-            <a:lvl2pPr indent="-317500" lvl="1" marL="914400">
+            <a:lvl2pPr marL="914400" lvl="1" indent="-317500">
               <a:spcBef>
                 <a:spcPts val="0"/>
               </a:spcBef>
@@ -4735,7 +4922,7 @@
               <a:buChar char="○"/>
               <a:defRPr/>
             </a:lvl2pPr>
-            <a:lvl3pPr indent="-317500" lvl="2" marL="1371600">
+            <a:lvl3pPr marL="1371600" lvl="2" indent="-317500">
               <a:spcBef>
                 <a:spcPts val="0"/>
               </a:spcBef>
@@ -4746,7 +4933,7 @@
               <a:buChar char="■"/>
               <a:defRPr/>
             </a:lvl3pPr>
-            <a:lvl4pPr indent="-317500" lvl="3" marL="1828800">
+            <a:lvl4pPr marL="1828800" lvl="3" indent="-317500">
               <a:spcBef>
                 <a:spcPts val="0"/>
               </a:spcBef>
@@ -4757,7 +4944,7 @@
               <a:buChar char="●"/>
               <a:defRPr/>
             </a:lvl4pPr>
-            <a:lvl5pPr indent="-317500" lvl="4" marL="2286000">
+            <a:lvl5pPr marL="2286000" lvl="4" indent="-317500">
               <a:spcBef>
                 <a:spcPts val="0"/>
               </a:spcBef>
@@ -4768,7 +4955,7 @@
               <a:buChar char="○"/>
               <a:defRPr/>
             </a:lvl5pPr>
-            <a:lvl6pPr indent="-317500" lvl="5" marL="2743200">
+            <a:lvl6pPr marL="2743200" lvl="5" indent="-317500">
               <a:spcBef>
                 <a:spcPts val="0"/>
               </a:spcBef>
@@ -4779,7 +4966,7 @@
               <a:buChar char="■"/>
               <a:defRPr/>
             </a:lvl6pPr>
-            <a:lvl7pPr indent="-317500" lvl="6" marL="3200400">
+            <a:lvl7pPr marL="3200400" lvl="6" indent="-317500">
               <a:spcBef>
                 <a:spcPts val="0"/>
               </a:spcBef>
@@ -4790,7 +4977,7 @@
               <a:buChar char="●"/>
               <a:defRPr/>
             </a:lvl7pPr>
-            <a:lvl8pPr indent="-317500" lvl="7" marL="3657600">
+            <a:lvl8pPr marL="3657600" lvl="7" indent="-317500">
               <a:spcBef>
                 <a:spcPts val="0"/>
               </a:spcBef>
@@ -4801,7 +4988,7 @@
               <a:buChar char="○"/>
               <a:defRPr/>
             </a:lvl8pPr>
-            <a:lvl9pPr indent="-317500" lvl="8" marL="4114800">
+            <a:lvl9pPr marL="4114800" lvl="8" indent="-317500">
               <a:spcBef>
                 <a:spcPts val="0"/>
               </a:spcBef>
@@ -4813,15 +5000,19 @@
               <a:defRPr/>
             </a:lvl9pPr>
           </a:lstStyle>
-          <a:p/>
+          <a:p>
+            <a:endParaRPr/>
+          </a:p>
         </p:txBody>
       </p:sp>
       <p:sp>
         <p:nvSpPr>
           <p:cNvPr id="19" name="Google Shape;19;p4"/>
-          <p:cNvSpPr txBox="1"/>
-          <p:nvPr>
-            <p:ph idx="12" type="sldNum"/>
+          <p:cNvSpPr txBox="1">
+            <a:spLocks noGrp="1"/>
+          </p:cNvSpPr>
+          <p:nvPr>
+            <p:ph type="sldNum" idx="12"/>
           </p:nvPr>
         </p:nvSpPr>
         <p:spPr>
@@ -4834,7 +5025,7 @@
           </a:prstGeom>
         </p:spPr>
         <p:txBody>
-          <a:bodyPr anchorCtr="0" anchor="ctr" bIns="91425" lIns="91425" spcFirstLastPara="1" rIns="91425" wrap="square" tIns="91425">
+          <a:bodyPr spcFirstLastPara="1" wrap="square" lIns="91425" tIns="91425" rIns="91425" bIns="91425" anchor="ctr" anchorCtr="0">
             <a:normAutofit/>
           </a:bodyPr>
           <a:lstStyle>
@@ -4876,7 +5067,7 @@
             </a:lvl9pPr>
           </a:lstStyle>
           <a:p>
-            <a:pPr indent="0" lvl="0" marL="0" rtl="0" algn="r">
+            <a:pPr marL="0" lvl="0" indent="0" algn="r" rtl="0">
               <a:spcBef>
                 <a:spcPts val="0"/>
               </a:spcBef>
@@ -4902,11 +5093,11 @@
 </file>
 
 <file path=ppt/slideLayouts/slideLayout4.xml><?xml version="1.0" encoding="utf-8"?>
-<p:sldLayout xmlns:a="http://schemas.openxmlformats.org/drawingml/2006/main" xmlns:r="http://schemas.openxmlformats.org/officeDocument/2006/relationships" xmlns:mc="http://schemas.openxmlformats.org/markup-compatibility/2006" xmlns:mv="urn:schemas-microsoft-com:mac:vml" xmlns:p="http://schemas.openxmlformats.org/presentationml/2006/main" xmlns:c="http://schemas.openxmlformats.org/drawingml/2006/chart" xmlns:dgm="http://schemas.openxmlformats.org/drawingml/2006/diagram" xmlns:o="urn:schemas-microsoft-com:office:office" xmlns:v="urn:schemas-microsoft-com:vml" xmlns:pvml="urn:schemas-microsoft-com:office:powerpoint" xmlns:com="http://schemas.openxmlformats.org/drawingml/2006/compatibility" xmlns:p14="http://schemas.microsoft.com/office/powerpoint/2010/main" xmlns:p15="http://schemas.microsoft.com/office/powerpoint/2012/main" xmlns:ahyp="http://schemas.microsoft.com/office/drawing/2018/hyperlinkcolor" matchingName="Title and two columns" type="twoColTx">
+<p:sldLayout xmlns:a="http://schemas.openxmlformats.org/drawingml/2006/main" xmlns:r="http://schemas.openxmlformats.org/officeDocument/2006/relationships" xmlns:p="http://schemas.openxmlformats.org/presentationml/2006/main" matchingName="Title and two columns" type="twoColTx">
   <p:cSld name="TITLE_AND_TWO_COLUMNS">
     <p:spTree>
       <p:nvGrpSpPr>
-        <p:cNvPr id="20" name="Shape 20"/>
+        <p:cNvPr id="1" name="Shape 20"/>
         <p:cNvGrpSpPr/>
         <p:nvPr/>
       </p:nvGrpSpPr>
@@ -4921,7 +5112,9 @@
       <p:sp>
         <p:nvSpPr>
           <p:cNvPr id="21" name="Google Shape;21;p5"/>
-          <p:cNvSpPr txBox="1"/>
+          <p:cNvSpPr txBox="1">
+            <a:spLocks noGrp="1"/>
+          </p:cNvSpPr>
           <p:nvPr>
             <p:ph type="title"/>
           </p:nvPr>
@@ -4936,7 +5129,7 @@
           </a:prstGeom>
         </p:spPr>
         <p:txBody>
-          <a:bodyPr anchorCtr="0" anchor="t" bIns="91425" lIns="91425" spcFirstLastPara="1" rIns="91425" wrap="square" tIns="91425">
+          <a:bodyPr spcFirstLastPara="1" wrap="square" lIns="91425" tIns="91425" rIns="91425" bIns="91425" anchor="t" anchorCtr="0">
             <a:normAutofit/>
           </a:bodyPr>
           <a:lstStyle>
@@ -5040,15 +5233,19 @@
               <a:defRPr/>
             </a:lvl9pPr>
           </a:lstStyle>
-          <a:p/>
+          <a:p>
+            <a:endParaRPr/>
+          </a:p>
         </p:txBody>
       </p:sp>
       <p:sp>
         <p:nvSpPr>
           <p:cNvPr id="22" name="Google Shape;22;p5"/>
-          <p:cNvSpPr txBox="1"/>
-          <p:nvPr>
-            <p:ph idx="1" type="body"/>
+          <p:cNvSpPr txBox="1">
+            <a:spLocks noGrp="1"/>
+          </p:cNvSpPr>
+          <p:nvPr>
+            <p:ph type="body" idx="1"/>
           </p:nvPr>
         </p:nvSpPr>
         <p:spPr>
@@ -5061,11 +5258,11 @@
           </a:prstGeom>
         </p:spPr>
         <p:txBody>
-          <a:bodyPr anchorCtr="0" anchor="t" bIns="91425" lIns="91425" spcFirstLastPara="1" rIns="91425" wrap="square" tIns="91425">
+          <a:bodyPr spcFirstLastPara="1" wrap="square" lIns="91425" tIns="91425" rIns="91425" bIns="91425" anchor="t" anchorCtr="0">
             <a:normAutofit/>
           </a:bodyPr>
           <a:lstStyle>
-            <a:lvl1pPr indent="-317500" lvl="0" marL="457200">
+            <a:lvl1pPr marL="457200" lvl="0" indent="-317500">
               <a:spcBef>
                 <a:spcPts val="0"/>
               </a:spcBef>
@@ -5076,7 +5273,7 @@
               <a:buChar char="●"/>
               <a:defRPr sz="1400"/>
             </a:lvl1pPr>
-            <a:lvl2pPr indent="-304800" lvl="1" marL="914400">
+            <a:lvl2pPr marL="914400" lvl="1" indent="-304800">
               <a:spcBef>
                 <a:spcPts val="0"/>
               </a:spcBef>
@@ -5087,7 +5284,7 @@
               <a:buChar char="○"/>
               <a:defRPr sz="1200"/>
             </a:lvl2pPr>
-            <a:lvl3pPr indent="-304800" lvl="2" marL="1371600">
+            <a:lvl3pPr marL="1371600" lvl="2" indent="-304800">
               <a:spcBef>
                 <a:spcPts val="0"/>
               </a:spcBef>
@@ -5098,7 +5295,7 @@
               <a:buChar char="■"/>
               <a:defRPr sz="1200"/>
             </a:lvl3pPr>
-            <a:lvl4pPr indent="-304800" lvl="3" marL="1828800">
+            <a:lvl4pPr marL="1828800" lvl="3" indent="-304800">
               <a:spcBef>
                 <a:spcPts val="0"/>
               </a:spcBef>
@@ -5109,7 +5306,7 @@
               <a:buChar char="●"/>
               <a:defRPr sz="1200"/>
             </a:lvl4pPr>
-            <a:lvl5pPr indent="-304800" lvl="4" marL="2286000">
+            <a:lvl5pPr marL="2286000" lvl="4" indent="-304800">
               <a:spcBef>
                 <a:spcPts val="0"/>
               </a:spcBef>
@@ -5120,7 +5317,7 @@
               <a:buChar char="○"/>
               <a:defRPr sz="1200"/>
             </a:lvl5pPr>
-            <a:lvl6pPr indent="-304800" lvl="5" marL="2743200">
+            <a:lvl6pPr marL="2743200" lvl="5" indent="-304800">
               <a:spcBef>
                 <a:spcPts val="0"/>
               </a:spcBef>
@@ -5131,7 +5328,7 @@
               <a:buChar char="■"/>
               <a:defRPr sz="1200"/>
             </a:lvl6pPr>
-            <a:lvl7pPr indent="-304800" lvl="6" marL="3200400">
+            <a:lvl7pPr marL="3200400" lvl="6" indent="-304800">
               <a:spcBef>
                 <a:spcPts val="0"/>
               </a:spcBef>
@@ -5142,7 +5339,7 @@
               <a:buChar char="●"/>
               <a:defRPr sz="1200"/>
             </a:lvl7pPr>
-            <a:lvl8pPr indent="-304800" lvl="7" marL="3657600">
+            <a:lvl8pPr marL="3657600" lvl="7" indent="-304800">
               <a:spcBef>
                 <a:spcPts val="0"/>
               </a:spcBef>
@@ -5153,7 +5350,7 @@
               <a:buChar char="○"/>
               <a:defRPr sz="1200"/>
             </a:lvl8pPr>
-            <a:lvl9pPr indent="-304800" lvl="8" marL="4114800">
+            <a:lvl9pPr marL="4114800" lvl="8" indent="-304800">
               <a:spcBef>
                 <a:spcPts val="0"/>
               </a:spcBef>
@@ -5165,15 +5362,19 @@
               <a:defRPr sz="1200"/>
             </a:lvl9pPr>
           </a:lstStyle>
-          <a:p/>
+          <a:p>
+            <a:endParaRPr/>
+          </a:p>
         </p:txBody>
       </p:sp>
       <p:sp>
         <p:nvSpPr>
           <p:cNvPr id="23" name="Google Shape;23;p5"/>
-          <p:cNvSpPr txBox="1"/>
-          <p:nvPr>
-            <p:ph idx="2" type="body"/>
+          <p:cNvSpPr txBox="1">
+            <a:spLocks noGrp="1"/>
+          </p:cNvSpPr>
+          <p:nvPr>
+            <p:ph type="body" idx="2"/>
           </p:nvPr>
         </p:nvSpPr>
         <p:spPr>
@@ -5186,11 +5387,11 @@
           </a:prstGeom>
         </p:spPr>
         <p:txBody>
-          <a:bodyPr anchorCtr="0" anchor="t" bIns="91425" lIns="91425" spcFirstLastPara="1" rIns="91425" wrap="square" tIns="91425">
+          <a:bodyPr spcFirstLastPara="1" wrap="square" lIns="91425" tIns="91425" rIns="91425" bIns="91425" anchor="t" anchorCtr="0">
             <a:normAutofit/>
           </a:bodyPr>
           <a:lstStyle>
-            <a:lvl1pPr indent="-317500" lvl="0" marL="457200">
+            <a:lvl1pPr marL="457200" lvl="0" indent="-317500">
               <a:spcBef>
                 <a:spcPts val="0"/>
               </a:spcBef>
@@ -5201,7 +5402,7 @@
               <a:buChar char="●"/>
               <a:defRPr sz="1400"/>
             </a:lvl1pPr>
-            <a:lvl2pPr indent="-304800" lvl="1" marL="914400">
+            <a:lvl2pPr marL="914400" lvl="1" indent="-304800">
               <a:spcBef>
                 <a:spcPts val="0"/>
               </a:spcBef>
@@ -5212,7 +5413,7 @@
               <a:buChar char="○"/>
               <a:defRPr sz="1200"/>
             </a:lvl2pPr>
-            <a:lvl3pPr indent="-304800" lvl="2" marL="1371600">
+            <a:lvl3pPr marL="1371600" lvl="2" indent="-304800">
               <a:spcBef>
                 <a:spcPts val="0"/>
               </a:spcBef>
@@ -5223,7 +5424,7 @@
               <a:buChar char="■"/>
               <a:defRPr sz="1200"/>
             </a:lvl3pPr>
-            <a:lvl4pPr indent="-304800" lvl="3" marL="1828800">
+            <a:lvl4pPr marL="1828800" lvl="3" indent="-304800">
               <a:spcBef>
                 <a:spcPts val="0"/>
               </a:spcBef>
@@ -5234,7 +5435,7 @@
               <a:buChar char="●"/>
               <a:defRPr sz="1200"/>
             </a:lvl4pPr>
-            <a:lvl5pPr indent="-304800" lvl="4" marL="2286000">
+            <a:lvl5pPr marL="2286000" lvl="4" indent="-304800">
               <a:spcBef>
                 <a:spcPts val="0"/>
               </a:spcBef>
@@ -5245,7 +5446,7 @@
               <a:buChar char="○"/>
               <a:defRPr sz="1200"/>
             </a:lvl5pPr>
-            <a:lvl6pPr indent="-304800" lvl="5" marL="2743200">
+            <a:lvl6pPr marL="2743200" lvl="5" indent="-304800">
               <a:spcBef>
                 <a:spcPts val="0"/>
               </a:spcBef>
@@ -5256,7 +5457,7 @@
               <a:buChar char="■"/>
               <a:defRPr sz="1200"/>
             </a:lvl6pPr>
-            <a:lvl7pPr indent="-304800" lvl="6" marL="3200400">
+            <a:lvl7pPr marL="3200400" lvl="6" indent="-304800">
               <a:spcBef>
                 <a:spcPts val="0"/>
               </a:spcBef>
@@ -5267,7 +5468,7 @@
               <a:buChar char="●"/>
               <a:defRPr sz="1200"/>
             </a:lvl7pPr>
-            <a:lvl8pPr indent="-304800" lvl="7" marL="3657600">
+            <a:lvl8pPr marL="3657600" lvl="7" indent="-304800">
               <a:spcBef>
                 <a:spcPts val="0"/>
               </a:spcBef>
@@ -5278,7 +5479,7 @@
               <a:buChar char="○"/>
               <a:defRPr sz="1200"/>
             </a:lvl8pPr>
-            <a:lvl9pPr indent="-304800" lvl="8" marL="4114800">
+            <a:lvl9pPr marL="4114800" lvl="8" indent="-304800">
               <a:spcBef>
                 <a:spcPts val="0"/>
               </a:spcBef>
@@ -5290,15 +5491,19 @@
               <a:defRPr sz="1200"/>
             </a:lvl9pPr>
           </a:lstStyle>
-          <a:p/>
+          <a:p>
+            <a:endParaRPr/>
+          </a:p>
         </p:txBody>
       </p:sp>
       <p:sp>
         <p:nvSpPr>
           <p:cNvPr id="24" name="Google Shape;24;p5"/>
-          <p:cNvSpPr txBox="1"/>
-          <p:nvPr>
-            <p:ph idx="12" type="sldNum"/>
+          <p:cNvSpPr txBox="1">
+            <a:spLocks noGrp="1"/>
+          </p:cNvSpPr>
+          <p:nvPr>
+            <p:ph type="sldNum" idx="12"/>
           </p:nvPr>
         </p:nvSpPr>
         <p:spPr>
@@ -5311,7 +5516,7 @@
           </a:prstGeom>
         </p:spPr>
         <p:txBody>
-          <a:bodyPr anchorCtr="0" anchor="ctr" bIns="91425" lIns="91425" spcFirstLastPara="1" rIns="91425" wrap="square" tIns="91425">
+          <a:bodyPr spcFirstLastPara="1" wrap="square" lIns="91425" tIns="91425" rIns="91425" bIns="91425" anchor="ctr" anchorCtr="0">
             <a:normAutofit/>
           </a:bodyPr>
           <a:lstStyle>
@@ -5353,7 +5558,7 @@
             </a:lvl9pPr>
           </a:lstStyle>
           <a:p>
-            <a:pPr indent="0" lvl="0" marL="0" rtl="0" algn="r">
+            <a:pPr marL="0" lvl="0" indent="0" algn="r" rtl="0">
               <a:spcBef>
                 <a:spcPts val="0"/>
               </a:spcBef>
@@ -5379,11 +5584,11 @@
 </file>
 
 <file path=ppt/slideLayouts/slideLayout5.xml><?xml version="1.0" encoding="utf-8"?>
-<p:sldLayout xmlns:a="http://schemas.openxmlformats.org/drawingml/2006/main" xmlns:r="http://schemas.openxmlformats.org/officeDocument/2006/relationships" xmlns:mc="http://schemas.openxmlformats.org/markup-compatibility/2006" xmlns:mv="urn:schemas-microsoft-com:mac:vml" xmlns:p="http://schemas.openxmlformats.org/presentationml/2006/main" xmlns:c="http://schemas.openxmlformats.org/drawingml/2006/chart" xmlns:dgm="http://schemas.openxmlformats.org/drawingml/2006/diagram" xmlns:o="urn:schemas-microsoft-com:office:office" xmlns:v="urn:schemas-microsoft-com:vml" xmlns:pvml="urn:schemas-microsoft-com:office:powerpoint" xmlns:com="http://schemas.openxmlformats.org/drawingml/2006/compatibility" xmlns:p14="http://schemas.microsoft.com/office/powerpoint/2010/main" xmlns:p15="http://schemas.microsoft.com/office/powerpoint/2012/main" xmlns:ahyp="http://schemas.microsoft.com/office/drawing/2018/hyperlinkcolor" matchingName="Title only" type="titleOnly">
+<p:sldLayout xmlns:a="http://schemas.openxmlformats.org/drawingml/2006/main" xmlns:r="http://schemas.openxmlformats.org/officeDocument/2006/relationships" xmlns:p="http://schemas.openxmlformats.org/presentationml/2006/main" matchingName="Title only" type="titleOnly">
   <p:cSld name="TITLE_ONLY">
     <p:spTree>
       <p:nvGrpSpPr>
-        <p:cNvPr id="25" name="Shape 25"/>
+        <p:cNvPr id="1" name="Shape 25"/>
         <p:cNvGrpSpPr/>
         <p:nvPr/>
       </p:nvGrpSpPr>
@@ -5398,7 +5603,9 @@
       <p:sp>
         <p:nvSpPr>
           <p:cNvPr id="26" name="Google Shape;26;p6"/>
-          <p:cNvSpPr txBox="1"/>
+          <p:cNvSpPr txBox="1">
+            <a:spLocks noGrp="1"/>
+          </p:cNvSpPr>
           <p:nvPr>
             <p:ph type="title"/>
           </p:nvPr>
@@ -5413,7 +5620,7 @@
           </a:prstGeom>
         </p:spPr>
         <p:txBody>
-          <a:bodyPr anchorCtr="0" anchor="t" bIns="91425" lIns="91425" spcFirstLastPara="1" rIns="91425" wrap="square" tIns="91425">
+          <a:bodyPr spcFirstLastPara="1" wrap="square" lIns="91425" tIns="91425" rIns="91425" bIns="91425" anchor="t" anchorCtr="0">
             <a:normAutofit/>
           </a:bodyPr>
           <a:lstStyle>
@@ -5517,15 +5724,19 @@
               <a:defRPr/>
             </a:lvl9pPr>
           </a:lstStyle>
-          <a:p/>
+          <a:p>
+            <a:endParaRPr/>
+          </a:p>
         </p:txBody>
       </p:sp>
       <p:sp>
         <p:nvSpPr>
           <p:cNvPr id="27" name="Google Shape;27;p6"/>
-          <p:cNvSpPr txBox="1"/>
-          <p:nvPr>
-            <p:ph idx="12" type="sldNum"/>
+          <p:cNvSpPr txBox="1">
+            <a:spLocks noGrp="1"/>
+          </p:cNvSpPr>
+          <p:nvPr>
+            <p:ph type="sldNum" idx="12"/>
           </p:nvPr>
         </p:nvSpPr>
         <p:spPr>
@@ -5538,7 +5749,7 @@
           </a:prstGeom>
         </p:spPr>
         <p:txBody>
-          <a:bodyPr anchorCtr="0" anchor="ctr" bIns="91425" lIns="91425" spcFirstLastPara="1" rIns="91425" wrap="square" tIns="91425">
+          <a:bodyPr spcFirstLastPara="1" wrap="square" lIns="91425" tIns="91425" rIns="91425" bIns="91425" anchor="ctr" anchorCtr="0">
             <a:normAutofit/>
           </a:bodyPr>
           <a:lstStyle>
@@ -5580,7 +5791,7 @@
             </a:lvl9pPr>
           </a:lstStyle>
           <a:p>
-            <a:pPr indent="0" lvl="0" marL="0" rtl="0" algn="r">
+            <a:pPr marL="0" lvl="0" indent="0" algn="r" rtl="0">
               <a:spcBef>
                 <a:spcPts val="0"/>
               </a:spcBef>
@@ -5606,11 +5817,11 @@
 </file>
 
 <file path=ppt/slideLayouts/slideLayout6.xml><?xml version="1.0" encoding="utf-8"?>
-<p:sldLayout xmlns:a="http://schemas.openxmlformats.org/drawingml/2006/main" xmlns:r="http://schemas.openxmlformats.org/officeDocument/2006/relationships" xmlns:mc="http://schemas.openxmlformats.org/markup-compatibility/2006" xmlns:mv="urn:schemas-microsoft-com:mac:vml" xmlns:p="http://schemas.openxmlformats.org/presentationml/2006/main" xmlns:c="http://schemas.openxmlformats.org/drawingml/2006/chart" xmlns:dgm="http://schemas.openxmlformats.org/drawingml/2006/diagram" xmlns:o="urn:schemas-microsoft-com:office:office" xmlns:v="urn:schemas-microsoft-com:vml" xmlns:pvml="urn:schemas-microsoft-com:office:powerpoint" xmlns:com="http://schemas.openxmlformats.org/drawingml/2006/compatibility" xmlns:p14="http://schemas.microsoft.com/office/powerpoint/2010/main" xmlns:p15="http://schemas.microsoft.com/office/powerpoint/2012/main" xmlns:ahyp="http://schemas.microsoft.com/office/drawing/2018/hyperlinkcolor" matchingName="One column text">
+<p:sldLayout xmlns:a="http://schemas.openxmlformats.org/drawingml/2006/main" xmlns:r="http://schemas.openxmlformats.org/officeDocument/2006/relationships" xmlns:p="http://schemas.openxmlformats.org/presentationml/2006/main" matchingName="One column text">
   <p:cSld name="ONE_COLUMN_TEXT">
     <p:spTree>
       <p:nvGrpSpPr>
-        <p:cNvPr id="28" name="Shape 28"/>
+        <p:cNvPr id="1" name="Shape 28"/>
         <p:cNvGrpSpPr/>
         <p:nvPr/>
       </p:nvGrpSpPr>
@@ -5625,7 +5836,9 @@
       <p:sp>
         <p:nvSpPr>
           <p:cNvPr id="29" name="Google Shape;29;p7"/>
-          <p:cNvSpPr txBox="1"/>
+          <p:cNvSpPr txBox="1">
+            <a:spLocks noGrp="1"/>
+          </p:cNvSpPr>
           <p:nvPr>
             <p:ph type="title"/>
           </p:nvPr>
@@ -5640,7 +5853,7 @@
           </a:prstGeom>
         </p:spPr>
         <p:txBody>
-          <a:bodyPr anchorCtr="0" anchor="b" bIns="91425" lIns="91425" spcFirstLastPara="1" rIns="91425" wrap="square" tIns="91425">
+          <a:bodyPr spcFirstLastPara="1" wrap="square" lIns="91425" tIns="91425" rIns="91425" bIns="91425" anchor="b" anchorCtr="0">
             <a:normAutofit/>
           </a:bodyPr>
           <a:lstStyle>
@@ -5744,15 +5957,19 @@
               <a:defRPr sz="2400"/>
             </a:lvl9pPr>
           </a:lstStyle>
-          <a:p/>
+          <a:p>
+            <a:endParaRPr/>
+          </a:p>
         </p:txBody>
       </p:sp>
       <p:sp>
         <p:nvSpPr>
           <p:cNvPr id="30" name="Google Shape;30;p7"/>
-          <p:cNvSpPr txBox="1"/>
-          <p:nvPr>
-            <p:ph idx="1" type="body"/>
+          <p:cNvSpPr txBox="1">
+            <a:spLocks noGrp="1"/>
+          </p:cNvSpPr>
+          <p:nvPr>
+            <p:ph type="body" idx="1"/>
           </p:nvPr>
         </p:nvSpPr>
         <p:spPr>
@@ -5765,11 +5982,11 @@
           </a:prstGeom>
         </p:spPr>
         <p:txBody>
-          <a:bodyPr anchorCtr="0" anchor="t" bIns="91425" lIns="91425" spcFirstLastPara="1" rIns="91425" wrap="square" tIns="91425">
+          <a:bodyPr spcFirstLastPara="1" wrap="square" lIns="91425" tIns="91425" rIns="91425" bIns="91425" anchor="t" anchorCtr="0">
             <a:normAutofit/>
           </a:bodyPr>
           <a:lstStyle>
-            <a:lvl1pPr indent="-304800" lvl="0" marL="457200">
+            <a:lvl1pPr marL="457200" lvl="0" indent="-304800">
               <a:spcBef>
                 <a:spcPts val="0"/>
               </a:spcBef>
@@ -5780,7 +5997,7 @@
               <a:buChar char="●"/>
               <a:defRPr sz="1200"/>
             </a:lvl1pPr>
-            <a:lvl2pPr indent="-304800" lvl="1" marL="914400">
+            <a:lvl2pPr marL="914400" lvl="1" indent="-304800">
               <a:spcBef>
                 <a:spcPts val="0"/>
               </a:spcBef>
@@ -5791,7 +6008,7 @@
               <a:buChar char="○"/>
               <a:defRPr sz="1200"/>
             </a:lvl2pPr>
-            <a:lvl3pPr indent="-304800" lvl="2" marL="1371600">
+            <a:lvl3pPr marL="1371600" lvl="2" indent="-304800">
               <a:spcBef>
                 <a:spcPts val="0"/>
               </a:spcBef>
@@ -5802,7 +6019,7 @@
               <a:buChar char="■"/>
               <a:defRPr sz="1200"/>
             </a:lvl3pPr>
-            <a:lvl4pPr indent="-304800" lvl="3" marL="1828800">
+            <a:lvl4pPr marL="1828800" lvl="3" indent="-304800">
               <a:spcBef>
                 <a:spcPts val="0"/>
               </a:spcBef>
@@ -5813,7 +6030,7 @@
               <a:buChar char="●"/>
               <a:defRPr sz="1200"/>
             </a:lvl4pPr>
-            <a:lvl5pPr indent="-304800" lvl="4" marL="2286000">
+            <a:lvl5pPr marL="2286000" lvl="4" indent="-304800">
               <a:spcBef>
                 <a:spcPts val="0"/>
               </a:spcBef>
@@ -5824,7 +6041,7 @@
               <a:buChar char="○"/>
               <a:defRPr sz="1200"/>
             </a:lvl5pPr>
-            <a:lvl6pPr indent="-304800" lvl="5" marL="2743200">
+            <a:lvl6pPr marL="2743200" lvl="5" indent="-304800">
               <a:spcBef>
                 <a:spcPts val="0"/>
               </a:spcBef>
@@ -5835,7 +6052,7 @@
               <a:buChar char="■"/>
               <a:defRPr sz="1200"/>
             </a:lvl6pPr>
-            <a:lvl7pPr indent="-304800" lvl="6" marL="3200400">
+            <a:lvl7pPr marL="3200400" lvl="6" indent="-304800">
               <a:spcBef>
                 <a:spcPts val="0"/>
               </a:spcBef>
@@ -5846,7 +6063,7 @@
               <a:buChar char="●"/>
               <a:defRPr sz="1200"/>
             </a:lvl7pPr>
-            <a:lvl8pPr indent="-304800" lvl="7" marL="3657600">
+            <a:lvl8pPr marL="3657600" lvl="7" indent="-304800">
               <a:spcBef>
                 <a:spcPts val="0"/>
               </a:spcBef>
@@ -5857,7 +6074,7 @@
               <a:buChar char="○"/>
               <a:defRPr sz="1200"/>
             </a:lvl8pPr>
-            <a:lvl9pPr indent="-304800" lvl="8" marL="4114800">
+            <a:lvl9pPr marL="4114800" lvl="8" indent="-304800">
               <a:spcBef>
                 <a:spcPts val="0"/>
               </a:spcBef>
@@ -5869,15 +6086,19 @@
               <a:defRPr sz="1200"/>
             </a:lvl9pPr>
           </a:lstStyle>
-          <a:p/>
+          <a:p>
+            <a:endParaRPr/>
+          </a:p>
         </p:txBody>
       </p:sp>
       <p:sp>
         <p:nvSpPr>
           <p:cNvPr id="31" name="Google Shape;31;p7"/>
-          <p:cNvSpPr txBox="1"/>
-          <p:nvPr>
-            <p:ph idx="12" type="sldNum"/>
+          <p:cNvSpPr txBox="1">
+            <a:spLocks noGrp="1"/>
+          </p:cNvSpPr>
+          <p:nvPr>
+            <p:ph type="sldNum" idx="12"/>
           </p:nvPr>
         </p:nvSpPr>
         <p:spPr>
@@ -5890,7 +6111,7 @@
           </a:prstGeom>
         </p:spPr>
         <p:txBody>
-          <a:bodyPr anchorCtr="0" anchor="ctr" bIns="91425" lIns="91425" spcFirstLastPara="1" rIns="91425" wrap="square" tIns="91425">
+          <a:bodyPr spcFirstLastPara="1" wrap="square" lIns="91425" tIns="91425" rIns="91425" bIns="91425" anchor="ctr" anchorCtr="0">
             <a:normAutofit/>
           </a:bodyPr>
           <a:lstStyle>
@@ -5932,7 +6153,7 @@
             </a:lvl9pPr>
           </a:lstStyle>
           <a:p>
-            <a:pPr indent="0" lvl="0" marL="0" rtl="0" algn="r">
+            <a:pPr marL="0" lvl="0" indent="0" algn="r" rtl="0">
               <a:spcBef>
                 <a:spcPts val="0"/>
               </a:spcBef>
@@ -5958,11 +6179,11 @@
 </file>
 
 <file path=ppt/slideLayouts/slideLayout7.xml><?xml version="1.0" encoding="utf-8"?>
-<p:sldLayout xmlns:a="http://schemas.openxmlformats.org/drawingml/2006/main" xmlns:r="http://schemas.openxmlformats.org/officeDocument/2006/relationships" xmlns:mc="http://schemas.openxmlformats.org/markup-compatibility/2006" xmlns:mv="urn:schemas-microsoft-com:mac:vml" xmlns:p="http://schemas.openxmlformats.org/presentationml/2006/main" xmlns:c="http://schemas.openxmlformats.org/drawingml/2006/chart" xmlns:dgm="http://schemas.openxmlformats.org/drawingml/2006/diagram" xmlns:o="urn:schemas-microsoft-com:office:office" xmlns:v="urn:schemas-microsoft-com:vml" xmlns:pvml="urn:schemas-microsoft-com:office:powerpoint" xmlns:com="http://schemas.openxmlformats.org/drawingml/2006/compatibility" xmlns:p14="http://schemas.microsoft.com/office/powerpoint/2010/main" xmlns:p15="http://schemas.microsoft.com/office/powerpoint/2012/main" xmlns:ahyp="http://schemas.microsoft.com/office/drawing/2018/hyperlinkcolor" matchingName="Main point">
+<p:sldLayout xmlns:a="http://schemas.openxmlformats.org/drawingml/2006/main" xmlns:r="http://schemas.openxmlformats.org/officeDocument/2006/relationships" xmlns:p="http://schemas.openxmlformats.org/presentationml/2006/main" matchingName="Main point">
   <p:cSld name="MAIN_POINT">
     <p:spTree>
       <p:nvGrpSpPr>
-        <p:cNvPr id="32" name="Shape 32"/>
+        <p:cNvPr id="1" name="Shape 32"/>
         <p:cNvGrpSpPr/>
         <p:nvPr/>
       </p:nvGrpSpPr>
@@ -5977,7 +6198,9 @@
       <p:sp>
         <p:nvSpPr>
           <p:cNvPr id="33" name="Google Shape;33;p8"/>
-          <p:cNvSpPr txBox="1"/>
+          <p:cNvSpPr txBox="1">
+            <a:spLocks noGrp="1"/>
+          </p:cNvSpPr>
           <p:nvPr>
             <p:ph type="title"/>
           </p:nvPr>
@@ -5992,7 +6215,7 @@
           </a:prstGeom>
         </p:spPr>
         <p:txBody>
-          <a:bodyPr anchorCtr="0" anchor="ctr" bIns="91425" lIns="91425" spcFirstLastPara="1" rIns="91425" wrap="square" tIns="91425">
+          <a:bodyPr spcFirstLastPara="1" wrap="square" lIns="91425" tIns="91425" rIns="91425" bIns="91425" anchor="ctr" anchorCtr="0">
             <a:normAutofit/>
           </a:bodyPr>
           <a:lstStyle>
@@ -6096,15 +6319,19 @@
               <a:defRPr sz="4800"/>
             </a:lvl9pPr>
           </a:lstStyle>
-          <a:p/>
+          <a:p>
+            <a:endParaRPr/>
+          </a:p>
         </p:txBody>
       </p:sp>
       <p:sp>
         <p:nvSpPr>
           <p:cNvPr id="34" name="Google Shape;34;p8"/>
-          <p:cNvSpPr txBox="1"/>
-          <p:nvPr>
-            <p:ph idx="12" type="sldNum"/>
+          <p:cNvSpPr txBox="1">
+            <a:spLocks noGrp="1"/>
+          </p:cNvSpPr>
+          <p:nvPr>
+            <p:ph type="sldNum" idx="12"/>
           </p:nvPr>
         </p:nvSpPr>
         <p:spPr>
@@ -6117,7 +6344,7 @@
           </a:prstGeom>
         </p:spPr>
         <p:txBody>
-          <a:bodyPr anchorCtr="0" anchor="ctr" bIns="91425" lIns="91425" spcFirstLastPara="1" rIns="91425" wrap="square" tIns="91425">
+          <a:bodyPr spcFirstLastPara="1" wrap="square" lIns="91425" tIns="91425" rIns="91425" bIns="91425" anchor="ctr" anchorCtr="0">
             <a:normAutofit/>
           </a:bodyPr>
           <a:lstStyle>
@@ -6159,7 +6386,7 @@
             </a:lvl9pPr>
           </a:lstStyle>
           <a:p>
-            <a:pPr indent="0" lvl="0" marL="0" rtl="0" algn="r">
+            <a:pPr marL="0" lvl="0" indent="0" algn="r" rtl="0">
               <a:spcBef>
                 <a:spcPts val="0"/>
               </a:spcBef>
@@ -6185,11 +6412,11 @@
 </file>
 
 <file path=ppt/slideLayouts/slideLayout8.xml><?xml version="1.0" encoding="utf-8"?>
-<p:sldLayout xmlns:a="http://schemas.openxmlformats.org/drawingml/2006/main" xmlns:r="http://schemas.openxmlformats.org/officeDocument/2006/relationships" xmlns:mc="http://schemas.openxmlformats.org/markup-compatibility/2006" xmlns:mv="urn:schemas-microsoft-com:mac:vml" xmlns:p="http://schemas.openxmlformats.org/presentationml/2006/main" xmlns:c="http://schemas.openxmlformats.org/drawingml/2006/chart" xmlns:dgm="http://schemas.openxmlformats.org/drawingml/2006/diagram" xmlns:o="urn:schemas-microsoft-com:office:office" xmlns:v="urn:schemas-microsoft-com:vml" xmlns:pvml="urn:schemas-microsoft-com:office:powerpoint" xmlns:com="http://schemas.openxmlformats.org/drawingml/2006/compatibility" xmlns:p14="http://schemas.microsoft.com/office/powerpoint/2010/main" xmlns:p15="http://schemas.microsoft.com/office/powerpoint/2012/main" xmlns:ahyp="http://schemas.microsoft.com/office/drawing/2018/hyperlinkcolor" matchingName="Section title and description">
+<p:sldLayout xmlns:a="http://schemas.openxmlformats.org/drawingml/2006/main" xmlns:r="http://schemas.openxmlformats.org/officeDocument/2006/relationships" xmlns:p="http://schemas.openxmlformats.org/presentationml/2006/main" matchingName="Section title and description">
   <p:cSld name="SECTION_TITLE_AND_DESCRIPTION">
     <p:spTree>
       <p:nvGrpSpPr>
-        <p:cNvPr id="35" name="Shape 35"/>
+        <p:cNvPr id="1" name="Shape 35"/>
         <p:cNvGrpSpPr/>
         <p:nvPr/>
       </p:nvGrpSpPr>
@@ -6223,23 +6450,20 @@
           </a:ln>
         </p:spPr>
         <p:txBody>
-          <a:bodyPr anchorCtr="0" anchor="ctr" bIns="91425" lIns="91425" spcFirstLastPara="1" rIns="91425" wrap="square" tIns="91425">
+          <a:bodyPr spcFirstLastPara="1" wrap="square" lIns="91425" tIns="91425" rIns="91425" bIns="91425" anchor="ctr" anchorCtr="0">
             <a:noAutofit/>
           </a:bodyPr>
           <a:lstStyle/>
           <a:p>
-            <a:pPr indent="0" lvl="0" marL="0" rtl="0" algn="l">
-              <a:spcBef>
-                <a:spcPts val="0"/>
-              </a:spcBef>
-              <a:spcAft>
-                <a:spcPts val="0"/>
-              </a:spcAft>
-              <a:buNone/>
-            </a:pPr>
-            <a:r>
-              <a:t/>
-            </a:r>
+            <a:pPr marL="0" lvl="0" indent="0" algn="l" rtl="0">
+              <a:spcBef>
+                <a:spcPts val="0"/>
+              </a:spcBef>
+              <a:spcAft>
+                <a:spcPts val="0"/>
+              </a:spcAft>
+              <a:buNone/>
+            </a:pPr>
             <a:endParaRPr/>
           </a:p>
         </p:txBody>
@@ -6247,7 +6471,9 @@
       <p:sp>
         <p:nvSpPr>
           <p:cNvPr id="37" name="Google Shape;37;p9"/>
-          <p:cNvSpPr txBox="1"/>
+          <p:cNvSpPr txBox="1">
+            <a:spLocks noGrp="1"/>
+          </p:cNvSpPr>
           <p:nvPr>
             <p:ph type="title"/>
           </p:nvPr>
@@ -6262,7 +6488,7 @@
           </a:prstGeom>
         </p:spPr>
         <p:txBody>
-          <a:bodyPr anchorCtr="0" anchor="b" bIns="91425" lIns="91425" spcFirstLastPara="1" rIns="91425" wrap="square" tIns="91425">
+          <a:bodyPr spcFirstLastPara="1" wrap="square" lIns="91425" tIns="91425" rIns="91425" bIns="91425" anchor="b" anchorCtr="0">
             <a:normAutofit/>
           </a:bodyPr>
           <a:lstStyle>
@@ -6366,15 +6592,19 @@
               <a:defRPr sz="4200"/>
             </a:lvl9pPr>
           </a:lstStyle>
-          <a:p/>
+          <a:p>
+            <a:endParaRPr/>
+          </a:p>
         </p:txBody>
       </p:sp>
       <p:sp>
         <p:nvSpPr>
           <p:cNvPr id="38" name="Google Shape;38;p9"/>
-          <p:cNvSpPr txBox="1"/>
-          <p:nvPr>
-            <p:ph idx="1" type="subTitle"/>
+          <p:cNvSpPr txBox="1">
+            <a:spLocks noGrp="1"/>
+          </p:cNvSpPr>
+          <p:nvPr>
+            <p:ph type="subTitle" idx="1"/>
           </p:nvPr>
         </p:nvSpPr>
         <p:spPr>
@@ -6387,7 +6617,7 @@
           </a:prstGeom>
         </p:spPr>
         <p:txBody>
-          <a:bodyPr anchorCtr="0" anchor="t" bIns="91425" lIns="91425" spcFirstLastPara="1" rIns="91425" wrap="square" tIns="91425">
+          <a:bodyPr spcFirstLastPara="1" wrap="square" lIns="91425" tIns="91425" rIns="91425" bIns="91425" anchor="t" anchorCtr="0">
             <a:normAutofit/>
           </a:bodyPr>
           <a:lstStyle>
@@ -6518,15 +6748,19 @@
               <a:defRPr sz="2100"/>
             </a:lvl9pPr>
           </a:lstStyle>
-          <a:p/>
+          <a:p>
+            <a:endParaRPr/>
+          </a:p>
         </p:txBody>
       </p:sp>
       <p:sp>
         <p:nvSpPr>
           <p:cNvPr id="39" name="Google Shape;39;p9"/>
-          <p:cNvSpPr txBox="1"/>
-          <p:nvPr>
-            <p:ph idx="2" type="body"/>
+          <p:cNvSpPr txBox="1">
+            <a:spLocks noGrp="1"/>
+          </p:cNvSpPr>
+          <p:nvPr>
+            <p:ph type="body" idx="2"/>
           </p:nvPr>
         </p:nvSpPr>
         <p:spPr>
@@ -6539,11 +6773,11 @@
           </a:prstGeom>
         </p:spPr>
         <p:txBody>
-          <a:bodyPr anchorCtr="0" anchor="ctr" bIns="91425" lIns="91425" spcFirstLastPara="1" rIns="91425" wrap="square" tIns="91425">
+          <a:bodyPr spcFirstLastPara="1" wrap="square" lIns="91425" tIns="91425" rIns="91425" bIns="91425" anchor="ctr" anchorCtr="0">
             <a:normAutofit/>
           </a:bodyPr>
           <a:lstStyle>
-            <a:lvl1pPr indent="-342900" lvl="0" marL="457200">
+            <a:lvl1pPr marL="457200" lvl="0" indent="-342900">
               <a:spcBef>
                 <a:spcPts val="0"/>
               </a:spcBef>
@@ -6561,7 +6795,7 @@
                 </a:solidFill>
               </a:defRPr>
             </a:lvl1pPr>
-            <a:lvl2pPr indent="-317500" lvl="1" marL="914400">
+            <a:lvl2pPr marL="914400" lvl="1" indent="-317500">
               <a:spcBef>
                 <a:spcPts val="0"/>
               </a:spcBef>
@@ -6579,7 +6813,7 @@
                 </a:solidFill>
               </a:defRPr>
             </a:lvl2pPr>
-            <a:lvl3pPr indent="-317500" lvl="2" marL="1371600">
+            <a:lvl3pPr marL="1371600" lvl="2" indent="-317500">
               <a:spcBef>
                 <a:spcPts val="0"/>
               </a:spcBef>
@@ -6597,7 +6831,7 @@
                 </a:solidFill>
               </a:defRPr>
             </a:lvl3pPr>
-            <a:lvl4pPr indent="-317500" lvl="3" marL="1828800">
+            <a:lvl4pPr marL="1828800" lvl="3" indent="-317500">
               <a:spcBef>
                 <a:spcPts val="0"/>
               </a:spcBef>
@@ -6615,7 +6849,7 @@
                 </a:solidFill>
               </a:defRPr>
             </a:lvl4pPr>
-            <a:lvl5pPr indent="-317500" lvl="4" marL="2286000">
+            <a:lvl5pPr marL="2286000" lvl="4" indent="-317500">
               <a:spcBef>
                 <a:spcPts val="0"/>
               </a:spcBef>
@@ -6633,7 +6867,7 @@
                 </a:solidFill>
               </a:defRPr>
             </a:lvl5pPr>
-            <a:lvl6pPr indent="-317500" lvl="5" marL="2743200">
+            <a:lvl6pPr marL="2743200" lvl="5" indent="-317500">
               <a:spcBef>
                 <a:spcPts val="0"/>
               </a:spcBef>
@@ -6651,7 +6885,7 @@
                 </a:solidFill>
               </a:defRPr>
             </a:lvl6pPr>
-            <a:lvl7pPr indent="-317500" lvl="6" marL="3200400">
+            <a:lvl7pPr marL="3200400" lvl="6" indent="-317500">
               <a:spcBef>
                 <a:spcPts val="0"/>
               </a:spcBef>
@@ -6669,7 +6903,7 @@
                 </a:solidFill>
               </a:defRPr>
             </a:lvl7pPr>
-            <a:lvl8pPr indent="-317500" lvl="7" marL="3657600">
+            <a:lvl8pPr marL="3657600" lvl="7" indent="-317500">
               <a:spcBef>
                 <a:spcPts val="0"/>
               </a:spcBef>
@@ -6687,7 +6921,7 @@
                 </a:solidFill>
               </a:defRPr>
             </a:lvl8pPr>
-            <a:lvl9pPr indent="-317500" lvl="8" marL="4114800">
+            <a:lvl9pPr marL="4114800" lvl="8" indent="-317500">
               <a:spcBef>
                 <a:spcPts val="0"/>
               </a:spcBef>
@@ -6706,15 +6940,19 @@
               </a:defRPr>
             </a:lvl9pPr>
           </a:lstStyle>
-          <a:p/>
+          <a:p>
+            <a:endParaRPr/>
+          </a:p>
         </p:txBody>
       </p:sp>
       <p:sp>
         <p:nvSpPr>
           <p:cNvPr id="40" name="Google Shape;40;p9"/>
-          <p:cNvSpPr txBox="1"/>
-          <p:nvPr>
-            <p:ph idx="12" type="sldNum"/>
+          <p:cNvSpPr txBox="1">
+            <a:spLocks noGrp="1"/>
+          </p:cNvSpPr>
+          <p:nvPr>
+            <p:ph type="sldNum" idx="12"/>
           </p:nvPr>
         </p:nvSpPr>
         <p:spPr>
@@ -6727,7 +6965,7 @@
           </a:prstGeom>
         </p:spPr>
         <p:txBody>
-          <a:bodyPr anchorCtr="0" anchor="ctr" bIns="91425" lIns="91425" spcFirstLastPara="1" rIns="91425" wrap="square" tIns="91425">
+          <a:bodyPr spcFirstLastPara="1" wrap="square" lIns="91425" tIns="91425" rIns="91425" bIns="91425" anchor="ctr" anchorCtr="0">
             <a:normAutofit/>
           </a:bodyPr>
           <a:lstStyle>
@@ -6769,7 +7007,7 @@
             </a:lvl9pPr>
           </a:lstStyle>
           <a:p>
-            <a:pPr indent="0" lvl="0" marL="0" rtl="0" algn="r">
+            <a:pPr marL="0" lvl="0" indent="0" algn="r" rtl="0">
               <a:spcBef>
                 <a:spcPts val="0"/>
               </a:spcBef>
@@ -6795,11 +7033,11 @@
 </file>
 
 <file path=ppt/slideLayouts/slideLayout9.xml><?xml version="1.0" encoding="utf-8"?>
-<p:sldLayout xmlns:a="http://schemas.openxmlformats.org/drawingml/2006/main" xmlns:r="http://schemas.openxmlformats.org/officeDocument/2006/relationships" xmlns:mc="http://schemas.openxmlformats.org/markup-compatibility/2006" xmlns:mv="urn:schemas-microsoft-com:mac:vml" xmlns:p="http://schemas.openxmlformats.org/presentationml/2006/main" xmlns:c="http://schemas.openxmlformats.org/drawingml/2006/chart" xmlns:dgm="http://schemas.openxmlformats.org/drawingml/2006/diagram" xmlns:o="urn:schemas-microsoft-com:office:office" xmlns:v="urn:schemas-microsoft-com:vml" xmlns:pvml="urn:schemas-microsoft-com:office:powerpoint" xmlns:com="http://schemas.openxmlformats.org/drawingml/2006/compatibility" xmlns:p14="http://schemas.microsoft.com/office/powerpoint/2010/main" xmlns:p15="http://schemas.microsoft.com/office/powerpoint/2012/main" xmlns:ahyp="http://schemas.microsoft.com/office/drawing/2018/hyperlinkcolor" matchingName="Caption">
+<p:sldLayout xmlns:a="http://schemas.openxmlformats.org/drawingml/2006/main" xmlns:r="http://schemas.openxmlformats.org/officeDocument/2006/relationships" xmlns:p="http://schemas.openxmlformats.org/presentationml/2006/main" matchingName="Caption">
   <p:cSld name="CAPTION_ONLY">
     <p:spTree>
       <p:nvGrpSpPr>
-        <p:cNvPr id="41" name="Shape 41"/>
+        <p:cNvPr id="1" name="Shape 41"/>
         <p:cNvGrpSpPr/>
         <p:nvPr/>
       </p:nvGrpSpPr>
@@ -6814,9 +7052,11 @@
       <p:sp>
         <p:nvSpPr>
           <p:cNvPr id="42" name="Google Shape;42;p10"/>
-          <p:cNvSpPr txBox="1"/>
-          <p:nvPr>
-            <p:ph idx="1" type="body"/>
+          <p:cNvSpPr txBox="1">
+            <a:spLocks noGrp="1"/>
+          </p:cNvSpPr>
+          <p:nvPr>
+            <p:ph type="body" idx="1"/>
           </p:nvPr>
         </p:nvSpPr>
         <p:spPr>
@@ -6829,11 +7069,11 @@
           </a:prstGeom>
         </p:spPr>
         <p:txBody>
-          <a:bodyPr anchorCtr="0" anchor="ctr" bIns="91425" lIns="91425" spcFirstLastPara="1" rIns="91425" wrap="square" tIns="91425">
+          <a:bodyPr spcFirstLastPara="1" wrap="square" lIns="91425" tIns="91425" rIns="91425" bIns="91425" anchor="ctr" anchorCtr="0">
             <a:normAutofit/>
           </a:bodyPr>
           <a:lstStyle>
-            <a:lvl1pPr indent="-228600" lvl="0" marL="457200">
+            <a:lvl1pPr marL="457200" lvl="0" indent="-228600">
               <a:lnSpc>
                 <a:spcPct val="100000"/>
               </a:lnSpc>
@@ -6848,15 +7088,19 @@
               <a:defRPr/>
             </a:lvl1pPr>
           </a:lstStyle>
-          <a:p/>
+          <a:p>
+            <a:endParaRPr/>
+          </a:p>
         </p:txBody>
       </p:sp>
       <p:sp>
         <p:nvSpPr>
           <p:cNvPr id="43" name="Google Shape;43;p10"/>
-          <p:cNvSpPr txBox="1"/>
-          <p:nvPr>
-            <p:ph idx="12" type="sldNum"/>
+          <p:cNvSpPr txBox="1">
+            <a:spLocks noGrp="1"/>
+          </p:cNvSpPr>
+          <p:nvPr>
+            <p:ph type="sldNum" idx="12"/>
           </p:nvPr>
         </p:nvSpPr>
         <p:spPr>
@@ -6869,7 +7113,7 @@
           </a:prstGeom>
         </p:spPr>
         <p:txBody>
-          <a:bodyPr anchorCtr="0" anchor="ctr" bIns="91425" lIns="91425" spcFirstLastPara="1" rIns="91425" wrap="square" tIns="91425">
+          <a:bodyPr spcFirstLastPara="1" wrap="square" lIns="91425" tIns="91425" rIns="91425" bIns="91425" anchor="ctr" anchorCtr="0">
             <a:normAutofit/>
           </a:bodyPr>
           <a:lstStyle>
@@ -6911,7 +7155,7 @@
             </a:lvl9pPr>
           </a:lstStyle>
           <a:p>
-            <a:pPr indent="0" lvl="0" marL="0" rtl="0" algn="r">
+            <a:pPr marL="0" lvl="0" indent="0" algn="r" rtl="0">
               <a:spcBef>
                 <a:spcPts val="0"/>
               </a:spcBef>
@@ -6937,18 +7181,19 @@
 </file>
 
 <file path=ppt/slideMasters/slideMaster1.xml><?xml version="1.0" encoding="utf-8"?>
-<p:sldMaster xmlns:a="http://schemas.openxmlformats.org/drawingml/2006/main" xmlns:r="http://schemas.openxmlformats.org/officeDocument/2006/relationships" xmlns:mc="http://schemas.openxmlformats.org/markup-compatibility/2006" xmlns:mv="urn:schemas-microsoft-com:mac:vml" xmlns:p="http://schemas.openxmlformats.org/presentationml/2006/main" xmlns:c="http://schemas.openxmlformats.org/drawingml/2006/chart" xmlns:dgm="http://schemas.openxmlformats.org/drawingml/2006/diagram" xmlns:o="urn:schemas-microsoft-com:office:office" xmlns:v="urn:schemas-microsoft-com:vml" xmlns:pvml="urn:schemas-microsoft-com:office:powerpoint" xmlns:com="http://schemas.openxmlformats.org/drawingml/2006/compatibility" xmlns:p14="http://schemas.microsoft.com/office/powerpoint/2010/main" xmlns:p15="http://schemas.microsoft.com/office/powerpoint/2012/main" xmlns:ahyp="http://schemas.microsoft.com/office/drawing/2018/hyperlinkcolor">
+<p:sldMaster xmlns:a="http://schemas.openxmlformats.org/drawingml/2006/main" xmlns:r="http://schemas.openxmlformats.org/officeDocument/2006/relationships" xmlns:p="http://schemas.openxmlformats.org/presentationml/2006/main">
   <p:cSld name="simple-dark-2">
     <p:bg>
       <p:bgPr>
         <a:solidFill>
           <a:schemeClr val="lt1"/>
         </a:solidFill>
+        <a:effectLst/>
       </p:bgPr>
     </p:bg>
     <p:spTree>
       <p:nvGrpSpPr>
-        <p:cNvPr id="5" name="Shape 5"/>
+        <p:cNvPr id="1" name="Shape 5"/>
         <p:cNvGrpSpPr/>
         <p:nvPr/>
       </p:nvGrpSpPr>
@@ -6963,7 +7208,9 @@
       <p:sp>
         <p:nvSpPr>
           <p:cNvPr id="6" name="Google Shape;6;p1"/>
-          <p:cNvSpPr txBox="1"/>
+          <p:cNvSpPr txBox="1">
+            <a:spLocks noGrp="1"/>
+          </p:cNvSpPr>
           <p:nvPr>
             <p:ph type="title"/>
           </p:nvPr>
@@ -6982,7 +7229,7 @@
           </a:ln>
         </p:spPr>
         <p:txBody>
-          <a:bodyPr anchorCtr="0" anchor="t" bIns="91425" lIns="91425" spcFirstLastPara="1" rIns="91425" wrap="square" tIns="91425">
+          <a:bodyPr spcFirstLastPara="1" wrap="square" lIns="91425" tIns="91425" rIns="91425" bIns="91425" anchor="t" anchorCtr="0">
             <a:normAutofit/>
           </a:bodyPr>
           <a:lstStyle>
@@ -7149,15 +7396,19 @@
               </a:defRPr>
             </a:lvl9pPr>
           </a:lstStyle>
-          <a:p/>
+          <a:p>
+            <a:endParaRPr/>
+          </a:p>
         </p:txBody>
       </p:sp>
       <p:sp>
         <p:nvSpPr>
           <p:cNvPr id="7" name="Google Shape;7;p1"/>
-          <p:cNvSpPr txBox="1"/>
-          <p:nvPr>
-            <p:ph idx="1" type="body"/>
+          <p:cNvSpPr txBox="1">
+            <a:spLocks noGrp="1"/>
+          </p:cNvSpPr>
+          <p:nvPr>
+            <p:ph type="body" idx="1"/>
           </p:nvPr>
         </p:nvSpPr>
         <p:spPr>
@@ -7174,11 +7425,11 @@
           </a:ln>
         </p:spPr>
         <p:txBody>
-          <a:bodyPr anchorCtr="0" anchor="t" bIns="91425" lIns="91425" spcFirstLastPara="1" rIns="91425" wrap="square" tIns="91425">
+          <a:bodyPr spcFirstLastPara="1" wrap="square" lIns="91425" tIns="91425" rIns="91425" bIns="91425" anchor="t" anchorCtr="0">
             <a:normAutofit/>
           </a:bodyPr>
           <a:lstStyle>
-            <a:lvl1pPr indent="-342900" lvl="0" marL="457200">
+            <a:lvl1pPr marL="457200" lvl="0" indent="-342900">
               <a:lnSpc>
                 <a:spcPct val="115000"/>
               </a:lnSpc>
@@ -7199,7 +7450,7 @@
                 </a:solidFill>
               </a:defRPr>
             </a:lvl1pPr>
-            <a:lvl2pPr indent="-317500" lvl="1" marL="914400">
+            <a:lvl2pPr marL="914400" lvl="1" indent="-317500">
               <a:lnSpc>
                 <a:spcPct val="115000"/>
               </a:lnSpc>
@@ -7220,7 +7471,7 @@
                 </a:solidFill>
               </a:defRPr>
             </a:lvl2pPr>
-            <a:lvl3pPr indent="-317500" lvl="2" marL="1371600">
+            <a:lvl3pPr marL="1371600" lvl="2" indent="-317500">
               <a:lnSpc>
                 <a:spcPct val="115000"/>
               </a:lnSpc>
@@ -7241,7 +7492,7 @@
                 </a:solidFill>
               </a:defRPr>
             </a:lvl3pPr>
-            <a:lvl4pPr indent="-317500" lvl="3" marL="1828800">
+            <a:lvl4pPr marL="1828800" lvl="3" indent="-317500">
               <a:lnSpc>
                 <a:spcPct val="115000"/>
               </a:lnSpc>
@@ -7262,7 +7513,7 @@
                 </a:solidFill>
               </a:defRPr>
             </a:lvl4pPr>
-            <a:lvl5pPr indent="-317500" lvl="4" marL="2286000">
+            <a:lvl5pPr marL="2286000" lvl="4" indent="-317500">
               <a:lnSpc>
                 <a:spcPct val="115000"/>
               </a:lnSpc>
@@ -7283,7 +7534,7 @@
                 </a:solidFill>
               </a:defRPr>
             </a:lvl5pPr>
-            <a:lvl6pPr indent="-317500" lvl="5" marL="2743200">
+            <a:lvl6pPr marL="2743200" lvl="5" indent="-317500">
               <a:lnSpc>
                 <a:spcPct val="115000"/>
               </a:lnSpc>
@@ -7304,7 +7555,7 @@
                 </a:solidFill>
               </a:defRPr>
             </a:lvl6pPr>
-            <a:lvl7pPr indent="-317500" lvl="6" marL="3200400">
+            <a:lvl7pPr marL="3200400" lvl="6" indent="-317500">
               <a:lnSpc>
                 <a:spcPct val="115000"/>
               </a:lnSpc>
@@ -7325,7 +7576,7 @@
                 </a:solidFill>
               </a:defRPr>
             </a:lvl7pPr>
-            <a:lvl8pPr indent="-317500" lvl="7" marL="3657600">
+            <a:lvl8pPr marL="3657600" lvl="7" indent="-317500">
               <a:lnSpc>
                 <a:spcPct val="115000"/>
               </a:lnSpc>
@@ -7346,7 +7597,7 @@
                 </a:solidFill>
               </a:defRPr>
             </a:lvl8pPr>
-            <a:lvl9pPr indent="-317500" lvl="8" marL="4114800">
+            <a:lvl9pPr marL="4114800" lvl="8" indent="-317500">
               <a:lnSpc>
                 <a:spcPct val="115000"/>
               </a:lnSpc>
@@ -7368,15 +7619,19 @@
               </a:defRPr>
             </a:lvl9pPr>
           </a:lstStyle>
-          <a:p/>
+          <a:p>
+            <a:endParaRPr/>
+          </a:p>
         </p:txBody>
       </p:sp>
       <p:sp>
         <p:nvSpPr>
           <p:cNvPr id="8" name="Google Shape;8;p1"/>
-          <p:cNvSpPr txBox="1"/>
-          <p:nvPr>
-            <p:ph idx="12" type="sldNum"/>
+          <p:cNvSpPr txBox="1">
+            <a:spLocks noGrp="1"/>
+          </p:cNvSpPr>
+          <p:nvPr>
+            <p:ph type="sldNum" idx="12"/>
           </p:nvPr>
         </p:nvSpPr>
         <p:spPr>
@@ -7393,7 +7648,7 @@
           </a:ln>
         </p:spPr>
         <p:txBody>
-          <a:bodyPr anchorCtr="0" anchor="ctr" bIns="91425" lIns="91425" spcFirstLastPara="1" rIns="91425" wrap="square" tIns="91425">
+          <a:bodyPr spcFirstLastPara="1" wrap="square" lIns="91425" tIns="91425" rIns="91425" bIns="91425" anchor="ctr" anchorCtr="0">
             <a:normAutofit/>
           </a:bodyPr>
           <a:lstStyle>
@@ -7471,7 +7726,7 @@
             </a:lvl9pPr>
           </a:lstStyle>
           <a:p>
-            <a:pPr indent="0" lvl="0" marL="0" rtl="0" algn="r">
+            <a:pPr marL="0" lvl="0" indent="0" algn="r" rtl="0">
               <a:spcBef>
                 <a:spcPts val="0"/>
               </a:spcBef>
@@ -7490,7 +7745,7 @@
       </p:sp>
     </p:spTree>
   </p:cSld>
-  <p:clrMap accent1="accent1" accent2="accent2" accent3="accent3" accent4="accent4" accent5="accent5" accent6="accent6" bg1="lt1" bg2="dk2" tx1="dk1" tx2="lt2" folHlink="folHlink" hlink="hlink"/>
+  <p:clrMap bg1="lt1" tx1="dk1" bg2="dk2" tx2="lt2" accent1="accent1" accent2="accent2" accent3="accent3" accent4="accent4" accent5="accent5" accent6="accent6" hlink="hlink" folHlink="folHlink"/>
   <p:sldLayoutIdLst>
     <p:sldLayoutId id="2147483648" r:id="rId1"/>
     <p:sldLayoutId id="2147483649" r:id="rId2"/>
@@ -7504,10 +7759,10 @@
     <p:sldLayoutId id="2147483657" r:id="rId10"/>
     <p:sldLayoutId id="2147483658" r:id="rId11"/>
   </p:sldLayoutIdLst>
-  <p:hf dt="0" ftr="0" hdr="0" sldNum="0"/>
+  <p:hf sldNum="0" hdr="0" ftr="0" dt="0"/>
   <p:txStyles>
     <p:titleStyle>
-      <a:defPPr lvl="0" marR="0" rtl="0" algn="l">
+      <a:defPPr marR="0" lvl="0" algn="l" rtl="0">
         <a:lnSpc>
           <a:spcPct val="100000"/>
         </a:lnSpc>
@@ -7518,7 +7773,7 @@
           <a:spcPts val="0"/>
         </a:spcAft>
       </a:defPPr>
-      <a:lvl1pPr lvl="0" marR="0" rtl="0" algn="l">
+      <a:lvl1pPr marR="0" lvl="0" algn="l" rtl="0">
         <a:lnSpc>
           <a:spcPct val="100000"/>
         </a:lnSpc>
@@ -7532,7 +7787,7 @@
           <a:srgbClr val="000000"/>
         </a:buClr>
         <a:buFont typeface="Arial"/>
-        <a:defRPr b="0" i="0" sz="1400" u="none" cap="none" strike="noStrike">
+        <a:defRPr sz="1400" b="0" i="0" u="none" strike="noStrike" cap="none">
           <a:solidFill>
             <a:srgbClr val="000000"/>
           </a:solidFill>
@@ -7542,7 +7797,7 @@
           <a:sym typeface="Arial"/>
         </a:defRPr>
       </a:lvl1pPr>
-      <a:lvl2pPr lvl="1" marR="0" rtl="0" algn="l">
+      <a:lvl2pPr marR="0" lvl="1" algn="l" rtl="0">
         <a:lnSpc>
           <a:spcPct val="100000"/>
         </a:lnSpc>
@@ -7556,7 +7811,7 @@
           <a:srgbClr val="000000"/>
         </a:buClr>
         <a:buFont typeface="Arial"/>
-        <a:defRPr b="0" i="0" sz="1400" u="none" cap="none" strike="noStrike">
+        <a:defRPr sz="1400" b="0" i="0" u="none" strike="noStrike" cap="none">
           <a:solidFill>
             <a:srgbClr val="000000"/>
           </a:solidFill>
@@ -7566,7 +7821,7 @@
           <a:sym typeface="Arial"/>
         </a:defRPr>
       </a:lvl2pPr>
-      <a:lvl3pPr lvl="2" marR="0" rtl="0" algn="l">
+      <a:lvl3pPr marR="0" lvl="2" algn="l" rtl="0">
         <a:lnSpc>
           <a:spcPct val="100000"/>
         </a:lnSpc>
@@ -7580,7 +7835,7 @@
           <a:srgbClr val="000000"/>
         </a:buClr>
         <a:buFont typeface="Arial"/>
-        <a:defRPr b="0" i="0" sz="1400" u="none" cap="none" strike="noStrike">
+        <a:defRPr sz="1400" b="0" i="0" u="none" strike="noStrike" cap="none">
           <a:solidFill>
             <a:srgbClr val="000000"/>
           </a:solidFill>
@@ -7590,7 +7845,7 @@
           <a:sym typeface="Arial"/>
         </a:defRPr>
       </a:lvl3pPr>
-      <a:lvl4pPr lvl="3" marR="0" rtl="0" algn="l">
+      <a:lvl4pPr marR="0" lvl="3" algn="l" rtl="0">
         <a:lnSpc>
           <a:spcPct val="100000"/>
         </a:lnSpc>
@@ -7604,7 +7859,7 @@
           <a:srgbClr val="000000"/>
         </a:buClr>
         <a:buFont typeface="Arial"/>
-        <a:defRPr b="0" i="0" sz="1400" u="none" cap="none" strike="noStrike">
+        <a:defRPr sz="1400" b="0" i="0" u="none" strike="noStrike" cap="none">
           <a:solidFill>
             <a:srgbClr val="000000"/>
           </a:solidFill>
@@ -7614,7 +7869,7 @@
           <a:sym typeface="Arial"/>
         </a:defRPr>
       </a:lvl4pPr>
-      <a:lvl5pPr lvl="4" marR="0" rtl="0" algn="l">
+      <a:lvl5pPr marR="0" lvl="4" algn="l" rtl="0">
         <a:lnSpc>
           <a:spcPct val="100000"/>
         </a:lnSpc>
@@ -7628,7 +7883,7 @@
           <a:srgbClr val="000000"/>
         </a:buClr>
         <a:buFont typeface="Arial"/>
-        <a:defRPr b="0" i="0" sz="1400" u="none" cap="none" strike="noStrike">
+        <a:defRPr sz="1400" b="0" i="0" u="none" strike="noStrike" cap="none">
           <a:solidFill>
             <a:srgbClr val="000000"/>
           </a:solidFill>
@@ -7638,7 +7893,7 @@
           <a:sym typeface="Arial"/>
         </a:defRPr>
       </a:lvl5pPr>
-      <a:lvl6pPr lvl="5" marR="0" rtl="0" algn="l">
+      <a:lvl6pPr marR="0" lvl="5" algn="l" rtl="0">
         <a:lnSpc>
           <a:spcPct val="100000"/>
         </a:lnSpc>
@@ -7652,7 +7907,7 @@
           <a:srgbClr val="000000"/>
         </a:buClr>
         <a:buFont typeface="Arial"/>
-        <a:defRPr b="0" i="0" sz="1400" u="none" cap="none" strike="noStrike">
+        <a:defRPr sz="1400" b="0" i="0" u="none" strike="noStrike" cap="none">
           <a:solidFill>
             <a:srgbClr val="000000"/>
           </a:solidFill>
@@ -7662,7 +7917,7 @@
           <a:sym typeface="Arial"/>
         </a:defRPr>
       </a:lvl6pPr>
-      <a:lvl7pPr lvl="6" marR="0" rtl="0" algn="l">
+      <a:lvl7pPr marR="0" lvl="6" algn="l" rtl="0">
         <a:lnSpc>
           <a:spcPct val="100000"/>
         </a:lnSpc>
@@ -7676,7 +7931,7 @@
           <a:srgbClr val="000000"/>
         </a:buClr>
         <a:buFont typeface="Arial"/>
-        <a:defRPr b="0" i="0" sz="1400" u="none" cap="none" strike="noStrike">
+        <a:defRPr sz="1400" b="0" i="0" u="none" strike="noStrike" cap="none">
           <a:solidFill>
             <a:srgbClr val="000000"/>
           </a:solidFill>
@@ -7686,7 +7941,7 @@
           <a:sym typeface="Arial"/>
         </a:defRPr>
       </a:lvl7pPr>
-      <a:lvl8pPr lvl="7" marR="0" rtl="0" algn="l">
+      <a:lvl8pPr marR="0" lvl="7" algn="l" rtl="0">
         <a:lnSpc>
           <a:spcPct val="100000"/>
         </a:lnSpc>
@@ -7700,7 +7955,7 @@
           <a:srgbClr val="000000"/>
         </a:buClr>
         <a:buFont typeface="Arial"/>
-        <a:defRPr b="0" i="0" sz="1400" u="none" cap="none" strike="noStrike">
+        <a:defRPr sz="1400" b="0" i="0" u="none" strike="noStrike" cap="none">
           <a:solidFill>
             <a:srgbClr val="000000"/>
           </a:solidFill>
@@ -7710,7 +7965,7 @@
           <a:sym typeface="Arial"/>
         </a:defRPr>
       </a:lvl8pPr>
-      <a:lvl9pPr lvl="8" marR="0" rtl="0" algn="l">
+      <a:lvl9pPr marR="0" lvl="8" algn="l" rtl="0">
         <a:lnSpc>
           <a:spcPct val="100000"/>
         </a:lnSpc>
@@ -7724,7 +7979,7 @@
           <a:srgbClr val="000000"/>
         </a:buClr>
         <a:buFont typeface="Arial"/>
-        <a:defRPr b="0" i="0" sz="1400" u="none" cap="none" strike="noStrike">
+        <a:defRPr sz="1400" b="0" i="0" u="none" strike="noStrike" cap="none">
           <a:solidFill>
             <a:srgbClr val="000000"/>
           </a:solidFill>
@@ -7736,7 +7991,7 @@
       </a:lvl9pPr>
     </p:titleStyle>
     <p:bodyStyle>
-      <a:defPPr lvl="0" marR="0" rtl="0" algn="l">
+      <a:defPPr marR="0" lvl="0" algn="l" rtl="0">
         <a:lnSpc>
           <a:spcPct val="100000"/>
         </a:lnSpc>
@@ -7747,7 +8002,7 @@
           <a:spcPts val="0"/>
         </a:spcAft>
       </a:defPPr>
-      <a:lvl1pPr lvl="0" marR="0" rtl="0" algn="l">
+      <a:lvl1pPr marR="0" lvl="0" algn="l" rtl="0">
         <a:lnSpc>
           <a:spcPct val="100000"/>
         </a:lnSpc>
@@ -7761,7 +8016,7 @@
           <a:srgbClr val="000000"/>
         </a:buClr>
         <a:buFont typeface="Arial"/>
-        <a:defRPr b="0" i="0" sz="1400" u="none" cap="none" strike="noStrike">
+        <a:defRPr sz="1400" b="0" i="0" u="none" strike="noStrike" cap="none">
           <a:solidFill>
             <a:srgbClr val="000000"/>
           </a:solidFill>
@@ -7771,7 +8026,7 @@
           <a:sym typeface="Arial"/>
         </a:defRPr>
       </a:lvl1pPr>
-      <a:lvl2pPr lvl="1" marR="0" rtl="0" algn="l">
+      <a:lvl2pPr marR="0" lvl="1" algn="l" rtl="0">
         <a:lnSpc>
           <a:spcPct val="100000"/>
         </a:lnSpc>
@@ -7785,7 +8040,7 @@
           <a:srgbClr val="000000"/>
         </a:buClr>
         <a:buFont typeface="Arial"/>
-        <a:defRPr b="0" i="0" sz="1400" u="none" cap="none" strike="noStrike">
+        <a:defRPr sz="1400" b="0" i="0" u="none" strike="noStrike" cap="none">
           <a:solidFill>
             <a:srgbClr val="000000"/>
           </a:solidFill>
@@ -7795,7 +8050,7 @@
           <a:sym typeface="Arial"/>
         </a:defRPr>
       </a:lvl2pPr>
-      <a:lvl3pPr lvl="2" marR="0" rtl="0" algn="l">
+      <a:lvl3pPr marR="0" lvl="2" algn="l" rtl="0">
         <a:lnSpc>
           <a:spcPct val="100000"/>
         </a:lnSpc>
@@ -7809,7 +8064,7 @@
           <a:srgbClr val="000000"/>
         </a:buClr>
         <a:buFont typeface="Arial"/>
-        <a:defRPr b="0" i="0" sz="1400" u="none" cap="none" strike="noStrike">
+        <a:defRPr sz="1400" b="0" i="0" u="none" strike="noStrike" cap="none">
           <a:solidFill>
             <a:srgbClr val="000000"/>
           </a:solidFill>
@@ -7819,7 +8074,7 @@
           <a:sym typeface="Arial"/>
         </a:defRPr>
       </a:lvl3pPr>
-      <a:lvl4pPr lvl="3" marR="0" rtl="0" algn="l">
+      <a:lvl4pPr marR="0" lvl="3" algn="l" rtl="0">
         <a:lnSpc>
           <a:spcPct val="100000"/>
         </a:lnSpc>
@@ -7833,7 +8088,7 @@
           <a:srgbClr val="000000"/>
         </a:buClr>
         <a:buFont typeface="Arial"/>
-        <a:defRPr b="0" i="0" sz="1400" u="none" cap="none" strike="noStrike">
+        <a:defRPr sz="1400" b="0" i="0" u="none" strike="noStrike" cap="none">
           <a:solidFill>
             <a:srgbClr val="000000"/>
           </a:solidFill>
@@ -7843,7 +8098,7 @@
           <a:sym typeface="Arial"/>
         </a:defRPr>
       </a:lvl4pPr>
-      <a:lvl5pPr lvl="4" marR="0" rtl="0" algn="l">
+      <a:lvl5pPr marR="0" lvl="4" algn="l" rtl="0">
         <a:lnSpc>
           <a:spcPct val="100000"/>
         </a:lnSpc>
@@ -7857,7 +8112,7 @@
           <a:srgbClr val="000000"/>
         </a:buClr>
         <a:buFont typeface="Arial"/>
-        <a:defRPr b="0" i="0" sz="1400" u="none" cap="none" strike="noStrike">
+        <a:defRPr sz="1400" b="0" i="0" u="none" strike="noStrike" cap="none">
           <a:solidFill>
             <a:srgbClr val="000000"/>
           </a:solidFill>
@@ -7867,7 +8122,7 @@
           <a:sym typeface="Arial"/>
         </a:defRPr>
       </a:lvl5pPr>
-      <a:lvl6pPr lvl="5" marR="0" rtl="0" algn="l">
+      <a:lvl6pPr marR="0" lvl="5" algn="l" rtl="0">
         <a:lnSpc>
           <a:spcPct val="100000"/>
         </a:lnSpc>
@@ -7881,7 +8136,7 @@
           <a:srgbClr val="000000"/>
         </a:buClr>
         <a:buFont typeface="Arial"/>
-        <a:defRPr b="0" i="0" sz="1400" u="none" cap="none" strike="noStrike">
+        <a:defRPr sz="1400" b="0" i="0" u="none" strike="noStrike" cap="none">
           <a:solidFill>
             <a:srgbClr val="000000"/>
           </a:solidFill>
@@ -7891,7 +8146,7 @@
           <a:sym typeface="Arial"/>
         </a:defRPr>
       </a:lvl6pPr>
-      <a:lvl7pPr lvl="6" marR="0" rtl="0" algn="l">
+      <a:lvl7pPr marR="0" lvl="6" algn="l" rtl="0">
         <a:lnSpc>
           <a:spcPct val="100000"/>
         </a:lnSpc>
@@ -7905,7 +8160,7 @@
           <a:srgbClr val="000000"/>
         </a:buClr>
         <a:buFont typeface="Arial"/>
-        <a:defRPr b="0" i="0" sz="1400" u="none" cap="none" strike="noStrike">
+        <a:defRPr sz="1400" b="0" i="0" u="none" strike="noStrike" cap="none">
           <a:solidFill>
             <a:srgbClr val="000000"/>
           </a:solidFill>
@@ -7915,7 +8170,7 @@
           <a:sym typeface="Arial"/>
         </a:defRPr>
       </a:lvl7pPr>
-      <a:lvl8pPr lvl="7" marR="0" rtl="0" algn="l">
+      <a:lvl8pPr marR="0" lvl="7" algn="l" rtl="0">
         <a:lnSpc>
           <a:spcPct val="100000"/>
         </a:lnSpc>
@@ -7929,7 +8184,7 @@
           <a:srgbClr val="000000"/>
         </a:buClr>
         <a:buFont typeface="Arial"/>
-        <a:defRPr b="0" i="0" sz="1400" u="none" cap="none" strike="noStrike">
+        <a:defRPr sz="1400" b="0" i="0" u="none" strike="noStrike" cap="none">
           <a:solidFill>
             <a:srgbClr val="000000"/>
           </a:solidFill>
@@ -7939,7 +8194,7 @@
           <a:sym typeface="Arial"/>
         </a:defRPr>
       </a:lvl8pPr>
-      <a:lvl9pPr lvl="8" marR="0" rtl="0" algn="l">
+      <a:lvl9pPr marR="0" lvl="8" algn="l" rtl="0">
         <a:lnSpc>
           <a:spcPct val="100000"/>
         </a:lnSpc>
@@ -7953,7 +8208,7 @@
           <a:srgbClr val="000000"/>
         </a:buClr>
         <a:buFont typeface="Arial"/>
-        <a:defRPr b="0" i="0" sz="1400" u="none" cap="none" strike="noStrike">
+        <a:defRPr sz="1400" b="0" i="0" u="none" strike="noStrike" cap="none">
           <a:solidFill>
             <a:srgbClr val="000000"/>
           </a:solidFill>
@@ -7965,7 +8220,7 @@
       </a:lvl9pPr>
     </p:bodyStyle>
     <p:otherStyle>
-      <a:defPPr lvl="0" marR="0" rtl="0" algn="l">
+      <a:defPPr marR="0" lvl="0" algn="l" rtl="0">
         <a:lnSpc>
           <a:spcPct val="100000"/>
         </a:lnSpc>
@@ -7976,7 +8231,7 @@
           <a:spcPts val="0"/>
         </a:spcAft>
       </a:defPPr>
-      <a:lvl1pPr lvl="0" marR="0" rtl="0" algn="l">
+      <a:lvl1pPr marR="0" lvl="0" algn="l" rtl="0">
         <a:lnSpc>
           <a:spcPct val="100000"/>
         </a:lnSpc>
@@ -7990,7 +8245,7 @@
           <a:srgbClr val="000000"/>
         </a:buClr>
         <a:buFont typeface="Arial"/>
-        <a:defRPr b="0" i="0" sz="1400" u="none" cap="none" strike="noStrike">
+        <a:defRPr sz="1400" b="0" i="0" u="none" strike="noStrike" cap="none">
           <a:solidFill>
             <a:srgbClr val="000000"/>
           </a:solidFill>
@@ -8000,7 +8255,7 @@
           <a:sym typeface="Arial"/>
         </a:defRPr>
       </a:lvl1pPr>
-      <a:lvl2pPr lvl="1" marR="0" rtl="0" algn="l">
+      <a:lvl2pPr marR="0" lvl="1" algn="l" rtl="0">
         <a:lnSpc>
           <a:spcPct val="100000"/>
         </a:lnSpc>
@@ -8014,7 +8269,7 @@
           <a:srgbClr val="000000"/>
         </a:buClr>
         <a:buFont typeface="Arial"/>
-        <a:defRPr b="0" i="0" sz="1400" u="none" cap="none" strike="noStrike">
+        <a:defRPr sz="1400" b="0" i="0" u="none" strike="noStrike" cap="none">
           <a:solidFill>
             <a:srgbClr val="000000"/>
           </a:solidFill>
@@ -8024,7 +8279,7 @@
           <a:sym typeface="Arial"/>
         </a:defRPr>
       </a:lvl2pPr>
-      <a:lvl3pPr lvl="2" marR="0" rtl="0" algn="l">
+      <a:lvl3pPr marR="0" lvl="2" algn="l" rtl="0">
         <a:lnSpc>
           <a:spcPct val="100000"/>
         </a:lnSpc>
@@ -8038,7 +8293,7 @@
           <a:srgbClr val="000000"/>
         </a:buClr>
         <a:buFont typeface="Arial"/>
-        <a:defRPr b="0" i="0" sz="1400" u="none" cap="none" strike="noStrike">
+        <a:defRPr sz="1400" b="0" i="0" u="none" strike="noStrike" cap="none">
           <a:solidFill>
             <a:srgbClr val="000000"/>
           </a:solidFill>
@@ -8048,7 +8303,7 @@
           <a:sym typeface="Arial"/>
         </a:defRPr>
       </a:lvl3pPr>
-      <a:lvl4pPr lvl="3" marR="0" rtl="0" algn="l">
+      <a:lvl4pPr marR="0" lvl="3" algn="l" rtl="0">
         <a:lnSpc>
           <a:spcPct val="100000"/>
         </a:lnSpc>
@@ -8062,7 +8317,7 @@
           <a:srgbClr val="000000"/>
         </a:buClr>
         <a:buFont typeface="Arial"/>
-        <a:defRPr b="0" i="0" sz="1400" u="none" cap="none" strike="noStrike">
+        <a:defRPr sz="1400" b="0" i="0" u="none" strike="noStrike" cap="none">
           <a:solidFill>
             <a:srgbClr val="000000"/>
           </a:solidFill>
@@ -8072,7 +8327,7 @@
           <a:sym typeface="Arial"/>
         </a:defRPr>
       </a:lvl4pPr>
-      <a:lvl5pPr lvl="4" marR="0" rtl="0" algn="l">
+      <a:lvl5pPr marR="0" lvl="4" algn="l" rtl="0">
         <a:lnSpc>
           <a:spcPct val="100000"/>
         </a:lnSpc>
@@ -8086,7 +8341,7 @@
           <a:srgbClr val="000000"/>
         </a:buClr>
         <a:buFont typeface="Arial"/>
-        <a:defRPr b="0" i="0" sz="1400" u="none" cap="none" strike="noStrike">
+        <a:defRPr sz="1400" b="0" i="0" u="none" strike="noStrike" cap="none">
           <a:solidFill>
             <a:srgbClr val="000000"/>
           </a:solidFill>
@@ -8096,7 +8351,7 @@
           <a:sym typeface="Arial"/>
         </a:defRPr>
       </a:lvl5pPr>
-      <a:lvl6pPr lvl="5" marR="0" rtl="0" algn="l">
+      <a:lvl6pPr marR="0" lvl="5" algn="l" rtl="0">
         <a:lnSpc>
           <a:spcPct val="100000"/>
         </a:lnSpc>
@@ -8110,7 +8365,7 @@
           <a:srgbClr val="000000"/>
         </a:buClr>
         <a:buFont typeface="Arial"/>
-        <a:defRPr b="0" i="0" sz="1400" u="none" cap="none" strike="noStrike">
+        <a:defRPr sz="1400" b="0" i="0" u="none" strike="noStrike" cap="none">
           <a:solidFill>
             <a:srgbClr val="000000"/>
           </a:solidFill>
@@ -8120,7 +8375,7 @@
           <a:sym typeface="Arial"/>
         </a:defRPr>
       </a:lvl6pPr>
-      <a:lvl7pPr lvl="6" marR="0" rtl="0" algn="l">
+      <a:lvl7pPr marR="0" lvl="6" algn="l" rtl="0">
         <a:lnSpc>
           <a:spcPct val="100000"/>
         </a:lnSpc>
@@ -8134,7 +8389,7 @@
           <a:srgbClr val="000000"/>
         </a:buClr>
         <a:buFont typeface="Arial"/>
-        <a:defRPr b="0" i="0" sz="1400" u="none" cap="none" strike="noStrike">
+        <a:defRPr sz="1400" b="0" i="0" u="none" strike="noStrike" cap="none">
           <a:solidFill>
             <a:srgbClr val="000000"/>
           </a:solidFill>
@@ -8144,7 +8399,7 @@
           <a:sym typeface="Arial"/>
         </a:defRPr>
       </a:lvl7pPr>
-      <a:lvl8pPr lvl="7" marR="0" rtl="0" algn="l">
+      <a:lvl8pPr marR="0" lvl="7" algn="l" rtl="0">
         <a:lnSpc>
           <a:spcPct val="100000"/>
         </a:lnSpc>
@@ -8158,7 +8413,7 @@
           <a:srgbClr val="000000"/>
         </a:buClr>
         <a:buFont typeface="Arial"/>
-        <a:defRPr b="0" i="0" sz="1400" u="none" cap="none" strike="noStrike">
+        <a:defRPr sz="1400" b="0" i="0" u="none" strike="noStrike" cap="none">
           <a:solidFill>
             <a:srgbClr val="000000"/>
           </a:solidFill>
@@ -8168,7 +8423,7 @@
           <a:sym typeface="Arial"/>
         </a:defRPr>
       </a:lvl8pPr>
-      <a:lvl9pPr lvl="8" marR="0" rtl="0" algn="l">
+      <a:lvl9pPr marR="0" lvl="8" algn="l" rtl="0">
         <a:lnSpc>
           <a:spcPct val="100000"/>
         </a:lnSpc>
@@ -8182,7 +8437,7 @@
           <a:srgbClr val="000000"/>
         </a:buClr>
         <a:buFont typeface="Arial"/>
-        <a:defRPr b="0" i="0" sz="1400" u="none" cap="none" strike="noStrike">
+        <a:defRPr sz="1400" b="0" i="0" u="none" strike="noStrike" cap="none">
           <a:solidFill>
             <a:srgbClr val="000000"/>
           </a:solidFill>
@@ -8198,11 +8453,11 @@
 </file>
 
 <file path=ppt/slides/slide1.xml><?xml version="1.0" encoding="utf-8"?>
-<p:sld xmlns:a="http://schemas.openxmlformats.org/drawingml/2006/main" xmlns:r="http://schemas.openxmlformats.org/officeDocument/2006/relationships" xmlns:mc="http://schemas.openxmlformats.org/markup-compatibility/2006" xmlns:mv="urn:schemas-microsoft-com:mac:vml" xmlns:p="http://schemas.openxmlformats.org/presentationml/2006/main" xmlns:c="http://schemas.openxmlformats.org/drawingml/2006/chart" xmlns:dgm="http://schemas.openxmlformats.org/drawingml/2006/diagram" xmlns:o="urn:schemas-microsoft-com:office:office" xmlns:v="urn:schemas-microsoft-com:vml" xmlns:pvml="urn:schemas-microsoft-com:office:powerpoint" xmlns:com="http://schemas.openxmlformats.org/drawingml/2006/compatibility" xmlns:p14="http://schemas.microsoft.com/office/powerpoint/2010/main" xmlns:p15="http://schemas.microsoft.com/office/powerpoint/2012/main" xmlns:ahyp="http://schemas.microsoft.com/office/drawing/2018/hyperlinkcolor">
+<p:sld xmlns:a="http://schemas.openxmlformats.org/drawingml/2006/main" xmlns:r="http://schemas.openxmlformats.org/officeDocument/2006/relationships" xmlns:p="http://schemas.openxmlformats.org/presentationml/2006/main">
   <p:cSld>
     <p:spTree>
       <p:nvGrpSpPr>
-        <p:cNvPr id="53" name="Shape 53"/>
+        <p:cNvPr id="1" name="Shape 53"/>
         <p:cNvGrpSpPr/>
         <p:nvPr/>
       </p:nvGrpSpPr>
@@ -8217,7 +8472,9 @@
       <p:sp>
         <p:nvSpPr>
           <p:cNvPr id="54" name="Google Shape;54;p13"/>
-          <p:cNvSpPr txBox="1"/>
+          <p:cNvSpPr txBox="1">
+            <a:spLocks noGrp="1"/>
+          </p:cNvSpPr>
           <p:nvPr>
             <p:ph type="ctrTitle"/>
           </p:nvPr>
@@ -8232,12 +8489,12 @@
           </a:prstGeom>
         </p:spPr>
         <p:txBody>
-          <a:bodyPr anchorCtr="0" anchor="b" bIns="91425" lIns="91425" spcFirstLastPara="1" rIns="91425" wrap="square" tIns="91425">
+          <a:bodyPr spcFirstLastPara="1" wrap="square" lIns="91425" tIns="91425" rIns="91425" bIns="91425" anchor="b" anchorCtr="0">
             <a:normAutofit/>
           </a:bodyPr>
           <a:lstStyle/>
           <a:p>
-            <a:pPr indent="0" lvl="0" marL="0" rtl="0" algn="ctr">
+            <a:pPr marL="0" lvl="0" indent="0" algn="ctr" rtl="0">
               <a:spcBef>
                 <a:spcPts val="0"/>
               </a:spcBef>
@@ -8257,9 +8514,11 @@
       <p:sp>
         <p:nvSpPr>
           <p:cNvPr id="55" name="Google Shape;55;p13"/>
-          <p:cNvSpPr txBox="1"/>
-          <p:nvPr>
-            <p:ph idx="1" type="subTitle"/>
+          <p:cNvSpPr txBox="1">
+            <a:spLocks noGrp="1"/>
+          </p:cNvSpPr>
+          <p:nvPr>
+            <p:ph type="subTitle" idx="1"/>
           </p:nvPr>
         </p:nvSpPr>
         <p:spPr>
@@ -8272,12 +8531,12 @@
           </a:prstGeom>
         </p:spPr>
         <p:txBody>
-          <a:bodyPr anchorCtr="0" anchor="t" bIns="91425" lIns="91425" spcFirstLastPara="1" rIns="91425" wrap="square" tIns="91425">
+          <a:bodyPr spcFirstLastPara="1" wrap="square" lIns="91425" tIns="91425" rIns="91425" bIns="91425" anchor="t" anchorCtr="0">
             <a:normAutofit/>
           </a:bodyPr>
           <a:lstStyle/>
           <a:p>
-            <a:pPr indent="0" lvl="0" marL="0" rtl="0" algn="ctr">
+            <a:pPr marL="0" lvl="0" indent="0" algn="ctr" rtl="0">
               <a:spcBef>
                 <a:spcPts val="0"/>
               </a:spcBef>
@@ -8331,11 +8590,11 @@
 </file>
 
 <file path=ppt/slides/slide10.xml><?xml version="1.0" encoding="utf-8"?>
-<p:sld xmlns:a="http://schemas.openxmlformats.org/drawingml/2006/main" xmlns:r="http://schemas.openxmlformats.org/officeDocument/2006/relationships" xmlns:mc="http://schemas.openxmlformats.org/markup-compatibility/2006" xmlns:mv="urn:schemas-microsoft-com:mac:vml" xmlns:p="http://schemas.openxmlformats.org/presentationml/2006/main" xmlns:c="http://schemas.openxmlformats.org/drawingml/2006/chart" xmlns:dgm="http://schemas.openxmlformats.org/drawingml/2006/diagram" xmlns:o="urn:schemas-microsoft-com:office:office" xmlns:v="urn:schemas-microsoft-com:vml" xmlns:pvml="urn:schemas-microsoft-com:office:powerpoint" xmlns:com="http://schemas.openxmlformats.org/drawingml/2006/compatibility" xmlns:p14="http://schemas.microsoft.com/office/powerpoint/2010/main" xmlns:p15="http://schemas.microsoft.com/office/powerpoint/2012/main" xmlns:ahyp="http://schemas.microsoft.com/office/drawing/2018/hyperlinkcolor">
+<p:sld xmlns:a="http://schemas.openxmlformats.org/drawingml/2006/main" xmlns:r="http://schemas.openxmlformats.org/officeDocument/2006/relationships" xmlns:p="http://schemas.openxmlformats.org/presentationml/2006/main">
   <p:cSld>
     <p:spTree>
       <p:nvGrpSpPr>
-        <p:cNvPr id="123" name="Shape 123"/>
+        <p:cNvPr id="1" name="Shape 123"/>
         <p:cNvGrpSpPr/>
         <p:nvPr/>
       </p:nvGrpSpPr>
@@ -8350,7 +8609,9 @@
       <p:sp>
         <p:nvSpPr>
           <p:cNvPr id="124" name="Google Shape;124;p22"/>
-          <p:cNvSpPr txBox="1"/>
+          <p:cNvSpPr txBox="1">
+            <a:spLocks noGrp="1"/>
+          </p:cNvSpPr>
           <p:nvPr>
             <p:ph type="title"/>
           </p:nvPr>
@@ -8365,12 +8626,12 @@
           </a:prstGeom>
         </p:spPr>
         <p:txBody>
-          <a:bodyPr anchorCtr="0" anchor="t" bIns="91425" lIns="91425" spcFirstLastPara="1" rIns="91425" wrap="square" tIns="91425">
+          <a:bodyPr spcFirstLastPara="1" wrap="square" lIns="91425" tIns="91425" rIns="91425" bIns="91425" anchor="t" anchorCtr="0">
             <a:normAutofit fontScale="90000"/>
           </a:bodyPr>
           <a:lstStyle/>
           <a:p>
-            <a:pPr indent="0" lvl="0" marL="0" rtl="0" algn="l">
+            <a:pPr marL="0" lvl="0" indent="0" algn="l" rtl="0">
               <a:spcBef>
                 <a:spcPts val="0"/>
               </a:spcBef>
@@ -8390,9 +8651,11 @@
       <p:sp>
         <p:nvSpPr>
           <p:cNvPr id="125" name="Google Shape;125;p22"/>
-          <p:cNvSpPr txBox="1"/>
-          <p:nvPr>
-            <p:ph idx="1" type="body"/>
+          <p:cNvSpPr txBox="1">
+            <a:spLocks noGrp="1"/>
+          </p:cNvSpPr>
+          <p:nvPr>
+            <p:ph type="body" idx="1"/>
           </p:nvPr>
         </p:nvSpPr>
         <p:spPr>
@@ -8405,12 +8668,12 @@
           </a:prstGeom>
         </p:spPr>
         <p:txBody>
-          <a:bodyPr anchorCtr="0" anchor="t" bIns="91425" lIns="91425" spcFirstLastPara="1" rIns="91425" wrap="square" tIns="91425">
+          <a:bodyPr spcFirstLastPara="1" wrap="square" lIns="91425" tIns="91425" rIns="91425" bIns="91425" anchor="t" anchorCtr="0">
             <a:normAutofit/>
           </a:bodyPr>
           <a:lstStyle/>
           <a:p>
-            <a:pPr indent="0" lvl="0" marL="0" rtl="0" algn="l">
+            <a:pPr marL="0" lvl="0" indent="0" algn="l" rtl="0">
               <a:spcBef>
                 <a:spcPts val="0"/>
               </a:spcBef>
@@ -8426,7 +8689,7 @@
             <a:endParaRPr/>
           </a:p>
           <a:p>
-            <a:pPr indent="-342900" lvl="0" marL="457200" rtl="0" algn="l">
+            <a:pPr marL="457200" lvl="0" indent="-342900" algn="l" rtl="0">
               <a:spcBef>
                 <a:spcPts val="1200"/>
               </a:spcBef>
@@ -8438,41 +8701,29 @@
             </a:pPr>
             <a:r>
               <a:rPr lang="en"/>
-              <a:t>Underscoring between </a:t>
+              <a:t>Underscoring between character of letters, digits, and the underscore.</a:t>
             </a:r>
+            <a:endParaRPr/>
+          </a:p>
+          <a:p>
+            <a:pPr marL="457200" lvl="0" indent="-342900" algn="l" rtl="0">
+              <a:spcBef>
+                <a:spcPts val="0"/>
+              </a:spcBef>
+              <a:spcAft>
+                <a:spcPts val="0"/>
+              </a:spcAft>
+              <a:buSzPts val="1800"/>
+              <a:buChar char="●"/>
+            </a:pPr>
             <a:r>
               <a:rPr lang="en"/>
-              <a:t>character </a:t>
+              <a:t>Must begin with either a letter or an underscore.</a:t>
             </a:r>
-            <a:r>
-              <a:rPr lang="en"/>
-              <a:t>of letters, digits, and the underscore.</a:t>
-            </a:r>
-            <a:endParaRPr/>
-          </a:p>
-          <a:p>
-            <a:pPr indent="-342900" lvl="0" marL="457200" rtl="0" algn="l">
-              <a:spcBef>
-                <a:spcPts val="0"/>
-              </a:spcBef>
-              <a:spcAft>
-                <a:spcPts val="0"/>
-              </a:spcAft>
-              <a:buSzPts val="1800"/>
-              <a:buChar char="●"/>
-            </a:pPr>
-            <a:r>
-              <a:rPr lang="en"/>
-              <a:t>M</a:t>
-            </a:r>
-            <a:r>
-              <a:rPr lang="en"/>
-              <a:t>ust begin with either a letter or an underscore.</a:t>
-            </a:r>
-            <a:endParaRPr/>
-          </a:p>
-          <a:p>
-            <a:pPr indent="-342900" lvl="0" marL="457200" rtl="0" algn="l">
+            <a:endParaRPr/>
+          </a:p>
+          <a:p>
+            <a:pPr marL="457200" lvl="0" indent="-342900" algn="l" rtl="0">
               <a:spcBef>
                 <a:spcPts val="0"/>
               </a:spcBef>
@@ -8489,7 +8740,7 @@
             <a:endParaRPr/>
           </a:p>
           <a:p>
-            <a:pPr indent="0" lvl="0" marL="0" rtl="0" algn="l">
+            <a:pPr marL="0" lvl="0" indent="0" algn="l" rtl="0">
               <a:spcBef>
                 <a:spcPts val="1200"/>
               </a:spcBef>
@@ -8500,11 +8751,7 @@
             </a:pPr>
             <a:r>
               <a:rPr lang="en"/>
-              <a:t>By default, immutable is set at a read-only. By </a:t>
-            </a:r>
-            <a:r>
-              <a:rPr lang="en"/>
-              <a:t>contrast, mutable (mut) allows to change to other values</a:t>
+              <a:t>By default, immutable is set at a read-only. By contrast, mutable (mut) allows to change to other values</a:t>
             </a:r>
             <a:endParaRPr/>
           </a:p>
@@ -8575,11 +8822,11 @@
 </file>
 
 <file path=ppt/slides/slide11.xml><?xml version="1.0" encoding="utf-8"?>
-<p:sld xmlns:a="http://schemas.openxmlformats.org/drawingml/2006/main" xmlns:r="http://schemas.openxmlformats.org/officeDocument/2006/relationships" xmlns:mc="http://schemas.openxmlformats.org/markup-compatibility/2006" xmlns:mv="urn:schemas-microsoft-com:mac:vml" xmlns:p="http://schemas.openxmlformats.org/presentationml/2006/main" xmlns:c="http://schemas.openxmlformats.org/drawingml/2006/chart" xmlns:dgm="http://schemas.openxmlformats.org/drawingml/2006/diagram" xmlns:o="urn:schemas-microsoft-com:office:office" xmlns:v="urn:schemas-microsoft-com:vml" xmlns:pvml="urn:schemas-microsoft-com:office:powerpoint" xmlns:com="http://schemas.openxmlformats.org/drawingml/2006/compatibility" xmlns:p14="http://schemas.microsoft.com/office/powerpoint/2010/main" xmlns:p15="http://schemas.microsoft.com/office/powerpoint/2012/main" xmlns:ahyp="http://schemas.microsoft.com/office/drawing/2018/hyperlinkcolor">
+<p:sld xmlns:a="http://schemas.openxmlformats.org/drawingml/2006/main" xmlns:r="http://schemas.openxmlformats.org/officeDocument/2006/relationships" xmlns:p="http://schemas.openxmlformats.org/presentationml/2006/main">
   <p:cSld>
     <p:spTree>
       <p:nvGrpSpPr>
-        <p:cNvPr id="131" name="Shape 131"/>
+        <p:cNvPr id="1" name="Shape 131"/>
         <p:cNvGrpSpPr/>
         <p:nvPr/>
       </p:nvGrpSpPr>
@@ -8594,7 +8841,9 @@
       <p:sp>
         <p:nvSpPr>
           <p:cNvPr id="132" name="Google Shape;132;p23"/>
-          <p:cNvSpPr txBox="1"/>
+          <p:cNvSpPr txBox="1">
+            <a:spLocks noGrp="1"/>
+          </p:cNvSpPr>
           <p:nvPr>
             <p:ph type="title"/>
           </p:nvPr>
@@ -8609,12 +8858,12 @@
           </a:prstGeom>
         </p:spPr>
         <p:txBody>
-          <a:bodyPr anchorCtr="0" anchor="t" bIns="91425" lIns="91425" spcFirstLastPara="1" rIns="91425" wrap="square" tIns="91425">
+          <a:bodyPr spcFirstLastPara="1" wrap="square" lIns="91425" tIns="91425" rIns="91425" bIns="91425" anchor="t" anchorCtr="0">
             <a:normAutofit fontScale="90000"/>
           </a:bodyPr>
           <a:lstStyle/>
           <a:p>
-            <a:pPr indent="0" lvl="0" marL="0" rtl="0" algn="l">
+            <a:pPr marL="0" lvl="0" indent="0" algn="l" rtl="0">
               <a:spcBef>
                 <a:spcPts val="0"/>
               </a:spcBef>
@@ -8696,11 +8945,11 @@
 </file>
 
 <file path=ppt/slides/slide12.xml><?xml version="1.0" encoding="utf-8"?>
-<p:sld xmlns:a="http://schemas.openxmlformats.org/drawingml/2006/main" xmlns:r="http://schemas.openxmlformats.org/officeDocument/2006/relationships" xmlns:mc="http://schemas.openxmlformats.org/markup-compatibility/2006" xmlns:mv="urn:schemas-microsoft-com:mac:vml" xmlns:p="http://schemas.openxmlformats.org/presentationml/2006/main" xmlns:c="http://schemas.openxmlformats.org/drawingml/2006/chart" xmlns:dgm="http://schemas.openxmlformats.org/drawingml/2006/diagram" xmlns:o="urn:schemas-microsoft-com:office:office" xmlns:v="urn:schemas-microsoft-com:vml" xmlns:pvml="urn:schemas-microsoft-com:office:powerpoint" xmlns:com="http://schemas.openxmlformats.org/drawingml/2006/compatibility" xmlns:p14="http://schemas.microsoft.com/office/powerpoint/2010/main" xmlns:p15="http://schemas.microsoft.com/office/powerpoint/2012/main" xmlns:ahyp="http://schemas.microsoft.com/office/drawing/2018/hyperlinkcolor">
+<p:sld xmlns:a="http://schemas.openxmlformats.org/drawingml/2006/main" xmlns:r="http://schemas.openxmlformats.org/officeDocument/2006/relationships" xmlns:p="http://schemas.openxmlformats.org/presentationml/2006/main">
   <p:cSld>
     <p:spTree>
       <p:nvGrpSpPr>
-        <p:cNvPr id="138" name="Shape 138"/>
+        <p:cNvPr id="1" name="Shape 138"/>
         <p:cNvGrpSpPr/>
         <p:nvPr/>
       </p:nvGrpSpPr>
@@ -8715,7 +8964,9 @@
       <p:sp>
         <p:nvSpPr>
           <p:cNvPr id="139" name="Google Shape;139;p24"/>
-          <p:cNvSpPr txBox="1"/>
+          <p:cNvSpPr txBox="1">
+            <a:spLocks noGrp="1"/>
+          </p:cNvSpPr>
           <p:nvPr>
             <p:ph type="title"/>
           </p:nvPr>
@@ -8730,12 +8981,12 @@
           </a:prstGeom>
         </p:spPr>
         <p:txBody>
-          <a:bodyPr anchorCtr="0" anchor="t" bIns="91425" lIns="91425" spcFirstLastPara="1" rIns="91425" wrap="square" tIns="91425">
+          <a:bodyPr spcFirstLastPara="1" wrap="square" lIns="91425" tIns="91425" rIns="91425" bIns="91425" anchor="t" anchorCtr="0">
             <a:normAutofit fontScale="90000"/>
           </a:bodyPr>
           <a:lstStyle/>
           <a:p>
-            <a:pPr indent="0" lvl="0" marL="0" rtl="0" algn="l">
+            <a:pPr marL="0" lvl="0" indent="0" algn="l" rtl="0">
               <a:spcBef>
                 <a:spcPts val="0"/>
               </a:spcBef>
@@ -8755,9 +9006,11 @@
       <p:sp>
         <p:nvSpPr>
           <p:cNvPr id="140" name="Google Shape;140;p24"/>
-          <p:cNvSpPr txBox="1"/>
-          <p:nvPr>
-            <p:ph idx="1" type="body"/>
+          <p:cNvSpPr txBox="1">
+            <a:spLocks noGrp="1"/>
+          </p:cNvSpPr>
+          <p:nvPr>
+            <p:ph type="body" idx="1"/>
           </p:nvPr>
         </p:nvSpPr>
         <p:spPr>
@@ -8770,12 +9023,12 @@
           </a:prstGeom>
         </p:spPr>
         <p:txBody>
-          <a:bodyPr anchorCtr="0" anchor="t" bIns="91425" lIns="91425" spcFirstLastPara="1" rIns="91425" wrap="square" tIns="91425">
+          <a:bodyPr spcFirstLastPara="1" wrap="square" lIns="91425" tIns="91425" rIns="91425" bIns="91425" anchor="t" anchorCtr="0">
             <a:normAutofit/>
           </a:bodyPr>
           <a:lstStyle/>
           <a:p>
-            <a:pPr indent="0" lvl="0" marL="0" rtl="0" algn="l">
+            <a:pPr marL="0" lvl="0" indent="0" algn="l" rtl="0">
               <a:spcBef>
                 <a:spcPts val="0"/>
               </a:spcBef>
@@ -8789,7 +9042,7 @@
               <a:t>The keyword </a:t>
             </a:r>
             <a:r>
-              <a:rPr b="1" lang="en" u="sng">
+              <a:rPr lang="en" b="1" u="sng">
                 <a:solidFill>
                   <a:srgbClr val="FF0000"/>
                 </a:solidFill>
@@ -8811,7 +9064,7 @@
             <a:endParaRPr/>
           </a:p>
           <a:p>
-            <a:pPr indent="0" lvl="0" marL="0" rtl="0" algn="l">
+            <a:pPr marL="0" lvl="0" indent="0" algn="l" rtl="0">
               <a:spcBef>
                 <a:spcPts val="1200"/>
               </a:spcBef>
@@ -8825,7 +9078,7 @@
               <a:t>To make a constant, capitalizing all characters is usually being used with keyword </a:t>
             </a:r>
             <a:r>
-              <a:rPr b="1" lang="en" u="sng">
+              <a:rPr lang="en" b="1" u="sng">
                 <a:solidFill>
                   <a:srgbClr val="CC0000"/>
                 </a:solidFill>
@@ -8877,11 +9130,11 @@
 </file>
 
 <file path=ppt/slides/slide13.xml><?xml version="1.0" encoding="utf-8"?>
-<p:sld xmlns:a="http://schemas.openxmlformats.org/drawingml/2006/main" xmlns:r="http://schemas.openxmlformats.org/officeDocument/2006/relationships" xmlns:mc="http://schemas.openxmlformats.org/markup-compatibility/2006" xmlns:mv="urn:schemas-microsoft-com:mac:vml" xmlns:p="http://schemas.openxmlformats.org/presentationml/2006/main" xmlns:c="http://schemas.openxmlformats.org/drawingml/2006/chart" xmlns:dgm="http://schemas.openxmlformats.org/drawingml/2006/diagram" xmlns:o="urn:schemas-microsoft-com:office:office" xmlns:v="urn:schemas-microsoft-com:vml" xmlns:pvml="urn:schemas-microsoft-com:office:powerpoint" xmlns:com="http://schemas.openxmlformats.org/drawingml/2006/compatibility" xmlns:p14="http://schemas.microsoft.com/office/powerpoint/2010/main" xmlns:p15="http://schemas.microsoft.com/office/powerpoint/2012/main" xmlns:ahyp="http://schemas.microsoft.com/office/drawing/2018/hyperlinkcolor">
+<p:sld xmlns:a="http://schemas.openxmlformats.org/drawingml/2006/main" xmlns:r="http://schemas.openxmlformats.org/officeDocument/2006/relationships" xmlns:p="http://schemas.openxmlformats.org/presentationml/2006/main">
   <p:cSld>
     <p:spTree>
       <p:nvGrpSpPr>
-        <p:cNvPr id="145" name="Shape 145"/>
+        <p:cNvPr id="1" name="Shape 145"/>
         <p:cNvGrpSpPr/>
         <p:nvPr/>
       </p:nvGrpSpPr>
@@ -8896,7 +9149,9 @@
       <p:sp>
         <p:nvSpPr>
           <p:cNvPr id="146" name="Google Shape;146;p25"/>
-          <p:cNvSpPr txBox="1"/>
+          <p:cNvSpPr txBox="1">
+            <a:spLocks noGrp="1"/>
+          </p:cNvSpPr>
           <p:nvPr>
             <p:ph type="title"/>
           </p:nvPr>
@@ -8911,12 +9166,12 @@
           </a:prstGeom>
         </p:spPr>
         <p:txBody>
-          <a:bodyPr anchorCtr="0" anchor="t" bIns="91425" lIns="91425" spcFirstLastPara="1" rIns="91425" wrap="square" tIns="91425">
+          <a:bodyPr spcFirstLastPara="1" wrap="square" lIns="91425" tIns="91425" rIns="91425" bIns="91425" anchor="t" anchorCtr="0">
             <a:normAutofit fontScale="90000"/>
           </a:bodyPr>
           <a:lstStyle/>
           <a:p>
-            <a:pPr indent="0" lvl="0" marL="0" rtl="0" algn="l">
+            <a:pPr marL="0" lvl="0" indent="0" algn="l" rtl="0">
               <a:spcBef>
                 <a:spcPts val="0"/>
               </a:spcBef>
@@ -8936,9 +9191,11 @@
       <p:sp>
         <p:nvSpPr>
           <p:cNvPr id="147" name="Google Shape;147;p25"/>
-          <p:cNvSpPr txBox="1"/>
-          <p:nvPr>
-            <p:ph idx="1" type="body"/>
+          <p:cNvSpPr txBox="1">
+            <a:spLocks noGrp="1"/>
+          </p:cNvSpPr>
+          <p:nvPr>
+            <p:ph type="body" idx="1"/>
           </p:nvPr>
         </p:nvSpPr>
         <p:spPr>
@@ -8951,12 +9208,12 @@
           </a:prstGeom>
         </p:spPr>
         <p:txBody>
-          <a:bodyPr anchorCtr="0" anchor="t" bIns="91425" lIns="91425" spcFirstLastPara="1" rIns="91425" wrap="square" tIns="91425">
+          <a:bodyPr spcFirstLastPara="1" wrap="square" lIns="91425" tIns="91425" rIns="91425" bIns="91425" anchor="t" anchorCtr="0">
             <a:normAutofit/>
           </a:bodyPr>
           <a:lstStyle/>
           <a:p>
-            <a:pPr indent="0" lvl="0" marL="0" rtl="0" algn="l">
+            <a:pPr marL="0" lvl="0" indent="0" algn="l" rtl="0">
               <a:spcBef>
                 <a:spcPts val="0"/>
               </a:spcBef>
@@ -9088,9 +9345,11 @@
       <p:sp>
         <p:nvSpPr>
           <p:cNvPr id="152" name="Google Shape;152;p25"/>
-          <p:cNvSpPr txBox="1"/>
-          <p:nvPr>
-            <p:ph idx="1" type="body"/>
+          <p:cNvSpPr txBox="1">
+            <a:spLocks noGrp="1"/>
+          </p:cNvSpPr>
+          <p:nvPr>
+            <p:ph type="body" idx="1"/>
           </p:nvPr>
         </p:nvSpPr>
         <p:spPr>
@@ -9103,12 +9362,12 @@
           </a:prstGeom>
         </p:spPr>
         <p:txBody>
-          <a:bodyPr anchorCtr="0" anchor="t" bIns="91425" lIns="91425" spcFirstLastPara="1" rIns="91425" wrap="square" tIns="91425">
+          <a:bodyPr spcFirstLastPara="1" wrap="square" lIns="91425" tIns="91425" rIns="91425" bIns="91425" anchor="t" anchorCtr="0">
             <a:normAutofit/>
           </a:bodyPr>
           <a:lstStyle/>
           <a:p>
-            <a:pPr indent="0" lvl="0" marL="0" rtl="0" algn="l">
+            <a:pPr marL="0" lvl="0" indent="0" algn="l" rtl="0">
               <a:spcBef>
                 <a:spcPts val="0"/>
               </a:spcBef>
@@ -9134,11 +9393,11 @@
 </file>
 
 <file path=ppt/slides/slide14.xml><?xml version="1.0" encoding="utf-8"?>
-<p:sld xmlns:a="http://schemas.openxmlformats.org/drawingml/2006/main" xmlns:r="http://schemas.openxmlformats.org/officeDocument/2006/relationships" xmlns:mc="http://schemas.openxmlformats.org/markup-compatibility/2006" xmlns:mv="urn:schemas-microsoft-com:mac:vml" xmlns:p="http://schemas.openxmlformats.org/presentationml/2006/main" xmlns:c="http://schemas.openxmlformats.org/drawingml/2006/chart" xmlns:dgm="http://schemas.openxmlformats.org/drawingml/2006/diagram" xmlns:o="urn:schemas-microsoft-com:office:office" xmlns:v="urn:schemas-microsoft-com:vml" xmlns:pvml="urn:schemas-microsoft-com:office:powerpoint" xmlns:com="http://schemas.openxmlformats.org/drawingml/2006/compatibility" xmlns:p14="http://schemas.microsoft.com/office/powerpoint/2010/main" xmlns:p15="http://schemas.microsoft.com/office/powerpoint/2012/main" xmlns:ahyp="http://schemas.microsoft.com/office/drawing/2018/hyperlinkcolor">
+<p:sld xmlns:a="http://schemas.openxmlformats.org/drawingml/2006/main" xmlns:r="http://schemas.openxmlformats.org/officeDocument/2006/relationships" xmlns:p="http://schemas.openxmlformats.org/presentationml/2006/main">
   <p:cSld>
     <p:spTree>
       <p:nvGrpSpPr>
-        <p:cNvPr id="156" name="Shape 156"/>
+        <p:cNvPr id="1" name="Shape 156"/>
         <p:cNvGrpSpPr/>
         <p:nvPr/>
       </p:nvGrpSpPr>
@@ -9153,7 +9412,9 @@
       <p:sp>
         <p:nvSpPr>
           <p:cNvPr id="157" name="Google Shape;157;p26"/>
-          <p:cNvSpPr txBox="1"/>
+          <p:cNvSpPr txBox="1">
+            <a:spLocks noGrp="1"/>
+          </p:cNvSpPr>
           <p:nvPr>
             <p:ph type="title"/>
           </p:nvPr>
@@ -9168,12 +9429,12 @@
           </a:prstGeom>
         </p:spPr>
         <p:txBody>
-          <a:bodyPr anchorCtr="0" anchor="t" bIns="91425" lIns="91425" spcFirstLastPara="1" rIns="91425" wrap="square" tIns="91425">
+          <a:bodyPr spcFirstLastPara="1" wrap="square" lIns="91425" tIns="91425" rIns="91425" bIns="91425" anchor="t" anchorCtr="0">
             <a:normAutofit fontScale="90000"/>
           </a:bodyPr>
           <a:lstStyle/>
           <a:p>
-            <a:pPr indent="0" lvl="0" marL="0" rtl="0" algn="l">
+            <a:pPr marL="0" lvl="0" indent="0" algn="l" rtl="0">
               <a:spcBef>
                 <a:spcPts val="0"/>
               </a:spcBef>
@@ -9193,9 +9454,11 @@
       <p:sp>
         <p:nvSpPr>
           <p:cNvPr id="158" name="Google Shape;158;p26"/>
-          <p:cNvSpPr txBox="1"/>
-          <p:nvPr>
-            <p:ph idx="1" type="body"/>
+          <p:cNvSpPr txBox="1">
+            <a:spLocks noGrp="1"/>
+          </p:cNvSpPr>
+          <p:nvPr>
+            <p:ph type="body" idx="1"/>
           </p:nvPr>
         </p:nvSpPr>
         <p:spPr>
@@ -9208,12 +9471,12 @@
           </a:prstGeom>
         </p:spPr>
         <p:txBody>
-          <a:bodyPr anchorCtr="0" anchor="t" bIns="91425" lIns="91425" spcFirstLastPara="1" rIns="91425" wrap="square" tIns="91425">
+          <a:bodyPr spcFirstLastPara="1" wrap="square" lIns="91425" tIns="91425" rIns="91425" bIns="91425" anchor="t" anchorCtr="0">
             <a:normAutofit lnSpcReduction="10000"/>
           </a:bodyPr>
           <a:lstStyle/>
           <a:p>
-            <a:pPr indent="-342900" lvl="0" marL="457200" rtl="0" algn="l">
+            <a:pPr marL="457200" lvl="0" indent="-342900" algn="l" rtl="0">
               <a:spcBef>
                 <a:spcPts val="0"/>
               </a:spcBef>
@@ -9230,7 +9493,7 @@
             <a:endParaRPr/>
           </a:p>
           <a:p>
-            <a:pPr indent="-342900" lvl="0" marL="457200" rtl="0" algn="l">
+            <a:pPr marL="457200" lvl="0" indent="-342900" algn="l" rtl="0">
               <a:spcBef>
                 <a:spcPts val="0"/>
               </a:spcBef>
@@ -9247,7 +9510,7 @@
             <a:endParaRPr/>
           </a:p>
           <a:p>
-            <a:pPr indent="-342900" lvl="0" marL="457200" rtl="0" algn="l">
+            <a:pPr marL="457200" lvl="0" indent="-342900" algn="l" rtl="0">
               <a:spcBef>
                 <a:spcPts val="0"/>
               </a:spcBef>
@@ -9264,7 +9527,7 @@
             <a:endParaRPr/>
           </a:p>
           <a:p>
-            <a:pPr indent="-342900" lvl="0" marL="457200" rtl="0" algn="l">
+            <a:pPr marL="457200" lvl="0" indent="-342900" algn="l" rtl="0">
               <a:spcBef>
                 <a:spcPts val="0"/>
               </a:spcBef>
@@ -9281,7 +9544,7 @@
             <a:endParaRPr/>
           </a:p>
           <a:p>
-            <a:pPr indent="0" lvl="0" marL="0" rtl="0" algn="l">
+            <a:pPr marL="0" lvl="0" indent="0" algn="l" rtl="0">
               <a:spcBef>
                 <a:spcPts val="1200"/>
               </a:spcBef>
@@ -9297,7 +9560,7 @@
             <a:endParaRPr/>
           </a:p>
           <a:p>
-            <a:pPr indent="0" lvl="0" marL="0" rtl="0" algn="l">
+            <a:pPr marL="0" lvl="0" indent="0" algn="l" rtl="0">
               <a:spcBef>
                 <a:spcPts val="1200"/>
               </a:spcBef>
@@ -9306,9 +9569,6 @@
               </a:spcAft>
               <a:buNone/>
             </a:pPr>
-            <a:r>
-              <a:t/>
-            </a:r>
             <a:endParaRPr/>
           </a:p>
         </p:txBody>
@@ -9378,11 +9638,11 @@
 </file>
 
 <file path=ppt/slides/slide15.xml><?xml version="1.0" encoding="utf-8"?>
-<p:sld xmlns:a="http://schemas.openxmlformats.org/drawingml/2006/main" xmlns:r="http://schemas.openxmlformats.org/officeDocument/2006/relationships" xmlns:mc="http://schemas.openxmlformats.org/markup-compatibility/2006" xmlns:mv="urn:schemas-microsoft-com:mac:vml" xmlns:p="http://schemas.openxmlformats.org/presentationml/2006/main" xmlns:c="http://schemas.openxmlformats.org/drawingml/2006/chart" xmlns:dgm="http://schemas.openxmlformats.org/drawingml/2006/diagram" xmlns:o="urn:schemas-microsoft-com:office:office" xmlns:v="urn:schemas-microsoft-com:vml" xmlns:pvml="urn:schemas-microsoft-com:office:powerpoint" xmlns:com="http://schemas.openxmlformats.org/drawingml/2006/compatibility" xmlns:p14="http://schemas.microsoft.com/office/powerpoint/2010/main" xmlns:p15="http://schemas.microsoft.com/office/powerpoint/2012/main" xmlns:ahyp="http://schemas.microsoft.com/office/drawing/2018/hyperlinkcolor">
+<p:sld xmlns:a="http://schemas.openxmlformats.org/drawingml/2006/main" xmlns:r="http://schemas.openxmlformats.org/officeDocument/2006/relationships" xmlns:p="http://schemas.openxmlformats.org/presentationml/2006/main">
   <p:cSld>
     <p:spTree>
       <p:nvGrpSpPr>
-        <p:cNvPr id="164" name="Shape 164"/>
+        <p:cNvPr id="1" name="Shape 164"/>
         <p:cNvGrpSpPr/>
         <p:nvPr/>
       </p:nvGrpSpPr>
@@ -9397,7 +9657,9 @@
       <p:sp>
         <p:nvSpPr>
           <p:cNvPr id="165" name="Google Shape;165;p27"/>
-          <p:cNvSpPr txBox="1"/>
+          <p:cNvSpPr txBox="1">
+            <a:spLocks noGrp="1"/>
+          </p:cNvSpPr>
           <p:nvPr>
             <p:ph type="title"/>
           </p:nvPr>
@@ -9412,12 +9674,12 @@
           </a:prstGeom>
         </p:spPr>
         <p:txBody>
-          <a:bodyPr anchorCtr="0" anchor="t" bIns="91425" lIns="91425" spcFirstLastPara="1" rIns="91425" wrap="square" tIns="91425">
+          <a:bodyPr spcFirstLastPara="1" wrap="square" lIns="91425" tIns="91425" rIns="91425" bIns="91425" anchor="t" anchorCtr="0">
             <a:normAutofit fontScale="90000"/>
           </a:bodyPr>
           <a:lstStyle/>
           <a:p>
-            <a:pPr indent="0" lvl="0" marL="0" rtl="0" algn="ctr">
+            <a:pPr marL="0" lvl="0" indent="0" algn="ctr" rtl="0">
               <a:spcBef>
                 <a:spcPts val="0"/>
               </a:spcBef>
@@ -9437,9 +9699,11 @@
       <p:sp>
         <p:nvSpPr>
           <p:cNvPr id="166" name="Google Shape;166;p27"/>
-          <p:cNvSpPr txBox="1"/>
-          <p:nvPr>
-            <p:ph idx="1" type="body"/>
+          <p:cNvSpPr txBox="1">
+            <a:spLocks noGrp="1"/>
+          </p:cNvSpPr>
+          <p:nvPr>
+            <p:ph type="body" idx="1"/>
           </p:nvPr>
         </p:nvSpPr>
         <p:spPr>
@@ -9452,12 +9716,12 @@
           </a:prstGeom>
         </p:spPr>
         <p:txBody>
-          <a:bodyPr anchorCtr="0" anchor="t" bIns="91425" lIns="91425" spcFirstLastPara="1" rIns="91425" wrap="square" tIns="91425">
+          <a:bodyPr spcFirstLastPara="1" wrap="square" lIns="91425" tIns="91425" rIns="91425" bIns="91425" anchor="t" anchorCtr="0">
             <a:normAutofit/>
           </a:bodyPr>
           <a:lstStyle/>
           <a:p>
-            <a:pPr indent="-342900" lvl="0" marL="457200" rtl="0" algn="l">
+            <a:pPr marL="457200" lvl="0" indent="-342900" algn="l" rtl="0">
               <a:spcBef>
                 <a:spcPts val="0"/>
               </a:spcBef>
@@ -9471,7 +9735,7 @@
               <a:buChar char="●"/>
             </a:pPr>
             <a:r>
-              <a:rPr b="1" lang="en">
+              <a:rPr lang="en" b="1">
                 <a:solidFill>
                   <a:srgbClr val="CFE2F3"/>
                 </a:solidFill>
@@ -9485,7 +9749,7 @@
             </a:endParaRPr>
           </a:p>
           <a:p>
-            <a:pPr indent="0" lvl="0" marL="0" rtl="0" algn="l">
+            <a:pPr marL="0" lvl="0" indent="0" algn="l" rtl="0">
               <a:spcBef>
                 <a:spcPts val="1200"/>
               </a:spcBef>
@@ -9501,7 +9765,7 @@
             <a:endParaRPr/>
           </a:p>
           <a:p>
-            <a:pPr indent="-342900" lvl="0" marL="457200" rtl="0" algn="l">
+            <a:pPr marL="457200" lvl="0" indent="-342900" algn="l" rtl="0">
               <a:spcBef>
                 <a:spcPts val="1200"/>
               </a:spcBef>
@@ -9515,7 +9779,7 @@
               <a:buChar char="●"/>
             </a:pPr>
             <a:r>
-              <a:rPr b="1" lang="en">
+              <a:rPr lang="en" b="1">
                 <a:solidFill>
                   <a:srgbClr val="CFE2F3"/>
                 </a:solidFill>
@@ -9529,7 +9793,7 @@
             </a:endParaRPr>
           </a:p>
           <a:p>
-            <a:pPr indent="0" lvl="0" marL="0" rtl="0" algn="l">
+            <a:pPr marL="0" lvl="0" indent="0" algn="l" rtl="0">
               <a:spcBef>
                 <a:spcPts val="1200"/>
               </a:spcBef>
@@ -9545,7 +9809,7 @@
             <a:endParaRPr/>
           </a:p>
           <a:p>
-            <a:pPr indent="-342900" lvl="0" marL="457200" rtl="0" algn="l">
+            <a:pPr marL="457200" lvl="0" indent="-342900" algn="l" rtl="0">
               <a:spcBef>
                 <a:spcPts val="1200"/>
               </a:spcBef>
@@ -9559,7 +9823,7 @@
               <a:buChar char="●"/>
             </a:pPr>
             <a:r>
-              <a:rPr b="1" lang="en">
+              <a:rPr lang="en" b="1">
                 <a:solidFill>
                   <a:srgbClr val="CFE2F3"/>
                 </a:solidFill>
@@ -9573,7 +9837,7 @@
             </a:endParaRPr>
           </a:p>
           <a:p>
-            <a:pPr indent="0" lvl="0" marL="0" rtl="0" algn="l">
+            <a:pPr marL="0" lvl="0" indent="0" algn="l" rtl="0">
               <a:spcBef>
                 <a:spcPts val="1200"/>
               </a:spcBef>
@@ -9589,7 +9853,7 @@
             <a:endParaRPr/>
           </a:p>
           <a:p>
-            <a:pPr indent="-342900" lvl="0" marL="457200" rtl="0" algn="l">
+            <a:pPr marL="457200" lvl="0" indent="-342900" algn="l" rtl="0">
               <a:spcBef>
                 <a:spcPts val="1200"/>
               </a:spcBef>
@@ -9603,7 +9867,7 @@
               <a:buChar char="●"/>
             </a:pPr>
             <a:r>
-              <a:rPr b="1" lang="en">
+              <a:rPr lang="en" b="1">
                 <a:solidFill>
                   <a:srgbClr val="CFE2F3"/>
                 </a:solidFill>
@@ -9617,7 +9881,7 @@
             </a:endParaRPr>
           </a:p>
           <a:p>
-            <a:pPr indent="0" lvl="0" marL="0" rtl="0" algn="l">
+            <a:pPr marL="0" lvl="0" indent="0" algn="l" rtl="0">
               <a:spcBef>
                 <a:spcPts val="1200"/>
               </a:spcBef>
@@ -9633,7 +9897,7 @@
             <a:endParaRPr/>
           </a:p>
           <a:p>
-            <a:pPr indent="457200" lvl="0" marL="0" rtl="0" algn="l">
+            <a:pPr marL="0" lvl="0" indent="457200" algn="l" rtl="0">
               <a:spcBef>
                 <a:spcPts val="1200"/>
               </a:spcBef>
@@ -9642,9 +9906,6 @@
               </a:spcAft>
               <a:buNone/>
             </a:pPr>
-            <a:r>
-              <a:t/>
-            </a:r>
             <a:endParaRPr/>
           </a:p>
         </p:txBody>
@@ -9686,11 +9947,11 @@
 </file>
 
 <file path=ppt/slides/slide16.xml><?xml version="1.0" encoding="utf-8"?>
-<p:sld xmlns:a="http://schemas.openxmlformats.org/drawingml/2006/main" xmlns:r="http://schemas.openxmlformats.org/officeDocument/2006/relationships" xmlns:mc="http://schemas.openxmlformats.org/markup-compatibility/2006" xmlns:mv="urn:schemas-microsoft-com:mac:vml" xmlns:p="http://schemas.openxmlformats.org/presentationml/2006/main" xmlns:c="http://schemas.openxmlformats.org/drawingml/2006/chart" xmlns:dgm="http://schemas.openxmlformats.org/drawingml/2006/diagram" xmlns:o="urn:schemas-microsoft-com:office:office" xmlns:v="urn:schemas-microsoft-com:vml" xmlns:pvml="urn:schemas-microsoft-com:office:powerpoint" xmlns:com="http://schemas.openxmlformats.org/drawingml/2006/compatibility" xmlns:p14="http://schemas.microsoft.com/office/powerpoint/2010/main" xmlns:p15="http://schemas.microsoft.com/office/powerpoint/2012/main" xmlns:ahyp="http://schemas.microsoft.com/office/drawing/2018/hyperlinkcolor">
+<p:sld xmlns:a="http://schemas.openxmlformats.org/drawingml/2006/main" xmlns:r="http://schemas.openxmlformats.org/officeDocument/2006/relationships" xmlns:p="http://schemas.openxmlformats.org/presentationml/2006/main">
   <p:cSld>
     <p:spTree>
       <p:nvGrpSpPr>
-        <p:cNvPr id="171" name="Shape 171"/>
+        <p:cNvPr id="1" name="Shape 171"/>
         <p:cNvGrpSpPr/>
         <p:nvPr/>
       </p:nvGrpSpPr>
@@ -9705,7 +9966,9 @@
       <p:sp>
         <p:nvSpPr>
           <p:cNvPr id="172" name="Google Shape;172;p28"/>
-          <p:cNvSpPr txBox="1"/>
+          <p:cNvSpPr txBox="1">
+            <a:spLocks noGrp="1"/>
+          </p:cNvSpPr>
           <p:nvPr>
             <p:ph type="title"/>
           </p:nvPr>
@@ -9720,12 +9983,12 @@
           </a:prstGeom>
         </p:spPr>
         <p:txBody>
-          <a:bodyPr anchorCtr="0" anchor="t" bIns="91425" lIns="91425" spcFirstLastPara="1" rIns="91425" wrap="square" tIns="91425">
+          <a:bodyPr spcFirstLastPara="1" wrap="square" lIns="91425" tIns="91425" rIns="91425" bIns="91425" anchor="t" anchorCtr="0">
             <a:normAutofit fontScale="90000"/>
           </a:bodyPr>
           <a:lstStyle/>
           <a:p>
-            <a:pPr indent="0" lvl="0" marL="0" rtl="0" algn="l">
+            <a:pPr marL="0" lvl="0" indent="0" algn="l" rtl="0">
               <a:spcBef>
                 <a:spcPts val="0"/>
               </a:spcBef>
@@ -9773,7 +10036,9 @@
       <p:sp>
         <p:nvSpPr>
           <p:cNvPr id="174" name="Google Shape;174;p28"/>
-          <p:cNvSpPr txBox="1"/>
+          <p:cNvSpPr txBox="1">
+            <a:spLocks noGrp="1"/>
+          </p:cNvSpPr>
           <p:nvPr>
             <p:ph type="title"/>
           </p:nvPr>
@@ -9788,12 +10053,12 @@
           </a:prstGeom>
         </p:spPr>
         <p:txBody>
-          <a:bodyPr anchorCtr="0" anchor="t" bIns="91425" lIns="91425" spcFirstLastPara="1" rIns="91425" wrap="square" tIns="91425">
+          <a:bodyPr spcFirstLastPara="1" wrap="square" lIns="91425" tIns="91425" rIns="91425" bIns="91425" anchor="t" anchorCtr="0">
             <a:normAutofit fontScale="90000"/>
           </a:bodyPr>
           <a:lstStyle/>
           <a:p>
-            <a:pPr indent="0" lvl="0" marL="0" rtl="0" algn="l">
+            <a:pPr marL="0" lvl="0" indent="0" algn="l" rtl="0">
               <a:spcBef>
                 <a:spcPts val="0"/>
               </a:spcBef>
@@ -9804,11 +10069,7 @@
             </a:pPr>
             <a:r>
               <a:rPr lang="en"/>
-              <a:t>Invoking</a:t>
-            </a:r>
-            <a:r>
-              <a:rPr lang="en"/>
-              <a:t> Function</a:t>
+              <a:t>Invoking Function</a:t>
             </a:r>
             <a:endParaRPr/>
           </a:p>
@@ -9845,7 +10106,9 @@
       <p:sp>
         <p:nvSpPr>
           <p:cNvPr id="176" name="Google Shape;176;p28"/>
-          <p:cNvSpPr txBox="1"/>
+          <p:cNvSpPr txBox="1">
+            <a:spLocks noGrp="1"/>
+          </p:cNvSpPr>
           <p:nvPr>
             <p:ph type="title"/>
           </p:nvPr>
@@ -9860,12 +10123,12 @@
           </a:prstGeom>
         </p:spPr>
         <p:txBody>
-          <a:bodyPr anchorCtr="0" anchor="t" bIns="91425" lIns="91425" spcFirstLastPara="1" rIns="91425" wrap="square" tIns="91425">
+          <a:bodyPr spcFirstLastPara="1" wrap="square" lIns="91425" tIns="91425" rIns="91425" bIns="91425" anchor="t" anchorCtr="0">
             <a:normAutofit fontScale="90000"/>
           </a:bodyPr>
           <a:lstStyle/>
           <a:p>
-            <a:pPr indent="0" lvl="0" marL="0" rtl="0" algn="l">
+            <a:pPr marL="0" lvl="0" indent="0" algn="l" rtl="0">
               <a:spcBef>
                 <a:spcPts val="0"/>
               </a:spcBef>
@@ -9876,11 +10139,7 @@
             </a:pPr>
             <a:r>
               <a:rPr lang="en"/>
-              <a:t>Returning</a:t>
-            </a:r>
-            <a:r>
-              <a:rPr lang="en"/>
-              <a:t> Function</a:t>
+              <a:t>Returning Function</a:t>
             </a:r>
             <a:endParaRPr/>
           </a:p>
@@ -9945,7 +10204,9 @@
       <p:sp>
         <p:nvSpPr>
           <p:cNvPr id="179" name="Google Shape;179;p28"/>
-          <p:cNvSpPr txBox="1"/>
+          <p:cNvSpPr txBox="1">
+            <a:spLocks noGrp="1"/>
+          </p:cNvSpPr>
           <p:nvPr>
             <p:ph type="title"/>
           </p:nvPr>
@@ -9960,12 +10221,12 @@
           </a:prstGeom>
         </p:spPr>
         <p:txBody>
-          <a:bodyPr anchorCtr="0" anchor="t" bIns="91425" lIns="91425" spcFirstLastPara="1" rIns="91425" wrap="square" tIns="91425">
+          <a:bodyPr spcFirstLastPara="1" wrap="square" lIns="91425" tIns="91425" rIns="91425" bIns="91425" anchor="t" anchorCtr="0">
             <a:normAutofit fontScale="90000"/>
           </a:bodyPr>
           <a:lstStyle/>
           <a:p>
-            <a:pPr indent="0" lvl="0" marL="0" rtl="0" algn="l">
+            <a:pPr marL="0" lvl="0" indent="0" algn="l" rtl="0">
               <a:spcBef>
                 <a:spcPts val="0"/>
               </a:spcBef>
@@ -9976,11 +10237,7 @@
             </a:pPr>
             <a:r>
               <a:rPr lang="en"/>
-              <a:t>Parameterized </a:t>
-            </a:r>
-            <a:r>
-              <a:rPr lang="en"/>
-              <a:t>Function</a:t>
+              <a:t>Parameterized Function</a:t>
             </a:r>
             <a:endParaRPr/>
           </a:p>
@@ -10023,11 +10280,11 @@
 </file>
 
 <file path=ppt/slides/slide17.xml><?xml version="1.0" encoding="utf-8"?>
-<p:sld xmlns:a="http://schemas.openxmlformats.org/drawingml/2006/main" xmlns:r="http://schemas.openxmlformats.org/officeDocument/2006/relationships" xmlns:mc="http://schemas.openxmlformats.org/markup-compatibility/2006" xmlns:mv="urn:schemas-microsoft-com:mac:vml" xmlns:p="http://schemas.openxmlformats.org/presentationml/2006/main" xmlns:c="http://schemas.openxmlformats.org/drawingml/2006/chart" xmlns:dgm="http://schemas.openxmlformats.org/drawingml/2006/diagram" xmlns:o="urn:schemas-microsoft-com:office:office" xmlns:v="urn:schemas-microsoft-com:vml" xmlns:pvml="urn:schemas-microsoft-com:office:powerpoint" xmlns:com="http://schemas.openxmlformats.org/drawingml/2006/compatibility" xmlns:p14="http://schemas.microsoft.com/office/powerpoint/2010/main" xmlns:p15="http://schemas.microsoft.com/office/powerpoint/2012/main" xmlns:ahyp="http://schemas.microsoft.com/office/drawing/2018/hyperlinkcolor">
+<p:sld xmlns:a="http://schemas.openxmlformats.org/drawingml/2006/main" xmlns:r="http://schemas.openxmlformats.org/officeDocument/2006/relationships" xmlns:p="http://schemas.openxmlformats.org/presentationml/2006/main">
   <p:cSld>
     <p:spTree>
       <p:nvGrpSpPr>
-        <p:cNvPr id="184" name="Shape 184"/>
+        <p:cNvPr id="1" name="Shape 184"/>
         <p:cNvGrpSpPr/>
         <p:nvPr/>
       </p:nvGrpSpPr>
@@ -10042,7 +10299,9 @@
       <p:sp>
         <p:nvSpPr>
           <p:cNvPr id="185" name="Google Shape;185;p29"/>
-          <p:cNvSpPr txBox="1"/>
+          <p:cNvSpPr txBox="1">
+            <a:spLocks noGrp="1"/>
+          </p:cNvSpPr>
           <p:nvPr>
             <p:ph type="title"/>
           </p:nvPr>
@@ -10057,12 +10316,12 @@
           </a:prstGeom>
         </p:spPr>
         <p:txBody>
-          <a:bodyPr anchorCtr="0" anchor="t" bIns="91425" lIns="91425" spcFirstLastPara="1" rIns="91425" wrap="square" tIns="91425">
+          <a:bodyPr spcFirstLastPara="1" wrap="square" lIns="91425" tIns="91425" rIns="91425" bIns="91425" anchor="t" anchorCtr="0">
             <a:normAutofit fontScale="90000"/>
           </a:bodyPr>
           <a:lstStyle/>
           <a:p>
-            <a:pPr indent="0" lvl="0" marL="0" rtl="0" algn="l">
+            <a:pPr marL="0" lvl="0" indent="0" algn="l" rtl="0">
               <a:spcBef>
                 <a:spcPts val="0"/>
               </a:spcBef>
@@ -10082,9 +10341,11 @@
       <p:sp>
         <p:nvSpPr>
           <p:cNvPr id="186" name="Google Shape;186;p29"/>
-          <p:cNvSpPr txBox="1"/>
-          <p:nvPr>
-            <p:ph idx="1" type="body"/>
+          <p:cNvSpPr txBox="1">
+            <a:spLocks noGrp="1"/>
+          </p:cNvSpPr>
+          <p:nvPr>
+            <p:ph type="body" idx="1"/>
           </p:nvPr>
         </p:nvSpPr>
         <p:spPr>
@@ -10097,12 +10358,12 @@
           </a:prstGeom>
         </p:spPr>
         <p:txBody>
-          <a:bodyPr anchorCtr="0" anchor="t" bIns="91425" lIns="91425" spcFirstLastPara="1" rIns="91425" wrap="square" tIns="91425">
+          <a:bodyPr spcFirstLastPara="1" wrap="square" lIns="91425" tIns="91425" rIns="91425" bIns="91425" anchor="t" anchorCtr="0">
             <a:normAutofit/>
           </a:bodyPr>
           <a:lstStyle/>
           <a:p>
-            <a:pPr indent="0" lvl="0" marL="0" rtl="0" algn="l">
+            <a:pPr marL="0" lvl="0" indent="0" algn="l" rtl="0">
               <a:spcBef>
                 <a:spcPts val="0"/>
               </a:spcBef>
@@ -10118,7 +10379,7 @@
             <a:endParaRPr/>
           </a:p>
           <a:p>
-            <a:pPr indent="0" lvl="0" marL="0" rtl="0" algn="l">
+            <a:pPr marL="0" lvl="0" indent="0" algn="l" rtl="0">
               <a:spcBef>
                 <a:spcPts val="1200"/>
               </a:spcBef>
@@ -10132,7 +10393,7 @@
               <a:t>In Rust, it provides </a:t>
             </a:r>
             <a:r>
-              <a:rPr b="1" i="1" lang="en">
+              <a:rPr lang="en" b="1" i="1">
                 <a:solidFill>
                   <a:srgbClr val="F1C232"/>
                 </a:solidFill>
@@ -10146,7 +10407,7 @@
             <a:endParaRPr/>
           </a:p>
           <a:p>
-            <a:pPr indent="-342900" lvl="0" marL="457200" rtl="0" algn="l">
+            <a:pPr marL="457200" lvl="0" indent="-342900" algn="l" rtl="0">
               <a:spcBef>
                 <a:spcPts val="1200"/>
               </a:spcBef>
@@ -10163,7 +10424,7 @@
             <a:endParaRPr/>
           </a:p>
           <a:p>
-            <a:pPr indent="-342900" lvl="0" marL="457200" rtl="0" algn="l">
+            <a:pPr marL="457200" lvl="0" indent="-342900" algn="l" rtl="0">
               <a:spcBef>
                 <a:spcPts val="0"/>
               </a:spcBef>
@@ -10246,11 +10507,11 @@
 </file>
 
 <file path=ppt/slides/slide18.xml><?xml version="1.0" encoding="utf-8"?>
-<p:sld xmlns:a="http://schemas.openxmlformats.org/drawingml/2006/main" xmlns:r="http://schemas.openxmlformats.org/officeDocument/2006/relationships" xmlns:mc="http://schemas.openxmlformats.org/markup-compatibility/2006" xmlns:mv="urn:schemas-microsoft-com:mac:vml" xmlns:p="http://schemas.openxmlformats.org/presentationml/2006/main" xmlns:c="http://schemas.openxmlformats.org/drawingml/2006/chart" xmlns:dgm="http://schemas.openxmlformats.org/drawingml/2006/diagram" xmlns:o="urn:schemas-microsoft-com:office:office" xmlns:v="urn:schemas-microsoft-com:vml" xmlns:pvml="urn:schemas-microsoft-com:office:powerpoint" xmlns:com="http://schemas.openxmlformats.org/drawingml/2006/compatibility" xmlns:p14="http://schemas.microsoft.com/office/powerpoint/2010/main" xmlns:p15="http://schemas.microsoft.com/office/powerpoint/2012/main" xmlns:ahyp="http://schemas.microsoft.com/office/drawing/2018/hyperlinkcolor">
+<p:sld xmlns:a="http://schemas.openxmlformats.org/drawingml/2006/main" xmlns:r="http://schemas.openxmlformats.org/officeDocument/2006/relationships" xmlns:p="http://schemas.openxmlformats.org/presentationml/2006/main">
   <p:cSld>
     <p:spTree>
       <p:nvGrpSpPr>
-        <p:cNvPr id="192" name="Shape 192"/>
+        <p:cNvPr id="1" name="Shape 192"/>
         <p:cNvGrpSpPr/>
         <p:nvPr/>
       </p:nvGrpSpPr>
@@ -10265,7 +10526,9 @@
       <p:sp>
         <p:nvSpPr>
           <p:cNvPr id="193" name="Google Shape;193;p30"/>
-          <p:cNvSpPr txBox="1"/>
+          <p:cNvSpPr txBox="1">
+            <a:spLocks noGrp="1"/>
+          </p:cNvSpPr>
           <p:nvPr>
             <p:ph type="title"/>
           </p:nvPr>
@@ -10280,12 +10543,12 @@
           </a:prstGeom>
         </p:spPr>
         <p:txBody>
-          <a:bodyPr anchorCtr="0" anchor="t" bIns="91425" lIns="91425" spcFirstLastPara="1" rIns="91425" wrap="square" tIns="91425">
+          <a:bodyPr spcFirstLastPara="1" wrap="square" lIns="91425" tIns="91425" rIns="91425" bIns="91425" anchor="t" anchorCtr="0">
             <a:normAutofit fontScale="90000"/>
           </a:bodyPr>
           <a:lstStyle/>
           <a:p>
-            <a:pPr indent="0" lvl="0" marL="0" rtl="0" algn="l">
+            <a:pPr marL="0" lvl="0" indent="0" algn="l" rtl="0">
               <a:spcBef>
                 <a:spcPts val="0"/>
               </a:spcBef>
@@ -10295,7 +10558,7 @@
               <a:buNone/>
             </a:pPr>
             <a:r>
-              <a:rPr b="1" lang="en">
+              <a:rPr lang="en" b="1">
                 <a:highlight>
                   <a:srgbClr val="073763"/>
                 </a:highlight>
@@ -10313,9 +10576,11 @@
       <p:sp>
         <p:nvSpPr>
           <p:cNvPr id="194" name="Google Shape;194;p30"/>
-          <p:cNvSpPr txBox="1"/>
-          <p:nvPr>
-            <p:ph idx="1" type="body"/>
+          <p:cNvSpPr txBox="1">
+            <a:spLocks noGrp="1"/>
+          </p:cNvSpPr>
+          <p:nvPr>
+            <p:ph type="body" idx="1"/>
           </p:nvPr>
         </p:nvSpPr>
         <p:spPr>
@@ -10328,12 +10593,12 @@
           </a:prstGeom>
         </p:spPr>
         <p:txBody>
-          <a:bodyPr anchorCtr="0" anchor="t" bIns="91425" lIns="91425" spcFirstLastPara="1" rIns="91425" wrap="square" tIns="91425">
+          <a:bodyPr spcFirstLastPara="1" wrap="square" lIns="91425" tIns="91425" rIns="91425" bIns="91425" anchor="t" anchorCtr="0">
             <a:normAutofit/>
           </a:bodyPr>
           <a:lstStyle/>
           <a:p>
-            <a:pPr indent="0" lvl="0" marL="0" rtl="0" algn="l">
+            <a:pPr marL="0" lvl="0" indent="0" algn="l" rtl="0">
               <a:spcBef>
                 <a:spcPts val="0"/>
               </a:spcBef>
@@ -10349,7 +10614,7 @@
             <a:endParaRPr/>
           </a:p>
           <a:p>
-            <a:pPr indent="0" lvl="0" marL="0" rtl="0" algn="l">
+            <a:pPr marL="0" lvl="0" indent="0" algn="l" rtl="0">
               <a:spcBef>
                 <a:spcPts val="1200"/>
               </a:spcBef>
@@ -10431,11 +10696,11 @@
 </file>
 
 <file path=ppt/slides/slide19.xml><?xml version="1.0" encoding="utf-8"?>
-<p:sld xmlns:a="http://schemas.openxmlformats.org/drawingml/2006/main" xmlns:r="http://schemas.openxmlformats.org/officeDocument/2006/relationships" xmlns:mc="http://schemas.openxmlformats.org/markup-compatibility/2006" xmlns:mv="urn:schemas-microsoft-com:mac:vml" xmlns:p="http://schemas.openxmlformats.org/presentationml/2006/main" xmlns:c="http://schemas.openxmlformats.org/drawingml/2006/chart" xmlns:dgm="http://schemas.openxmlformats.org/drawingml/2006/diagram" xmlns:o="urn:schemas-microsoft-com:office:office" xmlns:v="urn:schemas-microsoft-com:vml" xmlns:pvml="urn:schemas-microsoft-com:office:powerpoint" xmlns:com="http://schemas.openxmlformats.org/drawingml/2006/compatibility" xmlns:p14="http://schemas.microsoft.com/office/powerpoint/2010/main" xmlns:p15="http://schemas.microsoft.com/office/powerpoint/2012/main" xmlns:ahyp="http://schemas.microsoft.com/office/drawing/2018/hyperlinkcolor">
+<p:sld xmlns:a="http://schemas.openxmlformats.org/drawingml/2006/main" xmlns:r="http://schemas.openxmlformats.org/officeDocument/2006/relationships" xmlns:p="http://schemas.openxmlformats.org/presentationml/2006/main">
   <p:cSld>
     <p:spTree>
       <p:nvGrpSpPr>
-        <p:cNvPr id="200" name="Shape 200"/>
+        <p:cNvPr id="1" name="Shape 200"/>
         <p:cNvGrpSpPr/>
         <p:nvPr/>
       </p:nvGrpSpPr>
@@ -10450,7 +10715,9 @@
       <p:sp>
         <p:nvSpPr>
           <p:cNvPr id="201" name="Google Shape;201;p31"/>
-          <p:cNvSpPr txBox="1"/>
+          <p:cNvSpPr txBox="1">
+            <a:spLocks noGrp="1"/>
+          </p:cNvSpPr>
           <p:nvPr>
             <p:ph type="title"/>
           </p:nvPr>
@@ -10465,12 +10732,12 @@
           </a:prstGeom>
         </p:spPr>
         <p:txBody>
-          <a:bodyPr anchorCtr="0" anchor="t" bIns="91425" lIns="91425" spcFirstLastPara="1" rIns="91425" wrap="square" tIns="91425">
+          <a:bodyPr spcFirstLastPara="1" wrap="square" lIns="91425" tIns="91425" rIns="91425" bIns="91425" anchor="t" anchorCtr="0">
             <a:normAutofit fontScale="90000"/>
           </a:bodyPr>
           <a:lstStyle/>
           <a:p>
-            <a:pPr indent="0" lvl="0" marL="0" rtl="0" algn="l">
+            <a:pPr marL="0" lvl="0" indent="0" algn="l" rtl="0">
               <a:spcBef>
                 <a:spcPts val="0"/>
               </a:spcBef>
@@ -10498,9 +10765,11 @@
       <p:sp>
         <p:nvSpPr>
           <p:cNvPr id="202" name="Google Shape;202;p31"/>
-          <p:cNvSpPr txBox="1"/>
-          <p:nvPr>
-            <p:ph idx="1" type="body"/>
+          <p:cNvSpPr txBox="1">
+            <a:spLocks noGrp="1"/>
+          </p:cNvSpPr>
+          <p:nvPr>
+            <p:ph type="body" idx="1"/>
           </p:nvPr>
         </p:nvSpPr>
         <p:spPr>
@@ -10513,12 +10782,12 @@
           </a:prstGeom>
         </p:spPr>
         <p:txBody>
-          <a:bodyPr anchorCtr="0" anchor="t" bIns="91425" lIns="91425" spcFirstLastPara="1" rIns="91425" wrap="square" tIns="91425">
+          <a:bodyPr spcFirstLastPara="1" wrap="square" lIns="91425" tIns="91425" rIns="91425" bIns="91425" anchor="t" anchorCtr="0">
             <a:normAutofit/>
           </a:bodyPr>
           <a:lstStyle/>
           <a:p>
-            <a:pPr indent="0" lvl="0" marL="0" rtl="0" algn="l">
+            <a:pPr marL="0" lvl="0" indent="0" algn="l" rtl="0">
               <a:spcBef>
                 <a:spcPts val="0"/>
               </a:spcBef>
@@ -10600,18 +10869,19 @@
 </file>
 
 <file path=ppt/slides/slide2.xml><?xml version="1.0" encoding="utf-8"?>
-<p:sld xmlns:a="http://schemas.openxmlformats.org/drawingml/2006/main" xmlns:r="http://schemas.openxmlformats.org/officeDocument/2006/relationships" xmlns:mc="http://schemas.openxmlformats.org/markup-compatibility/2006" xmlns:mv="urn:schemas-microsoft-com:mac:vml" xmlns:p="http://schemas.openxmlformats.org/presentationml/2006/main" xmlns:c="http://schemas.openxmlformats.org/drawingml/2006/chart" xmlns:dgm="http://schemas.openxmlformats.org/drawingml/2006/diagram" xmlns:o="urn:schemas-microsoft-com:office:office" xmlns:v="urn:schemas-microsoft-com:vml" xmlns:pvml="urn:schemas-microsoft-com:office:powerpoint" xmlns:com="http://schemas.openxmlformats.org/drawingml/2006/compatibility" xmlns:p14="http://schemas.microsoft.com/office/powerpoint/2010/main" xmlns:p15="http://schemas.microsoft.com/office/powerpoint/2012/main" xmlns:ahyp="http://schemas.microsoft.com/office/drawing/2018/hyperlinkcolor">
+<p:sld xmlns:a="http://schemas.openxmlformats.org/drawingml/2006/main" xmlns:r="http://schemas.openxmlformats.org/officeDocument/2006/relationships" xmlns:p="http://schemas.openxmlformats.org/presentationml/2006/main">
   <p:cSld>
     <p:bg>
       <p:bgPr>
         <a:solidFill>
           <a:srgbClr val="FFF2CC"/>
         </a:solidFill>
+        <a:effectLst/>
       </p:bgPr>
     </p:bg>
     <p:spTree>
       <p:nvGrpSpPr>
-        <p:cNvPr id="60" name="Shape 60"/>
+        <p:cNvPr id="1" name="Shape 60"/>
         <p:cNvGrpSpPr/>
         <p:nvPr/>
       </p:nvGrpSpPr>
@@ -10626,7 +10896,9 @@
       <p:sp>
         <p:nvSpPr>
           <p:cNvPr id="61" name="Google Shape;61;p14"/>
-          <p:cNvSpPr txBox="1"/>
+          <p:cNvSpPr txBox="1">
+            <a:spLocks noGrp="1"/>
+          </p:cNvSpPr>
           <p:nvPr>
             <p:ph type="title"/>
           </p:nvPr>
@@ -10641,12 +10913,12 @@
           </a:prstGeom>
         </p:spPr>
         <p:txBody>
-          <a:bodyPr anchorCtr="0" anchor="t" bIns="91425" lIns="91425" spcFirstLastPara="1" rIns="91425" wrap="square" tIns="91425">
+          <a:bodyPr spcFirstLastPara="1" wrap="square" lIns="91425" tIns="91425" rIns="91425" bIns="91425" anchor="t" anchorCtr="0">
             <a:normAutofit fontScale="90000"/>
           </a:bodyPr>
           <a:lstStyle/>
           <a:p>
-            <a:pPr indent="0" lvl="0" marL="0" rtl="0" algn="l">
+            <a:pPr marL="0" lvl="0" indent="0" algn="l" rtl="0">
               <a:spcBef>
                 <a:spcPts val="0"/>
               </a:spcBef>
@@ -10674,9 +10946,11 @@
       <p:sp>
         <p:nvSpPr>
           <p:cNvPr id="62" name="Google Shape;62;p14"/>
-          <p:cNvSpPr txBox="1"/>
-          <p:nvPr>
-            <p:ph idx="1" type="body"/>
+          <p:cNvSpPr txBox="1">
+            <a:spLocks noGrp="1"/>
+          </p:cNvSpPr>
+          <p:nvPr>
+            <p:ph type="body" idx="1"/>
           </p:nvPr>
         </p:nvSpPr>
         <p:spPr>
@@ -10689,12 +10963,12 @@
           </a:prstGeom>
         </p:spPr>
         <p:txBody>
-          <a:bodyPr anchorCtr="0" anchor="t" bIns="91425" lIns="91425" spcFirstLastPara="1" rIns="91425" wrap="square" tIns="91425">
+          <a:bodyPr spcFirstLastPara="1" wrap="square" lIns="91425" tIns="91425" rIns="91425" bIns="91425" anchor="t" anchorCtr="0">
             <a:normAutofit lnSpcReduction="20000"/>
           </a:bodyPr>
           <a:lstStyle/>
           <a:p>
-            <a:pPr indent="0" lvl="0" marL="0" rtl="0" algn="l">
+            <a:pPr marL="0" lvl="0" indent="0" algn="l" rtl="0">
               <a:spcBef>
                 <a:spcPts val="0"/>
               </a:spcBef>
@@ -10709,15 +10983,7 @@
                   <a:srgbClr val="0000FF"/>
                 </a:solidFill>
               </a:rPr>
-              <a:t>Rust is a modern systems programming language developed by the Mozilla Corporation. It is intended to be a language for highly concurrent and highly secure systems. It compiles to native code; hence, it is blazingly fast like C and C++. It also is a multi-paradigm with being designed general-purpose programming language for </a:t>
-            </a:r>
-            <a:r>
-              <a:rPr lang="en">
-                <a:solidFill>
-                  <a:srgbClr val="0000FF"/>
-                </a:solidFill>
-              </a:rPr>
-              <a:t>without performance penalties, and concurrency safety.</a:t>
+              <a:t>Rust is a modern systems programming language developed by the Mozilla Corporation. It is intended to be a language for highly concurrent and highly secure systems. It compiles to native code; hence, it is blazingly fast like C and C++. It also is a multi-paradigm with being designed general-purpose programming language for without performance penalties, and concurrency safety.</a:t>
             </a:r>
             <a:endParaRPr>
               <a:solidFill>
@@ -10726,7 +10992,7 @@
             </a:endParaRPr>
           </a:p>
           <a:p>
-            <a:pPr indent="-342900" lvl="0" marL="457200" rtl="0" algn="l">
+            <a:pPr marL="457200" lvl="0" indent="-342900" algn="l" rtl="0">
               <a:spcBef>
                 <a:spcPts val="1200"/>
               </a:spcBef>
@@ -10754,7 +11020,7 @@
             </a:endParaRPr>
           </a:p>
           <a:p>
-            <a:pPr indent="-342900" lvl="0" marL="457200" rtl="0" algn="l">
+            <a:pPr marL="457200" lvl="0" indent="-342900" algn="l" rtl="0">
               <a:spcBef>
                 <a:spcPts val="0"/>
               </a:spcBef>
@@ -10782,7 +11048,7 @@
             </a:endParaRPr>
           </a:p>
           <a:p>
-            <a:pPr indent="-342900" lvl="0" marL="457200" rtl="0" algn="l">
+            <a:pPr marL="457200" lvl="0" indent="-342900" algn="l" rtl="0">
               <a:spcBef>
                 <a:spcPts val="0"/>
               </a:spcBef>
@@ -10810,7 +11076,7 @@
             </a:endParaRPr>
           </a:p>
           <a:p>
-            <a:pPr indent="-342900" lvl="0" marL="457200" rtl="0" algn="l">
+            <a:pPr marL="457200" lvl="0" indent="-342900" algn="l" rtl="0">
               <a:spcBef>
                 <a:spcPts val="0"/>
               </a:spcBef>
@@ -10848,11 +11114,11 @@
 </file>
 
 <file path=ppt/slides/slide20.xml><?xml version="1.0" encoding="utf-8"?>
-<p:sld xmlns:a="http://schemas.openxmlformats.org/drawingml/2006/main" xmlns:r="http://schemas.openxmlformats.org/officeDocument/2006/relationships" xmlns:mc="http://schemas.openxmlformats.org/markup-compatibility/2006" xmlns:mv="urn:schemas-microsoft-com:mac:vml" xmlns:p="http://schemas.openxmlformats.org/presentationml/2006/main" xmlns:c="http://schemas.openxmlformats.org/drawingml/2006/chart" xmlns:dgm="http://schemas.openxmlformats.org/drawingml/2006/diagram" xmlns:o="urn:schemas-microsoft-com:office:office" xmlns:v="urn:schemas-microsoft-com:vml" xmlns:pvml="urn:schemas-microsoft-com:office:powerpoint" xmlns:com="http://schemas.openxmlformats.org/drawingml/2006/compatibility" xmlns:p14="http://schemas.microsoft.com/office/powerpoint/2010/main" xmlns:p15="http://schemas.microsoft.com/office/powerpoint/2012/main" xmlns:ahyp="http://schemas.microsoft.com/office/drawing/2018/hyperlinkcolor">
+<p:sld xmlns:a="http://schemas.openxmlformats.org/drawingml/2006/main" xmlns:r="http://schemas.openxmlformats.org/officeDocument/2006/relationships" xmlns:p="http://schemas.openxmlformats.org/presentationml/2006/main">
   <p:cSld>
     <p:spTree>
       <p:nvGrpSpPr>
-        <p:cNvPr id="208" name="Shape 208"/>
+        <p:cNvPr id="1" name="Shape 208"/>
         <p:cNvGrpSpPr/>
         <p:nvPr/>
       </p:nvGrpSpPr>
@@ -10867,7 +11133,9 @@
       <p:sp>
         <p:nvSpPr>
           <p:cNvPr id="209" name="Google Shape;209;p32"/>
-          <p:cNvSpPr txBox="1"/>
+          <p:cNvSpPr txBox="1">
+            <a:spLocks noGrp="1"/>
+          </p:cNvSpPr>
           <p:nvPr>
             <p:ph type="title"/>
           </p:nvPr>
@@ -10882,12 +11150,12 @@
           </a:prstGeom>
         </p:spPr>
         <p:txBody>
-          <a:bodyPr anchorCtr="0" anchor="t" bIns="91425" lIns="91425" spcFirstLastPara="1" rIns="91425" wrap="square" tIns="91425">
+          <a:bodyPr spcFirstLastPara="1" wrap="square" lIns="91425" tIns="91425" rIns="91425" bIns="91425" anchor="t" anchorCtr="0">
             <a:normAutofit fontScale="90000"/>
           </a:bodyPr>
           <a:lstStyle/>
           <a:p>
-            <a:pPr indent="0" lvl="0" marL="0" rtl="0" algn="l">
+            <a:pPr marL="0" lvl="0" indent="0" algn="l" rtl="0">
               <a:spcBef>
                 <a:spcPts val="0"/>
               </a:spcBef>
@@ -10897,7 +11165,7 @@
               <a:buNone/>
             </a:pPr>
             <a:r>
-              <a:rPr b="1" lang="en">
+              <a:rPr lang="en" b="1">
                 <a:highlight>
                   <a:srgbClr val="073763"/>
                 </a:highlight>
@@ -10915,9 +11183,11 @@
       <p:sp>
         <p:nvSpPr>
           <p:cNvPr id="210" name="Google Shape;210;p32"/>
-          <p:cNvSpPr txBox="1"/>
-          <p:nvPr>
-            <p:ph idx="1" type="body"/>
+          <p:cNvSpPr txBox="1">
+            <a:spLocks noGrp="1"/>
+          </p:cNvSpPr>
+          <p:nvPr>
+            <p:ph type="body" idx="1"/>
           </p:nvPr>
         </p:nvSpPr>
         <p:spPr>
@@ -10930,12 +11200,12 @@
           </a:prstGeom>
         </p:spPr>
         <p:txBody>
-          <a:bodyPr anchorCtr="0" anchor="t" bIns="91425" lIns="91425" spcFirstLastPara="1" rIns="91425" wrap="square" tIns="91425">
+          <a:bodyPr spcFirstLastPara="1" wrap="square" lIns="91425" tIns="91425" rIns="91425" bIns="91425" anchor="t" anchorCtr="0">
             <a:normAutofit/>
           </a:bodyPr>
           <a:lstStyle/>
           <a:p>
-            <a:pPr indent="0" lvl="0" marL="0" rtl="0" algn="l">
+            <a:pPr marL="0" lvl="0" indent="0" algn="l" rtl="0">
               <a:spcBef>
                 <a:spcPts val="0"/>
               </a:spcBef>
@@ -11017,11 +11287,11 @@
 </file>
 
 <file path=ppt/slides/slide21.xml><?xml version="1.0" encoding="utf-8"?>
-<p:sld xmlns:a="http://schemas.openxmlformats.org/drawingml/2006/main" xmlns:r="http://schemas.openxmlformats.org/officeDocument/2006/relationships" xmlns:mc="http://schemas.openxmlformats.org/markup-compatibility/2006" xmlns:mv="urn:schemas-microsoft-com:mac:vml" xmlns:p="http://schemas.openxmlformats.org/presentationml/2006/main" xmlns:c="http://schemas.openxmlformats.org/drawingml/2006/chart" xmlns:dgm="http://schemas.openxmlformats.org/drawingml/2006/diagram" xmlns:o="urn:schemas-microsoft-com:office:office" xmlns:v="urn:schemas-microsoft-com:vml" xmlns:pvml="urn:schemas-microsoft-com:office:powerpoint" xmlns:com="http://schemas.openxmlformats.org/drawingml/2006/compatibility" xmlns:p14="http://schemas.microsoft.com/office/powerpoint/2010/main" xmlns:p15="http://schemas.microsoft.com/office/powerpoint/2012/main" xmlns:ahyp="http://schemas.microsoft.com/office/drawing/2018/hyperlinkcolor">
+<p:sld xmlns:a="http://schemas.openxmlformats.org/drawingml/2006/main" xmlns:r="http://schemas.openxmlformats.org/officeDocument/2006/relationships" xmlns:p="http://schemas.openxmlformats.org/presentationml/2006/main">
   <p:cSld>
     <p:spTree>
       <p:nvGrpSpPr>
-        <p:cNvPr id="216" name="Shape 216"/>
+        <p:cNvPr id="1" name="Shape 216"/>
         <p:cNvGrpSpPr/>
         <p:nvPr/>
       </p:nvGrpSpPr>
@@ -11036,7 +11306,9 @@
       <p:sp>
         <p:nvSpPr>
           <p:cNvPr id="217" name="Google Shape;217;p33"/>
-          <p:cNvSpPr txBox="1"/>
+          <p:cNvSpPr txBox="1">
+            <a:spLocks noGrp="1"/>
+          </p:cNvSpPr>
           <p:nvPr>
             <p:ph type="title"/>
           </p:nvPr>
@@ -11051,12 +11323,12 @@
           </a:prstGeom>
         </p:spPr>
         <p:txBody>
-          <a:bodyPr anchorCtr="0" anchor="t" bIns="91425" lIns="91425" spcFirstLastPara="1" rIns="91425" wrap="square" tIns="91425">
+          <a:bodyPr spcFirstLastPara="1" wrap="square" lIns="91425" tIns="91425" rIns="91425" bIns="91425" anchor="t" anchorCtr="0">
             <a:normAutofit fontScale="90000"/>
           </a:bodyPr>
           <a:lstStyle/>
           <a:p>
-            <a:pPr indent="0" lvl="0" marL="0" rtl="0" algn="l">
+            <a:pPr marL="0" lvl="0" indent="0" algn="l" rtl="0">
               <a:spcBef>
                 <a:spcPts val="0"/>
               </a:spcBef>
@@ -11138,11 +11410,11 @@
 </file>
 
 <file path=ppt/slides/slide22.xml><?xml version="1.0" encoding="utf-8"?>
-<p:sld xmlns:a="http://schemas.openxmlformats.org/drawingml/2006/main" xmlns:r="http://schemas.openxmlformats.org/officeDocument/2006/relationships" xmlns:mc="http://schemas.openxmlformats.org/markup-compatibility/2006" xmlns:mv="urn:schemas-microsoft-com:mac:vml" xmlns:p="http://schemas.openxmlformats.org/presentationml/2006/main" xmlns:c="http://schemas.openxmlformats.org/drawingml/2006/chart" xmlns:dgm="http://schemas.openxmlformats.org/drawingml/2006/diagram" xmlns:o="urn:schemas-microsoft-com:office:office" xmlns:v="urn:schemas-microsoft-com:vml" xmlns:pvml="urn:schemas-microsoft-com:office:powerpoint" xmlns:com="http://schemas.openxmlformats.org/drawingml/2006/compatibility" xmlns:p14="http://schemas.microsoft.com/office/powerpoint/2010/main" xmlns:p15="http://schemas.microsoft.com/office/powerpoint/2012/main" xmlns:ahyp="http://schemas.microsoft.com/office/drawing/2018/hyperlinkcolor">
+<p:sld xmlns:a="http://schemas.openxmlformats.org/drawingml/2006/main" xmlns:r="http://schemas.openxmlformats.org/officeDocument/2006/relationships" xmlns:p="http://schemas.openxmlformats.org/presentationml/2006/main">
   <p:cSld>
     <p:spTree>
       <p:nvGrpSpPr>
-        <p:cNvPr id="223" name="Shape 223"/>
+        <p:cNvPr id="1" name="Shape 223"/>
         <p:cNvGrpSpPr/>
         <p:nvPr/>
       </p:nvGrpSpPr>
@@ -11157,7 +11429,9 @@
       <p:sp>
         <p:nvSpPr>
           <p:cNvPr id="224" name="Google Shape;224;p34"/>
-          <p:cNvSpPr txBox="1"/>
+          <p:cNvSpPr txBox="1">
+            <a:spLocks noGrp="1"/>
+          </p:cNvSpPr>
           <p:nvPr>
             <p:ph type="title"/>
           </p:nvPr>
@@ -11172,12 +11446,12 @@
           </a:prstGeom>
         </p:spPr>
         <p:txBody>
-          <a:bodyPr anchorCtr="0" anchor="t" bIns="91425" lIns="91425" spcFirstLastPara="1" rIns="91425" wrap="square" tIns="91425">
+          <a:bodyPr spcFirstLastPara="1" wrap="square" lIns="91425" tIns="91425" rIns="91425" bIns="91425" anchor="t" anchorCtr="0">
             <a:normAutofit fontScale="90000"/>
           </a:bodyPr>
           <a:lstStyle/>
           <a:p>
-            <a:pPr indent="0" lvl="0" marL="0" rtl="0" algn="l">
+            <a:pPr marL="0" lvl="0" indent="0" algn="l" rtl="0">
               <a:spcBef>
                 <a:spcPts val="0"/>
               </a:spcBef>
@@ -11253,7 +11527,9 @@
       <p:sp>
         <p:nvSpPr>
           <p:cNvPr id="227" name="Google Shape;227;p34"/>
-          <p:cNvSpPr txBox="1"/>
+          <p:cNvSpPr txBox="1">
+            <a:spLocks noGrp="1"/>
+          </p:cNvSpPr>
           <p:nvPr>
             <p:ph type="title"/>
           </p:nvPr>
@@ -11268,12 +11544,12 @@
           </a:prstGeom>
         </p:spPr>
         <p:txBody>
-          <a:bodyPr anchorCtr="0" anchor="t" bIns="91425" lIns="91425" spcFirstLastPara="1" rIns="91425" wrap="square" tIns="91425">
+          <a:bodyPr spcFirstLastPara="1" wrap="square" lIns="91425" tIns="91425" rIns="91425" bIns="91425" anchor="t" anchorCtr="0">
             <a:normAutofit fontScale="90000"/>
           </a:bodyPr>
           <a:lstStyle/>
           <a:p>
-            <a:pPr indent="0" lvl="0" marL="0" rtl="0" algn="l">
+            <a:pPr marL="0" lvl="0" indent="0" algn="l" rtl="0">
               <a:spcBef>
                 <a:spcPts val="0"/>
               </a:spcBef>
@@ -11299,11 +11575,11 @@
 </file>
 
 <file path=ppt/slides/slide23.xml><?xml version="1.0" encoding="utf-8"?>
-<p:sld xmlns:a="http://schemas.openxmlformats.org/drawingml/2006/main" xmlns:r="http://schemas.openxmlformats.org/officeDocument/2006/relationships" xmlns:mc="http://schemas.openxmlformats.org/markup-compatibility/2006" xmlns:mv="urn:schemas-microsoft-com:mac:vml" xmlns:p="http://schemas.openxmlformats.org/presentationml/2006/main" xmlns:c="http://schemas.openxmlformats.org/drawingml/2006/chart" xmlns:dgm="http://schemas.openxmlformats.org/drawingml/2006/diagram" xmlns:o="urn:schemas-microsoft-com:office:office" xmlns:v="urn:schemas-microsoft-com:vml" xmlns:pvml="urn:schemas-microsoft-com:office:powerpoint" xmlns:com="http://schemas.openxmlformats.org/drawingml/2006/compatibility" xmlns:p14="http://schemas.microsoft.com/office/powerpoint/2010/main" xmlns:p15="http://schemas.microsoft.com/office/powerpoint/2012/main" xmlns:ahyp="http://schemas.microsoft.com/office/drawing/2018/hyperlinkcolor">
+<p:sld xmlns:a="http://schemas.openxmlformats.org/drawingml/2006/main" xmlns:r="http://schemas.openxmlformats.org/officeDocument/2006/relationships" xmlns:p="http://schemas.openxmlformats.org/presentationml/2006/main">
   <p:cSld>
     <p:spTree>
       <p:nvGrpSpPr>
-        <p:cNvPr id="231" name="Shape 231"/>
+        <p:cNvPr id="1" name="Shape 231"/>
         <p:cNvGrpSpPr/>
         <p:nvPr/>
       </p:nvGrpSpPr>
@@ -11318,7 +11594,9 @@
       <p:sp>
         <p:nvSpPr>
           <p:cNvPr id="232" name="Google Shape;232;p35"/>
-          <p:cNvSpPr txBox="1"/>
+          <p:cNvSpPr txBox="1">
+            <a:spLocks noGrp="1"/>
+          </p:cNvSpPr>
           <p:nvPr>
             <p:ph type="title"/>
           </p:nvPr>
@@ -11333,12 +11611,12 @@
           </a:prstGeom>
         </p:spPr>
         <p:txBody>
-          <a:bodyPr anchorCtr="0" anchor="t" bIns="91425" lIns="91425" spcFirstLastPara="1" rIns="91425" wrap="square" tIns="91425">
+          <a:bodyPr spcFirstLastPara="1" wrap="square" lIns="91425" tIns="91425" rIns="91425" bIns="91425" anchor="t" anchorCtr="0">
             <a:normAutofit fontScale="90000"/>
           </a:bodyPr>
           <a:lstStyle/>
           <a:p>
-            <a:pPr indent="0" lvl="0" marL="0" rtl="0" algn="l">
+            <a:pPr marL="0" lvl="0" indent="0" algn="l" rtl="0">
               <a:spcBef>
                 <a:spcPts val="0"/>
               </a:spcBef>
@@ -11392,11 +11670,11 @@
 </file>
 
 <file path=ppt/slides/slide24.xml><?xml version="1.0" encoding="utf-8"?>
-<p:sld xmlns:a="http://schemas.openxmlformats.org/drawingml/2006/main" xmlns:r="http://schemas.openxmlformats.org/officeDocument/2006/relationships" xmlns:mc="http://schemas.openxmlformats.org/markup-compatibility/2006" xmlns:mv="urn:schemas-microsoft-com:mac:vml" xmlns:p="http://schemas.openxmlformats.org/presentationml/2006/main" xmlns:c="http://schemas.openxmlformats.org/drawingml/2006/chart" xmlns:dgm="http://schemas.openxmlformats.org/drawingml/2006/diagram" xmlns:o="urn:schemas-microsoft-com:office:office" xmlns:v="urn:schemas-microsoft-com:vml" xmlns:pvml="urn:schemas-microsoft-com:office:powerpoint" xmlns:com="http://schemas.openxmlformats.org/drawingml/2006/compatibility" xmlns:p14="http://schemas.microsoft.com/office/powerpoint/2010/main" xmlns:p15="http://schemas.microsoft.com/office/powerpoint/2012/main" xmlns:ahyp="http://schemas.microsoft.com/office/drawing/2018/hyperlinkcolor">
+<p:sld xmlns:a="http://schemas.openxmlformats.org/drawingml/2006/main" xmlns:r="http://schemas.openxmlformats.org/officeDocument/2006/relationships" xmlns:p="http://schemas.openxmlformats.org/presentationml/2006/main">
   <p:cSld>
     <p:spTree>
       <p:nvGrpSpPr>
-        <p:cNvPr id="237" name="Shape 237"/>
+        <p:cNvPr id="1" name="Shape 237"/>
         <p:cNvGrpSpPr/>
         <p:nvPr/>
       </p:nvGrpSpPr>
@@ -11411,7 +11689,9 @@
       <p:sp>
         <p:nvSpPr>
           <p:cNvPr id="238" name="Google Shape;238;p36"/>
-          <p:cNvSpPr txBox="1"/>
+          <p:cNvSpPr txBox="1">
+            <a:spLocks noGrp="1"/>
+          </p:cNvSpPr>
           <p:nvPr>
             <p:ph type="title"/>
           </p:nvPr>
@@ -11426,12 +11706,12 @@
           </a:prstGeom>
         </p:spPr>
         <p:txBody>
-          <a:bodyPr anchorCtr="0" anchor="t" bIns="91425" lIns="91425" spcFirstLastPara="1" rIns="91425" wrap="square" tIns="91425">
+          <a:bodyPr spcFirstLastPara="1" wrap="square" lIns="91425" tIns="91425" rIns="91425" bIns="91425" anchor="t" anchorCtr="0">
             <a:normAutofit fontScale="90000"/>
           </a:bodyPr>
           <a:lstStyle/>
           <a:p>
-            <a:pPr indent="0" lvl="0" marL="0" rtl="0" algn="l">
+            <a:pPr marL="0" lvl="0" indent="0" algn="l" rtl="0">
               <a:spcBef>
                 <a:spcPts val="0"/>
               </a:spcBef>
@@ -11451,9 +11731,11 @@
       <p:sp>
         <p:nvSpPr>
           <p:cNvPr id="239" name="Google Shape;239;p36"/>
-          <p:cNvSpPr txBox="1"/>
-          <p:nvPr>
-            <p:ph idx="1" type="body"/>
+          <p:cNvSpPr txBox="1">
+            <a:spLocks noGrp="1"/>
+          </p:cNvSpPr>
+          <p:nvPr>
+            <p:ph type="body" idx="1"/>
           </p:nvPr>
         </p:nvSpPr>
         <p:spPr>
@@ -11466,12 +11748,12 @@
           </a:prstGeom>
         </p:spPr>
         <p:txBody>
-          <a:bodyPr anchorCtr="0" anchor="t" bIns="91425" lIns="91425" spcFirstLastPara="1" rIns="91425" wrap="square" tIns="91425">
+          <a:bodyPr spcFirstLastPara="1" wrap="square" lIns="91425" tIns="91425" rIns="91425" bIns="91425" anchor="t" anchorCtr="0">
             <a:normAutofit/>
           </a:bodyPr>
           <a:lstStyle/>
           <a:p>
-            <a:pPr indent="-342900" lvl="0" marL="457200" rtl="0" algn="l">
+            <a:pPr marL="457200" lvl="0" indent="-342900" algn="l" rtl="0">
               <a:spcBef>
                 <a:spcPts val="0"/>
               </a:spcBef>
@@ -11488,7 +11770,7 @@
             <a:endParaRPr/>
           </a:p>
           <a:p>
-            <a:pPr indent="-342900" lvl="0" marL="457200" rtl="0" algn="l">
+            <a:pPr marL="457200" lvl="0" indent="-342900" algn="l" rtl="0">
               <a:spcBef>
                 <a:spcPts val="0"/>
               </a:spcBef>
@@ -11543,11 +11825,11 @@
 </file>
 
 <file path=ppt/slides/slide25.xml><?xml version="1.0" encoding="utf-8"?>
-<p:sld xmlns:a="http://schemas.openxmlformats.org/drawingml/2006/main" xmlns:r="http://schemas.openxmlformats.org/officeDocument/2006/relationships" xmlns:mc="http://schemas.openxmlformats.org/markup-compatibility/2006" xmlns:mv="urn:schemas-microsoft-com:mac:vml" xmlns:p="http://schemas.openxmlformats.org/presentationml/2006/main" xmlns:c="http://schemas.openxmlformats.org/drawingml/2006/chart" xmlns:dgm="http://schemas.openxmlformats.org/drawingml/2006/diagram" xmlns:o="urn:schemas-microsoft-com:office:office" xmlns:v="urn:schemas-microsoft-com:vml" xmlns:pvml="urn:schemas-microsoft-com:office:powerpoint" xmlns:com="http://schemas.openxmlformats.org/drawingml/2006/compatibility" xmlns:p14="http://schemas.microsoft.com/office/powerpoint/2010/main" xmlns:p15="http://schemas.microsoft.com/office/powerpoint/2012/main" xmlns:ahyp="http://schemas.microsoft.com/office/drawing/2018/hyperlinkcolor">
+<p:sld xmlns:a="http://schemas.openxmlformats.org/drawingml/2006/main" xmlns:r="http://schemas.openxmlformats.org/officeDocument/2006/relationships" xmlns:p="http://schemas.openxmlformats.org/presentationml/2006/main">
   <p:cSld>
     <p:spTree>
       <p:nvGrpSpPr>
-        <p:cNvPr id="244" name="Shape 244"/>
+        <p:cNvPr id="1" name="Shape 244"/>
         <p:cNvGrpSpPr/>
         <p:nvPr/>
       </p:nvGrpSpPr>
@@ -11562,7 +11844,9 @@
       <p:sp>
         <p:nvSpPr>
           <p:cNvPr id="245" name="Google Shape;245;p37"/>
-          <p:cNvSpPr txBox="1"/>
+          <p:cNvSpPr txBox="1">
+            <a:spLocks noGrp="1"/>
+          </p:cNvSpPr>
           <p:nvPr>
             <p:ph type="title"/>
           </p:nvPr>
@@ -11577,12 +11861,12 @@
           </a:prstGeom>
         </p:spPr>
         <p:txBody>
-          <a:bodyPr anchorCtr="0" anchor="t" bIns="91425" lIns="91425" spcFirstLastPara="1" rIns="91425" wrap="square" tIns="91425">
+          <a:bodyPr spcFirstLastPara="1" wrap="square" lIns="91425" tIns="91425" rIns="91425" bIns="91425" anchor="t" anchorCtr="0">
             <a:normAutofit fontScale="90000"/>
           </a:bodyPr>
           <a:lstStyle/>
           <a:p>
-            <a:pPr indent="0" lvl="0" marL="0" rtl="0" algn="l">
+            <a:pPr marL="0" lvl="0" indent="0" algn="l" rtl="0">
               <a:spcBef>
                 <a:spcPts val="0"/>
               </a:spcBef>
@@ -11602,9 +11886,11 @@
       <p:sp>
         <p:nvSpPr>
           <p:cNvPr id="246" name="Google Shape;246;p37"/>
-          <p:cNvSpPr txBox="1"/>
-          <p:nvPr>
-            <p:ph idx="1" type="body"/>
+          <p:cNvSpPr txBox="1">
+            <a:spLocks noGrp="1"/>
+          </p:cNvSpPr>
+          <p:nvPr>
+            <p:ph type="body" idx="1"/>
           </p:nvPr>
         </p:nvSpPr>
         <p:spPr>
@@ -11617,12 +11903,12 @@
           </a:prstGeom>
         </p:spPr>
         <p:txBody>
-          <a:bodyPr anchorCtr="0" anchor="t" bIns="91425" lIns="91425" spcFirstLastPara="1" rIns="91425" wrap="square" tIns="91425">
+          <a:bodyPr spcFirstLastPara="1" wrap="square" lIns="91425" tIns="91425" rIns="91425" bIns="91425" anchor="t" anchorCtr="0">
             <a:normAutofit/>
           </a:bodyPr>
           <a:lstStyle/>
           <a:p>
-            <a:pPr indent="0" lvl="0" marL="0" rtl="0" algn="l">
+            <a:pPr marL="0" lvl="0" indent="0" algn="l" rtl="0">
               <a:spcBef>
                 <a:spcPts val="0"/>
               </a:spcBef>
@@ -11704,11 +11990,11 @@
 </file>
 
 <file path=ppt/slides/slide26.xml><?xml version="1.0" encoding="utf-8"?>
-<p:sld xmlns:a="http://schemas.openxmlformats.org/drawingml/2006/main" xmlns:r="http://schemas.openxmlformats.org/officeDocument/2006/relationships" xmlns:mc="http://schemas.openxmlformats.org/markup-compatibility/2006" xmlns:mv="urn:schemas-microsoft-com:mac:vml" xmlns:p="http://schemas.openxmlformats.org/presentationml/2006/main" xmlns:c="http://schemas.openxmlformats.org/drawingml/2006/chart" xmlns:dgm="http://schemas.openxmlformats.org/drawingml/2006/diagram" xmlns:o="urn:schemas-microsoft-com:office:office" xmlns:v="urn:schemas-microsoft-com:vml" xmlns:pvml="urn:schemas-microsoft-com:office:powerpoint" xmlns:com="http://schemas.openxmlformats.org/drawingml/2006/compatibility" xmlns:p14="http://schemas.microsoft.com/office/powerpoint/2010/main" xmlns:p15="http://schemas.microsoft.com/office/powerpoint/2012/main" xmlns:ahyp="http://schemas.microsoft.com/office/drawing/2018/hyperlinkcolor">
+<p:sld xmlns:a="http://schemas.openxmlformats.org/drawingml/2006/main" xmlns:r="http://schemas.openxmlformats.org/officeDocument/2006/relationships" xmlns:p="http://schemas.openxmlformats.org/presentationml/2006/main">
   <p:cSld>
     <p:spTree>
       <p:nvGrpSpPr>
-        <p:cNvPr id="252" name="Shape 252"/>
+        <p:cNvPr id="1" name="Shape 252"/>
         <p:cNvGrpSpPr/>
         <p:nvPr/>
       </p:nvGrpSpPr>
@@ -11723,7 +12009,9 @@
       <p:sp>
         <p:nvSpPr>
           <p:cNvPr id="253" name="Google Shape;253;p38"/>
-          <p:cNvSpPr txBox="1"/>
+          <p:cNvSpPr txBox="1">
+            <a:spLocks noGrp="1"/>
+          </p:cNvSpPr>
           <p:nvPr>
             <p:ph type="title"/>
           </p:nvPr>
@@ -11738,12 +12026,12 @@
           </a:prstGeom>
         </p:spPr>
         <p:txBody>
-          <a:bodyPr anchorCtr="0" anchor="t" bIns="91425" lIns="91425" spcFirstLastPara="1" rIns="91425" wrap="square" tIns="91425">
+          <a:bodyPr spcFirstLastPara="1" wrap="square" lIns="91425" tIns="91425" rIns="91425" bIns="91425" anchor="t" anchorCtr="0">
             <a:normAutofit fontScale="90000"/>
           </a:bodyPr>
           <a:lstStyle/>
           <a:p>
-            <a:pPr indent="0" lvl="0" marL="0" rtl="0" algn="l">
+            <a:pPr marL="0" lvl="0" indent="0" algn="l" rtl="0">
               <a:spcBef>
                 <a:spcPts val="0"/>
               </a:spcBef>
@@ -11763,9 +12051,11 @@
       <p:sp>
         <p:nvSpPr>
           <p:cNvPr id="254" name="Google Shape;254;p38"/>
-          <p:cNvSpPr txBox="1"/>
-          <p:nvPr>
-            <p:ph idx="1" type="body"/>
+          <p:cNvSpPr txBox="1">
+            <a:spLocks noGrp="1"/>
+          </p:cNvSpPr>
+          <p:nvPr>
+            <p:ph type="body" idx="1"/>
           </p:nvPr>
         </p:nvSpPr>
         <p:spPr>
@@ -11778,12 +12068,12 @@
           </a:prstGeom>
         </p:spPr>
         <p:txBody>
-          <a:bodyPr anchorCtr="0" anchor="t" bIns="91425" lIns="91425" spcFirstLastPara="1" rIns="91425" wrap="square" tIns="91425">
+          <a:bodyPr spcFirstLastPara="1" wrap="square" lIns="91425" tIns="91425" rIns="91425" bIns="91425" anchor="t" anchorCtr="0">
             <a:normAutofit/>
           </a:bodyPr>
           <a:lstStyle/>
           <a:p>
-            <a:pPr indent="-342900" lvl="0" marL="457200" rtl="0" algn="l">
+            <a:pPr marL="457200" lvl="0" indent="-342900" algn="l" rtl="0">
               <a:spcBef>
                 <a:spcPts val="0"/>
               </a:spcBef>
@@ -11809,7 +12099,7 @@
             <a:endParaRPr/>
           </a:p>
           <a:p>
-            <a:pPr indent="-342900" lvl="0" marL="457200" rtl="0" algn="l">
+            <a:pPr marL="457200" lvl="0" indent="-342900" algn="l" rtl="0">
               <a:spcBef>
                 <a:spcPts val="0"/>
               </a:spcBef>
@@ -11835,7 +12125,7 @@
             <a:endParaRPr/>
           </a:p>
           <a:p>
-            <a:pPr indent="0" lvl="0" marL="0" rtl="0" algn="l">
+            <a:pPr marL="0" lvl="0" indent="0" algn="l" rtl="0">
               <a:spcBef>
                 <a:spcPts val="1200"/>
               </a:spcBef>
@@ -11851,7 +12141,7 @@
             <a:endParaRPr/>
           </a:p>
           <a:p>
-            <a:pPr indent="0" lvl="0" marL="0" rtl="0" algn="l">
+            <a:pPr marL="0" lvl="0" indent="0" algn="l" rtl="0">
               <a:spcBef>
                 <a:spcPts val="1200"/>
               </a:spcBef>
@@ -11905,11 +12195,11 @@
 </file>
 
 <file path=ppt/slides/slide27.xml><?xml version="1.0" encoding="utf-8"?>
-<p:sld xmlns:a="http://schemas.openxmlformats.org/drawingml/2006/main" xmlns:r="http://schemas.openxmlformats.org/officeDocument/2006/relationships" xmlns:mc="http://schemas.openxmlformats.org/markup-compatibility/2006" xmlns:mv="urn:schemas-microsoft-com:mac:vml" xmlns:p="http://schemas.openxmlformats.org/presentationml/2006/main" xmlns:c="http://schemas.openxmlformats.org/drawingml/2006/chart" xmlns:dgm="http://schemas.openxmlformats.org/drawingml/2006/diagram" xmlns:o="urn:schemas-microsoft-com:office:office" xmlns:v="urn:schemas-microsoft-com:vml" xmlns:pvml="urn:schemas-microsoft-com:office:powerpoint" xmlns:com="http://schemas.openxmlformats.org/drawingml/2006/compatibility" xmlns:p14="http://schemas.microsoft.com/office/powerpoint/2010/main" xmlns:p15="http://schemas.microsoft.com/office/powerpoint/2012/main" xmlns:ahyp="http://schemas.microsoft.com/office/drawing/2018/hyperlinkcolor">
+<p:sld xmlns:a="http://schemas.openxmlformats.org/drawingml/2006/main" xmlns:r="http://schemas.openxmlformats.org/officeDocument/2006/relationships" xmlns:p="http://schemas.openxmlformats.org/presentationml/2006/main">
   <p:cSld>
     <p:spTree>
       <p:nvGrpSpPr>
-        <p:cNvPr id="259" name="Shape 259"/>
+        <p:cNvPr id="1" name="Shape 259"/>
         <p:cNvGrpSpPr/>
         <p:nvPr/>
       </p:nvGrpSpPr>
@@ -11924,7 +12214,9 @@
       <p:sp>
         <p:nvSpPr>
           <p:cNvPr id="260" name="Google Shape;260;p39"/>
-          <p:cNvSpPr txBox="1"/>
+          <p:cNvSpPr txBox="1">
+            <a:spLocks noGrp="1"/>
+          </p:cNvSpPr>
           <p:nvPr>
             <p:ph type="title"/>
           </p:nvPr>
@@ -11939,12 +12231,12 @@
           </a:prstGeom>
         </p:spPr>
         <p:txBody>
-          <a:bodyPr anchorCtr="0" anchor="t" bIns="91425" lIns="91425" spcFirstLastPara="1" rIns="91425" wrap="square" tIns="91425">
+          <a:bodyPr spcFirstLastPara="1" wrap="square" lIns="91425" tIns="91425" rIns="91425" bIns="91425" anchor="t" anchorCtr="0">
             <a:normAutofit fontScale="90000"/>
           </a:bodyPr>
           <a:lstStyle/>
           <a:p>
-            <a:pPr indent="0" lvl="0" marL="0" rtl="0" algn="ctr">
+            <a:pPr marL="0" lvl="0" indent="0" algn="ctr" rtl="0">
               <a:spcBef>
                 <a:spcPts val="0"/>
               </a:spcBef>
@@ -11964,9 +12256,11 @@
       <p:sp>
         <p:nvSpPr>
           <p:cNvPr id="261" name="Google Shape;261;p39"/>
-          <p:cNvSpPr txBox="1"/>
-          <p:nvPr>
-            <p:ph idx="1" type="body"/>
+          <p:cNvSpPr txBox="1">
+            <a:spLocks noGrp="1"/>
+          </p:cNvSpPr>
+          <p:nvPr>
+            <p:ph type="body" idx="1"/>
           </p:nvPr>
         </p:nvSpPr>
         <p:spPr>
@@ -11978,36 +12272,33 @@
             <a:avLst/>
           </a:prstGeom>
           <a:effectLst>
-            <a:outerShdw blurRad="57150" rotWithShape="0" algn="bl" dir="5400000" dist="19050">
+            <a:outerShdw blurRad="57150" dist="19050" dir="5400000" algn="bl" rotWithShape="0">
               <a:srgbClr val="000000">
                 <a:alpha val="50000"/>
               </a:srgbClr>
             </a:outerShdw>
-            <a:reflection blurRad="0" dir="5400000" dist="38100" endA="0" fadeDir="5400012" kx="0" rotWithShape="0" algn="bl" stPos="0" sy="-100000" ky="0"/>
+            <a:reflection dist="38100" dir="5400000" fadeDir="5400012" sy="-100000" algn="bl" rotWithShape="0"/>
           </a:effectLst>
         </p:spPr>
         <p:txBody>
-          <a:bodyPr anchorCtr="0" anchor="t" bIns="91425" lIns="91425" spcFirstLastPara="1" rIns="91425" wrap="square" tIns="91425">
+          <a:bodyPr spcFirstLastPara="1" wrap="square" lIns="91425" tIns="91425" rIns="91425" bIns="91425" anchor="t" anchorCtr="0">
             <a:normAutofit/>
           </a:bodyPr>
           <a:lstStyle/>
           <a:p>
-            <a:pPr indent="0" lvl="0" marL="457200" rtl="0" algn="l">
-              <a:spcBef>
-                <a:spcPts val="0"/>
-              </a:spcBef>
-              <a:spcAft>
-                <a:spcPts val="0"/>
-              </a:spcAft>
-              <a:buNone/>
-            </a:pPr>
-            <a:r>
-              <a:t/>
-            </a:r>
-            <a:endParaRPr/>
-          </a:p>
-          <a:p>
-            <a:pPr indent="0" lvl="0" marL="457200" rtl="0" algn="l">
+            <a:pPr marL="457200" lvl="0" indent="0" algn="l" rtl="0">
+              <a:spcBef>
+                <a:spcPts val="0"/>
+              </a:spcBef>
+              <a:spcAft>
+                <a:spcPts val="0"/>
+              </a:spcAft>
+              <a:buNone/>
+            </a:pPr>
+            <a:endParaRPr/>
+          </a:p>
+          <a:p>
+            <a:pPr marL="457200" lvl="0" indent="0" algn="l" rtl="0">
               <a:spcBef>
                 <a:spcPts val="1200"/>
               </a:spcBef>
@@ -12016,13 +12307,10 @@
               </a:spcAft>
               <a:buNone/>
             </a:pPr>
-            <a:r>
-              <a:t/>
-            </a:r>
-            <a:endParaRPr/>
-          </a:p>
-          <a:p>
-            <a:pPr indent="0" lvl="0" marL="457200" rtl="0" algn="l">
+            <a:endParaRPr/>
+          </a:p>
+          <a:p>
+            <a:pPr marL="457200" lvl="0" indent="0" algn="l" rtl="0">
               <a:spcBef>
                 <a:spcPts val="1200"/>
               </a:spcBef>
@@ -12031,13 +12319,10 @@
               </a:spcAft>
               <a:buNone/>
             </a:pPr>
-            <a:r>
-              <a:t/>
-            </a:r>
-            <a:endParaRPr/>
-          </a:p>
-          <a:p>
-            <a:pPr indent="-342900" lvl="0" marL="457200" rtl="0" algn="l">
+            <a:endParaRPr/>
+          </a:p>
+          <a:p>
+            <a:pPr marL="457200" lvl="0" indent="-342900" algn="l" rtl="0">
               <a:spcBef>
                 <a:spcPts val="1200"/>
               </a:spcBef>
@@ -12054,7 +12339,7 @@
             <a:endParaRPr/>
           </a:p>
           <a:p>
-            <a:pPr indent="0" lvl="0" marL="457200" rtl="0" algn="l">
+            <a:pPr marL="457200" lvl="0" indent="0" algn="l" rtl="0">
               <a:spcBef>
                 <a:spcPts val="1200"/>
               </a:spcBef>
@@ -12070,7 +12355,7 @@
             <a:endParaRPr/>
           </a:p>
           <a:p>
-            <a:pPr indent="-342900" lvl="0" marL="457200" rtl="0" algn="l">
+            <a:pPr marL="457200" lvl="0" indent="-342900" algn="l" rtl="0">
               <a:spcBef>
                 <a:spcPts val="1200"/>
               </a:spcBef>
@@ -12087,7 +12372,7 @@
             <a:endParaRPr/>
           </a:p>
           <a:p>
-            <a:pPr indent="-342900" lvl="0" marL="457200" rtl="0" algn="l">
+            <a:pPr marL="457200" lvl="0" indent="-342900" algn="l" rtl="0">
               <a:spcBef>
                 <a:spcPts val="0"/>
               </a:spcBef>
@@ -12104,7 +12389,7 @@
             <a:endParaRPr/>
           </a:p>
           <a:p>
-            <a:pPr indent="-342900" lvl="0" marL="457200" rtl="0" algn="l">
+            <a:pPr marL="457200" lvl="0" indent="-342900" algn="l" rtl="0">
               <a:spcBef>
                 <a:spcPts val="0"/>
               </a:spcBef>
@@ -12116,20 +12401,12 @@
             </a:pPr>
             <a:r>
               <a:rPr lang="en"/>
-              <a:t>Use </a:t>
+              <a:t>Use command ‘cargo run’.</a:t>
             </a:r>
-            <a:r>
-              <a:rPr lang="en"/>
-              <a:t>command </a:t>
-            </a:r>
-            <a:r>
-              <a:rPr lang="en"/>
-              <a:t>‘cargo run’.</a:t>
-            </a:r>
-            <a:endParaRPr/>
-          </a:p>
-          <a:p>
-            <a:pPr indent="0" lvl="0" marL="0" rtl="0" algn="l">
+            <a:endParaRPr/>
+          </a:p>
+          <a:p>
+            <a:pPr marL="0" lvl="0" indent="0" algn="l" rtl="0">
               <a:spcBef>
                 <a:spcPts val="1200"/>
               </a:spcBef>
@@ -12138,9 +12415,6 @@
               </a:spcAft>
               <a:buNone/>
             </a:pPr>
-            <a:r>
-              <a:t/>
-            </a:r>
             <a:endParaRPr/>
           </a:p>
         </p:txBody>
@@ -12182,11 +12456,11 @@
 </file>
 
 <file path=ppt/slides/slide28.xml><?xml version="1.0" encoding="utf-8"?>
-<p:sld xmlns:a="http://schemas.openxmlformats.org/drawingml/2006/main" xmlns:r="http://schemas.openxmlformats.org/officeDocument/2006/relationships" xmlns:mc="http://schemas.openxmlformats.org/markup-compatibility/2006" xmlns:mv="urn:schemas-microsoft-com:mac:vml" xmlns:p="http://schemas.openxmlformats.org/presentationml/2006/main" xmlns:c="http://schemas.openxmlformats.org/drawingml/2006/chart" xmlns:dgm="http://schemas.openxmlformats.org/drawingml/2006/diagram" xmlns:o="urn:schemas-microsoft-com:office:office" xmlns:v="urn:schemas-microsoft-com:vml" xmlns:pvml="urn:schemas-microsoft-com:office:powerpoint" xmlns:com="http://schemas.openxmlformats.org/drawingml/2006/compatibility" xmlns:p14="http://schemas.microsoft.com/office/powerpoint/2010/main" xmlns:p15="http://schemas.microsoft.com/office/powerpoint/2012/main" xmlns:ahyp="http://schemas.microsoft.com/office/drawing/2018/hyperlinkcolor">
+<p:sld xmlns:a="http://schemas.openxmlformats.org/drawingml/2006/main" xmlns:r="http://schemas.openxmlformats.org/officeDocument/2006/relationships" xmlns:p="http://schemas.openxmlformats.org/presentationml/2006/main">
   <p:cSld>
     <p:spTree>
       <p:nvGrpSpPr>
-        <p:cNvPr id="266" name="Shape 266"/>
+        <p:cNvPr id="1" name="Shape 266"/>
         <p:cNvGrpSpPr/>
         <p:nvPr/>
       </p:nvGrpSpPr>
@@ -12201,7 +12475,9 @@
       <p:sp>
         <p:nvSpPr>
           <p:cNvPr id="267" name="Google Shape;267;p40"/>
-          <p:cNvSpPr txBox="1"/>
+          <p:cNvSpPr txBox="1">
+            <a:spLocks noGrp="1"/>
+          </p:cNvSpPr>
           <p:nvPr>
             <p:ph type="title"/>
           </p:nvPr>
@@ -12216,12 +12492,12 @@
           </a:prstGeom>
         </p:spPr>
         <p:txBody>
-          <a:bodyPr anchorCtr="0" anchor="t" bIns="91425" lIns="91425" spcFirstLastPara="1" rIns="91425" wrap="square" tIns="91425">
+          <a:bodyPr spcFirstLastPara="1" wrap="square" lIns="91425" tIns="91425" rIns="91425" bIns="91425" anchor="t" anchorCtr="0">
             <a:normAutofit fontScale="90000"/>
           </a:bodyPr>
           <a:lstStyle/>
           <a:p>
-            <a:pPr indent="0" lvl="0" marL="0" rtl="0" algn="l">
+            <a:pPr marL="0" lvl="0" indent="0" algn="l" rtl="0">
               <a:spcBef>
                 <a:spcPts val="0"/>
               </a:spcBef>
@@ -12232,18 +12508,20 @@
             </a:pPr>
             <a:r>
               <a:rPr lang="en"/>
-              <a:t>Reference</a:t>
+              <a:t>References</a:t>
             </a:r>
-            <a:endParaRPr/>
+            <a:endParaRPr dirty="0"/>
           </a:p>
         </p:txBody>
       </p:sp>
       <p:sp>
         <p:nvSpPr>
           <p:cNvPr id="268" name="Google Shape;268;p40"/>
-          <p:cNvSpPr txBox="1"/>
-          <p:nvPr>
-            <p:ph idx="1" type="body"/>
+          <p:cNvSpPr txBox="1">
+            <a:spLocks noGrp="1"/>
+          </p:cNvSpPr>
+          <p:nvPr>
+            <p:ph type="body" idx="1"/>
           </p:nvPr>
         </p:nvSpPr>
         <p:spPr>
@@ -12256,12 +12534,12 @@
           </a:prstGeom>
         </p:spPr>
         <p:txBody>
-          <a:bodyPr anchorCtr="0" anchor="t" bIns="91425" lIns="91425" spcFirstLastPara="1" rIns="91425" wrap="square" tIns="91425">
+          <a:bodyPr spcFirstLastPara="1" wrap="square" lIns="91425" tIns="91425" rIns="91425" bIns="91425" anchor="t" anchorCtr="0">
             <a:normAutofit/>
           </a:bodyPr>
           <a:lstStyle/>
           <a:p>
-            <a:pPr indent="0" lvl="0" marL="0" rtl="0" algn="l">
+            <a:pPr marL="0" lvl="0" indent="0" algn="l" rtl="0">
               <a:spcBef>
                 <a:spcPts val="0"/>
               </a:spcBef>
@@ -12271,7 +12549,7 @@
               <a:buNone/>
             </a:pPr>
             <a:r>
-              <a:rPr lang="en" u="sng">
+              <a:rPr lang="en" u="sng" dirty="0">
                 <a:solidFill>
                   <a:schemeClr val="hlink"/>
                 </a:solidFill>
@@ -12279,10 +12557,10 @@
               </a:rPr>
               <a:t>Rust Tutorial Point</a:t>
             </a:r>
-            <a:endParaRPr/>
-          </a:p>
-          <a:p>
-            <a:pPr indent="0" lvl="0" marL="0" rtl="0" algn="l">
+            <a:endParaRPr dirty="0"/>
+          </a:p>
+          <a:p>
+            <a:pPr marL="0" lvl="0" indent="0" algn="l" rtl="0">
               <a:spcBef>
                 <a:spcPts val="1200"/>
               </a:spcBef>
@@ -12292,13 +12570,13 @@
               <a:buNone/>
             </a:pPr>
             <a:r>
-              <a:rPr lang="en"/>
+              <a:rPr lang="en" dirty="0"/>
               <a:t>Google Image</a:t>
             </a:r>
-            <a:endParaRPr/>
-          </a:p>
-          <a:p>
-            <a:pPr indent="0" lvl="0" marL="0" rtl="0" algn="l">
+            <a:endParaRPr dirty="0"/>
+          </a:p>
+          <a:p>
+            <a:pPr marL="0" lvl="0" indent="0" algn="l" rtl="0">
               <a:spcBef>
                 <a:spcPts val="1200"/>
               </a:spcBef>
@@ -12308,7 +12586,7 @@
               <a:buNone/>
             </a:pPr>
             <a:r>
-              <a:rPr lang="en" u="sng">
+              <a:rPr lang="en" u="sng" dirty="0">
                 <a:solidFill>
                   <a:schemeClr val="hlink"/>
                 </a:solidFill>
@@ -12316,7 +12594,7 @@
               </a:rPr>
               <a:t>Rust Zero To Mastery</a:t>
             </a:r>
-            <a:endParaRPr/>
+            <a:endParaRPr dirty="0"/>
           </a:p>
         </p:txBody>
       </p:sp>
@@ -12329,7 +12607,7 @@
 </file>
 
 <file path=ppt/slides/slide3.xml><?xml version="1.0" encoding="utf-8"?>
-<p:sld xmlns:a="http://schemas.openxmlformats.org/drawingml/2006/main" xmlns:r="http://schemas.openxmlformats.org/officeDocument/2006/relationships" xmlns:mc="http://schemas.openxmlformats.org/markup-compatibility/2006" xmlns:mv="urn:schemas-microsoft-com:mac:vml" xmlns:p="http://schemas.openxmlformats.org/presentationml/2006/main" xmlns:c="http://schemas.openxmlformats.org/drawingml/2006/chart" xmlns:dgm="http://schemas.openxmlformats.org/drawingml/2006/diagram" xmlns:o="urn:schemas-microsoft-com:office:office" xmlns:v="urn:schemas-microsoft-com:vml" xmlns:pvml="urn:schemas-microsoft-com:office:powerpoint" xmlns:com="http://schemas.openxmlformats.org/drawingml/2006/compatibility" xmlns:p14="http://schemas.microsoft.com/office/powerpoint/2010/main" xmlns:p15="http://schemas.microsoft.com/office/powerpoint/2012/main" xmlns:ahyp="http://schemas.microsoft.com/office/drawing/2018/hyperlinkcolor">
+<p:sld xmlns:a="http://schemas.openxmlformats.org/drawingml/2006/main" xmlns:r="http://schemas.openxmlformats.org/officeDocument/2006/relationships" xmlns:p="http://schemas.openxmlformats.org/presentationml/2006/main">
   <p:cSld>
     <p:bg>
       <p:bgPr>
@@ -12346,15 +12624,16 @@
             </a:gs>
           </a:gsLst>
           <a:path path="circle">
-            <a:fillToRect r="100%" t="100%"/>
+            <a:fillToRect t="100000" r="100000"/>
           </a:path>
-          <a:tileRect b="-100%" l="-100%"/>
+          <a:tileRect l="-100000" b="-100000"/>
         </a:gradFill>
+        <a:effectLst/>
       </p:bgPr>
     </p:bg>
     <p:spTree>
       <p:nvGrpSpPr>
-        <p:cNvPr id="66" name="Shape 66"/>
+        <p:cNvPr id="1" name="Shape 66"/>
         <p:cNvGrpSpPr/>
         <p:nvPr/>
       </p:nvGrpSpPr>
@@ -12369,7 +12648,9 @@
       <p:sp>
         <p:nvSpPr>
           <p:cNvPr id="67" name="Google Shape;67;p15"/>
-          <p:cNvSpPr txBox="1"/>
+          <p:cNvSpPr txBox="1">
+            <a:spLocks noGrp="1"/>
+          </p:cNvSpPr>
           <p:nvPr>
             <p:ph type="title"/>
           </p:nvPr>
@@ -12384,12 +12665,12 @@
           </a:prstGeom>
         </p:spPr>
         <p:txBody>
-          <a:bodyPr anchorCtr="0" anchor="t" bIns="91425" lIns="91425" spcFirstLastPara="1" rIns="91425" wrap="square" tIns="91425">
+          <a:bodyPr spcFirstLastPara="1" wrap="square" lIns="91425" tIns="91425" rIns="91425" bIns="91425" anchor="t" anchorCtr="0">
             <a:normAutofit fontScale="90000"/>
           </a:bodyPr>
           <a:lstStyle/>
           <a:p>
-            <a:pPr indent="0" lvl="0" marL="0" rtl="0" algn="l">
+            <a:pPr marL="0" lvl="0" indent="0" algn="l" rtl="0">
               <a:spcBef>
                 <a:spcPts val="0"/>
               </a:spcBef>
@@ -12417,9 +12698,11 @@
       <p:sp>
         <p:nvSpPr>
           <p:cNvPr id="68" name="Google Shape;68;p15"/>
-          <p:cNvSpPr txBox="1"/>
-          <p:nvPr>
-            <p:ph idx="1" type="body"/>
+          <p:cNvSpPr txBox="1">
+            <a:spLocks noGrp="1"/>
+          </p:cNvSpPr>
+          <p:nvPr>
+            <p:ph type="body" idx="1"/>
           </p:nvPr>
         </p:nvSpPr>
         <p:spPr>
@@ -12432,12 +12715,12 @@
           </a:prstGeom>
         </p:spPr>
         <p:txBody>
-          <a:bodyPr anchorCtr="0" anchor="t" bIns="91425" lIns="91425" spcFirstLastPara="1" rIns="91425" wrap="square" tIns="91425">
+          <a:bodyPr spcFirstLastPara="1" wrap="square" lIns="91425" tIns="91425" rIns="91425" bIns="91425" anchor="t" anchorCtr="0">
             <a:normAutofit/>
           </a:bodyPr>
           <a:lstStyle/>
           <a:p>
-            <a:pPr indent="-342900" lvl="0" marL="457200" rtl="0" algn="l">
+            <a:pPr marL="457200" lvl="0" indent="-342900" algn="l" rtl="0">
               <a:spcBef>
                 <a:spcPts val="0"/>
               </a:spcBef>
@@ -12465,7 +12748,7 @@
             </a:endParaRPr>
           </a:p>
           <a:p>
-            <a:pPr indent="-342900" lvl="0" marL="457200" rtl="0" algn="l">
+            <a:pPr marL="457200" lvl="0" indent="-342900" algn="l" rtl="0">
               <a:spcBef>
                 <a:spcPts val="0"/>
               </a:spcBef>
@@ -12493,7 +12776,7 @@
             </a:endParaRPr>
           </a:p>
           <a:p>
-            <a:pPr indent="-342900" lvl="0" marL="457200" rtl="0" algn="l">
+            <a:pPr marL="457200" lvl="0" indent="-342900" algn="l" rtl="0">
               <a:spcBef>
                 <a:spcPts val="0"/>
               </a:spcBef>
@@ -12521,7 +12804,7 @@
             </a:endParaRPr>
           </a:p>
           <a:p>
-            <a:pPr indent="-342900" lvl="0" marL="457200" rtl="0" algn="l">
+            <a:pPr marL="457200" lvl="0" indent="-342900" algn="l" rtl="0">
               <a:spcBef>
                 <a:spcPts val="0"/>
               </a:spcBef>
@@ -12587,11 +12870,11 @@
 </file>
 
 <file path=ppt/slides/slide4.xml><?xml version="1.0" encoding="utf-8"?>
-<p:sld xmlns:a="http://schemas.openxmlformats.org/drawingml/2006/main" xmlns:r="http://schemas.openxmlformats.org/officeDocument/2006/relationships" xmlns:mc="http://schemas.openxmlformats.org/markup-compatibility/2006" xmlns:mv="urn:schemas-microsoft-com:mac:vml" xmlns:p="http://schemas.openxmlformats.org/presentationml/2006/main" xmlns:c="http://schemas.openxmlformats.org/drawingml/2006/chart" xmlns:dgm="http://schemas.openxmlformats.org/drawingml/2006/diagram" xmlns:o="urn:schemas-microsoft-com:office:office" xmlns:v="urn:schemas-microsoft-com:vml" xmlns:pvml="urn:schemas-microsoft-com:office:powerpoint" xmlns:com="http://schemas.openxmlformats.org/drawingml/2006/compatibility" xmlns:p14="http://schemas.microsoft.com/office/powerpoint/2010/main" xmlns:p15="http://schemas.microsoft.com/office/powerpoint/2012/main" xmlns:ahyp="http://schemas.microsoft.com/office/drawing/2018/hyperlinkcolor">
+<p:sld xmlns:a="http://schemas.openxmlformats.org/drawingml/2006/main" xmlns:r="http://schemas.openxmlformats.org/officeDocument/2006/relationships" xmlns:p="http://schemas.openxmlformats.org/presentationml/2006/main">
   <p:cSld>
     <p:spTree>
       <p:nvGrpSpPr>
-        <p:cNvPr id="73" name="Shape 73"/>
+        <p:cNvPr id="1" name="Shape 73"/>
         <p:cNvGrpSpPr/>
         <p:nvPr/>
       </p:nvGrpSpPr>
@@ -12606,7 +12889,9 @@
       <p:sp>
         <p:nvSpPr>
           <p:cNvPr id="74" name="Google Shape;74;p16"/>
-          <p:cNvSpPr txBox="1"/>
+          <p:cNvSpPr txBox="1">
+            <a:spLocks noGrp="1"/>
+          </p:cNvSpPr>
           <p:nvPr>
             <p:ph type="title"/>
           </p:nvPr>
@@ -12621,12 +12906,12 @@
           </a:prstGeom>
         </p:spPr>
         <p:txBody>
-          <a:bodyPr anchorCtr="0" anchor="t" bIns="91425" lIns="91425" spcFirstLastPara="1" rIns="91425" wrap="square" tIns="91425">
+          <a:bodyPr spcFirstLastPara="1" wrap="square" lIns="91425" tIns="91425" rIns="91425" bIns="91425" anchor="t" anchorCtr="0">
             <a:normAutofit fontScale="90000"/>
           </a:bodyPr>
           <a:lstStyle/>
           <a:p>
-            <a:pPr indent="0" lvl="0" marL="0" rtl="0" algn="l">
+            <a:pPr marL="0" lvl="0" indent="0" algn="l" rtl="0">
               <a:spcBef>
                 <a:spcPts val="0"/>
               </a:spcBef>
@@ -12646,9 +12931,11 @@
       <p:sp>
         <p:nvSpPr>
           <p:cNvPr id="75" name="Google Shape;75;p16"/>
-          <p:cNvSpPr txBox="1"/>
-          <p:nvPr>
-            <p:ph idx="1" type="body"/>
+          <p:cNvSpPr txBox="1">
+            <a:spLocks noGrp="1"/>
+          </p:cNvSpPr>
+          <p:nvPr>
+            <p:ph type="body" idx="1"/>
           </p:nvPr>
         </p:nvSpPr>
         <p:spPr>
@@ -12661,12 +12948,12 @@
           </a:prstGeom>
         </p:spPr>
         <p:txBody>
-          <a:bodyPr anchorCtr="0" anchor="t" bIns="91425" lIns="91425" spcFirstLastPara="1" rIns="91425" wrap="square" tIns="91425">
+          <a:bodyPr spcFirstLastPara="1" wrap="square" lIns="91425" tIns="91425" rIns="91425" bIns="91425" anchor="t" anchorCtr="0">
             <a:normAutofit fontScale="92500"/>
           </a:bodyPr>
           <a:lstStyle/>
           <a:p>
-            <a:pPr indent="0" lvl="0" marL="0" rtl="0" algn="ctr">
+            <a:pPr marL="0" lvl="0" indent="0" algn="ctr" rtl="0">
               <a:spcBef>
                 <a:spcPts val="0"/>
               </a:spcBef>
@@ -12682,7 +12969,7 @@
             <a:endParaRPr/>
           </a:p>
           <a:p>
-            <a:pPr indent="-334327" lvl="0" marL="457200" rtl="0" algn="l">
+            <a:pPr marL="457200" lvl="0" indent="-334327" algn="l" rtl="0">
               <a:spcBef>
                 <a:spcPts val="1200"/>
               </a:spcBef>
@@ -12694,16 +12981,12 @@
             </a:pPr>
             <a:r>
               <a:rPr lang="en"/>
-              <a:t>S</a:t>
+              <a:t>Store both negative and positive values</a:t>
             </a:r>
-            <a:r>
-              <a:rPr lang="en"/>
-              <a:t>tore both negative and positive values</a:t>
-            </a:r>
-            <a:endParaRPr/>
-          </a:p>
-          <a:p>
-            <a:pPr indent="-334327" lvl="0" marL="457200" rtl="0" algn="l">
+            <a:endParaRPr/>
+          </a:p>
+          <a:p>
+            <a:pPr marL="457200" lvl="0" indent="-334327" algn="l" rtl="0">
               <a:spcBef>
                 <a:spcPts val="0"/>
               </a:spcBef>
@@ -12752,9 +13035,11 @@
       <p:sp>
         <p:nvSpPr>
           <p:cNvPr id="77" name="Google Shape;77;p16"/>
-          <p:cNvSpPr txBox="1"/>
-          <p:nvPr>
-            <p:ph idx="1" type="body"/>
+          <p:cNvSpPr txBox="1">
+            <a:spLocks noGrp="1"/>
+          </p:cNvSpPr>
+          <p:nvPr>
+            <p:ph type="body" idx="1"/>
           </p:nvPr>
         </p:nvSpPr>
         <p:spPr>
@@ -12767,12 +13052,12 @@
           </a:prstGeom>
         </p:spPr>
         <p:txBody>
-          <a:bodyPr anchorCtr="0" anchor="t" bIns="91425" lIns="91425" spcFirstLastPara="1" rIns="91425" wrap="square" tIns="91425">
+          <a:bodyPr spcFirstLastPara="1" wrap="square" lIns="91425" tIns="91425" rIns="91425" bIns="91425" anchor="t" anchorCtr="0">
             <a:normAutofit/>
           </a:bodyPr>
           <a:lstStyle/>
           <a:p>
-            <a:pPr indent="0" lvl="0" marL="0" rtl="0" algn="ctr">
+            <a:pPr marL="0" lvl="0" indent="0" algn="ctr" rtl="0">
               <a:spcBef>
                 <a:spcPts val="0"/>
               </a:spcBef>
@@ -12788,7 +13073,7 @@
             <a:endParaRPr/>
           </a:p>
           <a:p>
-            <a:pPr indent="-342900" lvl="0" marL="457200" rtl="0" algn="l">
+            <a:pPr marL="457200" lvl="0" indent="-342900" algn="l" rtl="0">
               <a:spcBef>
                 <a:spcPts val="1200"/>
               </a:spcBef>
@@ -12800,16 +13085,12 @@
             </a:pPr>
             <a:r>
               <a:rPr lang="en"/>
-              <a:t>O</a:t>
+              <a:t>Only store positive values</a:t>
             </a:r>
-            <a:r>
-              <a:rPr lang="en"/>
-              <a:t>nly store positive values</a:t>
-            </a:r>
-            <a:endParaRPr/>
-          </a:p>
-          <a:p>
-            <a:pPr indent="-342900" lvl="0" marL="457200" rtl="0" algn="l">
+            <a:endParaRPr/>
+          </a:p>
+          <a:p>
+            <a:pPr marL="457200" lvl="0" indent="-342900" algn="l" rtl="0">
               <a:spcBef>
                 <a:spcPts val="0"/>
               </a:spcBef>
@@ -12892,11 +13173,11 @@
 </file>
 
 <file path=ppt/slides/slide5.xml><?xml version="1.0" encoding="utf-8"?>
-<p:sld xmlns:a="http://schemas.openxmlformats.org/drawingml/2006/main" xmlns:r="http://schemas.openxmlformats.org/officeDocument/2006/relationships" xmlns:mc="http://schemas.openxmlformats.org/markup-compatibility/2006" xmlns:mv="urn:schemas-microsoft-com:mac:vml" xmlns:p="http://schemas.openxmlformats.org/presentationml/2006/main" xmlns:c="http://schemas.openxmlformats.org/drawingml/2006/chart" xmlns:dgm="http://schemas.openxmlformats.org/drawingml/2006/diagram" xmlns:o="urn:schemas-microsoft-com:office:office" xmlns:v="urn:schemas-microsoft-com:vml" xmlns:pvml="urn:schemas-microsoft-com:office:powerpoint" xmlns:com="http://schemas.openxmlformats.org/drawingml/2006/compatibility" xmlns:p14="http://schemas.microsoft.com/office/powerpoint/2010/main" xmlns:p15="http://schemas.microsoft.com/office/powerpoint/2012/main" xmlns:ahyp="http://schemas.microsoft.com/office/drawing/2018/hyperlinkcolor">
+<p:sld xmlns:a="http://schemas.openxmlformats.org/drawingml/2006/main" xmlns:r="http://schemas.openxmlformats.org/officeDocument/2006/relationships" xmlns:p="http://schemas.openxmlformats.org/presentationml/2006/main">
   <p:cSld>
     <p:spTree>
       <p:nvGrpSpPr>
-        <p:cNvPr id="83" name="Shape 83"/>
+        <p:cNvPr id="1" name="Shape 83"/>
         <p:cNvGrpSpPr/>
         <p:nvPr/>
       </p:nvGrpSpPr>
@@ -12911,9 +13192,11 @@
       <p:sp>
         <p:nvSpPr>
           <p:cNvPr id="84" name="Google Shape;84;p17"/>
-          <p:cNvSpPr txBox="1"/>
-          <p:nvPr>
-            <p:ph idx="1" type="body"/>
+          <p:cNvSpPr txBox="1">
+            <a:spLocks noGrp="1"/>
+          </p:cNvSpPr>
+          <p:nvPr>
+            <p:ph type="body" idx="1"/>
           </p:nvPr>
         </p:nvSpPr>
         <p:spPr>
@@ -12926,12 +13209,12 @@
           </a:prstGeom>
         </p:spPr>
         <p:txBody>
-          <a:bodyPr anchorCtr="0" anchor="t" bIns="91425" lIns="91425" spcFirstLastPara="1" rIns="91425" wrap="square" tIns="91425">
+          <a:bodyPr spcFirstLastPara="1" wrap="square" lIns="91425" tIns="91425" rIns="91425" bIns="91425" anchor="t" anchorCtr="0">
             <a:normAutofit lnSpcReduction="10000"/>
           </a:bodyPr>
           <a:lstStyle/>
           <a:p>
-            <a:pPr indent="0" lvl="0" marL="0" rtl="0" algn="l">
+            <a:pPr marL="0" lvl="0" indent="0" algn="l" rtl="0">
               <a:spcBef>
                 <a:spcPts val="0"/>
               </a:spcBef>
@@ -12947,7 +13230,7 @@
             <a:endParaRPr/>
           </a:p>
           <a:p>
-            <a:pPr indent="-342900" lvl="0" marL="457200" rtl="0" algn="l">
+            <a:pPr marL="457200" lvl="0" indent="-342900" algn="l" rtl="0">
               <a:spcBef>
                 <a:spcPts val="1200"/>
               </a:spcBef>
@@ -12964,7 +13247,7 @@
             <a:endParaRPr/>
           </a:p>
           <a:p>
-            <a:pPr indent="-342900" lvl="0" marL="457200" rtl="0" algn="l">
+            <a:pPr marL="457200" lvl="0" indent="-342900" algn="l" rtl="0">
               <a:spcBef>
                 <a:spcPts val="0"/>
               </a:spcBef>
@@ -12985,9 +13268,11 @@
       <p:sp>
         <p:nvSpPr>
           <p:cNvPr id="85" name="Google Shape;85;p17"/>
-          <p:cNvSpPr txBox="1"/>
-          <p:nvPr>
-            <p:ph idx="1" type="body"/>
+          <p:cNvSpPr txBox="1">
+            <a:spLocks noGrp="1"/>
+          </p:cNvSpPr>
+          <p:nvPr>
+            <p:ph type="body" idx="1"/>
           </p:nvPr>
         </p:nvSpPr>
         <p:spPr>
@@ -13000,12 +13285,12 @@
           </a:prstGeom>
         </p:spPr>
         <p:txBody>
-          <a:bodyPr anchorCtr="0" anchor="t" bIns="91425" lIns="91425" spcFirstLastPara="1" rIns="91425" wrap="square" tIns="91425">
+          <a:bodyPr spcFirstLastPara="1" wrap="square" lIns="91425" tIns="91425" rIns="91425" bIns="91425" anchor="t" anchorCtr="0">
             <a:normAutofit/>
           </a:bodyPr>
           <a:lstStyle/>
           <a:p>
-            <a:pPr indent="0" lvl="0" marL="0" rtl="0" algn="l">
+            <a:pPr marL="0" lvl="0" indent="0" algn="l" rtl="0">
               <a:spcBef>
                 <a:spcPts val="0"/>
               </a:spcBef>
@@ -13016,15 +13301,7 @@
             </a:pPr>
             <a:r>
               <a:rPr lang="en"/>
-              <a:t>Overflow will happen when a value </a:t>
-            </a:r>
-            <a:r>
-              <a:rPr lang="en"/>
-              <a:t>assigned</a:t>
-            </a:r>
-            <a:r>
-              <a:rPr lang="en"/>
-              <a:t> to an integer variable when exceeding its declaration</a:t>
+              <a:t>Overflow will happen when a value assigned to an integer variable when exceeding its declaration</a:t>
             </a:r>
             <a:endParaRPr/>
           </a:p>
@@ -13095,11 +13372,11 @@
 </file>
 
 <file path=ppt/slides/slide6.xml><?xml version="1.0" encoding="utf-8"?>
-<p:sld xmlns:a="http://schemas.openxmlformats.org/drawingml/2006/main" xmlns:r="http://schemas.openxmlformats.org/officeDocument/2006/relationships" xmlns:mc="http://schemas.openxmlformats.org/markup-compatibility/2006" xmlns:mv="urn:schemas-microsoft-com:mac:vml" xmlns:p="http://schemas.openxmlformats.org/presentationml/2006/main" xmlns:c="http://schemas.openxmlformats.org/drawingml/2006/chart" xmlns:dgm="http://schemas.openxmlformats.org/drawingml/2006/diagram" xmlns:o="urn:schemas-microsoft-com:office:office" xmlns:v="urn:schemas-microsoft-com:vml" xmlns:pvml="urn:schemas-microsoft-com:office:powerpoint" xmlns:com="http://schemas.openxmlformats.org/drawingml/2006/compatibility" xmlns:p14="http://schemas.microsoft.com/office/powerpoint/2010/main" xmlns:p15="http://schemas.microsoft.com/office/powerpoint/2012/main" xmlns:ahyp="http://schemas.microsoft.com/office/drawing/2018/hyperlinkcolor">
+<p:sld xmlns:a="http://schemas.openxmlformats.org/drawingml/2006/main" xmlns:r="http://schemas.openxmlformats.org/officeDocument/2006/relationships" xmlns:p="http://schemas.openxmlformats.org/presentationml/2006/main">
   <p:cSld>
     <p:spTree>
       <p:nvGrpSpPr>
-        <p:cNvPr id="91" name="Shape 91"/>
+        <p:cNvPr id="1" name="Shape 91"/>
         <p:cNvGrpSpPr/>
         <p:nvPr/>
       </p:nvGrpSpPr>
@@ -13114,7 +13391,9 @@
       <p:sp>
         <p:nvSpPr>
           <p:cNvPr id="92" name="Google Shape;92;p18"/>
-          <p:cNvSpPr txBox="1"/>
+          <p:cNvSpPr txBox="1">
+            <a:spLocks noGrp="1"/>
+          </p:cNvSpPr>
           <p:nvPr>
             <p:ph type="title"/>
           </p:nvPr>
@@ -13129,12 +13408,12 @@
           </a:prstGeom>
         </p:spPr>
         <p:txBody>
-          <a:bodyPr anchorCtr="0" anchor="t" bIns="91425" lIns="91425" spcFirstLastPara="1" rIns="91425" wrap="square" tIns="91425">
+          <a:bodyPr spcFirstLastPara="1" wrap="square" lIns="91425" tIns="91425" rIns="91425" bIns="91425" anchor="t" anchorCtr="0">
             <a:normAutofit fontScale="90000"/>
           </a:bodyPr>
           <a:lstStyle/>
           <a:p>
-            <a:pPr indent="0" lvl="0" marL="0" rtl="0" algn="l">
+            <a:pPr marL="0" lvl="0" indent="0" algn="l" rtl="0">
               <a:spcBef>
                 <a:spcPts val="0"/>
               </a:spcBef>
@@ -13154,9 +13433,11 @@
       <p:sp>
         <p:nvSpPr>
           <p:cNvPr id="93" name="Google Shape;93;p18"/>
-          <p:cNvSpPr txBox="1"/>
-          <p:nvPr>
-            <p:ph idx="1" type="body"/>
+          <p:cNvSpPr txBox="1">
+            <a:spLocks noGrp="1"/>
+          </p:cNvSpPr>
+          <p:nvPr>
+            <p:ph type="body" idx="1"/>
           </p:nvPr>
         </p:nvSpPr>
         <p:spPr>
@@ -13169,12 +13450,12 @@
           </a:prstGeom>
         </p:spPr>
         <p:txBody>
-          <a:bodyPr anchorCtr="0" anchor="t" bIns="91425" lIns="91425" spcFirstLastPara="1" rIns="91425" wrap="square" tIns="91425">
+          <a:bodyPr spcFirstLastPara="1" wrap="square" lIns="91425" tIns="91425" rIns="91425" bIns="91425" anchor="t" anchorCtr="0">
             <a:normAutofit/>
           </a:bodyPr>
           <a:lstStyle/>
           <a:p>
-            <a:pPr indent="0" lvl="0" marL="0" rtl="0" algn="l">
+            <a:pPr marL="0" lvl="0" indent="0" algn="l" rtl="0">
               <a:spcBef>
                 <a:spcPts val="0"/>
               </a:spcBef>
@@ -13250,9 +13531,11 @@
       <p:sp>
         <p:nvSpPr>
           <p:cNvPr id="96" name="Google Shape;96;p18"/>
-          <p:cNvSpPr txBox="1"/>
-          <p:nvPr>
-            <p:ph idx="1" type="body"/>
+          <p:cNvSpPr txBox="1">
+            <a:spLocks noGrp="1"/>
+          </p:cNvSpPr>
+          <p:nvPr>
+            <p:ph type="body" idx="1"/>
           </p:nvPr>
         </p:nvSpPr>
         <p:spPr>
@@ -13265,12 +13548,12 @@
           </a:prstGeom>
         </p:spPr>
         <p:txBody>
-          <a:bodyPr anchorCtr="0" anchor="t" bIns="91425" lIns="91425" spcFirstLastPara="1" rIns="91425" wrap="square" tIns="91425">
+          <a:bodyPr spcFirstLastPara="1" wrap="square" lIns="91425" tIns="91425" rIns="91425" bIns="91425" anchor="t" anchorCtr="0">
             <a:normAutofit/>
           </a:bodyPr>
           <a:lstStyle/>
           <a:p>
-            <a:pPr indent="0" lvl="0" marL="0" rtl="0" algn="l">
+            <a:pPr marL="0" lvl="0" indent="0" algn="l" rtl="0">
               <a:spcBef>
                 <a:spcPts val="0"/>
               </a:spcBef>
@@ -13296,11 +13579,11 @@
 </file>
 
 <file path=ppt/slides/slide7.xml><?xml version="1.0" encoding="utf-8"?>
-<p:sld xmlns:a="http://schemas.openxmlformats.org/drawingml/2006/main" xmlns:r="http://schemas.openxmlformats.org/officeDocument/2006/relationships" xmlns:mc="http://schemas.openxmlformats.org/markup-compatibility/2006" xmlns:mv="urn:schemas-microsoft-com:mac:vml" xmlns:p="http://schemas.openxmlformats.org/presentationml/2006/main" xmlns:c="http://schemas.openxmlformats.org/drawingml/2006/chart" xmlns:dgm="http://schemas.openxmlformats.org/drawingml/2006/diagram" xmlns:o="urn:schemas-microsoft-com:office:office" xmlns:v="urn:schemas-microsoft-com:vml" xmlns:pvml="urn:schemas-microsoft-com:office:powerpoint" xmlns:com="http://schemas.openxmlformats.org/drawingml/2006/compatibility" xmlns:p14="http://schemas.microsoft.com/office/powerpoint/2010/main" xmlns:p15="http://schemas.microsoft.com/office/powerpoint/2012/main" xmlns:ahyp="http://schemas.microsoft.com/office/drawing/2018/hyperlinkcolor">
+<p:sld xmlns:a="http://schemas.openxmlformats.org/drawingml/2006/main" xmlns:r="http://schemas.openxmlformats.org/officeDocument/2006/relationships" xmlns:p="http://schemas.openxmlformats.org/presentationml/2006/main">
   <p:cSld>
     <p:spTree>
       <p:nvGrpSpPr>
-        <p:cNvPr id="100" name="Shape 100"/>
+        <p:cNvPr id="1" name="Shape 100"/>
         <p:cNvGrpSpPr/>
         <p:nvPr/>
       </p:nvGrpSpPr>
@@ -13315,7 +13598,9 @@
       <p:sp>
         <p:nvSpPr>
           <p:cNvPr id="101" name="Google Shape;101;p19"/>
-          <p:cNvSpPr txBox="1"/>
+          <p:cNvSpPr txBox="1">
+            <a:spLocks noGrp="1"/>
+          </p:cNvSpPr>
           <p:nvPr>
             <p:ph type="title"/>
           </p:nvPr>
@@ -13330,12 +13615,12 @@
           </a:prstGeom>
         </p:spPr>
         <p:txBody>
-          <a:bodyPr anchorCtr="0" anchor="t" bIns="91425" lIns="91425" spcFirstLastPara="1" rIns="91425" wrap="square" tIns="91425">
+          <a:bodyPr spcFirstLastPara="1" wrap="square" lIns="91425" tIns="91425" rIns="91425" bIns="91425" anchor="t" anchorCtr="0">
             <a:normAutofit fontScale="90000"/>
           </a:bodyPr>
           <a:lstStyle/>
           <a:p>
-            <a:pPr indent="0" lvl="0" marL="0" rtl="0" algn="l">
+            <a:pPr marL="0" lvl="0" indent="0" algn="l" rtl="0">
               <a:spcBef>
                 <a:spcPts val="0"/>
               </a:spcBef>
@@ -13355,9 +13640,11 @@
       <p:sp>
         <p:nvSpPr>
           <p:cNvPr id="102" name="Google Shape;102;p19"/>
-          <p:cNvSpPr txBox="1"/>
-          <p:nvPr>
-            <p:ph idx="1" type="body"/>
+          <p:cNvSpPr txBox="1">
+            <a:spLocks noGrp="1"/>
+          </p:cNvSpPr>
+          <p:nvPr>
+            <p:ph type="body" idx="1"/>
           </p:nvPr>
         </p:nvSpPr>
         <p:spPr>
@@ -13370,12 +13657,12 @@
           </a:prstGeom>
         </p:spPr>
         <p:txBody>
-          <a:bodyPr anchorCtr="0" anchor="t" bIns="91425" lIns="91425" spcFirstLastPara="1" rIns="91425" wrap="square" tIns="91425">
+          <a:bodyPr spcFirstLastPara="1" wrap="square" lIns="91425" tIns="91425" rIns="91425" bIns="91425" anchor="t" anchorCtr="0">
             <a:normAutofit/>
           </a:bodyPr>
           <a:lstStyle/>
           <a:p>
-            <a:pPr indent="0" lvl="0" marL="0" rtl="0" algn="l">
+            <a:pPr marL="0" lvl="0" indent="0" algn="l" rtl="0">
               <a:spcBef>
                 <a:spcPts val="0"/>
               </a:spcBef>
@@ -13457,11 +13744,11 @@
 </file>
 
 <file path=ppt/slides/slide8.xml><?xml version="1.0" encoding="utf-8"?>
-<p:sld xmlns:a="http://schemas.openxmlformats.org/drawingml/2006/main" xmlns:r="http://schemas.openxmlformats.org/officeDocument/2006/relationships" xmlns:mc="http://schemas.openxmlformats.org/markup-compatibility/2006" xmlns:mv="urn:schemas-microsoft-com:mac:vml" xmlns:p="http://schemas.openxmlformats.org/presentationml/2006/main" xmlns:c="http://schemas.openxmlformats.org/drawingml/2006/chart" xmlns:dgm="http://schemas.openxmlformats.org/drawingml/2006/diagram" xmlns:o="urn:schemas-microsoft-com:office:office" xmlns:v="urn:schemas-microsoft-com:vml" xmlns:pvml="urn:schemas-microsoft-com:office:powerpoint" xmlns:com="http://schemas.openxmlformats.org/drawingml/2006/compatibility" xmlns:p14="http://schemas.microsoft.com/office/powerpoint/2010/main" xmlns:p15="http://schemas.microsoft.com/office/powerpoint/2012/main" xmlns:ahyp="http://schemas.microsoft.com/office/drawing/2018/hyperlinkcolor">
+<p:sld xmlns:a="http://schemas.openxmlformats.org/drawingml/2006/main" xmlns:r="http://schemas.openxmlformats.org/officeDocument/2006/relationships" xmlns:p="http://schemas.openxmlformats.org/presentationml/2006/main">
   <p:cSld>
     <p:spTree>
       <p:nvGrpSpPr>
-        <p:cNvPr id="108" name="Shape 108"/>
+        <p:cNvPr id="1" name="Shape 108"/>
         <p:cNvGrpSpPr/>
         <p:nvPr/>
       </p:nvGrpSpPr>
@@ -13476,7 +13763,9 @@
       <p:sp>
         <p:nvSpPr>
           <p:cNvPr id="109" name="Google Shape;109;p20"/>
-          <p:cNvSpPr txBox="1"/>
+          <p:cNvSpPr txBox="1">
+            <a:spLocks noGrp="1"/>
+          </p:cNvSpPr>
           <p:nvPr>
             <p:ph type="title"/>
           </p:nvPr>
@@ -13491,12 +13780,12 @@
           </a:prstGeom>
         </p:spPr>
         <p:txBody>
-          <a:bodyPr anchorCtr="0" anchor="t" bIns="91425" lIns="91425" spcFirstLastPara="1" rIns="91425" wrap="square" tIns="91425">
+          <a:bodyPr spcFirstLastPara="1" wrap="square" lIns="91425" tIns="91425" rIns="91425" bIns="91425" anchor="t" anchorCtr="0">
             <a:normAutofit fontScale="90000"/>
           </a:bodyPr>
           <a:lstStyle/>
           <a:p>
-            <a:pPr indent="0" lvl="0" marL="0" rtl="0" algn="l">
+            <a:pPr marL="0" lvl="0" indent="0" algn="l" rtl="0">
               <a:spcBef>
                 <a:spcPts val="0"/>
               </a:spcBef>
@@ -13516,9 +13805,11 @@
       <p:sp>
         <p:nvSpPr>
           <p:cNvPr id="110" name="Google Shape;110;p20"/>
-          <p:cNvSpPr txBox="1"/>
-          <p:nvPr>
-            <p:ph idx="1" type="body"/>
+          <p:cNvSpPr txBox="1">
+            <a:spLocks noGrp="1"/>
+          </p:cNvSpPr>
+          <p:nvPr>
+            <p:ph type="body" idx="1"/>
           </p:nvPr>
         </p:nvSpPr>
         <p:spPr>
@@ -13531,12 +13822,12 @@
           </a:prstGeom>
         </p:spPr>
         <p:txBody>
-          <a:bodyPr anchorCtr="0" anchor="t" bIns="91425" lIns="91425" spcFirstLastPara="1" rIns="91425" wrap="square" tIns="91425">
+          <a:bodyPr spcFirstLastPara="1" wrap="square" lIns="91425" tIns="91425" rIns="91425" bIns="91425" anchor="t" anchorCtr="0">
             <a:normAutofit/>
           </a:bodyPr>
           <a:lstStyle/>
           <a:p>
-            <a:pPr indent="0" lvl="0" marL="0" rtl="0" algn="l">
+            <a:pPr marL="0" lvl="0" indent="0" algn="l" rtl="0">
               <a:spcBef>
                 <a:spcPts val="0"/>
               </a:spcBef>
@@ -13618,11 +13909,11 @@
 </file>
 
 <file path=ppt/slides/slide9.xml><?xml version="1.0" encoding="utf-8"?>
-<p:sld xmlns:a="http://schemas.openxmlformats.org/drawingml/2006/main" xmlns:r="http://schemas.openxmlformats.org/officeDocument/2006/relationships" xmlns:mc="http://schemas.openxmlformats.org/markup-compatibility/2006" xmlns:mv="urn:schemas-microsoft-com:mac:vml" xmlns:p="http://schemas.openxmlformats.org/presentationml/2006/main" xmlns:c="http://schemas.openxmlformats.org/drawingml/2006/chart" xmlns:dgm="http://schemas.openxmlformats.org/drawingml/2006/diagram" xmlns:o="urn:schemas-microsoft-com:office:office" xmlns:v="urn:schemas-microsoft-com:vml" xmlns:pvml="urn:schemas-microsoft-com:office:powerpoint" xmlns:com="http://schemas.openxmlformats.org/drawingml/2006/compatibility" xmlns:p14="http://schemas.microsoft.com/office/powerpoint/2010/main" xmlns:p15="http://schemas.microsoft.com/office/powerpoint/2012/main" xmlns:ahyp="http://schemas.microsoft.com/office/drawing/2018/hyperlinkcolor">
+<p:sld xmlns:a="http://schemas.openxmlformats.org/drawingml/2006/main" xmlns:r="http://schemas.openxmlformats.org/officeDocument/2006/relationships" xmlns:p="http://schemas.openxmlformats.org/presentationml/2006/main">
   <p:cSld>
     <p:spTree>
       <p:nvGrpSpPr>
-        <p:cNvPr id="116" name="Shape 116"/>
+        <p:cNvPr id="1" name="Shape 116"/>
         <p:cNvGrpSpPr/>
         <p:nvPr/>
       </p:nvGrpSpPr>
@@ -13637,7 +13928,9 @@
       <p:sp>
         <p:nvSpPr>
           <p:cNvPr id="117" name="Google Shape;117;p21"/>
-          <p:cNvSpPr txBox="1"/>
+          <p:cNvSpPr txBox="1">
+            <a:spLocks noGrp="1"/>
+          </p:cNvSpPr>
           <p:nvPr>
             <p:ph type="title"/>
           </p:nvPr>
@@ -13652,12 +13945,12 @@
           </a:prstGeom>
         </p:spPr>
         <p:txBody>
-          <a:bodyPr anchorCtr="0" anchor="t" bIns="91425" lIns="91425" spcFirstLastPara="1" rIns="91425" wrap="square" tIns="91425">
+          <a:bodyPr spcFirstLastPara="1" wrap="square" lIns="91425" tIns="91425" rIns="91425" bIns="91425" anchor="t" anchorCtr="0">
             <a:normAutofit fontScale="90000"/>
           </a:bodyPr>
           <a:lstStyle/>
           <a:p>
-            <a:pPr indent="0" lvl="0" marL="0" rtl="0" algn="l">
+            <a:pPr marL="0" lvl="0" indent="0" algn="l" rtl="0">
               <a:spcBef>
                 <a:spcPts val="0"/>
               </a:spcBef>
@@ -13677,9 +13970,11 @@
       <p:sp>
         <p:nvSpPr>
           <p:cNvPr id="118" name="Google Shape;118;p21"/>
-          <p:cNvSpPr txBox="1"/>
-          <p:nvPr>
-            <p:ph idx="1" type="body"/>
+          <p:cNvSpPr txBox="1">
+            <a:spLocks noGrp="1"/>
+          </p:cNvSpPr>
+          <p:nvPr>
+            <p:ph type="body" idx="1"/>
           </p:nvPr>
         </p:nvSpPr>
         <p:spPr>
@@ -13692,12 +13987,12 @@
           </a:prstGeom>
         </p:spPr>
         <p:txBody>
-          <a:bodyPr anchorCtr="0" anchor="t" bIns="91425" lIns="91425" spcFirstLastPara="1" rIns="91425" wrap="square" tIns="91425">
+          <a:bodyPr spcFirstLastPara="1" wrap="square" lIns="91425" tIns="91425" rIns="91425" bIns="91425" anchor="t" anchorCtr="0">
             <a:normAutofit/>
           </a:bodyPr>
           <a:lstStyle/>
           <a:p>
-            <a:pPr indent="0" lvl="0" marL="0" rtl="0" algn="l">
+            <a:pPr marL="0" lvl="0" indent="0" algn="l" rtl="0">
               <a:spcBef>
                 <a:spcPts val="0"/>
               </a:spcBef>
@@ -13713,7 +14008,7 @@
             <a:endParaRPr/>
           </a:p>
           <a:p>
-            <a:pPr indent="-342900" lvl="0" marL="457200" rtl="0" algn="l">
+            <a:pPr marL="457200" lvl="0" indent="-342900" algn="l" rtl="0">
               <a:spcBef>
                 <a:spcPts val="1200"/>
               </a:spcBef>
@@ -13725,11 +14020,7 @@
             </a:pPr>
             <a:r>
               <a:rPr lang="en"/>
-              <a:t>U</a:t>
-            </a:r>
-            <a:r>
-              <a:rPr lang="en"/>
-              <a:t>nicode Scalar Values: range from U+0000 to U+D7FF and U+E000 to U+10FFFF</a:t>
+              <a:t>Unicode Scalar Values: range from U+0000 to U+D7FF and U+E000 to U+10FFFF</a:t>
             </a:r>
             <a:endParaRPr/>
           </a:p>
@@ -13772,7 +14063,288 @@
 </file>
 
 <file path=ppt/theme/theme1.xml><?xml version="1.0" encoding="utf-8"?>
-<a:theme xmlns:a="http://schemas.openxmlformats.org/drawingml/2006/main" xmlns:r="http://schemas.openxmlformats.org/officeDocument/2006/relationships">
+<a:theme xmlns:a="http://schemas.openxmlformats.org/drawingml/2006/main" name="Simple Dark">
+  <a:themeElements>
+    <a:clrScheme name="Simple Dark">
+      <a:dk1>
+        <a:srgbClr val="FFFFFF"/>
+      </a:dk1>
+      <a:lt1>
+        <a:srgbClr val="212121"/>
+      </a:lt1>
+      <a:dk2>
+        <a:srgbClr val="303030"/>
+      </a:dk2>
+      <a:lt2>
+        <a:srgbClr val="ADADAD"/>
+      </a:lt2>
+      <a:accent1>
+        <a:srgbClr val="009688"/>
+      </a:accent1>
+      <a:accent2>
+        <a:srgbClr val="EEEEEE"/>
+      </a:accent2>
+      <a:accent3>
+        <a:srgbClr val="78909C"/>
+      </a:accent3>
+      <a:accent4>
+        <a:srgbClr val="FFAB40"/>
+      </a:accent4>
+      <a:accent5>
+        <a:srgbClr val="4DD0E1"/>
+      </a:accent5>
+      <a:accent6>
+        <a:srgbClr val="EEFF41"/>
+      </a:accent6>
+      <a:hlink>
+        <a:srgbClr val="4DD0E1"/>
+      </a:hlink>
+      <a:folHlink>
+        <a:srgbClr val="4DD0E1"/>
+      </a:folHlink>
+    </a:clrScheme>
+    <a:fontScheme name="Office">
+      <a:majorFont>
+        <a:latin typeface="Arial"/>
+        <a:ea typeface=""/>
+        <a:cs typeface=""/>
+        <a:font script="Jpan" typeface="ＭＳ Ｐゴシック"/>
+        <a:font script="Hang" typeface="맑은 고딕"/>
+        <a:font script="Hans" typeface="宋体"/>
+        <a:font script="Hant" typeface="新細明體"/>
+        <a:font script="Arab" typeface="Times New Roman"/>
+        <a:font script="Hebr" typeface="Times New Roman"/>
+        <a:font script="Thai" typeface="Angsana New"/>
+        <a:font script="Ethi" typeface="Nyala"/>
+        <a:font script="Beng" typeface="Vrinda"/>
+        <a:font script="Gujr" typeface="Shruti"/>
+        <a:font script="Khmr" typeface="MoolBoran"/>
+        <a:font script="Knda" typeface="Tunga"/>
+        <a:font script="Guru" typeface="Raavi"/>
+        <a:font script="Cans" typeface="Euphemia"/>
+        <a:font script="Cher" typeface="Plantagenet Cherokee"/>
+        <a:font script="Yiii" typeface="Microsoft Yi Baiti"/>
+        <a:font script="Tibt" typeface="Microsoft Himalaya"/>
+        <a:font script="Thaa" typeface="MV Boli"/>
+        <a:font script="Deva" typeface="Mangal"/>
+        <a:font script="Telu" typeface="Gautami"/>
+        <a:font script="Taml" typeface="Latha"/>
+        <a:font script="Syrc" typeface="Estrangelo Edessa"/>
+        <a:font script="Orya" typeface="Kalinga"/>
+        <a:font script="Mlym" typeface="Kartika"/>
+        <a:font script="Laoo" typeface="DokChampa"/>
+        <a:font script="Sinh" typeface="Iskoola Pota"/>
+        <a:font script="Mong" typeface="Mongolian Baiti"/>
+        <a:font script="Viet" typeface="Times New Roman"/>
+        <a:font script="Uigh" typeface="Microsoft Uighur"/>
+        <a:font script="Geor" typeface="Sylfaen"/>
+      </a:majorFont>
+      <a:minorFont>
+        <a:latin typeface="Arial"/>
+        <a:ea typeface=""/>
+        <a:cs typeface=""/>
+        <a:font script="Jpan" typeface="ＭＳ Ｐゴシック"/>
+        <a:font script="Hang" typeface="맑은 고딕"/>
+        <a:font script="Hans" typeface="宋体"/>
+        <a:font script="Hant" typeface="新細明體"/>
+        <a:font script="Arab" typeface="Arial"/>
+        <a:font script="Hebr" typeface="Arial"/>
+        <a:font script="Thai" typeface="Cordia New"/>
+        <a:font script="Ethi" typeface="Nyala"/>
+        <a:font script="Beng" typeface="Vrinda"/>
+        <a:font script="Gujr" typeface="Shruti"/>
+        <a:font script="Khmr" typeface="DaunPenh"/>
+        <a:font script="Knda" typeface="Tunga"/>
+        <a:font script="Guru" typeface="Raavi"/>
+        <a:font script="Cans" typeface="Euphemia"/>
+        <a:font script="Cher" typeface="Plantagenet Cherokee"/>
+        <a:font script="Yiii" typeface="Microsoft Yi Baiti"/>
+        <a:font script="Tibt" typeface="Microsoft Himalaya"/>
+        <a:font script="Thaa" typeface="MV Boli"/>
+        <a:font script="Deva" typeface="Mangal"/>
+        <a:font script="Telu" typeface="Gautami"/>
+        <a:font script="Taml" typeface="Latha"/>
+        <a:font script="Syrc" typeface="Estrangelo Edessa"/>
+        <a:font script="Orya" typeface="Kalinga"/>
+        <a:font script="Mlym" typeface="Kartika"/>
+        <a:font script="Laoo" typeface="DokChampa"/>
+        <a:font script="Sinh" typeface="Iskoola Pota"/>
+        <a:font script="Mong" typeface="Mongolian Baiti"/>
+        <a:font script="Viet" typeface="Arial"/>
+        <a:font script="Uigh" typeface="Microsoft Uighur"/>
+        <a:font script="Geor" typeface="Sylfaen"/>
+      </a:minorFont>
+    </a:fontScheme>
+    <a:fmtScheme name="Office">
+      <a:fillStyleLst>
+        <a:solidFill>
+          <a:schemeClr val="phClr"/>
+        </a:solidFill>
+        <a:gradFill rotWithShape="1">
+          <a:gsLst>
+            <a:gs pos="0">
+              <a:schemeClr val="phClr">
+                <a:tint val="50000"/>
+                <a:satMod val="300000"/>
+              </a:schemeClr>
+            </a:gs>
+            <a:gs pos="35000">
+              <a:schemeClr val="phClr">
+                <a:tint val="37000"/>
+                <a:satMod val="300000"/>
+              </a:schemeClr>
+            </a:gs>
+            <a:gs pos="100000">
+              <a:schemeClr val="phClr">
+                <a:tint val="15000"/>
+                <a:satMod val="350000"/>
+              </a:schemeClr>
+            </a:gs>
+          </a:gsLst>
+          <a:lin ang="16200000" scaled="1"/>
+        </a:gradFill>
+        <a:gradFill rotWithShape="1">
+          <a:gsLst>
+            <a:gs pos="0">
+              <a:schemeClr val="phClr">
+                <a:tint val="100000"/>
+                <a:shade val="100000"/>
+                <a:satMod val="130000"/>
+              </a:schemeClr>
+            </a:gs>
+            <a:gs pos="100000">
+              <a:schemeClr val="phClr">
+                <a:tint val="50000"/>
+                <a:shade val="100000"/>
+                <a:satMod val="350000"/>
+              </a:schemeClr>
+            </a:gs>
+          </a:gsLst>
+          <a:lin ang="16200000" scaled="0"/>
+        </a:gradFill>
+      </a:fillStyleLst>
+      <a:lnStyleLst>
+        <a:ln w="9525" cap="flat" cmpd="sng" algn="ctr">
+          <a:solidFill>
+            <a:schemeClr val="phClr">
+              <a:shade val="95000"/>
+              <a:satMod val="105000"/>
+            </a:schemeClr>
+          </a:solidFill>
+          <a:prstDash val="solid"/>
+        </a:ln>
+        <a:ln w="25400" cap="flat" cmpd="sng" algn="ctr">
+          <a:solidFill>
+            <a:schemeClr val="phClr"/>
+          </a:solidFill>
+          <a:prstDash val="solid"/>
+        </a:ln>
+        <a:ln w="38100" cap="flat" cmpd="sng" algn="ctr">
+          <a:solidFill>
+            <a:schemeClr val="phClr"/>
+          </a:solidFill>
+          <a:prstDash val="solid"/>
+        </a:ln>
+      </a:lnStyleLst>
+      <a:effectStyleLst>
+        <a:effectStyle>
+          <a:effectLst>
+            <a:outerShdw blurRad="40000" dist="20000" dir="5400000" rotWithShape="0">
+              <a:srgbClr val="000000">
+                <a:alpha val="38000"/>
+              </a:srgbClr>
+            </a:outerShdw>
+          </a:effectLst>
+        </a:effectStyle>
+        <a:effectStyle>
+          <a:effectLst>
+            <a:outerShdw blurRad="40000" dist="23000" dir="5400000" rotWithShape="0">
+              <a:srgbClr val="000000">
+                <a:alpha val="35000"/>
+              </a:srgbClr>
+            </a:outerShdw>
+          </a:effectLst>
+        </a:effectStyle>
+        <a:effectStyle>
+          <a:effectLst>
+            <a:outerShdw blurRad="40000" dist="23000" dir="5400000" rotWithShape="0">
+              <a:srgbClr val="000000">
+                <a:alpha val="35000"/>
+              </a:srgbClr>
+            </a:outerShdw>
+          </a:effectLst>
+          <a:scene3d>
+            <a:camera prst="orthographicFront">
+              <a:rot lat="0" lon="0" rev="0"/>
+            </a:camera>
+            <a:lightRig rig="threePt" dir="t">
+              <a:rot lat="0" lon="0" rev="1200000"/>
+            </a:lightRig>
+          </a:scene3d>
+          <a:sp3d>
+            <a:bevelT w="63500" h="25400"/>
+          </a:sp3d>
+        </a:effectStyle>
+      </a:effectStyleLst>
+      <a:bgFillStyleLst>
+        <a:solidFill>
+          <a:schemeClr val="phClr"/>
+        </a:solidFill>
+        <a:gradFill rotWithShape="1">
+          <a:gsLst>
+            <a:gs pos="0">
+              <a:schemeClr val="phClr">
+                <a:tint val="40000"/>
+                <a:satMod val="350000"/>
+              </a:schemeClr>
+            </a:gs>
+            <a:gs pos="40000">
+              <a:schemeClr val="phClr">
+                <a:tint val="45000"/>
+                <a:shade val="99000"/>
+                <a:satMod val="350000"/>
+              </a:schemeClr>
+            </a:gs>
+            <a:gs pos="100000">
+              <a:schemeClr val="phClr">
+                <a:shade val="20000"/>
+                <a:satMod val="255000"/>
+              </a:schemeClr>
+            </a:gs>
+          </a:gsLst>
+          <a:path path="circle">
+            <a:fillToRect l="50000" t="-80000" r="50000" b="180000"/>
+          </a:path>
+        </a:gradFill>
+        <a:gradFill rotWithShape="1">
+          <a:gsLst>
+            <a:gs pos="0">
+              <a:schemeClr val="phClr">
+                <a:tint val="80000"/>
+                <a:satMod val="300000"/>
+              </a:schemeClr>
+            </a:gs>
+            <a:gs pos="100000">
+              <a:schemeClr val="phClr">
+                <a:shade val="30000"/>
+                <a:satMod val="200000"/>
+              </a:schemeClr>
+            </a:gs>
+          </a:gsLst>
+          <a:path path="circle">
+            <a:fillToRect l="50000" t="50000" r="50000" b="50000"/>
+          </a:path>
+        </a:gradFill>
+      </a:bgFillStyleLst>
+    </a:fmtScheme>
+  </a:themeElements>
+  <a:objectDefaults/>
+  <a:extraClrSchemeLst/>
+</a:theme>
+</file>
+
+<file path=ppt/theme/theme2.xml><?xml version="1.0" encoding="utf-8"?>
+<a:theme xmlns:a="http://schemas.openxmlformats.org/drawingml/2006/main">
   <a:themeElements>
     <a:clrScheme name="Default">
       <a:dk1>
@@ -14047,284 +14619,7 @@
       </a:bgFillStyleLst>
     </a:fmtScheme>
   </a:themeElements>
-</a:theme>
-</file>
-
-<file path=ppt/theme/theme2.xml><?xml version="1.0" encoding="utf-8"?>
-<a:theme xmlns:a="http://schemas.openxmlformats.org/drawingml/2006/main" xmlns:r="http://schemas.openxmlformats.org/officeDocument/2006/relationships" name="Simple Dark">
-  <a:themeElements>
-    <a:clrScheme name="Simple Dark">
-      <a:dk1>
-        <a:srgbClr val="FFFFFF"/>
-      </a:dk1>
-      <a:lt1>
-        <a:srgbClr val="212121"/>
-      </a:lt1>
-      <a:dk2>
-        <a:srgbClr val="303030"/>
-      </a:dk2>
-      <a:lt2>
-        <a:srgbClr val="ADADAD"/>
-      </a:lt2>
-      <a:accent1>
-        <a:srgbClr val="009688"/>
-      </a:accent1>
-      <a:accent2>
-        <a:srgbClr val="EEEEEE"/>
-      </a:accent2>
-      <a:accent3>
-        <a:srgbClr val="78909C"/>
-      </a:accent3>
-      <a:accent4>
-        <a:srgbClr val="FFAB40"/>
-      </a:accent4>
-      <a:accent5>
-        <a:srgbClr val="4DD0E1"/>
-      </a:accent5>
-      <a:accent6>
-        <a:srgbClr val="EEFF41"/>
-      </a:accent6>
-      <a:hlink>
-        <a:srgbClr val="4DD0E1"/>
-      </a:hlink>
-      <a:folHlink>
-        <a:srgbClr val="4DD0E1"/>
-      </a:folHlink>
-    </a:clrScheme>
-    <a:fontScheme name="Office">
-      <a:majorFont>
-        <a:latin typeface="Arial"/>
-        <a:ea typeface=""/>
-        <a:cs typeface=""/>
-        <a:font script="Jpan" typeface="ＭＳ Ｐゴシック"/>
-        <a:font script="Hang" typeface="맑은 고딕"/>
-        <a:font script="Hans" typeface="宋体"/>
-        <a:font script="Hant" typeface="新細明體"/>
-        <a:font script="Arab" typeface="Times New Roman"/>
-        <a:font script="Hebr" typeface="Times New Roman"/>
-        <a:font script="Thai" typeface="Angsana New"/>
-        <a:font script="Ethi" typeface="Nyala"/>
-        <a:font script="Beng" typeface="Vrinda"/>
-        <a:font script="Gujr" typeface="Shruti"/>
-        <a:font script="Khmr" typeface="MoolBoran"/>
-        <a:font script="Knda" typeface="Tunga"/>
-        <a:font script="Guru" typeface="Raavi"/>
-        <a:font script="Cans" typeface="Euphemia"/>
-        <a:font script="Cher" typeface="Plantagenet Cherokee"/>
-        <a:font script="Yiii" typeface="Microsoft Yi Baiti"/>
-        <a:font script="Tibt" typeface="Microsoft Himalaya"/>
-        <a:font script="Thaa" typeface="MV Boli"/>
-        <a:font script="Deva" typeface="Mangal"/>
-        <a:font script="Telu" typeface="Gautami"/>
-        <a:font script="Taml" typeface="Latha"/>
-        <a:font script="Syrc" typeface="Estrangelo Edessa"/>
-        <a:font script="Orya" typeface="Kalinga"/>
-        <a:font script="Mlym" typeface="Kartika"/>
-        <a:font script="Laoo" typeface="DokChampa"/>
-        <a:font script="Sinh" typeface="Iskoola Pota"/>
-        <a:font script="Mong" typeface="Mongolian Baiti"/>
-        <a:font script="Viet" typeface="Times New Roman"/>
-        <a:font script="Uigh" typeface="Microsoft Uighur"/>
-        <a:font script="Geor" typeface="Sylfaen"/>
-      </a:majorFont>
-      <a:minorFont>
-        <a:latin typeface="Arial"/>
-        <a:ea typeface=""/>
-        <a:cs typeface=""/>
-        <a:font script="Jpan" typeface="ＭＳ Ｐゴシック"/>
-        <a:font script="Hang" typeface="맑은 고딕"/>
-        <a:font script="Hans" typeface="宋体"/>
-        <a:font script="Hant" typeface="新細明體"/>
-        <a:font script="Arab" typeface="Arial"/>
-        <a:font script="Hebr" typeface="Arial"/>
-        <a:font script="Thai" typeface="Cordia New"/>
-        <a:font script="Ethi" typeface="Nyala"/>
-        <a:font script="Beng" typeface="Vrinda"/>
-        <a:font script="Gujr" typeface="Shruti"/>
-        <a:font script="Khmr" typeface="DaunPenh"/>
-        <a:font script="Knda" typeface="Tunga"/>
-        <a:font script="Guru" typeface="Raavi"/>
-        <a:font script="Cans" typeface="Euphemia"/>
-        <a:font script="Cher" typeface="Plantagenet Cherokee"/>
-        <a:font script="Yiii" typeface="Microsoft Yi Baiti"/>
-        <a:font script="Tibt" typeface="Microsoft Himalaya"/>
-        <a:font script="Thaa" typeface="MV Boli"/>
-        <a:font script="Deva" typeface="Mangal"/>
-        <a:font script="Telu" typeface="Gautami"/>
-        <a:font script="Taml" typeface="Latha"/>
-        <a:font script="Syrc" typeface="Estrangelo Edessa"/>
-        <a:font script="Orya" typeface="Kalinga"/>
-        <a:font script="Mlym" typeface="Kartika"/>
-        <a:font script="Laoo" typeface="DokChampa"/>
-        <a:font script="Sinh" typeface="Iskoola Pota"/>
-        <a:font script="Mong" typeface="Mongolian Baiti"/>
-        <a:font script="Viet" typeface="Arial"/>
-        <a:font script="Uigh" typeface="Microsoft Uighur"/>
-        <a:font script="Geor" typeface="Sylfaen"/>
-      </a:minorFont>
-    </a:fontScheme>
-    <a:fmtScheme name="Office">
-      <a:fillStyleLst>
-        <a:solidFill>
-          <a:schemeClr val="phClr"/>
-        </a:solidFill>
-        <a:gradFill rotWithShape="1">
-          <a:gsLst>
-            <a:gs pos="0">
-              <a:schemeClr val="phClr">
-                <a:tint val="50000"/>
-                <a:satMod val="300000"/>
-              </a:schemeClr>
-            </a:gs>
-            <a:gs pos="35000">
-              <a:schemeClr val="phClr">
-                <a:tint val="37000"/>
-                <a:satMod val="300000"/>
-              </a:schemeClr>
-            </a:gs>
-            <a:gs pos="100000">
-              <a:schemeClr val="phClr">
-                <a:tint val="15000"/>
-                <a:satMod val="350000"/>
-              </a:schemeClr>
-            </a:gs>
-          </a:gsLst>
-          <a:lin ang="16200000" scaled="1"/>
-        </a:gradFill>
-        <a:gradFill rotWithShape="1">
-          <a:gsLst>
-            <a:gs pos="0">
-              <a:schemeClr val="phClr">
-                <a:tint val="100000"/>
-                <a:shade val="100000"/>
-                <a:satMod val="130000"/>
-              </a:schemeClr>
-            </a:gs>
-            <a:gs pos="100000">
-              <a:schemeClr val="phClr">
-                <a:tint val="50000"/>
-                <a:shade val="100000"/>
-                <a:satMod val="350000"/>
-              </a:schemeClr>
-            </a:gs>
-          </a:gsLst>
-          <a:lin ang="16200000" scaled="0"/>
-        </a:gradFill>
-      </a:fillStyleLst>
-      <a:lnStyleLst>
-        <a:ln w="9525" cap="flat" cmpd="sng" algn="ctr">
-          <a:solidFill>
-            <a:schemeClr val="phClr">
-              <a:shade val="95000"/>
-              <a:satMod val="105000"/>
-            </a:schemeClr>
-          </a:solidFill>
-          <a:prstDash val="solid"/>
-        </a:ln>
-        <a:ln w="25400" cap="flat" cmpd="sng" algn="ctr">
-          <a:solidFill>
-            <a:schemeClr val="phClr"/>
-          </a:solidFill>
-          <a:prstDash val="solid"/>
-        </a:ln>
-        <a:ln w="38100" cap="flat" cmpd="sng" algn="ctr">
-          <a:solidFill>
-            <a:schemeClr val="phClr"/>
-          </a:solidFill>
-          <a:prstDash val="solid"/>
-        </a:ln>
-      </a:lnStyleLst>
-      <a:effectStyleLst>
-        <a:effectStyle>
-          <a:effectLst>
-            <a:outerShdw blurRad="40000" dist="20000" dir="5400000" rotWithShape="0">
-              <a:srgbClr val="000000">
-                <a:alpha val="38000"/>
-              </a:srgbClr>
-            </a:outerShdw>
-          </a:effectLst>
-        </a:effectStyle>
-        <a:effectStyle>
-          <a:effectLst>
-            <a:outerShdw blurRad="40000" dist="23000" dir="5400000" rotWithShape="0">
-              <a:srgbClr val="000000">
-                <a:alpha val="35000"/>
-              </a:srgbClr>
-            </a:outerShdw>
-          </a:effectLst>
-        </a:effectStyle>
-        <a:effectStyle>
-          <a:effectLst>
-            <a:outerShdw blurRad="40000" dist="23000" dir="5400000" rotWithShape="0">
-              <a:srgbClr val="000000">
-                <a:alpha val="35000"/>
-              </a:srgbClr>
-            </a:outerShdw>
-          </a:effectLst>
-          <a:scene3d>
-            <a:camera prst="orthographicFront">
-              <a:rot lat="0" lon="0" rev="0"/>
-            </a:camera>
-            <a:lightRig rig="threePt" dir="t">
-              <a:rot lat="0" lon="0" rev="1200000"/>
-            </a:lightRig>
-          </a:scene3d>
-          <a:sp3d>
-            <a:bevelT w="63500" h="25400"/>
-          </a:sp3d>
-        </a:effectStyle>
-      </a:effectStyleLst>
-      <a:bgFillStyleLst>
-        <a:solidFill>
-          <a:schemeClr val="phClr"/>
-        </a:solidFill>
-        <a:gradFill rotWithShape="1">
-          <a:gsLst>
-            <a:gs pos="0">
-              <a:schemeClr val="phClr">
-                <a:tint val="40000"/>
-                <a:satMod val="350000"/>
-              </a:schemeClr>
-            </a:gs>
-            <a:gs pos="40000">
-              <a:schemeClr val="phClr">
-                <a:tint val="45000"/>
-                <a:shade val="99000"/>
-                <a:satMod val="350000"/>
-              </a:schemeClr>
-            </a:gs>
-            <a:gs pos="100000">
-              <a:schemeClr val="phClr">
-                <a:shade val="20000"/>
-                <a:satMod val="255000"/>
-              </a:schemeClr>
-            </a:gs>
-          </a:gsLst>
-          <a:path path="circle">
-            <a:fillToRect l="50000" t="-80000" r="50000" b="180000"/>
-          </a:path>
-        </a:gradFill>
-        <a:gradFill rotWithShape="1">
-          <a:gsLst>
-            <a:gs pos="0">
-              <a:schemeClr val="phClr">
-                <a:tint val="80000"/>
-                <a:satMod val="300000"/>
-              </a:schemeClr>
-            </a:gs>
-            <a:gs pos="100000">
-              <a:schemeClr val="phClr">
-                <a:shade val="30000"/>
-                <a:satMod val="200000"/>
-              </a:schemeClr>
-            </a:gs>
-          </a:gsLst>
-          <a:path path="circle">
-            <a:fillToRect l="50000" t="50000" r="50000" b="50000"/>
-          </a:path>
-        </a:gradFill>
-      </a:bgFillStyleLst>
-    </a:fmtScheme>
-  </a:themeElements>
+  <a:objectDefaults/>
+  <a:extraClrSchemeLst/>
 </a:theme>
 </file>
--- a/Research Project 2022 - Jay & Minh.pptx
+++ b/Research Project 2022 - Jay & Minh.pptx
@@ -1,46 +1,46 @@
 
 <file path=ppt/presentation.xml><?xml version="1.0" encoding="utf-8"?>
-<p:presentation xmlns:a="http://schemas.openxmlformats.org/drawingml/2006/main" xmlns:r="http://schemas.openxmlformats.org/officeDocument/2006/relationships" xmlns:p="http://schemas.openxmlformats.org/presentationml/2006/main" strictFirstAndLastChars="0" saveSubsetFonts="1" autoCompressPictures="0">
+<p:presentation xmlns:a="http://schemas.openxmlformats.org/drawingml/2006/main" xmlns:r="http://schemas.openxmlformats.org/officeDocument/2006/relationships" xmlns:mc="http://schemas.openxmlformats.org/markup-compatibility/2006" xmlns:mv="urn:schemas-microsoft-com:mac:vml" xmlns:p="http://schemas.openxmlformats.org/presentationml/2006/main" xmlns:c="http://schemas.openxmlformats.org/drawingml/2006/chart" xmlns:dgm="http://schemas.openxmlformats.org/drawingml/2006/diagram" xmlns:o="urn:schemas-microsoft-com:office:office" xmlns:v="urn:schemas-microsoft-com:vml" xmlns:pvml="urn:schemas-microsoft-com:office:powerpoint" xmlns:com="http://schemas.openxmlformats.org/drawingml/2006/compatibility" xmlns:p14="http://schemas.microsoft.com/office/powerpoint/2010/main" xmlns:p15="http://schemas.microsoft.com/office/powerpoint/2012/main" xmlns:ahyp="http://schemas.microsoft.com/office/drawing/2018/hyperlinkcolor" autoCompressPictures="0" strictFirstAndLastChars="0" saveSubsetFonts="1">
   <p:sldMasterIdLst>
-    <p:sldMasterId id="2147483659" r:id="rId1"/>
+    <p:sldMasterId id="2147483659" r:id="rId4"/>
   </p:sldMasterIdLst>
   <p:notesMasterIdLst>
-    <p:notesMasterId r:id="rId30"/>
+    <p:notesMasterId r:id="rId5"/>
   </p:notesMasterIdLst>
   <p:sldIdLst>
-    <p:sldId id="256" r:id="rId2"/>
-    <p:sldId id="257" r:id="rId3"/>
-    <p:sldId id="258" r:id="rId4"/>
-    <p:sldId id="259" r:id="rId5"/>
-    <p:sldId id="260" r:id="rId6"/>
-    <p:sldId id="261" r:id="rId7"/>
-    <p:sldId id="262" r:id="rId8"/>
-    <p:sldId id="263" r:id="rId9"/>
-    <p:sldId id="264" r:id="rId10"/>
-    <p:sldId id="265" r:id="rId11"/>
-    <p:sldId id="266" r:id="rId12"/>
-    <p:sldId id="267" r:id="rId13"/>
-    <p:sldId id="268" r:id="rId14"/>
-    <p:sldId id="269" r:id="rId15"/>
-    <p:sldId id="270" r:id="rId16"/>
-    <p:sldId id="271" r:id="rId17"/>
-    <p:sldId id="272" r:id="rId18"/>
-    <p:sldId id="273" r:id="rId19"/>
-    <p:sldId id="274" r:id="rId20"/>
-    <p:sldId id="275" r:id="rId21"/>
-    <p:sldId id="276" r:id="rId22"/>
-    <p:sldId id="277" r:id="rId23"/>
-    <p:sldId id="278" r:id="rId24"/>
-    <p:sldId id="279" r:id="rId25"/>
-    <p:sldId id="280" r:id="rId26"/>
-    <p:sldId id="281" r:id="rId27"/>
-    <p:sldId id="282" r:id="rId28"/>
-    <p:sldId id="283" r:id="rId29"/>
+    <p:sldId id="256" r:id="rId6"/>
+    <p:sldId id="257" r:id="rId7"/>
+    <p:sldId id="258" r:id="rId8"/>
+    <p:sldId id="259" r:id="rId9"/>
+    <p:sldId id="260" r:id="rId10"/>
+    <p:sldId id="261" r:id="rId11"/>
+    <p:sldId id="262" r:id="rId12"/>
+    <p:sldId id="263" r:id="rId13"/>
+    <p:sldId id="264" r:id="rId14"/>
+    <p:sldId id="265" r:id="rId15"/>
+    <p:sldId id="266" r:id="rId16"/>
+    <p:sldId id="267" r:id="rId17"/>
+    <p:sldId id="268" r:id="rId18"/>
+    <p:sldId id="269" r:id="rId19"/>
+    <p:sldId id="270" r:id="rId20"/>
+    <p:sldId id="271" r:id="rId21"/>
+    <p:sldId id="272" r:id="rId22"/>
+    <p:sldId id="273" r:id="rId23"/>
+    <p:sldId id="274" r:id="rId24"/>
+    <p:sldId id="275" r:id="rId25"/>
+    <p:sldId id="276" r:id="rId26"/>
+    <p:sldId id="277" r:id="rId27"/>
+    <p:sldId id="278" r:id="rId28"/>
+    <p:sldId id="279" r:id="rId29"/>
+    <p:sldId id="280" r:id="rId30"/>
+    <p:sldId id="281" r:id="rId31"/>
+    <p:sldId id="282" r:id="rId32"/>
+    <p:sldId id="283" r:id="rId33"/>
   </p:sldIdLst>
-  <p:sldSz cx="9144000" cy="5143500" type="screen16x9"/>
+  <p:sldSz cy="5143500" cx="9144000"/>
   <p:notesSz cx="6858000" cy="9144000"/>
   <p:defaultTextStyle>
-    <a:defPPr marR="0" lvl="0" algn="l" rtl="0">
+    <a:defPPr lvl="0" marR="0" rtl="0" algn="l">
       <a:lnSpc>
         <a:spcPct val="100000"/>
       </a:lnSpc>
@@ -51,7 +51,7 @@
         <a:spcPts val="0"/>
       </a:spcAft>
     </a:defPPr>
-    <a:lvl1pPr marR="0" lvl="0" algn="l" rtl="0">
+    <a:lvl1pPr lvl="0" marR="0" rtl="0" algn="l">
       <a:lnSpc>
         <a:spcPct val="100000"/>
       </a:lnSpc>
@@ -65,7 +65,7 @@
         <a:srgbClr val="000000"/>
       </a:buClr>
       <a:buFont typeface="Arial"/>
-      <a:defRPr sz="1400" b="0" i="0" u="none" strike="noStrike" cap="none">
+      <a:defRPr b="0" i="0" sz="1400" u="none" cap="none" strike="noStrike">
         <a:solidFill>
           <a:srgbClr val="000000"/>
         </a:solidFill>
@@ -75,7 +75,7 @@
         <a:sym typeface="Arial"/>
       </a:defRPr>
     </a:lvl1pPr>
-    <a:lvl2pPr marR="0" lvl="1" algn="l" rtl="0">
+    <a:lvl2pPr lvl="1" marR="0" rtl="0" algn="l">
       <a:lnSpc>
         <a:spcPct val="100000"/>
       </a:lnSpc>
@@ -89,7 +89,7 @@
         <a:srgbClr val="000000"/>
       </a:buClr>
       <a:buFont typeface="Arial"/>
-      <a:defRPr sz="1400" b="0" i="0" u="none" strike="noStrike" cap="none">
+      <a:defRPr b="0" i="0" sz="1400" u="none" cap="none" strike="noStrike">
         <a:solidFill>
           <a:srgbClr val="000000"/>
         </a:solidFill>
@@ -99,7 +99,7 @@
         <a:sym typeface="Arial"/>
       </a:defRPr>
     </a:lvl2pPr>
-    <a:lvl3pPr marR="0" lvl="2" algn="l" rtl="0">
+    <a:lvl3pPr lvl="2" marR="0" rtl="0" algn="l">
       <a:lnSpc>
         <a:spcPct val="100000"/>
       </a:lnSpc>
@@ -113,7 +113,7 @@
         <a:srgbClr val="000000"/>
       </a:buClr>
       <a:buFont typeface="Arial"/>
-      <a:defRPr sz="1400" b="0" i="0" u="none" strike="noStrike" cap="none">
+      <a:defRPr b="0" i="0" sz="1400" u="none" cap="none" strike="noStrike">
         <a:solidFill>
           <a:srgbClr val="000000"/>
         </a:solidFill>
@@ -123,7 +123,7 @@
         <a:sym typeface="Arial"/>
       </a:defRPr>
     </a:lvl3pPr>
-    <a:lvl4pPr marR="0" lvl="3" algn="l" rtl="0">
+    <a:lvl4pPr lvl="3" marR="0" rtl="0" algn="l">
       <a:lnSpc>
         <a:spcPct val="100000"/>
       </a:lnSpc>
@@ -137,7 +137,7 @@
         <a:srgbClr val="000000"/>
       </a:buClr>
       <a:buFont typeface="Arial"/>
-      <a:defRPr sz="1400" b="0" i="0" u="none" strike="noStrike" cap="none">
+      <a:defRPr b="0" i="0" sz="1400" u="none" cap="none" strike="noStrike">
         <a:solidFill>
           <a:srgbClr val="000000"/>
         </a:solidFill>
@@ -147,7 +147,7 @@
         <a:sym typeface="Arial"/>
       </a:defRPr>
     </a:lvl4pPr>
-    <a:lvl5pPr marR="0" lvl="4" algn="l" rtl="0">
+    <a:lvl5pPr lvl="4" marR="0" rtl="0" algn="l">
       <a:lnSpc>
         <a:spcPct val="100000"/>
       </a:lnSpc>
@@ -161,7 +161,7 @@
         <a:srgbClr val="000000"/>
       </a:buClr>
       <a:buFont typeface="Arial"/>
-      <a:defRPr sz="1400" b="0" i="0" u="none" strike="noStrike" cap="none">
+      <a:defRPr b="0" i="0" sz="1400" u="none" cap="none" strike="noStrike">
         <a:solidFill>
           <a:srgbClr val="000000"/>
         </a:solidFill>
@@ -171,7 +171,7 @@
         <a:sym typeface="Arial"/>
       </a:defRPr>
     </a:lvl5pPr>
-    <a:lvl6pPr marR="0" lvl="5" algn="l" rtl="0">
+    <a:lvl6pPr lvl="5" marR="0" rtl="0" algn="l">
       <a:lnSpc>
         <a:spcPct val="100000"/>
       </a:lnSpc>
@@ -185,7 +185,7 @@
         <a:srgbClr val="000000"/>
       </a:buClr>
       <a:buFont typeface="Arial"/>
-      <a:defRPr sz="1400" b="0" i="0" u="none" strike="noStrike" cap="none">
+      <a:defRPr b="0" i="0" sz="1400" u="none" cap="none" strike="noStrike">
         <a:solidFill>
           <a:srgbClr val="000000"/>
         </a:solidFill>
@@ -195,7 +195,7 @@
         <a:sym typeface="Arial"/>
       </a:defRPr>
     </a:lvl6pPr>
-    <a:lvl7pPr marR="0" lvl="6" algn="l" rtl="0">
+    <a:lvl7pPr lvl="6" marR="0" rtl="0" algn="l">
       <a:lnSpc>
         <a:spcPct val="100000"/>
       </a:lnSpc>
@@ -209,7 +209,7 @@
         <a:srgbClr val="000000"/>
       </a:buClr>
       <a:buFont typeface="Arial"/>
-      <a:defRPr sz="1400" b="0" i="0" u="none" strike="noStrike" cap="none">
+      <a:defRPr b="0" i="0" sz="1400" u="none" cap="none" strike="noStrike">
         <a:solidFill>
           <a:srgbClr val="000000"/>
         </a:solidFill>
@@ -219,7 +219,7 @@
         <a:sym typeface="Arial"/>
       </a:defRPr>
     </a:lvl7pPr>
-    <a:lvl8pPr marR="0" lvl="7" algn="l" rtl="0">
+    <a:lvl8pPr lvl="7" marR="0" rtl="0" algn="l">
       <a:lnSpc>
         <a:spcPct val="100000"/>
       </a:lnSpc>
@@ -233,7 +233,7 @@
         <a:srgbClr val="000000"/>
       </a:buClr>
       <a:buFont typeface="Arial"/>
-      <a:defRPr sz="1400" b="0" i="0" u="none" strike="noStrike" cap="none">
+      <a:defRPr b="0" i="0" sz="1400" u="none" cap="none" strike="noStrike">
         <a:solidFill>
           <a:srgbClr val="000000"/>
         </a:solidFill>
@@ -243,7 +243,7 @@
         <a:sym typeface="Arial"/>
       </a:defRPr>
     </a:lvl8pPr>
-    <a:lvl9pPr marR="0" lvl="8" algn="l" rtl="0">
+    <a:lvl9pPr lvl="8" marR="0" rtl="0" algn="l">
       <a:lnSpc>
         <a:spcPct val="100000"/>
       </a:lnSpc>
@@ -257,7 +257,7 @@
         <a:srgbClr val="000000"/>
       </a:buClr>
       <a:buFont typeface="Arial"/>
-      <a:defRPr sz="1400" b="0" i="0" u="none" strike="noStrike" cap="none">
+      <a:defRPr b="0" i="0" sz="1400" u="none" cap="none" strike="noStrike">
         <a:solidFill>
           <a:srgbClr val="000000"/>
         </a:solidFill>
@@ -270,7 +270,7 @@
   </p:defaultTextStyle>
   <p:extLst>
     <p:ext uri="{EFAFB233-063F-42B5-8137-9DF3F51BA10A}">
-      <p15:sldGuideLst xmlns:p15="http://schemas.microsoft.com/office/powerpoint/2012/main">
+      <p15:sldGuideLst>
         <p15:guide id="1" orient="horz" pos="1620">
           <p15:clr>
             <a:srgbClr val="A4A3A4"/>
@@ -288,16 +288,11 @@
 </file>
 
 <file path=ppt/notesMasters/notesMaster1.xml><?xml version="1.0" encoding="utf-8"?>
-<p:notesMaster xmlns:a="http://schemas.openxmlformats.org/drawingml/2006/main" xmlns:r="http://schemas.openxmlformats.org/officeDocument/2006/relationships" xmlns:p="http://schemas.openxmlformats.org/presentationml/2006/main">
+<p:notesMaster xmlns:a="http://schemas.openxmlformats.org/drawingml/2006/main" xmlns:r="http://schemas.openxmlformats.org/officeDocument/2006/relationships" xmlns:mc="http://schemas.openxmlformats.org/markup-compatibility/2006" xmlns:mv="urn:schemas-microsoft-com:mac:vml" xmlns:p="http://schemas.openxmlformats.org/presentationml/2006/main" xmlns:c="http://schemas.openxmlformats.org/drawingml/2006/chart" xmlns:dgm="http://schemas.openxmlformats.org/drawingml/2006/diagram" xmlns:o="urn:schemas-microsoft-com:office:office" xmlns:v="urn:schemas-microsoft-com:vml" xmlns:pvml="urn:schemas-microsoft-com:office:powerpoint" xmlns:com="http://schemas.openxmlformats.org/drawingml/2006/compatibility" xmlns:p14="http://schemas.microsoft.com/office/powerpoint/2010/main" xmlns:p15="http://schemas.microsoft.com/office/powerpoint/2012/main" xmlns:ahyp="http://schemas.microsoft.com/office/drawing/2018/hyperlinkcolor">
   <p:cSld>
-    <p:bg>
-      <p:bgRef idx="1001">
-        <a:schemeClr val="bg1"/>
-      </p:bgRef>
-    </p:bg>
     <p:spTree>
       <p:nvGrpSpPr>
-        <p:cNvPr id="1" name="Shape 2"/>
+        <p:cNvPr id="2" name="Shape 2"/>
         <p:cNvGrpSpPr/>
         <p:nvPr/>
       </p:nvGrpSpPr>
@@ -312,11 +307,9 @@
       <p:sp>
         <p:nvSpPr>
           <p:cNvPr id="3" name="Google Shape;3;n"/>
-          <p:cNvSpPr>
-            <a:spLocks noGrp="1" noRot="1" noChangeAspect="1"/>
-          </p:cNvSpPr>
-          <p:nvPr>
-            <p:ph type="sldImg" idx="2"/>
+          <p:cNvSpPr/>
+          <p:nvPr>
+            <p:ph idx="2" type="sldImg"/>
           </p:nvPr>
         </p:nvSpPr>
         <p:spPr>
@@ -325,13 +318,9 @@
             <a:ext cx="6096075" cy="3429000"/>
           </a:xfrm>
           <a:custGeom>
-            <a:avLst/>
-            <a:gdLst/>
-            <a:ahLst/>
-            <a:cxnLst/>
-            <a:rect l="l" t="t" r="r" b="b"/>
+            <a:rect b="b" l="l" r="r" t="t"/>
             <a:pathLst>
-              <a:path w="120000" h="120000" extrusionOk="0">
+              <a:path extrusionOk="0" h="120000" w="120000">
                 <a:moveTo>
                   <a:pt x="0" y="0"/>
                 </a:moveTo>
@@ -349,25 +338,23 @@
             </a:pathLst>
           </a:custGeom>
           <a:noFill/>
-          <a:ln w="9525" cap="flat" cmpd="sng">
+          <a:ln cap="flat" cmpd="sng" w="9525">
             <a:solidFill>
               <a:srgbClr val="000000"/>
             </a:solidFill>
             <a:prstDash val="solid"/>
             <a:round/>
-            <a:headEnd type="none" w="sm" len="sm"/>
-            <a:tailEnd type="none" w="sm" len="sm"/>
+            <a:headEnd len="sm" w="sm" type="none"/>
+            <a:tailEnd len="sm" w="sm" type="none"/>
           </a:ln>
         </p:spPr>
       </p:sp>
       <p:sp>
         <p:nvSpPr>
           <p:cNvPr id="4" name="Google Shape;4;n"/>
-          <p:cNvSpPr txBox="1">
-            <a:spLocks noGrp="1"/>
-          </p:cNvSpPr>
-          <p:nvPr>
-            <p:ph type="body" idx="1"/>
+          <p:cNvSpPr txBox="1"/>
+          <p:nvPr>
+            <p:ph idx="1" type="body"/>
           </p:nvPr>
         </p:nvSpPr>
         <p:spPr>
@@ -384,11 +371,11 @@
           </a:ln>
         </p:spPr>
         <p:txBody>
-          <a:bodyPr spcFirstLastPara="1" wrap="square" lIns="91425" tIns="91425" rIns="91425" bIns="91425" anchor="t" anchorCtr="0">
+          <a:bodyPr anchorCtr="0" anchor="t" bIns="91425" lIns="91425" spcFirstLastPara="1" rIns="91425" wrap="square" tIns="91425">
             <a:noAutofit/>
           </a:bodyPr>
           <a:lstStyle>
-            <a:lvl1pPr marL="457200" lvl="0" indent="-298450">
+            <a:lvl1pPr indent="-298450" lvl="0" marL="457200">
               <a:spcBef>
                 <a:spcPts val="0"/>
               </a:spcBef>
@@ -399,7 +386,7 @@
               <a:buChar char="●"/>
               <a:defRPr sz="1100"/>
             </a:lvl1pPr>
-            <a:lvl2pPr marL="914400" lvl="1" indent="-298450">
+            <a:lvl2pPr indent="-298450" lvl="1" marL="914400">
               <a:spcBef>
                 <a:spcPts val="0"/>
               </a:spcBef>
@@ -410,7 +397,7 @@
               <a:buChar char="○"/>
               <a:defRPr sz="1100"/>
             </a:lvl2pPr>
-            <a:lvl3pPr marL="1371600" lvl="2" indent="-298450">
+            <a:lvl3pPr indent="-298450" lvl="2" marL="1371600">
               <a:spcBef>
                 <a:spcPts val="0"/>
               </a:spcBef>
@@ -421,7 +408,7 @@
               <a:buChar char="■"/>
               <a:defRPr sz="1100"/>
             </a:lvl3pPr>
-            <a:lvl4pPr marL="1828800" lvl="3" indent="-298450">
+            <a:lvl4pPr indent="-298450" lvl="3" marL="1828800">
               <a:spcBef>
                 <a:spcPts val="0"/>
               </a:spcBef>
@@ -432,7 +419,7 @@
               <a:buChar char="●"/>
               <a:defRPr sz="1100"/>
             </a:lvl4pPr>
-            <a:lvl5pPr marL="2286000" lvl="4" indent="-298450">
+            <a:lvl5pPr indent="-298450" lvl="4" marL="2286000">
               <a:spcBef>
                 <a:spcPts val="0"/>
               </a:spcBef>
@@ -443,7 +430,7 @@
               <a:buChar char="○"/>
               <a:defRPr sz="1100"/>
             </a:lvl5pPr>
-            <a:lvl6pPr marL="2743200" lvl="5" indent="-298450">
+            <a:lvl6pPr indent="-298450" lvl="5" marL="2743200">
               <a:spcBef>
                 <a:spcPts val="0"/>
               </a:spcBef>
@@ -454,7 +441,7 @@
               <a:buChar char="■"/>
               <a:defRPr sz="1100"/>
             </a:lvl6pPr>
-            <a:lvl7pPr marL="3200400" lvl="6" indent="-298450">
+            <a:lvl7pPr indent="-298450" lvl="6" marL="3200400">
               <a:spcBef>
                 <a:spcPts val="0"/>
               </a:spcBef>
@@ -465,7 +452,7 @@
               <a:buChar char="●"/>
               <a:defRPr sz="1100"/>
             </a:lvl7pPr>
-            <a:lvl8pPr marL="3657600" lvl="7" indent="-298450">
+            <a:lvl8pPr indent="-298450" lvl="7" marL="3657600">
               <a:spcBef>
                 <a:spcPts val="0"/>
               </a:spcBef>
@@ -476,7 +463,7 @@
               <a:buChar char="○"/>
               <a:defRPr sz="1100"/>
             </a:lvl8pPr>
-            <a:lvl9pPr marL="4114800" lvl="8" indent="-298450">
+            <a:lvl9pPr indent="-298450" lvl="8" marL="4114800">
               <a:spcBef>
                 <a:spcPts val="0"/>
               </a:spcBef>
@@ -488,16 +475,14 @@
               <a:defRPr sz="1100"/>
             </a:lvl9pPr>
           </a:lstStyle>
-          <a:p>
-            <a:endParaRPr/>
-          </a:p>
+          <a:p/>
         </p:txBody>
       </p:sp>
     </p:spTree>
   </p:cSld>
-  <p:clrMap bg1="lt1" tx1="dk1" bg2="dk2" tx2="lt2" accent1="accent1" accent2="accent2" accent3="accent3" accent4="accent4" accent5="accent5" accent6="accent6" hlink="hlink" folHlink="folHlink"/>
+  <p:clrMap accent1="accent1" accent2="accent2" accent3="accent3" accent4="accent4" accent5="accent5" accent6="accent6" bg1="lt1" bg2="dk2" tx1="dk1" tx2="lt2" folHlink="folHlink" hlink="hlink"/>
   <p:notesStyle>
-    <a:defPPr marR="0" lvl="0" algn="l" rtl="0">
+    <a:defPPr lvl="0" marR="0" rtl="0" algn="l">
       <a:lnSpc>
         <a:spcPct val="100000"/>
       </a:lnSpc>
@@ -508,7 +493,7 @@
         <a:spcPts val="0"/>
       </a:spcAft>
     </a:defPPr>
-    <a:lvl1pPr marR="0" lvl="0" algn="l" rtl="0">
+    <a:lvl1pPr lvl="0" marR="0" rtl="0" algn="l">
       <a:lnSpc>
         <a:spcPct val="100000"/>
       </a:lnSpc>
@@ -522,7 +507,7 @@
         <a:srgbClr val="000000"/>
       </a:buClr>
       <a:buFont typeface="Arial"/>
-      <a:defRPr sz="1400" b="0" i="0" u="none" strike="noStrike" cap="none">
+      <a:defRPr b="0" i="0" sz="1400" u="none" cap="none" strike="noStrike">
         <a:solidFill>
           <a:srgbClr val="000000"/>
         </a:solidFill>
@@ -532,7 +517,7 @@
         <a:sym typeface="Arial"/>
       </a:defRPr>
     </a:lvl1pPr>
-    <a:lvl2pPr marR="0" lvl="1" algn="l" rtl="0">
+    <a:lvl2pPr lvl="1" marR="0" rtl="0" algn="l">
       <a:lnSpc>
         <a:spcPct val="100000"/>
       </a:lnSpc>
@@ -546,7 +531,7 @@
         <a:srgbClr val="000000"/>
       </a:buClr>
       <a:buFont typeface="Arial"/>
-      <a:defRPr sz="1400" b="0" i="0" u="none" strike="noStrike" cap="none">
+      <a:defRPr b="0" i="0" sz="1400" u="none" cap="none" strike="noStrike">
         <a:solidFill>
           <a:srgbClr val="000000"/>
         </a:solidFill>
@@ -556,7 +541,7 @@
         <a:sym typeface="Arial"/>
       </a:defRPr>
     </a:lvl2pPr>
-    <a:lvl3pPr marR="0" lvl="2" algn="l" rtl="0">
+    <a:lvl3pPr lvl="2" marR="0" rtl="0" algn="l">
       <a:lnSpc>
         <a:spcPct val="100000"/>
       </a:lnSpc>
@@ -570,7 +555,7 @@
         <a:srgbClr val="000000"/>
       </a:buClr>
       <a:buFont typeface="Arial"/>
-      <a:defRPr sz="1400" b="0" i="0" u="none" strike="noStrike" cap="none">
+      <a:defRPr b="0" i="0" sz="1400" u="none" cap="none" strike="noStrike">
         <a:solidFill>
           <a:srgbClr val="000000"/>
         </a:solidFill>
@@ -580,7 +565,7 @@
         <a:sym typeface="Arial"/>
       </a:defRPr>
     </a:lvl3pPr>
-    <a:lvl4pPr marR="0" lvl="3" algn="l" rtl="0">
+    <a:lvl4pPr lvl="3" marR="0" rtl="0" algn="l">
       <a:lnSpc>
         <a:spcPct val="100000"/>
       </a:lnSpc>
@@ -594,7 +579,7 @@
         <a:srgbClr val="000000"/>
       </a:buClr>
       <a:buFont typeface="Arial"/>
-      <a:defRPr sz="1400" b="0" i="0" u="none" strike="noStrike" cap="none">
+      <a:defRPr b="0" i="0" sz="1400" u="none" cap="none" strike="noStrike">
         <a:solidFill>
           <a:srgbClr val="000000"/>
         </a:solidFill>
@@ -604,7 +589,7 @@
         <a:sym typeface="Arial"/>
       </a:defRPr>
     </a:lvl4pPr>
-    <a:lvl5pPr marR="0" lvl="4" algn="l" rtl="0">
+    <a:lvl5pPr lvl="4" marR="0" rtl="0" algn="l">
       <a:lnSpc>
         <a:spcPct val="100000"/>
       </a:lnSpc>
@@ -618,7 +603,7 @@
         <a:srgbClr val="000000"/>
       </a:buClr>
       <a:buFont typeface="Arial"/>
-      <a:defRPr sz="1400" b="0" i="0" u="none" strike="noStrike" cap="none">
+      <a:defRPr b="0" i="0" sz="1400" u="none" cap="none" strike="noStrike">
         <a:solidFill>
           <a:srgbClr val="000000"/>
         </a:solidFill>
@@ -628,7 +613,7 @@
         <a:sym typeface="Arial"/>
       </a:defRPr>
     </a:lvl5pPr>
-    <a:lvl6pPr marR="0" lvl="5" algn="l" rtl="0">
+    <a:lvl6pPr lvl="5" marR="0" rtl="0" algn="l">
       <a:lnSpc>
         <a:spcPct val="100000"/>
       </a:lnSpc>
@@ -642,7 +627,7 @@
         <a:srgbClr val="000000"/>
       </a:buClr>
       <a:buFont typeface="Arial"/>
-      <a:defRPr sz="1400" b="0" i="0" u="none" strike="noStrike" cap="none">
+      <a:defRPr b="0" i="0" sz="1400" u="none" cap="none" strike="noStrike">
         <a:solidFill>
           <a:srgbClr val="000000"/>
         </a:solidFill>
@@ -652,7 +637,7 @@
         <a:sym typeface="Arial"/>
       </a:defRPr>
     </a:lvl6pPr>
-    <a:lvl7pPr marR="0" lvl="6" algn="l" rtl="0">
+    <a:lvl7pPr lvl="6" marR="0" rtl="0" algn="l">
       <a:lnSpc>
         <a:spcPct val="100000"/>
       </a:lnSpc>
@@ -666,7 +651,7 @@
         <a:srgbClr val="000000"/>
       </a:buClr>
       <a:buFont typeface="Arial"/>
-      <a:defRPr sz="1400" b="0" i="0" u="none" strike="noStrike" cap="none">
+      <a:defRPr b="0" i="0" sz="1400" u="none" cap="none" strike="noStrike">
         <a:solidFill>
           <a:srgbClr val="000000"/>
         </a:solidFill>
@@ -676,7 +661,7 @@
         <a:sym typeface="Arial"/>
       </a:defRPr>
     </a:lvl7pPr>
-    <a:lvl8pPr marR="0" lvl="7" algn="l" rtl="0">
+    <a:lvl8pPr lvl="7" marR="0" rtl="0" algn="l">
       <a:lnSpc>
         <a:spcPct val="100000"/>
       </a:lnSpc>
@@ -690,7 +675,7 @@
         <a:srgbClr val="000000"/>
       </a:buClr>
       <a:buFont typeface="Arial"/>
-      <a:defRPr sz="1400" b="0" i="0" u="none" strike="noStrike" cap="none">
+      <a:defRPr b="0" i="0" sz="1400" u="none" cap="none" strike="noStrike">
         <a:solidFill>
           <a:srgbClr val="000000"/>
         </a:solidFill>
@@ -700,7 +685,7 @@
         <a:sym typeface="Arial"/>
       </a:defRPr>
     </a:lvl8pPr>
-    <a:lvl9pPr marR="0" lvl="8" algn="l" rtl="0">
+    <a:lvl9pPr lvl="8" marR="0" rtl="0" algn="l">
       <a:lnSpc>
         <a:spcPct val="100000"/>
       </a:lnSpc>
@@ -714,7 +699,7 @@
         <a:srgbClr val="000000"/>
       </a:buClr>
       <a:buFont typeface="Arial"/>
-      <a:defRPr sz="1400" b="0" i="0" u="none" strike="noStrike" cap="none">
+      <a:defRPr b="0" i="0" sz="1400" u="none" cap="none" strike="noStrike">
         <a:solidFill>
           <a:srgbClr val="000000"/>
         </a:solidFill>
@@ -729,11 +714,11 @@
 </file>
 
 <file path=ppt/notesSlides/notesSlide1.xml><?xml version="1.0" encoding="utf-8"?>
-<p:notes xmlns:a="http://schemas.openxmlformats.org/drawingml/2006/main" xmlns:r="http://schemas.openxmlformats.org/officeDocument/2006/relationships" xmlns:p="http://schemas.openxmlformats.org/presentationml/2006/main" showMasterSp="0" showMasterPhAnim="0">
+<p:notes xmlns:a="http://schemas.openxmlformats.org/drawingml/2006/main" xmlns:r="http://schemas.openxmlformats.org/officeDocument/2006/relationships" xmlns:mc="http://schemas.openxmlformats.org/markup-compatibility/2006" xmlns:mv="urn:schemas-microsoft-com:mac:vml" xmlns:p="http://schemas.openxmlformats.org/presentationml/2006/main" xmlns:c="http://schemas.openxmlformats.org/drawingml/2006/chart" xmlns:dgm="http://schemas.openxmlformats.org/drawingml/2006/diagram" xmlns:o="urn:schemas-microsoft-com:office:office" xmlns:v="urn:schemas-microsoft-com:vml" xmlns:pvml="urn:schemas-microsoft-com:office:powerpoint" xmlns:com="http://schemas.openxmlformats.org/drawingml/2006/compatibility" xmlns:p14="http://schemas.microsoft.com/office/powerpoint/2010/main" xmlns:p15="http://schemas.microsoft.com/office/powerpoint/2012/main" xmlns:ahyp="http://schemas.microsoft.com/office/drawing/2018/hyperlinkcolor" showMasterPhAnim="0" showMasterSp="0">
   <p:cSld>
     <p:spTree>
       <p:nvGrpSpPr>
-        <p:cNvPr id="1" name="Shape 50"/>
+        <p:cNvPr id="50" name="Shape 50"/>
         <p:cNvGrpSpPr/>
         <p:nvPr/>
       </p:nvGrpSpPr>
@@ -748,11 +733,9 @@
       <p:sp>
         <p:nvSpPr>
           <p:cNvPr id="51" name="Google Shape;51;p:notes"/>
-          <p:cNvSpPr>
-            <a:spLocks noGrp="1" noRot="1" noChangeAspect="1"/>
-          </p:cNvSpPr>
-          <p:nvPr>
-            <p:ph type="sldImg" idx="2"/>
+          <p:cNvSpPr/>
+          <p:nvPr>
+            <p:ph idx="2" type="sldImg"/>
           </p:nvPr>
         </p:nvSpPr>
         <p:spPr>
@@ -761,13 +744,9 @@
             <a:ext cx="6096075" cy="3429000"/>
           </a:xfrm>
           <a:custGeom>
-            <a:avLst/>
-            <a:gdLst/>
-            <a:ahLst/>
-            <a:cxnLst/>
-            <a:rect l="l" t="t" r="r" b="b"/>
+            <a:rect b="b" l="l" r="r" t="t"/>
             <a:pathLst>
-              <a:path w="120000" h="120000" extrusionOk="0">
+              <a:path extrusionOk="0" h="120000" w="120000">
                 <a:moveTo>
                   <a:pt x="0" y="0"/>
                 </a:moveTo>
@@ -789,11 +768,9 @@
       <p:sp>
         <p:nvSpPr>
           <p:cNvPr id="52" name="Google Shape;52;p:notes"/>
-          <p:cNvSpPr txBox="1">
-            <a:spLocks noGrp="1"/>
-          </p:cNvSpPr>
-          <p:nvPr>
-            <p:ph type="body" idx="1"/>
+          <p:cNvSpPr txBox="1"/>
+          <p:nvPr>
+            <p:ph idx="1" type="body"/>
           </p:nvPr>
         </p:nvSpPr>
         <p:spPr>
@@ -806,20 +783,23 @@
           </a:prstGeom>
         </p:spPr>
         <p:txBody>
-          <a:bodyPr spcFirstLastPara="1" wrap="square" lIns="91425" tIns="91425" rIns="91425" bIns="91425" anchor="t" anchorCtr="0">
+          <a:bodyPr anchorCtr="0" anchor="t" bIns="91425" lIns="91425" spcFirstLastPara="1" rIns="91425" wrap="square" tIns="91425">
             <a:noAutofit/>
           </a:bodyPr>
           <a:lstStyle/>
           <a:p>
-            <a:pPr marL="0" lvl="0" indent="0" algn="l" rtl="0">
-              <a:spcBef>
-                <a:spcPts val="0"/>
-              </a:spcBef>
-              <a:spcAft>
-                <a:spcPts val="0"/>
-              </a:spcAft>
-              <a:buNone/>
-            </a:pPr>
+            <a:pPr indent="0" lvl="0" marL="0" rtl="0" algn="l">
+              <a:spcBef>
+                <a:spcPts val="0"/>
+              </a:spcBef>
+              <a:spcAft>
+                <a:spcPts val="0"/>
+              </a:spcAft>
+              <a:buNone/>
+            </a:pPr>
+            <a:r>
+              <a:t/>
+            </a:r>
             <a:endParaRPr/>
           </a:p>
         </p:txBody>
@@ -833,11 +813,11 @@
 </file>
 
 <file path=ppt/notesSlides/notesSlide10.xml><?xml version="1.0" encoding="utf-8"?>
-<p:notes xmlns:a="http://schemas.openxmlformats.org/drawingml/2006/main" xmlns:r="http://schemas.openxmlformats.org/officeDocument/2006/relationships" xmlns:p="http://schemas.openxmlformats.org/presentationml/2006/main" showMasterSp="0" showMasterPhAnim="0">
+<p:notes xmlns:a="http://schemas.openxmlformats.org/drawingml/2006/main" xmlns:r="http://schemas.openxmlformats.org/officeDocument/2006/relationships" xmlns:mc="http://schemas.openxmlformats.org/markup-compatibility/2006" xmlns:mv="urn:schemas-microsoft-com:mac:vml" xmlns:p="http://schemas.openxmlformats.org/presentationml/2006/main" xmlns:c="http://schemas.openxmlformats.org/drawingml/2006/chart" xmlns:dgm="http://schemas.openxmlformats.org/drawingml/2006/diagram" xmlns:o="urn:schemas-microsoft-com:office:office" xmlns:v="urn:schemas-microsoft-com:vml" xmlns:pvml="urn:schemas-microsoft-com:office:powerpoint" xmlns:com="http://schemas.openxmlformats.org/drawingml/2006/compatibility" xmlns:p14="http://schemas.microsoft.com/office/powerpoint/2010/main" xmlns:p15="http://schemas.microsoft.com/office/powerpoint/2012/main" xmlns:ahyp="http://schemas.microsoft.com/office/drawing/2018/hyperlinkcolor" showMasterPhAnim="0" showMasterSp="0">
   <p:cSld>
     <p:spTree>
       <p:nvGrpSpPr>
-        <p:cNvPr id="1" name="Shape 120"/>
+        <p:cNvPr id="120" name="Shape 120"/>
         <p:cNvGrpSpPr/>
         <p:nvPr/>
       </p:nvGrpSpPr>
@@ -852,11 +832,9 @@
       <p:sp>
         <p:nvSpPr>
           <p:cNvPr id="121" name="Google Shape;121;g1152e44ef54_0_14:notes"/>
-          <p:cNvSpPr>
-            <a:spLocks noGrp="1" noRot="1" noChangeAspect="1"/>
-          </p:cNvSpPr>
-          <p:nvPr>
-            <p:ph type="sldImg" idx="2"/>
+          <p:cNvSpPr/>
+          <p:nvPr>
+            <p:ph idx="2" type="sldImg"/>
           </p:nvPr>
         </p:nvSpPr>
         <p:spPr>
@@ -865,13 +843,9 @@
             <a:ext cx="6096000" cy="3429000"/>
           </a:xfrm>
           <a:custGeom>
-            <a:avLst/>
-            <a:gdLst/>
-            <a:ahLst/>
-            <a:cxnLst/>
-            <a:rect l="l" t="t" r="r" b="b"/>
+            <a:rect b="b" l="l" r="r" t="t"/>
             <a:pathLst>
-              <a:path w="120000" h="120000" extrusionOk="0">
+              <a:path extrusionOk="0" h="120000" w="120000">
                 <a:moveTo>
                   <a:pt x="0" y="0"/>
                 </a:moveTo>
@@ -893,11 +867,9 @@
       <p:sp>
         <p:nvSpPr>
           <p:cNvPr id="122" name="Google Shape;122;g1152e44ef54_0_14:notes"/>
-          <p:cNvSpPr txBox="1">
-            <a:spLocks noGrp="1"/>
-          </p:cNvSpPr>
-          <p:nvPr>
-            <p:ph type="body" idx="1"/>
+          <p:cNvSpPr txBox="1"/>
+          <p:nvPr>
+            <p:ph idx="1" type="body"/>
           </p:nvPr>
         </p:nvSpPr>
         <p:spPr>
@@ -910,20 +882,23 @@
           </a:prstGeom>
         </p:spPr>
         <p:txBody>
-          <a:bodyPr spcFirstLastPara="1" wrap="square" lIns="91425" tIns="91425" rIns="91425" bIns="91425" anchor="t" anchorCtr="0">
+          <a:bodyPr anchorCtr="0" anchor="t" bIns="91425" lIns="91425" spcFirstLastPara="1" rIns="91425" wrap="square" tIns="91425">
             <a:noAutofit/>
           </a:bodyPr>
           <a:lstStyle/>
           <a:p>
-            <a:pPr marL="0" lvl="0" indent="0" algn="l" rtl="0">
-              <a:spcBef>
-                <a:spcPts val="0"/>
-              </a:spcBef>
-              <a:spcAft>
-                <a:spcPts val="0"/>
-              </a:spcAft>
-              <a:buNone/>
-            </a:pPr>
+            <a:pPr indent="0" lvl="0" marL="0" rtl="0" algn="l">
+              <a:spcBef>
+                <a:spcPts val="0"/>
+              </a:spcBef>
+              <a:spcAft>
+                <a:spcPts val="0"/>
+              </a:spcAft>
+              <a:buNone/>
+            </a:pPr>
+            <a:r>
+              <a:t/>
+            </a:r>
             <a:endParaRPr/>
           </a:p>
         </p:txBody>
@@ -937,11 +912,11 @@
 </file>
 
 <file path=ppt/notesSlides/notesSlide11.xml><?xml version="1.0" encoding="utf-8"?>
-<p:notes xmlns:a="http://schemas.openxmlformats.org/drawingml/2006/main" xmlns:r="http://schemas.openxmlformats.org/officeDocument/2006/relationships" xmlns:p="http://schemas.openxmlformats.org/presentationml/2006/main" showMasterSp="0" showMasterPhAnim="0">
+<p:notes xmlns:a="http://schemas.openxmlformats.org/drawingml/2006/main" xmlns:r="http://schemas.openxmlformats.org/officeDocument/2006/relationships" xmlns:mc="http://schemas.openxmlformats.org/markup-compatibility/2006" xmlns:mv="urn:schemas-microsoft-com:mac:vml" xmlns:p="http://schemas.openxmlformats.org/presentationml/2006/main" xmlns:c="http://schemas.openxmlformats.org/drawingml/2006/chart" xmlns:dgm="http://schemas.openxmlformats.org/drawingml/2006/diagram" xmlns:o="urn:schemas-microsoft-com:office:office" xmlns:v="urn:schemas-microsoft-com:vml" xmlns:pvml="urn:schemas-microsoft-com:office:powerpoint" xmlns:com="http://schemas.openxmlformats.org/drawingml/2006/compatibility" xmlns:p14="http://schemas.microsoft.com/office/powerpoint/2010/main" xmlns:p15="http://schemas.microsoft.com/office/powerpoint/2012/main" xmlns:ahyp="http://schemas.microsoft.com/office/drawing/2018/hyperlinkcolor" showMasterPhAnim="0" showMasterSp="0">
   <p:cSld>
     <p:spTree>
       <p:nvGrpSpPr>
-        <p:cNvPr id="1" name="Shape 128"/>
+        <p:cNvPr id="128" name="Shape 128"/>
         <p:cNvGrpSpPr/>
         <p:nvPr/>
       </p:nvGrpSpPr>
@@ -956,11 +931,9 @@
       <p:sp>
         <p:nvSpPr>
           <p:cNvPr id="129" name="Google Shape;129;g115637626fa_0_95:notes"/>
-          <p:cNvSpPr>
-            <a:spLocks noGrp="1" noRot="1" noChangeAspect="1"/>
-          </p:cNvSpPr>
-          <p:nvPr>
-            <p:ph type="sldImg" idx="2"/>
+          <p:cNvSpPr/>
+          <p:nvPr>
+            <p:ph idx="2" type="sldImg"/>
           </p:nvPr>
         </p:nvSpPr>
         <p:spPr>
@@ -969,13 +942,9 @@
             <a:ext cx="6096000" cy="3429000"/>
           </a:xfrm>
           <a:custGeom>
-            <a:avLst/>
-            <a:gdLst/>
-            <a:ahLst/>
-            <a:cxnLst/>
-            <a:rect l="l" t="t" r="r" b="b"/>
+            <a:rect b="b" l="l" r="r" t="t"/>
             <a:pathLst>
-              <a:path w="120000" h="120000" extrusionOk="0">
+              <a:path extrusionOk="0" h="120000" w="120000">
                 <a:moveTo>
                   <a:pt x="0" y="0"/>
                 </a:moveTo>
@@ -997,11 +966,9 @@
       <p:sp>
         <p:nvSpPr>
           <p:cNvPr id="130" name="Google Shape;130;g115637626fa_0_95:notes"/>
-          <p:cNvSpPr txBox="1">
-            <a:spLocks noGrp="1"/>
-          </p:cNvSpPr>
-          <p:nvPr>
-            <p:ph type="body" idx="1"/>
+          <p:cNvSpPr txBox="1"/>
+          <p:nvPr>
+            <p:ph idx="1" type="body"/>
           </p:nvPr>
         </p:nvSpPr>
         <p:spPr>
@@ -1014,20 +981,23 @@
           </a:prstGeom>
         </p:spPr>
         <p:txBody>
-          <a:bodyPr spcFirstLastPara="1" wrap="square" lIns="91425" tIns="91425" rIns="91425" bIns="91425" anchor="t" anchorCtr="0">
+          <a:bodyPr anchorCtr="0" anchor="t" bIns="91425" lIns="91425" spcFirstLastPara="1" rIns="91425" wrap="square" tIns="91425">
             <a:noAutofit/>
           </a:bodyPr>
           <a:lstStyle/>
           <a:p>
-            <a:pPr marL="0" lvl="0" indent="0" algn="l" rtl="0">
-              <a:spcBef>
-                <a:spcPts val="0"/>
-              </a:spcBef>
-              <a:spcAft>
-                <a:spcPts val="0"/>
-              </a:spcAft>
-              <a:buNone/>
-            </a:pPr>
+            <a:pPr indent="0" lvl="0" marL="0" rtl="0" algn="l">
+              <a:spcBef>
+                <a:spcPts val="0"/>
+              </a:spcBef>
+              <a:spcAft>
+                <a:spcPts val="0"/>
+              </a:spcAft>
+              <a:buNone/>
+            </a:pPr>
+            <a:r>
+              <a:t/>
+            </a:r>
             <a:endParaRPr/>
           </a:p>
         </p:txBody>
@@ -1041,11 +1011,11 @@
 </file>
 
 <file path=ppt/notesSlides/notesSlide12.xml><?xml version="1.0" encoding="utf-8"?>
-<p:notes xmlns:a="http://schemas.openxmlformats.org/drawingml/2006/main" xmlns:r="http://schemas.openxmlformats.org/officeDocument/2006/relationships" xmlns:p="http://schemas.openxmlformats.org/presentationml/2006/main" showMasterSp="0" showMasterPhAnim="0">
+<p:notes xmlns:a="http://schemas.openxmlformats.org/drawingml/2006/main" xmlns:r="http://schemas.openxmlformats.org/officeDocument/2006/relationships" xmlns:mc="http://schemas.openxmlformats.org/markup-compatibility/2006" xmlns:mv="urn:schemas-microsoft-com:mac:vml" xmlns:p="http://schemas.openxmlformats.org/presentationml/2006/main" xmlns:c="http://schemas.openxmlformats.org/drawingml/2006/chart" xmlns:dgm="http://schemas.openxmlformats.org/drawingml/2006/diagram" xmlns:o="urn:schemas-microsoft-com:office:office" xmlns:v="urn:schemas-microsoft-com:vml" xmlns:pvml="urn:schemas-microsoft-com:office:powerpoint" xmlns:com="http://schemas.openxmlformats.org/drawingml/2006/compatibility" xmlns:p14="http://schemas.microsoft.com/office/powerpoint/2010/main" xmlns:p15="http://schemas.microsoft.com/office/powerpoint/2012/main" xmlns:ahyp="http://schemas.microsoft.com/office/drawing/2018/hyperlinkcolor" showMasterPhAnim="0" showMasterSp="0">
   <p:cSld>
     <p:spTree>
       <p:nvGrpSpPr>
-        <p:cNvPr id="1" name="Shape 135"/>
+        <p:cNvPr id="135" name="Shape 135"/>
         <p:cNvGrpSpPr/>
         <p:nvPr/>
       </p:nvGrpSpPr>
@@ -1060,11 +1030,9 @@
       <p:sp>
         <p:nvSpPr>
           <p:cNvPr id="136" name="Google Shape;136;g115637626fa_0_102:notes"/>
-          <p:cNvSpPr>
-            <a:spLocks noGrp="1" noRot="1" noChangeAspect="1"/>
-          </p:cNvSpPr>
-          <p:nvPr>
-            <p:ph type="sldImg" idx="2"/>
+          <p:cNvSpPr/>
+          <p:nvPr>
+            <p:ph idx="2" type="sldImg"/>
           </p:nvPr>
         </p:nvSpPr>
         <p:spPr>
@@ -1073,13 +1041,9 @@
             <a:ext cx="6096000" cy="3429000"/>
           </a:xfrm>
           <a:custGeom>
-            <a:avLst/>
-            <a:gdLst/>
-            <a:ahLst/>
-            <a:cxnLst/>
-            <a:rect l="l" t="t" r="r" b="b"/>
+            <a:rect b="b" l="l" r="r" t="t"/>
             <a:pathLst>
-              <a:path w="120000" h="120000" extrusionOk="0">
+              <a:path extrusionOk="0" h="120000" w="120000">
                 <a:moveTo>
                   <a:pt x="0" y="0"/>
                 </a:moveTo>
@@ -1101,11 +1065,9 @@
       <p:sp>
         <p:nvSpPr>
           <p:cNvPr id="137" name="Google Shape;137;g115637626fa_0_102:notes"/>
-          <p:cNvSpPr txBox="1">
-            <a:spLocks noGrp="1"/>
-          </p:cNvSpPr>
-          <p:nvPr>
-            <p:ph type="body" idx="1"/>
+          <p:cNvSpPr txBox="1"/>
+          <p:nvPr>
+            <p:ph idx="1" type="body"/>
           </p:nvPr>
         </p:nvSpPr>
         <p:spPr>
@@ -1118,20 +1080,23 @@
           </a:prstGeom>
         </p:spPr>
         <p:txBody>
-          <a:bodyPr spcFirstLastPara="1" wrap="square" lIns="91425" tIns="91425" rIns="91425" bIns="91425" anchor="t" anchorCtr="0">
+          <a:bodyPr anchorCtr="0" anchor="t" bIns="91425" lIns="91425" spcFirstLastPara="1" rIns="91425" wrap="square" tIns="91425">
             <a:noAutofit/>
           </a:bodyPr>
           <a:lstStyle/>
           <a:p>
-            <a:pPr marL="0" lvl="0" indent="0" algn="l" rtl="0">
-              <a:spcBef>
-                <a:spcPts val="0"/>
-              </a:spcBef>
-              <a:spcAft>
-                <a:spcPts val="0"/>
-              </a:spcAft>
-              <a:buNone/>
-            </a:pPr>
+            <a:pPr indent="0" lvl="0" marL="0" rtl="0" algn="l">
+              <a:spcBef>
+                <a:spcPts val="0"/>
+              </a:spcBef>
+              <a:spcAft>
+                <a:spcPts val="0"/>
+              </a:spcAft>
+              <a:buNone/>
+            </a:pPr>
+            <a:r>
+              <a:t/>
+            </a:r>
             <a:endParaRPr/>
           </a:p>
         </p:txBody>
@@ -1145,11 +1110,11 @@
 </file>
 
 <file path=ppt/notesSlides/notesSlide13.xml><?xml version="1.0" encoding="utf-8"?>
-<p:notes xmlns:a="http://schemas.openxmlformats.org/drawingml/2006/main" xmlns:r="http://schemas.openxmlformats.org/officeDocument/2006/relationships" xmlns:p="http://schemas.openxmlformats.org/presentationml/2006/main" showMasterSp="0" showMasterPhAnim="0">
+<p:notes xmlns:a="http://schemas.openxmlformats.org/drawingml/2006/main" xmlns:r="http://schemas.openxmlformats.org/officeDocument/2006/relationships" xmlns:mc="http://schemas.openxmlformats.org/markup-compatibility/2006" xmlns:mv="urn:schemas-microsoft-com:mac:vml" xmlns:p="http://schemas.openxmlformats.org/presentationml/2006/main" xmlns:c="http://schemas.openxmlformats.org/drawingml/2006/chart" xmlns:dgm="http://schemas.openxmlformats.org/drawingml/2006/diagram" xmlns:o="urn:schemas-microsoft-com:office:office" xmlns:v="urn:schemas-microsoft-com:vml" xmlns:pvml="urn:schemas-microsoft-com:office:powerpoint" xmlns:com="http://schemas.openxmlformats.org/drawingml/2006/compatibility" xmlns:p14="http://schemas.microsoft.com/office/powerpoint/2010/main" xmlns:p15="http://schemas.microsoft.com/office/powerpoint/2012/main" xmlns:ahyp="http://schemas.microsoft.com/office/drawing/2018/hyperlinkcolor" showMasterPhAnim="0" showMasterSp="0">
   <p:cSld>
     <p:spTree>
       <p:nvGrpSpPr>
-        <p:cNvPr id="1" name="Shape 142"/>
+        <p:cNvPr id="142" name="Shape 142"/>
         <p:cNvGrpSpPr/>
         <p:nvPr/>
       </p:nvGrpSpPr>
@@ -1164,11 +1129,9 @@
       <p:sp>
         <p:nvSpPr>
           <p:cNvPr id="143" name="Google Shape;143;g115637626fa_0_108:notes"/>
-          <p:cNvSpPr>
-            <a:spLocks noGrp="1" noRot="1" noChangeAspect="1"/>
-          </p:cNvSpPr>
-          <p:nvPr>
-            <p:ph type="sldImg" idx="2"/>
+          <p:cNvSpPr/>
+          <p:nvPr>
+            <p:ph idx="2" type="sldImg"/>
           </p:nvPr>
         </p:nvSpPr>
         <p:spPr>
@@ -1177,13 +1140,9 @@
             <a:ext cx="6096000" cy="3429000"/>
           </a:xfrm>
           <a:custGeom>
-            <a:avLst/>
-            <a:gdLst/>
-            <a:ahLst/>
-            <a:cxnLst/>
-            <a:rect l="l" t="t" r="r" b="b"/>
+            <a:rect b="b" l="l" r="r" t="t"/>
             <a:pathLst>
-              <a:path w="120000" h="120000" extrusionOk="0">
+              <a:path extrusionOk="0" h="120000" w="120000">
                 <a:moveTo>
                   <a:pt x="0" y="0"/>
                 </a:moveTo>
@@ -1205,11 +1164,9 @@
       <p:sp>
         <p:nvSpPr>
           <p:cNvPr id="144" name="Google Shape;144;g115637626fa_0_108:notes"/>
-          <p:cNvSpPr txBox="1">
-            <a:spLocks noGrp="1"/>
-          </p:cNvSpPr>
-          <p:nvPr>
-            <p:ph type="body" idx="1"/>
+          <p:cNvSpPr txBox="1"/>
+          <p:nvPr>
+            <p:ph idx="1" type="body"/>
           </p:nvPr>
         </p:nvSpPr>
         <p:spPr>
@@ -1222,20 +1179,23 @@
           </a:prstGeom>
         </p:spPr>
         <p:txBody>
-          <a:bodyPr spcFirstLastPara="1" wrap="square" lIns="91425" tIns="91425" rIns="91425" bIns="91425" anchor="t" anchorCtr="0">
+          <a:bodyPr anchorCtr="0" anchor="t" bIns="91425" lIns="91425" spcFirstLastPara="1" rIns="91425" wrap="square" tIns="91425">
             <a:noAutofit/>
           </a:bodyPr>
           <a:lstStyle/>
           <a:p>
-            <a:pPr marL="0" lvl="0" indent="0" algn="l" rtl="0">
-              <a:spcBef>
-                <a:spcPts val="0"/>
-              </a:spcBef>
-              <a:spcAft>
-                <a:spcPts val="0"/>
-              </a:spcAft>
-              <a:buNone/>
-            </a:pPr>
+            <a:pPr indent="0" lvl="0" marL="0" rtl="0" algn="l">
+              <a:spcBef>
+                <a:spcPts val="0"/>
+              </a:spcBef>
+              <a:spcAft>
+                <a:spcPts val="0"/>
+              </a:spcAft>
+              <a:buNone/>
+            </a:pPr>
+            <a:r>
+              <a:t/>
+            </a:r>
             <a:endParaRPr/>
           </a:p>
         </p:txBody>
@@ -1249,11 +1209,11 @@
 </file>
 
 <file path=ppt/notesSlides/notesSlide14.xml><?xml version="1.0" encoding="utf-8"?>
-<p:notes xmlns:a="http://schemas.openxmlformats.org/drawingml/2006/main" xmlns:r="http://schemas.openxmlformats.org/officeDocument/2006/relationships" xmlns:p="http://schemas.openxmlformats.org/presentationml/2006/main" showMasterSp="0" showMasterPhAnim="0">
+<p:notes xmlns:a="http://schemas.openxmlformats.org/drawingml/2006/main" xmlns:r="http://schemas.openxmlformats.org/officeDocument/2006/relationships" xmlns:mc="http://schemas.openxmlformats.org/markup-compatibility/2006" xmlns:mv="urn:schemas-microsoft-com:mac:vml" xmlns:p="http://schemas.openxmlformats.org/presentationml/2006/main" xmlns:c="http://schemas.openxmlformats.org/drawingml/2006/chart" xmlns:dgm="http://schemas.openxmlformats.org/drawingml/2006/diagram" xmlns:o="urn:schemas-microsoft-com:office:office" xmlns:v="urn:schemas-microsoft-com:vml" xmlns:pvml="urn:schemas-microsoft-com:office:powerpoint" xmlns:com="http://schemas.openxmlformats.org/drawingml/2006/compatibility" xmlns:p14="http://schemas.microsoft.com/office/powerpoint/2010/main" xmlns:p15="http://schemas.microsoft.com/office/powerpoint/2012/main" xmlns:ahyp="http://schemas.microsoft.com/office/drawing/2018/hyperlinkcolor" showMasterPhAnim="0" showMasterSp="0">
   <p:cSld>
     <p:spTree>
       <p:nvGrpSpPr>
-        <p:cNvPr id="1" name="Shape 153"/>
+        <p:cNvPr id="153" name="Shape 153"/>
         <p:cNvGrpSpPr/>
         <p:nvPr/>
       </p:nvGrpSpPr>
@@ -1268,11 +1228,9 @@
       <p:sp>
         <p:nvSpPr>
           <p:cNvPr id="154" name="Google Shape;154;g115637626fa_0_13:notes"/>
-          <p:cNvSpPr>
-            <a:spLocks noGrp="1" noRot="1" noChangeAspect="1"/>
-          </p:cNvSpPr>
-          <p:nvPr>
-            <p:ph type="sldImg" idx="2"/>
+          <p:cNvSpPr/>
+          <p:nvPr>
+            <p:ph idx="2" type="sldImg"/>
           </p:nvPr>
         </p:nvSpPr>
         <p:spPr>
@@ -1281,13 +1239,9 @@
             <a:ext cx="6096000" cy="3429000"/>
           </a:xfrm>
           <a:custGeom>
-            <a:avLst/>
-            <a:gdLst/>
-            <a:ahLst/>
-            <a:cxnLst/>
-            <a:rect l="l" t="t" r="r" b="b"/>
+            <a:rect b="b" l="l" r="r" t="t"/>
             <a:pathLst>
-              <a:path w="120000" h="120000" extrusionOk="0">
+              <a:path extrusionOk="0" h="120000" w="120000">
                 <a:moveTo>
                   <a:pt x="0" y="0"/>
                 </a:moveTo>
@@ -1309,11 +1263,9 @@
       <p:sp>
         <p:nvSpPr>
           <p:cNvPr id="155" name="Google Shape;155;g115637626fa_0_13:notes"/>
-          <p:cNvSpPr txBox="1">
-            <a:spLocks noGrp="1"/>
-          </p:cNvSpPr>
-          <p:nvPr>
-            <p:ph type="body" idx="1"/>
+          <p:cNvSpPr txBox="1"/>
+          <p:nvPr>
+            <p:ph idx="1" type="body"/>
           </p:nvPr>
         </p:nvSpPr>
         <p:spPr>
@@ -1326,20 +1278,23 @@
           </a:prstGeom>
         </p:spPr>
         <p:txBody>
-          <a:bodyPr spcFirstLastPara="1" wrap="square" lIns="91425" tIns="91425" rIns="91425" bIns="91425" anchor="t" anchorCtr="0">
+          <a:bodyPr anchorCtr="0" anchor="t" bIns="91425" lIns="91425" spcFirstLastPara="1" rIns="91425" wrap="square" tIns="91425">
             <a:noAutofit/>
           </a:bodyPr>
           <a:lstStyle/>
           <a:p>
-            <a:pPr marL="0" lvl="0" indent="0" algn="l" rtl="0">
-              <a:spcBef>
-                <a:spcPts val="0"/>
-              </a:spcBef>
-              <a:spcAft>
-                <a:spcPts val="0"/>
-              </a:spcAft>
-              <a:buNone/>
-            </a:pPr>
+            <a:pPr indent="0" lvl="0" marL="0" rtl="0" algn="l">
+              <a:spcBef>
+                <a:spcPts val="0"/>
+              </a:spcBef>
+              <a:spcAft>
+                <a:spcPts val="0"/>
+              </a:spcAft>
+              <a:buNone/>
+            </a:pPr>
+            <a:r>
+              <a:t/>
+            </a:r>
             <a:endParaRPr/>
           </a:p>
         </p:txBody>
@@ -1353,11 +1308,11 @@
 </file>
 
 <file path=ppt/notesSlides/notesSlide15.xml><?xml version="1.0" encoding="utf-8"?>
-<p:notes xmlns:a="http://schemas.openxmlformats.org/drawingml/2006/main" xmlns:r="http://schemas.openxmlformats.org/officeDocument/2006/relationships" xmlns:p="http://schemas.openxmlformats.org/presentationml/2006/main" showMasterSp="0" showMasterPhAnim="0">
+<p:notes xmlns:a="http://schemas.openxmlformats.org/drawingml/2006/main" xmlns:r="http://schemas.openxmlformats.org/officeDocument/2006/relationships" xmlns:mc="http://schemas.openxmlformats.org/markup-compatibility/2006" xmlns:mv="urn:schemas-microsoft-com:mac:vml" xmlns:p="http://schemas.openxmlformats.org/presentationml/2006/main" xmlns:c="http://schemas.openxmlformats.org/drawingml/2006/chart" xmlns:dgm="http://schemas.openxmlformats.org/drawingml/2006/diagram" xmlns:o="urn:schemas-microsoft-com:office:office" xmlns:v="urn:schemas-microsoft-com:vml" xmlns:pvml="urn:schemas-microsoft-com:office:powerpoint" xmlns:com="http://schemas.openxmlformats.org/drawingml/2006/compatibility" xmlns:p14="http://schemas.microsoft.com/office/powerpoint/2010/main" xmlns:p15="http://schemas.microsoft.com/office/powerpoint/2012/main" xmlns:ahyp="http://schemas.microsoft.com/office/drawing/2018/hyperlinkcolor" showMasterPhAnim="0" showMasterSp="0">
   <p:cSld>
     <p:spTree>
       <p:nvGrpSpPr>
-        <p:cNvPr id="1" name="Shape 161"/>
+        <p:cNvPr id="161" name="Shape 161"/>
         <p:cNvGrpSpPr/>
         <p:nvPr/>
       </p:nvGrpSpPr>
@@ -1372,11 +1327,9 @@
       <p:sp>
         <p:nvSpPr>
           <p:cNvPr id="162" name="Google Shape;162;g115637626fa_0_121:notes"/>
-          <p:cNvSpPr>
-            <a:spLocks noGrp="1" noRot="1" noChangeAspect="1"/>
-          </p:cNvSpPr>
-          <p:nvPr>
-            <p:ph type="sldImg" idx="2"/>
+          <p:cNvSpPr/>
+          <p:nvPr>
+            <p:ph idx="2" type="sldImg"/>
           </p:nvPr>
         </p:nvSpPr>
         <p:spPr>
@@ -1385,13 +1338,9 @@
             <a:ext cx="6096000" cy="3429000"/>
           </a:xfrm>
           <a:custGeom>
-            <a:avLst/>
-            <a:gdLst/>
-            <a:ahLst/>
-            <a:cxnLst/>
-            <a:rect l="l" t="t" r="r" b="b"/>
+            <a:rect b="b" l="l" r="r" t="t"/>
             <a:pathLst>
-              <a:path w="120000" h="120000" extrusionOk="0">
+              <a:path extrusionOk="0" h="120000" w="120000">
                 <a:moveTo>
                   <a:pt x="0" y="0"/>
                 </a:moveTo>
@@ -1413,11 +1362,9 @@
       <p:sp>
         <p:nvSpPr>
           <p:cNvPr id="163" name="Google Shape;163;g115637626fa_0_121:notes"/>
-          <p:cNvSpPr txBox="1">
-            <a:spLocks noGrp="1"/>
-          </p:cNvSpPr>
-          <p:nvPr>
-            <p:ph type="body" idx="1"/>
+          <p:cNvSpPr txBox="1"/>
+          <p:nvPr>
+            <p:ph idx="1" type="body"/>
           </p:nvPr>
         </p:nvSpPr>
         <p:spPr>
@@ -1430,20 +1377,23 @@
           </a:prstGeom>
         </p:spPr>
         <p:txBody>
-          <a:bodyPr spcFirstLastPara="1" wrap="square" lIns="91425" tIns="91425" rIns="91425" bIns="91425" anchor="t" anchorCtr="0">
+          <a:bodyPr anchorCtr="0" anchor="t" bIns="91425" lIns="91425" spcFirstLastPara="1" rIns="91425" wrap="square" tIns="91425">
             <a:noAutofit/>
           </a:bodyPr>
           <a:lstStyle/>
           <a:p>
-            <a:pPr marL="0" lvl="0" indent="0" algn="l" rtl="0">
-              <a:spcBef>
-                <a:spcPts val="0"/>
-              </a:spcBef>
-              <a:spcAft>
-                <a:spcPts val="0"/>
-              </a:spcAft>
-              <a:buNone/>
-            </a:pPr>
+            <a:pPr indent="0" lvl="0" marL="0" rtl="0" algn="l">
+              <a:spcBef>
+                <a:spcPts val="0"/>
+              </a:spcBef>
+              <a:spcAft>
+                <a:spcPts val="0"/>
+              </a:spcAft>
+              <a:buNone/>
+            </a:pPr>
+            <a:r>
+              <a:t/>
+            </a:r>
             <a:endParaRPr/>
           </a:p>
         </p:txBody>
@@ -1457,11 +1407,11 @@
 </file>
 
 <file path=ppt/notesSlides/notesSlide16.xml><?xml version="1.0" encoding="utf-8"?>
-<p:notes xmlns:a="http://schemas.openxmlformats.org/drawingml/2006/main" xmlns:r="http://schemas.openxmlformats.org/officeDocument/2006/relationships" xmlns:p="http://schemas.openxmlformats.org/presentationml/2006/main" showMasterSp="0" showMasterPhAnim="0">
+<p:notes xmlns:a="http://schemas.openxmlformats.org/drawingml/2006/main" xmlns:r="http://schemas.openxmlformats.org/officeDocument/2006/relationships" xmlns:mc="http://schemas.openxmlformats.org/markup-compatibility/2006" xmlns:mv="urn:schemas-microsoft-com:mac:vml" xmlns:p="http://schemas.openxmlformats.org/presentationml/2006/main" xmlns:c="http://schemas.openxmlformats.org/drawingml/2006/chart" xmlns:dgm="http://schemas.openxmlformats.org/drawingml/2006/diagram" xmlns:o="urn:schemas-microsoft-com:office:office" xmlns:v="urn:schemas-microsoft-com:vml" xmlns:pvml="urn:schemas-microsoft-com:office:powerpoint" xmlns:com="http://schemas.openxmlformats.org/drawingml/2006/compatibility" xmlns:p14="http://schemas.microsoft.com/office/powerpoint/2010/main" xmlns:p15="http://schemas.microsoft.com/office/powerpoint/2012/main" xmlns:ahyp="http://schemas.microsoft.com/office/drawing/2018/hyperlinkcolor" showMasterPhAnim="0" showMasterSp="0">
   <p:cSld>
     <p:spTree>
       <p:nvGrpSpPr>
-        <p:cNvPr id="1" name="Shape 168"/>
+        <p:cNvPr id="168" name="Shape 168"/>
         <p:cNvGrpSpPr/>
         <p:nvPr/>
       </p:nvGrpSpPr>
@@ -1476,11 +1426,9 @@
       <p:sp>
         <p:nvSpPr>
           <p:cNvPr id="169" name="Google Shape;169;g115637626fa_0_127:notes"/>
-          <p:cNvSpPr>
-            <a:spLocks noGrp="1" noRot="1" noChangeAspect="1"/>
-          </p:cNvSpPr>
-          <p:nvPr>
-            <p:ph type="sldImg" idx="2"/>
+          <p:cNvSpPr/>
+          <p:nvPr>
+            <p:ph idx="2" type="sldImg"/>
           </p:nvPr>
         </p:nvSpPr>
         <p:spPr>
@@ -1489,13 +1437,9 @@
             <a:ext cx="6096000" cy="3429000"/>
           </a:xfrm>
           <a:custGeom>
-            <a:avLst/>
-            <a:gdLst/>
-            <a:ahLst/>
-            <a:cxnLst/>
-            <a:rect l="l" t="t" r="r" b="b"/>
+            <a:rect b="b" l="l" r="r" t="t"/>
             <a:pathLst>
-              <a:path w="120000" h="120000" extrusionOk="0">
+              <a:path extrusionOk="0" h="120000" w="120000">
                 <a:moveTo>
                   <a:pt x="0" y="0"/>
                 </a:moveTo>
@@ -1517,11 +1461,9 @@
       <p:sp>
         <p:nvSpPr>
           <p:cNvPr id="170" name="Google Shape;170;g115637626fa_0_127:notes"/>
-          <p:cNvSpPr txBox="1">
-            <a:spLocks noGrp="1"/>
-          </p:cNvSpPr>
-          <p:nvPr>
-            <p:ph type="body" idx="1"/>
+          <p:cNvSpPr txBox="1"/>
+          <p:nvPr>
+            <p:ph idx="1" type="body"/>
           </p:nvPr>
         </p:nvSpPr>
         <p:spPr>
@@ -1534,20 +1476,23 @@
           </a:prstGeom>
         </p:spPr>
         <p:txBody>
-          <a:bodyPr spcFirstLastPara="1" wrap="square" lIns="91425" tIns="91425" rIns="91425" bIns="91425" anchor="t" anchorCtr="0">
+          <a:bodyPr anchorCtr="0" anchor="t" bIns="91425" lIns="91425" spcFirstLastPara="1" rIns="91425" wrap="square" tIns="91425">
             <a:noAutofit/>
           </a:bodyPr>
           <a:lstStyle/>
           <a:p>
-            <a:pPr marL="0" lvl="0" indent="0" algn="l" rtl="0">
-              <a:spcBef>
-                <a:spcPts val="0"/>
-              </a:spcBef>
-              <a:spcAft>
-                <a:spcPts val="0"/>
-              </a:spcAft>
-              <a:buNone/>
-            </a:pPr>
+            <a:pPr indent="0" lvl="0" marL="0" rtl="0" algn="l">
+              <a:spcBef>
+                <a:spcPts val="0"/>
+              </a:spcBef>
+              <a:spcAft>
+                <a:spcPts val="0"/>
+              </a:spcAft>
+              <a:buNone/>
+            </a:pPr>
+            <a:r>
+              <a:t/>
+            </a:r>
             <a:endParaRPr/>
           </a:p>
         </p:txBody>
@@ -1561,11 +1506,11 @@
 </file>
 
 <file path=ppt/notesSlides/notesSlide17.xml><?xml version="1.0" encoding="utf-8"?>
-<p:notes xmlns:a="http://schemas.openxmlformats.org/drawingml/2006/main" xmlns:r="http://schemas.openxmlformats.org/officeDocument/2006/relationships" xmlns:p="http://schemas.openxmlformats.org/presentationml/2006/main" showMasterSp="0" showMasterPhAnim="0">
+<p:notes xmlns:a="http://schemas.openxmlformats.org/drawingml/2006/main" xmlns:r="http://schemas.openxmlformats.org/officeDocument/2006/relationships" xmlns:mc="http://schemas.openxmlformats.org/markup-compatibility/2006" xmlns:mv="urn:schemas-microsoft-com:mac:vml" xmlns:p="http://schemas.openxmlformats.org/presentationml/2006/main" xmlns:c="http://schemas.openxmlformats.org/drawingml/2006/chart" xmlns:dgm="http://schemas.openxmlformats.org/drawingml/2006/diagram" xmlns:o="urn:schemas-microsoft-com:office:office" xmlns:v="urn:schemas-microsoft-com:vml" xmlns:pvml="urn:schemas-microsoft-com:office:powerpoint" xmlns:com="http://schemas.openxmlformats.org/drawingml/2006/compatibility" xmlns:p14="http://schemas.microsoft.com/office/powerpoint/2010/main" xmlns:p15="http://schemas.microsoft.com/office/powerpoint/2012/main" xmlns:ahyp="http://schemas.microsoft.com/office/drawing/2018/hyperlinkcolor" showMasterPhAnim="0" showMasterSp="0">
   <p:cSld>
     <p:spTree>
       <p:nvGrpSpPr>
-        <p:cNvPr id="1" name="Shape 181"/>
+        <p:cNvPr id="181" name="Shape 181"/>
         <p:cNvGrpSpPr/>
         <p:nvPr/>
       </p:nvGrpSpPr>
@@ -1580,11 +1525,9 @@
       <p:sp>
         <p:nvSpPr>
           <p:cNvPr id="182" name="Google Shape;182;g115637626fa_0_18:notes"/>
-          <p:cNvSpPr>
-            <a:spLocks noGrp="1" noRot="1" noChangeAspect="1"/>
-          </p:cNvSpPr>
-          <p:nvPr>
-            <p:ph type="sldImg" idx="2"/>
+          <p:cNvSpPr/>
+          <p:nvPr>
+            <p:ph idx="2" type="sldImg"/>
           </p:nvPr>
         </p:nvSpPr>
         <p:spPr>
@@ -1593,13 +1536,9 @@
             <a:ext cx="6096000" cy="3429000"/>
           </a:xfrm>
           <a:custGeom>
-            <a:avLst/>
-            <a:gdLst/>
-            <a:ahLst/>
-            <a:cxnLst/>
-            <a:rect l="l" t="t" r="r" b="b"/>
+            <a:rect b="b" l="l" r="r" t="t"/>
             <a:pathLst>
-              <a:path w="120000" h="120000" extrusionOk="0">
+              <a:path extrusionOk="0" h="120000" w="120000">
                 <a:moveTo>
                   <a:pt x="0" y="0"/>
                 </a:moveTo>
@@ -1621,11 +1560,9 @@
       <p:sp>
         <p:nvSpPr>
           <p:cNvPr id="183" name="Google Shape;183;g115637626fa_0_18:notes"/>
-          <p:cNvSpPr txBox="1">
-            <a:spLocks noGrp="1"/>
-          </p:cNvSpPr>
-          <p:nvPr>
-            <p:ph type="body" idx="1"/>
+          <p:cNvSpPr txBox="1"/>
+          <p:nvPr>
+            <p:ph idx="1" type="body"/>
           </p:nvPr>
         </p:nvSpPr>
         <p:spPr>
@@ -1638,20 +1575,23 @@
           </a:prstGeom>
         </p:spPr>
         <p:txBody>
-          <a:bodyPr spcFirstLastPara="1" wrap="square" lIns="91425" tIns="91425" rIns="91425" bIns="91425" anchor="t" anchorCtr="0">
+          <a:bodyPr anchorCtr="0" anchor="t" bIns="91425" lIns="91425" spcFirstLastPara="1" rIns="91425" wrap="square" tIns="91425">
             <a:noAutofit/>
           </a:bodyPr>
           <a:lstStyle/>
           <a:p>
-            <a:pPr marL="0" lvl="0" indent="0" algn="l" rtl="0">
-              <a:spcBef>
-                <a:spcPts val="0"/>
-              </a:spcBef>
-              <a:spcAft>
-                <a:spcPts val="0"/>
-              </a:spcAft>
-              <a:buNone/>
-            </a:pPr>
+            <a:pPr indent="0" lvl="0" marL="0" rtl="0" algn="l">
+              <a:spcBef>
+                <a:spcPts val="0"/>
+              </a:spcBef>
+              <a:spcAft>
+                <a:spcPts val="0"/>
+              </a:spcAft>
+              <a:buNone/>
+            </a:pPr>
+            <a:r>
+              <a:t/>
+            </a:r>
             <a:endParaRPr/>
           </a:p>
         </p:txBody>
@@ -1665,11 +1605,11 @@
 </file>
 
 <file path=ppt/notesSlides/notesSlide18.xml><?xml version="1.0" encoding="utf-8"?>
-<p:notes xmlns:a="http://schemas.openxmlformats.org/drawingml/2006/main" xmlns:r="http://schemas.openxmlformats.org/officeDocument/2006/relationships" xmlns:p="http://schemas.openxmlformats.org/presentationml/2006/main" showMasterSp="0" showMasterPhAnim="0">
+<p:notes xmlns:a="http://schemas.openxmlformats.org/drawingml/2006/main" xmlns:r="http://schemas.openxmlformats.org/officeDocument/2006/relationships" xmlns:mc="http://schemas.openxmlformats.org/markup-compatibility/2006" xmlns:mv="urn:schemas-microsoft-com:mac:vml" xmlns:p="http://schemas.openxmlformats.org/presentationml/2006/main" xmlns:c="http://schemas.openxmlformats.org/drawingml/2006/chart" xmlns:dgm="http://schemas.openxmlformats.org/drawingml/2006/diagram" xmlns:o="urn:schemas-microsoft-com:office:office" xmlns:v="urn:schemas-microsoft-com:vml" xmlns:pvml="urn:schemas-microsoft-com:office:powerpoint" xmlns:com="http://schemas.openxmlformats.org/drawingml/2006/compatibility" xmlns:p14="http://schemas.microsoft.com/office/powerpoint/2010/main" xmlns:p15="http://schemas.microsoft.com/office/powerpoint/2012/main" xmlns:ahyp="http://schemas.microsoft.com/office/drawing/2018/hyperlinkcolor" showMasterPhAnim="0" showMasterSp="0">
   <p:cSld>
     <p:spTree>
       <p:nvGrpSpPr>
-        <p:cNvPr id="1" name="Shape 189"/>
+        <p:cNvPr id="189" name="Shape 189"/>
         <p:cNvGrpSpPr/>
         <p:nvPr/>
       </p:nvGrpSpPr>
@@ -1684,11 +1624,9 @@
       <p:sp>
         <p:nvSpPr>
           <p:cNvPr id="190" name="Google Shape;190;g115637626fa_0_146:notes"/>
-          <p:cNvSpPr>
-            <a:spLocks noGrp="1" noRot="1" noChangeAspect="1"/>
-          </p:cNvSpPr>
-          <p:nvPr>
-            <p:ph type="sldImg" idx="2"/>
+          <p:cNvSpPr/>
+          <p:nvPr>
+            <p:ph idx="2" type="sldImg"/>
           </p:nvPr>
         </p:nvSpPr>
         <p:spPr>
@@ -1697,13 +1635,9 @@
             <a:ext cx="6096000" cy="3429000"/>
           </a:xfrm>
           <a:custGeom>
-            <a:avLst/>
-            <a:gdLst/>
-            <a:ahLst/>
-            <a:cxnLst/>
-            <a:rect l="l" t="t" r="r" b="b"/>
+            <a:rect b="b" l="l" r="r" t="t"/>
             <a:pathLst>
-              <a:path w="120000" h="120000" extrusionOk="0">
+              <a:path extrusionOk="0" h="120000" w="120000">
                 <a:moveTo>
                   <a:pt x="0" y="0"/>
                 </a:moveTo>
@@ -1725,11 +1659,9 @@
       <p:sp>
         <p:nvSpPr>
           <p:cNvPr id="191" name="Google Shape;191;g115637626fa_0_146:notes"/>
-          <p:cNvSpPr txBox="1">
-            <a:spLocks noGrp="1"/>
-          </p:cNvSpPr>
-          <p:nvPr>
-            <p:ph type="body" idx="1"/>
+          <p:cNvSpPr txBox="1"/>
+          <p:nvPr>
+            <p:ph idx="1" type="body"/>
           </p:nvPr>
         </p:nvSpPr>
         <p:spPr>
@@ -1742,20 +1674,23 @@
           </a:prstGeom>
         </p:spPr>
         <p:txBody>
-          <a:bodyPr spcFirstLastPara="1" wrap="square" lIns="91425" tIns="91425" rIns="91425" bIns="91425" anchor="t" anchorCtr="0">
+          <a:bodyPr anchorCtr="0" anchor="t" bIns="91425" lIns="91425" spcFirstLastPara="1" rIns="91425" wrap="square" tIns="91425">
             <a:noAutofit/>
           </a:bodyPr>
           <a:lstStyle/>
           <a:p>
-            <a:pPr marL="0" lvl="0" indent="0" algn="l" rtl="0">
-              <a:spcBef>
-                <a:spcPts val="0"/>
-              </a:spcBef>
-              <a:spcAft>
-                <a:spcPts val="0"/>
-              </a:spcAft>
-              <a:buNone/>
-            </a:pPr>
+            <a:pPr indent="0" lvl="0" marL="0" rtl="0" algn="l">
+              <a:spcBef>
+                <a:spcPts val="0"/>
+              </a:spcBef>
+              <a:spcAft>
+                <a:spcPts val="0"/>
+              </a:spcAft>
+              <a:buNone/>
+            </a:pPr>
+            <a:r>
+              <a:t/>
+            </a:r>
             <a:endParaRPr/>
           </a:p>
         </p:txBody>
@@ -1769,11 +1704,11 @@
 </file>
 
 <file path=ppt/notesSlides/notesSlide19.xml><?xml version="1.0" encoding="utf-8"?>
-<p:notes xmlns:a="http://schemas.openxmlformats.org/drawingml/2006/main" xmlns:r="http://schemas.openxmlformats.org/officeDocument/2006/relationships" xmlns:p="http://schemas.openxmlformats.org/presentationml/2006/main" showMasterSp="0" showMasterPhAnim="0">
+<p:notes xmlns:a="http://schemas.openxmlformats.org/drawingml/2006/main" xmlns:r="http://schemas.openxmlformats.org/officeDocument/2006/relationships" xmlns:mc="http://schemas.openxmlformats.org/markup-compatibility/2006" xmlns:mv="urn:schemas-microsoft-com:mac:vml" xmlns:p="http://schemas.openxmlformats.org/presentationml/2006/main" xmlns:c="http://schemas.openxmlformats.org/drawingml/2006/chart" xmlns:dgm="http://schemas.openxmlformats.org/drawingml/2006/diagram" xmlns:o="urn:schemas-microsoft-com:office:office" xmlns:v="urn:schemas-microsoft-com:vml" xmlns:pvml="urn:schemas-microsoft-com:office:powerpoint" xmlns:com="http://schemas.openxmlformats.org/drawingml/2006/compatibility" xmlns:p14="http://schemas.microsoft.com/office/powerpoint/2010/main" xmlns:p15="http://schemas.microsoft.com/office/powerpoint/2012/main" xmlns:ahyp="http://schemas.microsoft.com/office/drawing/2018/hyperlinkcolor" showMasterPhAnim="0" showMasterSp="0">
   <p:cSld>
     <p:spTree>
       <p:nvGrpSpPr>
-        <p:cNvPr id="1" name="Shape 197"/>
+        <p:cNvPr id="197" name="Shape 197"/>
         <p:cNvGrpSpPr/>
         <p:nvPr/>
       </p:nvGrpSpPr>
@@ -1788,11 +1723,9 @@
       <p:sp>
         <p:nvSpPr>
           <p:cNvPr id="198" name="Google Shape;198;g115637626fa_0_23:notes"/>
-          <p:cNvSpPr>
-            <a:spLocks noGrp="1" noRot="1" noChangeAspect="1"/>
-          </p:cNvSpPr>
-          <p:nvPr>
-            <p:ph type="sldImg" idx="2"/>
+          <p:cNvSpPr/>
+          <p:nvPr>
+            <p:ph idx="2" type="sldImg"/>
           </p:nvPr>
         </p:nvSpPr>
         <p:spPr>
@@ -1801,13 +1734,9 @@
             <a:ext cx="6096000" cy="3429000"/>
           </a:xfrm>
           <a:custGeom>
-            <a:avLst/>
-            <a:gdLst/>
-            <a:ahLst/>
-            <a:cxnLst/>
-            <a:rect l="l" t="t" r="r" b="b"/>
+            <a:rect b="b" l="l" r="r" t="t"/>
             <a:pathLst>
-              <a:path w="120000" h="120000" extrusionOk="0">
+              <a:path extrusionOk="0" h="120000" w="120000">
                 <a:moveTo>
                   <a:pt x="0" y="0"/>
                 </a:moveTo>
@@ -1829,11 +1758,9 @@
       <p:sp>
         <p:nvSpPr>
           <p:cNvPr id="199" name="Google Shape;199;g115637626fa_0_23:notes"/>
-          <p:cNvSpPr txBox="1">
-            <a:spLocks noGrp="1"/>
-          </p:cNvSpPr>
-          <p:nvPr>
-            <p:ph type="body" idx="1"/>
+          <p:cNvSpPr txBox="1"/>
+          <p:nvPr>
+            <p:ph idx="1" type="body"/>
           </p:nvPr>
         </p:nvSpPr>
         <p:spPr>
@@ -1846,20 +1773,23 @@
           </a:prstGeom>
         </p:spPr>
         <p:txBody>
-          <a:bodyPr spcFirstLastPara="1" wrap="square" lIns="91425" tIns="91425" rIns="91425" bIns="91425" anchor="t" anchorCtr="0">
+          <a:bodyPr anchorCtr="0" anchor="t" bIns="91425" lIns="91425" spcFirstLastPara="1" rIns="91425" wrap="square" tIns="91425">
             <a:noAutofit/>
           </a:bodyPr>
           <a:lstStyle/>
           <a:p>
-            <a:pPr marL="0" lvl="0" indent="0" algn="l" rtl="0">
-              <a:spcBef>
-                <a:spcPts val="0"/>
-              </a:spcBef>
-              <a:spcAft>
-                <a:spcPts val="0"/>
-              </a:spcAft>
-              <a:buNone/>
-            </a:pPr>
+            <a:pPr indent="0" lvl="0" marL="0" rtl="0" algn="l">
+              <a:spcBef>
+                <a:spcPts val="0"/>
+              </a:spcBef>
+              <a:spcAft>
+                <a:spcPts val="0"/>
+              </a:spcAft>
+              <a:buNone/>
+            </a:pPr>
+            <a:r>
+              <a:t/>
+            </a:r>
             <a:endParaRPr/>
           </a:p>
         </p:txBody>
@@ -1873,11 +1803,11 @@
 </file>
 
 <file path=ppt/notesSlides/notesSlide2.xml><?xml version="1.0" encoding="utf-8"?>
-<p:notes xmlns:a="http://schemas.openxmlformats.org/drawingml/2006/main" xmlns:r="http://schemas.openxmlformats.org/officeDocument/2006/relationships" xmlns:p="http://schemas.openxmlformats.org/presentationml/2006/main" showMasterSp="0" showMasterPhAnim="0">
+<p:notes xmlns:a="http://schemas.openxmlformats.org/drawingml/2006/main" xmlns:r="http://schemas.openxmlformats.org/officeDocument/2006/relationships" xmlns:mc="http://schemas.openxmlformats.org/markup-compatibility/2006" xmlns:mv="urn:schemas-microsoft-com:mac:vml" xmlns:p="http://schemas.openxmlformats.org/presentationml/2006/main" xmlns:c="http://schemas.openxmlformats.org/drawingml/2006/chart" xmlns:dgm="http://schemas.openxmlformats.org/drawingml/2006/diagram" xmlns:o="urn:schemas-microsoft-com:office:office" xmlns:v="urn:schemas-microsoft-com:vml" xmlns:pvml="urn:schemas-microsoft-com:office:powerpoint" xmlns:com="http://schemas.openxmlformats.org/drawingml/2006/compatibility" xmlns:p14="http://schemas.microsoft.com/office/powerpoint/2010/main" xmlns:p15="http://schemas.microsoft.com/office/powerpoint/2012/main" xmlns:ahyp="http://schemas.microsoft.com/office/drawing/2018/hyperlinkcolor" showMasterPhAnim="0" showMasterSp="0">
   <p:cSld>
     <p:spTree>
       <p:nvGrpSpPr>
-        <p:cNvPr id="1" name="Shape 57"/>
+        <p:cNvPr id="57" name="Shape 57"/>
         <p:cNvGrpSpPr/>
         <p:nvPr/>
       </p:nvGrpSpPr>
@@ -1892,11 +1822,9 @@
       <p:sp>
         <p:nvSpPr>
           <p:cNvPr id="58" name="Google Shape;58;g1152e44ef54_0_2:notes"/>
-          <p:cNvSpPr>
-            <a:spLocks noGrp="1" noRot="1" noChangeAspect="1"/>
-          </p:cNvSpPr>
-          <p:nvPr>
-            <p:ph type="sldImg" idx="2"/>
+          <p:cNvSpPr/>
+          <p:nvPr>
+            <p:ph idx="2" type="sldImg"/>
           </p:nvPr>
         </p:nvSpPr>
         <p:spPr>
@@ -1905,13 +1833,9 @@
             <a:ext cx="6096000" cy="3429000"/>
           </a:xfrm>
           <a:custGeom>
-            <a:avLst/>
-            <a:gdLst/>
-            <a:ahLst/>
-            <a:cxnLst/>
-            <a:rect l="l" t="t" r="r" b="b"/>
+            <a:rect b="b" l="l" r="r" t="t"/>
             <a:pathLst>
-              <a:path w="120000" h="120000" extrusionOk="0">
+              <a:path extrusionOk="0" h="120000" w="120000">
                 <a:moveTo>
                   <a:pt x="0" y="0"/>
                 </a:moveTo>
@@ -1933,11 +1857,9 @@
       <p:sp>
         <p:nvSpPr>
           <p:cNvPr id="59" name="Google Shape;59;g1152e44ef54_0_2:notes"/>
-          <p:cNvSpPr txBox="1">
-            <a:spLocks noGrp="1"/>
-          </p:cNvSpPr>
-          <p:nvPr>
-            <p:ph type="body" idx="1"/>
+          <p:cNvSpPr txBox="1"/>
+          <p:nvPr>
+            <p:ph idx="1" type="body"/>
           </p:nvPr>
         </p:nvSpPr>
         <p:spPr>
@@ -1950,20 +1872,23 @@
           </a:prstGeom>
         </p:spPr>
         <p:txBody>
-          <a:bodyPr spcFirstLastPara="1" wrap="square" lIns="91425" tIns="91425" rIns="91425" bIns="91425" anchor="t" anchorCtr="0">
+          <a:bodyPr anchorCtr="0" anchor="t" bIns="91425" lIns="91425" spcFirstLastPara="1" rIns="91425" wrap="square" tIns="91425">
             <a:noAutofit/>
           </a:bodyPr>
           <a:lstStyle/>
           <a:p>
-            <a:pPr marL="0" lvl="0" indent="0" algn="l" rtl="0">
-              <a:spcBef>
-                <a:spcPts val="0"/>
-              </a:spcBef>
-              <a:spcAft>
-                <a:spcPts val="0"/>
-              </a:spcAft>
-              <a:buNone/>
-            </a:pPr>
+            <a:pPr indent="0" lvl="0" marL="0" rtl="0" algn="l">
+              <a:spcBef>
+                <a:spcPts val="0"/>
+              </a:spcBef>
+              <a:spcAft>
+                <a:spcPts val="0"/>
+              </a:spcAft>
+              <a:buNone/>
+            </a:pPr>
+            <a:r>
+              <a:t/>
+            </a:r>
             <a:endParaRPr/>
           </a:p>
         </p:txBody>
@@ -1977,11 +1902,11 @@
 </file>
 
 <file path=ppt/notesSlides/notesSlide20.xml><?xml version="1.0" encoding="utf-8"?>
-<p:notes xmlns:a="http://schemas.openxmlformats.org/drawingml/2006/main" xmlns:r="http://schemas.openxmlformats.org/officeDocument/2006/relationships" xmlns:p="http://schemas.openxmlformats.org/presentationml/2006/main" showMasterSp="0" showMasterPhAnim="0">
+<p:notes xmlns:a="http://schemas.openxmlformats.org/drawingml/2006/main" xmlns:r="http://schemas.openxmlformats.org/officeDocument/2006/relationships" xmlns:mc="http://schemas.openxmlformats.org/markup-compatibility/2006" xmlns:mv="urn:schemas-microsoft-com:mac:vml" xmlns:p="http://schemas.openxmlformats.org/presentationml/2006/main" xmlns:c="http://schemas.openxmlformats.org/drawingml/2006/chart" xmlns:dgm="http://schemas.openxmlformats.org/drawingml/2006/diagram" xmlns:o="urn:schemas-microsoft-com:office:office" xmlns:v="urn:schemas-microsoft-com:vml" xmlns:pvml="urn:schemas-microsoft-com:office:powerpoint" xmlns:com="http://schemas.openxmlformats.org/drawingml/2006/compatibility" xmlns:p14="http://schemas.microsoft.com/office/powerpoint/2010/main" xmlns:p15="http://schemas.microsoft.com/office/powerpoint/2012/main" xmlns:ahyp="http://schemas.microsoft.com/office/drawing/2018/hyperlinkcolor" showMasterPhAnim="0" showMasterSp="0">
   <p:cSld>
     <p:spTree>
       <p:nvGrpSpPr>
-        <p:cNvPr id="1" name="Shape 205"/>
+        <p:cNvPr id="205" name="Shape 205"/>
         <p:cNvGrpSpPr/>
         <p:nvPr/>
       </p:nvGrpSpPr>
@@ -1996,11 +1921,9 @@
       <p:sp>
         <p:nvSpPr>
           <p:cNvPr id="206" name="Google Shape;206;g115637626fa_0_28:notes"/>
-          <p:cNvSpPr>
-            <a:spLocks noGrp="1" noRot="1" noChangeAspect="1"/>
-          </p:cNvSpPr>
-          <p:nvPr>
-            <p:ph type="sldImg" idx="2"/>
+          <p:cNvSpPr/>
+          <p:nvPr>
+            <p:ph idx="2" type="sldImg"/>
           </p:nvPr>
         </p:nvSpPr>
         <p:spPr>
@@ -2009,13 +1932,9 @@
             <a:ext cx="6096000" cy="3429000"/>
           </a:xfrm>
           <a:custGeom>
-            <a:avLst/>
-            <a:gdLst/>
-            <a:ahLst/>
-            <a:cxnLst/>
-            <a:rect l="l" t="t" r="r" b="b"/>
+            <a:rect b="b" l="l" r="r" t="t"/>
             <a:pathLst>
-              <a:path w="120000" h="120000" extrusionOk="0">
+              <a:path extrusionOk="0" h="120000" w="120000">
                 <a:moveTo>
                   <a:pt x="0" y="0"/>
                 </a:moveTo>
@@ -2037,11 +1956,9 @@
       <p:sp>
         <p:nvSpPr>
           <p:cNvPr id="207" name="Google Shape;207;g115637626fa_0_28:notes"/>
-          <p:cNvSpPr txBox="1">
-            <a:spLocks noGrp="1"/>
-          </p:cNvSpPr>
-          <p:nvPr>
-            <p:ph type="body" idx="1"/>
+          <p:cNvSpPr txBox="1"/>
+          <p:nvPr>
+            <p:ph idx="1" type="body"/>
           </p:nvPr>
         </p:nvSpPr>
         <p:spPr>
@@ -2054,20 +1971,23 @@
           </a:prstGeom>
         </p:spPr>
         <p:txBody>
-          <a:bodyPr spcFirstLastPara="1" wrap="square" lIns="91425" tIns="91425" rIns="91425" bIns="91425" anchor="t" anchorCtr="0">
+          <a:bodyPr anchorCtr="0" anchor="t" bIns="91425" lIns="91425" spcFirstLastPara="1" rIns="91425" wrap="square" tIns="91425">
             <a:noAutofit/>
           </a:bodyPr>
           <a:lstStyle/>
           <a:p>
-            <a:pPr marL="0" lvl="0" indent="0" algn="l" rtl="0">
-              <a:spcBef>
-                <a:spcPts val="0"/>
-              </a:spcBef>
-              <a:spcAft>
-                <a:spcPts val="0"/>
-              </a:spcAft>
-              <a:buNone/>
-            </a:pPr>
+            <a:pPr indent="0" lvl="0" marL="0" rtl="0" algn="l">
+              <a:spcBef>
+                <a:spcPts val="0"/>
+              </a:spcBef>
+              <a:spcAft>
+                <a:spcPts val="0"/>
+              </a:spcAft>
+              <a:buNone/>
+            </a:pPr>
+            <a:r>
+              <a:t/>
+            </a:r>
             <a:endParaRPr/>
           </a:p>
         </p:txBody>
@@ -2081,11 +2001,11 @@
 </file>
 
 <file path=ppt/notesSlides/notesSlide21.xml><?xml version="1.0" encoding="utf-8"?>
-<p:notes xmlns:a="http://schemas.openxmlformats.org/drawingml/2006/main" xmlns:r="http://schemas.openxmlformats.org/officeDocument/2006/relationships" xmlns:p="http://schemas.openxmlformats.org/presentationml/2006/main" showMasterSp="0" showMasterPhAnim="0">
+<p:notes xmlns:a="http://schemas.openxmlformats.org/drawingml/2006/main" xmlns:r="http://schemas.openxmlformats.org/officeDocument/2006/relationships" xmlns:mc="http://schemas.openxmlformats.org/markup-compatibility/2006" xmlns:mv="urn:schemas-microsoft-com:mac:vml" xmlns:p="http://schemas.openxmlformats.org/presentationml/2006/main" xmlns:c="http://schemas.openxmlformats.org/drawingml/2006/chart" xmlns:dgm="http://schemas.openxmlformats.org/drawingml/2006/diagram" xmlns:o="urn:schemas-microsoft-com:office:office" xmlns:v="urn:schemas-microsoft-com:vml" xmlns:pvml="urn:schemas-microsoft-com:office:powerpoint" xmlns:com="http://schemas.openxmlformats.org/drawingml/2006/compatibility" xmlns:p14="http://schemas.microsoft.com/office/powerpoint/2010/main" xmlns:p15="http://schemas.microsoft.com/office/powerpoint/2012/main" xmlns:ahyp="http://schemas.microsoft.com/office/drawing/2018/hyperlinkcolor" showMasterPhAnim="0" showMasterSp="0">
   <p:cSld>
     <p:spTree>
       <p:nvGrpSpPr>
-        <p:cNvPr id="1" name="Shape 213"/>
+        <p:cNvPr id="213" name="Shape 213"/>
         <p:cNvGrpSpPr/>
         <p:nvPr/>
       </p:nvGrpSpPr>
@@ -2100,11 +2020,9 @@
       <p:sp>
         <p:nvSpPr>
           <p:cNvPr id="214" name="Google Shape;214;g1184faf39ae_0_0:notes"/>
-          <p:cNvSpPr>
-            <a:spLocks noGrp="1" noRot="1" noChangeAspect="1"/>
-          </p:cNvSpPr>
-          <p:nvPr>
-            <p:ph type="sldImg" idx="2"/>
+          <p:cNvSpPr/>
+          <p:nvPr>
+            <p:ph idx="2" type="sldImg"/>
           </p:nvPr>
         </p:nvSpPr>
         <p:spPr>
@@ -2113,13 +2031,9 @@
             <a:ext cx="6096000" cy="3429000"/>
           </a:xfrm>
           <a:custGeom>
-            <a:avLst/>
-            <a:gdLst/>
-            <a:ahLst/>
-            <a:cxnLst/>
-            <a:rect l="l" t="t" r="r" b="b"/>
+            <a:rect b="b" l="l" r="r" t="t"/>
             <a:pathLst>
-              <a:path w="120000" h="120000" extrusionOk="0">
+              <a:path extrusionOk="0" h="120000" w="120000">
                 <a:moveTo>
                   <a:pt x="0" y="0"/>
                 </a:moveTo>
@@ -2141,11 +2055,9 @@
       <p:sp>
         <p:nvSpPr>
           <p:cNvPr id="215" name="Google Shape;215;g1184faf39ae_0_0:notes"/>
-          <p:cNvSpPr txBox="1">
-            <a:spLocks noGrp="1"/>
-          </p:cNvSpPr>
-          <p:nvPr>
-            <p:ph type="body" idx="1"/>
+          <p:cNvSpPr txBox="1"/>
+          <p:nvPr>
+            <p:ph idx="1" type="body"/>
           </p:nvPr>
         </p:nvSpPr>
         <p:spPr>
@@ -2158,20 +2070,23 @@
           </a:prstGeom>
         </p:spPr>
         <p:txBody>
-          <a:bodyPr spcFirstLastPara="1" wrap="square" lIns="91425" tIns="91425" rIns="91425" bIns="91425" anchor="t" anchorCtr="0">
+          <a:bodyPr anchorCtr="0" anchor="t" bIns="91425" lIns="91425" spcFirstLastPara="1" rIns="91425" wrap="square" tIns="91425">
             <a:noAutofit/>
           </a:bodyPr>
           <a:lstStyle/>
           <a:p>
-            <a:pPr marL="0" lvl="0" indent="0" algn="l" rtl="0">
-              <a:spcBef>
-                <a:spcPts val="0"/>
-              </a:spcBef>
-              <a:spcAft>
-                <a:spcPts val="0"/>
-              </a:spcAft>
-              <a:buNone/>
-            </a:pPr>
+            <a:pPr indent="0" lvl="0" marL="0" rtl="0" algn="l">
+              <a:spcBef>
+                <a:spcPts val="0"/>
+              </a:spcBef>
+              <a:spcAft>
+                <a:spcPts val="0"/>
+              </a:spcAft>
+              <a:buNone/>
+            </a:pPr>
+            <a:r>
+              <a:t/>
+            </a:r>
             <a:endParaRPr/>
           </a:p>
         </p:txBody>
@@ -2185,11 +2100,11 @@
 </file>
 
 <file path=ppt/notesSlides/notesSlide22.xml><?xml version="1.0" encoding="utf-8"?>
-<p:notes xmlns:a="http://schemas.openxmlformats.org/drawingml/2006/main" xmlns:r="http://schemas.openxmlformats.org/officeDocument/2006/relationships" xmlns:p="http://schemas.openxmlformats.org/presentationml/2006/main" showMasterSp="0" showMasterPhAnim="0">
+<p:notes xmlns:a="http://schemas.openxmlformats.org/drawingml/2006/main" xmlns:r="http://schemas.openxmlformats.org/officeDocument/2006/relationships" xmlns:mc="http://schemas.openxmlformats.org/markup-compatibility/2006" xmlns:mv="urn:schemas-microsoft-com:mac:vml" xmlns:p="http://schemas.openxmlformats.org/presentationml/2006/main" xmlns:c="http://schemas.openxmlformats.org/drawingml/2006/chart" xmlns:dgm="http://schemas.openxmlformats.org/drawingml/2006/diagram" xmlns:o="urn:schemas-microsoft-com:office:office" xmlns:v="urn:schemas-microsoft-com:vml" xmlns:pvml="urn:schemas-microsoft-com:office:powerpoint" xmlns:com="http://schemas.openxmlformats.org/drawingml/2006/compatibility" xmlns:p14="http://schemas.microsoft.com/office/powerpoint/2010/main" xmlns:p15="http://schemas.microsoft.com/office/powerpoint/2012/main" xmlns:ahyp="http://schemas.microsoft.com/office/drawing/2018/hyperlinkcolor" showMasterPhAnim="0" showMasterSp="0">
   <p:cSld>
     <p:spTree>
       <p:nvGrpSpPr>
-        <p:cNvPr id="1" name="Shape 220"/>
+        <p:cNvPr id="220" name="Shape 220"/>
         <p:cNvGrpSpPr/>
         <p:nvPr/>
       </p:nvGrpSpPr>
@@ -2204,11 +2119,9 @@
       <p:sp>
         <p:nvSpPr>
           <p:cNvPr id="221" name="Google Shape;221;g1184faf39ae_0_7:notes"/>
-          <p:cNvSpPr>
-            <a:spLocks noGrp="1" noRot="1" noChangeAspect="1"/>
-          </p:cNvSpPr>
-          <p:nvPr>
-            <p:ph type="sldImg" idx="2"/>
+          <p:cNvSpPr/>
+          <p:nvPr>
+            <p:ph idx="2" type="sldImg"/>
           </p:nvPr>
         </p:nvSpPr>
         <p:spPr>
@@ -2217,13 +2130,9 @@
             <a:ext cx="6096000" cy="3429000"/>
           </a:xfrm>
           <a:custGeom>
-            <a:avLst/>
-            <a:gdLst/>
-            <a:ahLst/>
-            <a:cxnLst/>
-            <a:rect l="l" t="t" r="r" b="b"/>
+            <a:rect b="b" l="l" r="r" t="t"/>
             <a:pathLst>
-              <a:path w="120000" h="120000" extrusionOk="0">
+              <a:path extrusionOk="0" h="120000" w="120000">
                 <a:moveTo>
                   <a:pt x="0" y="0"/>
                 </a:moveTo>
@@ -2245,11 +2154,9 @@
       <p:sp>
         <p:nvSpPr>
           <p:cNvPr id="222" name="Google Shape;222;g1184faf39ae_0_7:notes"/>
-          <p:cNvSpPr txBox="1">
-            <a:spLocks noGrp="1"/>
-          </p:cNvSpPr>
-          <p:nvPr>
-            <p:ph type="body" idx="1"/>
+          <p:cNvSpPr txBox="1"/>
+          <p:nvPr>
+            <p:ph idx="1" type="body"/>
           </p:nvPr>
         </p:nvSpPr>
         <p:spPr>
@@ -2262,20 +2169,23 @@
           </a:prstGeom>
         </p:spPr>
         <p:txBody>
-          <a:bodyPr spcFirstLastPara="1" wrap="square" lIns="91425" tIns="91425" rIns="91425" bIns="91425" anchor="t" anchorCtr="0">
+          <a:bodyPr anchorCtr="0" anchor="t" bIns="91425" lIns="91425" spcFirstLastPara="1" rIns="91425" wrap="square" tIns="91425">
             <a:noAutofit/>
           </a:bodyPr>
           <a:lstStyle/>
           <a:p>
-            <a:pPr marL="0" lvl="0" indent="0" algn="l" rtl="0">
-              <a:spcBef>
-                <a:spcPts val="0"/>
-              </a:spcBef>
-              <a:spcAft>
-                <a:spcPts val="0"/>
-              </a:spcAft>
-              <a:buNone/>
-            </a:pPr>
+            <a:pPr indent="0" lvl="0" marL="0" rtl="0" algn="l">
+              <a:spcBef>
+                <a:spcPts val="0"/>
+              </a:spcBef>
+              <a:spcAft>
+                <a:spcPts val="0"/>
+              </a:spcAft>
+              <a:buNone/>
+            </a:pPr>
+            <a:r>
+              <a:t/>
+            </a:r>
             <a:endParaRPr/>
           </a:p>
         </p:txBody>
@@ -2289,11 +2199,11 @@
 </file>
 
 <file path=ppt/notesSlides/notesSlide23.xml><?xml version="1.0" encoding="utf-8"?>
-<p:notes xmlns:a="http://schemas.openxmlformats.org/drawingml/2006/main" xmlns:r="http://schemas.openxmlformats.org/officeDocument/2006/relationships" xmlns:p="http://schemas.openxmlformats.org/presentationml/2006/main" showMasterSp="0" showMasterPhAnim="0">
+<p:notes xmlns:a="http://schemas.openxmlformats.org/drawingml/2006/main" xmlns:r="http://schemas.openxmlformats.org/officeDocument/2006/relationships" xmlns:mc="http://schemas.openxmlformats.org/markup-compatibility/2006" xmlns:mv="urn:schemas-microsoft-com:mac:vml" xmlns:p="http://schemas.openxmlformats.org/presentationml/2006/main" xmlns:c="http://schemas.openxmlformats.org/drawingml/2006/chart" xmlns:dgm="http://schemas.openxmlformats.org/drawingml/2006/diagram" xmlns:o="urn:schemas-microsoft-com:office:office" xmlns:v="urn:schemas-microsoft-com:vml" xmlns:pvml="urn:schemas-microsoft-com:office:powerpoint" xmlns:com="http://schemas.openxmlformats.org/drawingml/2006/compatibility" xmlns:p14="http://schemas.microsoft.com/office/powerpoint/2010/main" xmlns:p15="http://schemas.microsoft.com/office/powerpoint/2012/main" xmlns:ahyp="http://schemas.microsoft.com/office/drawing/2018/hyperlinkcolor" showMasterPhAnim="0" showMasterSp="0">
   <p:cSld>
     <p:spTree>
       <p:nvGrpSpPr>
-        <p:cNvPr id="1" name="Shape 228"/>
+        <p:cNvPr id="228" name="Shape 228"/>
         <p:cNvGrpSpPr/>
         <p:nvPr/>
       </p:nvGrpSpPr>
@@ -2308,11 +2218,9 @@
       <p:sp>
         <p:nvSpPr>
           <p:cNvPr id="229" name="Google Shape;229;g1184faf39ae_0_15:notes"/>
-          <p:cNvSpPr>
-            <a:spLocks noGrp="1" noRot="1" noChangeAspect="1"/>
-          </p:cNvSpPr>
-          <p:nvPr>
-            <p:ph type="sldImg" idx="2"/>
+          <p:cNvSpPr/>
+          <p:nvPr>
+            <p:ph idx="2" type="sldImg"/>
           </p:nvPr>
         </p:nvSpPr>
         <p:spPr>
@@ -2321,13 +2229,9 @@
             <a:ext cx="6096000" cy="3429000"/>
           </a:xfrm>
           <a:custGeom>
-            <a:avLst/>
-            <a:gdLst/>
-            <a:ahLst/>
-            <a:cxnLst/>
-            <a:rect l="l" t="t" r="r" b="b"/>
+            <a:rect b="b" l="l" r="r" t="t"/>
             <a:pathLst>
-              <a:path w="120000" h="120000" extrusionOk="0">
+              <a:path extrusionOk="0" h="120000" w="120000">
                 <a:moveTo>
                   <a:pt x="0" y="0"/>
                 </a:moveTo>
@@ -2349,11 +2253,9 @@
       <p:sp>
         <p:nvSpPr>
           <p:cNvPr id="230" name="Google Shape;230;g1184faf39ae_0_15:notes"/>
-          <p:cNvSpPr txBox="1">
-            <a:spLocks noGrp="1"/>
-          </p:cNvSpPr>
-          <p:nvPr>
-            <p:ph type="body" idx="1"/>
+          <p:cNvSpPr txBox="1"/>
+          <p:nvPr>
+            <p:ph idx="1" type="body"/>
           </p:nvPr>
         </p:nvSpPr>
         <p:spPr>
@@ -2366,20 +2268,23 @@
           </a:prstGeom>
         </p:spPr>
         <p:txBody>
-          <a:bodyPr spcFirstLastPara="1" wrap="square" lIns="91425" tIns="91425" rIns="91425" bIns="91425" anchor="t" anchorCtr="0">
+          <a:bodyPr anchorCtr="0" anchor="t" bIns="91425" lIns="91425" spcFirstLastPara="1" rIns="91425" wrap="square" tIns="91425">
             <a:noAutofit/>
           </a:bodyPr>
           <a:lstStyle/>
           <a:p>
-            <a:pPr marL="0" lvl="0" indent="0" algn="l" rtl="0">
-              <a:spcBef>
-                <a:spcPts val="0"/>
-              </a:spcBef>
-              <a:spcAft>
-                <a:spcPts val="0"/>
-              </a:spcAft>
-              <a:buNone/>
-            </a:pPr>
+            <a:pPr indent="0" lvl="0" marL="0" rtl="0" algn="l">
+              <a:spcBef>
+                <a:spcPts val="0"/>
+              </a:spcBef>
+              <a:spcAft>
+                <a:spcPts val="0"/>
+              </a:spcAft>
+              <a:buNone/>
+            </a:pPr>
+            <a:r>
+              <a:t/>
+            </a:r>
             <a:endParaRPr/>
           </a:p>
         </p:txBody>
@@ -2393,11 +2298,11 @@
 </file>
 
 <file path=ppt/notesSlides/notesSlide24.xml><?xml version="1.0" encoding="utf-8"?>
-<p:notes xmlns:a="http://schemas.openxmlformats.org/drawingml/2006/main" xmlns:r="http://schemas.openxmlformats.org/officeDocument/2006/relationships" xmlns:p="http://schemas.openxmlformats.org/presentationml/2006/main" showMasterSp="0" showMasterPhAnim="0">
+<p:notes xmlns:a="http://schemas.openxmlformats.org/drawingml/2006/main" xmlns:r="http://schemas.openxmlformats.org/officeDocument/2006/relationships" xmlns:mc="http://schemas.openxmlformats.org/markup-compatibility/2006" xmlns:mv="urn:schemas-microsoft-com:mac:vml" xmlns:p="http://schemas.openxmlformats.org/presentationml/2006/main" xmlns:c="http://schemas.openxmlformats.org/drawingml/2006/chart" xmlns:dgm="http://schemas.openxmlformats.org/drawingml/2006/diagram" xmlns:o="urn:schemas-microsoft-com:office:office" xmlns:v="urn:schemas-microsoft-com:vml" xmlns:pvml="urn:schemas-microsoft-com:office:powerpoint" xmlns:com="http://schemas.openxmlformats.org/drawingml/2006/compatibility" xmlns:p14="http://schemas.microsoft.com/office/powerpoint/2010/main" xmlns:p15="http://schemas.microsoft.com/office/powerpoint/2012/main" xmlns:ahyp="http://schemas.microsoft.com/office/drawing/2018/hyperlinkcolor" showMasterPhAnim="0" showMasterSp="0">
   <p:cSld>
     <p:spTree>
       <p:nvGrpSpPr>
-        <p:cNvPr id="1" name="Shape 234"/>
+        <p:cNvPr id="234" name="Shape 234"/>
         <p:cNvGrpSpPr/>
         <p:nvPr/>
       </p:nvGrpSpPr>
@@ -2412,11 +2317,9 @@
       <p:sp>
         <p:nvSpPr>
           <p:cNvPr id="235" name="Google Shape;235;g1184faf39ae_0_21:notes"/>
-          <p:cNvSpPr>
-            <a:spLocks noGrp="1" noRot="1" noChangeAspect="1"/>
-          </p:cNvSpPr>
-          <p:nvPr>
-            <p:ph type="sldImg" idx="2"/>
+          <p:cNvSpPr/>
+          <p:nvPr>
+            <p:ph idx="2" type="sldImg"/>
           </p:nvPr>
         </p:nvSpPr>
         <p:spPr>
@@ -2425,13 +2328,9 @@
             <a:ext cx="6096000" cy="3429000"/>
           </a:xfrm>
           <a:custGeom>
-            <a:avLst/>
-            <a:gdLst/>
-            <a:ahLst/>
-            <a:cxnLst/>
-            <a:rect l="l" t="t" r="r" b="b"/>
+            <a:rect b="b" l="l" r="r" t="t"/>
             <a:pathLst>
-              <a:path w="120000" h="120000" extrusionOk="0">
+              <a:path extrusionOk="0" h="120000" w="120000">
                 <a:moveTo>
                   <a:pt x="0" y="0"/>
                 </a:moveTo>
@@ -2453,11 +2352,9 @@
       <p:sp>
         <p:nvSpPr>
           <p:cNvPr id="236" name="Google Shape;236;g1184faf39ae_0_21:notes"/>
-          <p:cNvSpPr txBox="1">
-            <a:spLocks noGrp="1"/>
-          </p:cNvSpPr>
-          <p:nvPr>
-            <p:ph type="body" idx="1"/>
+          <p:cNvSpPr txBox="1"/>
+          <p:nvPr>
+            <p:ph idx="1" type="body"/>
           </p:nvPr>
         </p:nvSpPr>
         <p:spPr>
@@ -2470,20 +2367,23 @@
           </a:prstGeom>
         </p:spPr>
         <p:txBody>
-          <a:bodyPr spcFirstLastPara="1" wrap="square" lIns="91425" tIns="91425" rIns="91425" bIns="91425" anchor="t" anchorCtr="0">
+          <a:bodyPr anchorCtr="0" anchor="t" bIns="91425" lIns="91425" spcFirstLastPara="1" rIns="91425" wrap="square" tIns="91425">
             <a:noAutofit/>
           </a:bodyPr>
           <a:lstStyle/>
           <a:p>
-            <a:pPr marL="0" lvl="0" indent="0" algn="l" rtl="0">
-              <a:spcBef>
-                <a:spcPts val="0"/>
-              </a:spcBef>
-              <a:spcAft>
-                <a:spcPts val="0"/>
-              </a:spcAft>
-              <a:buNone/>
-            </a:pPr>
+            <a:pPr indent="0" lvl="0" marL="0" rtl="0" algn="l">
+              <a:spcBef>
+                <a:spcPts val="0"/>
+              </a:spcBef>
+              <a:spcAft>
+                <a:spcPts val="0"/>
+              </a:spcAft>
+              <a:buNone/>
+            </a:pPr>
+            <a:r>
+              <a:t/>
+            </a:r>
             <a:endParaRPr/>
           </a:p>
         </p:txBody>
@@ -2497,11 +2397,11 @@
 </file>
 
 <file path=ppt/notesSlides/notesSlide25.xml><?xml version="1.0" encoding="utf-8"?>
-<p:notes xmlns:a="http://schemas.openxmlformats.org/drawingml/2006/main" xmlns:r="http://schemas.openxmlformats.org/officeDocument/2006/relationships" xmlns:p="http://schemas.openxmlformats.org/presentationml/2006/main" showMasterSp="0" showMasterPhAnim="0">
+<p:notes xmlns:a="http://schemas.openxmlformats.org/drawingml/2006/main" xmlns:r="http://schemas.openxmlformats.org/officeDocument/2006/relationships" xmlns:mc="http://schemas.openxmlformats.org/markup-compatibility/2006" xmlns:mv="urn:schemas-microsoft-com:mac:vml" xmlns:p="http://schemas.openxmlformats.org/presentationml/2006/main" xmlns:c="http://schemas.openxmlformats.org/drawingml/2006/chart" xmlns:dgm="http://schemas.openxmlformats.org/drawingml/2006/diagram" xmlns:o="urn:schemas-microsoft-com:office:office" xmlns:v="urn:schemas-microsoft-com:vml" xmlns:pvml="urn:schemas-microsoft-com:office:powerpoint" xmlns:com="http://schemas.openxmlformats.org/drawingml/2006/compatibility" xmlns:p14="http://schemas.microsoft.com/office/powerpoint/2010/main" xmlns:p15="http://schemas.microsoft.com/office/powerpoint/2012/main" xmlns:ahyp="http://schemas.microsoft.com/office/drawing/2018/hyperlinkcolor" showMasterPhAnim="0" showMasterSp="0">
   <p:cSld>
     <p:spTree>
       <p:nvGrpSpPr>
-        <p:cNvPr id="1" name="Shape 241"/>
+        <p:cNvPr id="241" name="Shape 241"/>
         <p:cNvGrpSpPr/>
         <p:nvPr/>
       </p:nvGrpSpPr>
@@ -2516,11 +2416,9 @@
       <p:sp>
         <p:nvSpPr>
           <p:cNvPr id="242" name="Google Shape;242;g1184faf39ae_0_28:notes"/>
-          <p:cNvSpPr>
-            <a:spLocks noGrp="1" noRot="1" noChangeAspect="1"/>
-          </p:cNvSpPr>
-          <p:nvPr>
-            <p:ph type="sldImg" idx="2"/>
+          <p:cNvSpPr/>
+          <p:nvPr>
+            <p:ph idx="2" type="sldImg"/>
           </p:nvPr>
         </p:nvSpPr>
         <p:spPr>
@@ -2529,13 +2427,9 @@
             <a:ext cx="6096000" cy="3429000"/>
           </a:xfrm>
           <a:custGeom>
-            <a:avLst/>
-            <a:gdLst/>
-            <a:ahLst/>
-            <a:cxnLst/>
-            <a:rect l="l" t="t" r="r" b="b"/>
+            <a:rect b="b" l="l" r="r" t="t"/>
             <a:pathLst>
-              <a:path w="120000" h="120000" extrusionOk="0">
+              <a:path extrusionOk="0" h="120000" w="120000">
                 <a:moveTo>
                   <a:pt x="0" y="0"/>
                 </a:moveTo>
@@ -2557,11 +2451,9 @@
       <p:sp>
         <p:nvSpPr>
           <p:cNvPr id="243" name="Google Shape;243;g1184faf39ae_0_28:notes"/>
-          <p:cNvSpPr txBox="1">
-            <a:spLocks noGrp="1"/>
-          </p:cNvSpPr>
-          <p:nvPr>
-            <p:ph type="body" idx="1"/>
+          <p:cNvSpPr txBox="1"/>
+          <p:nvPr>
+            <p:ph idx="1" type="body"/>
           </p:nvPr>
         </p:nvSpPr>
         <p:spPr>
@@ -2574,20 +2466,23 @@
           </a:prstGeom>
         </p:spPr>
         <p:txBody>
-          <a:bodyPr spcFirstLastPara="1" wrap="square" lIns="91425" tIns="91425" rIns="91425" bIns="91425" anchor="t" anchorCtr="0">
+          <a:bodyPr anchorCtr="0" anchor="t" bIns="91425" lIns="91425" spcFirstLastPara="1" rIns="91425" wrap="square" tIns="91425">
             <a:noAutofit/>
           </a:bodyPr>
           <a:lstStyle/>
           <a:p>
-            <a:pPr marL="0" lvl="0" indent="0" algn="l" rtl="0">
-              <a:spcBef>
-                <a:spcPts val="0"/>
-              </a:spcBef>
-              <a:spcAft>
-                <a:spcPts val="0"/>
-              </a:spcAft>
-              <a:buNone/>
-            </a:pPr>
+            <a:pPr indent="0" lvl="0" marL="0" rtl="0" algn="l">
+              <a:spcBef>
+                <a:spcPts val="0"/>
+              </a:spcBef>
+              <a:spcAft>
+                <a:spcPts val="0"/>
+              </a:spcAft>
+              <a:buNone/>
+            </a:pPr>
+            <a:r>
+              <a:t/>
+            </a:r>
             <a:endParaRPr/>
           </a:p>
         </p:txBody>
@@ -2601,11 +2496,11 @@
 </file>
 
 <file path=ppt/notesSlides/notesSlide26.xml><?xml version="1.0" encoding="utf-8"?>
-<p:notes xmlns:a="http://schemas.openxmlformats.org/drawingml/2006/main" xmlns:r="http://schemas.openxmlformats.org/officeDocument/2006/relationships" xmlns:p="http://schemas.openxmlformats.org/presentationml/2006/main" showMasterSp="0" showMasterPhAnim="0">
+<p:notes xmlns:a="http://schemas.openxmlformats.org/drawingml/2006/main" xmlns:r="http://schemas.openxmlformats.org/officeDocument/2006/relationships" xmlns:mc="http://schemas.openxmlformats.org/markup-compatibility/2006" xmlns:mv="urn:schemas-microsoft-com:mac:vml" xmlns:p="http://schemas.openxmlformats.org/presentationml/2006/main" xmlns:c="http://schemas.openxmlformats.org/drawingml/2006/chart" xmlns:dgm="http://schemas.openxmlformats.org/drawingml/2006/diagram" xmlns:o="urn:schemas-microsoft-com:office:office" xmlns:v="urn:schemas-microsoft-com:vml" xmlns:pvml="urn:schemas-microsoft-com:office:powerpoint" xmlns:com="http://schemas.openxmlformats.org/drawingml/2006/compatibility" xmlns:p14="http://schemas.microsoft.com/office/powerpoint/2010/main" xmlns:p15="http://schemas.microsoft.com/office/powerpoint/2012/main" xmlns:ahyp="http://schemas.microsoft.com/office/drawing/2018/hyperlinkcolor" showMasterPhAnim="0" showMasterSp="0">
   <p:cSld>
     <p:spTree>
       <p:nvGrpSpPr>
-        <p:cNvPr id="1" name="Shape 249"/>
+        <p:cNvPr id="249" name="Shape 249"/>
         <p:cNvGrpSpPr/>
         <p:nvPr/>
       </p:nvGrpSpPr>
@@ -2620,11 +2515,9 @@
       <p:sp>
         <p:nvSpPr>
           <p:cNvPr id="250" name="Google Shape;250;g114deed6f4e_0_220:notes"/>
-          <p:cNvSpPr>
-            <a:spLocks noGrp="1" noRot="1" noChangeAspect="1"/>
-          </p:cNvSpPr>
-          <p:nvPr>
-            <p:ph type="sldImg" idx="2"/>
+          <p:cNvSpPr/>
+          <p:nvPr>
+            <p:ph idx="2" type="sldImg"/>
           </p:nvPr>
         </p:nvSpPr>
         <p:spPr>
@@ -2633,13 +2526,9 @@
             <a:ext cx="6096000" cy="3429000"/>
           </a:xfrm>
           <a:custGeom>
-            <a:avLst/>
-            <a:gdLst/>
-            <a:ahLst/>
-            <a:cxnLst/>
-            <a:rect l="l" t="t" r="r" b="b"/>
+            <a:rect b="b" l="l" r="r" t="t"/>
             <a:pathLst>
-              <a:path w="120000" h="120000" extrusionOk="0">
+              <a:path extrusionOk="0" h="120000" w="120000">
                 <a:moveTo>
                   <a:pt x="0" y="0"/>
                 </a:moveTo>
@@ -2661,11 +2550,9 @@
       <p:sp>
         <p:nvSpPr>
           <p:cNvPr id="251" name="Google Shape;251;g114deed6f4e_0_220:notes"/>
-          <p:cNvSpPr txBox="1">
-            <a:spLocks noGrp="1"/>
-          </p:cNvSpPr>
-          <p:nvPr>
-            <p:ph type="body" idx="1"/>
+          <p:cNvSpPr txBox="1"/>
+          <p:nvPr>
+            <p:ph idx="1" type="body"/>
           </p:nvPr>
         </p:nvSpPr>
         <p:spPr>
@@ -2678,20 +2565,23 @@
           </a:prstGeom>
         </p:spPr>
         <p:txBody>
-          <a:bodyPr spcFirstLastPara="1" wrap="square" lIns="91425" tIns="91425" rIns="91425" bIns="91425" anchor="t" anchorCtr="0">
+          <a:bodyPr anchorCtr="0" anchor="t" bIns="91425" lIns="91425" spcFirstLastPara="1" rIns="91425" wrap="square" tIns="91425">
             <a:noAutofit/>
           </a:bodyPr>
           <a:lstStyle/>
           <a:p>
-            <a:pPr marL="0" lvl="0" indent="0" algn="l" rtl="0">
-              <a:spcBef>
-                <a:spcPts val="0"/>
-              </a:spcBef>
-              <a:spcAft>
-                <a:spcPts val="0"/>
-              </a:spcAft>
-              <a:buNone/>
-            </a:pPr>
+            <a:pPr indent="0" lvl="0" marL="0" rtl="0" algn="l">
+              <a:spcBef>
+                <a:spcPts val="0"/>
+              </a:spcBef>
+              <a:spcAft>
+                <a:spcPts val="0"/>
+              </a:spcAft>
+              <a:buNone/>
+            </a:pPr>
+            <a:r>
+              <a:t/>
+            </a:r>
             <a:endParaRPr/>
           </a:p>
         </p:txBody>
@@ -2705,11 +2595,11 @@
 </file>
 
 <file path=ppt/notesSlides/notesSlide27.xml><?xml version="1.0" encoding="utf-8"?>
-<p:notes xmlns:a="http://schemas.openxmlformats.org/drawingml/2006/main" xmlns:r="http://schemas.openxmlformats.org/officeDocument/2006/relationships" xmlns:p="http://schemas.openxmlformats.org/presentationml/2006/main" showMasterSp="0" showMasterPhAnim="0">
+<p:notes xmlns:a="http://schemas.openxmlformats.org/drawingml/2006/main" xmlns:r="http://schemas.openxmlformats.org/officeDocument/2006/relationships" xmlns:mc="http://schemas.openxmlformats.org/markup-compatibility/2006" xmlns:mv="urn:schemas-microsoft-com:mac:vml" xmlns:p="http://schemas.openxmlformats.org/presentationml/2006/main" xmlns:c="http://schemas.openxmlformats.org/drawingml/2006/chart" xmlns:dgm="http://schemas.openxmlformats.org/drawingml/2006/diagram" xmlns:o="urn:schemas-microsoft-com:office:office" xmlns:v="urn:schemas-microsoft-com:vml" xmlns:pvml="urn:schemas-microsoft-com:office:powerpoint" xmlns:com="http://schemas.openxmlformats.org/drawingml/2006/compatibility" xmlns:p14="http://schemas.microsoft.com/office/powerpoint/2010/main" xmlns:p15="http://schemas.microsoft.com/office/powerpoint/2012/main" xmlns:ahyp="http://schemas.microsoft.com/office/drawing/2018/hyperlinkcolor" showMasterPhAnim="0" showMasterSp="0">
   <p:cSld>
     <p:spTree>
       <p:nvGrpSpPr>
-        <p:cNvPr id="1" name="Shape 256"/>
+        <p:cNvPr id="256" name="Shape 256"/>
         <p:cNvGrpSpPr/>
         <p:nvPr/>
       </p:nvGrpSpPr>
@@ -2724,11 +2614,9 @@
       <p:sp>
         <p:nvSpPr>
           <p:cNvPr id="257" name="Google Shape;257;g115637626fa_0_6:notes"/>
-          <p:cNvSpPr>
-            <a:spLocks noGrp="1" noRot="1" noChangeAspect="1"/>
-          </p:cNvSpPr>
-          <p:nvPr>
-            <p:ph type="sldImg" idx="2"/>
+          <p:cNvSpPr/>
+          <p:nvPr>
+            <p:ph idx="2" type="sldImg"/>
           </p:nvPr>
         </p:nvSpPr>
         <p:spPr>
@@ -2737,13 +2625,9 @@
             <a:ext cx="6096000" cy="3429000"/>
           </a:xfrm>
           <a:custGeom>
-            <a:avLst/>
-            <a:gdLst/>
-            <a:ahLst/>
-            <a:cxnLst/>
-            <a:rect l="l" t="t" r="r" b="b"/>
+            <a:rect b="b" l="l" r="r" t="t"/>
             <a:pathLst>
-              <a:path w="120000" h="120000" extrusionOk="0">
+              <a:path extrusionOk="0" h="120000" w="120000">
                 <a:moveTo>
                   <a:pt x="0" y="0"/>
                 </a:moveTo>
@@ -2765,11 +2649,9 @@
       <p:sp>
         <p:nvSpPr>
           <p:cNvPr id="258" name="Google Shape;258;g115637626fa_0_6:notes"/>
-          <p:cNvSpPr txBox="1">
-            <a:spLocks noGrp="1"/>
-          </p:cNvSpPr>
-          <p:nvPr>
-            <p:ph type="body" idx="1"/>
+          <p:cNvSpPr txBox="1"/>
+          <p:nvPr>
+            <p:ph idx="1" type="body"/>
           </p:nvPr>
         </p:nvSpPr>
         <p:spPr>
@@ -2782,20 +2664,23 @@
           </a:prstGeom>
         </p:spPr>
         <p:txBody>
-          <a:bodyPr spcFirstLastPara="1" wrap="square" lIns="91425" tIns="91425" rIns="91425" bIns="91425" anchor="t" anchorCtr="0">
+          <a:bodyPr anchorCtr="0" anchor="t" bIns="91425" lIns="91425" spcFirstLastPara="1" rIns="91425" wrap="square" tIns="91425">
             <a:noAutofit/>
           </a:bodyPr>
           <a:lstStyle/>
           <a:p>
-            <a:pPr marL="0" lvl="0" indent="0" algn="l" rtl="0">
-              <a:spcBef>
-                <a:spcPts val="0"/>
-              </a:spcBef>
-              <a:spcAft>
-                <a:spcPts val="0"/>
-              </a:spcAft>
-              <a:buNone/>
-            </a:pPr>
+            <a:pPr indent="0" lvl="0" marL="0" rtl="0" algn="l">
+              <a:spcBef>
+                <a:spcPts val="0"/>
+              </a:spcBef>
+              <a:spcAft>
+                <a:spcPts val="0"/>
+              </a:spcAft>
+              <a:buNone/>
+            </a:pPr>
+            <a:r>
+              <a:t/>
+            </a:r>
             <a:endParaRPr/>
           </a:p>
         </p:txBody>
@@ -2809,11 +2694,11 @@
 </file>
 
 <file path=ppt/notesSlides/notesSlide28.xml><?xml version="1.0" encoding="utf-8"?>
-<p:notes xmlns:a="http://schemas.openxmlformats.org/drawingml/2006/main" xmlns:r="http://schemas.openxmlformats.org/officeDocument/2006/relationships" xmlns:p="http://schemas.openxmlformats.org/presentationml/2006/main" showMasterSp="0" showMasterPhAnim="0">
+<p:notes xmlns:a="http://schemas.openxmlformats.org/drawingml/2006/main" xmlns:r="http://schemas.openxmlformats.org/officeDocument/2006/relationships" xmlns:mc="http://schemas.openxmlformats.org/markup-compatibility/2006" xmlns:mv="urn:schemas-microsoft-com:mac:vml" xmlns:p="http://schemas.openxmlformats.org/presentationml/2006/main" xmlns:c="http://schemas.openxmlformats.org/drawingml/2006/chart" xmlns:dgm="http://schemas.openxmlformats.org/drawingml/2006/diagram" xmlns:o="urn:schemas-microsoft-com:office:office" xmlns:v="urn:schemas-microsoft-com:vml" xmlns:pvml="urn:schemas-microsoft-com:office:powerpoint" xmlns:com="http://schemas.openxmlformats.org/drawingml/2006/compatibility" xmlns:p14="http://schemas.microsoft.com/office/powerpoint/2010/main" xmlns:p15="http://schemas.microsoft.com/office/powerpoint/2012/main" xmlns:ahyp="http://schemas.microsoft.com/office/drawing/2018/hyperlinkcolor" showMasterPhAnim="0" showMasterSp="0">
   <p:cSld>
     <p:spTree>
       <p:nvGrpSpPr>
-        <p:cNvPr id="1" name="Shape 263"/>
+        <p:cNvPr id="263" name="Shape 263"/>
         <p:cNvGrpSpPr/>
         <p:nvPr/>
       </p:nvGrpSpPr>
@@ -2828,26 +2713,20 @@
       <p:sp>
         <p:nvSpPr>
           <p:cNvPr id="264" name="Google Shape;264;g115637626fa_0_83:notes"/>
-          <p:cNvSpPr>
-            <a:spLocks noGrp="1" noRot="1" noChangeAspect="1"/>
-          </p:cNvSpPr>
-          <p:nvPr>
-            <p:ph type="sldImg" idx="2"/>
-          </p:nvPr>
-        </p:nvSpPr>
-        <p:spPr>
-          <a:xfrm>
-            <a:off x="381000" y="685800"/>
+          <p:cNvSpPr/>
+          <p:nvPr>
+            <p:ph idx="2" type="sldImg"/>
+          </p:nvPr>
+        </p:nvSpPr>
+        <p:spPr>
+          <a:xfrm>
+            <a:off x="381300" y="685800"/>
             <a:ext cx="6096000" cy="3429000"/>
           </a:xfrm>
           <a:custGeom>
-            <a:avLst/>
-            <a:gdLst/>
-            <a:ahLst/>
-            <a:cxnLst/>
-            <a:rect l="l" t="t" r="r" b="b"/>
+            <a:rect b="b" l="l" r="r" t="t"/>
             <a:pathLst>
-              <a:path w="120000" h="120000" extrusionOk="0">
+              <a:path extrusionOk="0" h="120000" w="120000">
                 <a:moveTo>
                   <a:pt x="0" y="0"/>
                 </a:moveTo>
@@ -2869,11 +2748,9 @@
       <p:sp>
         <p:nvSpPr>
           <p:cNvPr id="265" name="Google Shape;265;g115637626fa_0_83:notes"/>
-          <p:cNvSpPr txBox="1">
-            <a:spLocks noGrp="1"/>
-          </p:cNvSpPr>
-          <p:nvPr>
-            <p:ph type="body" idx="1"/>
+          <p:cNvSpPr txBox="1"/>
+          <p:nvPr>
+            <p:ph idx="1" type="body"/>
           </p:nvPr>
         </p:nvSpPr>
         <p:spPr>
@@ -2886,20 +2763,23 @@
           </a:prstGeom>
         </p:spPr>
         <p:txBody>
-          <a:bodyPr spcFirstLastPara="1" wrap="square" lIns="91425" tIns="91425" rIns="91425" bIns="91425" anchor="t" anchorCtr="0">
+          <a:bodyPr anchorCtr="0" anchor="t" bIns="91425" lIns="91425" spcFirstLastPara="1" rIns="91425" wrap="square" tIns="91425">
             <a:noAutofit/>
           </a:bodyPr>
           <a:lstStyle/>
           <a:p>
-            <a:pPr marL="0" lvl="0" indent="0" algn="l" rtl="0">
-              <a:spcBef>
-                <a:spcPts val="0"/>
-              </a:spcBef>
-              <a:spcAft>
-                <a:spcPts val="0"/>
-              </a:spcAft>
-              <a:buNone/>
-            </a:pPr>
+            <a:pPr indent="0" lvl="0" marL="0" rtl="0" algn="l">
+              <a:spcBef>
+                <a:spcPts val="0"/>
+              </a:spcBef>
+              <a:spcAft>
+                <a:spcPts val="0"/>
+              </a:spcAft>
+              <a:buNone/>
+            </a:pPr>
+            <a:r>
+              <a:t/>
+            </a:r>
             <a:endParaRPr/>
           </a:p>
         </p:txBody>
@@ -2913,11 +2793,11 @@
 </file>
 
 <file path=ppt/notesSlides/notesSlide3.xml><?xml version="1.0" encoding="utf-8"?>
-<p:notes xmlns:a="http://schemas.openxmlformats.org/drawingml/2006/main" xmlns:r="http://schemas.openxmlformats.org/officeDocument/2006/relationships" xmlns:p="http://schemas.openxmlformats.org/presentationml/2006/main" showMasterSp="0" showMasterPhAnim="0">
+<p:notes xmlns:a="http://schemas.openxmlformats.org/drawingml/2006/main" xmlns:r="http://schemas.openxmlformats.org/officeDocument/2006/relationships" xmlns:mc="http://schemas.openxmlformats.org/markup-compatibility/2006" xmlns:mv="urn:schemas-microsoft-com:mac:vml" xmlns:p="http://schemas.openxmlformats.org/presentationml/2006/main" xmlns:c="http://schemas.openxmlformats.org/drawingml/2006/chart" xmlns:dgm="http://schemas.openxmlformats.org/drawingml/2006/diagram" xmlns:o="urn:schemas-microsoft-com:office:office" xmlns:v="urn:schemas-microsoft-com:vml" xmlns:pvml="urn:schemas-microsoft-com:office:powerpoint" xmlns:com="http://schemas.openxmlformats.org/drawingml/2006/compatibility" xmlns:p14="http://schemas.microsoft.com/office/powerpoint/2010/main" xmlns:p15="http://schemas.microsoft.com/office/powerpoint/2012/main" xmlns:ahyp="http://schemas.microsoft.com/office/drawing/2018/hyperlinkcolor" showMasterPhAnim="0" showMasterSp="0">
   <p:cSld>
     <p:spTree>
       <p:nvGrpSpPr>
-        <p:cNvPr id="1" name="Shape 63"/>
+        <p:cNvPr id="63" name="Shape 63"/>
         <p:cNvGrpSpPr/>
         <p:nvPr/>
       </p:nvGrpSpPr>
@@ -2932,11 +2812,9 @@
       <p:sp>
         <p:nvSpPr>
           <p:cNvPr id="64" name="Google Shape;64;g1152e44ef54_0_8:notes"/>
-          <p:cNvSpPr>
-            <a:spLocks noGrp="1" noRot="1" noChangeAspect="1"/>
-          </p:cNvSpPr>
-          <p:nvPr>
-            <p:ph type="sldImg" idx="2"/>
+          <p:cNvSpPr/>
+          <p:nvPr>
+            <p:ph idx="2" type="sldImg"/>
           </p:nvPr>
         </p:nvSpPr>
         <p:spPr>
@@ -2945,13 +2823,9 @@
             <a:ext cx="6096000" cy="3429000"/>
           </a:xfrm>
           <a:custGeom>
-            <a:avLst/>
-            <a:gdLst/>
-            <a:ahLst/>
-            <a:cxnLst/>
-            <a:rect l="l" t="t" r="r" b="b"/>
+            <a:rect b="b" l="l" r="r" t="t"/>
             <a:pathLst>
-              <a:path w="120000" h="120000" extrusionOk="0">
+              <a:path extrusionOk="0" h="120000" w="120000">
                 <a:moveTo>
                   <a:pt x="0" y="0"/>
                 </a:moveTo>
@@ -2973,11 +2847,9 @@
       <p:sp>
         <p:nvSpPr>
           <p:cNvPr id="65" name="Google Shape;65;g1152e44ef54_0_8:notes"/>
-          <p:cNvSpPr txBox="1">
-            <a:spLocks noGrp="1"/>
-          </p:cNvSpPr>
-          <p:nvPr>
-            <p:ph type="body" idx="1"/>
+          <p:cNvSpPr txBox="1"/>
+          <p:nvPr>
+            <p:ph idx="1" type="body"/>
           </p:nvPr>
         </p:nvSpPr>
         <p:spPr>
@@ -2990,20 +2862,23 @@
           </a:prstGeom>
         </p:spPr>
         <p:txBody>
-          <a:bodyPr spcFirstLastPara="1" wrap="square" lIns="91425" tIns="91425" rIns="91425" bIns="91425" anchor="t" anchorCtr="0">
+          <a:bodyPr anchorCtr="0" anchor="t" bIns="91425" lIns="91425" spcFirstLastPara="1" rIns="91425" wrap="square" tIns="91425">
             <a:noAutofit/>
           </a:bodyPr>
           <a:lstStyle/>
           <a:p>
-            <a:pPr marL="0" lvl="0" indent="0" algn="l" rtl="0">
-              <a:spcBef>
-                <a:spcPts val="0"/>
-              </a:spcBef>
-              <a:spcAft>
-                <a:spcPts val="0"/>
-              </a:spcAft>
-              <a:buNone/>
-            </a:pPr>
+            <a:pPr indent="0" lvl="0" marL="0" rtl="0" algn="l">
+              <a:spcBef>
+                <a:spcPts val="0"/>
+              </a:spcBef>
+              <a:spcAft>
+                <a:spcPts val="0"/>
+              </a:spcAft>
+              <a:buNone/>
+            </a:pPr>
+            <a:r>
+              <a:t/>
+            </a:r>
             <a:endParaRPr/>
           </a:p>
         </p:txBody>
@@ -3017,11 +2892,11 @@
 </file>
 
 <file path=ppt/notesSlides/notesSlide4.xml><?xml version="1.0" encoding="utf-8"?>
-<p:notes xmlns:a="http://schemas.openxmlformats.org/drawingml/2006/main" xmlns:r="http://schemas.openxmlformats.org/officeDocument/2006/relationships" xmlns:p="http://schemas.openxmlformats.org/presentationml/2006/main" showMasterSp="0" showMasterPhAnim="0">
+<p:notes xmlns:a="http://schemas.openxmlformats.org/drawingml/2006/main" xmlns:r="http://schemas.openxmlformats.org/officeDocument/2006/relationships" xmlns:mc="http://schemas.openxmlformats.org/markup-compatibility/2006" xmlns:mv="urn:schemas-microsoft-com:mac:vml" xmlns:p="http://schemas.openxmlformats.org/presentationml/2006/main" xmlns:c="http://schemas.openxmlformats.org/drawingml/2006/chart" xmlns:dgm="http://schemas.openxmlformats.org/drawingml/2006/diagram" xmlns:o="urn:schemas-microsoft-com:office:office" xmlns:v="urn:schemas-microsoft-com:vml" xmlns:pvml="urn:schemas-microsoft-com:office:powerpoint" xmlns:com="http://schemas.openxmlformats.org/drawingml/2006/compatibility" xmlns:p14="http://schemas.microsoft.com/office/powerpoint/2010/main" xmlns:p15="http://schemas.microsoft.com/office/powerpoint/2012/main" xmlns:ahyp="http://schemas.microsoft.com/office/drawing/2018/hyperlinkcolor" showMasterPhAnim="0" showMasterSp="0">
   <p:cSld>
     <p:spTree>
       <p:nvGrpSpPr>
-        <p:cNvPr id="1" name="Shape 70"/>
+        <p:cNvPr id="70" name="Shape 70"/>
         <p:cNvGrpSpPr/>
         <p:nvPr/>
       </p:nvGrpSpPr>
@@ -3036,11 +2911,9 @@
       <p:sp>
         <p:nvSpPr>
           <p:cNvPr id="71" name="Google Shape;71;g115637626fa_0_33:notes"/>
-          <p:cNvSpPr>
-            <a:spLocks noGrp="1" noRot="1" noChangeAspect="1"/>
-          </p:cNvSpPr>
-          <p:nvPr>
-            <p:ph type="sldImg" idx="2"/>
+          <p:cNvSpPr/>
+          <p:nvPr>
+            <p:ph idx="2" type="sldImg"/>
           </p:nvPr>
         </p:nvSpPr>
         <p:spPr>
@@ -3049,13 +2922,9 @@
             <a:ext cx="6096000" cy="3429000"/>
           </a:xfrm>
           <a:custGeom>
-            <a:avLst/>
-            <a:gdLst/>
-            <a:ahLst/>
-            <a:cxnLst/>
-            <a:rect l="l" t="t" r="r" b="b"/>
+            <a:rect b="b" l="l" r="r" t="t"/>
             <a:pathLst>
-              <a:path w="120000" h="120000" extrusionOk="0">
+              <a:path extrusionOk="0" h="120000" w="120000">
                 <a:moveTo>
                   <a:pt x="0" y="0"/>
                 </a:moveTo>
@@ -3077,11 +2946,9 @@
       <p:sp>
         <p:nvSpPr>
           <p:cNvPr id="72" name="Google Shape;72;g115637626fa_0_33:notes"/>
-          <p:cNvSpPr txBox="1">
-            <a:spLocks noGrp="1"/>
-          </p:cNvSpPr>
-          <p:nvPr>
-            <p:ph type="body" idx="1"/>
+          <p:cNvSpPr txBox="1"/>
+          <p:nvPr>
+            <p:ph idx="1" type="body"/>
           </p:nvPr>
         </p:nvSpPr>
         <p:spPr>
@@ -3094,20 +2961,23 @@
           </a:prstGeom>
         </p:spPr>
         <p:txBody>
-          <a:bodyPr spcFirstLastPara="1" wrap="square" lIns="91425" tIns="91425" rIns="91425" bIns="91425" anchor="t" anchorCtr="0">
+          <a:bodyPr anchorCtr="0" anchor="t" bIns="91425" lIns="91425" spcFirstLastPara="1" rIns="91425" wrap="square" tIns="91425">
             <a:noAutofit/>
           </a:bodyPr>
           <a:lstStyle/>
           <a:p>
-            <a:pPr marL="0" lvl="0" indent="0" algn="l" rtl="0">
-              <a:spcBef>
-                <a:spcPts val="0"/>
-              </a:spcBef>
-              <a:spcAft>
-                <a:spcPts val="0"/>
-              </a:spcAft>
-              <a:buNone/>
-            </a:pPr>
+            <a:pPr indent="0" lvl="0" marL="0" rtl="0" algn="l">
+              <a:spcBef>
+                <a:spcPts val="0"/>
+              </a:spcBef>
+              <a:spcAft>
+                <a:spcPts val="0"/>
+              </a:spcAft>
+              <a:buNone/>
+            </a:pPr>
+            <a:r>
+              <a:t/>
+            </a:r>
             <a:endParaRPr/>
           </a:p>
         </p:txBody>
@@ -3121,11 +2991,11 @@
 </file>
 
 <file path=ppt/notesSlides/notesSlide5.xml><?xml version="1.0" encoding="utf-8"?>
-<p:notes xmlns:a="http://schemas.openxmlformats.org/drawingml/2006/main" xmlns:r="http://schemas.openxmlformats.org/officeDocument/2006/relationships" xmlns:p="http://schemas.openxmlformats.org/presentationml/2006/main" showMasterSp="0" showMasterPhAnim="0">
+<p:notes xmlns:a="http://schemas.openxmlformats.org/drawingml/2006/main" xmlns:r="http://schemas.openxmlformats.org/officeDocument/2006/relationships" xmlns:mc="http://schemas.openxmlformats.org/markup-compatibility/2006" xmlns:mv="urn:schemas-microsoft-com:mac:vml" xmlns:p="http://schemas.openxmlformats.org/presentationml/2006/main" xmlns:c="http://schemas.openxmlformats.org/drawingml/2006/chart" xmlns:dgm="http://schemas.openxmlformats.org/drawingml/2006/diagram" xmlns:o="urn:schemas-microsoft-com:office:office" xmlns:v="urn:schemas-microsoft-com:vml" xmlns:pvml="urn:schemas-microsoft-com:office:powerpoint" xmlns:com="http://schemas.openxmlformats.org/drawingml/2006/compatibility" xmlns:p14="http://schemas.microsoft.com/office/powerpoint/2010/main" xmlns:p15="http://schemas.microsoft.com/office/powerpoint/2012/main" xmlns:ahyp="http://schemas.microsoft.com/office/drawing/2018/hyperlinkcolor" showMasterPhAnim="0" showMasterSp="0">
   <p:cSld>
     <p:spTree>
       <p:nvGrpSpPr>
-        <p:cNvPr id="1" name="Shape 80"/>
+        <p:cNvPr id="80" name="Shape 80"/>
         <p:cNvGrpSpPr/>
         <p:nvPr/>
       </p:nvGrpSpPr>
@@ -3140,11 +3010,9 @@
       <p:sp>
         <p:nvSpPr>
           <p:cNvPr id="81" name="Google Shape;81;g115637626fa_0_47:notes"/>
-          <p:cNvSpPr>
-            <a:spLocks noGrp="1" noRot="1" noChangeAspect="1"/>
-          </p:cNvSpPr>
-          <p:nvPr>
-            <p:ph type="sldImg" idx="2"/>
+          <p:cNvSpPr/>
+          <p:nvPr>
+            <p:ph idx="2" type="sldImg"/>
           </p:nvPr>
         </p:nvSpPr>
         <p:spPr>
@@ -3153,13 +3021,9 @@
             <a:ext cx="6096000" cy="3429000"/>
           </a:xfrm>
           <a:custGeom>
-            <a:avLst/>
-            <a:gdLst/>
-            <a:ahLst/>
-            <a:cxnLst/>
-            <a:rect l="l" t="t" r="r" b="b"/>
+            <a:rect b="b" l="l" r="r" t="t"/>
             <a:pathLst>
-              <a:path w="120000" h="120000" extrusionOk="0">
+              <a:path extrusionOk="0" h="120000" w="120000">
                 <a:moveTo>
                   <a:pt x="0" y="0"/>
                 </a:moveTo>
@@ -3181,11 +3045,9 @@
       <p:sp>
         <p:nvSpPr>
           <p:cNvPr id="82" name="Google Shape;82;g115637626fa_0_47:notes"/>
-          <p:cNvSpPr txBox="1">
-            <a:spLocks noGrp="1"/>
-          </p:cNvSpPr>
-          <p:nvPr>
-            <p:ph type="body" idx="1"/>
+          <p:cNvSpPr txBox="1"/>
+          <p:nvPr>
+            <p:ph idx="1" type="body"/>
           </p:nvPr>
         </p:nvSpPr>
         <p:spPr>
@@ -3198,20 +3060,23 @@
           </a:prstGeom>
         </p:spPr>
         <p:txBody>
-          <a:bodyPr spcFirstLastPara="1" wrap="square" lIns="91425" tIns="91425" rIns="91425" bIns="91425" anchor="t" anchorCtr="0">
+          <a:bodyPr anchorCtr="0" anchor="t" bIns="91425" lIns="91425" spcFirstLastPara="1" rIns="91425" wrap="square" tIns="91425">
             <a:noAutofit/>
           </a:bodyPr>
           <a:lstStyle/>
           <a:p>
-            <a:pPr marL="0" lvl="0" indent="0" algn="l" rtl="0">
-              <a:spcBef>
-                <a:spcPts val="0"/>
-              </a:spcBef>
-              <a:spcAft>
-                <a:spcPts val="0"/>
-              </a:spcAft>
-              <a:buNone/>
-            </a:pPr>
+            <a:pPr indent="0" lvl="0" marL="0" rtl="0" algn="l">
+              <a:spcBef>
+                <a:spcPts val="0"/>
+              </a:spcBef>
+              <a:spcAft>
+                <a:spcPts val="0"/>
+              </a:spcAft>
+              <a:buNone/>
+            </a:pPr>
+            <a:r>
+              <a:t/>
+            </a:r>
             <a:endParaRPr/>
           </a:p>
         </p:txBody>
@@ -3225,11 +3090,11 @@
 </file>
 
 <file path=ppt/notesSlides/notesSlide6.xml><?xml version="1.0" encoding="utf-8"?>
-<p:notes xmlns:a="http://schemas.openxmlformats.org/drawingml/2006/main" xmlns:r="http://schemas.openxmlformats.org/officeDocument/2006/relationships" xmlns:p="http://schemas.openxmlformats.org/presentationml/2006/main" showMasterSp="0" showMasterPhAnim="0">
+<p:notes xmlns:a="http://schemas.openxmlformats.org/drawingml/2006/main" xmlns:r="http://schemas.openxmlformats.org/officeDocument/2006/relationships" xmlns:mc="http://schemas.openxmlformats.org/markup-compatibility/2006" xmlns:mv="urn:schemas-microsoft-com:mac:vml" xmlns:p="http://schemas.openxmlformats.org/presentationml/2006/main" xmlns:c="http://schemas.openxmlformats.org/drawingml/2006/chart" xmlns:dgm="http://schemas.openxmlformats.org/drawingml/2006/diagram" xmlns:o="urn:schemas-microsoft-com:office:office" xmlns:v="urn:schemas-microsoft-com:vml" xmlns:pvml="urn:schemas-microsoft-com:office:powerpoint" xmlns:com="http://schemas.openxmlformats.org/drawingml/2006/compatibility" xmlns:p14="http://schemas.microsoft.com/office/powerpoint/2010/main" xmlns:p15="http://schemas.microsoft.com/office/powerpoint/2012/main" xmlns:ahyp="http://schemas.microsoft.com/office/drawing/2018/hyperlinkcolor" showMasterPhAnim="0" showMasterSp="0">
   <p:cSld>
     <p:spTree>
       <p:nvGrpSpPr>
-        <p:cNvPr id="1" name="Shape 88"/>
+        <p:cNvPr id="88" name="Shape 88"/>
         <p:cNvGrpSpPr/>
         <p:nvPr/>
       </p:nvGrpSpPr>
@@ -3244,11 +3109,9 @@
       <p:sp>
         <p:nvSpPr>
           <p:cNvPr id="89" name="Google Shape;89;g115637626fa_0_52:notes"/>
-          <p:cNvSpPr>
-            <a:spLocks noGrp="1" noRot="1" noChangeAspect="1"/>
-          </p:cNvSpPr>
-          <p:nvPr>
-            <p:ph type="sldImg" idx="2"/>
+          <p:cNvSpPr/>
+          <p:nvPr>
+            <p:ph idx="2" type="sldImg"/>
           </p:nvPr>
         </p:nvSpPr>
         <p:spPr>
@@ -3257,13 +3120,9 @@
             <a:ext cx="6096000" cy="3429000"/>
           </a:xfrm>
           <a:custGeom>
-            <a:avLst/>
-            <a:gdLst/>
-            <a:ahLst/>
-            <a:cxnLst/>
-            <a:rect l="l" t="t" r="r" b="b"/>
+            <a:rect b="b" l="l" r="r" t="t"/>
             <a:pathLst>
-              <a:path w="120000" h="120000" extrusionOk="0">
+              <a:path extrusionOk="0" h="120000" w="120000">
                 <a:moveTo>
                   <a:pt x="0" y="0"/>
                 </a:moveTo>
@@ -3285,11 +3144,9 @@
       <p:sp>
         <p:nvSpPr>
           <p:cNvPr id="90" name="Google Shape;90;g115637626fa_0_52:notes"/>
-          <p:cNvSpPr txBox="1">
-            <a:spLocks noGrp="1"/>
-          </p:cNvSpPr>
-          <p:nvPr>
-            <p:ph type="body" idx="1"/>
+          <p:cNvSpPr txBox="1"/>
+          <p:nvPr>
+            <p:ph idx="1" type="body"/>
           </p:nvPr>
         </p:nvSpPr>
         <p:spPr>
@@ -3302,20 +3159,23 @@
           </a:prstGeom>
         </p:spPr>
         <p:txBody>
-          <a:bodyPr spcFirstLastPara="1" wrap="square" lIns="91425" tIns="91425" rIns="91425" bIns="91425" anchor="t" anchorCtr="0">
+          <a:bodyPr anchorCtr="0" anchor="t" bIns="91425" lIns="91425" spcFirstLastPara="1" rIns="91425" wrap="square" tIns="91425">
             <a:noAutofit/>
           </a:bodyPr>
           <a:lstStyle/>
           <a:p>
-            <a:pPr marL="0" lvl="0" indent="0" algn="l" rtl="0">
-              <a:spcBef>
-                <a:spcPts val="0"/>
-              </a:spcBef>
-              <a:spcAft>
-                <a:spcPts val="0"/>
-              </a:spcAft>
-              <a:buNone/>
-            </a:pPr>
+            <a:pPr indent="0" lvl="0" marL="0" rtl="0" algn="l">
+              <a:spcBef>
+                <a:spcPts val="0"/>
+              </a:spcBef>
+              <a:spcAft>
+                <a:spcPts val="0"/>
+              </a:spcAft>
+              <a:buNone/>
+            </a:pPr>
+            <a:r>
+              <a:t/>
+            </a:r>
             <a:endParaRPr/>
           </a:p>
         </p:txBody>
@@ -3329,11 +3189,11 @@
 </file>
 
 <file path=ppt/notesSlides/notesSlide7.xml><?xml version="1.0" encoding="utf-8"?>
-<p:notes xmlns:a="http://schemas.openxmlformats.org/drawingml/2006/main" xmlns:r="http://schemas.openxmlformats.org/officeDocument/2006/relationships" xmlns:p="http://schemas.openxmlformats.org/presentationml/2006/main" showMasterSp="0" showMasterPhAnim="0">
+<p:notes xmlns:a="http://schemas.openxmlformats.org/drawingml/2006/main" xmlns:r="http://schemas.openxmlformats.org/officeDocument/2006/relationships" xmlns:mc="http://schemas.openxmlformats.org/markup-compatibility/2006" xmlns:mv="urn:schemas-microsoft-com:mac:vml" xmlns:p="http://schemas.openxmlformats.org/presentationml/2006/main" xmlns:c="http://schemas.openxmlformats.org/drawingml/2006/chart" xmlns:dgm="http://schemas.openxmlformats.org/drawingml/2006/diagram" xmlns:o="urn:schemas-microsoft-com:office:office" xmlns:v="urn:schemas-microsoft-com:vml" xmlns:pvml="urn:schemas-microsoft-com:office:powerpoint" xmlns:com="http://schemas.openxmlformats.org/drawingml/2006/compatibility" xmlns:p14="http://schemas.microsoft.com/office/powerpoint/2010/main" xmlns:p15="http://schemas.microsoft.com/office/powerpoint/2012/main" xmlns:ahyp="http://schemas.microsoft.com/office/drawing/2018/hyperlinkcolor" showMasterPhAnim="0" showMasterSp="0">
   <p:cSld>
     <p:spTree>
       <p:nvGrpSpPr>
-        <p:cNvPr id="1" name="Shape 97"/>
+        <p:cNvPr id="97" name="Shape 97"/>
         <p:cNvGrpSpPr/>
         <p:nvPr/>
       </p:nvGrpSpPr>
@@ -3348,11 +3208,9 @@
       <p:sp>
         <p:nvSpPr>
           <p:cNvPr id="98" name="Google Shape;98;g115637626fa_0_65:notes"/>
-          <p:cNvSpPr>
-            <a:spLocks noGrp="1" noRot="1" noChangeAspect="1"/>
-          </p:cNvSpPr>
-          <p:nvPr>
-            <p:ph type="sldImg" idx="2"/>
+          <p:cNvSpPr/>
+          <p:nvPr>
+            <p:ph idx="2" type="sldImg"/>
           </p:nvPr>
         </p:nvSpPr>
         <p:spPr>
@@ -3361,13 +3219,9 @@
             <a:ext cx="6096000" cy="3429000"/>
           </a:xfrm>
           <a:custGeom>
-            <a:avLst/>
-            <a:gdLst/>
-            <a:ahLst/>
-            <a:cxnLst/>
-            <a:rect l="l" t="t" r="r" b="b"/>
+            <a:rect b="b" l="l" r="r" t="t"/>
             <a:pathLst>
-              <a:path w="120000" h="120000" extrusionOk="0">
+              <a:path extrusionOk="0" h="120000" w="120000">
                 <a:moveTo>
                   <a:pt x="0" y="0"/>
                 </a:moveTo>
@@ -3389,11 +3243,9 @@
       <p:sp>
         <p:nvSpPr>
           <p:cNvPr id="99" name="Google Shape;99;g115637626fa_0_65:notes"/>
-          <p:cNvSpPr txBox="1">
-            <a:spLocks noGrp="1"/>
-          </p:cNvSpPr>
-          <p:nvPr>
-            <p:ph type="body" idx="1"/>
+          <p:cNvSpPr txBox="1"/>
+          <p:nvPr>
+            <p:ph idx="1" type="body"/>
           </p:nvPr>
         </p:nvSpPr>
         <p:spPr>
@@ -3406,20 +3258,23 @@
           </a:prstGeom>
         </p:spPr>
         <p:txBody>
-          <a:bodyPr spcFirstLastPara="1" wrap="square" lIns="91425" tIns="91425" rIns="91425" bIns="91425" anchor="t" anchorCtr="0">
+          <a:bodyPr anchorCtr="0" anchor="t" bIns="91425" lIns="91425" spcFirstLastPara="1" rIns="91425" wrap="square" tIns="91425">
             <a:noAutofit/>
           </a:bodyPr>
           <a:lstStyle/>
           <a:p>
-            <a:pPr marL="0" lvl="0" indent="0" algn="l" rtl="0">
-              <a:spcBef>
-                <a:spcPts val="0"/>
-              </a:spcBef>
-              <a:spcAft>
-                <a:spcPts val="0"/>
-              </a:spcAft>
-              <a:buNone/>
-            </a:pPr>
+            <a:pPr indent="0" lvl="0" marL="0" rtl="0" algn="l">
+              <a:spcBef>
+                <a:spcPts val="0"/>
+              </a:spcBef>
+              <a:spcAft>
+                <a:spcPts val="0"/>
+              </a:spcAft>
+              <a:buNone/>
+            </a:pPr>
+            <a:r>
+              <a:t/>
+            </a:r>
             <a:endParaRPr/>
           </a:p>
         </p:txBody>
@@ -3433,11 +3288,11 @@
 </file>
 
 <file path=ppt/notesSlides/notesSlide8.xml><?xml version="1.0" encoding="utf-8"?>
-<p:notes xmlns:a="http://schemas.openxmlformats.org/drawingml/2006/main" xmlns:r="http://schemas.openxmlformats.org/officeDocument/2006/relationships" xmlns:p="http://schemas.openxmlformats.org/presentationml/2006/main" showMasterSp="0" showMasterPhAnim="0">
+<p:notes xmlns:a="http://schemas.openxmlformats.org/drawingml/2006/main" xmlns:r="http://schemas.openxmlformats.org/officeDocument/2006/relationships" xmlns:mc="http://schemas.openxmlformats.org/markup-compatibility/2006" xmlns:mv="urn:schemas-microsoft-com:mac:vml" xmlns:p="http://schemas.openxmlformats.org/presentationml/2006/main" xmlns:c="http://schemas.openxmlformats.org/drawingml/2006/chart" xmlns:dgm="http://schemas.openxmlformats.org/drawingml/2006/diagram" xmlns:o="urn:schemas-microsoft-com:office:office" xmlns:v="urn:schemas-microsoft-com:vml" xmlns:pvml="urn:schemas-microsoft-com:office:powerpoint" xmlns:com="http://schemas.openxmlformats.org/drawingml/2006/compatibility" xmlns:p14="http://schemas.microsoft.com/office/powerpoint/2010/main" xmlns:p15="http://schemas.microsoft.com/office/powerpoint/2012/main" xmlns:ahyp="http://schemas.microsoft.com/office/drawing/2018/hyperlinkcolor" showMasterPhAnim="0" showMasterSp="0">
   <p:cSld>
     <p:spTree>
       <p:nvGrpSpPr>
-        <p:cNvPr id="1" name="Shape 105"/>
+        <p:cNvPr id="105" name="Shape 105"/>
         <p:cNvGrpSpPr/>
         <p:nvPr/>
       </p:nvGrpSpPr>
@@ -3452,11 +3307,9 @@
       <p:sp>
         <p:nvSpPr>
           <p:cNvPr id="106" name="Google Shape;106;g115637626fa_0_73:notes"/>
-          <p:cNvSpPr>
-            <a:spLocks noGrp="1" noRot="1" noChangeAspect="1"/>
-          </p:cNvSpPr>
-          <p:nvPr>
-            <p:ph type="sldImg" idx="2"/>
+          <p:cNvSpPr/>
+          <p:nvPr>
+            <p:ph idx="2" type="sldImg"/>
           </p:nvPr>
         </p:nvSpPr>
         <p:spPr>
@@ -3465,13 +3318,9 @@
             <a:ext cx="6096000" cy="3429000"/>
           </a:xfrm>
           <a:custGeom>
-            <a:avLst/>
-            <a:gdLst/>
-            <a:ahLst/>
-            <a:cxnLst/>
-            <a:rect l="l" t="t" r="r" b="b"/>
+            <a:rect b="b" l="l" r="r" t="t"/>
             <a:pathLst>
-              <a:path w="120000" h="120000" extrusionOk="0">
+              <a:path extrusionOk="0" h="120000" w="120000">
                 <a:moveTo>
                   <a:pt x="0" y="0"/>
                 </a:moveTo>
@@ -3493,11 +3342,9 @@
       <p:sp>
         <p:nvSpPr>
           <p:cNvPr id="107" name="Google Shape;107;g115637626fa_0_73:notes"/>
-          <p:cNvSpPr txBox="1">
-            <a:spLocks noGrp="1"/>
-          </p:cNvSpPr>
-          <p:nvPr>
-            <p:ph type="body" idx="1"/>
+          <p:cNvSpPr txBox="1"/>
+          <p:nvPr>
+            <p:ph idx="1" type="body"/>
           </p:nvPr>
         </p:nvSpPr>
         <p:spPr>
@@ -3510,20 +3357,23 @@
           </a:prstGeom>
         </p:spPr>
         <p:txBody>
-          <a:bodyPr spcFirstLastPara="1" wrap="square" lIns="91425" tIns="91425" rIns="91425" bIns="91425" anchor="t" anchorCtr="0">
+          <a:bodyPr anchorCtr="0" anchor="t" bIns="91425" lIns="91425" spcFirstLastPara="1" rIns="91425" wrap="square" tIns="91425">
             <a:noAutofit/>
           </a:bodyPr>
           <a:lstStyle/>
           <a:p>
-            <a:pPr marL="0" lvl="0" indent="0" algn="l" rtl="0">
-              <a:spcBef>
-                <a:spcPts val="0"/>
-              </a:spcBef>
-              <a:spcAft>
-                <a:spcPts val="0"/>
-              </a:spcAft>
-              <a:buNone/>
-            </a:pPr>
+            <a:pPr indent="0" lvl="0" marL="0" rtl="0" algn="l">
+              <a:spcBef>
+                <a:spcPts val="0"/>
+              </a:spcBef>
+              <a:spcAft>
+                <a:spcPts val="0"/>
+              </a:spcAft>
+              <a:buNone/>
+            </a:pPr>
+            <a:r>
+              <a:t/>
+            </a:r>
             <a:endParaRPr/>
           </a:p>
         </p:txBody>
@@ -3537,11 +3387,11 @@
 </file>
 
 <file path=ppt/notesSlides/notesSlide9.xml><?xml version="1.0" encoding="utf-8"?>
-<p:notes xmlns:a="http://schemas.openxmlformats.org/drawingml/2006/main" xmlns:r="http://schemas.openxmlformats.org/officeDocument/2006/relationships" xmlns:p="http://schemas.openxmlformats.org/presentationml/2006/main" showMasterSp="0" showMasterPhAnim="0">
+<p:notes xmlns:a="http://schemas.openxmlformats.org/drawingml/2006/main" xmlns:r="http://schemas.openxmlformats.org/officeDocument/2006/relationships" xmlns:mc="http://schemas.openxmlformats.org/markup-compatibility/2006" xmlns:mv="urn:schemas-microsoft-com:mac:vml" xmlns:p="http://schemas.openxmlformats.org/presentationml/2006/main" xmlns:c="http://schemas.openxmlformats.org/drawingml/2006/chart" xmlns:dgm="http://schemas.openxmlformats.org/drawingml/2006/diagram" xmlns:o="urn:schemas-microsoft-com:office:office" xmlns:v="urn:schemas-microsoft-com:vml" xmlns:pvml="urn:schemas-microsoft-com:office:powerpoint" xmlns:com="http://schemas.openxmlformats.org/drawingml/2006/compatibility" xmlns:p14="http://schemas.microsoft.com/office/powerpoint/2010/main" xmlns:p15="http://schemas.microsoft.com/office/powerpoint/2012/main" xmlns:ahyp="http://schemas.microsoft.com/office/drawing/2018/hyperlinkcolor" showMasterPhAnim="0" showMasterSp="0">
   <p:cSld>
     <p:spTree>
       <p:nvGrpSpPr>
-        <p:cNvPr id="1" name="Shape 113"/>
+        <p:cNvPr id="113" name="Shape 113"/>
         <p:cNvGrpSpPr/>
         <p:nvPr/>
       </p:nvGrpSpPr>
@@ -3556,11 +3406,9 @@
       <p:sp>
         <p:nvSpPr>
           <p:cNvPr id="114" name="Google Shape;114;g115637626fa_0_78:notes"/>
-          <p:cNvSpPr>
-            <a:spLocks noGrp="1" noRot="1" noChangeAspect="1"/>
-          </p:cNvSpPr>
-          <p:nvPr>
-            <p:ph type="sldImg" idx="2"/>
+          <p:cNvSpPr/>
+          <p:nvPr>
+            <p:ph idx="2" type="sldImg"/>
           </p:nvPr>
         </p:nvSpPr>
         <p:spPr>
@@ -3569,13 +3417,9 @@
             <a:ext cx="6096000" cy="3429000"/>
           </a:xfrm>
           <a:custGeom>
-            <a:avLst/>
-            <a:gdLst/>
-            <a:ahLst/>
-            <a:cxnLst/>
-            <a:rect l="l" t="t" r="r" b="b"/>
+            <a:rect b="b" l="l" r="r" t="t"/>
             <a:pathLst>
-              <a:path w="120000" h="120000" extrusionOk="0">
+              <a:path extrusionOk="0" h="120000" w="120000">
                 <a:moveTo>
                   <a:pt x="0" y="0"/>
                 </a:moveTo>
@@ -3597,11 +3441,9 @@
       <p:sp>
         <p:nvSpPr>
           <p:cNvPr id="115" name="Google Shape;115;g115637626fa_0_78:notes"/>
-          <p:cNvSpPr txBox="1">
-            <a:spLocks noGrp="1"/>
-          </p:cNvSpPr>
-          <p:nvPr>
-            <p:ph type="body" idx="1"/>
+          <p:cNvSpPr txBox="1"/>
+          <p:nvPr>
+            <p:ph idx="1" type="body"/>
           </p:nvPr>
         </p:nvSpPr>
         <p:spPr>
@@ -3614,20 +3456,23 @@
           </a:prstGeom>
         </p:spPr>
         <p:txBody>
-          <a:bodyPr spcFirstLastPara="1" wrap="square" lIns="91425" tIns="91425" rIns="91425" bIns="91425" anchor="t" anchorCtr="0">
+          <a:bodyPr anchorCtr="0" anchor="t" bIns="91425" lIns="91425" spcFirstLastPara="1" rIns="91425" wrap="square" tIns="91425">
             <a:noAutofit/>
           </a:bodyPr>
           <a:lstStyle/>
           <a:p>
-            <a:pPr marL="0" lvl="0" indent="0" algn="l" rtl="0">
-              <a:spcBef>
-                <a:spcPts val="0"/>
-              </a:spcBef>
-              <a:spcAft>
-                <a:spcPts val="0"/>
-              </a:spcAft>
-              <a:buNone/>
-            </a:pPr>
+            <a:pPr indent="0" lvl="0" marL="0" rtl="0" algn="l">
+              <a:spcBef>
+                <a:spcPts val="0"/>
+              </a:spcBef>
+              <a:spcAft>
+                <a:spcPts val="0"/>
+              </a:spcAft>
+              <a:buNone/>
+            </a:pPr>
+            <a:r>
+              <a:t/>
+            </a:r>
             <a:endParaRPr/>
           </a:p>
         </p:txBody>
@@ -3641,11 +3486,11 @@
 </file>
 
 <file path=ppt/slideLayouts/slideLayout1.xml><?xml version="1.0" encoding="utf-8"?>
-<p:sldLayout xmlns:a="http://schemas.openxmlformats.org/drawingml/2006/main" xmlns:r="http://schemas.openxmlformats.org/officeDocument/2006/relationships" xmlns:p="http://schemas.openxmlformats.org/presentationml/2006/main" matchingName="Title slide" type="title">
+<p:sldLayout xmlns:a="http://schemas.openxmlformats.org/drawingml/2006/main" xmlns:r="http://schemas.openxmlformats.org/officeDocument/2006/relationships" xmlns:mc="http://schemas.openxmlformats.org/markup-compatibility/2006" xmlns:mv="urn:schemas-microsoft-com:mac:vml" xmlns:p="http://schemas.openxmlformats.org/presentationml/2006/main" xmlns:c="http://schemas.openxmlformats.org/drawingml/2006/chart" xmlns:dgm="http://schemas.openxmlformats.org/drawingml/2006/diagram" xmlns:o="urn:schemas-microsoft-com:office:office" xmlns:v="urn:schemas-microsoft-com:vml" xmlns:pvml="urn:schemas-microsoft-com:office:powerpoint" xmlns:com="http://schemas.openxmlformats.org/drawingml/2006/compatibility" xmlns:p14="http://schemas.microsoft.com/office/powerpoint/2010/main" xmlns:p15="http://schemas.microsoft.com/office/powerpoint/2012/main" xmlns:ahyp="http://schemas.microsoft.com/office/drawing/2018/hyperlinkcolor" matchingName="Title slide" type="title">
   <p:cSld name="TITLE">
     <p:spTree>
       <p:nvGrpSpPr>
-        <p:cNvPr id="1" name="Shape 9"/>
+        <p:cNvPr id="9" name="Shape 9"/>
         <p:cNvGrpSpPr/>
         <p:nvPr/>
       </p:nvGrpSpPr>
@@ -3660,9 +3505,7 @@
       <p:sp>
         <p:nvSpPr>
           <p:cNvPr id="10" name="Google Shape;10;p2"/>
-          <p:cNvSpPr txBox="1">
-            <a:spLocks noGrp="1"/>
-          </p:cNvSpPr>
+          <p:cNvSpPr txBox="1"/>
           <p:nvPr>
             <p:ph type="ctrTitle"/>
           </p:nvPr>
@@ -3677,7 +3520,7 @@
           </a:prstGeom>
         </p:spPr>
         <p:txBody>
-          <a:bodyPr spcFirstLastPara="1" wrap="square" lIns="91425" tIns="91425" rIns="91425" bIns="91425" anchor="b" anchorCtr="0">
+          <a:bodyPr anchorCtr="0" anchor="b" bIns="91425" lIns="91425" spcFirstLastPara="1" rIns="91425" wrap="square" tIns="91425">
             <a:normAutofit/>
           </a:bodyPr>
           <a:lstStyle>
@@ -3781,19 +3624,15 @@
               <a:defRPr sz="5200"/>
             </a:lvl9pPr>
           </a:lstStyle>
-          <a:p>
-            <a:endParaRPr/>
-          </a:p>
+          <a:p/>
         </p:txBody>
       </p:sp>
       <p:sp>
         <p:nvSpPr>
           <p:cNvPr id="11" name="Google Shape;11;p2"/>
-          <p:cNvSpPr txBox="1">
-            <a:spLocks noGrp="1"/>
-          </p:cNvSpPr>
-          <p:nvPr>
-            <p:ph type="subTitle" idx="1"/>
+          <p:cNvSpPr txBox="1"/>
+          <p:nvPr>
+            <p:ph idx="1" type="subTitle"/>
           </p:nvPr>
         </p:nvSpPr>
         <p:spPr>
@@ -3806,7 +3645,7 @@
           </a:prstGeom>
         </p:spPr>
         <p:txBody>
-          <a:bodyPr spcFirstLastPara="1" wrap="square" lIns="91425" tIns="91425" rIns="91425" bIns="91425" anchor="t" anchorCtr="0">
+          <a:bodyPr anchorCtr="0" anchor="t" bIns="91425" lIns="91425" spcFirstLastPara="1" rIns="91425" wrap="square" tIns="91425">
             <a:normAutofit/>
           </a:bodyPr>
           <a:lstStyle>
@@ -3937,19 +3776,15 @@
               <a:defRPr sz="2800"/>
             </a:lvl9pPr>
           </a:lstStyle>
-          <a:p>
-            <a:endParaRPr/>
-          </a:p>
+          <a:p/>
         </p:txBody>
       </p:sp>
       <p:sp>
         <p:nvSpPr>
           <p:cNvPr id="12" name="Google Shape;12;p2"/>
-          <p:cNvSpPr txBox="1">
-            <a:spLocks noGrp="1"/>
-          </p:cNvSpPr>
-          <p:nvPr>
-            <p:ph type="sldNum" idx="12"/>
+          <p:cNvSpPr txBox="1"/>
+          <p:nvPr>
+            <p:ph idx="12" type="sldNum"/>
           </p:nvPr>
         </p:nvSpPr>
         <p:spPr>
@@ -3962,7 +3797,7 @@
           </a:prstGeom>
         </p:spPr>
         <p:txBody>
-          <a:bodyPr spcFirstLastPara="1" wrap="square" lIns="91425" tIns="91425" rIns="91425" bIns="91425" anchor="ctr" anchorCtr="0">
+          <a:bodyPr anchorCtr="0" anchor="ctr" bIns="91425" lIns="91425" spcFirstLastPara="1" rIns="91425" wrap="square" tIns="91425">
             <a:normAutofit/>
           </a:bodyPr>
           <a:lstStyle>
@@ -4004,7 +3839,7 @@
             </a:lvl9pPr>
           </a:lstStyle>
           <a:p>
-            <a:pPr marL="0" lvl="0" indent="0" algn="r" rtl="0">
+            <a:pPr indent="0" lvl="0" marL="0" rtl="0" algn="r">
               <a:spcBef>
                 <a:spcPts val="0"/>
               </a:spcBef>
@@ -4030,11 +3865,11 @@
 </file>
 
 <file path=ppt/slideLayouts/slideLayout10.xml><?xml version="1.0" encoding="utf-8"?>
-<p:sldLayout xmlns:a="http://schemas.openxmlformats.org/drawingml/2006/main" xmlns:r="http://schemas.openxmlformats.org/officeDocument/2006/relationships" xmlns:p="http://schemas.openxmlformats.org/presentationml/2006/main" matchingName="Big number">
+<p:sldLayout xmlns:a="http://schemas.openxmlformats.org/drawingml/2006/main" xmlns:r="http://schemas.openxmlformats.org/officeDocument/2006/relationships" xmlns:mc="http://schemas.openxmlformats.org/markup-compatibility/2006" xmlns:mv="urn:schemas-microsoft-com:mac:vml" xmlns:p="http://schemas.openxmlformats.org/presentationml/2006/main" xmlns:c="http://schemas.openxmlformats.org/drawingml/2006/chart" xmlns:dgm="http://schemas.openxmlformats.org/drawingml/2006/diagram" xmlns:o="urn:schemas-microsoft-com:office:office" xmlns:v="urn:schemas-microsoft-com:vml" xmlns:pvml="urn:schemas-microsoft-com:office:powerpoint" xmlns:com="http://schemas.openxmlformats.org/drawingml/2006/compatibility" xmlns:p14="http://schemas.microsoft.com/office/powerpoint/2010/main" xmlns:p15="http://schemas.microsoft.com/office/powerpoint/2012/main" xmlns:ahyp="http://schemas.microsoft.com/office/drawing/2018/hyperlinkcolor" matchingName="Big number">
   <p:cSld name="BIG_NUMBER">
     <p:spTree>
       <p:nvGrpSpPr>
-        <p:cNvPr id="1" name="Shape 44"/>
+        <p:cNvPr id="44" name="Shape 44"/>
         <p:cNvGrpSpPr/>
         <p:nvPr/>
       </p:nvGrpSpPr>
@@ -4049,11 +3884,9 @@
       <p:sp>
         <p:nvSpPr>
           <p:cNvPr id="45" name="Google Shape;45;p11"/>
-          <p:cNvSpPr txBox="1">
-            <a:spLocks noGrp="1"/>
-          </p:cNvSpPr>
-          <p:nvPr>
-            <p:ph type="title" hasCustomPrompt="1"/>
+          <p:cNvSpPr txBox="1"/>
+          <p:nvPr>
+            <p:ph hasCustomPrompt="1" type="title"/>
           </p:nvPr>
         </p:nvSpPr>
         <p:spPr>
@@ -4066,7 +3899,7 @@
           </a:prstGeom>
         </p:spPr>
         <p:txBody>
-          <a:bodyPr spcFirstLastPara="1" wrap="square" lIns="91425" tIns="91425" rIns="91425" bIns="91425" anchor="b" anchorCtr="0">
+          <a:bodyPr anchorCtr="0" anchor="b" bIns="91425" lIns="91425" spcFirstLastPara="1" rIns="91425" wrap="square" tIns="91425">
             <a:normAutofit/>
           </a:bodyPr>
           <a:lstStyle>
@@ -4180,11 +4013,9 @@
       <p:sp>
         <p:nvSpPr>
           <p:cNvPr id="46" name="Google Shape;46;p11"/>
-          <p:cNvSpPr txBox="1">
-            <a:spLocks noGrp="1"/>
-          </p:cNvSpPr>
-          <p:nvPr>
-            <p:ph type="body" idx="1"/>
+          <p:cNvSpPr txBox="1"/>
+          <p:nvPr>
+            <p:ph idx="1" type="body"/>
           </p:nvPr>
         </p:nvSpPr>
         <p:spPr>
@@ -4197,11 +4028,11 @@
           </a:prstGeom>
         </p:spPr>
         <p:txBody>
-          <a:bodyPr spcFirstLastPara="1" wrap="square" lIns="91425" tIns="91425" rIns="91425" bIns="91425" anchor="t" anchorCtr="0">
+          <a:bodyPr anchorCtr="0" anchor="t" bIns="91425" lIns="91425" spcFirstLastPara="1" rIns="91425" wrap="square" tIns="91425">
             <a:normAutofit/>
           </a:bodyPr>
           <a:lstStyle>
-            <a:lvl1pPr marL="457200" lvl="0" indent="-342900" algn="ctr">
+            <a:lvl1pPr indent="-342900" lvl="0" marL="457200" algn="ctr">
               <a:spcBef>
                 <a:spcPts val="0"/>
               </a:spcBef>
@@ -4212,7 +4043,7 @@
               <a:buChar char="●"/>
               <a:defRPr/>
             </a:lvl1pPr>
-            <a:lvl2pPr marL="914400" lvl="1" indent="-317500" algn="ctr">
+            <a:lvl2pPr indent="-317500" lvl="1" marL="914400" algn="ctr">
               <a:spcBef>
                 <a:spcPts val="0"/>
               </a:spcBef>
@@ -4223,7 +4054,7 @@
               <a:buChar char="○"/>
               <a:defRPr/>
             </a:lvl2pPr>
-            <a:lvl3pPr marL="1371600" lvl="2" indent="-317500" algn="ctr">
+            <a:lvl3pPr indent="-317500" lvl="2" marL="1371600" algn="ctr">
               <a:spcBef>
                 <a:spcPts val="0"/>
               </a:spcBef>
@@ -4234,7 +4065,7 @@
               <a:buChar char="■"/>
               <a:defRPr/>
             </a:lvl3pPr>
-            <a:lvl4pPr marL="1828800" lvl="3" indent="-317500" algn="ctr">
+            <a:lvl4pPr indent="-317500" lvl="3" marL="1828800" algn="ctr">
               <a:spcBef>
                 <a:spcPts val="0"/>
               </a:spcBef>
@@ -4245,7 +4076,7 @@
               <a:buChar char="●"/>
               <a:defRPr/>
             </a:lvl4pPr>
-            <a:lvl5pPr marL="2286000" lvl="4" indent="-317500" algn="ctr">
+            <a:lvl5pPr indent="-317500" lvl="4" marL="2286000" algn="ctr">
               <a:spcBef>
                 <a:spcPts val="0"/>
               </a:spcBef>
@@ -4256,7 +4087,7 @@
               <a:buChar char="○"/>
               <a:defRPr/>
             </a:lvl5pPr>
-            <a:lvl6pPr marL="2743200" lvl="5" indent="-317500" algn="ctr">
+            <a:lvl6pPr indent="-317500" lvl="5" marL="2743200" algn="ctr">
               <a:spcBef>
                 <a:spcPts val="0"/>
               </a:spcBef>
@@ -4267,7 +4098,7 @@
               <a:buChar char="■"/>
               <a:defRPr/>
             </a:lvl6pPr>
-            <a:lvl7pPr marL="3200400" lvl="6" indent="-317500" algn="ctr">
+            <a:lvl7pPr indent="-317500" lvl="6" marL="3200400" algn="ctr">
               <a:spcBef>
                 <a:spcPts val="0"/>
               </a:spcBef>
@@ -4278,7 +4109,7 @@
               <a:buChar char="●"/>
               <a:defRPr/>
             </a:lvl7pPr>
-            <a:lvl8pPr marL="3657600" lvl="7" indent="-317500" algn="ctr">
+            <a:lvl8pPr indent="-317500" lvl="7" marL="3657600" algn="ctr">
               <a:spcBef>
                 <a:spcPts val="0"/>
               </a:spcBef>
@@ -4289,7 +4120,7 @@
               <a:buChar char="○"/>
               <a:defRPr/>
             </a:lvl8pPr>
-            <a:lvl9pPr marL="4114800" lvl="8" indent="-317500" algn="ctr">
+            <a:lvl9pPr indent="-317500" lvl="8" marL="4114800" algn="ctr">
               <a:spcBef>
                 <a:spcPts val="0"/>
               </a:spcBef>
@@ -4301,19 +4132,15 @@
               <a:defRPr/>
             </a:lvl9pPr>
           </a:lstStyle>
-          <a:p>
-            <a:endParaRPr/>
-          </a:p>
+          <a:p/>
         </p:txBody>
       </p:sp>
       <p:sp>
         <p:nvSpPr>
           <p:cNvPr id="47" name="Google Shape;47;p11"/>
-          <p:cNvSpPr txBox="1">
-            <a:spLocks noGrp="1"/>
-          </p:cNvSpPr>
-          <p:nvPr>
-            <p:ph type="sldNum" idx="12"/>
+          <p:cNvSpPr txBox="1"/>
+          <p:nvPr>
+            <p:ph idx="12" type="sldNum"/>
           </p:nvPr>
         </p:nvSpPr>
         <p:spPr>
@@ -4326,7 +4153,7 @@
           </a:prstGeom>
         </p:spPr>
         <p:txBody>
-          <a:bodyPr spcFirstLastPara="1" wrap="square" lIns="91425" tIns="91425" rIns="91425" bIns="91425" anchor="ctr" anchorCtr="0">
+          <a:bodyPr anchorCtr="0" anchor="ctr" bIns="91425" lIns="91425" spcFirstLastPara="1" rIns="91425" wrap="square" tIns="91425">
             <a:normAutofit/>
           </a:bodyPr>
           <a:lstStyle>
@@ -4368,7 +4195,7 @@
             </a:lvl9pPr>
           </a:lstStyle>
           <a:p>
-            <a:pPr marL="0" lvl="0" indent="0" algn="r" rtl="0">
+            <a:pPr indent="0" lvl="0" marL="0" rtl="0" algn="r">
               <a:spcBef>
                 <a:spcPts val="0"/>
               </a:spcBef>
@@ -4394,11 +4221,11 @@
 </file>
 
 <file path=ppt/slideLayouts/slideLayout11.xml><?xml version="1.0" encoding="utf-8"?>
-<p:sldLayout xmlns:a="http://schemas.openxmlformats.org/drawingml/2006/main" xmlns:r="http://schemas.openxmlformats.org/officeDocument/2006/relationships" xmlns:p="http://schemas.openxmlformats.org/presentationml/2006/main" matchingName="Blank" type="blank">
+<p:sldLayout xmlns:a="http://schemas.openxmlformats.org/drawingml/2006/main" xmlns:r="http://schemas.openxmlformats.org/officeDocument/2006/relationships" xmlns:mc="http://schemas.openxmlformats.org/markup-compatibility/2006" xmlns:mv="urn:schemas-microsoft-com:mac:vml" xmlns:p="http://schemas.openxmlformats.org/presentationml/2006/main" xmlns:c="http://schemas.openxmlformats.org/drawingml/2006/chart" xmlns:dgm="http://schemas.openxmlformats.org/drawingml/2006/diagram" xmlns:o="urn:schemas-microsoft-com:office:office" xmlns:v="urn:schemas-microsoft-com:vml" xmlns:pvml="urn:schemas-microsoft-com:office:powerpoint" xmlns:com="http://schemas.openxmlformats.org/drawingml/2006/compatibility" xmlns:p14="http://schemas.microsoft.com/office/powerpoint/2010/main" xmlns:p15="http://schemas.microsoft.com/office/powerpoint/2012/main" xmlns:ahyp="http://schemas.microsoft.com/office/drawing/2018/hyperlinkcolor" matchingName="Blank" type="blank">
   <p:cSld name="BLANK">
     <p:spTree>
       <p:nvGrpSpPr>
-        <p:cNvPr id="1" name="Shape 48"/>
+        <p:cNvPr id="48" name="Shape 48"/>
         <p:cNvGrpSpPr/>
         <p:nvPr/>
       </p:nvGrpSpPr>
@@ -4413,11 +4240,9 @@
       <p:sp>
         <p:nvSpPr>
           <p:cNvPr id="49" name="Google Shape;49;p12"/>
-          <p:cNvSpPr txBox="1">
-            <a:spLocks noGrp="1"/>
-          </p:cNvSpPr>
-          <p:nvPr>
-            <p:ph type="sldNum" idx="12"/>
+          <p:cNvSpPr txBox="1"/>
+          <p:nvPr>
+            <p:ph idx="12" type="sldNum"/>
           </p:nvPr>
         </p:nvSpPr>
         <p:spPr>
@@ -4430,7 +4255,7 @@
           </a:prstGeom>
         </p:spPr>
         <p:txBody>
-          <a:bodyPr spcFirstLastPara="1" wrap="square" lIns="91425" tIns="91425" rIns="91425" bIns="91425" anchor="ctr" anchorCtr="0">
+          <a:bodyPr anchorCtr="0" anchor="ctr" bIns="91425" lIns="91425" spcFirstLastPara="1" rIns="91425" wrap="square" tIns="91425">
             <a:normAutofit/>
           </a:bodyPr>
           <a:lstStyle>
@@ -4472,7 +4297,7 @@
             </a:lvl9pPr>
           </a:lstStyle>
           <a:p>
-            <a:pPr marL="0" lvl="0" indent="0" algn="r" rtl="0">
+            <a:pPr indent="0" lvl="0" marL="0" rtl="0" algn="r">
               <a:spcBef>
                 <a:spcPts val="0"/>
               </a:spcBef>
@@ -4498,11 +4323,11 @@
 </file>
 
 <file path=ppt/slideLayouts/slideLayout2.xml><?xml version="1.0" encoding="utf-8"?>
-<p:sldLayout xmlns:a="http://schemas.openxmlformats.org/drawingml/2006/main" xmlns:r="http://schemas.openxmlformats.org/officeDocument/2006/relationships" xmlns:p="http://schemas.openxmlformats.org/presentationml/2006/main" matchingName="Section header" type="secHead">
+<p:sldLayout xmlns:a="http://schemas.openxmlformats.org/drawingml/2006/main" xmlns:r="http://schemas.openxmlformats.org/officeDocument/2006/relationships" xmlns:mc="http://schemas.openxmlformats.org/markup-compatibility/2006" xmlns:mv="urn:schemas-microsoft-com:mac:vml" xmlns:p="http://schemas.openxmlformats.org/presentationml/2006/main" xmlns:c="http://schemas.openxmlformats.org/drawingml/2006/chart" xmlns:dgm="http://schemas.openxmlformats.org/drawingml/2006/diagram" xmlns:o="urn:schemas-microsoft-com:office:office" xmlns:v="urn:schemas-microsoft-com:vml" xmlns:pvml="urn:schemas-microsoft-com:office:powerpoint" xmlns:com="http://schemas.openxmlformats.org/drawingml/2006/compatibility" xmlns:p14="http://schemas.microsoft.com/office/powerpoint/2010/main" xmlns:p15="http://schemas.microsoft.com/office/powerpoint/2012/main" xmlns:ahyp="http://schemas.microsoft.com/office/drawing/2018/hyperlinkcolor" matchingName="Section header" type="secHead">
   <p:cSld name="SECTION_HEADER">
     <p:spTree>
       <p:nvGrpSpPr>
-        <p:cNvPr id="1" name="Shape 13"/>
+        <p:cNvPr id="13" name="Shape 13"/>
         <p:cNvGrpSpPr/>
         <p:nvPr/>
       </p:nvGrpSpPr>
@@ -4517,9 +4342,7 @@
       <p:sp>
         <p:nvSpPr>
           <p:cNvPr id="14" name="Google Shape;14;p3"/>
-          <p:cNvSpPr txBox="1">
-            <a:spLocks noGrp="1"/>
-          </p:cNvSpPr>
+          <p:cNvSpPr txBox="1"/>
           <p:nvPr>
             <p:ph type="title"/>
           </p:nvPr>
@@ -4534,7 +4357,7 @@
           </a:prstGeom>
         </p:spPr>
         <p:txBody>
-          <a:bodyPr spcFirstLastPara="1" wrap="square" lIns="91425" tIns="91425" rIns="91425" bIns="91425" anchor="ctr" anchorCtr="0">
+          <a:bodyPr anchorCtr="0" anchor="ctr" bIns="91425" lIns="91425" spcFirstLastPara="1" rIns="91425" wrap="square" tIns="91425">
             <a:normAutofit/>
           </a:bodyPr>
           <a:lstStyle>
@@ -4638,19 +4461,15 @@
               <a:defRPr sz="3600"/>
             </a:lvl9pPr>
           </a:lstStyle>
-          <a:p>
-            <a:endParaRPr/>
-          </a:p>
+          <a:p/>
         </p:txBody>
       </p:sp>
       <p:sp>
         <p:nvSpPr>
           <p:cNvPr id="15" name="Google Shape;15;p3"/>
-          <p:cNvSpPr txBox="1">
-            <a:spLocks noGrp="1"/>
-          </p:cNvSpPr>
-          <p:nvPr>
-            <p:ph type="sldNum" idx="12"/>
+          <p:cNvSpPr txBox="1"/>
+          <p:nvPr>
+            <p:ph idx="12" type="sldNum"/>
           </p:nvPr>
         </p:nvSpPr>
         <p:spPr>
@@ -4663,7 +4482,7 @@
           </a:prstGeom>
         </p:spPr>
         <p:txBody>
-          <a:bodyPr spcFirstLastPara="1" wrap="square" lIns="91425" tIns="91425" rIns="91425" bIns="91425" anchor="ctr" anchorCtr="0">
+          <a:bodyPr anchorCtr="0" anchor="ctr" bIns="91425" lIns="91425" spcFirstLastPara="1" rIns="91425" wrap="square" tIns="91425">
             <a:normAutofit/>
           </a:bodyPr>
           <a:lstStyle>
@@ -4705,7 +4524,7 @@
             </a:lvl9pPr>
           </a:lstStyle>
           <a:p>
-            <a:pPr marL="0" lvl="0" indent="0" algn="r" rtl="0">
+            <a:pPr indent="0" lvl="0" marL="0" rtl="0" algn="r">
               <a:spcBef>
                 <a:spcPts val="0"/>
               </a:spcBef>
@@ -4731,11 +4550,11 @@
 </file>
 
 <file path=ppt/slideLayouts/slideLayout3.xml><?xml version="1.0" encoding="utf-8"?>
-<p:sldLayout xmlns:a="http://schemas.openxmlformats.org/drawingml/2006/main" xmlns:r="http://schemas.openxmlformats.org/officeDocument/2006/relationships" xmlns:p="http://schemas.openxmlformats.org/presentationml/2006/main" matchingName="Title and body" type="tx">
+<p:sldLayout xmlns:a="http://schemas.openxmlformats.org/drawingml/2006/main" xmlns:r="http://schemas.openxmlformats.org/officeDocument/2006/relationships" xmlns:mc="http://schemas.openxmlformats.org/markup-compatibility/2006" xmlns:mv="urn:schemas-microsoft-com:mac:vml" xmlns:p="http://schemas.openxmlformats.org/presentationml/2006/main" xmlns:c="http://schemas.openxmlformats.org/drawingml/2006/chart" xmlns:dgm="http://schemas.openxmlformats.org/drawingml/2006/diagram" xmlns:o="urn:schemas-microsoft-com:office:office" xmlns:v="urn:schemas-microsoft-com:vml" xmlns:pvml="urn:schemas-microsoft-com:office:powerpoint" xmlns:com="http://schemas.openxmlformats.org/drawingml/2006/compatibility" xmlns:p14="http://schemas.microsoft.com/office/powerpoint/2010/main" xmlns:p15="http://schemas.microsoft.com/office/powerpoint/2012/main" xmlns:ahyp="http://schemas.microsoft.com/office/drawing/2018/hyperlinkcolor" matchingName="Title and body" type="tx">
   <p:cSld name="TITLE_AND_BODY">
     <p:spTree>
       <p:nvGrpSpPr>
-        <p:cNvPr id="1" name="Shape 16"/>
+        <p:cNvPr id="16" name="Shape 16"/>
         <p:cNvGrpSpPr/>
         <p:nvPr/>
       </p:nvGrpSpPr>
@@ -4750,9 +4569,7 @@
       <p:sp>
         <p:nvSpPr>
           <p:cNvPr id="17" name="Google Shape;17;p4"/>
-          <p:cNvSpPr txBox="1">
-            <a:spLocks noGrp="1"/>
-          </p:cNvSpPr>
+          <p:cNvSpPr txBox="1"/>
           <p:nvPr>
             <p:ph type="title"/>
           </p:nvPr>
@@ -4767,7 +4584,7 @@
           </a:prstGeom>
         </p:spPr>
         <p:txBody>
-          <a:bodyPr spcFirstLastPara="1" wrap="square" lIns="91425" tIns="91425" rIns="91425" bIns="91425" anchor="t" anchorCtr="0">
+          <a:bodyPr anchorCtr="0" anchor="t" bIns="91425" lIns="91425" spcFirstLastPara="1" rIns="91425" wrap="square" tIns="91425">
             <a:normAutofit/>
           </a:bodyPr>
           <a:lstStyle>
@@ -4871,19 +4688,15 @@
               <a:defRPr/>
             </a:lvl9pPr>
           </a:lstStyle>
-          <a:p>
-            <a:endParaRPr/>
-          </a:p>
+          <a:p/>
         </p:txBody>
       </p:sp>
       <p:sp>
         <p:nvSpPr>
           <p:cNvPr id="18" name="Google Shape;18;p4"/>
-          <p:cNvSpPr txBox="1">
-            <a:spLocks noGrp="1"/>
-          </p:cNvSpPr>
-          <p:nvPr>
-            <p:ph type="body" idx="1"/>
+          <p:cNvSpPr txBox="1"/>
+          <p:nvPr>
+            <p:ph idx="1" type="body"/>
           </p:nvPr>
         </p:nvSpPr>
         <p:spPr>
@@ -4896,11 +4709,11 @@
           </a:prstGeom>
         </p:spPr>
         <p:txBody>
-          <a:bodyPr spcFirstLastPara="1" wrap="square" lIns="91425" tIns="91425" rIns="91425" bIns="91425" anchor="t" anchorCtr="0">
+          <a:bodyPr anchorCtr="0" anchor="t" bIns="91425" lIns="91425" spcFirstLastPara="1" rIns="91425" wrap="square" tIns="91425">
             <a:normAutofit/>
           </a:bodyPr>
           <a:lstStyle>
-            <a:lvl1pPr marL="457200" lvl="0" indent="-342900">
+            <a:lvl1pPr indent="-342900" lvl="0" marL="457200">
               <a:spcBef>
                 <a:spcPts val="0"/>
               </a:spcBef>
@@ -4911,7 +4724,7 @@
               <a:buChar char="●"/>
               <a:defRPr/>
             </a:lvl1pPr>
-            <a:lvl2pPr marL="914400" lvl="1" indent="-317500">
+            <a:lvl2pPr indent="-317500" lvl="1" marL="914400">
               <a:spcBef>
                 <a:spcPts val="0"/>
               </a:spcBef>
@@ -4922,7 +4735,7 @@
               <a:buChar char="○"/>
               <a:defRPr/>
             </a:lvl2pPr>
-            <a:lvl3pPr marL="1371600" lvl="2" indent="-317500">
+            <a:lvl3pPr indent="-317500" lvl="2" marL="1371600">
               <a:spcBef>
                 <a:spcPts val="0"/>
               </a:spcBef>
@@ -4933,7 +4746,7 @@
               <a:buChar char="■"/>
               <a:defRPr/>
             </a:lvl3pPr>
-            <a:lvl4pPr marL="1828800" lvl="3" indent="-317500">
+            <a:lvl4pPr indent="-317500" lvl="3" marL="1828800">
               <a:spcBef>
                 <a:spcPts val="0"/>
               </a:spcBef>
@@ -4944,7 +4757,7 @@
               <a:buChar char="●"/>
               <a:defRPr/>
             </a:lvl4pPr>
-            <a:lvl5pPr marL="2286000" lvl="4" indent="-317500">
+            <a:lvl5pPr indent="-317500" lvl="4" marL="2286000">
               <a:spcBef>
                 <a:spcPts val="0"/>
               </a:spcBef>
@@ -4955,7 +4768,7 @@
               <a:buChar char="○"/>
               <a:defRPr/>
             </a:lvl5pPr>
-            <a:lvl6pPr marL="2743200" lvl="5" indent="-317500">
+            <a:lvl6pPr indent="-317500" lvl="5" marL="2743200">
               <a:spcBef>
                 <a:spcPts val="0"/>
               </a:spcBef>
@@ -4966,7 +4779,7 @@
               <a:buChar char="■"/>
               <a:defRPr/>
             </a:lvl6pPr>
-            <a:lvl7pPr marL="3200400" lvl="6" indent="-317500">
+            <a:lvl7pPr indent="-317500" lvl="6" marL="3200400">
               <a:spcBef>
                 <a:spcPts val="0"/>
               </a:spcBef>
@@ -4977,7 +4790,7 @@
               <a:buChar char="●"/>
               <a:defRPr/>
             </a:lvl7pPr>
-            <a:lvl8pPr marL="3657600" lvl="7" indent="-317500">
+            <a:lvl8pPr indent="-317500" lvl="7" marL="3657600">
               <a:spcBef>
                 <a:spcPts val="0"/>
               </a:spcBef>
@@ -4988,7 +4801,7 @@
               <a:buChar char="○"/>
               <a:defRPr/>
             </a:lvl8pPr>
-            <a:lvl9pPr marL="4114800" lvl="8" indent="-317500">
+            <a:lvl9pPr indent="-317500" lvl="8" marL="4114800">
               <a:spcBef>
                 <a:spcPts val="0"/>
               </a:spcBef>
@@ -5000,19 +4813,15 @@
               <a:defRPr/>
             </a:lvl9pPr>
           </a:lstStyle>
-          <a:p>
-            <a:endParaRPr/>
-          </a:p>
+          <a:p/>
         </p:txBody>
       </p:sp>
       <p:sp>
         <p:nvSpPr>
           <p:cNvPr id="19" name="Google Shape;19;p4"/>
-          <p:cNvSpPr txBox="1">
-            <a:spLocks noGrp="1"/>
-          </p:cNvSpPr>
-          <p:nvPr>
-            <p:ph type="sldNum" idx="12"/>
+          <p:cNvSpPr txBox="1"/>
+          <p:nvPr>
+            <p:ph idx="12" type="sldNum"/>
           </p:nvPr>
         </p:nvSpPr>
         <p:spPr>
@@ -5025,7 +4834,7 @@
           </a:prstGeom>
         </p:spPr>
         <p:txBody>
-          <a:bodyPr spcFirstLastPara="1" wrap="square" lIns="91425" tIns="91425" rIns="91425" bIns="91425" anchor="ctr" anchorCtr="0">
+          <a:bodyPr anchorCtr="0" anchor="ctr" bIns="91425" lIns="91425" spcFirstLastPara="1" rIns="91425" wrap="square" tIns="91425">
             <a:normAutofit/>
           </a:bodyPr>
           <a:lstStyle>
@@ -5067,7 +4876,7 @@
             </a:lvl9pPr>
           </a:lstStyle>
           <a:p>
-            <a:pPr marL="0" lvl="0" indent="0" algn="r" rtl="0">
+            <a:pPr indent="0" lvl="0" marL="0" rtl="0" algn="r">
               <a:spcBef>
                 <a:spcPts val="0"/>
               </a:spcBef>
@@ -5093,11 +4902,11 @@
 </file>
 
 <file path=ppt/slideLayouts/slideLayout4.xml><?xml version="1.0" encoding="utf-8"?>
-<p:sldLayout xmlns:a="http://schemas.openxmlformats.org/drawingml/2006/main" xmlns:r="http://schemas.openxmlformats.org/officeDocument/2006/relationships" xmlns:p="http://schemas.openxmlformats.org/presentationml/2006/main" matchingName="Title and two columns" type="twoColTx">
+<p:sldLayout xmlns:a="http://schemas.openxmlformats.org/drawingml/2006/main" xmlns:r="http://schemas.openxmlformats.org/officeDocument/2006/relationships" xmlns:mc="http://schemas.openxmlformats.org/markup-compatibility/2006" xmlns:mv="urn:schemas-microsoft-com:mac:vml" xmlns:p="http://schemas.openxmlformats.org/presentationml/2006/main" xmlns:c="http://schemas.openxmlformats.org/drawingml/2006/chart" xmlns:dgm="http://schemas.openxmlformats.org/drawingml/2006/diagram" xmlns:o="urn:schemas-microsoft-com:office:office" xmlns:v="urn:schemas-microsoft-com:vml" xmlns:pvml="urn:schemas-microsoft-com:office:powerpoint" xmlns:com="http://schemas.openxmlformats.org/drawingml/2006/compatibility" xmlns:p14="http://schemas.microsoft.com/office/powerpoint/2010/main" xmlns:p15="http://schemas.microsoft.com/office/powerpoint/2012/main" xmlns:ahyp="http://schemas.microsoft.com/office/drawing/2018/hyperlinkcolor" matchingName="Title and two columns" type="twoColTx">
   <p:cSld name="TITLE_AND_TWO_COLUMNS">
     <p:spTree>
       <p:nvGrpSpPr>
-        <p:cNvPr id="1" name="Shape 20"/>
+        <p:cNvPr id="20" name="Shape 20"/>
         <p:cNvGrpSpPr/>
         <p:nvPr/>
       </p:nvGrpSpPr>
@@ -5112,9 +4921,7 @@
       <p:sp>
         <p:nvSpPr>
           <p:cNvPr id="21" name="Google Shape;21;p5"/>
-          <p:cNvSpPr txBox="1">
-            <a:spLocks noGrp="1"/>
-          </p:cNvSpPr>
+          <p:cNvSpPr txBox="1"/>
           <p:nvPr>
             <p:ph type="title"/>
           </p:nvPr>
@@ -5129,7 +4936,7 @@
           </a:prstGeom>
         </p:spPr>
         <p:txBody>
-          <a:bodyPr spcFirstLastPara="1" wrap="square" lIns="91425" tIns="91425" rIns="91425" bIns="91425" anchor="t" anchorCtr="0">
+          <a:bodyPr anchorCtr="0" anchor="t" bIns="91425" lIns="91425" spcFirstLastPara="1" rIns="91425" wrap="square" tIns="91425">
             <a:normAutofit/>
           </a:bodyPr>
           <a:lstStyle>
@@ -5233,19 +5040,15 @@
               <a:defRPr/>
             </a:lvl9pPr>
           </a:lstStyle>
-          <a:p>
-            <a:endParaRPr/>
-          </a:p>
+          <a:p/>
         </p:txBody>
       </p:sp>
       <p:sp>
         <p:nvSpPr>
           <p:cNvPr id="22" name="Google Shape;22;p5"/>
-          <p:cNvSpPr txBox="1">
-            <a:spLocks noGrp="1"/>
-          </p:cNvSpPr>
-          <p:nvPr>
-            <p:ph type="body" idx="1"/>
+          <p:cNvSpPr txBox="1"/>
+          <p:nvPr>
+            <p:ph idx="1" type="body"/>
           </p:nvPr>
         </p:nvSpPr>
         <p:spPr>
@@ -5258,11 +5061,11 @@
           </a:prstGeom>
         </p:spPr>
         <p:txBody>
-          <a:bodyPr spcFirstLastPara="1" wrap="square" lIns="91425" tIns="91425" rIns="91425" bIns="91425" anchor="t" anchorCtr="0">
+          <a:bodyPr anchorCtr="0" anchor="t" bIns="91425" lIns="91425" spcFirstLastPara="1" rIns="91425" wrap="square" tIns="91425">
             <a:normAutofit/>
           </a:bodyPr>
           <a:lstStyle>
-            <a:lvl1pPr marL="457200" lvl="0" indent="-317500">
+            <a:lvl1pPr indent="-317500" lvl="0" marL="457200">
               <a:spcBef>
                 <a:spcPts val="0"/>
               </a:spcBef>
@@ -5273,7 +5076,7 @@
               <a:buChar char="●"/>
               <a:defRPr sz="1400"/>
             </a:lvl1pPr>
-            <a:lvl2pPr marL="914400" lvl="1" indent="-304800">
+            <a:lvl2pPr indent="-304800" lvl="1" marL="914400">
               <a:spcBef>
                 <a:spcPts val="0"/>
               </a:spcBef>
@@ -5284,7 +5087,7 @@
               <a:buChar char="○"/>
               <a:defRPr sz="1200"/>
             </a:lvl2pPr>
-            <a:lvl3pPr marL="1371600" lvl="2" indent="-304800">
+            <a:lvl3pPr indent="-304800" lvl="2" marL="1371600">
               <a:spcBef>
                 <a:spcPts val="0"/>
               </a:spcBef>
@@ -5295,7 +5098,7 @@
               <a:buChar char="■"/>
               <a:defRPr sz="1200"/>
             </a:lvl3pPr>
-            <a:lvl4pPr marL="1828800" lvl="3" indent="-304800">
+            <a:lvl4pPr indent="-304800" lvl="3" marL="1828800">
               <a:spcBef>
                 <a:spcPts val="0"/>
               </a:spcBef>
@@ -5306,7 +5109,7 @@
               <a:buChar char="●"/>
               <a:defRPr sz="1200"/>
             </a:lvl4pPr>
-            <a:lvl5pPr marL="2286000" lvl="4" indent="-304800">
+            <a:lvl5pPr indent="-304800" lvl="4" marL="2286000">
               <a:spcBef>
                 <a:spcPts val="0"/>
               </a:spcBef>
@@ -5317,7 +5120,7 @@
               <a:buChar char="○"/>
               <a:defRPr sz="1200"/>
             </a:lvl5pPr>
-            <a:lvl6pPr marL="2743200" lvl="5" indent="-304800">
+            <a:lvl6pPr indent="-304800" lvl="5" marL="2743200">
               <a:spcBef>
                 <a:spcPts val="0"/>
               </a:spcBef>
@@ -5328,7 +5131,7 @@
               <a:buChar char="■"/>
               <a:defRPr sz="1200"/>
             </a:lvl6pPr>
-            <a:lvl7pPr marL="3200400" lvl="6" indent="-304800">
+            <a:lvl7pPr indent="-304800" lvl="6" marL="3200400">
               <a:spcBef>
                 <a:spcPts val="0"/>
               </a:spcBef>
@@ -5339,7 +5142,7 @@
               <a:buChar char="●"/>
               <a:defRPr sz="1200"/>
             </a:lvl7pPr>
-            <a:lvl8pPr marL="3657600" lvl="7" indent="-304800">
+            <a:lvl8pPr indent="-304800" lvl="7" marL="3657600">
               <a:spcBef>
                 <a:spcPts val="0"/>
               </a:spcBef>
@@ -5350,7 +5153,7 @@
               <a:buChar char="○"/>
               <a:defRPr sz="1200"/>
             </a:lvl8pPr>
-            <a:lvl9pPr marL="4114800" lvl="8" indent="-304800">
+            <a:lvl9pPr indent="-304800" lvl="8" marL="4114800">
               <a:spcBef>
                 <a:spcPts val="0"/>
               </a:spcBef>
@@ -5362,19 +5165,15 @@
               <a:defRPr sz="1200"/>
             </a:lvl9pPr>
           </a:lstStyle>
-          <a:p>
-            <a:endParaRPr/>
-          </a:p>
+          <a:p/>
         </p:txBody>
       </p:sp>
       <p:sp>
         <p:nvSpPr>
           <p:cNvPr id="23" name="Google Shape;23;p5"/>
-          <p:cNvSpPr txBox="1">
-            <a:spLocks noGrp="1"/>
-          </p:cNvSpPr>
-          <p:nvPr>
-            <p:ph type="body" idx="2"/>
+          <p:cNvSpPr txBox="1"/>
+          <p:nvPr>
+            <p:ph idx="2" type="body"/>
           </p:nvPr>
         </p:nvSpPr>
         <p:spPr>
@@ -5387,11 +5186,11 @@
           </a:prstGeom>
         </p:spPr>
         <p:txBody>
-          <a:bodyPr spcFirstLastPara="1" wrap="square" lIns="91425" tIns="91425" rIns="91425" bIns="91425" anchor="t" anchorCtr="0">
+          <a:bodyPr anchorCtr="0" anchor="t" bIns="91425" lIns="91425" spcFirstLastPara="1" rIns="91425" wrap="square" tIns="91425">
             <a:normAutofit/>
           </a:bodyPr>
           <a:lstStyle>
-            <a:lvl1pPr marL="457200" lvl="0" indent="-317500">
+            <a:lvl1pPr indent="-317500" lvl="0" marL="457200">
               <a:spcBef>
                 <a:spcPts val="0"/>
               </a:spcBef>
@@ -5402,7 +5201,7 @@
               <a:buChar char="●"/>
               <a:defRPr sz="1400"/>
             </a:lvl1pPr>
-            <a:lvl2pPr marL="914400" lvl="1" indent="-304800">
+            <a:lvl2pPr indent="-304800" lvl="1" marL="914400">
               <a:spcBef>
                 <a:spcPts val="0"/>
               </a:spcBef>
@@ -5413,7 +5212,7 @@
               <a:buChar char="○"/>
               <a:defRPr sz="1200"/>
             </a:lvl2pPr>
-            <a:lvl3pPr marL="1371600" lvl="2" indent="-304800">
+            <a:lvl3pPr indent="-304800" lvl="2" marL="1371600">
               <a:spcBef>
                 <a:spcPts val="0"/>
               </a:spcBef>
@@ -5424,7 +5223,7 @@
               <a:buChar char="■"/>
               <a:defRPr sz="1200"/>
             </a:lvl3pPr>
-            <a:lvl4pPr marL="1828800" lvl="3" indent="-304800">
+            <a:lvl4pPr indent="-304800" lvl="3" marL="1828800">
               <a:spcBef>
                 <a:spcPts val="0"/>
               </a:spcBef>
@@ -5435,7 +5234,7 @@
               <a:buChar char="●"/>
               <a:defRPr sz="1200"/>
             </a:lvl4pPr>
-            <a:lvl5pPr marL="2286000" lvl="4" indent="-304800">
+            <a:lvl5pPr indent="-304800" lvl="4" marL="2286000">
               <a:spcBef>
                 <a:spcPts val="0"/>
               </a:spcBef>
@@ -5446,7 +5245,7 @@
               <a:buChar char="○"/>
               <a:defRPr sz="1200"/>
             </a:lvl5pPr>
-            <a:lvl6pPr marL="2743200" lvl="5" indent="-304800">
+            <a:lvl6pPr indent="-304800" lvl="5" marL="2743200">
               <a:spcBef>
                 <a:spcPts val="0"/>
               </a:spcBef>
@@ -5457,7 +5256,7 @@
               <a:buChar char="■"/>
               <a:defRPr sz="1200"/>
             </a:lvl6pPr>
-            <a:lvl7pPr marL="3200400" lvl="6" indent="-304800">
+            <a:lvl7pPr indent="-304800" lvl="6" marL="3200400">
               <a:spcBef>
                 <a:spcPts val="0"/>
               </a:spcBef>
@@ -5468,7 +5267,7 @@
               <a:buChar char="●"/>
               <a:defRPr sz="1200"/>
             </a:lvl7pPr>
-            <a:lvl8pPr marL="3657600" lvl="7" indent="-304800">
+            <a:lvl8pPr indent="-304800" lvl="7" marL="3657600">
               <a:spcBef>
                 <a:spcPts val="0"/>
               </a:spcBef>
@@ -5479,7 +5278,7 @@
               <a:buChar char="○"/>
               <a:defRPr sz="1200"/>
             </a:lvl8pPr>
-            <a:lvl9pPr marL="4114800" lvl="8" indent="-304800">
+            <a:lvl9pPr indent="-304800" lvl="8" marL="4114800">
               <a:spcBef>
                 <a:spcPts val="0"/>
               </a:spcBef>
@@ -5491,19 +5290,15 @@
               <a:defRPr sz="1200"/>
             </a:lvl9pPr>
           </a:lstStyle>
-          <a:p>
-            <a:endParaRPr/>
-          </a:p>
+          <a:p/>
         </p:txBody>
       </p:sp>
       <p:sp>
         <p:nvSpPr>
           <p:cNvPr id="24" name="Google Shape;24;p5"/>
-          <p:cNvSpPr txBox="1">
-            <a:spLocks noGrp="1"/>
-          </p:cNvSpPr>
-          <p:nvPr>
-            <p:ph type="sldNum" idx="12"/>
+          <p:cNvSpPr txBox="1"/>
+          <p:nvPr>
+            <p:ph idx="12" type="sldNum"/>
           </p:nvPr>
         </p:nvSpPr>
         <p:spPr>
@@ -5516,7 +5311,7 @@
           </a:prstGeom>
         </p:spPr>
         <p:txBody>
-          <a:bodyPr spcFirstLastPara="1" wrap="square" lIns="91425" tIns="91425" rIns="91425" bIns="91425" anchor="ctr" anchorCtr="0">
+          <a:bodyPr anchorCtr="0" anchor="ctr" bIns="91425" lIns="91425" spcFirstLastPara="1" rIns="91425" wrap="square" tIns="91425">
             <a:normAutofit/>
           </a:bodyPr>
           <a:lstStyle>
@@ -5558,7 +5353,7 @@
             </a:lvl9pPr>
           </a:lstStyle>
           <a:p>
-            <a:pPr marL="0" lvl="0" indent="0" algn="r" rtl="0">
+            <a:pPr indent="0" lvl="0" marL="0" rtl="0" algn="r">
               <a:spcBef>
                 <a:spcPts val="0"/>
               </a:spcBef>
@@ -5584,11 +5379,11 @@
 </file>
 
 <file path=ppt/slideLayouts/slideLayout5.xml><?xml version="1.0" encoding="utf-8"?>
-<p:sldLayout xmlns:a="http://schemas.openxmlformats.org/drawingml/2006/main" xmlns:r="http://schemas.openxmlformats.org/officeDocument/2006/relationships" xmlns:p="http://schemas.openxmlformats.org/presentationml/2006/main" matchingName="Title only" type="titleOnly">
+<p:sldLayout xmlns:a="http://schemas.openxmlformats.org/drawingml/2006/main" xmlns:r="http://schemas.openxmlformats.org/officeDocument/2006/relationships" xmlns:mc="http://schemas.openxmlformats.org/markup-compatibility/2006" xmlns:mv="urn:schemas-microsoft-com:mac:vml" xmlns:p="http://schemas.openxmlformats.org/presentationml/2006/main" xmlns:c="http://schemas.openxmlformats.org/drawingml/2006/chart" xmlns:dgm="http://schemas.openxmlformats.org/drawingml/2006/diagram" xmlns:o="urn:schemas-microsoft-com:office:office" xmlns:v="urn:schemas-microsoft-com:vml" xmlns:pvml="urn:schemas-microsoft-com:office:powerpoint" xmlns:com="http://schemas.openxmlformats.org/drawingml/2006/compatibility" xmlns:p14="http://schemas.microsoft.com/office/powerpoint/2010/main" xmlns:p15="http://schemas.microsoft.com/office/powerpoint/2012/main" xmlns:ahyp="http://schemas.microsoft.com/office/drawing/2018/hyperlinkcolor" matchingName="Title only" type="titleOnly">
   <p:cSld name="TITLE_ONLY">
     <p:spTree>
       <p:nvGrpSpPr>
-        <p:cNvPr id="1" name="Shape 25"/>
+        <p:cNvPr id="25" name="Shape 25"/>
         <p:cNvGrpSpPr/>
         <p:nvPr/>
       </p:nvGrpSpPr>
@@ -5603,9 +5398,7 @@
       <p:sp>
         <p:nvSpPr>
           <p:cNvPr id="26" name="Google Shape;26;p6"/>
-          <p:cNvSpPr txBox="1">
-            <a:spLocks noGrp="1"/>
-          </p:cNvSpPr>
+          <p:cNvSpPr txBox="1"/>
           <p:nvPr>
             <p:ph type="title"/>
           </p:nvPr>
@@ -5620,7 +5413,7 @@
           </a:prstGeom>
         </p:spPr>
         <p:txBody>
-          <a:bodyPr spcFirstLastPara="1" wrap="square" lIns="91425" tIns="91425" rIns="91425" bIns="91425" anchor="t" anchorCtr="0">
+          <a:bodyPr anchorCtr="0" anchor="t" bIns="91425" lIns="91425" spcFirstLastPara="1" rIns="91425" wrap="square" tIns="91425">
             <a:normAutofit/>
           </a:bodyPr>
           <a:lstStyle>
@@ -5724,19 +5517,15 @@
               <a:defRPr/>
             </a:lvl9pPr>
           </a:lstStyle>
-          <a:p>
-            <a:endParaRPr/>
-          </a:p>
+          <a:p/>
         </p:txBody>
       </p:sp>
       <p:sp>
         <p:nvSpPr>
           <p:cNvPr id="27" name="Google Shape;27;p6"/>
-          <p:cNvSpPr txBox="1">
-            <a:spLocks noGrp="1"/>
-          </p:cNvSpPr>
-          <p:nvPr>
-            <p:ph type="sldNum" idx="12"/>
+          <p:cNvSpPr txBox="1"/>
+          <p:nvPr>
+            <p:ph idx="12" type="sldNum"/>
           </p:nvPr>
         </p:nvSpPr>
         <p:spPr>
@@ -5749,7 +5538,7 @@
           </a:prstGeom>
         </p:spPr>
         <p:txBody>
-          <a:bodyPr spcFirstLastPara="1" wrap="square" lIns="91425" tIns="91425" rIns="91425" bIns="91425" anchor="ctr" anchorCtr="0">
+          <a:bodyPr anchorCtr="0" anchor="ctr" bIns="91425" lIns="91425" spcFirstLastPara="1" rIns="91425" wrap="square" tIns="91425">
             <a:normAutofit/>
           </a:bodyPr>
           <a:lstStyle>
@@ -5791,7 +5580,7 @@
             </a:lvl9pPr>
           </a:lstStyle>
           <a:p>
-            <a:pPr marL="0" lvl="0" indent="0" algn="r" rtl="0">
+            <a:pPr indent="0" lvl="0" marL="0" rtl="0" algn="r">
               <a:spcBef>
                 <a:spcPts val="0"/>
               </a:spcBef>
@@ -5817,11 +5606,11 @@
 </file>
 
 <file path=ppt/slideLayouts/slideLayout6.xml><?xml version="1.0" encoding="utf-8"?>
-<p:sldLayout xmlns:a="http://schemas.openxmlformats.org/drawingml/2006/main" xmlns:r="http://schemas.openxmlformats.org/officeDocument/2006/relationships" xmlns:p="http://schemas.openxmlformats.org/presentationml/2006/main" matchingName="One column text">
+<p:sldLayout xmlns:a="http://schemas.openxmlformats.org/drawingml/2006/main" xmlns:r="http://schemas.openxmlformats.org/officeDocument/2006/relationships" xmlns:mc="http://schemas.openxmlformats.org/markup-compatibility/2006" xmlns:mv="urn:schemas-microsoft-com:mac:vml" xmlns:p="http://schemas.openxmlformats.org/presentationml/2006/main" xmlns:c="http://schemas.openxmlformats.org/drawingml/2006/chart" xmlns:dgm="http://schemas.openxmlformats.org/drawingml/2006/diagram" xmlns:o="urn:schemas-microsoft-com:office:office" xmlns:v="urn:schemas-microsoft-com:vml" xmlns:pvml="urn:schemas-microsoft-com:office:powerpoint" xmlns:com="http://schemas.openxmlformats.org/drawingml/2006/compatibility" xmlns:p14="http://schemas.microsoft.com/office/powerpoint/2010/main" xmlns:p15="http://schemas.microsoft.com/office/powerpoint/2012/main" xmlns:ahyp="http://schemas.microsoft.com/office/drawing/2018/hyperlinkcolor" matchingName="One column text">
   <p:cSld name="ONE_COLUMN_TEXT">
     <p:spTree>
       <p:nvGrpSpPr>
-        <p:cNvPr id="1" name="Shape 28"/>
+        <p:cNvPr id="28" name="Shape 28"/>
         <p:cNvGrpSpPr/>
         <p:nvPr/>
       </p:nvGrpSpPr>
@@ -5836,9 +5625,7 @@
       <p:sp>
         <p:nvSpPr>
           <p:cNvPr id="29" name="Google Shape;29;p7"/>
-          <p:cNvSpPr txBox="1">
-            <a:spLocks noGrp="1"/>
-          </p:cNvSpPr>
+          <p:cNvSpPr txBox="1"/>
           <p:nvPr>
             <p:ph type="title"/>
           </p:nvPr>
@@ -5853,7 +5640,7 @@
           </a:prstGeom>
         </p:spPr>
         <p:txBody>
-          <a:bodyPr spcFirstLastPara="1" wrap="square" lIns="91425" tIns="91425" rIns="91425" bIns="91425" anchor="b" anchorCtr="0">
+          <a:bodyPr anchorCtr="0" anchor="b" bIns="91425" lIns="91425" spcFirstLastPara="1" rIns="91425" wrap="square" tIns="91425">
             <a:normAutofit/>
           </a:bodyPr>
           <a:lstStyle>
@@ -5957,19 +5744,15 @@
               <a:defRPr sz="2400"/>
             </a:lvl9pPr>
           </a:lstStyle>
-          <a:p>
-            <a:endParaRPr/>
-          </a:p>
+          <a:p/>
         </p:txBody>
       </p:sp>
       <p:sp>
         <p:nvSpPr>
           <p:cNvPr id="30" name="Google Shape;30;p7"/>
-          <p:cNvSpPr txBox="1">
-            <a:spLocks noGrp="1"/>
-          </p:cNvSpPr>
-          <p:nvPr>
-            <p:ph type="body" idx="1"/>
+          <p:cNvSpPr txBox="1"/>
+          <p:nvPr>
+            <p:ph idx="1" type="body"/>
           </p:nvPr>
         </p:nvSpPr>
         <p:spPr>
@@ -5982,11 +5765,11 @@
           </a:prstGeom>
         </p:spPr>
         <p:txBody>
-          <a:bodyPr spcFirstLastPara="1" wrap="square" lIns="91425" tIns="91425" rIns="91425" bIns="91425" anchor="t" anchorCtr="0">
+          <a:bodyPr anchorCtr="0" anchor="t" bIns="91425" lIns="91425" spcFirstLastPara="1" rIns="91425" wrap="square" tIns="91425">
             <a:normAutofit/>
           </a:bodyPr>
           <a:lstStyle>
-            <a:lvl1pPr marL="457200" lvl="0" indent="-304800">
+            <a:lvl1pPr indent="-304800" lvl="0" marL="457200">
               <a:spcBef>
                 <a:spcPts val="0"/>
               </a:spcBef>
@@ -5997,7 +5780,7 @@
               <a:buChar char="●"/>
               <a:defRPr sz="1200"/>
             </a:lvl1pPr>
-            <a:lvl2pPr marL="914400" lvl="1" indent="-304800">
+            <a:lvl2pPr indent="-304800" lvl="1" marL="914400">
               <a:spcBef>
                 <a:spcPts val="0"/>
               </a:spcBef>
@@ -6008,7 +5791,7 @@
               <a:buChar char="○"/>
               <a:defRPr sz="1200"/>
             </a:lvl2pPr>
-            <a:lvl3pPr marL="1371600" lvl="2" indent="-304800">
+            <a:lvl3pPr indent="-304800" lvl="2" marL="1371600">
               <a:spcBef>
                 <a:spcPts val="0"/>
               </a:spcBef>
@@ -6019,7 +5802,7 @@
               <a:buChar char="■"/>
               <a:defRPr sz="1200"/>
             </a:lvl3pPr>
-            <a:lvl4pPr marL="1828800" lvl="3" indent="-304800">
+            <a:lvl4pPr indent="-304800" lvl="3" marL="1828800">
               <a:spcBef>
                 <a:spcPts val="0"/>
               </a:spcBef>
@@ -6030,7 +5813,7 @@
               <a:buChar char="●"/>
               <a:defRPr sz="1200"/>
             </a:lvl4pPr>
-            <a:lvl5pPr marL="2286000" lvl="4" indent="-304800">
+            <a:lvl5pPr indent="-304800" lvl="4" marL="2286000">
               <a:spcBef>
                 <a:spcPts val="0"/>
               </a:spcBef>
@@ -6041,7 +5824,7 @@
               <a:buChar char="○"/>
               <a:defRPr sz="1200"/>
             </a:lvl5pPr>
-            <a:lvl6pPr marL="2743200" lvl="5" indent="-304800">
+            <a:lvl6pPr indent="-304800" lvl="5" marL="2743200">
               <a:spcBef>
                 <a:spcPts val="0"/>
               </a:spcBef>
@@ -6052,7 +5835,7 @@
               <a:buChar char="■"/>
               <a:defRPr sz="1200"/>
             </a:lvl6pPr>
-            <a:lvl7pPr marL="3200400" lvl="6" indent="-304800">
+            <a:lvl7pPr indent="-304800" lvl="6" marL="3200400">
               <a:spcBef>
                 <a:spcPts val="0"/>
               </a:spcBef>
@@ -6063,7 +5846,7 @@
               <a:buChar char="●"/>
               <a:defRPr sz="1200"/>
             </a:lvl7pPr>
-            <a:lvl8pPr marL="3657600" lvl="7" indent="-304800">
+            <a:lvl8pPr indent="-304800" lvl="7" marL="3657600">
               <a:spcBef>
                 <a:spcPts val="0"/>
               </a:spcBef>
@@ -6074,7 +5857,7 @@
               <a:buChar char="○"/>
               <a:defRPr sz="1200"/>
             </a:lvl8pPr>
-            <a:lvl9pPr marL="4114800" lvl="8" indent="-304800">
+            <a:lvl9pPr indent="-304800" lvl="8" marL="4114800">
               <a:spcBef>
                 <a:spcPts val="0"/>
               </a:spcBef>
@@ -6086,19 +5869,15 @@
               <a:defRPr sz="1200"/>
             </a:lvl9pPr>
           </a:lstStyle>
-          <a:p>
-            <a:endParaRPr/>
-          </a:p>
+          <a:p/>
         </p:txBody>
       </p:sp>
       <p:sp>
         <p:nvSpPr>
           <p:cNvPr id="31" name="Google Shape;31;p7"/>
-          <p:cNvSpPr txBox="1">
-            <a:spLocks noGrp="1"/>
-          </p:cNvSpPr>
-          <p:nvPr>
-            <p:ph type="sldNum" idx="12"/>
+          <p:cNvSpPr txBox="1"/>
+          <p:nvPr>
+            <p:ph idx="12" type="sldNum"/>
           </p:nvPr>
         </p:nvSpPr>
         <p:spPr>
@@ -6111,7 +5890,7 @@
           </a:prstGeom>
         </p:spPr>
         <p:txBody>
-          <a:bodyPr spcFirstLastPara="1" wrap="square" lIns="91425" tIns="91425" rIns="91425" bIns="91425" anchor="ctr" anchorCtr="0">
+          <a:bodyPr anchorCtr="0" anchor="ctr" bIns="91425" lIns="91425" spcFirstLastPara="1" rIns="91425" wrap="square" tIns="91425">
             <a:normAutofit/>
           </a:bodyPr>
           <a:lstStyle>
@@ -6153,7 +5932,7 @@
             </a:lvl9pPr>
           </a:lstStyle>
           <a:p>
-            <a:pPr marL="0" lvl="0" indent="0" algn="r" rtl="0">
+            <a:pPr indent="0" lvl="0" marL="0" rtl="0" algn="r">
               <a:spcBef>
                 <a:spcPts val="0"/>
               </a:spcBef>
@@ -6179,11 +5958,11 @@
 </file>
 
 <file path=ppt/slideLayouts/slideLayout7.xml><?xml version="1.0" encoding="utf-8"?>
-<p:sldLayout xmlns:a="http://schemas.openxmlformats.org/drawingml/2006/main" xmlns:r="http://schemas.openxmlformats.org/officeDocument/2006/relationships" xmlns:p="http://schemas.openxmlformats.org/presentationml/2006/main" matchingName="Main point">
+<p:sldLayout xmlns:a="http://schemas.openxmlformats.org/drawingml/2006/main" xmlns:r="http://schemas.openxmlformats.org/officeDocument/2006/relationships" xmlns:mc="http://schemas.openxmlformats.org/markup-compatibility/2006" xmlns:mv="urn:schemas-microsoft-com:mac:vml" xmlns:p="http://schemas.openxmlformats.org/presentationml/2006/main" xmlns:c="http://schemas.openxmlformats.org/drawingml/2006/chart" xmlns:dgm="http://schemas.openxmlformats.org/drawingml/2006/diagram" xmlns:o="urn:schemas-microsoft-com:office:office" xmlns:v="urn:schemas-microsoft-com:vml" xmlns:pvml="urn:schemas-microsoft-com:office:powerpoint" xmlns:com="http://schemas.openxmlformats.org/drawingml/2006/compatibility" xmlns:p14="http://schemas.microsoft.com/office/powerpoint/2010/main" xmlns:p15="http://schemas.microsoft.com/office/powerpoint/2012/main" xmlns:ahyp="http://schemas.microsoft.com/office/drawing/2018/hyperlinkcolor" matchingName="Main point">
   <p:cSld name="MAIN_POINT">
     <p:spTree>
       <p:nvGrpSpPr>
-        <p:cNvPr id="1" name="Shape 32"/>
+        <p:cNvPr id="32" name="Shape 32"/>
         <p:cNvGrpSpPr/>
         <p:nvPr/>
       </p:nvGrpSpPr>
@@ -6198,9 +5977,7 @@
       <p:sp>
         <p:nvSpPr>
           <p:cNvPr id="33" name="Google Shape;33;p8"/>
-          <p:cNvSpPr txBox="1">
-            <a:spLocks noGrp="1"/>
-          </p:cNvSpPr>
+          <p:cNvSpPr txBox="1"/>
           <p:nvPr>
             <p:ph type="title"/>
           </p:nvPr>
@@ -6215,7 +5992,7 @@
           </a:prstGeom>
         </p:spPr>
         <p:txBody>
-          <a:bodyPr spcFirstLastPara="1" wrap="square" lIns="91425" tIns="91425" rIns="91425" bIns="91425" anchor="ctr" anchorCtr="0">
+          <a:bodyPr anchorCtr="0" anchor="ctr" bIns="91425" lIns="91425" spcFirstLastPara="1" rIns="91425" wrap="square" tIns="91425">
             <a:normAutofit/>
           </a:bodyPr>
           <a:lstStyle>
@@ -6319,19 +6096,15 @@
               <a:defRPr sz="4800"/>
             </a:lvl9pPr>
           </a:lstStyle>
-          <a:p>
-            <a:endParaRPr/>
-          </a:p>
+          <a:p/>
         </p:txBody>
       </p:sp>
       <p:sp>
         <p:nvSpPr>
           <p:cNvPr id="34" name="Google Shape;34;p8"/>
-          <p:cNvSpPr txBox="1">
-            <a:spLocks noGrp="1"/>
-          </p:cNvSpPr>
-          <p:nvPr>
-            <p:ph type="sldNum" idx="12"/>
+          <p:cNvSpPr txBox="1"/>
+          <p:nvPr>
+            <p:ph idx="12" type="sldNum"/>
           </p:nvPr>
         </p:nvSpPr>
         <p:spPr>
@@ -6344,7 +6117,7 @@
           </a:prstGeom>
         </p:spPr>
         <p:txBody>
-          <a:bodyPr spcFirstLastPara="1" wrap="square" lIns="91425" tIns="91425" rIns="91425" bIns="91425" anchor="ctr" anchorCtr="0">
+          <a:bodyPr anchorCtr="0" anchor="ctr" bIns="91425" lIns="91425" spcFirstLastPara="1" rIns="91425" wrap="square" tIns="91425">
             <a:normAutofit/>
           </a:bodyPr>
           <a:lstStyle>
@@ -6386,7 +6159,7 @@
             </a:lvl9pPr>
           </a:lstStyle>
           <a:p>
-            <a:pPr marL="0" lvl="0" indent="0" algn="r" rtl="0">
+            <a:pPr indent="0" lvl="0" marL="0" rtl="0" algn="r">
               <a:spcBef>
                 <a:spcPts val="0"/>
               </a:spcBef>
@@ -6412,11 +6185,11 @@
 </file>
 
 <file path=ppt/slideLayouts/slideLayout8.xml><?xml version="1.0" encoding="utf-8"?>
-<p:sldLayout xmlns:a="http://schemas.openxmlformats.org/drawingml/2006/main" xmlns:r="http://schemas.openxmlformats.org/officeDocument/2006/relationships" xmlns:p="http://schemas.openxmlformats.org/presentationml/2006/main" matchingName="Section title and description">
+<p:sldLayout xmlns:a="http://schemas.openxmlformats.org/drawingml/2006/main" xmlns:r="http://schemas.openxmlformats.org/officeDocument/2006/relationships" xmlns:mc="http://schemas.openxmlformats.org/markup-compatibility/2006" xmlns:mv="urn:schemas-microsoft-com:mac:vml" xmlns:p="http://schemas.openxmlformats.org/presentationml/2006/main" xmlns:c="http://schemas.openxmlformats.org/drawingml/2006/chart" xmlns:dgm="http://schemas.openxmlformats.org/drawingml/2006/diagram" xmlns:o="urn:schemas-microsoft-com:office:office" xmlns:v="urn:schemas-microsoft-com:vml" xmlns:pvml="urn:schemas-microsoft-com:office:powerpoint" xmlns:com="http://schemas.openxmlformats.org/drawingml/2006/compatibility" xmlns:p14="http://schemas.microsoft.com/office/powerpoint/2010/main" xmlns:p15="http://schemas.microsoft.com/office/powerpoint/2012/main" xmlns:ahyp="http://schemas.microsoft.com/office/drawing/2018/hyperlinkcolor" matchingName="Section title and description">
   <p:cSld name="SECTION_TITLE_AND_DESCRIPTION">
     <p:spTree>
       <p:nvGrpSpPr>
-        <p:cNvPr id="1" name="Shape 35"/>
+        <p:cNvPr id="35" name="Shape 35"/>
         <p:cNvGrpSpPr/>
         <p:nvPr/>
       </p:nvGrpSpPr>
@@ -6450,20 +6223,23 @@
           </a:ln>
         </p:spPr>
         <p:txBody>
-          <a:bodyPr spcFirstLastPara="1" wrap="square" lIns="91425" tIns="91425" rIns="91425" bIns="91425" anchor="ctr" anchorCtr="0">
+          <a:bodyPr anchorCtr="0" anchor="ctr" bIns="91425" lIns="91425" spcFirstLastPara="1" rIns="91425" wrap="square" tIns="91425">
             <a:noAutofit/>
           </a:bodyPr>
           <a:lstStyle/>
           <a:p>
-            <a:pPr marL="0" lvl="0" indent="0" algn="l" rtl="0">
-              <a:spcBef>
-                <a:spcPts val="0"/>
-              </a:spcBef>
-              <a:spcAft>
-                <a:spcPts val="0"/>
-              </a:spcAft>
-              <a:buNone/>
-            </a:pPr>
+            <a:pPr indent="0" lvl="0" marL="0" rtl="0" algn="l">
+              <a:spcBef>
+                <a:spcPts val="0"/>
+              </a:spcBef>
+              <a:spcAft>
+                <a:spcPts val="0"/>
+              </a:spcAft>
+              <a:buNone/>
+            </a:pPr>
+            <a:r>
+              <a:t/>
+            </a:r>
             <a:endParaRPr/>
           </a:p>
         </p:txBody>
@@ -6471,9 +6247,7 @@
       <p:sp>
         <p:nvSpPr>
           <p:cNvPr id="37" name="Google Shape;37;p9"/>
-          <p:cNvSpPr txBox="1">
-            <a:spLocks noGrp="1"/>
-          </p:cNvSpPr>
+          <p:cNvSpPr txBox="1"/>
           <p:nvPr>
             <p:ph type="title"/>
           </p:nvPr>
@@ -6488,7 +6262,7 @@
           </a:prstGeom>
         </p:spPr>
         <p:txBody>
-          <a:bodyPr spcFirstLastPara="1" wrap="square" lIns="91425" tIns="91425" rIns="91425" bIns="91425" anchor="b" anchorCtr="0">
+          <a:bodyPr anchorCtr="0" anchor="b" bIns="91425" lIns="91425" spcFirstLastPara="1" rIns="91425" wrap="square" tIns="91425">
             <a:normAutofit/>
           </a:bodyPr>
           <a:lstStyle>
@@ -6592,19 +6366,15 @@
               <a:defRPr sz="4200"/>
             </a:lvl9pPr>
           </a:lstStyle>
-          <a:p>
-            <a:endParaRPr/>
-          </a:p>
+          <a:p/>
         </p:txBody>
       </p:sp>
       <p:sp>
         <p:nvSpPr>
           <p:cNvPr id="38" name="Google Shape;38;p9"/>
-          <p:cNvSpPr txBox="1">
-            <a:spLocks noGrp="1"/>
-          </p:cNvSpPr>
-          <p:nvPr>
-            <p:ph type="subTitle" idx="1"/>
+          <p:cNvSpPr txBox="1"/>
+          <p:nvPr>
+            <p:ph idx="1" type="subTitle"/>
           </p:nvPr>
         </p:nvSpPr>
         <p:spPr>
@@ -6617,7 +6387,7 @@
           </a:prstGeom>
         </p:spPr>
         <p:txBody>
-          <a:bodyPr spcFirstLastPara="1" wrap="square" lIns="91425" tIns="91425" rIns="91425" bIns="91425" anchor="t" anchorCtr="0">
+          <a:bodyPr anchorCtr="0" anchor="t" bIns="91425" lIns="91425" spcFirstLastPara="1" rIns="91425" wrap="square" tIns="91425">
             <a:normAutofit/>
           </a:bodyPr>
           <a:lstStyle>
@@ -6748,19 +6518,15 @@
               <a:defRPr sz="2100"/>
             </a:lvl9pPr>
           </a:lstStyle>
-          <a:p>
-            <a:endParaRPr/>
-          </a:p>
+          <a:p/>
         </p:txBody>
       </p:sp>
       <p:sp>
         <p:nvSpPr>
           <p:cNvPr id="39" name="Google Shape;39;p9"/>
-          <p:cNvSpPr txBox="1">
-            <a:spLocks noGrp="1"/>
-          </p:cNvSpPr>
-          <p:nvPr>
-            <p:ph type="body" idx="2"/>
+          <p:cNvSpPr txBox="1"/>
+          <p:nvPr>
+            <p:ph idx="2" type="body"/>
           </p:nvPr>
         </p:nvSpPr>
         <p:spPr>
@@ -6773,11 +6539,11 @@
           </a:prstGeom>
         </p:spPr>
         <p:txBody>
-          <a:bodyPr spcFirstLastPara="1" wrap="square" lIns="91425" tIns="91425" rIns="91425" bIns="91425" anchor="ctr" anchorCtr="0">
+          <a:bodyPr anchorCtr="0" anchor="ctr" bIns="91425" lIns="91425" spcFirstLastPara="1" rIns="91425" wrap="square" tIns="91425">
             <a:normAutofit/>
           </a:bodyPr>
           <a:lstStyle>
-            <a:lvl1pPr marL="457200" lvl="0" indent="-342900">
+            <a:lvl1pPr indent="-342900" lvl="0" marL="457200">
               <a:spcBef>
                 <a:spcPts val="0"/>
               </a:spcBef>
@@ -6795,7 +6561,7 @@
                 </a:solidFill>
               </a:defRPr>
             </a:lvl1pPr>
-            <a:lvl2pPr marL="914400" lvl="1" indent="-317500">
+            <a:lvl2pPr indent="-317500" lvl="1" marL="914400">
               <a:spcBef>
                 <a:spcPts val="0"/>
               </a:spcBef>
@@ -6813,7 +6579,7 @@
                 </a:solidFill>
               </a:defRPr>
             </a:lvl2pPr>
-            <a:lvl3pPr marL="1371600" lvl="2" indent="-317500">
+            <a:lvl3pPr indent="-317500" lvl="2" marL="1371600">
               <a:spcBef>
                 <a:spcPts val="0"/>
               </a:spcBef>
@@ -6831,7 +6597,7 @@
                 </a:solidFill>
               </a:defRPr>
             </a:lvl3pPr>
-            <a:lvl4pPr marL="1828800" lvl="3" indent="-317500">
+            <a:lvl4pPr indent="-317500" lvl="3" marL="1828800">
               <a:spcBef>
                 <a:spcPts val="0"/>
               </a:spcBef>
@@ -6849,7 +6615,7 @@
                 </a:solidFill>
               </a:defRPr>
             </a:lvl4pPr>
-            <a:lvl5pPr marL="2286000" lvl="4" indent="-317500">
+            <a:lvl5pPr indent="-317500" lvl="4" marL="2286000">
               <a:spcBef>
                 <a:spcPts val="0"/>
               </a:spcBef>
@@ -6867,7 +6633,7 @@
                 </a:solidFill>
               </a:defRPr>
             </a:lvl5pPr>
-            <a:lvl6pPr marL="2743200" lvl="5" indent="-317500">
+            <a:lvl6pPr indent="-317500" lvl="5" marL="2743200">
               <a:spcBef>
                 <a:spcPts val="0"/>
               </a:spcBef>
@@ -6885,7 +6651,7 @@
                 </a:solidFill>
               </a:defRPr>
             </a:lvl6pPr>
-            <a:lvl7pPr marL="3200400" lvl="6" indent="-317500">
+            <a:lvl7pPr indent="-317500" lvl="6" marL="3200400">
               <a:spcBef>
                 <a:spcPts val="0"/>
               </a:spcBef>
@@ -6903,7 +6669,7 @@
                 </a:solidFill>
               </a:defRPr>
             </a:lvl7pPr>
-            <a:lvl8pPr marL="3657600" lvl="7" indent="-317500">
+            <a:lvl8pPr indent="-317500" lvl="7" marL="3657600">
               <a:spcBef>
                 <a:spcPts val="0"/>
               </a:spcBef>
@@ -6921,7 +6687,7 @@
                 </a:solidFill>
               </a:defRPr>
             </a:lvl8pPr>
-            <a:lvl9pPr marL="4114800" lvl="8" indent="-317500">
+            <a:lvl9pPr indent="-317500" lvl="8" marL="4114800">
               <a:spcBef>
                 <a:spcPts val="0"/>
               </a:spcBef>
@@ -6940,19 +6706,15 @@
               </a:defRPr>
             </a:lvl9pPr>
           </a:lstStyle>
-          <a:p>
-            <a:endParaRPr/>
-          </a:p>
+          <a:p/>
         </p:txBody>
       </p:sp>
       <p:sp>
         <p:nvSpPr>
           <p:cNvPr id="40" name="Google Shape;40;p9"/>
-          <p:cNvSpPr txBox="1">
-            <a:spLocks noGrp="1"/>
-          </p:cNvSpPr>
-          <p:nvPr>
-            <p:ph type="sldNum" idx="12"/>
+          <p:cNvSpPr txBox="1"/>
+          <p:nvPr>
+            <p:ph idx="12" type="sldNum"/>
           </p:nvPr>
         </p:nvSpPr>
         <p:spPr>
@@ -6965,7 +6727,7 @@
           </a:prstGeom>
         </p:spPr>
         <p:txBody>
-          <a:bodyPr spcFirstLastPara="1" wrap="square" lIns="91425" tIns="91425" rIns="91425" bIns="91425" anchor="ctr" anchorCtr="0">
+          <a:bodyPr anchorCtr="0" anchor="ctr" bIns="91425" lIns="91425" spcFirstLastPara="1" rIns="91425" wrap="square" tIns="91425">
             <a:normAutofit/>
           </a:bodyPr>
           <a:lstStyle>
@@ -7007,7 +6769,7 @@
             </a:lvl9pPr>
           </a:lstStyle>
           <a:p>
-            <a:pPr marL="0" lvl="0" indent="0" algn="r" rtl="0">
+            <a:pPr indent="0" lvl="0" marL="0" rtl="0" algn="r">
               <a:spcBef>
                 <a:spcPts val="0"/>
               </a:spcBef>
@@ -7033,11 +6795,11 @@
 </file>
 
 <file path=ppt/slideLayouts/slideLayout9.xml><?xml version="1.0" encoding="utf-8"?>
-<p:sldLayout xmlns:a="http://schemas.openxmlformats.org/drawingml/2006/main" xmlns:r="http://schemas.openxmlformats.org/officeDocument/2006/relationships" xmlns:p="http://schemas.openxmlformats.org/presentationml/2006/main" matchingName="Caption">
+<p:sldLayout xmlns:a="http://schemas.openxmlformats.org/drawingml/2006/main" xmlns:r="http://schemas.openxmlformats.org/officeDocument/2006/relationships" xmlns:mc="http://schemas.openxmlformats.org/markup-compatibility/2006" xmlns:mv="urn:schemas-microsoft-com:mac:vml" xmlns:p="http://schemas.openxmlformats.org/presentationml/2006/main" xmlns:c="http://schemas.openxmlformats.org/drawingml/2006/chart" xmlns:dgm="http://schemas.openxmlformats.org/drawingml/2006/diagram" xmlns:o="urn:schemas-microsoft-com:office:office" xmlns:v="urn:schemas-microsoft-com:vml" xmlns:pvml="urn:schemas-microsoft-com:office:powerpoint" xmlns:com="http://schemas.openxmlformats.org/drawingml/2006/compatibility" xmlns:p14="http://schemas.microsoft.com/office/powerpoint/2010/main" xmlns:p15="http://schemas.microsoft.com/office/powerpoint/2012/main" xmlns:ahyp="http://schemas.microsoft.com/office/drawing/2018/hyperlinkcolor" matchingName="Caption">
   <p:cSld name="CAPTION_ONLY">
     <p:spTree>
       <p:nvGrpSpPr>
-        <p:cNvPr id="1" name="Shape 41"/>
+        <p:cNvPr id="41" name="Shape 41"/>
         <p:cNvGrpSpPr/>
         <p:nvPr/>
       </p:nvGrpSpPr>
@@ -7052,11 +6814,9 @@
       <p:sp>
         <p:nvSpPr>
           <p:cNvPr id="42" name="Google Shape;42;p10"/>
-          <p:cNvSpPr txBox="1">
-            <a:spLocks noGrp="1"/>
-          </p:cNvSpPr>
-          <p:nvPr>
-            <p:ph type="body" idx="1"/>
+          <p:cNvSpPr txBox="1"/>
+          <p:nvPr>
+            <p:ph idx="1" type="body"/>
           </p:nvPr>
         </p:nvSpPr>
         <p:spPr>
@@ -7069,11 +6829,11 @@
           </a:prstGeom>
         </p:spPr>
         <p:txBody>
-          <a:bodyPr spcFirstLastPara="1" wrap="square" lIns="91425" tIns="91425" rIns="91425" bIns="91425" anchor="ctr" anchorCtr="0">
+          <a:bodyPr anchorCtr="0" anchor="ctr" bIns="91425" lIns="91425" spcFirstLastPara="1" rIns="91425" wrap="square" tIns="91425">
             <a:normAutofit/>
           </a:bodyPr>
           <a:lstStyle>
-            <a:lvl1pPr marL="457200" lvl="0" indent="-228600">
+            <a:lvl1pPr indent="-228600" lvl="0" marL="457200">
               <a:lnSpc>
                 <a:spcPct val="100000"/>
               </a:lnSpc>
@@ -7088,19 +6848,15 @@
               <a:defRPr/>
             </a:lvl1pPr>
           </a:lstStyle>
-          <a:p>
-            <a:endParaRPr/>
-          </a:p>
+          <a:p/>
         </p:txBody>
       </p:sp>
       <p:sp>
         <p:nvSpPr>
           <p:cNvPr id="43" name="Google Shape;43;p10"/>
-          <p:cNvSpPr txBox="1">
-            <a:spLocks noGrp="1"/>
-          </p:cNvSpPr>
-          <p:nvPr>
-            <p:ph type="sldNum" idx="12"/>
+          <p:cNvSpPr txBox="1"/>
+          <p:nvPr>
+            <p:ph idx="12" type="sldNum"/>
           </p:nvPr>
         </p:nvSpPr>
         <p:spPr>
@@ -7113,7 +6869,7 @@
           </a:prstGeom>
         </p:spPr>
         <p:txBody>
-          <a:bodyPr spcFirstLastPara="1" wrap="square" lIns="91425" tIns="91425" rIns="91425" bIns="91425" anchor="ctr" anchorCtr="0">
+          <a:bodyPr anchorCtr="0" anchor="ctr" bIns="91425" lIns="91425" spcFirstLastPara="1" rIns="91425" wrap="square" tIns="91425">
             <a:normAutofit/>
           </a:bodyPr>
           <a:lstStyle>
@@ -7155,7 +6911,7 @@
             </a:lvl9pPr>
           </a:lstStyle>
           <a:p>
-            <a:pPr marL="0" lvl="0" indent="0" algn="r" rtl="0">
+            <a:pPr indent="0" lvl="0" marL="0" rtl="0" algn="r">
               <a:spcBef>
                 <a:spcPts val="0"/>
               </a:spcBef>
@@ -7181,19 +6937,18 @@
 </file>
 
 <file path=ppt/slideMasters/slideMaster1.xml><?xml version="1.0" encoding="utf-8"?>
-<p:sldMaster xmlns:a="http://schemas.openxmlformats.org/drawingml/2006/main" xmlns:r="http://schemas.openxmlformats.org/officeDocument/2006/relationships" xmlns:p="http://schemas.openxmlformats.org/presentationml/2006/main">
+<p:sldMaster xmlns:a="http://schemas.openxmlformats.org/drawingml/2006/main" xmlns:r="http://schemas.openxmlformats.org/officeDocument/2006/relationships" xmlns:mc="http://schemas.openxmlformats.org/markup-compatibility/2006" xmlns:mv="urn:schemas-microsoft-com:mac:vml" xmlns:p="http://schemas.openxmlformats.org/presentationml/2006/main" xmlns:c="http://schemas.openxmlformats.org/drawingml/2006/chart" xmlns:dgm="http://schemas.openxmlformats.org/drawingml/2006/diagram" xmlns:o="urn:schemas-microsoft-com:office:office" xmlns:v="urn:schemas-microsoft-com:vml" xmlns:pvml="urn:schemas-microsoft-com:office:powerpoint" xmlns:com="http://schemas.openxmlformats.org/drawingml/2006/compatibility" xmlns:p14="http://schemas.microsoft.com/office/powerpoint/2010/main" xmlns:p15="http://schemas.microsoft.com/office/powerpoint/2012/main" xmlns:ahyp="http://schemas.microsoft.com/office/drawing/2018/hyperlinkcolor">
   <p:cSld name="simple-dark-2">
     <p:bg>
       <p:bgPr>
         <a:solidFill>
           <a:schemeClr val="lt1"/>
         </a:solidFill>
-        <a:effectLst/>
       </p:bgPr>
     </p:bg>
     <p:spTree>
       <p:nvGrpSpPr>
-        <p:cNvPr id="1" name="Shape 5"/>
+        <p:cNvPr id="5" name="Shape 5"/>
         <p:cNvGrpSpPr/>
         <p:nvPr/>
       </p:nvGrpSpPr>
@@ -7208,9 +6963,7 @@
       <p:sp>
         <p:nvSpPr>
           <p:cNvPr id="6" name="Google Shape;6;p1"/>
-          <p:cNvSpPr txBox="1">
-            <a:spLocks noGrp="1"/>
-          </p:cNvSpPr>
+          <p:cNvSpPr txBox="1"/>
           <p:nvPr>
             <p:ph type="title"/>
           </p:nvPr>
@@ -7229,7 +6982,7 @@
           </a:ln>
         </p:spPr>
         <p:txBody>
-          <a:bodyPr spcFirstLastPara="1" wrap="square" lIns="91425" tIns="91425" rIns="91425" bIns="91425" anchor="t" anchorCtr="0">
+          <a:bodyPr anchorCtr="0" anchor="t" bIns="91425" lIns="91425" spcFirstLastPara="1" rIns="91425" wrap="square" tIns="91425">
             <a:normAutofit/>
           </a:bodyPr>
           <a:lstStyle>
@@ -7396,19 +7149,15 @@
               </a:defRPr>
             </a:lvl9pPr>
           </a:lstStyle>
-          <a:p>
-            <a:endParaRPr/>
-          </a:p>
+          <a:p/>
         </p:txBody>
       </p:sp>
       <p:sp>
         <p:nvSpPr>
           <p:cNvPr id="7" name="Google Shape;7;p1"/>
-          <p:cNvSpPr txBox="1">
-            <a:spLocks noGrp="1"/>
-          </p:cNvSpPr>
-          <p:nvPr>
-            <p:ph type="body" idx="1"/>
+          <p:cNvSpPr txBox="1"/>
+          <p:nvPr>
+            <p:ph idx="1" type="body"/>
           </p:nvPr>
         </p:nvSpPr>
         <p:spPr>
@@ -7425,11 +7174,11 @@
           </a:ln>
         </p:spPr>
         <p:txBody>
-          <a:bodyPr spcFirstLastPara="1" wrap="square" lIns="91425" tIns="91425" rIns="91425" bIns="91425" anchor="t" anchorCtr="0">
+          <a:bodyPr anchorCtr="0" anchor="t" bIns="91425" lIns="91425" spcFirstLastPara="1" rIns="91425" wrap="square" tIns="91425">
             <a:normAutofit/>
           </a:bodyPr>
           <a:lstStyle>
-            <a:lvl1pPr marL="457200" lvl="0" indent="-342900">
+            <a:lvl1pPr indent="-342900" lvl="0" marL="457200">
               <a:lnSpc>
                 <a:spcPct val="115000"/>
               </a:lnSpc>
@@ -7450,7 +7199,7 @@
                 </a:solidFill>
               </a:defRPr>
             </a:lvl1pPr>
-            <a:lvl2pPr marL="914400" lvl="1" indent="-317500">
+            <a:lvl2pPr indent="-317500" lvl="1" marL="914400">
               <a:lnSpc>
                 <a:spcPct val="115000"/>
               </a:lnSpc>
@@ -7471,7 +7220,7 @@
                 </a:solidFill>
               </a:defRPr>
             </a:lvl2pPr>
-            <a:lvl3pPr marL="1371600" lvl="2" indent="-317500">
+            <a:lvl3pPr indent="-317500" lvl="2" marL="1371600">
               <a:lnSpc>
                 <a:spcPct val="115000"/>
               </a:lnSpc>
@@ -7492,7 +7241,7 @@
                 </a:solidFill>
               </a:defRPr>
             </a:lvl3pPr>
-            <a:lvl4pPr marL="1828800" lvl="3" indent="-317500">
+            <a:lvl4pPr indent="-317500" lvl="3" marL="1828800">
               <a:lnSpc>
                 <a:spcPct val="115000"/>
               </a:lnSpc>
@@ -7513,7 +7262,7 @@
                 </a:solidFill>
               </a:defRPr>
             </a:lvl4pPr>
-            <a:lvl5pPr marL="2286000" lvl="4" indent="-317500">
+            <a:lvl5pPr indent="-317500" lvl="4" marL="2286000">
               <a:lnSpc>
                 <a:spcPct val="115000"/>
               </a:lnSpc>
@@ -7534,7 +7283,7 @@
                 </a:solidFill>
               </a:defRPr>
             </a:lvl5pPr>
-            <a:lvl6pPr marL="2743200" lvl="5" indent="-317500">
+            <a:lvl6pPr indent="-317500" lvl="5" marL="2743200">
               <a:lnSpc>
                 <a:spcPct val="115000"/>
               </a:lnSpc>
@@ -7555,7 +7304,7 @@
                 </a:solidFill>
               </a:defRPr>
             </a:lvl6pPr>
-            <a:lvl7pPr marL="3200400" lvl="6" indent="-317500">
+            <a:lvl7pPr indent="-317500" lvl="6" marL="3200400">
               <a:lnSpc>
                 <a:spcPct val="115000"/>
               </a:lnSpc>
@@ -7576,7 +7325,7 @@
                 </a:solidFill>
               </a:defRPr>
             </a:lvl7pPr>
-            <a:lvl8pPr marL="3657600" lvl="7" indent="-317500">
+            <a:lvl8pPr indent="-317500" lvl="7" marL="3657600">
               <a:lnSpc>
                 <a:spcPct val="115000"/>
               </a:lnSpc>
@@ -7597,7 +7346,7 @@
                 </a:solidFill>
               </a:defRPr>
             </a:lvl8pPr>
-            <a:lvl9pPr marL="4114800" lvl="8" indent="-317500">
+            <a:lvl9pPr indent="-317500" lvl="8" marL="4114800">
               <a:lnSpc>
                 <a:spcPct val="115000"/>
               </a:lnSpc>
@@ -7619,19 +7368,15 @@
               </a:defRPr>
             </a:lvl9pPr>
           </a:lstStyle>
-          <a:p>
-            <a:endParaRPr/>
-          </a:p>
+          <a:p/>
         </p:txBody>
       </p:sp>
       <p:sp>
         <p:nvSpPr>
           <p:cNvPr id="8" name="Google Shape;8;p1"/>
-          <p:cNvSpPr txBox="1">
-            <a:spLocks noGrp="1"/>
-          </p:cNvSpPr>
-          <p:nvPr>
-            <p:ph type="sldNum" idx="12"/>
+          <p:cNvSpPr txBox="1"/>
+          <p:nvPr>
+            <p:ph idx="12" type="sldNum"/>
           </p:nvPr>
         </p:nvSpPr>
         <p:spPr>
@@ -7648,7 +7393,7 @@
           </a:ln>
         </p:spPr>
         <p:txBody>
-          <a:bodyPr spcFirstLastPara="1" wrap="square" lIns="91425" tIns="91425" rIns="91425" bIns="91425" anchor="ctr" anchorCtr="0">
+          <a:bodyPr anchorCtr="0" anchor="ctr" bIns="91425" lIns="91425" spcFirstLastPara="1" rIns="91425" wrap="square" tIns="91425">
             <a:normAutofit/>
           </a:bodyPr>
           <a:lstStyle>
@@ -7726,7 +7471,7 @@
             </a:lvl9pPr>
           </a:lstStyle>
           <a:p>
-            <a:pPr marL="0" lvl="0" indent="0" algn="r" rtl="0">
+            <a:pPr indent="0" lvl="0" marL="0" rtl="0" algn="r">
               <a:spcBef>
                 <a:spcPts val="0"/>
               </a:spcBef>
@@ -7745,7 +7490,7 @@
       </p:sp>
     </p:spTree>
   </p:cSld>
-  <p:clrMap bg1="lt1" tx1="dk1" bg2="dk2" tx2="lt2" accent1="accent1" accent2="accent2" accent3="accent3" accent4="accent4" accent5="accent5" accent6="accent6" hlink="hlink" folHlink="folHlink"/>
+  <p:clrMap accent1="accent1" accent2="accent2" accent3="accent3" accent4="accent4" accent5="accent5" accent6="accent6" bg1="lt1" bg2="dk2" tx1="dk1" tx2="lt2" folHlink="folHlink" hlink="hlink"/>
   <p:sldLayoutIdLst>
     <p:sldLayoutId id="2147483648" r:id="rId1"/>
     <p:sldLayoutId id="2147483649" r:id="rId2"/>
@@ -7759,10 +7504,10 @@
     <p:sldLayoutId id="2147483657" r:id="rId10"/>
     <p:sldLayoutId id="2147483658" r:id="rId11"/>
   </p:sldLayoutIdLst>
-  <p:hf sldNum="0" hdr="0" ftr="0" dt="0"/>
+  <p:hf dt="0" ftr="0" hdr="0" sldNum="0"/>
   <p:txStyles>
     <p:titleStyle>
-      <a:defPPr marR="0" lvl="0" algn="l" rtl="0">
+      <a:defPPr lvl="0" marR="0" rtl="0" algn="l">
         <a:lnSpc>
           <a:spcPct val="100000"/>
         </a:lnSpc>
@@ -7773,7 +7518,7 @@
           <a:spcPts val="0"/>
         </a:spcAft>
       </a:defPPr>
-      <a:lvl1pPr marR="0" lvl="0" algn="l" rtl="0">
+      <a:lvl1pPr lvl="0" marR="0" rtl="0" algn="l">
         <a:lnSpc>
           <a:spcPct val="100000"/>
         </a:lnSpc>
@@ -7787,7 +7532,7 @@
           <a:srgbClr val="000000"/>
         </a:buClr>
         <a:buFont typeface="Arial"/>
-        <a:defRPr sz="1400" b="0" i="0" u="none" strike="noStrike" cap="none">
+        <a:defRPr b="0" i="0" sz="1400" u="none" cap="none" strike="noStrike">
           <a:solidFill>
             <a:srgbClr val="000000"/>
           </a:solidFill>
@@ -7797,7 +7542,7 @@
           <a:sym typeface="Arial"/>
         </a:defRPr>
       </a:lvl1pPr>
-      <a:lvl2pPr marR="0" lvl="1" algn="l" rtl="0">
+      <a:lvl2pPr lvl="1" marR="0" rtl="0" algn="l">
         <a:lnSpc>
           <a:spcPct val="100000"/>
         </a:lnSpc>
@@ -7811,7 +7556,7 @@
           <a:srgbClr val="000000"/>
         </a:buClr>
         <a:buFont typeface="Arial"/>
-        <a:defRPr sz="1400" b="0" i="0" u="none" strike="noStrike" cap="none">
+        <a:defRPr b="0" i="0" sz="1400" u="none" cap="none" strike="noStrike">
           <a:solidFill>
             <a:srgbClr val="000000"/>
           </a:solidFill>
@@ -7821,7 +7566,7 @@
           <a:sym typeface="Arial"/>
         </a:defRPr>
       </a:lvl2pPr>
-      <a:lvl3pPr marR="0" lvl="2" algn="l" rtl="0">
+      <a:lvl3pPr lvl="2" marR="0" rtl="0" algn="l">
         <a:lnSpc>
           <a:spcPct val="100000"/>
         </a:lnSpc>
@@ -7835,7 +7580,7 @@
           <a:srgbClr val="000000"/>
         </a:buClr>
         <a:buFont typeface="Arial"/>
-        <a:defRPr sz="1400" b="0" i="0" u="none" strike="noStrike" cap="none">
+        <a:defRPr b="0" i="0" sz="1400" u="none" cap="none" strike="noStrike">
           <a:solidFill>
             <a:srgbClr val="000000"/>
           </a:solidFill>
@@ -7845,7 +7590,7 @@
           <a:sym typeface="Arial"/>
         </a:defRPr>
       </a:lvl3pPr>
-      <a:lvl4pPr marR="0" lvl="3" algn="l" rtl="0">
+      <a:lvl4pPr lvl="3" marR="0" rtl="0" algn="l">
         <a:lnSpc>
           <a:spcPct val="100000"/>
         </a:lnSpc>
@@ -7859,7 +7604,7 @@
           <a:srgbClr val="000000"/>
         </a:buClr>
         <a:buFont typeface="Arial"/>
-        <a:defRPr sz="1400" b="0" i="0" u="none" strike="noStrike" cap="none">
+        <a:defRPr b="0" i="0" sz="1400" u="none" cap="none" strike="noStrike">
           <a:solidFill>
             <a:srgbClr val="000000"/>
           </a:solidFill>
@@ -7869,7 +7614,7 @@
           <a:sym typeface="Arial"/>
         </a:defRPr>
       </a:lvl4pPr>
-      <a:lvl5pPr marR="0" lvl="4" algn="l" rtl="0">
+      <a:lvl5pPr lvl="4" marR="0" rtl="0" algn="l">
         <a:lnSpc>
           <a:spcPct val="100000"/>
         </a:lnSpc>
@@ -7883,7 +7628,7 @@
           <a:srgbClr val="000000"/>
         </a:buClr>
         <a:buFont typeface="Arial"/>
-        <a:defRPr sz="1400" b="0" i="0" u="none" strike="noStrike" cap="none">
+        <a:defRPr b="0" i="0" sz="1400" u="none" cap="none" strike="noStrike">
           <a:solidFill>
             <a:srgbClr val="000000"/>
           </a:solidFill>
@@ -7893,7 +7638,7 @@
           <a:sym typeface="Arial"/>
         </a:defRPr>
       </a:lvl5pPr>
-      <a:lvl6pPr marR="0" lvl="5" algn="l" rtl="0">
+      <a:lvl6pPr lvl="5" marR="0" rtl="0" algn="l">
         <a:lnSpc>
           <a:spcPct val="100000"/>
         </a:lnSpc>
@@ -7907,7 +7652,7 @@
           <a:srgbClr val="000000"/>
         </a:buClr>
         <a:buFont typeface="Arial"/>
-        <a:defRPr sz="1400" b="0" i="0" u="none" strike="noStrike" cap="none">
+        <a:defRPr b="0" i="0" sz="1400" u="none" cap="none" strike="noStrike">
           <a:solidFill>
             <a:srgbClr val="000000"/>
           </a:solidFill>
@@ -7917,7 +7662,7 @@
           <a:sym typeface="Arial"/>
         </a:defRPr>
       </a:lvl6pPr>
-      <a:lvl7pPr marR="0" lvl="6" algn="l" rtl="0">
+      <a:lvl7pPr lvl="6" marR="0" rtl="0" algn="l">
         <a:lnSpc>
           <a:spcPct val="100000"/>
         </a:lnSpc>
@@ -7931,7 +7676,7 @@
           <a:srgbClr val="000000"/>
         </a:buClr>
         <a:buFont typeface="Arial"/>
-        <a:defRPr sz="1400" b="0" i="0" u="none" strike="noStrike" cap="none">
+        <a:defRPr b="0" i="0" sz="1400" u="none" cap="none" strike="noStrike">
           <a:solidFill>
             <a:srgbClr val="000000"/>
           </a:solidFill>
@@ -7941,7 +7686,7 @@
           <a:sym typeface="Arial"/>
         </a:defRPr>
       </a:lvl7pPr>
-      <a:lvl8pPr marR="0" lvl="7" algn="l" rtl="0">
+      <a:lvl8pPr lvl="7" marR="0" rtl="0" algn="l">
         <a:lnSpc>
           <a:spcPct val="100000"/>
         </a:lnSpc>
@@ -7955,7 +7700,7 @@
           <a:srgbClr val="000000"/>
         </a:buClr>
         <a:buFont typeface="Arial"/>
-        <a:defRPr sz="1400" b="0" i="0" u="none" strike="noStrike" cap="none">
+        <a:defRPr b="0" i="0" sz="1400" u="none" cap="none" strike="noStrike">
           <a:solidFill>
             <a:srgbClr val="000000"/>
           </a:solidFill>
@@ -7965,7 +7710,7 @@
           <a:sym typeface="Arial"/>
         </a:defRPr>
       </a:lvl8pPr>
-      <a:lvl9pPr marR="0" lvl="8" algn="l" rtl="0">
+      <a:lvl9pPr lvl="8" marR="0" rtl="0" algn="l">
         <a:lnSpc>
           <a:spcPct val="100000"/>
         </a:lnSpc>
@@ -7979,7 +7724,7 @@
           <a:srgbClr val="000000"/>
         </a:buClr>
         <a:buFont typeface="Arial"/>
-        <a:defRPr sz="1400" b="0" i="0" u="none" strike="noStrike" cap="none">
+        <a:defRPr b="0" i="0" sz="1400" u="none" cap="none" strike="noStrike">
           <a:solidFill>
             <a:srgbClr val="000000"/>
           </a:solidFill>
@@ -7991,7 +7736,7 @@
       </a:lvl9pPr>
     </p:titleStyle>
     <p:bodyStyle>
-      <a:defPPr marR="0" lvl="0" algn="l" rtl="0">
+      <a:defPPr lvl="0" marR="0" rtl="0" algn="l">
         <a:lnSpc>
           <a:spcPct val="100000"/>
         </a:lnSpc>
@@ -8002,7 +7747,7 @@
           <a:spcPts val="0"/>
         </a:spcAft>
       </a:defPPr>
-      <a:lvl1pPr marR="0" lvl="0" algn="l" rtl="0">
+      <a:lvl1pPr lvl="0" marR="0" rtl="0" algn="l">
         <a:lnSpc>
           <a:spcPct val="100000"/>
         </a:lnSpc>
@@ -8016,7 +7761,7 @@
           <a:srgbClr val="000000"/>
         </a:buClr>
         <a:buFont typeface="Arial"/>
-        <a:defRPr sz="1400" b="0" i="0" u="none" strike="noStrike" cap="none">
+        <a:defRPr b="0" i="0" sz="1400" u="none" cap="none" strike="noStrike">
           <a:solidFill>
             <a:srgbClr val="000000"/>
           </a:solidFill>
@@ -8026,7 +7771,7 @@
           <a:sym typeface="Arial"/>
         </a:defRPr>
       </a:lvl1pPr>
-      <a:lvl2pPr marR="0" lvl="1" algn="l" rtl="0">
+      <a:lvl2pPr lvl="1" marR="0" rtl="0" algn="l">
         <a:lnSpc>
           <a:spcPct val="100000"/>
         </a:lnSpc>
@@ -8040,7 +7785,7 @@
           <a:srgbClr val="000000"/>
         </a:buClr>
         <a:buFont typeface="Arial"/>
-        <a:defRPr sz="1400" b="0" i="0" u="none" strike="noStrike" cap="none">
+        <a:defRPr b="0" i="0" sz="1400" u="none" cap="none" strike="noStrike">
           <a:solidFill>
             <a:srgbClr val="000000"/>
           </a:solidFill>
@@ -8050,7 +7795,7 @@
           <a:sym typeface="Arial"/>
         </a:defRPr>
       </a:lvl2pPr>
-      <a:lvl3pPr marR="0" lvl="2" algn="l" rtl="0">
+      <a:lvl3pPr lvl="2" marR="0" rtl="0" algn="l">
         <a:lnSpc>
           <a:spcPct val="100000"/>
         </a:lnSpc>
@@ -8064,7 +7809,7 @@
           <a:srgbClr val="000000"/>
         </a:buClr>
         <a:buFont typeface="Arial"/>
-        <a:defRPr sz="1400" b="0" i="0" u="none" strike="noStrike" cap="none">
+        <a:defRPr b="0" i="0" sz="1400" u="none" cap="none" strike="noStrike">
           <a:solidFill>
             <a:srgbClr val="000000"/>
           </a:solidFill>
@@ -8074,7 +7819,7 @@
           <a:sym typeface="Arial"/>
         </a:defRPr>
       </a:lvl3pPr>
-      <a:lvl4pPr marR="0" lvl="3" algn="l" rtl="0">
+      <a:lvl4pPr lvl="3" marR="0" rtl="0" algn="l">
         <a:lnSpc>
           <a:spcPct val="100000"/>
         </a:lnSpc>
@@ -8088,7 +7833,7 @@
           <a:srgbClr val="000000"/>
         </a:buClr>
         <a:buFont typeface="Arial"/>
-        <a:defRPr sz="1400" b="0" i="0" u="none" strike="noStrike" cap="none">
+        <a:defRPr b="0" i="0" sz="1400" u="none" cap="none" strike="noStrike">
           <a:solidFill>
             <a:srgbClr val="000000"/>
           </a:solidFill>
@@ -8098,7 +7843,7 @@
           <a:sym typeface="Arial"/>
         </a:defRPr>
       </a:lvl4pPr>
-      <a:lvl5pPr marR="0" lvl="4" algn="l" rtl="0">
+      <a:lvl5pPr lvl="4" marR="0" rtl="0" algn="l">
         <a:lnSpc>
           <a:spcPct val="100000"/>
         </a:lnSpc>
@@ -8112,7 +7857,7 @@
           <a:srgbClr val="000000"/>
         </a:buClr>
         <a:buFont typeface="Arial"/>
-        <a:defRPr sz="1400" b="0" i="0" u="none" strike="noStrike" cap="none">
+        <a:defRPr b="0" i="0" sz="1400" u="none" cap="none" strike="noStrike">
           <a:solidFill>
             <a:srgbClr val="000000"/>
           </a:solidFill>
@@ -8122,7 +7867,7 @@
           <a:sym typeface="Arial"/>
         </a:defRPr>
       </a:lvl5pPr>
-      <a:lvl6pPr marR="0" lvl="5" algn="l" rtl="0">
+      <a:lvl6pPr lvl="5" marR="0" rtl="0" algn="l">
         <a:lnSpc>
           <a:spcPct val="100000"/>
         </a:lnSpc>
@@ -8136,7 +7881,7 @@
           <a:srgbClr val="000000"/>
         </a:buClr>
         <a:buFont typeface="Arial"/>
-        <a:defRPr sz="1400" b="0" i="0" u="none" strike="noStrike" cap="none">
+        <a:defRPr b="0" i="0" sz="1400" u="none" cap="none" strike="noStrike">
           <a:solidFill>
             <a:srgbClr val="000000"/>
           </a:solidFill>
@@ -8146,7 +7891,7 @@
           <a:sym typeface="Arial"/>
         </a:defRPr>
       </a:lvl6pPr>
-      <a:lvl7pPr marR="0" lvl="6" algn="l" rtl="0">
+      <a:lvl7pPr lvl="6" marR="0" rtl="0" algn="l">
         <a:lnSpc>
           <a:spcPct val="100000"/>
         </a:lnSpc>
@@ -8160,7 +7905,7 @@
           <a:srgbClr val="000000"/>
         </a:buClr>
         <a:buFont typeface="Arial"/>
-        <a:defRPr sz="1400" b="0" i="0" u="none" strike="noStrike" cap="none">
+        <a:defRPr b="0" i="0" sz="1400" u="none" cap="none" strike="noStrike">
           <a:solidFill>
             <a:srgbClr val="000000"/>
           </a:solidFill>
@@ -8170,7 +7915,7 @@
           <a:sym typeface="Arial"/>
         </a:defRPr>
       </a:lvl7pPr>
-      <a:lvl8pPr marR="0" lvl="7" algn="l" rtl="0">
+      <a:lvl8pPr lvl="7" marR="0" rtl="0" algn="l">
         <a:lnSpc>
           <a:spcPct val="100000"/>
         </a:lnSpc>
@@ -8184,7 +7929,7 @@
           <a:srgbClr val="000000"/>
         </a:buClr>
         <a:buFont typeface="Arial"/>
-        <a:defRPr sz="1400" b="0" i="0" u="none" strike="noStrike" cap="none">
+        <a:defRPr b="0" i="0" sz="1400" u="none" cap="none" strike="noStrike">
           <a:solidFill>
             <a:srgbClr val="000000"/>
           </a:solidFill>
@@ -8194,7 +7939,7 @@
           <a:sym typeface="Arial"/>
         </a:defRPr>
       </a:lvl8pPr>
-      <a:lvl9pPr marR="0" lvl="8" algn="l" rtl="0">
+      <a:lvl9pPr lvl="8" marR="0" rtl="0" algn="l">
         <a:lnSpc>
           <a:spcPct val="100000"/>
         </a:lnSpc>
@@ -8208,7 +7953,7 @@
           <a:srgbClr val="000000"/>
         </a:buClr>
         <a:buFont typeface="Arial"/>
-        <a:defRPr sz="1400" b="0" i="0" u="none" strike="noStrike" cap="none">
+        <a:defRPr b="0" i="0" sz="1400" u="none" cap="none" strike="noStrike">
           <a:solidFill>
             <a:srgbClr val="000000"/>
           </a:solidFill>
@@ -8220,7 +7965,7 @@
       </a:lvl9pPr>
     </p:bodyStyle>
     <p:otherStyle>
-      <a:defPPr marR="0" lvl="0" algn="l" rtl="0">
+      <a:defPPr lvl="0" marR="0" rtl="0" algn="l">
         <a:lnSpc>
           <a:spcPct val="100000"/>
         </a:lnSpc>
@@ -8231,7 +7976,7 @@
           <a:spcPts val="0"/>
         </a:spcAft>
       </a:defPPr>
-      <a:lvl1pPr marR="0" lvl="0" algn="l" rtl="0">
+      <a:lvl1pPr lvl="0" marR="0" rtl="0" algn="l">
         <a:lnSpc>
           <a:spcPct val="100000"/>
         </a:lnSpc>
@@ -8245,7 +7990,7 @@
           <a:srgbClr val="000000"/>
         </a:buClr>
         <a:buFont typeface="Arial"/>
-        <a:defRPr sz="1400" b="0" i="0" u="none" strike="noStrike" cap="none">
+        <a:defRPr b="0" i="0" sz="1400" u="none" cap="none" strike="noStrike">
           <a:solidFill>
             <a:srgbClr val="000000"/>
           </a:solidFill>
@@ -8255,7 +8000,7 @@
           <a:sym typeface="Arial"/>
         </a:defRPr>
       </a:lvl1pPr>
-      <a:lvl2pPr marR="0" lvl="1" algn="l" rtl="0">
+      <a:lvl2pPr lvl="1" marR="0" rtl="0" algn="l">
         <a:lnSpc>
           <a:spcPct val="100000"/>
         </a:lnSpc>
@@ -8269,7 +8014,7 @@
           <a:srgbClr val="000000"/>
         </a:buClr>
         <a:buFont typeface="Arial"/>
-        <a:defRPr sz="1400" b="0" i="0" u="none" strike="noStrike" cap="none">
+        <a:defRPr b="0" i="0" sz="1400" u="none" cap="none" strike="noStrike">
           <a:solidFill>
             <a:srgbClr val="000000"/>
           </a:solidFill>
@@ -8279,7 +8024,7 @@
           <a:sym typeface="Arial"/>
         </a:defRPr>
       </a:lvl2pPr>
-      <a:lvl3pPr marR="0" lvl="2" algn="l" rtl="0">
+      <a:lvl3pPr lvl="2" marR="0" rtl="0" algn="l">
         <a:lnSpc>
           <a:spcPct val="100000"/>
         </a:lnSpc>
@@ -8293,7 +8038,7 @@
           <a:srgbClr val="000000"/>
         </a:buClr>
         <a:buFont typeface="Arial"/>
-        <a:defRPr sz="1400" b="0" i="0" u="none" strike="noStrike" cap="none">
+        <a:defRPr b="0" i="0" sz="1400" u="none" cap="none" strike="noStrike">
           <a:solidFill>
             <a:srgbClr val="000000"/>
           </a:solidFill>
@@ -8303,7 +8048,7 @@
           <a:sym typeface="Arial"/>
         </a:defRPr>
       </a:lvl3pPr>
-      <a:lvl4pPr marR="0" lvl="3" algn="l" rtl="0">
+      <a:lvl4pPr lvl="3" marR="0" rtl="0" algn="l">
         <a:lnSpc>
           <a:spcPct val="100000"/>
         </a:lnSpc>
@@ -8317,7 +8062,7 @@
           <a:srgbClr val="000000"/>
         </a:buClr>
         <a:buFont typeface="Arial"/>
-        <a:defRPr sz="1400" b="0" i="0" u="none" strike="noStrike" cap="none">
+        <a:defRPr b="0" i="0" sz="1400" u="none" cap="none" strike="noStrike">
           <a:solidFill>
             <a:srgbClr val="000000"/>
           </a:solidFill>
@@ -8327,7 +8072,7 @@
           <a:sym typeface="Arial"/>
         </a:defRPr>
       </a:lvl4pPr>
-      <a:lvl5pPr marR="0" lvl="4" algn="l" rtl="0">
+      <a:lvl5pPr lvl="4" marR="0" rtl="0" algn="l">
         <a:lnSpc>
           <a:spcPct val="100000"/>
         </a:lnSpc>
@@ -8341,7 +8086,7 @@
           <a:srgbClr val="000000"/>
         </a:buClr>
         <a:buFont typeface="Arial"/>
-        <a:defRPr sz="1400" b="0" i="0" u="none" strike="noStrike" cap="none">
+        <a:defRPr b="0" i="0" sz="1400" u="none" cap="none" strike="noStrike">
           <a:solidFill>
             <a:srgbClr val="000000"/>
           </a:solidFill>
@@ -8351,7 +8096,7 @@
           <a:sym typeface="Arial"/>
         </a:defRPr>
       </a:lvl5pPr>
-      <a:lvl6pPr marR="0" lvl="5" algn="l" rtl="0">
+      <a:lvl6pPr lvl="5" marR="0" rtl="0" algn="l">
         <a:lnSpc>
           <a:spcPct val="100000"/>
         </a:lnSpc>
@@ -8365,7 +8110,7 @@
           <a:srgbClr val="000000"/>
         </a:buClr>
         <a:buFont typeface="Arial"/>
-        <a:defRPr sz="1400" b="0" i="0" u="none" strike="noStrike" cap="none">
+        <a:defRPr b="0" i="0" sz="1400" u="none" cap="none" strike="noStrike">
           <a:solidFill>
             <a:srgbClr val="000000"/>
           </a:solidFill>
@@ -8375,7 +8120,7 @@
           <a:sym typeface="Arial"/>
         </a:defRPr>
       </a:lvl6pPr>
-      <a:lvl7pPr marR="0" lvl="6" algn="l" rtl="0">
+      <a:lvl7pPr lvl="6" marR="0" rtl="0" algn="l">
         <a:lnSpc>
           <a:spcPct val="100000"/>
         </a:lnSpc>
@@ -8389,7 +8134,7 @@
           <a:srgbClr val="000000"/>
         </a:buClr>
         <a:buFont typeface="Arial"/>
-        <a:defRPr sz="1400" b="0" i="0" u="none" strike="noStrike" cap="none">
+        <a:defRPr b="0" i="0" sz="1400" u="none" cap="none" strike="noStrike">
           <a:solidFill>
             <a:srgbClr val="000000"/>
           </a:solidFill>
@@ -8399,7 +8144,7 @@
           <a:sym typeface="Arial"/>
         </a:defRPr>
       </a:lvl7pPr>
-      <a:lvl8pPr marR="0" lvl="7" algn="l" rtl="0">
+      <a:lvl8pPr lvl="7" marR="0" rtl="0" algn="l">
         <a:lnSpc>
           <a:spcPct val="100000"/>
         </a:lnSpc>
@@ -8413,7 +8158,7 @@
           <a:srgbClr val="000000"/>
         </a:buClr>
         <a:buFont typeface="Arial"/>
-        <a:defRPr sz="1400" b="0" i="0" u="none" strike="noStrike" cap="none">
+        <a:defRPr b="0" i="0" sz="1400" u="none" cap="none" strike="noStrike">
           <a:solidFill>
             <a:srgbClr val="000000"/>
           </a:solidFill>
@@ -8423,7 +8168,7 @@
           <a:sym typeface="Arial"/>
         </a:defRPr>
       </a:lvl8pPr>
-      <a:lvl9pPr marR="0" lvl="8" algn="l" rtl="0">
+      <a:lvl9pPr lvl="8" marR="0" rtl="0" algn="l">
         <a:lnSpc>
           <a:spcPct val="100000"/>
         </a:lnSpc>
@@ -8437,7 +8182,7 @@
           <a:srgbClr val="000000"/>
         </a:buClr>
         <a:buFont typeface="Arial"/>
-        <a:defRPr sz="1400" b="0" i="0" u="none" strike="noStrike" cap="none">
+        <a:defRPr b="0" i="0" sz="1400" u="none" cap="none" strike="noStrike">
           <a:solidFill>
             <a:srgbClr val="000000"/>
           </a:solidFill>
@@ -8453,11 +8198,11 @@
 </file>
 
 <file path=ppt/slides/slide1.xml><?xml version="1.0" encoding="utf-8"?>
-<p:sld xmlns:a="http://schemas.openxmlformats.org/drawingml/2006/main" xmlns:r="http://schemas.openxmlformats.org/officeDocument/2006/relationships" xmlns:p="http://schemas.openxmlformats.org/presentationml/2006/main">
+<p:sld xmlns:a="http://schemas.openxmlformats.org/drawingml/2006/main" xmlns:r="http://schemas.openxmlformats.org/officeDocument/2006/relationships" xmlns:mc="http://schemas.openxmlformats.org/markup-compatibility/2006" xmlns:mv="urn:schemas-microsoft-com:mac:vml" xmlns:p="http://schemas.openxmlformats.org/presentationml/2006/main" xmlns:c="http://schemas.openxmlformats.org/drawingml/2006/chart" xmlns:dgm="http://schemas.openxmlformats.org/drawingml/2006/diagram" xmlns:o="urn:schemas-microsoft-com:office:office" xmlns:v="urn:schemas-microsoft-com:vml" xmlns:pvml="urn:schemas-microsoft-com:office:powerpoint" xmlns:com="http://schemas.openxmlformats.org/drawingml/2006/compatibility" xmlns:p14="http://schemas.microsoft.com/office/powerpoint/2010/main" xmlns:p15="http://schemas.microsoft.com/office/powerpoint/2012/main" xmlns:ahyp="http://schemas.microsoft.com/office/drawing/2018/hyperlinkcolor">
   <p:cSld>
     <p:spTree>
       <p:nvGrpSpPr>
-        <p:cNvPr id="1" name="Shape 53"/>
+        <p:cNvPr id="53" name="Shape 53"/>
         <p:cNvGrpSpPr/>
         <p:nvPr/>
       </p:nvGrpSpPr>
@@ -8472,9 +8217,7 @@
       <p:sp>
         <p:nvSpPr>
           <p:cNvPr id="54" name="Google Shape;54;p13"/>
-          <p:cNvSpPr txBox="1">
-            <a:spLocks noGrp="1"/>
-          </p:cNvSpPr>
+          <p:cNvSpPr txBox="1"/>
           <p:nvPr>
             <p:ph type="ctrTitle"/>
           </p:nvPr>
@@ -8489,12 +8232,12 @@
           </a:prstGeom>
         </p:spPr>
         <p:txBody>
-          <a:bodyPr spcFirstLastPara="1" wrap="square" lIns="91425" tIns="91425" rIns="91425" bIns="91425" anchor="b" anchorCtr="0">
+          <a:bodyPr anchorCtr="0" anchor="b" bIns="91425" lIns="91425" spcFirstLastPara="1" rIns="91425" wrap="square" tIns="91425">
             <a:normAutofit/>
           </a:bodyPr>
           <a:lstStyle/>
           <a:p>
-            <a:pPr marL="0" lvl="0" indent="0" algn="ctr" rtl="0">
+            <a:pPr indent="0" lvl="0" marL="0" rtl="0" algn="ctr">
               <a:spcBef>
                 <a:spcPts val="0"/>
               </a:spcBef>
@@ -8514,11 +8257,9 @@
       <p:sp>
         <p:nvSpPr>
           <p:cNvPr id="55" name="Google Shape;55;p13"/>
-          <p:cNvSpPr txBox="1">
-            <a:spLocks noGrp="1"/>
-          </p:cNvSpPr>
-          <p:nvPr>
-            <p:ph type="subTitle" idx="1"/>
+          <p:cNvSpPr txBox="1"/>
+          <p:nvPr>
+            <p:ph idx="1" type="subTitle"/>
           </p:nvPr>
         </p:nvSpPr>
         <p:spPr>
@@ -8531,12 +8272,12 @@
           </a:prstGeom>
         </p:spPr>
         <p:txBody>
-          <a:bodyPr spcFirstLastPara="1" wrap="square" lIns="91425" tIns="91425" rIns="91425" bIns="91425" anchor="t" anchorCtr="0">
+          <a:bodyPr anchorCtr="0" anchor="t" bIns="91425" lIns="91425" spcFirstLastPara="1" rIns="91425" wrap="square" tIns="91425">
             <a:normAutofit/>
           </a:bodyPr>
           <a:lstStyle/>
           <a:p>
-            <a:pPr marL="0" lvl="0" indent="0" algn="ctr" rtl="0">
+            <a:pPr indent="0" lvl="0" marL="0" rtl="0" algn="ctr">
               <a:spcBef>
                 <a:spcPts val="0"/>
               </a:spcBef>
@@ -8590,11 +8331,11 @@
 </file>
 
 <file path=ppt/slides/slide10.xml><?xml version="1.0" encoding="utf-8"?>
-<p:sld xmlns:a="http://schemas.openxmlformats.org/drawingml/2006/main" xmlns:r="http://schemas.openxmlformats.org/officeDocument/2006/relationships" xmlns:p="http://schemas.openxmlformats.org/presentationml/2006/main">
+<p:sld xmlns:a="http://schemas.openxmlformats.org/drawingml/2006/main" xmlns:r="http://schemas.openxmlformats.org/officeDocument/2006/relationships" xmlns:mc="http://schemas.openxmlformats.org/markup-compatibility/2006" xmlns:mv="urn:schemas-microsoft-com:mac:vml" xmlns:p="http://schemas.openxmlformats.org/presentationml/2006/main" xmlns:c="http://schemas.openxmlformats.org/drawingml/2006/chart" xmlns:dgm="http://schemas.openxmlformats.org/drawingml/2006/diagram" xmlns:o="urn:schemas-microsoft-com:office:office" xmlns:v="urn:schemas-microsoft-com:vml" xmlns:pvml="urn:schemas-microsoft-com:office:powerpoint" xmlns:com="http://schemas.openxmlformats.org/drawingml/2006/compatibility" xmlns:p14="http://schemas.microsoft.com/office/powerpoint/2010/main" xmlns:p15="http://schemas.microsoft.com/office/powerpoint/2012/main" xmlns:ahyp="http://schemas.microsoft.com/office/drawing/2018/hyperlinkcolor">
   <p:cSld>
     <p:spTree>
       <p:nvGrpSpPr>
-        <p:cNvPr id="1" name="Shape 123"/>
+        <p:cNvPr id="123" name="Shape 123"/>
         <p:cNvGrpSpPr/>
         <p:nvPr/>
       </p:nvGrpSpPr>
@@ -8609,9 +8350,7 @@
       <p:sp>
         <p:nvSpPr>
           <p:cNvPr id="124" name="Google Shape;124;p22"/>
-          <p:cNvSpPr txBox="1">
-            <a:spLocks noGrp="1"/>
-          </p:cNvSpPr>
+          <p:cNvSpPr txBox="1"/>
           <p:nvPr>
             <p:ph type="title"/>
           </p:nvPr>
@@ -8626,12 +8365,12 @@
           </a:prstGeom>
         </p:spPr>
         <p:txBody>
-          <a:bodyPr spcFirstLastPara="1" wrap="square" lIns="91425" tIns="91425" rIns="91425" bIns="91425" anchor="t" anchorCtr="0">
+          <a:bodyPr anchorCtr="0" anchor="t" bIns="91425" lIns="91425" spcFirstLastPara="1" rIns="91425" wrap="square" tIns="91425">
             <a:normAutofit fontScale="90000"/>
           </a:bodyPr>
           <a:lstStyle/>
           <a:p>
-            <a:pPr marL="0" lvl="0" indent="0" algn="l" rtl="0">
+            <a:pPr indent="0" lvl="0" marL="0" rtl="0" algn="l">
               <a:spcBef>
                 <a:spcPts val="0"/>
               </a:spcBef>
@@ -8651,11 +8390,9 @@
       <p:sp>
         <p:nvSpPr>
           <p:cNvPr id="125" name="Google Shape;125;p22"/>
-          <p:cNvSpPr txBox="1">
-            <a:spLocks noGrp="1"/>
-          </p:cNvSpPr>
-          <p:nvPr>
-            <p:ph type="body" idx="1"/>
+          <p:cNvSpPr txBox="1"/>
+          <p:nvPr>
+            <p:ph idx="1" type="body"/>
           </p:nvPr>
         </p:nvSpPr>
         <p:spPr>
@@ -8668,12 +8405,12 @@
           </a:prstGeom>
         </p:spPr>
         <p:txBody>
-          <a:bodyPr spcFirstLastPara="1" wrap="square" lIns="91425" tIns="91425" rIns="91425" bIns="91425" anchor="t" anchorCtr="0">
+          <a:bodyPr anchorCtr="0" anchor="t" bIns="91425" lIns="91425" spcFirstLastPara="1" rIns="91425" wrap="square" tIns="91425">
             <a:normAutofit/>
           </a:bodyPr>
           <a:lstStyle/>
           <a:p>
-            <a:pPr marL="0" lvl="0" indent="0" algn="l" rtl="0">
+            <a:pPr indent="0" lvl="0" marL="0" rtl="0" algn="l">
               <a:spcBef>
                 <a:spcPts val="0"/>
               </a:spcBef>
@@ -8689,7 +8426,7 @@
             <a:endParaRPr/>
           </a:p>
           <a:p>
-            <a:pPr marL="457200" lvl="0" indent="-342900" algn="l" rtl="0">
+            <a:pPr indent="-342900" lvl="0" marL="457200" rtl="0" algn="l">
               <a:spcBef>
                 <a:spcPts val="1200"/>
               </a:spcBef>
@@ -8701,12 +8438,20 @@
             </a:pPr>
             <a:r>
               <a:rPr lang="en"/>
-              <a:t>Underscoring between character of letters, digits, and the underscore.</a:t>
+              <a:t>Underscoring between </a:t>
+            </a:r>
+            <a:r>
+              <a:rPr lang="en"/>
+              <a:t>character </a:t>
+            </a:r>
+            <a:r>
+              <a:rPr lang="en"/>
+              <a:t>of letters, digits, and the underscore.</a:t>
             </a:r>
             <a:endParaRPr/>
           </a:p>
           <a:p>
-            <a:pPr marL="457200" lvl="0" indent="-342900" algn="l" rtl="0">
+            <a:pPr indent="-342900" lvl="0" marL="457200" rtl="0" algn="l">
               <a:spcBef>
                 <a:spcPts val="0"/>
               </a:spcBef>
@@ -8718,12 +8463,16 @@
             </a:pPr>
             <a:r>
               <a:rPr lang="en"/>
-              <a:t>Must begin with either a letter or an underscore.</a:t>
+              <a:t>M</a:t>
+            </a:r>
+            <a:r>
+              <a:rPr lang="en"/>
+              <a:t>ust begin with either a letter or an underscore.</a:t>
             </a:r>
             <a:endParaRPr/>
           </a:p>
           <a:p>
-            <a:pPr marL="457200" lvl="0" indent="-342900" algn="l" rtl="0">
+            <a:pPr indent="-342900" lvl="0" marL="457200" rtl="0" algn="l">
               <a:spcBef>
                 <a:spcPts val="0"/>
               </a:spcBef>
@@ -8740,7 +8489,7 @@
             <a:endParaRPr/>
           </a:p>
           <a:p>
-            <a:pPr marL="0" lvl="0" indent="0" algn="l" rtl="0">
+            <a:pPr indent="0" lvl="0" marL="0" rtl="0" algn="l">
               <a:spcBef>
                 <a:spcPts val="1200"/>
               </a:spcBef>
@@ -8751,7 +8500,11 @@
             </a:pPr>
             <a:r>
               <a:rPr lang="en"/>
-              <a:t>By default, immutable is set at a read-only. By contrast, mutable (mut) allows to change to other values</a:t>
+              <a:t>By default, immutable is set at a read-only. By </a:t>
+            </a:r>
+            <a:r>
+              <a:rPr lang="en"/>
+              <a:t>contrast, mutable (mut) allows to change to other values</a:t>
             </a:r>
             <a:endParaRPr/>
           </a:p>
@@ -8773,7 +8526,7 @@
         </p:blipFill>
         <p:spPr>
           <a:xfrm>
-            <a:off x="4400250" y="1867098"/>
+            <a:off x="4265825" y="2571748"/>
             <a:ext cx="4915176" cy="1168350"/>
           </a:xfrm>
           <a:prstGeom prst="rect">
@@ -8801,7 +8554,7 @@
         </p:blipFill>
         <p:spPr>
           <a:xfrm>
-            <a:off x="4178700" y="736200"/>
+            <a:off x="3890075" y="699200"/>
             <a:ext cx="5091274" cy="908000"/>
           </a:xfrm>
           <a:prstGeom prst="rect">
@@ -8822,11 +8575,11 @@
 </file>
 
 <file path=ppt/slides/slide11.xml><?xml version="1.0" encoding="utf-8"?>
-<p:sld xmlns:a="http://schemas.openxmlformats.org/drawingml/2006/main" xmlns:r="http://schemas.openxmlformats.org/officeDocument/2006/relationships" xmlns:p="http://schemas.openxmlformats.org/presentationml/2006/main">
+<p:sld xmlns:a="http://schemas.openxmlformats.org/drawingml/2006/main" xmlns:r="http://schemas.openxmlformats.org/officeDocument/2006/relationships" xmlns:mc="http://schemas.openxmlformats.org/markup-compatibility/2006" xmlns:mv="urn:schemas-microsoft-com:mac:vml" xmlns:p="http://schemas.openxmlformats.org/presentationml/2006/main" xmlns:c="http://schemas.openxmlformats.org/drawingml/2006/chart" xmlns:dgm="http://schemas.openxmlformats.org/drawingml/2006/diagram" xmlns:o="urn:schemas-microsoft-com:office:office" xmlns:v="urn:schemas-microsoft-com:vml" xmlns:pvml="urn:schemas-microsoft-com:office:powerpoint" xmlns:com="http://schemas.openxmlformats.org/drawingml/2006/compatibility" xmlns:p14="http://schemas.microsoft.com/office/powerpoint/2010/main" xmlns:p15="http://schemas.microsoft.com/office/powerpoint/2012/main" xmlns:ahyp="http://schemas.microsoft.com/office/drawing/2018/hyperlinkcolor">
   <p:cSld>
     <p:spTree>
       <p:nvGrpSpPr>
-        <p:cNvPr id="1" name="Shape 131"/>
+        <p:cNvPr id="131" name="Shape 131"/>
         <p:cNvGrpSpPr/>
         <p:nvPr/>
       </p:nvGrpSpPr>
@@ -8841,9 +8594,7 @@
       <p:sp>
         <p:nvSpPr>
           <p:cNvPr id="132" name="Google Shape;132;p23"/>
-          <p:cNvSpPr txBox="1">
-            <a:spLocks noGrp="1"/>
-          </p:cNvSpPr>
+          <p:cNvSpPr txBox="1"/>
           <p:nvPr>
             <p:ph type="title"/>
           </p:nvPr>
@@ -8858,12 +8609,12 @@
           </a:prstGeom>
         </p:spPr>
         <p:txBody>
-          <a:bodyPr spcFirstLastPara="1" wrap="square" lIns="91425" tIns="91425" rIns="91425" bIns="91425" anchor="t" anchorCtr="0">
+          <a:bodyPr anchorCtr="0" anchor="t" bIns="91425" lIns="91425" spcFirstLastPara="1" rIns="91425" wrap="square" tIns="91425">
             <a:normAutofit fontScale="90000"/>
           </a:bodyPr>
           <a:lstStyle/>
           <a:p>
-            <a:pPr marL="0" lvl="0" indent="0" algn="l" rtl="0">
+            <a:pPr indent="0" lvl="0" marL="0" rtl="0" algn="l">
               <a:spcBef>
                 <a:spcPts val="0"/>
               </a:spcBef>
@@ -8945,11 +8696,11 @@
 </file>
 
 <file path=ppt/slides/slide12.xml><?xml version="1.0" encoding="utf-8"?>
-<p:sld xmlns:a="http://schemas.openxmlformats.org/drawingml/2006/main" xmlns:r="http://schemas.openxmlformats.org/officeDocument/2006/relationships" xmlns:p="http://schemas.openxmlformats.org/presentationml/2006/main">
+<p:sld xmlns:a="http://schemas.openxmlformats.org/drawingml/2006/main" xmlns:r="http://schemas.openxmlformats.org/officeDocument/2006/relationships" xmlns:mc="http://schemas.openxmlformats.org/markup-compatibility/2006" xmlns:mv="urn:schemas-microsoft-com:mac:vml" xmlns:p="http://schemas.openxmlformats.org/presentationml/2006/main" xmlns:c="http://schemas.openxmlformats.org/drawingml/2006/chart" xmlns:dgm="http://schemas.openxmlformats.org/drawingml/2006/diagram" xmlns:o="urn:schemas-microsoft-com:office:office" xmlns:v="urn:schemas-microsoft-com:vml" xmlns:pvml="urn:schemas-microsoft-com:office:powerpoint" xmlns:com="http://schemas.openxmlformats.org/drawingml/2006/compatibility" xmlns:p14="http://schemas.microsoft.com/office/powerpoint/2010/main" xmlns:p15="http://schemas.microsoft.com/office/powerpoint/2012/main" xmlns:ahyp="http://schemas.microsoft.com/office/drawing/2018/hyperlinkcolor">
   <p:cSld>
     <p:spTree>
       <p:nvGrpSpPr>
-        <p:cNvPr id="1" name="Shape 138"/>
+        <p:cNvPr id="138" name="Shape 138"/>
         <p:cNvGrpSpPr/>
         <p:nvPr/>
       </p:nvGrpSpPr>
@@ -8964,9 +8715,7 @@
       <p:sp>
         <p:nvSpPr>
           <p:cNvPr id="139" name="Google Shape;139;p24"/>
-          <p:cNvSpPr txBox="1">
-            <a:spLocks noGrp="1"/>
-          </p:cNvSpPr>
+          <p:cNvSpPr txBox="1"/>
           <p:nvPr>
             <p:ph type="title"/>
           </p:nvPr>
@@ -8981,12 +8730,12 @@
           </a:prstGeom>
         </p:spPr>
         <p:txBody>
-          <a:bodyPr spcFirstLastPara="1" wrap="square" lIns="91425" tIns="91425" rIns="91425" bIns="91425" anchor="t" anchorCtr="0">
+          <a:bodyPr anchorCtr="0" anchor="t" bIns="91425" lIns="91425" spcFirstLastPara="1" rIns="91425" wrap="square" tIns="91425">
             <a:normAutofit fontScale="90000"/>
           </a:bodyPr>
           <a:lstStyle/>
           <a:p>
-            <a:pPr marL="0" lvl="0" indent="0" algn="l" rtl="0">
+            <a:pPr indent="0" lvl="0" marL="0" rtl="0" algn="l">
               <a:spcBef>
                 <a:spcPts val="0"/>
               </a:spcBef>
@@ -9006,11 +8755,9 @@
       <p:sp>
         <p:nvSpPr>
           <p:cNvPr id="140" name="Google Shape;140;p24"/>
-          <p:cNvSpPr txBox="1">
-            <a:spLocks noGrp="1"/>
-          </p:cNvSpPr>
-          <p:nvPr>
-            <p:ph type="body" idx="1"/>
+          <p:cNvSpPr txBox="1"/>
+          <p:nvPr>
+            <p:ph idx="1" type="body"/>
           </p:nvPr>
         </p:nvSpPr>
         <p:spPr>
@@ -9023,12 +8770,12 @@
           </a:prstGeom>
         </p:spPr>
         <p:txBody>
-          <a:bodyPr spcFirstLastPara="1" wrap="square" lIns="91425" tIns="91425" rIns="91425" bIns="91425" anchor="t" anchorCtr="0">
+          <a:bodyPr anchorCtr="0" anchor="t" bIns="91425" lIns="91425" spcFirstLastPara="1" rIns="91425" wrap="square" tIns="91425">
             <a:normAutofit/>
           </a:bodyPr>
           <a:lstStyle/>
           <a:p>
-            <a:pPr marL="0" lvl="0" indent="0" algn="l" rtl="0">
+            <a:pPr indent="0" lvl="0" marL="0" rtl="0" algn="l">
               <a:spcBef>
                 <a:spcPts val="0"/>
               </a:spcBef>
@@ -9042,7 +8789,7 @@
               <a:t>The keyword </a:t>
             </a:r>
             <a:r>
-              <a:rPr lang="en" b="1" u="sng">
+              <a:rPr b="1" lang="en" u="sng">
                 <a:solidFill>
                   <a:srgbClr val="FF0000"/>
                 </a:solidFill>
@@ -9064,7 +8811,7 @@
             <a:endParaRPr/>
           </a:p>
           <a:p>
-            <a:pPr marL="0" lvl="0" indent="0" algn="l" rtl="0">
+            <a:pPr indent="0" lvl="0" marL="0" rtl="0" algn="l">
               <a:spcBef>
                 <a:spcPts val="1200"/>
               </a:spcBef>
@@ -9078,7 +8825,7 @@
               <a:t>To make a constant, capitalizing all characters is usually being used with keyword </a:t>
             </a:r>
             <a:r>
-              <a:rPr lang="en" b="1" u="sng">
+              <a:rPr b="1" lang="en" u="sng">
                 <a:solidFill>
                   <a:srgbClr val="CC0000"/>
                 </a:solidFill>
@@ -9130,11 +8877,11 @@
 </file>
 
 <file path=ppt/slides/slide13.xml><?xml version="1.0" encoding="utf-8"?>
-<p:sld xmlns:a="http://schemas.openxmlformats.org/drawingml/2006/main" xmlns:r="http://schemas.openxmlformats.org/officeDocument/2006/relationships" xmlns:p="http://schemas.openxmlformats.org/presentationml/2006/main">
+<p:sld xmlns:a="http://schemas.openxmlformats.org/drawingml/2006/main" xmlns:r="http://schemas.openxmlformats.org/officeDocument/2006/relationships" xmlns:mc="http://schemas.openxmlformats.org/markup-compatibility/2006" xmlns:mv="urn:schemas-microsoft-com:mac:vml" xmlns:p="http://schemas.openxmlformats.org/presentationml/2006/main" xmlns:c="http://schemas.openxmlformats.org/drawingml/2006/chart" xmlns:dgm="http://schemas.openxmlformats.org/drawingml/2006/diagram" xmlns:o="urn:schemas-microsoft-com:office:office" xmlns:v="urn:schemas-microsoft-com:vml" xmlns:pvml="urn:schemas-microsoft-com:office:powerpoint" xmlns:com="http://schemas.openxmlformats.org/drawingml/2006/compatibility" xmlns:p14="http://schemas.microsoft.com/office/powerpoint/2010/main" xmlns:p15="http://schemas.microsoft.com/office/powerpoint/2012/main" xmlns:ahyp="http://schemas.microsoft.com/office/drawing/2018/hyperlinkcolor">
   <p:cSld>
     <p:spTree>
       <p:nvGrpSpPr>
-        <p:cNvPr id="1" name="Shape 145"/>
+        <p:cNvPr id="145" name="Shape 145"/>
         <p:cNvGrpSpPr/>
         <p:nvPr/>
       </p:nvGrpSpPr>
@@ -9149,9 +8896,7 @@
       <p:sp>
         <p:nvSpPr>
           <p:cNvPr id="146" name="Google Shape;146;p25"/>
-          <p:cNvSpPr txBox="1">
-            <a:spLocks noGrp="1"/>
-          </p:cNvSpPr>
+          <p:cNvSpPr txBox="1"/>
           <p:nvPr>
             <p:ph type="title"/>
           </p:nvPr>
@@ -9166,12 +8911,12 @@
           </a:prstGeom>
         </p:spPr>
         <p:txBody>
-          <a:bodyPr spcFirstLastPara="1" wrap="square" lIns="91425" tIns="91425" rIns="91425" bIns="91425" anchor="t" anchorCtr="0">
+          <a:bodyPr anchorCtr="0" anchor="t" bIns="91425" lIns="91425" spcFirstLastPara="1" rIns="91425" wrap="square" tIns="91425">
             <a:normAutofit fontScale="90000"/>
           </a:bodyPr>
           <a:lstStyle/>
           <a:p>
-            <a:pPr marL="0" lvl="0" indent="0" algn="l" rtl="0">
+            <a:pPr indent="0" lvl="0" marL="0" rtl="0" algn="l">
               <a:spcBef>
                 <a:spcPts val="0"/>
               </a:spcBef>
@@ -9191,11 +8936,9 @@
       <p:sp>
         <p:nvSpPr>
           <p:cNvPr id="147" name="Google Shape;147;p25"/>
-          <p:cNvSpPr txBox="1">
-            <a:spLocks noGrp="1"/>
-          </p:cNvSpPr>
-          <p:nvPr>
-            <p:ph type="body" idx="1"/>
+          <p:cNvSpPr txBox="1"/>
+          <p:nvPr>
+            <p:ph idx="1" type="body"/>
           </p:nvPr>
         </p:nvSpPr>
         <p:spPr>
@@ -9208,12 +8951,12 @@
           </a:prstGeom>
         </p:spPr>
         <p:txBody>
-          <a:bodyPr spcFirstLastPara="1" wrap="square" lIns="91425" tIns="91425" rIns="91425" bIns="91425" anchor="t" anchorCtr="0">
+          <a:bodyPr anchorCtr="0" anchor="t" bIns="91425" lIns="91425" spcFirstLastPara="1" rIns="91425" wrap="square" tIns="91425">
             <a:normAutofit/>
           </a:bodyPr>
           <a:lstStyle/>
           <a:p>
-            <a:pPr marL="0" lvl="0" indent="0" algn="l" rtl="0">
+            <a:pPr indent="0" lvl="0" marL="0" rtl="0" algn="l">
               <a:spcBef>
                 <a:spcPts val="0"/>
               </a:spcBef>
@@ -9345,11 +9088,9 @@
       <p:sp>
         <p:nvSpPr>
           <p:cNvPr id="152" name="Google Shape;152;p25"/>
-          <p:cNvSpPr txBox="1">
-            <a:spLocks noGrp="1"/>
-          </p:cNvSpPr>
-          <p:nvPr>
-            <p:ph type="body" idx="1"/>
+          <p:cNvSpPr txBox="1"/>
+          <p:nvPr>
+            <p:ph idx="1" type="body"/>
           </p:nvPr>
         </p:nvSpPr>
         <p:spPr>
@@ -9362,12 +9103,12 @@
           </a:prstGeom>
         </p:spPr>
         <p:txBody>
-          <a:bodyPr spcFirstLastPara="1" wrap="square" lIns="91425" tIns="91425" rIns="91425" bIns="91425" anchor="t" anchorCtr="0">
+          <a:bodyPr anchorCtr="0" anchor="t" bIns="91425" lIns="91425" spcFirstLastPara="1" rIns="91425" wrap="square" tIns="91425">
             <a:normAutofit/>
           </a:bodyPr>
           <a:lstStyle/>
           <a:p>
-            <a:pPr marL="0" lvl="0" indent="0" algn="l" rtl="0">
+            <a:pPr indent="0" lvl="0" marL="0" rtl="0" algn="l">
               <a:spcBef>
                 <a:spcPts val="0"/>
               </a:spcBef>
@@ -9393,11 +9134,11 @@
 </file>
 
 <file path=ppt/slides/slide14.xml><?xml version="1.0" encoding="utf-8"?>
-<p:sld xmlns:a="http://schemas.openxmlformats.org/drawingml/2006/main" xmlns:r="http://schemas.openxmlformats.org/officeDocument/2006/relationships" xmlns:p="http://schemas.openxmlformats.org/presentationml/2006/main">
+<p:sld xmlns:a="http://schemas.openxmlformats.org/drawingml/2006/main" xmlns:r="http://schemas.openxmlformats.org/officeDocument/2006/relationships" xmlns:mc="http://schemas.openxmlformats.org/markup-compatibility/2006" xmlns:mv="urn:schemas-microsoft-com:mac:vml" xmlns:p="http://schemas.openxmlformats.org/presentationml/2006/main" xmlns:c="http://schemas.openxmlformats.org/drawingml/2006/chart" xmlns:dgm="http://schemas.openxmlformats.org/drawingml/2006/diagram" xmlns:o="urn:schemas-microsoft-com:office:office" xmlns:v="urn:schemas-microsoft-com:vml" xmlns:pvml="urn:schemas-microsoft-com:office:powerpoint" xmlns:com="http://schemas.openxmlformats.org/drawingml/2006/compatibility" xmlns:p14="http://schemas.microsoft.com/office/powerpoint/2010/main" xmlns:p15="http://schemas.microsoft.com/office/powerpoint/2012/main" xmlns:ahyp="http://schemas.microsoft.com/office/drawing/2018/hyperlinkcolor">
   <p:cSld>
     <p:spTree>
       <p:nvGrpSpPr>
-        <p:cNvPr id="1" name="Shape 156"/>
+        <p:cNvPr id="156" name="Shape 156"/>
         <p:cNvGrpSpPr/>
         <p:nvPr/>
       </p:nvGrpSpPr>
@@ -9412,9 +9153,7 @@
       <p:sp>
         <p:nvSpPr>
           <p:cNvPr id="157" name="Google Shape;157;p26"/>
-          <p:cNvSpPr txBox="1">
-            <a:spLocks noGrp="1"/>
-          </p:cNvSpPr>
+          <p:cNvSpPr txBox="1"/>
           <p:nvPr>
             <p:ph type="title"/>
           </p:nvPr>
@@ -9429,12 +9168,12 @@
           </a:prstGeom>
         </p:spPr>
         <p:txBody>
-          <a:bodyPr spcFirstLastPara="1" wrap="square" lIns="91425" tIns="91425" rIns="91425" bIns="91425" anchor="t" anchorCtr="0">
+          <a:bodyPr anchorCtr="0" anchor="t" bIns="91425" lIns="91425" spcFirstLastPara="1" rIns="91425" wrap="square" tIns="91425">
             <a:normAutofit fontScale="90000"/>
           </a:bodyPr>
           <a:lstStyle/>
           <a:p>
-            <a:pPr marL="0" lvl="0" indent="0" algn="l" rtl="0">
+            <a:pPr indent="0" lvl="0" marL="0" rtl="0" algn="l">
               <a:spcBef>
                 <a:spcPts val="0"/>
               </a:spcBef>
@@ -9454,11 +9193,9 @@
       <p:sp>
         <p:nvSpPr>
           <p:cNvPr id="158" name="Google Shape;158;p26"/>
-          <p:cNvSpPr txBox="1">
-            <a:spLocks noGrp="1"/>
-          </p:cNvSpPr>
-          <p:nvPr>
-            <p:ph type="body" idx="1"/>
+          <p:cNvSpPr txBox="1"/>
+          <p:nvPr>
+            <p:ph idx="1" type="body"/>
           </p:nvPr>
         </p:nvSpPr>
         <p:spPr>
@@ -9471,12 +9208,12 @@
           </a:prstGeom>
         </p:spPr>
         <p:txBody>
-          <a:bodyPr spcFirstLastPara="1" wrap="square" lIns="91425" tIns="91425" rIns="91425" bIns="91425" anchor="t" anchorCtr="0">
+          <a:bodyPr anchorCtr="0" anchor="t" bIns="91425" lIns="91425" spcFirstLastPara="1" rIns="91425" wrap="square" tIns="91425">
             <a:normAutofit lnSpcReduction="10000"/>
           </a:bodyPr>
           <a:lstStyle/>
           <a:p>
-            <a:pPr marL="457200" lvl="0" indent="-342900" algn="l" rtl="0">
+            <a:pPr indent="-342900" lvl="0" marL="457200" rtl="0" algn="l">
               <a:spcBef>
                 <a:spcPts val="0"/>
               </a:spcBef>
@@ -9493,7 +9230,7 @@
             <a:endParaRPr/>
           </a:p>
           <a:p>
-            <a:pPr marL="457200" lvl="0" indent="-342900" algn="l" rtl="0">
+            <a:pPr indent="-342900" lvl="0" marL="457200" rtl="0" algn="l">
               <a:spcBef>
                 <a:spcPts val="0"/>
               </a:spcBef>
@@ -9510,7 +9247,7 @@
             <a:endParaRPr/>
           </a:p>
           <a:p>
-            <a:pPr marL="457200" lvl="0" indent="-342900" algn="l" rtl="0">
+            <a:pPr indent="-342900" lvl="0" marL="457200" rtl="0" algn="l">
               <a:spcBef>
                 <a:spcPts val="0"/>
               </a:spcBef>
@@ -9527,7 +9264,7 @@
             <a:endParaRPr/>
           </a:p>
           <a:p>
-            <a:pPr marL="457200" lvl="0" indent="-342900" algn="l" rtl="0">
+            <a:pPr indent="-342900" lvl="0" marL="457200" rtl="0" algn="l">
               <a:spcBef>
                 <a:spcPts val="0"/>
               </a:spcBef>
@@ -9544,7 +9281,7 @@
             <a:endParaRPr/>
           </a:p>
           <a:p>
-            <a:pPr marL="0" lvl="0" indent="0" algn="l" rtl="0">
+            <a:pPr indent="0" lvl="0" marL="0" rtl="0" algn="l">
               <a:spcBef>
                 <a:spcPts val="1200"/>
               </a:spcBef>
@@ -9560,7 +9297,7 @@
             <a:endParaRPr/>
           </a:p>
           <a:p>
-            <a:pPr marL="0" lvl="0" indent="0" algn="l" rtl="0">
+            <a:pPr indent="0" lvl="0" marL="0" rtl="0" algn="l">
               <a:spcBef>
                 <a:spcPts val="1200"/>
               </a:spcBef>
@@ -9569,6 +9306,9 @@
               </a:spcAft>
               <a:buNone/>
             </a:pPr>
+            <a:r>
+              <a:t/>
+            </a:r>
             <a:endParaRPr/>
           </a:p>
         </p:txBody>
@@ -9638,11 +9378,11 @@
 </file>
 
 <file path=ppt/slides/slide15.xml><?xml version="1.0" encoding="utf-8"?>
-<p:sld xmlns:a="http://schemas.openxmlformats.org/drawingml/2006/main" xmlns:r="http://schemas.openxmlformats.org/officeDocument/2006/relationships" xmlns:p="http://schemas.openxmlformats.org/presentationml/2006/main">
+<p:sld xmlns:a="http://schemas.openxmlformats.org/drawingml/2006/main" xmlns:r="http://schemas.openxmlformats.org/officeDocument/2006/relationships" xmlns:mc="http://schemas.openxmlformats.org/markup-compatibility/2006" xmlns:mv="urn:schemas-microsoft-com:mac:vml" xmlns:p="http://schemas.openxmlformats.org/presentationml/2006/main" xmlns:c="http://schemas.openxmlformats.org/drawingml/2006/chart" xmlns:dgm="http://schemas.openxmlformats.org/drawingml/2006/diagram" xmlns:o="urn:schemas-microsoft-com:office:office" xmlns:v="urn:schemas-microsoft-com:vml" xmlns:pvml="urn:schemas-microsoft-com:office:powerpoint" xmlns:com="http://schemas.openxmlformats.org/drawingml/2006/compatibility" xmlns:p14="http://schemas.microsoft.com/office/powerpoint/2010/main" xmlns:p15="http://schemas.microsoft.com/office/powerpoint/2012/main" xmlns:ahyp="http://schemas.microsoft.com/office/drawing/2018/hyperlinkcolor">
   <p:cSld>
     <p:spTree>
       <p:nvGrpSpPr>
-        <p:cNvPr id="1" name="Shape 164"/>
+        <p:cNvPr id="164" name="Shape 164"/>
         <p:cNvGrpSpPr/>
         <p:nvPr/>
       </p:nvGrpSpPr>
@@ -9657,9 +9397,7 @@
       <p:sp>
         <p:nvSpPr>
           <p:cNvPr id="165" name="Google Shape;165;p27"/>
-          <p:cNvSpPr txBox="1">
-            <a:spLocks noGrp="1"/>
-          </p:cNvSpPr>
+          <p:cNvSpPr txBox="1"/>
           <p:nvPr>
             <p:ph type="title"/>
           </p:nvPr>
@@ -9674,12 +9412,12 @@
           </a:prstGeom>
         </p:spPr>
         <p:txBody>
-          <a:bodyPr spcFirstLastPara="1" wrap="square" lIns="91425" tIns="91425" rIns="91425" bIns="91425" anchor="t" anchorCtr="0">
+          <a:bodyPr anchorCtr="0" anchor="t" bIns="91425" lIns="91425" spcFirstLastPara="1" rIns="91425" wrap="square" tIns="91425">
             <a:normAutofit fontScale="90000"/>
           </a:bodyPr>
           <a:lstStyle/>
           <a:p>
-            <a:pPr marL="0" lvl="0" indent="0" algn="ctr" rtl="0">
+            <a:pPr indent="0" lvl="0" marL="0" rtl="0" algn="ctr">
               <a:spcBef>
                 <a:spcPts val="0"/>
               </a:spcBef>
@@ -9699,11 +9437,9 @@
       <p:sp>
         <p:nvSpPr>
           <p:cNvPr id="166" name="Google Shape;166;p27"/>
-          <p:cNvSpPr txBox="1">
-            <a:spLocks noGrp="1"/>
-          </p:cNvSpPr>
-          <p:nvPr>
-            <p:ph type="body" idx="1"/>
+          <p:cNvSpPr txBox="1"/>
+          <p:nvPr>
+            <p:ph idx="1" type="body"/>
           </p:nvPr>
         </p:nvSpPr>
         <p:spPr>
@@ -9716,12 +9452,12 @@
           </a:prstGeom>
         </p:spPr>
         <p:txBody>
-          <a:bodyPr spcFirstLastPara="1" wrap="square" lIns="91425" tIns="91425" rIns="91425" bIns="91425" anchor="t" anchorCtr="0">
+          <a:bodyPr anchorCtr="0" anchor="t" bIns="91425" lIns="91425" spcFirstLastPara="1" rIns="91425" wrap="square" tIns="91425">
             <a:normAutofit/>
           </a:bodyPr>
           <a:lstStyle/>
           <a:p>
-            <a:pPr marL="457200" lvl="0" indent="-342900" algn="l" rtl="0">
+            <a:pPr indent="-342900" lvl="0" marL="457200" rtl="0" algn="l">
               <a:spcBef>
                 <a:spcPts val="0"/>
               </a:spcBef>
@@ -9735,7 +9471,7 @@
               <a:buChar char="●"/>
             </a:pPr>
             <a:r>
-              <a:rPr lang="en" b="1">
+              <a:rPr b="1" lang="en">
                 <a:solidFill>
                   <a:srgbClr val="CFE2F3"/>
                 </a:solidFill>
@@ -9749,7 +9485,7 @@
             </a:endParaRPr>
           </a:p>
           <a:p>
-            <a:pPr marL="0" lvl="0" indent="0" algn="l" rtl="0">
+            <a:pPr indent="0" lvl="0" marL="0" rtl="0" algn="l">
               <a:spcBef>
                 <a:spcPts val="1200"/>
               </a:spcBef>
@@ -9765,7 +9501,7 @@
             <a:endParaRPr/>
           </a:p>
           <a:p>
-            <a:pPr marL="457200" lvl="0" indent="-342900" algn="l" rtl="0">
+            <a:pPr indent="-342900" lvl="0" marL="457200" rtl="0" algn="l">
               <a:spcBef>
                 <a:spcPts val="1200"/>
               </a:spcBef>
@@ -9779,7 +9515,7 @@
               <a:buChar char="●"/>
             </a:pPr>
             <a:r>
-              <a:rPr lang="en" b="1">
+              <a:rPr b="1" lang="en">
                 <a:solidFill>
                   <a:srgbClr val="CFE2F3"/>
                 </a:solidFill>
@@ -9793,7 +9529,7 @@
             </a:endParaRPr>
           </a:p>
           <a:p>
-            <a:pPr marL="0" lvl="0" indent="0" algn="l" rtl="0">
+            <a:pPr indent="0" lvl="0" marL="0" rtl="0" algn="l">
               <a:spcBef>
                 <a:spcPts val="1200"/>
               </a:spcBef>
@@ -9809,7 +9545,7 @@
             <a:endParaRPr/>
           </a:p>
           <a:p>
-            <a:pPr marL="457200" lvl="0" indent="-342900" algn="l" rtl="0">
+            <a:pPr indent="-342900" lvl="0" marL="457200" rtl="0" algn="l">
               <a:spcBef>
                 <a:spcPts val="1200"/>
               </a:spcBef>
@@ -9823,7 +9559,7 @@
               <a:buChar char="●"/>
             </a:pPr>
             <a:r>
-              <a:rPr lang="en" b="1">
+              <a:rPr b="1" lang="en">
                 <a:solidFill>
                   <a:srgbClr val="CFE2F3"/>
                 </a:solidFill>
@@ -9837,7 +9573,7 @@
             </a:endParaRPr>
           </a:p>
           <a:p>
-            <a:pPr marL="0" lvl="0" indent="0" algn="l" rtl="0">
+            <a:pPr indent="0" lvl="0" marL="0" rtl="0" algn="l">
               <a:spcBef>
                 <a:spcPts val="1200"/>
               </a:spcBef>
@@ -9853,7 +9589,7 @@
             <a:endParaRPr/>
           </a:p>
           <a:p>
-            <a:pPr marL="457200" lvl="0" indent="-342900" algn="l" rtl="0">
+            <a:pPr indent="-342900" lvl="0" marL="457200" rtl="0" algn="l">
               <a:spcBef>
                 <a:spcPts val="1200"/>
               </a:spcBef>
@@ -9867,7 +9603,7 @@
               <a:buChar char="●"/>
             </a:pPr>
             <a:r>
-              <a:rPr lang="en" b="1">
+              <a:rPr b="1" lang="en">
                 <a:solidFill>
                   <a:srgbClr val="CFE2F3"/>
                 </a:solidFill>
@@ -9881,7 +9617,7 @@
             </a:endParaRPr>
           </a:p>
           <a:p>
-            <a:pPr marL="0" lvl="0" indent="0" algn="l" rtl="0">
+            <a:pPr indent="0" lvl="0" marL="0" rtl="0" algn="l">
               <a:spcBef>
                 <a:spcPts val="1200"/>
               </a:spcBef>
@@ -9897,7 +9633,7 @@
             <a:endParaRPr/>
           </a:p>
           <a:p>
-            <a:pPr marL="0" lvl="0" indent="457200" algn="l" rtl="0">
+            <a:pPr indent="457200" lvl="0" marL="0" rtl="0" algn="l">
               <a:spcBef>
                 <a:spcPts val="1200"/>
               </a:spcBef>
@@ -9906,6 +9642,9 @@
               </a:spcAft>
               <a:buNone/>
             </a:pPr>
+            <a:r>
+              <a:t/>
+            </a:r>
             <a:endParaRPr/>
           </a:p>
         </p:txBody>
@@ -9947,11 +9686,11 @@
 </file>
 
 <file path=ppt/slides/slide16.xml><?xml version="1.0" encoding="utf-8"?>
-<p:sld xmlns:a="http://schemas.openxmlformats.org/drawingml/2006/main" xmlns:r="http://schemas.openxmlformats.org/officeDocument/2006/relationships" xmlns:p="http://schemas.openxmlformats.org/presentationml/2006/main">
+<p:sld xmlns:a="http://schemas.openxmlformats.org/drawingml/2006/main" xmlns:r="http://schemas.openxmlformats.org/officeDocument/2006/relationships" xmlns:mc="http://schemas.openxmlformats.org/markup-compatibility/2006" xmlns:mv="urn:schemas-microsoft-com:mac:vml" xmlns:p="http://schemas.openxmlformats.org/presentationml/2006/main" xmlns:c="http://schemas.openxmlformats.org/drawingml/2006/chart" xmlns:dgm="http://schemas.openxmlformats.org/drawingml/2006/diagram" xmlns:o="urn:schemas-microsoft-com:office:office" xmlns:v="urn:schemas-microsoft-com:vml" xmlns:pvml="urn:schemas-microsoft-com:office:powerpoint" xmlns:com="http://schemas.openxmlformats.org/drawingml/2006/compatibility" xmlns:p14="http://schemas.microsoft.com/office/powerpoint/2010/main" xmlns:p15="http://schemas.microsoft.com/office/powerpoint/2012/main" xmlns:ahyp="http://schemas.microsoft.com/office/drawing/2018/hyperlinkcolor">
   <p:cSld>
     <p:spTree>
       <p:nvGrpSpPr>
-        <p:cNvPr id="1" name="Shape 171"/>
+        <p:cNvPr id="171" name="Shape 171"/>
         <p:cNvGrpSpPr/>
         <p:nvPr/>
       </p:nvGrpSpPr>
@@ -9966,9 +9705,7 @@
       <p:sp>
         <p:nvSpPr>
           <p:cNvPr id="172" name="Google Shape;172;p28"/>
-          <p:cNvSpPr txBox="1">
-            <a:spLocks noGrp="1"/>
-          </p:cNvSpPr>
+          <p:cNvSpPr txBox="1"/>
           <p:nvPr>
             <p:ph type="title"/>
           </p:nvPr>
@@ -9983,12 +9720,12 @@
           </a:prstGeom>
         </p:spPr>
         <p:txBody>
-          <a:bodyPr spcFirstLastPara="1" wrap="square" lIns="91425" tIns="91425" rIns="91425" bIns="91425" anchor="t" anchorCtr="0">
+          <a:bodyPr anchorCtr="0" anchor="t" bIns="91425" lIns="91425" spcFirstLastPara="1" rIns="91425" wrap="square" tIns="91425">
             <a:normAutofit fontScale="90000"/>
           </a:bodyPr>
           <a:lstStyle/>
           <a:p>
-            <a:pPr marL="0" lvl="0" indent="0" algn="l" rtl="0">
+            <a:pPr indent="0" lvl="0" marL="0" rtl="0" algn="l">
               <a:spcBef>
                 <a:spcPts val="0"/>
               </a:spcBef>
@@ -10036,9 +9773,7 @@
       <p:sp>
         <p:nvSpPr>
           <p:cNvPr id="174" name="Google Shape;174;p28"/>
-          <p:cNvSpPr txBox="1">
-            <a:spLocks noGrp="1"/>
-          </p:cNvSpPr>
+          <p:cNvSpPr txBox="1"/>
           <p:nvPr>
             <p:ph type="title"/>
           </p:nvPr>
@@ -10053,12 +9788,12 @@
           </a:prstGeom>
         </p:spPr>
         <p:txBody>
-          <a:bodyPr spcFirstLastPara="1" wrap="square" lIns="91425" tIns="91425" rIns="91425" bIns="91425" anchor="t" anchorCtr="0">
+          <a:bodyPr anchorCtr="0" anchor="t" bIns="91425" lIns="91425" spcFirstLastPara="1" rIns="91425" wrap="square" tIns="91425">
             <a:normAutofit fontScale="90000"/>
           </a:bodyPr>
           <a:lstStyle/>
           <a:p>
-            <a:pPr marL="0" lvl="0" indent="0" algn="l" rtl="0">
+            <a:pPr indent="0" lvl="0" marL="0" rtl="0" algn="l">
               <a:spcBef>
                 <a:spcPts val="0"/>
               </a:spcBef>
@@ -10069,7 +9804,11 @@
             </a:pPr>
             <a:r>
               <a:rPr lang="en"/>
-              <a:t>Invoking Function</a:t>
+              <a:t>Invoking</a:t>
+            </a:r>
+            <a:r>
+              <a:rPr lang="en"/>
+              <a:t> Function</a:t>
             </a:r>
             <a:endParaRPr/>
           </a:p>
@@ -10106,9 +9845,7 @@
       <p:sp>
         <p:nvSpPr>
           <p:cNvPr id="176" name="Google Shape;176;p28"/>
-          <p:cNvSpPr txBox="1">
-            <a:spLocks noGrp="1"/>
-          </p:cNvSpPr>
+          <p:cNvSpPr txBox="1"/>
           <p:nvPr>
             <p:ph type="title"/>
           </p:nvPr>
@@ -10123,12 +9860,12 @@
           </a:prstGeom>
         </p:spPr>
         <p:txBody>
-          <a:bodyPr spcFirstLastPara="1" wrap="square" lIns="91425" tIns="91425" rIns="91425" bIns="91425" anchor="t" anchorCtr="0">
+          <a:bodyPr anchorCtr="0" anchor="t" bIns="91425" lIns="91425" spcFirstLastPara="1" rIns="91425" wrap="square" tIns="91425">
             <a:normAutofit fontScale="90000"/>
           </a:bodyPr>
           <a:lstStyle/>
           <a:p>
-            <a:pPr marL="0" lvl="0" indent="0" algn="l" rtl="0">
+            <a:pPr indent="0" lvl="0" marL="0" rtl="0" algn="l">
               <a:spcBef>
                 <a:spcPts val="0"/>
               </a:spcBef>
@@ -10139,7 +9876,11 @@
             </a:pPr>
             <a:r>
               <a:rPr lang="en"/>
-              <a:t>Returning Function</a:t>
+              <a:t>Returning</a:t>
+            </a:r>
+            <a:r>
+              <a:rPr lang="en"/>
+              <a:t> Function</a:t>
             </a:r>
             <a:endParaRPr/>
           </a:p>
@@ -10204,9 +9945,7 @@
       <p:sp>
         <p:nvSpPr>
           <p:cNvPr id="179" name="Google Shape;179;p28"/>
-          <p:cNvSpPr txBox="1">
-            <a:spLocks noGrp="1"/>
-          </p:cNvSpPr>
+          <p:cNvSpPr txBox="1"/>
           <p:nvPr>
             <p:ph type="title"/>
           </p:nvPr>
@@ -10221,12 +9960,12 @@
           </a:prstGeom>
         </p:spPr>
         <p:txBody>
-          <a:bodyPr spcFirstLastPara="1" wrap="square" lIns="91425" tIns="91425" rIns="91425" bIns="91425" anchor="t" anchorCtr="0">
+          <a:bodyPr anchorCtr="0" anchor="t" bIns="91425" lIns="91425" spcFirstLastPara="1" rIns="91425" wrap="square" tIns="91425">
             <a:normAutofit fontScale="90000"/>
           </a:bodyPr>
           <a:lstStyle/>
           <a:p>
-            <a:pPr marL="0" lvl="0" indent="0" algn="l" rtl="0">
+            <a:pPr indent="0" lvl="0" marL="0" rtl="0" algn="l">
               <a:spcBef>
                 <a:spcPts val="0"/>
               </a:spcBef>
@@ -10237,7 +9976,11 @@
             </a:pPr>
             <a:r>
               <a:rPr lang="en"/>
-              <a:t>Parameterized Function</a:t>
+              <a:t>Parameterized </a:t>
+            </a:r>
+            <a:r>
+              <a:rPr lang="en"/>
+              <a:t>Function</a:t>
             </a:r>
             <a:endParaRPr/>
           </a:p>
@@ -10280,11 +10023,11 @@
 </file>
 
 <file path=ppt/slides/slide17.xml><?xml version="1.0" encoding="utf-8"?>
-<p:sld xmlns:a="http://schemas.openxmlformats.org/drawingml/2006/main" xmlns:r="http://schemas.openxmlformats.org/officeDocument/2006/relationships" xmlns:p="http://schemas.openxmlformats.org/presentationml/2006/main">
+<p:sld xmlns:a="http://schemas.openxmlformats.org/drawingml/2006/main" xmlns:r="http://schemas.openxmlformats.org/officeDocument/2006/relationships" xmlns:mc="http://schemas.openxmlformats.org/markup-compatibility/2006" xmlns:mv="urn:schemas-microsoft-com:mac:vml" xmlns:p="http://schemas.openxmlformats.org/presentationml/2006/main" xmlns:c="http://schemas.openxmlformats.org/drawingml/2006/chart" xmlns:dgm="http://schemas.openxmlformats.org/drawingml/2006/diagram" xmlns:o="urn:schemas-microsoft-com:office:office" xmlns:v="urn:schemas-microsoft-com:vml" xmlns:pvml="urn:schemas-microsoft-com:office:powerpoint" xmlns:com="http://schemas.openxmlformats.org/drawingml/2006/compatibility" xmlns:p14="http://schemas.microsoft.com/office/powerpoint/2010/main" xmlns:p15="http://schemas.microsoft.com/office/powerpoint/2012/main" xmlns:ahyp="http://schemas.microsoft.com/office/drawing/2018/hyperlinkcolor">
   <p:cSld>
     <p:spTree>
       <p:nvGrpSpPr>
-        <p:cNvPr id="1" name="Shape 184"/>
+        <p:cNvPr id="184" name="Shape 184"/>
         <p:cNvGrpSpPr/>
         <p:nvPr/>
       </p:nvGrpSpPr>
@@ -10299,9 +10042,7 @@
       <p:sp>
         <p:nvSpPr>
           <p:cNvPr id="185" name="Google Shape;185;p29"/>
-          <p:cNvSpPr txBox="1">
-            <a:spLocks noGrp="1"/>
-          </p:cNvSpPr>
+          <p:cNvSpPr txBox="1"/>
           <p:nvPr>
             <p:ph type="title"/>
           </p:nvPr>
@@ -10316,12 +10057,12 @@
           </a:prstGeom>
         </p:spPr>
         <p:txBody>
-          <a:bodyPr spcFirstLastPara="1" wrap="square" lIns="91425" tIns="91425" rIns="91425" bIns="91425" anchor="t" anchorCtr="0">
+          <a:bodyPr anchorCtr="0" anchor="t" bIns="91425" lIns="91425" spcFirstLastPara="1" rIns="91425" wrap="square" tIns="91425">
             <a:normAutofit fontScale="90000"/>
           </a:bodyPr>
           <a:lstStyle/>
           <a:p>
-            <a:pPr marL="0" lvl="0" indent="0" algn="l" rtl="0">
+            <a:pPr indent="0" lvl="0" marL="0" rtl="0" algn="l">
               <a:spcBef>
                 <a:spcPts val="0"/>
               </a:spcBef>
@@ -10341,11 +10082,9 @@
       <p:sp>
         <p:nvSpPr>
           <p:cNvPr id="186" name="Google Shape;186;p29"/>
-          <p:cNvSpPr txBox="1">
-            <a:spLocks noGrp="1"/>
-          </p:cNvSpPr>
-          <p:nvPr>
-            <p:ph type="body" idx="1"/>
+          <p:cNvSpPr txBox="1"/>
+          <p:nvPr>
+            <p:ph idx="1" type="body"/>
           </p:nvPr>
         </p:nvSpPr>
         <p:spPr>
@@ -10358,12 +10097,12 @@
           </a:prstGeom>
         </p:spPr>
         <p:txBody>
-          <a:bodyPr spcFirstLastPara="1" wrap="square" lIns="91425" tIns="91425" rIns="91425" bIns="91425" anchor="t" anchorCtr="0">
+          <a:bodyPr anchorCtr="0" anchor="t" bIns="91425" lIns="91425" spcFirstLastPara="1" rIns="91425" wrap="square" tIns="91425">
             <a:normAutofit/>
           </a:bodyPr>
           <a:lstStyle/>
           <a:p>
-            <a:pPr marL="0" lvl="0" indent="0" algn="l" rtl="0">
+            <a:pPr indent="0" lvl="0" marL="0" rtl="0" algn="l">
               <a:spcBef>
                 <a:spcPts val="0"/>
               </a:spcBef>
@@ -10379,7 +10118,7 @@
             <a:endParaRPr/>
           </a:p>
           <a:p>
-            <a:pPr marL="0" lvl="0" indent="0" algn="l" rtl="0">
+            <a:pPr indent="0" lvl="0" marL="0" rtl="0" algn="l">
               <a:spcBef>
                 <a:spcPts val="1200"/>
               </a:spcBef>
@@ -10393,7 +10132,7 @@
               <a:t>In Rust, it provides </a:t>
             </a:r>
             <a:r>
-              <a:rPr lang="en" b="1" i="1">
+              <a:rPr b="1" i="1" lang="en">
                 <a:solidFill>
                   <a:srgbClr val="F1C232"/>
                 </a:solidFill>
@@ -10407,7 +10146,7 @@
             <a:endParaRPr/>
           </a:p>
           <a:p>
-            <a:pPr marL="457200" lvl="0" indent="-342900" algn="l" rtl="0">
+            <a:pPr indent="-342900" lvl="0" marL="457200" rtl="0" algn="l">
               <a:spcBef>
                 <a:spcPts val="1200"/>
               </a:spcBef>
@@ -10424,7 +10163,7 @@
             <a:endParaRPr/>
           </a:p>
           <a:p>
-            <a:pPr marL="457200" lvl="0" indent="-342900" algn="l" rtl="0">
+            <a:pPr indent="-342900" lvl="0" marL="457200" rtl="0" algn="l">
               <a:spcBef>
                 <a:spcPts val="0"/>
               </a:spcBef>
@@ -10507,11 +10246,11 @@
 </file>
 
 <file path=ppt/slides/slide18.xml><?xml version="1.0" encoding="utf-8"?>
-<p:sld xmlns:a="http://schemas.openxmlformats.org/drawingml/2006/main" xmlns:r="http://schemas.openxmlformats.org/officeDocument/2006/relationships" xmlns:p="http://schemas.openxmlformats.org/presentationml/2006/main">
+<p:sld xmlns:a="http://schemas.openxmlformats.org/drawingml/2006/main" xmlns:r="http://schemas.openxmlformats.org/officeDocument/2006/relationships" xmlns:mc="http://schemas.openxmlformats.org/markup-compatibility/2006" xmlns:mv="urn:schemas-microsoft-com:mac:vml" xmlns:p="http://schemas.openxmlformats.org/presentationml/2006/main" xmlns:c="http://schemas.openxmlformats.org/drawingml/2006/chart" xmlns:dgm="http://schemas.openxmlformats.org/drawingml/2006/diagram" xmlns:o="urn:schemas-microsoft-com:office:office" xmlns:v="urn:schemas-microsoft-com:vml" xmlns:pvml="urn:schemas-microsoft-com:office:powerpoint" xmlns:com="http://schemas.openxmlformats.org/drawingml/2006/compatibility" xmlns:p14="http://schemas.microsoft.com/office/powerpoint/2010/main" xmlns:p15="http://schemas.microsoft.com/office/powerpoint/2012/main" xmlns:ahyp="http://schemas.microsoft.com/office/drawing/2018/hyperlinkcolor">
   <p:cSld>
     <p:spTree>
       <p:nvGrpSpPr>
-        <p:cNvPr id="1" name="Shape 192"/>
+        <p:cNvPr id="192" name="Shape 192"/>
         <p:cNvGrpSpPr/>
         <p:nvPr/>
       </p:nvGrpSpPr>
@@ -10526,9 +10265,7 @@
       <p:sp>
         <p:nvSpPr>
           <p:cNvPr id="193" name="Google Shape;193;p30"/>
-          <p:cNvSpPr txBox="1">
-            <a:spLocks noGrp="1"/>
-          </p:cNvSpPr>
+          <p:cNvSpPr txBox="1"/>
           <p:nvPr>
             <p:ph type="title"/>
           </p:nvPr>
@@ -10543,22 +10280,22 @@
           </a:prstGeom>
         </p:spPr>
         <p:txBody>
-          <a:bodyPr spcFirstLastPara="1" wrap="square" lIns="91425" tIns="91425" rIns="91425" bIns="91425" anchor="t" anchorCtr="0">
+          <a:bodyPr anchorCtr="0" anchor="t" bIns="91425" lIns="91425" spcFirstLastPara="1" rIns="91425" wrap="square" tIns="91425">
             <a:normAutofit fontScale="90000"/>
           </a:bodyPr>
           <a:lstStyle/>
           <a:p>
-            <a:pPr marL="0" lvl="0" indent="0" algn="l" rtl="0">
-              <a:spcBef>
-                <a:spcPts val="0"/>
-              </a:spcBef>
-              <a:spcAft>
-                <a:spcPts val="0"/>
-              </a:spcAft>
-              <a:buNone/>
-            </a:pPr>
-            <a:r>
-              <a:rPr lang="en" b="1">
+            <a:pPr indent="0" lvl="0" marL="0" rtl="0" algn="l">
+              <a:spcBef>
+                <a:spcPts val="0"/>
+              </a:spcBef>
+              <a:spcAft>
+                <a:spcPts val="0"/>
+              </a:spcAft>
+              <a:buNone/>
+            </a:pPr>
+            <a:r>
+              <a:rPr b="1" lang="en">
                 <a:highlight>
                   <a:srgbClr val="073763"/>
                 </a:highlight>
@@ -10576,11 +10313,9 @@
       <p:sp>
         <p:nvSpPr>
           <p:cNvPr id="194" name="Google Shape;194;p30"/>
-          <p:cNvSpPr txBox="1">
-            <a:spLocks noGrp="1"/>
-          </p:cNvSpPr>
-          <p:nvPr>
-            <p:ph type="body" idx="1"/>
+          <p:cNvSpPr txBox="1"/>
+          <p:nvPr>
+            <p:ph idx="1" type="body"/>
           </p:nvPr>
         </p:nvSpPr>
         <p:spPr>
@@ -10593,12 +10328,12 @@
           </a:prstGeom>
         </p:spPr>
         <p:txBody>
-          <a:bodyPr spcFirstLastPara="1" wrap="square" lIns="91425" tIns="91425" rIns="91425" bIns="91425" anchor="t" anchorCtr="0">
+          <a:bodyPr anchorCtr="0" anchor="t" bIns="91425" lIns="91425" spcFirstLastPara="1" rIns="91425" wrap="square" tIns="91425">
             <a:normAutofit/>
           </a:bodyPr>
           <a:lstStyle/>
           <a:p>
-            <a:pPr marL="0" lvl="0" indent="0" algn="l" rtl="0">
+            <a:pPr indent="0" lvl="0" marL="0" rtl="0" algn="l">
               <a:spcBef>
                 <a:spcPts val="0"/>
               </a:spcBef>
@@ -10614,7 +10349,7 @@
             <a:endParaRPr/>
           </a:p>
           <a:p>
-            <a:pPr marL="0" lvl="0" indent="0" algn="l" rtl="0">
+            <a:pPr indent="0" lvl="0" marL="0" rtl="0" algn="l">
               <a:spcBef>
                 <a:spcPts val="1200"/>
               </a:spcBef>
@@ -10696,11 +10431,11 @@
 </file>
 
 <file path=ppt/slides/slide19.xml><?xml version="1.0" encoding="utf-8"?>
-<p:sld xmlns:a="http://schemas.openxmlformats.org/drawingml/2006/main" xmlns:r="http://schemas.openxmlformats.org/officeDocument/2006/relationships" xmlns:p="http://schemas.openxmlformats.org/presentationml/2006/main">
+<p:sld xmlns:a="http://schemas.openxmlformats.org/drawingml/2006/main" xmlns:r="http://schemas.openxmlformats.org/officeDocument/2006/relationships" xmlns:mc="http://schemas.openxmlformats.org/markup-compatibility/2006" xmlns:mv="urn:schemas-microsoft-com:mac:vml" xmlns:p="http://schemas.openxmlformats.org/presentationml/2006/main" xmlns:c="http://schemas.openxmlformats.org/drawingml/2006/chart" xmlns:dgm="http://schemas.openxmlformats.org/drawingml/2006/diagram" xmlns:o="urn:schemas-microsoft-com:office:office" xmlns:v="urn:schemas-microsoft-com:vml" xmlns:pvml="urn:schemas-microsoft-com:office:powerpoint" xmlns:com="http://schemas.openxmlformats.org/drawingml/2006/compatibility" xmlns:p14="http://schemas.microsoft.com/office/powerpoint/2010/main" xmlns:p15="http://schemas.microsoft.com/office/powerpoint/2012/main" xmlns:ahyp="http://schemas.microsoft.com/office/drawing/2018/hyperlinkcolor">
   <p:cSld>
     <p:spTree>
       <p:nvGrpSpPr>
-        <p:cNvPr id="1" name="Shape 200"/>
+        <p:cNvPr id="200" name="Shape 200"/>
         <p:cNvGrpSpPr/>
         <p:nvPr/>
       </p:nvGrpSpPr>
@@ -10715,9 +10450,7 @@
       <p:sp>
         <p:nvSpPr>
           <p:cNvPr id="201" name="Google Shape;201;p31"/>
-          <p:cNvSpPr txBox="1">
-            <a:spLocks noGrp="1"/>
-          </p:cNvSpPr>
+          <p:cNvSpPr txBox="1"/>
           <p:nvPr>
             <p:ph type="title"/>
           </p:nvPr>
@@ -10732,12 +10465,12 @@
           </a:prstGeom>
         </p:spPr>
         <p:txBody>
-          <a:bodyPr spcFirstLastPara="1" wrap="square" lIns="91425" tIns="91425" rIns="91425" bIns="91425" anchor="t" anchorCtr="0">
+          <a:bodyPr anchorCtr="0" anchor="t" bIns="91425" lIns="91425" spcFirstLastPara="1" rIns="91425" wrap="square" tIns="91425">
             <a:normAutofit fontScale="90000"/>
           </a:bodyPr>
           <a:lstStyle/>
           <a:p>
-            <a:pPr marL="0" lvl="0" indent="0" algn="l" rtl="0">
+            <a:pPr indent="0" lvl="0" marL="0" rtl="0" algn="l">
               <a:spcBef>
                 <a:spcPts val="0"/>
               </a:spcBef>
@@ -10765,11 +10498,9 @@
       <p:sp>
         <p:nvSpPr>
           <p:cNvPr id="202" name="Google Shape;202;p31"/>
-          <p:cNvSpPr txBox="1">
-            <a:spLocks noGrp="1"/>
-          </p:cNvSpPr>
-          <p:nvPr>
-            <p:ph type="body" idx="1"/>
+          <p:cNvSpPr txBox="1"/>
+          <p:nvPr>
+            <p:ph idx="1" type="body"/>
           </p:nvPr>
         </p:nvSpPr>
         <p:spPr>
@@ -10782,12 +10513,12 @@
           </a:prstGeom>
         </p:spPr>
         <p:txBody>
-          <a:bodyPr spcFirstLastPara="1" wrap="square" lIns="91425" tIns="91425" rIns="91425" bIns="91425" anchor="t" anchorCtr="0">
+          <a:bodyPr anchorCtr="0" anchor="t" bIns="91425" lIns="91425" spcFirstLastPara="1" rIns="91425" wrap="square" tIns="91425">
             <a:normAutofit/>
           </a:bodyPr>
           <a:lstStyle/>
           <a:p>
-            <a:pPr marL="0" lvl="0" indent="0" algn="l" rtl="0">
+            <a:pPr indent="0" lvl="0" marL="0" rtl="0" algn="l">
               <a:spcBef>
                 <a:spcPts val="0"/>
               </a:spcBef>
@@ -10869,19 +10600,18 @@
 </file>
 
 <file path=ppt/slides/slide2.xml><?xml version="1.0" encoding="utf-8"?>
-<p:sld xmlns:a="http://schemas.openxmlformats.org/drawingml/2006/main" xmlns:r="http://schemas.openxmlformats.org/officeDocument/2006/relationships" xmlns:p="http://schemas.openxmlformats.org/presentationml/2006/main">
+<p:sld xmlns:a="http://schemas.openxmlformats.org/drawingml/2006/main" xmlns:r="http://schemas.openxmlformats.org/officeDocument/2006/relationships" xmlns:mc="http://schemas.openxmlformats.org/markup-compatibility/2006" xmlns:mv="urn:schemas-microsoft-com:mac:vml" xmlns:p="http://schemas.openxmlformats.org/presentationml/2006/main" xmlns:c="http://schemas.openxmlformats.org/drawingml/2006/chart" xmlns:dgm="http://schemas.openxmlformats.org/drawingml/2006/diagram" xmlns:o="urn:schemas-microsoft-com:office:office" xmlns:v="urn:schemas-microsoft-com:vml" xmlns:pvml="urn:schemas-microsoft-com:office:powerpoint" xmlns:com="http://schemas.openxmlformats.org/drawingml/2006/compatibility" xmlns:p14="http://schemas.microsoft.com/office/powerpoint/2010/main" xmlns:p15="http://schemas.microsoft.com/office/powerpoint/2012/main" xmlns:ahyp="http://schemas.microsoft.com/office/drawing/2018/hyperlinkcolor">
   <p:cSld>
     <p:bg>
       <p:bgPr>
         <a:solidFill>
           <a:srgbClr val="FFF2CC"/>
         </a:solidFill>
-        <a:effectLst/>
       </p:bgPr>
     </p:bg>
     <p:spTree>
       <p:nvGrpSpPr>
-        <p:cNvPr id="1" name="Shape 60"/>
+        <p:cNvPr id="60" name="Shape 60"/>
         <p:cNvGrpSpPr/>
         <p:nvPr/>
       </p:nvGrpSpPr>
@@ -10896,9 +10626,7 @@
       <p:sp>
         <p:nvSpPr>
           <p:cNvPr id="61" name="Google Shape;61;p14"/>
-          <p:cNvSpPr txBox="1">
-            <a:spLocks noGrp="1"/>
-          </p:cNvSpPr>
+          <p:cNvSpPr txBox="1"/>
           <p:nvPr>
             <p:ph type="title"/>
           </p:nvPr>
@@ -10913,12 +10641,12 @@
           </a:prstGeom>
         </p:spPr>
         <p:txBody>
-          <a:bodyPr spcFirstLastPara="1" wrap="square" lIns="91425" tIns="91425" rIns="91425" bIns="91425" anchor="t" anchorCtr="0">
+          <a:bodyPr anchorCtr="0" anchor="t" bIns="91425" lIns="91425" spcFirstLastPara="1" rIns="91425" wrap="square" tIns="91425">
             <a:normAutofit fontScale="90000"/>
           </a:bodyPr>
           <a:lstStyle/>
           <a:p>
-            <a:pPr marL="0" lvl="0" indent="0" algn="l" rtl="0">
+            <a:pPr indent="0" lvl="0" marL="0" rtl="0" algn="l">
               <a:spcBef>
                 <a:spcPts val="0"/>
               </a:spcBef>
@@ -10946,11 +10674,9 @@
       <p:sp>
         <p:nvSpPr>
           <p:cNvPr id="62" name="Google Shape;62;p14"/>
-          <p:cNvSpPr txBox="1">
-            <a:spLocks noGrp="1"/>
-          </p:cNvSpPr>
-          <p:nvPr>
-            <p:ph type="body" idx="1"/>
+          <p:cNvSpPr txBox="1"/>
+          <p:nvPr>
+            <p:ph idx="1" type="body"/>
           </p:nvPr>
         </p:nvSpPr>
         <p:spPr>
@@ -10963,12 +10689,12 @@
           </a:prstGeom>
         </p:spPr>
         <p:txBody>
-          <a:bodyPr spcFirstLastPara="1" wrap="square" lIns="91425" tIns="91425" rIns="91425" bIns="91425" anchor="t" anchorCtr="0">
+          <a:bodyPr anchorCtr="0" anchor="t" bIns="91425" lIns="91425" spcFirstLastPara="1" rIns="91425" wrap="square" tIns="91425">
             <a:normAutofit lnSpcReduction="20000"/>
           </a:bodyPr>
           <a:lstStyle/>
           <a:p>
-            <a:pPr marL="0" lvl="0" indent="0" algn="l" rtl="0">
+            <a:pPr indent="0" lvl="0" marL="0" rtl="0" algn="l">
               <a:spcBef>
                 <a:spcPts val="0"/>
               </a:spcBef>
@@ -10983,7 +10709,15 @@
                   <a:srgbClr val="0000FF"/>
                 </a:solidFill>
               </a:rPr>
-              <a:t>Rust is a modern systems programming language developed by the Mozilla Corporation. It is intended to be a language for highly concurrent and highly secure systems. It compiles to native code; hence, it is blazingly fast like C and C++. It also is a multi-paradigm with being designed general-purpose programming language for without performance penalties, and concurrency safety.</a:t>
+              <a:t>Rust is a modern systems programming language developed by the Mozilla Corporation. It is intended to be a language for highly concurrent and highly secure systems. It compiles to native code; hence, it is blazingly fast like C and C++. It also is a multi-paradigm with being designed general-purpose programming language for </a:t>
+            </a:r>
+            <a:r>
+              <a:rPr lang="en">
+                <a:solidFill>
+                  <a:srgbClr val="0000FF"/>
+                </a:solidFill>
+              </a:rPr>
+              <a:t>without performance penalties, and concurrency safety.</a:t>
             </a:r>
             <a:endParaRPr>
               <a:solidFill>
@@ -10992,7 +10726,7 @@
             </a:endParaRPr>
           </a:p>
           <a:p>
-            <a:pPr marL="457200" lvl="0" indent="-342900" algn="l" rtl="0">
+            <a:pPr indent="-342900" lvl="0" marL="457200" rtl="0" algn="l">
               <a:spcBef>
                 <a:spcPts val="1200"/>
               </a:spcBef>
@@ -11020,7 +10754,7 @@
             </a:endParaRPr>
           </a:p>
           <a:p>
-            <a:pPr marL="457200" lvl="0" indent="-342900" algn="l" rtl="0">
+            <a:pPr indent="-342900" lvl="0" marL="457200" rtl="0" algn="l">
               <a:spcBef>
                 <a:spcPts val="0"/>
               </a:spcBef>
@@ -11048,7 +10782,7 @@
             </a:endParaRPr>
           </a:p>
           <a:p>
-            <a:pPr marL="457200" lvl="0" indent="-342900" algn="l" rtl="0">
+            <a:pPr indent="-342900" lvl="0" marL="457200" rtl="0" algn="l">
               <a:spcBef>
                 <a:spcPts val="0"/>
               </a:spcBef>
@@ -11076,7 +10810,7 @@
             </a:endParaRPr>
           </a:p>
           <a:p>
-            <a:pPr marL="457200" lvl="0" indent="-342900" algn="l" rtl="0">
+            <a:pPr indent="-342900" lvl="0" marL="457200" rtl="0" algn="l">
               <a:spcBef>
                 <a:spcPts val="0"/>
               </a:spcBef>
@@ -11114,11 +10848,11 @@
 </file>
 
 <file path=ppt/slides/slide20.xml><?xml version="1.0" encoding="utf-8"?>
-<p:sld xmlns:a="http://schemas.openxmlformats.org/drawingml/2006/main" xmlns:r="http://schemas.openxmlformats.org/officeDocument/2006/relationships" xmlns:p="http://schemas.openxmlformats.org/presentationml/2006/main">
+<p:sld xmlns:a="http://schemas.openxmlformats.org/drawingml/2006/main" xmlns:r="http://schemas.openxmlformats.org/officeDocument/2006/relationships" xmlns:mc="http://schemas.openxmlformats.org/markup-compatibility/2006" xmlns:mv="urn:schemas-microsoft-com:mac:vml" xmlns:p="http://schemas.openxmlformats.org/presentationml/2006/main" xmlns:c="http://schemas.openxmlformats.org/drawingml/2006/chart" xmlns:dgm="http://schemas.openxmlformats.org/drawingml/2006/diagram" xmlns:o="urn:schemas-microsoft-com:office:office" xmlns:v="urn:schemas-microsoft-com:vml" xmlns:pvml="urn:schemas-microsoft-com:office:powerpoint" xmlns:com="http://schemas.openxmlformats.org/drawingml/2006/compatibility" xmlns:p14="http://schemas.microsoft.com/office/powerpoint/2010/main" xmlns:p15="http://schemas.microsoft.com/office/powerpoint/2012/main" xmlns:ahyp="http://schemas.microsoft.com/office/drawing/2018/hyperlinkcolor">
   <p:cSld>
     <p:spTree>
       <p:nvGrpSpPr>
-        <p:cNvPr id="1" name="Shape 208"/>
+        <p:cNvPr id="208" name="Shape 208"/>
         <p:cNvGrpSpPr/>
         <p:nvPr/>
       </p:nvGrpSpPr>
@@ -11133,9 +10867,7 @@
       <p:sp>
         <p:nvSpPr>
           <p:cNvPr id="209" name="Google Shape;209;p32"/>
-          <p:cNvSpPr txBox="1">
-            <a:spLocks noGrp="1"/>
-          </p:cNvSpPr>
+          <p:cNvSpPr txBox="1"/>
           <p:nvPr>
             <p:ph type="title"/>
           </p:nvPr>
@@ -11150,22 +10882,22 @@
           </a:prstGeom>
         </p:spPr>
         <p:txBody>
-          <a:bodyPr spcFirstLastPara="1" wrap="square" lIns="91425" tIns="91425" rIns="91425" bIns="91425" anchor="t" anchorCtr="0">
+          <a:bodyPr anchorCtr="0" anchor="t" bIns="91425" lIns="91425" spcFirstLastPara="1" rIns="91425" wrap="square" tIns="91425">
             <a:normAutofit fontScale="90000"/>
           </a:bodyPr>
           <a:lstStyle/>
           <a:p>
-            <a:pPr marL="0" lvl="0" indent="0" algn="l" rtl="0">
-              <a:spcBef>
-                <a:spcPts val="0"/>
-              </a:spcBef>
-              <a:spcAft>
-                <a:spcPts val="0"/>
-              </a:spcAft>
-              <a:buNone/>
-            </a:pPr>
-            <a:r>
-              <a:rPr lang="en" b="1">
+            <a:pPr indent="0" lvl="0" marL="0" rtl="0" algn="l">
+              <a:spcBef>
+                <a:spcPts val="0"/>
+              </a:spcBef>
+              <a:spcAft>
+                <a:spcPts val="0"/>
+              </a:spcAft>
+              <a:buNone/>
+            </a:pPr>
+            <a:r>
+              <a:rPr b="1" lang="en">
                 <a:highlight>
                   <a:srgbClr val="073763"/>
                 </a:highlight>
@@ -11183,11 +10915,9 @@
       <p:sp>
         <p:nvSpPr>
           <p:cNvPr id="210" name="Google Shape;210;p32"/>
-          <p:cNvSpPr txBox="1">
-            <a:spLocks noGrp="1"/>
-          </p:cNvSpPr>
-          <p:nvPr>
-            <p:ph type="body" idx="1"/>
+          <p:cNvSpPr txBox="1"/>
+          <p:nvPr>
+            <p:ph idx="1" type="body"/>
           </p:nvPr>
         </p:nvSpPr>
         <p:spPr>
@@ -11200,12 +10930,12 @@
           </a:prstGeom>
         </p:spPr>
         <p:txBody>
-          <a:bodyPr spcFirstLastPara="1" wrap="square" lIns="91425" tIns="91425" rIns="91425" bIns="91425" anchor="t" anchorCtr="0">
+          <a:bodyPr anchorCtr="0" anchor="t" bIns="91425" lIns="91425" spcFirstLastPara="1" rIns="91425" wrap="square" tIns="91425">
             <a:normAutofit/>
           </a:bodyPr>
           <a:lstStyle/>
           <a:p>
-            <a:pPr marL="0" lvl="0" indent="0" algn="l" rtl="0">
+            <a:pPr indent="0" lvl="0" marL="0" rtl="0" algn="l">
               <a:spcBef>
                 <a:spcPts val="0"/>
               </a:spcBef>
@@ -11287,11 +11017,11 @@
 </file>
 
 <file path=ppt/slides/slide21.xml><?xml version="1.0" encoding="utf-8"?>
-<p:sld xmlns:a="http://schemas.openxmlformats.org/drawingml/2006/main" xmlns:r="http://schemas.openxmlformats.org/officeDocument/2006/relationships" xmlns:p="http://schemas.openxmlformats.org/presentationml/2006/main">
+<p:sld xmlns:a="http://schemas.openxmlformats.org/drawingml/2006/main" xmlns:r="http://schemas.openxmlformats.org/officeDocument/2006/relationships" xmlns:mc="http://schemas.openxmlformats.org/markup-compatibility/2006" xmlns:mv="urn:schemas-microsoft-com:mac:vml" xmlns:p="http://schemas.openxmlformats.org/presentationml/2006/main" xmlns:c="http://schemas.openxmlformats.org/drawingml/2006/chart" xmlns:dgm="http://schemas.openxmlformats.org/drawingml/2006/diagram" xmlns:o="urn:schemas-microsoft-com:office:office" xmlns:v="urn:schemas-microsoft-com:vml" xmlns:pvml="urn:schemas-microsoft-com:office:powerpoint" xmlns:com="http://schemas.openxmlformats.org/drawingml/2006/compatibility" xmlns:p14="http://schemas.microsoft.com/office/powerpoint/2010/main" xmlns:p15="http://schemas.microsoft.com/office/powerpoint/2012/main" xmlns:ahyp="http://schemas.microsoft.com/office/drawing/2018/hyperlinkcolor">
   <p:cSld>
     <p:spTree>
       <p:nvGrpSpPr>
-        <p:cNvPr id="1" name="Shape 216"/>
+        <p:cNvPr id="216" name="Shape 216"/>
         <p:cNvGrpSpPr/>
         <p:nvPr/>
       </p:nvGrpSpPr>
@@ -11306,9 +11036,7 @@
       <p:sp>
         <p:nvSpPr>
           <p:cNvPr id="217" name="Google Shape;217;p33"/>
-          <p:cNvSpPr txBox="1">
-            <a:spLocks noGrp="1"/>
-          </p:cNvSpPr>
+          <p:cNvSpPr txBox="1"/>
           <p:nvPr>
             <p:ph type="title"/>
           </p:nvPr>
@@ -11323,12 +11051,12 @@
           </a:prstGeom>
         </p:spPr>
         <p:txBody>
-          <a:bodyPr spcFirstLastPara="1" wrap="square" lIns="91425" tIns="91425" rIns="91425" bIns="91425" anchor="t" anchorCtr="0">
+          <a:bodyPr anchorCtr="0" anchor="t" bIns="91425" lIns="91425" spcFirstLastPara="1" rIns="91425" wrap="square" tIns="91425">
             <a:normAutofit fontScale="90000"/>
           </a:bodyPr>
           <a:lstStyle/>
           <a:p>
-            <a:pPr marL="0" lvl="0" indent="0" algn="l" rtl="0">
+            <a:pPr indent="0" lvl="0" marL="0" rtl="0" algn="l">
               <a:spcBef>
                 <a:spcPts val="0"/>
               </a:spcBef>
@@ -11410,11 +11138,11 @@
 </file>
 
 <file path=ppt/slides/slide22.xml><?xml version="1.0" encoding="utf-8"?>
-<p:sld xmlns:a="http://schemas.openxmlformats.org/drawingml/2006/main" xmlns:r="http://schemas.openxmlformats.org/officeDocument/2006/relationships" xmlns:p="http://schemas.openxmlformats.org/presentationml/2006/main">
+<p:sld xmlns:a="http://schemas.openxmlformats.org/drawingml/2006/main" xmlns:r="http://schemas.openxmlformats.org/officeDocument/2006/relationships" xmlns:mc="http://schemas.openxmlformats.org/markup-compatibility/2006" xmlns:mv="urn:schemas-microsoft-com:mac:vml" xmlns:p="http://schemas.openxmlformats.org/presentationml/2006/main" xmlns:c="http://schemas.openxmlformats.org/drawingml/2006/chart" xmlns:dgm="http://schemas.openxmlformats.org/drawingml/2006/diagram" xmlns:o="urn:schemas-microsoft-com:office:office" xmlns:v="urn:schemas-microsoft-com:vml" xmlns:pvml="urn:schemas-microsoft-com:office:powerpoint" xmlns:com="http://schemas.openxmlformats.org/drawingml/2006/compatibility" xmlns:p14="http://schemas.microsoft.com/office/powerpoint/2010/main" xmlns:p15="http://schemas.microsoft.com/office/powerpoint/2012/main" xmlns:ahyp="http://schemas.microsoft.com/office/drawing/2018/hyperlinkcolor">
   <p:cSld>
     <p:spTree>
       <p:nvGrpSpPr>
-        <p:cNvPr id="1" name="Shape 223"/>
+        <p:cNvPr id="223" name="Shape 223"/>
         <p:cNvGrpSpPr/>
         <p:nvPr/>
       </p:nvGrpSpPr>
@@ -11429,9 +11157,7 @@
       <p:sp>
         <p:nvSpPr>
           <p:cNvPr id="224" name="Google Shape;224;p34"/>
-          <p:cNvSpPr txBox="1">
-            <a:spLocks noGrp="1"/>
-          </p:cNvSpPr>
+          <p:cNvSpPr txBox="1"/>
           <p:nvPr>
             <p:ph type="title"/>
           </p:nvPr>
@@ -11446,12 +11172,12 @@
           </a:prstGeom>
         </p:spPr>
         <p:txBody>
-          <a:bodyPr spcFirstLastPara="1" wrap="square" lIns="91425" tIns="91425" rIns="91425" bIns="91425" anchor="t" anchorCtr="0">
+          <a:bodyPr anchorCtr="0" anchor="t" bIns="91425" lIns="91425" spcFirstLastPara="1" rIns="91425" wrap="square" tIns="91425">
             <a:normAutofit fontScale="90000"/>
           </a:bodyPr>
           <a:lstStyle/>
           <a:p>
-            <a:pPr marL="0" lvl="0" indent="0" algn="l" rtl="0">
+            <a:pPr indent="0" lvl="0" marL="0" rtl="0" algn="l">
               <a:spcBef>
                 <a:spcPts val="0"/>
               </a:spcBef>
@@ -11527,9 +11253,7 @@
       <p:sp>
         <p:nvSpPr>
           <p:cNvPr id="227" name="Google Shape;227;p34"/>
-          <p:cNvSpPr txBox="1">
-            <a:spLocks noGrp="1"/>
-          </p:cNvSpPr>
+          <p:cNvSpPr txBox="1"/>
           <p:nvPr>
             <p:ph type="title"/>
           </p:nvPr>
@@ -11544,12 +11268,12 @@
           </a:prstGeom>
         </p:spPr>
         <p:txBody>
-          <a:bodyPr spcFirstLastPara="1" wrap="square" lIns="91425" tIns="91425" rIns="91425" bIns="91425" anchor="t" anchorCtr="0">
+          <a:bodyPr anchorCtr="0" anchor="t" bIns="91425" lIns="91425" spcFirstLastPara="1" rIns="91425" wrap="square" tIns="91425">
             <a:normAutofit fontScale="90000"/>
           </a:bodyPr>
           <a:lstStyle/>
           <a:p>
-            <a:pPr marL="0" lvl="0" indent="0" algn="l" rtl="0">
+            <a:pPr indent="0" lvl="0" marL="0" rtl="0" algn="l">
               <a:spcBef>
                 <a:spcPts val="0"/>
               </a:spcBef>
@@ -11575,11 +11299,11 @@
 </file>
 
 <file path=ppt/slides/slide23.xml><?xml version="1.0" encoding="utf-8"?>
-<p:sld xmlns:a="http://schemas.openxmlformats.org/drawingml/2006/main" xmlns:r="http://schemas.openxmlformats.org/officeDocument/2006/relationships" xmlns:p="http://schemas.openxmlformats.org/presentationml/2006/main">
+<p:sld xmlns:a="http://schemas.openxmlformats.org/drawingml/2006/main" xmlns:r="http://schemas.openxmlformats.org/officeDocument/2006/relationships" xmlns:mc="http://schemas.openxmlformats.org/markup-compatibility/2006" xmlns:mv="urn:schemas-microsoft-com:mac:vml" xmlns:p="http://schemas.openxmlformats.org/presentationml/2006/main" xmlns:c="http://schemas.openxmlformats.org/drawingml/2006/chart" xmlns:dgm="http://schemas.openxmlformats.org/drawingml/2006/diagram" xmlns:o="urn:schemas-microsoft-com:office:office" xmlns:v="urn:schemas-microsoft-com:vml" xmlns:pvml="urn:schemas-microsoft-com:office:powerpoint" xmlns:com="http://schemas.openxmlformats.org/drawingml/2006/compatibility" xmlns:p14="http://schemas.microsoft.com/office/powerpoint/2010/main" xmlns:p15="http://schemas.microsoft.com/office/powerpoint/2012/main" xmlns:ahyp="http://schemas.microsoft.com/office/drawing/2018/hyperlinkcolor">
   <p:cSld>
     <p:spTree>
       <p:nvGrpSpPr>
-        <p:cNvPr id="1" name="Shape 231"/>
+        <p:cNvPr id="231" name="Shape 231"/>
         <p:cNvGrpSpPr/>
         <p:nvPr/>
       </p:nvGrpSpPr>
@@ -11594,9 +11318,7 @@
       <p:sp>
         <p:nvSpPr>
           <p:cNvPr id="232" name="Google Shape;232;p35"/>
-          <p:cNvSpPr txBox="1">
-            <a:spLocks noGrp="1"/>
-          </p:cNvSpPr>
+          <p:cNvSpPr txBox="1"/>
           <p:nvPr>
             <p:ph type="title"/>
           </p:nvPr>
@@ -11611,12 +11333,12 @@
           </a:prstGeom>
         </p:spPr>
         <p:txBody>
-          <a:bodyPr spcFirstLastPara="1" wrap="square" lIns="91425" tIns="91425" rIns="91425" bIns="91425" anchor="t" anchorCtr="0">
+          <a:bodyPr anchorCtr="0" anchor="t" bIns="91425" lIns="91425" spcFirstLastPara="1" rIns="91425" wrap="square" tIns="91425">
             <a:normAutofit fontScale="90000"/>
           </a:bodyPr>
           <a:lstStyle/>
           <a:p>
-            <a:pPr marL="0" lvl="0" indent="0" algn="l" rtl="0">
+            <a:pPr indent="0" lvl="0" marL="0" rtl="0" algn="l">
               <a:spcBef>
                 <a:spcPts val="0"/>
               </a:spcBef>
@@ -11670,11 +11392,11 @@
 </file>
 
 <file path=ppt/slides/slide24.xml><?xml version="1.0" encoding="utf-8"?>
-<p:sld xmlns:a="http://schemas.openxmlformats.org/drawingml/2006/main" xmlns:r="http://schemas.openxmlformats.org/officeDocument/2006/relationships" xmlns:p="http://schemas.openxmlformats.org/presentationml/2006/main">
+<p:sld xmlns:a="http://schemas.openxmlformats.org/drawingml/2006/main" xmlns:r="http://schemas.openxmlformats.org/officeDocument/2006/relationships" xmlns:mc="http://schemas.openxmlformats.org/markup-compatibility/2006" xmlns:mv="urn:schemas-microsoft-com:mac:vml" xmlns:p="http://schemas.openxmlformats.org/presentationml/2006/main" xmlns:c="http://schemas.openxmlformats.org/drawingml/2006/chart" xmlns:dgm="http://schemas.openxmlformats.org/drawingml/2006/diagram" xmlns:o="urn:schemas-microsoft-com:office:office" xmlns:v="urn:schemas-microsoft-com:vml" xmlns:pvml="urn:schemas-microsoft-com:office:powerpoint" xmlns:com="http://schemas.openxmlformats.org/drawingml/2006/compatibility" xmlns:p14="http://schemas.microsoft.com/office/powerpoint/2010/main" xmlns:p15="http://schemas.microsoft.com/office/powerpoint/2012/main" xmlns:ahyp="http://schemas.microsoft.com/office/drawing/2018/hyperlinkcolor">
   <p:cSld>
     <p:spTree>
       <p:nvGrpSpPr>
-        <p:cNvPr id="1" name="Shape 237"/>
+        <p:cNvPr id="237" name="Shape 237"/>
         <p:cNvGrpSpPr/>
         <p:nvPr/>
       </p:nvGrpSpPr>
@@ -11689,9 +11411,7 @@
       <p:sp>
         <p:nvSpPr>
           <p:cNvPr id="238" name="Google Shape;238;p36"/>
-          <p:cNvSpPr txBox="1">
-            <a:spLocks noGrp="1"/>
-          </p:cNvSpPr>
+          <p:cNvSpPr txBox="1"/>
           <p:nvPr>
             <p:ph type="title"/>
           </p:nvPr>
@@ -11706,12 +11426,12 @@
           </a:prstGeom>
         </p:spPr>
         <p:txBody>
-          <a:bodyPr spcFirstLastPara="1" wrap="square" lIns="91425" tIns="91425" rIns="91425" bIns="91425" anchor="t" anchorCtr="0">
+          <a:bodyPr anchorCtr="0" anchor="t" bIns="91425" lIns="91425" spcFirstLastPara="1" rIns="91425" wrap="square" tIns="91425">
             <a:normAutofit fontScale="90000"/>
           </a:bodyPr>
           <a:lstStyle/>
           <a:p>
-            <a:pPr marL="0" lvl="0" indent="0" algn="l" rtl="0">
+            <a:pPr indent="0" lvl="0" marL="0" rtl="0" algn="l">
               <a:spcBef>
                 <a:spcPts val="0"/>
               </a:spcBef>
@@ -11731,11 +11451,9 @@
       <p:sp>
         <p:nvSpPr>
           <p:cNvPr id="239" name="Google Shape;239;p36"/>
-          <p:cNvSpPr txBox="1">
-            <a:spLocks noGrp="1"/>
-          </p:cNvSpPr>
-          <p:nvPr>
-            <p:ph type="body" idx="1"/>
+          <p:cNvSpPr txBox="1"/>
+          <p:nvPr>
+            <p:ph idx="1" type="body"/>
           </p:nvPr>
         </p:nvSpPr>
         <p:spPr>
@@ -11748,12 +11466,12 @@
           </a:prstGeom>
         </p:spPr>
         <p:txBody>
-          <a:bodyPr spcFirstLastPara="1" wrap="square" lIns="91425" tIns="91425" rIns="91425" bIns="91425" anchor="t" anchorCtr="0">
+          <a:bodyPr anchorCtr="0" anchor="t" bIns="91425" lIns="91425" spcFirstLastPara="1" rIns="91425" wrap="square" tIns="91425">
             <a:normAutofit/>
           </a:bodyPr>
           <a:lstStyle/>
           <a:p>
-            <a:pPr marL="457200" lvl="0" indent="-342900" algn="l" rtl="0">
+            <a:pPr indent="-342900" lvl="0" marL="457200" rtl="0" algn="l">
               <a:spcBef>
                 <a:spcPts val="0"/>
               </a:spcBef>
@@ -11770,7 +11488,7 @@
             <a:endParaRPr/>
           </a:p>
           <a:p>
-            <a:pPr marL="457200" lvl="0" indent="-342900" algn="l" rtl="0">
+            <a:pPr indent="-342900" lvl="0" marL="457200" rtl="0" algn="l">
               <a:spcBef>
                 <a:spcPts val="0"/>
               </a:spcBef>
@@ -11825,11 +11543,11 @@
 </file>
 
 <file path=ppt/slides/slide25.xml><?xml version="1.0" encoding="utf-8"?>
-<p:sld xmlns:a="http://schemas.openxmlformats.org/drawingml/2006/main" xmlns:r="http://schemas.openxmlformats.org/officeDocument/2006/relationships" xmlns:p="http://schemas.openxmlformats.org/presentationml/2006/main">
+<p:sld xmlns:a="http://schemas.openxmlformats.org/drawingml/2006/main" xmlns:r="http://schemas.openxmlformats.org/officeDocument/2006/relationships" xmlns:mc="http://schemas.openxmlformats.org/markup-compatibility/2006" xmlns:mv="urn:schemas-microsoft-com:mac:vml" xmlns:p="http://schemas.openxmlformats.org/presentationml/2006/main" xmlns:c="http://schemas.openxmlformats.org/drawingml/2006/chart" xmlns:dgm="http://schemas.openxmlformats.org/drawingml/2006/diagram" xmlns:o="urn:schemas-microsoft-com:office:office" xmlns:v="urn:schemas-microsoft-com:vml" xmlns:pvml="urn:schemas-microsoft-com:office:powerpoint" xmlns:com="http://schemas.openxmlformats.org/drawingml/2006/compatibility" xmlns:p14="http://schemas.microsoft.com/office/powerpoint/2010/main" xmlns:p15="http://schemas.microsoft.com/office/powerpoint/2012/main" xmlns:ahyp="http://schemas.microsoft.com/office/drawing/2018/hyperlinkcolor">
   <p:cSld>
     <p:spTree>
       <p:nvGrpSpPr>
-        <p:cNvPr id="1" name="Shape 244"/>
+        <p:cNvPr id="244" name="Shape 244"/>
         <p:cNvGrpSpPr/>
         <p:nvPr/>
       </p:nvGrpSpPr>
@@ -11844,9 +11562,7 @@
       <p:sp>
         <p:nvSpPr>
           <p:cNvPr id="245" name="Google Shape;245;p37"/>
-          <p:cNvSpPr txBox="1">
-            <a:spLocks noGrp="1"/>
-          </p:cNvSpPr>
+          <p:cNvSpPr txBox="1"/>
           <p:nvPr>
             <p:ph type="title"/>
           </p:nvPr>
@@ -11861,12 +11577,12 @@
           </a:prstGeom>
         </p:spPr>
         <p:txBody>
-          <a:bodyPr spcFirstLastPara="1" wrap="square" lIns="91425" tIns="91425" rIns="91425" bIns="91425" anchor="t" anchorCtr="0">
+          <a:bodyPr anchorCtr="0" anchor="t" bIns="91425" lIns="91425" spcFirstLastPara="1" rIns="91425" wrap="square" tIns="91425">
             <a:normAutofit fontScale="90000"/>
           </a:bodyPr>
           <a:lstStyle/>
           <a:p>
-            <a:pPr marL="0" lvl="0" indent="0" algn="l" rtl="0">
+            <a:pPr indent="0" lvl="0" marL="0" rtl="0" algn="l">
               <a:spcBef>
                 <a:spcPts val="0"/>
               </a:spcBef>
@@ -11886,11 +11602,9 @@
       <p:sp>
         <p:nvSpPr>
           <p:cNvPr id="246" name="Google Shape;246;p37"/>
-          <p:cNvSpPr txBox="1">
-            <a:spLocks noGrp="1"/>
-          </p:cNvSpPr>
-          <p:nvPr>
-            <p:ph type="body" idx="1"/>
+          <p:cNvSpPr txBox="1"/>
+          <p:nvPr>
+            <p:ph idx="1" type="body"/>
           </p:nvPr>
         </p:nvSpPr>
         <p:spPr>
@@ -11903,12 +11617,12 @@
           </a:prstGeom>
         </p:spPr>
         <p:txBody>
-          <a:bodyPr spcFirstLastPara="1" wrap="square" lIns="91425" tIns="91425" rIns="91425" bIns="91425" anchor="t" anchorCtr="0">
+          <a:bodyPr anchorCtr="0" anchor="t" bIns="91425" lIns="91425" spcFirstLastPara="1" rIns="91425" wrap="square" tIns="91425">
             <a:normAutofit/>
           </a:bodyPr>
           <a:lstStyle/>
           <a:p>
-            <a:pPr marL="0" lvl="0" indent="0" algn="l" rtl="0">
+            <a:pPr indent="0" lvl="0" marL="0" rtl="0" algn="l">
               <a:spcBef>
                 <a:spcPts val="0"/>
               </a:spcBef>
@@ -11990,11 +11704,11 @@
 </file>
 
 <file path=ppt/slides/slide26.xml><?xml version="1.0" encoding="utf-8"?>
-<p:sld xmlns:a="http://schemas.openxmlformats.org/drawingml/2006/main" xmlns:r="http://schemas.openxmlformats.org/officeDocument/2006/relationships" xmlns:p="http://schemas.openxmlformats.org/presentationml/2006/main">
+<p:sld xmlns:a="http://schemas.openxmlformats.org/drawingml/2006/main" xmlns:r="http://schemas.openxmlformats.org/officeDocument/2006/relationships" xmlns:mc="http://schemas.openxmlformats.org/markup-compatibility/2006" xmlns:mv="urn:schemas-microsoft-com:mac:vml" xmlns:p="http://schemas.openxmlformats.org/presentationml/2006/main" xmlns:c="http://schemas.openxmlformats.org/drawingml/2006/chart" xmlns:dgm="http://schemas.openxmlformats.org/drawingml/2006/diagram" xmlns:o="urn:schemas-microsoft-com:office:office" xmlns:v="urn:schemas-microsoft-com:vml" xmlns:pvml="urn:schemas-microsoft-com:office:powerpoint" xmlns:com="http://schemas.openxmlformats.org/drawingml/2006/compatibility" xmlns:p14="http://schemas.microsoft.com/office/powerpoint/2010/main" xmlns:p15="http://schemas.microsoft.com/office/powerpoint/2012/main" xmlns:ahyp="http://schemas.microsoft.com/office/drawing/2018/hyperlinkcolor">
   <p:cSld>
     <p:spTree>
       <p:nvGrpSpPr>
-        <p:cNvPr id="1" name="Shape 252"/>
+        <p:cNvPr id="252" name="Shape 252"/>
         <p:cNvGrpSpPr/>
         <p:nvPr/>
       </p:nvGrpSpPr>
@@ -12009,9 +11723,7 @@
       <p:sp>
         <p:nvSpPr>
           <p:cNvPr id="253" name="Google Shape;253;p38"/>
-          <p:cNvSpPr txBox="1">
-            <a:spLocks noGrp="1"/>
-          </p:cNvSpPr>
+          <p:cNvSpPr txBox="1"/>
           <p:nvPr>
             <p:ph type="title"/>
           </p:nvPr>
@@ -12026,12 +11738,12 @@
           </a:prstGeom>
         </p:spPr>
         <p:txBody>
-          <a:bodyPr spcFirstLastPara="1" wrap="square" lIns="91425" tIns="91425" rIns="91425" bIns="91425" anchor="t" anchorCtr="0">
+          <a:bodyPr anchorCtr="0" anchor="t" bIns="91425" lIns="91425" spcFirstLastPara="1" rIns="91425" wrap="square" tIns="91425">
             <a:normAutofit fontScale="90000"/>
           </a:bodyPr>
           <a:lstStyle/>
           <a:p>
-            <a:pPr marL="0" lvl="0" indent="0" algn="l" rtl="0">
+            <a:pPr indent="0" lvl="0" marL="0" rtl="0" algn="l">
               <a:spcBef>
                 <a:spcPts val="0"/>
               </a:spcBef>
@@ -12051,11 +11763,9 @@
       <p:sp>
         <p:nvSpPr>
           <p:cNvPr id="254" name="Google Shape;254;p38"/>
-          <p:cNvSpPr txBox="1">
-            <a:spLocks noGrp="1"/>
-          </p:cNvSpPr>
-          <p:nvPr>
-            <p:ph type="body" idx="1"/>
+          <p:cNvSpPr txBox="1"/>
+          <p:nvPr>
+            <p:ph idx="1" type="body"/>
           </p:nvPr>
         </p:nvSpPr>
         <p:spPr>
@@ -12068,12 +11778,12 @@
           </a:prstGeom>
         </p:spPr>
         <p:txBody>
-          <a:bodyPr spcFirstLastPara="1" wrap="square" lIns="91425" tIns="91425" rIns="91425" bIns="91425" anchor="t" anchorCtr="0">
+          <a:bodyPr anchorCtr="0" anchor="t" bIns="91425" lIns="91425" spcFirstLastPara="1" rIns="91425" wrap="square" tIns="91425">
             <a:normAutofit/>
           </a:bodyPr>
           <a:lstStyle/>
           <a:p>
-            <a:pPr marL="457200" lvl="0" indent="-342900" algn="l" rtl="0">
+            <a:pPr indent="-342900" lvl="0" marL="457200" rtl="0" algn="l">
               <a:spcBef>
                 <a:spcPts val="0"/>
               </a:spcBef>
@@ -12099,7 +11809,7 @@
             <a:endParaRPr/>
           </a:p>
           <a:p>
-            <a:pPr marL="457200" lvl="0" indent="-342900" algn="l" rtl="0">
+            <a:pPr indent="-342900" lvl="0" marL="457200" rtl="0" algn="l">
               <a:spcBef>
                 <a:spcPts val="0"/>
               </a:spcBef>
@@ -12125,7 +11835,7 @@
             <a:endParaRPr/>
           </a:p>
           <a:p>
-            <a:pPr marL="0" lvl="0" indent="0" algn="l" rtl="0">
+            <a:pPr indent="0" lvl="0" marL="0" rtl="0" algn="l">
               <a:spcBef>
                 <a:spcPts val="1200"/>
               </a:spcBef>
@@ -12141,7 +11851,7 @@
             <a:endParaRPr/>
           </a:p>
           <a:p>
-            <a:pPr marL="0" lvl="0" indent="0" algn="l" rtl="0">
+            <a:pPr indent="0" lvl="0" marL="0" rtl="0" algn="l">
               <a:spcBef>
                 <a:spcPts val="1200"/>
               </a:spcBef>
@@ -12195,11 +11905,11 @@
 </file>
 
 <file path=ppt/slides/slide27.xml><?xml version="1.0" encoding="utf-8"?>
-<p:sld xmlns:a="http://schemas.openxmlformats.org/drawingml/2006/main" xmlns:r="http://schemas.openxmlformats.org/officeDocument/2006/relationships" xmlns:p="http://schemas.openxmlformats.org/presentationml/2006/main">
+<p:sld xmlns:a="http://schemas.openxmlformats.org/drawingml/2006/main" xmlns:r="http://schemas.openxmlformats.org/officeDocument/2006/relationships" xmlns:mc="http://schemas.openxmlformats.org/markup-compatibility/2006" xmlns:mv="urn:schemas-microsoft-com:mac:vml" xmlns:p="http://schemas.openxmlformats.org/presentationml/2006/main" xmlns:c="http://schemas.openxmlformats.org/drawingml/2006/chart" xmlns:dgm="http://schemas.openxmlformats.org/drawingml/2006/diagram" xmlns:o="urn:schemas-microsoft-com:office:office" xmlns:v="urn:schemas-microsoft-com:vml" xmlns:pvml="urn:schemas-microsoft-com:office:powerpoint" xmlns:com="http://schemas.openxmlformats.org/drawingml/2006/compatibility" xmlns:p14="http://schemas.microsoft.com/office/powerpoint/2010/main" xmlns:p15="http://schemas.microsoft.com/office/powerpoint/2012/main" xmlns:ahyp="http://schemas.microsoft.com/office/drawing/2018/hyperlinkcolor">
   <p:cSld>
     <p:spTree>
       <p:nvGrpSpPr>
-        <p:cNvPr id="1" name="Shape 259"/>
+        <p:cNvPr id="259" name="Shape 259"/>
         <p:cNvGrpSpPr/>
         <p:nvPr/>
       </p:nvGrpSpPr>
@@ -12214,9 +11924,7 @@
       <p:sp>
         <p:nvSpPr>
           <p:cNvPr id="260" name="Google Shape;260;p39"/>
-          <p:cNvSpPr txBox="1">
-            <a:spLocks noGrp="1"/>
-          </p:cNvSpPr>
+          <p:cNvSpPr txBox="1"/>
           <p:nvPr>
             <p:ph type="title"/>
           </p:nvPr>
@@ -12231,12 +11939,12 @@
           </a:prstGeom>
         </p:spPr>
         <p:txBody>
-          <a:bodyPr spcFirstLastPara="1" wrap="square" lIns="91425" tIns="91425" rIns="91425" bIns="91425" anchor="t" anchorCtr="0">
+          <a:bodyPr anchorCtr="0" anchor="t" bIns="91425" lIns="91425" spcFirstLastPara="1" rIns="91425" wrap="square" tIns="91425">
             <a:normAutofit fontScale="90000"/>
           </a:bodyPr>
           <a:lstStyle/>
           <a:p>
-            <a:pPr marL="0" lvl="0" indent="0" algn="ctr" rtl="0">
+            <a:pPr indent="0" lvl="0" marL="0" rtl="0" algn="ctr">
               <a:spcBef>
                 <a:spcPts val="0"/>
               </a:spcBef>
@@ -12256,11 +11964,9 @@
       <p:sp>
         <p:nvSpPr>
           <p:cNvPr id="261" name="Google Shape;261;p39"/>
-          <p:cNvSpPr txBox="1">
-            <a:spLocks noGrp="1"/>
-          </p:cNvSpPr>
-          <p:nvPr>
-            <p:ph type="body" idx="1"/>
+          <p:cNvSpPr txBox="1"/>
+          <p:nvPr>
+            <p:ph idx="1" type="body"/>
           </p:nvPr>
         </p:nvSpPr>
         <p:spPr>
@@ -12272,33 +11978,36 @@
             <a:avLst/>
           </a:prstGeom>
           <a:effectLst>
-            <a:outerShdw blurRad="57150" dist="19050" dir="5400000" algn="bl" rotWithShape="0">
+            <a:outerShdw blurRad="57150" rotWithShape="0" algn="bl" dir="5400000" dist="19050">
               <a:srgbClr val="000000">
                 <a:alpha val="50000"/>
               </a:srgbClr>
             </a:outerShdw>
-            <a:reflection dist="38100" dir="5400000" fadeDir="5400012" sy="-100000" algn="bl" rotWithShape="0"/>
+            <a:reflection blurRad="0" dir="5400000" dist="38100" endA="0" fadeDir="5400012" kx="0" rotWithShape="0" algn="bl" stPos="0" sy="-100000" ky="0"/>
           </a:effectLst>
         </p:spPr>
         <p:txBody>
-          <a:bodyPr spcFirstLastPara="1" wrap="square" lIns="91425" tIns="91425" rIns="91425" bIns="91425" anchor="t" anchorCtr="0">
+          <a:bodyPr anchorCtr="0" anchor="t" bIns="91425" lIns="91425" spcFirstLastPara="1" rIns="91425" wrap="square" tIns="91425">
             <a:normAutofit/>
           </a:bodyPr>
           <a:lstStyle/>
           <a:p>
-            <a:pPr marL="457200" lvl="0" indent="0" algn="l" rtl="0">
-              <a:spcBef>
-                <a:spcPts val="0"/>
-              </a:spcBef>
-              <a:spcAft>
-                <a:spcPts val="0"/>
-              </a:spcAft>
-              <a:buNone/>
-            </a:pPr>
+            <a:pPr indent="0" lvl="0" marL="457200" rtl="0" algn="l">
+              <a:spcBef>
+                <a:spcPts val="0"/>
+              </a:spcBef>
+              <a:spcAft>
+                <a:spcPts val="0"/>
+              </a:spcAft>
+              <a:buNone/>
+            </a:pPr>
+            <a:r>
+              <a:t/>
+            </a:r>
             <a:endParaRPr/>
           </a:p>
           <a:p>
-            <a:pPr marL="457200" lvl="0" indent="0" algn="l" rtl="0">
+            <a:pPr indent="0" lvl="0" marL="457200" rtl="0" algn="l">
               <a:spcBef>
                 <a:spcPts val="1200"/>
               </a:spcBef>
@@ -12307,10 +12016,13 @@
               </a:spcAft>
               <a:buNone/>
             </a:pPr>
+            <a:r>
+              <a:t/>
+            </a:r>
             <a:endParaRPr/>
           </a:p>
           <a:p>
-            <a:pPr marL="457200" lvl="0" indent="0" algn="l" rtl="0">
+            <a:pPr indent="0" lvl="0" marL="457200" rtl="0" algn="l">
               <a:spcBef>
                 <a:spcPts val="1200"/>
               </a:spcBef>
@@ -12319,10 +12031,13 @@
               </a:spcAft>
               <a:buNone/>
             </a:pPr>
+            <a:r>
+              <a:t/>
+            </a:r>
             <a:endParaRPr/>
           </a:p>
           <a:p>
-            <a:pPr marL="457200" lvl="0" indent="-342900" algn="l" rtl="0">
+            <a:pPr indent="-342900" lvl="0" marL="457200" rtl="0" algn="l">
               <a:spcBef>
                 <a:spcPts val="1200"/>
               </a:spcBef>
@@ -12339,7 +12054,7 @@
             <a:endParaRPr/>
           </a:p>
           <a:p>
-            <a:pPr marL="457200" lvl="0" indent="0" algn="l" rtl="0">
+            <a:pPr indent="0" lvl="0" marL="457200" rtl="0" algn="l">
               <a:spcBef>
                 <a:spcPts val="1200"/>
               </a:spcBef>
@@ -12355,7 +12070,7 @@
             <a:endParaRPr/>
           </a:p>
           <a:p>
-            <a:pPr marL="457200" lvl="0" indent="-342900" algn="l" rtl="0">
+            <a:pPr indent="-342900" lvl="0" marL="457200" rtl="0" algn="l">
               <a:spcBef>
                 <a:spcPts val="1200"/>
               </a:spcBef>
@@ -12372,7 +12087,7 @@
             <a:endParaRPr/>
           </a:p>
           <a:p>
-            <a:pPr marL="457200" lvl="0" indent="-342900" algn="l" rtl="0">
+            <a:pPr indent="-342900" lvl="0" marL="457200" rtl="0" algn="l">
               <a:spcBef>
                 <a:spcPts val="0"/>
               </a:spcBef>
@@ -12389,7 +12104,7 @@
             <a:endParaRPr/>
           </a:p>
           <a:p>
-            <a:pPr marL="457200" lvl="0" indent="-342900" algn="l" rtl="0">
+            <a:pPr indent="-342900" lvl="0" marL="457200" rtl="0" algn="l">
               <a:spcBef>
                 <a:spcPts val="0"/>
               </a:spcBef>
@@ -12401,12 +12116,20 @@
             </a:pPr>
             <a:r>
               <a:rPr lang="en"/>
-              <a:t>Use command ‘cargo run’.</a:t>
+              <a:t>Use </a:t>
+            </a:r>
+            <a:r>
+              <a:rPr lang="en"/>
+              <a:t>command </a:t>
+            </a:r>
+            <a:r>
+              <a:rPr lang="en"/>
+              <a:t>‘cargo run’.</a:t>
             </a:r>
             <a:endParaRPr/>
           </a:p>
           <a:p>
-            <a:pPr marL="0" lvl="0" indent="0" algn="l" rtl="0">
+            <a:pPr indent="0" lvl="0" marL="0" rtl="0" algn="l">
               <a:spcBef>
                 <a:spcPts val="1200"/>
               </a:spcBef>
@@ -12415,6 +12138,9 @@
               </a:spcAft>
               <a:buNone/>
             </a:pPr>
+            <a:r>
+              <a:t/>
+            </a:r>
             <a:endParaRPr/>
           </a:p>
         </p:txBody>
@@ -12456,11 +12182,11 @@
 </file>
 
 <file path=ppt/slides/slide28.xml><?xml version="1.0" encoding="utf-8"?>
-<p:sld xmlns:a="http://schemas.openxmlformats.org/drawingml/2006/main" xmlns:r="http://schemas.openxmlformats.org/officeDocument/2006/relationships" xmlns:p="http://schemas.openxmlformats.org/presentationml/2006/main">
+<p:sld xmlns:a="http://schemas.openxmlformats.org/drawingml/2006/main" xmlns:r="http://schemas.openxmlformats.org/officeDocument/2006/relationships" xmlns:mc="http://schemas.openxmlformats.org/markup-compatibility/2006" xmlns:mv="urn:schemas-microsoft-com:mac:vml" xmlns:p="http://schemas.openxmlformats.org/presentationml/2006/main" xmlns:c="http://schemas.openxmlformats.org/drawingml/2006/chart" xmlns:dgm="http://schemas.openxmlformats.org/drawingml/2006/diagram" xmlns:o="urn:schemas-microsoft-com:office:office" xmlns:v="urn:schemas-microsoft-com:vml" xmlns:pvml="urn:schemas-microsoft-com:office:powerpoint" xmlns:com="http://schemas.openxmlformats.org/drawingml/2006/compatibility" xmlns:p14="http://schemas.microsoft.com/office/powerpoint/2010/main" xmlns:p15="http://schemas.microsoft.com/office/powerpoint/2012/main" xmlns:ahyp="http://schemas.microsoft.com/office/drawing/2018/hyperlinkcolor">
   <p:cSld>
     <p:spTree>
       <p:nvGrpSpPr>
-        <p:cNvPr id="1" name="Shape 266"/>
+        <p:cNvPr id="266" name="Shape 266"/>
         <p:cNvGrpSpPr/>
         <p:nvPr/>
       </p:nvGrpSpPr>
@@ -12475,9 +12201,7 @@
       <p:sp>
         <p:nvSpPr>
           <p:cNvPr id="267" name="Google Shape;267;p40"/>
-          <p:cNvSpPr txBox="1">
-            <a:spLocks noGrp="1"/>
-          </p:cNvSpPr>
+          <p:cNvSpPr txBox="1"/>
           <p:nvPr>
             <p:ph type="title"/>
           </p:nvPr>
@@ -12492,12 +12216,12 @@
           </a:prstGeom>
         </p:spPr>
         <p:txBody>
-          <a:bodyPr spcFirstLastPara="1" wrap="square" lIns="91425" tIns="91425" rIns="91425" bIns="91425" anchor="t" anchorCtr="0">
+          <a:bodyPr anchorCtr="0" anchor="t" bIns="91425" lIns="91425" spcFirstLastPara="1" rIns="91425" wrap="square" tIns="91425">
             <a:normAutofit fontScale="90000"/>
           </a:bodyPr>
           <a:lstStyle/>
           <a:p>
-            <a:pPr marL="0" lvl="0" indent="0" algn="l" rtl="0">
+            <a:pPr indent="0" lvl="0" marL="0" rtl="0" algn="l">
               <a:spcBef>
                 <a:spcPts val="0"/>
               </a:spcBef>
@@ -12510,23 +12234,21 @@
               <a:rPr lang="en"/>
               <a:t>References</a:t>
             </a:r>
-            <a:endParaRPr dirty="0"/>
+            <a:endParaRPr/>
           </a:p>
         </p:txBody>
       </p:sp>
       <p:sp>
         <p:nvSpPr>
           <p:cNvPr id="268" name="Google Shape;268;p40"/>
-          <p:cNvSpPr txBox="1">
-            <a:spLocks noGrp="1"/>
-          </p:cNvSpPr>
-          <p:nvPr>
-            <p:ph type="body" idx="1"/>
-          </p:nvPr>
-        </p:nvSpPr>
-        <p:spPr>
-          <a:xfrm>
-            <a:off x="311700" y="1152475"/>
+          <p:cNvSpPr txBox="1"/>
+          <p:nvPr>
+            <p:ph idx="1" type="body"/>
+          </p:nvPr>
+        </p:nvSpPr>
+        <p:spPr>
+          <a:xfrm>
+            <a:off x="311700" y="1196875"/>
             <a:ext cx="8520600" cy="3416400"/>
           </a:xfrm>
           <a:prstGeom prst="rect">
@@ -12534,22 +12256,22 @@
           </a:prstGeom>
         </p:spPr>
         <p:txBody>
-          <a:bodyPr spcFirstLastPara="1" wrap="square" lIns="91425" tIns="91425" rIns="91425" bIns="91425" anchor="t" anchorCtr="0">
+          <a:bodyPr anchorCtr="0" anchor="t" bIns="91425" lIns="91425" spcFirstLastPara="1" rIns="91425" wrap="square" tIns="91425">
             <a:normAutofit/>
           </a:bodyPr>
           <a:lstStyle/>
           <a:p>
-            <a:pPr marL="0" lvl="0" indent="0" algn="l" rtl="0">
-              <a:spcBef>
-                <a:spcPts val="0"/>
-              </a:spcBef>
-              <a:spcAft>
-                <a:spcPts val="0"/>
-              </a:spcAft>
-              <a:buNone/>
-            </a:pPr>
-            <a:r>
-              <a:rPr lang="en" u="sng" dirty="0">
+            <a:pPr indent="0" lvl="0" marL="0" rtl="0" algn="l">
+              <a:spcBef>
+                <a:spcPts val="0"/>
+              </a:spcBef>
+              <a:spcAft>
+                <a:spcPts val="0"/>
+              </a:spcAft>
+              <a:buNone/>
+            </a:pPr>
+            <a:r>
+              <a:rPr lang="en" u="sng">
                 <a:solidFill>
                   <a:schemeClr val="hlink"/>
                 </a:solidFill>
@@ -12557,10 +12279,10 @@
               </a:rPr>
               <a:t>Rust Tutorial Point</a:t>
             </a:r>
-            <a:endParaRPr dirty="0"/>
-          </a:p>
-          <a:p>
-            <a:pPr marL="0" lvl="0" indent="0" algn="l" rtl="0">
+            <a:endParaRPr/>
+          </a:p>
+          <a:p>
+            <a:pPr indent="0" lvl="0" marL="0" rtl="0" algn="l">
               <a:spcBef>
                 <a:spcPts val="1200"/>
               </a:spcBef>
@@ -12570,23 +12292,23 @@
               <a:buNone/>
             </a:pPr>
             <a:r>
-              <a:rPr lang="en" dirty="0"/>
+              <a:rPr lang="en"/>
               <a:t>Google Image</a:t>
             </a:r>
-            <a:endParaRPr dirty="0"/>
-          </a:p>
-          <a:p>
-            <a:pPr marL="0" lvl="0" indent="0" algn="l" rtl="0">
+            <a:endParaRPr/>
+          </a:p>
+          <a:p>
+            <a:pPr indent="0" lvl="0" marL="0" rtl="0" algn="l">
               <a:spcBef>
                 <a:spcPts val="1200"/>
               </a:spcBef>
               <a:spcAft>
-                <a:spcPts val="1200"/>
-              </a:spcAft>
-              <a:buNone/>
-            </a:pPr>
-            <a:r>
-              <a:rPr lang="en" u="sng" dirty="0">
+                <a:spcPts val="0"/>
+              </a:spcAft>
+              <a:buNone/>
+            </a:pPr>
+            <a:r>
+              <a:rPr lang="en" u="sng">
                 <a:solidFill>
                   <a:schemeClr val="hlink"/>
                 </a:solidFill>
@@ -12594,7 +12316,70 @@
               </a:rPr>
               <a:t>Rust Zero To Mastery</a:t>
             </a:r>
-            <a:endParaRPr dirty="0"/>
+            <a:endParaRPr/>
+          </a:p>
+          <a:p>
+            <a:pPr indent="0" lvl="0" marL="0" rtl="0" algn="l">
+              <a:spcBef>
+                <a:spcPts val="1200"/>
+              </a:spcBef>
+              <a:spcAft>
+                <a:spcPts val="0"/>
+              </a:spcAft>
+              <a:buNone/>
+            </a:pPr>
+            <a:r>
+              <a:rPr lang="en" u="sng">
+                <a:solidFill>
+                  <a:schemeClr val="hlink"/>
+                </a:solidFill>
+                <a:hlinkClick r:id="rId5"/>
+              </a:rPr>
+              <a:t>RustLang</a:t>
+            </a:r>
+            <a:endParaRPr/>
+          </a:p>
+          <a:p>
+            <a:pPr indent="0" lvl="0" marL="0" rtl="0" algn="l">
+              <a:spcBef>
+                <a:spcPts val="1200"/>
+              </a:spcBef>
+              <a:spcAft>
+                <a:spcPts val="0"/>
+              </a:spcAft>
+              <a:buNone/>
+            </a:pPr>
+            <a:r>
+              <a:rPr lang="en" u="sng">
+                <a:solidFill>
+                  <a:schemeClr val="hlink"/>
+                </a:solidFill>
+                <a:hlinkClick r:id="rId6"/>
+              </a:rPr>
+              <a:t>RustLang playground</a:t>
+            </a:r>
+            <a:endParaRPr/>
+          </a:p>
+          <a:p>
+            <a:pPr indent="0" lvl="0" marL="0" rtl="0" algn="l">
+              <a:spcBef>
+                <a:spcPts val="1200"/>
+              </a:spcBef>
+              <a:spcAft>
+                <a:spcPts val="1200"/>
+              </a:spcAft>
+              <a:buNone/>
+            </a:pPr>
+            <a:r>
+              <a:rPr lang="en" u="sng">
+                <a:solidFill>
+                  <a:schemeClr val="hlink"/>
+                </a:solidFill>
+                <a:hlinkClick r:id="rId7"/>
+              </a:rPr>
+              <a:t>Install Rust Engine</a:t>
+            </a:r>
+            <a:endParaRPr/>
           </a:p>
         </p:txBody>
       </p:sp>
@@ -12607,7 +12392,7 @@
 </file>
 
 <file path=ppt/slides/slide3.xml><?xml version="1.0" encoding="utf-8"?>
-<p:sld xmlns:a="http://schemas.openxmlformats.org/drawingml/2006/main" xmlns:r="http://schemas.openxmlformats.org/officeDocument/2006/relationships" xmlns:p="http://schemas.openxmlformats.org/presentationml/2006/main">
+<p:sld xmlns:a="http://schemas.openxmlformats.org/drawingml/2006/main" xmlns:r="http://schemas.openxmlformats.org/officeDocument/2006/relationships" xmlns:mc="http://schemas.openxmlformats.org/markup-compatibility/2006" xmlns:mv="urn:schemas-microsoft-com:mac:vml" xmlns:p="http://schemas.openxmlformats.org/presentationml/2006/main" xmlns:c="http://schemas.openxmlformats.org/drawingml/2006/chart" xmlns:dgm="http://schemas.openxmlformats.org/drawingml/2006/diagram" xmlns:o="urn:schemas-microsoft-com:office:office" xmlns:v="urn:schemas-microsoft-com:vml" xmlns:pvml="urn:schemas-microsoft-com:office:powerpoint" xmlns:com="http://schemas.openxmlformats.org/drawingml/2006/compatibility" xmlns:p14="http://schemas.microsoft.com/office/powerpoint/2010/main" xmlns:p15="http://schemas.microsoft.com/office/powerpoint/2012/main" xmlns:ahyp="http://schemas.microsoft.com/office/drawing/2018/hyperlinkcolor">
   <p:cSld>
     <p:bg>
       <p:bgPr>
@@ -12624,16 +12409,15 @@
             </a:gs>
           </a:gsLst>
           <a:path path="circle">
-            <a:fillToRect t="100000" r="100000"/>
+            <a:fillToRect r="100%" t="100%"/>
           </a:path>
-          <a:tileRect l="-100000" b="-100000"/>
+          <a:tileRect b="-100%" l="-100%"/>
         </a:gradFill>
-        <a:effectLst/>
       </p:bgPr>
     </p:bg>
     <p:spTree>
       <p:nvGrpSpPr>
-        <p:cNvPr id="1" name="Shape 66"/>
+        <p:cNvPr id="66" name="Shape 66"/>
         <p:cNvGrpSpPr/>
         <p:nvPr/>
       </p:nvGrpSpPr>
@@ -12648,9 +12432,7 @@
       <p:sp>
         <p:nvSpPr>
           <p:cNvPr id="67" name="Google Shape;67;p15"/>
-          <p:cNvSpPr txBox="1">
-            <a:spLocks noGrp="1"/>
-          </p:cNvSpPr>
+          <p:cNvSpPr txBox="1"/>
           <p:nvPr>
             <p:ph type="title"/>
           </p:nvPr>
@@ -12665,12 +12447,12 @@
           </a:prstGeom>
         </p:spPr>
         <p:txBody>
-          <a:bodyPr spcFirstLastPara="1" wrap="square" lIns="91425" tIns="91425" rIns="91425" bIns="91425" anchor="t" anchorCtr="0">
+          <a:bodyPr anchorCtr="0" anchor="t" bIns="91425" lIns="91425" spcFirstLastPara="1" rIns="91425" wrap="square" tIns="91425">
             <a:normAutofit fontScale="90000"/>
           </a:bodyPr>
           <a:lstStyle/>
           <a:p>
-            <a:pPr marL="0" lvl="0" indent="0" algn="l" rtl="0">
+            <a:pPr indent="0" lvl="0" marL="0" rtl="0" algn="l">
               <a:spcBef>
                 <a:spcPts val="0"/>
               </a:spcBef>
@@ -12698,11 +12480,9 @@
       <p:sp>
         <p:nvSpPr>
           <p:cNvPr id="68" name="Google Shape;68;p15"/>
-          <p:cNvSpPr txBox="1">
-            <a:spLocks noGrp="1"/>
-          </p:cNvSpPr>
-          <p:nvPr>
-            <p:ph type="body" idx="1"/>
+          <p:cNvSpPr txBox="1"/>
+          <p:nvPr>
+            <p:ph idx="1" type="body"/>
           </p:nvPr>
         </p:nvSpPr>
         <p:spPr>
@@ -12715,12 +12495,12 @@
           </a:prstGeom>
         </p:spPr>
         <p:txBody>
-          <a:bodyPr spcFirstLastPara="1" wrap="square" lIns="91425" tIns="91425" rIns="91425" bIns="91425" anchor="t" anchorCtr="0">
+          <a:bodyPr anchorCtr="0" anchor="t" bIns="91425" lIns="91425" spcFirstLastPara="1" rIns="91425" wrap="square" tIns="91425">
             <a:normAutofit/>
           </a:bodyPr>
           <a:lstStyle/>
           <a:p>
-            <a:pPr marL="457200" lvl="0" indent="-342900" algn="l" rtl="0">
+            <a:pPr indent="-342900" lvl="0" marL="457200" rtl="0" algn="l">
               <a:spcBef>
                 <a:spcPts val="0"/>
               </a:spcBef>
@@ -12748,7 +12528,7 @@
             </a:endParaRPr>
           </a:p>
           <a:p>
-            <a:pPr marL="457200" lvl="0" indent="-342900" algn="l" rtl="0">
+            <a:pPr indent="-342900" lvl="0" marL="457200" rtl="0" algn="l">
               <a:spcBef>
                 <a:spcPts val="0"/>
               </a:spcBef>
@@ -12776,7 +12556,7 @@
             </a:endParaRPr>
           </a:p>
           <a:p>
-            <a:pPr marL="457200" lvl="0" indent="-342900" algn="l" rtl="0">
+            <a:pPr indent="-342900" lvl="0" marL="457200" rtl="0" algn="l">
               <a:spcBef>
                 <a:spcPts val="0"/>
               </a:spcBef>
@@ -12804,7 +12584,7 @@
             </a:endParaRPr>
           </a:p>
           <a:p>
-            <a:pPr marL="457200" lvl="0" indent="-342900" algn="l" rtl="0">
+            <a:pPr indent="-342900" lvl="0" marL="457200" rtl="0" algn="l">
               <a:spcBef>
                 <a:spcPts val="0"/>
               </a:spcBef>
@@ -12870,11 +12650,11 @@
 </file>
 
 <file path=ppt/slides/slide4.xml><?xml version="1.0" encoding="utf-8"?>
-<p:sld xmlns:a="http://schemas.openxmlformats.org/drawingml/2006/main" xmlns:r="http://schemas.openxmlformats.org/officeDocument/2006/relationships" xmlns:p="http://schemas.openxmlformats.org/presentationml/2006/main">
+<p:sld xmlns:a="http://schemas.openxmlformats.org/drawingml/2006/main" xmlns:r="http://schemas.openxmlformats.org/officeDocument/2006/relationships" xmlns:mc="http://schemas.openxmlformats.org/markup-compatibility/2006" xmlns:mv="urn:schemas-microsoft-com:mac:vml" xmlns:p="http://schemas.openxmlformats.org/presentationml/2006/main" xmlns:c="http://schemas.openxmlformats.org/drawingml/2006/chart" xmlns:dgm="http://schemas.openxmlformats.org/drawingml/2006/diagram" xmlns:o="urn:schemas-microsoft-com:office:office" xmlns:v="urn:schemas-microsoft-com:vml" xmlns:pvml="urn:schemas-microsoft-com:office:powerpoint" xmlns:com="http://schemas.openxmlformats.org/drawingml/2006/compatibility" xmlns:p14="http://schemas.microsoft.com/office/powerpoint/2010/main" xmlns:p15="http://schemas.microsoft.com/office/powerpoint/2012/main" xmlns:ahyp="http://schemas.microsoft.com/office/drawing/2018/hyperlinkcolor">
   <p:cSld>
     <p:spTree>
       <p:nvGrpSpPr>
-        <p:cNvPr id="1" name="Shape 73"/>
+        <p:cNvPr id="73" name="Shape 73"/>
         <p:cNvGrpSpPr/>
         <p:nvPr/>
       </p:nvGrpSpPr>
@@ -12889,9 +12669,7 @@
       <p:sp>
         <p:nvSpPr>
           <p:cNvPr id="74" name="Google Shape;74;p16"/>
-          <p:cNvSpPr txBox="1">
-            <a:spLocks noGrp="1"/>
-          </p:cNvSpPr>
+          <p:cNvSpPr txBox="1"/>
           <p:nvPr>
             <p:ph type="title"/>
           </p:nvPr>
@@ -12906,12 +12684,12 @@
           </a:prstGeom>
         </p:spPr>
         <p:txBody>
-          <a:bodyPr spcFirstLastPara="1" wrap="square" lIns="91425" tIns="91425" rIns="91425" bIns="91425" anchor="t" anchorCtr="0">
+          <a:bodyPr anchorCtr="0" anchor="t" bIns="91425" lIns="91425" spcFirstLastPara="1" rIns="91425" wrap="square" tIns="91425">
             <a:normAutofit fontScale="90000"/>
           </a:bodyPr>
           <a:lstStyle/>
           <a:p>
-            <a:pPr marL="0" lvl="0" indent="0" algn="l" rtl="0">
+            <a:pPr indent="0" lvl="0" marL="0" rtl="0" algn="l">
               <a:spcBef>
                 <a:spcPts val="0"/>
               </a:spcBef>
@@ -12931,11 +12709,9 @@
       <p:sp>
         <p:nvSpPr>
           <p:cNvPr id="75" name="Google Shape;75;p16"/>
-          <p:cNvSpPr txBox="1">
-            <a:spLocks noGrp="1"/>
-          </p:cNvSpPr>
-          <p:nvPr>
-            <p:ph type="body" idx="1"/>
+          <p:cNvSpPr txBox="1"/>
+          <p:nvPr>
+            <p:ph idx="1" type="body"/>
           </p:nvPr>
         </p:nvSpPr>
         <p:spPr>
@@ -12948,12 +12724,12 @@
           </a:prstGeom>
         </p:spPr>
         <p:txBody>
-          <a:bodyPr spcFirstLastPara="1" wrap="square" lIns="91425" tIns="91425" rIns="91425" bIns="91425" anchor="t" anchorCtr="0">
+          <a:bodyPr anchorCtr="0" anchor="t" bIns="91425" lIns="91425" spcFirstLastPara="1" rIns="91425" wrap="square" tIns="91425">
             <a:normAutofit fontScale="92500"/>
           </a:bodyPr>
           <a:lstStyle/>
           <a:p>
-            <a:pPr marL="0" lvl="0" indent="0" algn="ctr" rtl="0">
+            <a:pPr indent="0" lvl="0" marL="0" rtl="0" algn="ctr">
               <a:spcBef>
                 <a:spcPts val="0"/>
               </a:spcBef>
@@ -12969,7 +12745,7 @@
             <a:endParaRPr/>
           </a:p>
           <a:p>
-            <a:pPr marL="457200" lvl="0" indent="-334327" algn="l" rtl="0">
+            <a:pPr indent="-334327" lvl="0" marL="457200" rtl="0" algn="l">
               <a:spcBef>
                 <a:spcPts val="1200"/>
               </a:spcBef>
@@ -12981,12 +12757,16 @@
             </a:pPr>
             <a:r>
               <a:rPr lang="en"/>
-              <a:t>Store both negative and positive values</a:t>
+              <a:t>S</a:t>
+            </a:r>
+            <a:r>
+              <a:rPr lang="en"/>
+              <a:t>tore both negative and positive values</a:t>
             </a:r>
             <a:endParaRPr/>
           </a:p>
           <a:p>
-            <a:pPr marL="457200" lvl="0" indent="-334327" algn="l" rtl="0">
+            <a:pPr indent="-334327" lvl="0" marL="457200" rtl="0" algn="l">
               <a:spcBef>
                 <a:spcPts val="0"/>
               </a:spcBef>
@@ -13035,11 +12815,9 @@
       <p:sp>
         <p:nvSpPr>
           <p:cNvPr id="77" name="Google Shape;77;p16"/>
-          <p:cNvSpPr txBox="1">
-            <a:spLocks noGrp="1"/>
-          </p:cNvSpPr>
-          <p:nvPr>
-            <p:ph type="body" idx="1"/>
+          <p:cNvSpPr txBox="1"/>
+          <p:nvPr>
+            <p:ph idx="1" type="body"/>
           </p:nvPr>
         </p:nvSpPr>
         <p:spPr>
@@ -13052,12 +12830,12 @@
           </a:prstGeom>
         </p:spPr>
         <p:txBody>
-          <a:bodyPr spcFirstLastPara="1" wrap="square" lIns="91425" tIns="91425" rIns="91425" bIns="91425" anchor="t" anchorCtr="0">
+          <a:bodyPr anchorCtr="0" anchor="t" bIns="91425" lIns="91425" spcFirstLastPara="1" rIns="91425" wrap="square" tIns="91425">
             <a:normAutofit/>
           </a:bodyPr>
           <a:lstStyle/>
           <a:p>
-            <a:pPr marL="0" lvl="0" indent="0" algn="ctr" rtl="0">
+            <a:pPr indent="0" lvl="0" marL="0" rtl="0" algn="ctr">
               <a:spcBef>
                 <a:spcPts val="0"/>
               </a:spcBef>
@@ -13073,7 +12851,7 @@
             <a:endParaRPr/>
           </a:p>
           <a:p>
-            <a:pPr marL="457200" lvl="0" indent="-342900" algn="l" rtl="0">
+            <a:pPr indent="-342900" lvl="0" marL="457200" rtl="0" algn="l">
               <a:spcBef>
                 <a:spcPts val="1200"/>
               </a:spcBef>
@@ -13085,12 +12863,16 @@
             </a:pPr>
             <a:r>
               <a:rPr lang="en"/>
-              <a:t>Only store positive values</a:t>
+              <a:t>O</a:t>
+            </a:r>
+            <a:r>
+              <a:rPr lang="en"/>
+              <a:t>nly store positive values</a:t>
             </a:r>
             <a:endParaRPr/>
           </a:p>
           <a:p>
-            <a:pPr marL="457200" lvl="0" indent="-342900" algn="l" rtl="0">
+            <a:pPr indent="-342900" lvl="0" marL="457200" rtl="0" algn="l">
               <a:spcBef>
                 <a:spcPts val="0"/>
               </a:spcBef>
@@ -13173,11 +12955,11 @@
 </file>
 
 <file path=ppt/slides/slide5.xml><?xml version="1.0" encoding="utf-8"?>
-<p:sld xmlns:a="http://schemas.openxmlformats.org/drawingml/2006/main" xmlns:r="http://schemas.openxmlformats.org/officeDocument/2006/relationships" xmlns:p="http://schemas.openxmlformats.org/presentationml/2006/main">
+<p:sld xmlns:a="http://schemas.openxmlformats.org/drawingml/2006/main" xmlns:r="http://schemas.openxmlformats.org/officeDocument/2006/relationships" xmlns:mc="http://schemas.openxmlformats.org/markup-compatibility/2006" xmlns:mv="urn:schemas-microsoft-com:mac:vml" xmlns:p="http://schemas.openxmlformats.org/presentationml/2006/main" xmlns:c="http://schemas.openxmlformats.org/drawingml/2006/chart" xmlns:dgm="http://schemas.openxmlformats.org/drawingml/2006/diagram" xmlns:o="urn:schemas-microsoft-com:office:office" xmlns:v="urn:schemas-microsoft-com:vml" xmlns:pvml="urn:schemas-microsoft-com:office:powerpoint" xmlns:com="http://schemas.openxmlformats.org/drawingml/2006/compatibility" xmlns:p14="http://schemas.microsoft.com/office/powerpoint/2010/main" xmlns:p15="http://schemas.microsoft.com/office/powerpoint/2012/main" xmlns:ahyp="http://schemas.microsoft.com/office/drawing/2018/hyperlinkcolor">
   <p:cSld>
     <p:spTree>
       <p:nvGrpSpPr>
-        <p:cNvPr id="1" name="Shape 83"/>
+        <p:cNvPr id="83" name="Shape 83"/>
         <p:cNvGrpSpPr/>
         <p:nvPr/>
       </p:nvGrpSpPr>
@@ -13192,11 +12974,9 @@
       <p:sp>
         <p:nvSpPr>
           <p:cNvPr id="84" name="Google Shape;84;p17"/>
-          <p:cNvSpPr txBox="1">
-            <a:spLocks noGrp="1"/>
-          </p:cNvSpPr>
-          <p:nvPr>
-            <p:ph type="body" idx="1"/>
+          <p:cNvSpPr txBox="1"/>
+          <p:nvPr>
+            <p:ph idx="1" type="body"/>
           </p:nvPr>
         </p:nvSpPr>
         <p:spPr>
@@ -13209,12 +12989,12 @@
           </a:prstGeom>
         </p:spPr>
         <p:txBody>
-          <a:bodyPr spcFirstLastPara="1" wrap="square" lIns="91425" tIns="91425" rIns="91425" bIns="91425" anchor="t" anchorCtr="0">
+          <a:bodyPr anchorCtr="0" anchor="t" bIns="91425" lIns="91425" spcFirstLastPara="1" rIns="91425" wrap="square" tIns="91425">
             <a:normAutofit lnSpcReduction="10000"/>
           </a:bodyPr>
           <a:lstStyle/>
           <a:p>
-            <a:pPr marL="0" lvl="0" indent="0" algn="l" rtl="0">
+            <a:pPr indent="0" lvl="0" marL="0" rtl="0" algn="l">
               <a:spcBef>
                 <a:spcPts val="0"/>
               </a:spcBef>
@@ -13230,7 +13010,7 @@
             <a:endParaRPr/>
           </a:p>
           <a:p>
-            <a:pPr marL="457200" lvl="0" indent="-342900" algn="l" rtl="0">
+            <a:pPr indent="-342900" lvl="0" marL="457200" rtl="0" algn="l">
               <a:spcBef>
                 <a:spcPts val="1200"/>
               </a:spcBef>
@@ -13247,7 +13027,7 @@
             <a:endParaRPr/>
           </a:p>
           <a:p>
-            <a:pPr marL="457200" lvl="0" indent="-342900" algn="l" rtl="0">
+            <a:pPr indent="-342900" lvl="0" marL="457200" rtl="0" algn="l">
               <a:spcBef>
                 <a:spcPts val="0"/>
               </a:spcBef>
@@ -13268,11 +13048,9 @@
       <p:sp>
         <p:nvSpPr>
           <p:cNvPr id="85" name="Google Shape;85;p17"/>
-          <p:cNvSpPr txBox="1">
-            <a:spLocks noGrp="1"/>
-          </p:cNvSpPr>
-          <p:nvPr>
-            <p:ph type="body" idx="1"/>
+          <p:cNvSpPr txBox="1"/>
+          <p:nvPr>
+            <p:ph idx="1" type="body"/>
           </p:nvPr>
         </p:nvSpPr>
         <p:spPr>
@@ -13285,12 +13063,12 @@
           </a:prstGeom>
         </p:spPr>
         <p:txBody>
-          <a:bodyPr spcFirstLastPara="1" wrap="square" lIns="91425" tIns="91425" rIns="91425" bIns="91425" anchor="t" anchorCtr="0">
+          <a:bodyPr anchorCtr="0" anchor="t" bIns="91425" lIns="91425" spcFirstLastPara="1" rIns="91425" wrap="square" tIns="91425">
             <a:normAutofit/>
           </a:bodyPr>
           <a:lstStyle/>
           <a:p>
-            <a:pPr marL="0" lvl="0" indent="0" algn="l" rtl="0">
+            <a:pPr indent="0" lvl="0" marL="0" rtl="0" algn="l">
               <a:spcBef>
                 <a:spcPts val="0"/>
               </a:spcBef>
@@ -13301,7 +13079,15 @@
             </a:pPr>
             <a:r>
               <a:rPr lang="en"/>
-              <a:t>Overflow will happen when a value assigned to an integer variable when exceeding its declaration</a:t>
+              <a:t>Overflow will happen when a value </a:t>
+            </a:r>
+            <a:r>
+              <a:rPr lang="en"/>
+              <a:t>assigned</a:t>
+            </a:r>
+            <a:r>
+              <a:rPr lang="en"/>
+              <a:t> to an integer variable when exceeding its declaration</a:t>
             </a:r>
             <a:endParaRPr/>
           </a:p>
@@ -13372,11 +13158,11 @@
 </file>
 
 <file path=ppt/slides/slide6.xml><?xml version="1.0" encoding="utf-8"?>
-<p:sld xmlns:a="http://schemas.openxmlformats.org/drawingml/2006/main" xmlns:r="http://schemas.openxmlformats.org/officeDocument/2006/relationships" xmlns:p="http://schemas.openxmlformats.org/presentationml/2006/main">
+<p:sld xmlns:a="http://schemas.openxmlformats.org/drawingml/2006/main" xmlns:r="http://schemas.openxmlformats.org/officeDocument/2006/relationships" xmlns:mc="http://schemas.openxmlformats.org/markup-compatibility/2006" xmlns:mv="urn:schemas-microsoft-com:mac:vml" xmlns:p="http://schemas.openxmlformats.org/presentationml/2006/main" xmlns:c="http://schemas.openxmlformats.org/drawingml/2006/chart" xmlns:dgm="http://schemas.openxmlformats.org/drawingml/2006/diagram" xmlns:o="urn:schemas-microsoft-com:office:office" xmlns:v="urn:schemas-microsoft-com:vml" xmlns:pvml="urn:schemas-microsoft-com:office:powerpoint" xmlns:com="http://schemas.openxmlformats.org/drawingml/2006/compatibility" xmlns:p14="http://schemas.microsoft.com/office/powerpoint/2010/main" xmlns:p15="http://schemas.microsoft.com/office/powerpoint/2012/main" xmlns:ahyp="http://schemas.microsoft.com/office/drawing/2018/hyperlinkcolor">
   <p:cSld>
     <p:spTree>
       <p:nvGrpSpPr>
-        <p:cNvPr id="1" name="Shape 91"/>
+        <p:cNvPr id="91" name="Shape 91"/>
         <p:cNvGrpSpPr/>
         <p:nvPr/>
       </p:nvGrpSpPr>
@@ -13391,9 +13177,7 @@
       <p:sp>
         <p:nvSpPr>
           <p:cNvPr id="92" name="Google Shape;92;p18"/>
-          <p:cNvSpPr txBox="1">
-            <a:spLocks noGrp="1"/>
-          </p:cNvSpPr>
+          <p:cNvSpPr txBox="1"/>
           <p:nvPr>
             <p:ph type="title"/>
           </p:nvPr>
@@ -13408,12 +13192,12 @@
           </a:prstGeom>
         </p:spPr>
         <p:txBody>
-          <a:bodyPr spcFirstLastPara="1" wrap="square" lIns="91425" tIns="91425" rIns="91425" bIns="91425" anchor="t" anchorCtr="0">
+          <a:bodyPr anchorCtr="0" anchor="t" bIns="91425" lIns="91425" spcFirstLastPara="1" rIns="91425" wrap="square" tIns="91425">
             <a:normAutofit fontScale="90000"/>
           </a:bodyPr>
           <a:lstStyle/>
           <a:p>
-            <a:pPr marL="0" lvl="0" indent="0" algn="l" rtl="0">
+            <a:pPr indent="0" lvl="0" marL="0" rtl="0" algn="l">
               <a:spcBef>
                 <a:spcPts val="0"/>
               </a:spcBef>
@@ -13433,11 +13217,9 @@
       <p:sp>
         <p:nvSpPr>
           <p:cNvPr id="93" name="Google Shape;93;p18"/>
-          <p:cNvSpPr txBox="1">
-            <a:spLocks noGrp="1"/>
-          </p:cNvSpPr>
-          <p:nvPr>
-            <p:ph type="body" idx="1"/>
+          <p:cNvSpPr txBox="1"/>
+          <p:nvPr>
+            <p:ph idx="1" type="body"/>
           </p:nvPr>
         </p:nvSpPr>
         <p:spPr>
@@ -13450,12 +13232,12 @@
           </a:prstGeom>
         </p:spPr>
         <p:txBody>
-          <a:bodyPr spcFirstLastPara="1" wrap="square" lIns="91425" tIns="91425" rIns="91425" bIns="91425" anchor="t" anchorCtr="0">
+          <a:bodyPr anchorCtr="0" anchor="t" bIns="91425" lIns="91425" spcFirstLastPara="1" rIns="91425" wrap="square" tIns="91425">
             <a:normAutofit/>
           </a:bodyPr>
           <a:lstStyle/>
           <a:p>
-            <a:pPr marL="0" lvl="0" indent="0" algn="l" rtl="0">
+            <a:pPr indent="0" lvl="0" marL="0" rtl="0" algn="l">
               <a:spcBef>
                 <a:spcPts val="0"/>
               </a:spcBef>
@@ -13531,11 +13313,9 @@
       <p:sp>
         <p:nvSpPr>
           <p:cNvPr id="96" name="Google Shape;96;p18"/>
-          <p:cNvSpPr txBox="1">
-            <a:spLocks noGrp="1"/>
-          </p:cNvSpPr>
-          <p:nvPr>
-            <p:ph type="body" idx="1"/>
+          <p:cNvSpPr txBox="1"/>
+          <p:nvPr>
+            <p:ph idx="1" type="body"/>
           </p:nvPr>
         </p:nvSpPr>
         <p:spPr>
@@ -13548,12 +13328,12 @@
           </a:prstGeom>
         </p:spPr>
         <p:txBody>
-          <a:bodyPr spcFirstLastPara="1" wrap="square" lIns="91425" tIns="91425" rIns="91425" bIns="91425" anchor="t" anchorCtr="0">
+          <a:bodyPr anchorCtr="0" anchor="t" bIns="91425" lIns="91425" spcFirstLastPara="1" rIns="91425" wrap="square" tIns="91425">
             <a:normAutofit/>
           </a:bodyPr>
           <a:lstStyle/>
           <a:p>
-            <a:pPr marL="0" lvl="0" indent="0" algn="l" rtl="0">
+            <a:pPr indent="0" lvl="0" marL="0" rtl="0" algn="l">
               <a:spcBef>
                 <a:spcPts val="0"/>
               </a:spcBef>
@@ -13579,11 +13359,11 @@
 </file>
 
 <file path=ppt/slides/slide7.xml><?xml version="1.0" encoding="utf-8"?>
-<p:sld xmlns:a="http://schemas.openxmlformats.org/drawingml/2006/main" xmlns:r="http://schemas.openxmlformats.org/officeDocument/2006/relationships" xmlns:p="http://schemas.openxmlformats.org/presentationml/2006/main">
+<p:sld xmlns:a="http://schemas.openxmlformats.org/drawingml/2006/main" xmlns:r="http://schemas.openxmlformats.org/officeDocument/2006/relationships" xmlns:mc="http://schemas.openxmlformats.org/markup-compatibility/2006" xmlns:mv="urn:schemas-microsoft-com:mac:vml" xmlns:p="http://schemas.openxmlformats.org/presentationml/2006/main" xmlns:c="http://schemas.openxmlformats.org/drawingml/2006/chart" xmlns:dgm="http://schemas.openxmlformats.org/drawingml/2006/diagram" xmlns:o="urn:schemas-microsoft-com:office:office" xmlns:v="urn:schemas-microsoft-com:vml" xmlns:pvml="urn:schemas-microsoft-com:office:powerpoint" xmlns:com="http://schemas.openxmlformats.org/drawingml/2006/compatibility" xmlns:p14="http://schemas.microsoft.com/office/powerpoint/2010/main" xmlns:p15="http://schemas.microsoft.com/office/powerpoint/2012/main" xmlns:ahyp="http://schemas.microsoft.com/office/drawing/2018/hyperlinkcolor">
   <p:cSld>
     <p:spTree>
       <p:nvGrpSpPr>
-        <p:cNvPr id="1" name="Shape 100"/>
+        <p:cNvPr id="100" name="Shape 100"/>
         <p:cNvGrpSpPr/>
         <p:nvPr/>
       </p:nvGrpSpPr>
@@ -13598,9 +13378,7 @@
       <p:sp>
         <p:nvSpPr>
           <p:cNvPr id="101" name="Google Shape;101;p19"/>
-          <p:cNvSpPr txBox="1">
-            <a:spLocks noGrp="1"/>
-          </p:cNvSpPr>
+          <p:cNvSpPr txBox="1"/>
           <p:nvPr>
             <p:ph type="title"/>
           </p:nvPr>
@@ -13615,12 +13393,12 @@
           </a:prstGeom>
         </p:spPr>
         <p:txBody>
-          <a:bodyPr spcFirstLastPara="1" wrap="square" lIns="91425" tIns="91425" rIns="91425" bIns="91425" anchor="t" anchorCtr="0">
+          <a:bodyPr anchorCtr="0" anchor="t" bIns="91425" lIns="91425" spcFirstLastPara="1" rIns="91425" wrap="square" tIns="91425">
             <a:normAutofit fontScale="90000"/>
           </a:bodyPr>
           <a:lstStyle/>
           <a:p>
-            <a:pPr marL="0" lvl="0" indent="0" algn="l" rtl="0">
+            <a:pPr indent="0" lvl="0" marL="0" rtl="0" algn="l">
               <a:spcBef>
                 <a:spcPts val="0"/>
               </a:spcBef>
@@ -13640,11 +13418,9 @@
       <p:sp>
         <p:nvSpPr>
           <p:cNvPr id="102" name="Google Shape;102;p19"/>
-          <p:cNvSpPr txBox="1">
-            <a:spLocks noGrp="1"/>
-          </p:cNvSpPr>
-          <p:nvPr>
-            <p:ph type="body" idx="1"/>
+          <p:cNvSpPr txBox="1"/>
+          <p:nvPr>
+            <p:ph idx="1" type="body"/>
           </p:nvPr>
         </p:nvSpPr>
         <p:spPr>
@@ -13657,12 +13433,12 @@
           </a:prstGeom>
         </p:spPr>
         <p:txBody>
-          <a:bodyPr spcFirstLastPara="1" wrap="square" lIns="91425" tIns="91425" rIns="91425" bIns="91425" anchor="t" anchorCtr="0">
+          <a:bodyPr anchorCtr="0" anchor="t" bIns="91425" lIns="91425" spcFirstLastPara="1" rIns="91425" wrap="square" tIns="91425">
             <a:normAutofit/>
           </a:bodyPr>
           <a:lstStyle/>
           <a:p>
-            <a:pPr marL="0" lvl="0" indent="0" algn="l" rtl="0">
+            <a:pPr indent="0" lvl="0" marL="0" rtl="0" algn="l">
               <a:spcBef>
                 <a:spcPts val="0"/>
               </a:spcBef>
@@ -13744,11 +13520,11 @@
 </file>
 
 <file path=ppt/slides/slide8.xml><?xml version="1.0" encoding="utf-8"?>
-<p:sld xmlns:a="http://schemas.openxmlformats.org/drawingml/2006/main" xmlns:r="http://schemas.openxmlformats.org/officeDocument/2006/relationships" xmlns:p="http://schemas.openxmlformats.org/presentationml/2006/main">
+<p:sld xmlns:a="http://schemas.openxmlformats.org/drawingml/2006/main" xmlns:r="http://schemas.openxmlformats.org/officeDocument/2006/relationships" xmlns:mc="http://schemas.openxmlformats.org/markup-compatibility/2006" xmlns:mv="urn:schemas-microsoft-com:mac:vml" xmlns:p="http://schemas.openxmlformats.org/presentationml/2006/main" xmlns:c="http://schemas.openxmlformats.org/drawingml/2006/chart" xmlns:dgm="http://schemas.openxmlformats.org/drawingml/2006/diagram" xmlns:o="urn:schemas-microsoft-com:office:office" xmlns:v="urn:schemas-microsoft-com:vml" xmlns:pvml="urn:schemas-microsoft-com:office:powerpoint" xmlns:com="http://schemas.openxmlformats.org/drawingml/2006/compatibility" xmlns:p14="http://schemas.microsoft.com/office/powerpoint/2010/main" xmlns:p15="http://schemas.microsoft.com/office/powerpoint/2012/main" xmlns:ahyp="http://schemas.microsoft.com/office/drawing/2018/hyperlinkcolor">
   <p:cSld>
     <p:spTree>
       <p:nvGrpSpPr>
-        <p:cNvPr id="1" name="Shape 108"/>
+        <p:cNvPr id="108" name="Shape 108"/>
         <p:cNvGrpSpPr/>
         <p:nvPr/>
       </p:nvGrpSpPr>
@@ -13763,9 +13539,7 @@
       <p:sp>
         <p:nvSpPr>
           <p:cNvPr id="109" name="Google Shape;109;p20"/>
-          <p:cNvSpPr txBox="1">
-            <a:spLocks noGrp="1"/>
-          </p:cNvSpPr>
+          <p:cNvSpPr txBox="1"/>
           <p:nvPr>
             <p:ph type="title"/>
           </p:nvPr>
@@ -13780,12 +13554,12 @@
           </a:prstGeom>
         </p:spPr>
         <p:txBody>
-          <a:bodyPr spcFirstLastPara="1" wrap="square" lIns="91425" tIns="91425" rIns="91425" bIns="91425" anchor="t" anchorCtr="0">
+          <a:bodyPr anchorCtr="0" anchor="t" bIns="91425" lIns="91425" spcFirstLastPara="1" rIns="91425" wrap="square" tIns="91425">
             <a:normAutofit fontScale="90000"/>
           </a:bodyPr>
           <a:lstStyle/>
           <a:p>
-            <a:pPr marL="0" lvl="0" indent="0" algn="l" rtl="0">
+            <a:pPr indent="0" lvl="0" marL="0" rtl="0" algn="l">
               <a:spcBef>
                 <a:spcPts val="0"/>
               </a:spcBef>
@@ -13805,11 +13579,9 @@
       <p:sp>
         <p:nvSpPr>
           <p:cNvPr id="110" name="Google Shape;110;p20"/>
-          <p:cNvSpPr txBox="1">
-            <a:spLocks noGrp="1"/>
-          </p:cNvSpPr>
-          <p:nvPr>
-            <p:ph type="body" idx="1"/>
+          <p:cNvSpPr txBox="1"/>
+          <p:nvPr>
+            <p:ph idx="1" type="body"/>
           </p:nvPr>
         </p:nvSpPr>
         <p:spPr>
@@ -13822,12 +13594,12 @@
           </a:prstGeom>
         </p:spPr>
         <p:txBody>
-          <a:bodyPr spcFirstLastPara="1" wrap="square" lIns="91425" tIns="91425" rIns="91425" bIns="91425" anchor="t" anchorCtr="0">
+          <a:bodyPr anchorCtr="0" anchor="t" bIns="91425" lIns="91425" spcFirstLastPara="1" rIns="91425" wrap="square" tIns="91425">
             <a:normAutofit/>
           </a:bodyPr>
           <a:lstStyle/>
           <a:p>
-            <a:pPr marL="0" lvl="0" indent="0" algn="l" rtl="0">
+            <a:pPr indent="0" lvl="0" marL="0" rtl="0" algn="l">
               <a:spcBef>
                 <a:spcPts val="0"/>
               </a:spcBef>
@@ -13909,11 +13681,11 @@
 </file>
 
 <file path=ppt/slides/slide9.xml><?xml version="1.0" encoding="utf-8"?>
-<p:sld xmlns:a="http://schemas.openxmlformats.org/drawingml/2006/main" xmlns:r="http://schemas.openxmlformats.org/officeDocument/2006/relationships" xmlns:p="http://schemas.openxmlformats.org/presentationml/2006/main">
+<p:sld xmlns:a="http://schemas.openxmlformats.org/drawingml/2006/main" xmlns:r="http://schemas.openxmlformats.org/officeDocument/2006/relationships" xmlns:mc="http://schemas.openxmlformats.org/markup-compatibility/2006" xmlns:mv="urn:schemas-microsoft-com:mac:vml" xmlns:p="http://schemas.openxmlformats.org/presentationml/2006/main" xmlns:c="http://schemas.openxmlformats.org/drawingml/2006/chart" xmlns:dgm="http://schemas.openxmlformats.org/drawingml/2006/diagram" xmlns:o="urn:schemas-microsoft-com:office:office" xmlns:v="urn:schemas-microsoft-com:vml" xmlns:pvml="urn:schemas-microsoft-com:office:powerpoint" xmlns:com="http://schemas.openxmlformats.org/drawingml/2006/compatibility" xmlns:p14="http://schemas.microsoft.com/office/powerpoint/2010/main" xmlns:p15="http://schemas.microsoft.com/office/powerpoint/2012/main" xmlns:ahyp="http://schemas.microsoft.com/office/drawing/2018/hyperlinkcolor">
   <p:cSld>
     <p:spTree>
       <p:nvGrpSpPr>
-        <p:cNvPr id="1" name="Shape 116"/>
+        <p:cNvPr id="116" name="Shape 116"/>
         <p:cNvGrpSpPr/>
         <p:nvPr/>
       </p:nvGrpSpPr>
@@ -13928,9 +13700,7 @@
       <p:sp>
         <p:nvSpPr>
           <p:cNvPr id="117" name="Google Shape;117;p21"/>
-          <p:cNvSpPr txBox="1">
-            <a:spLocks noGrp="1"/>
-          </p:cNvSpPr>
+          <p:cNvSpPr txBox="1"/>
           <p:nvPr>
             <p:ph type="title"/>
           </p:nvPr>
@@ -13945,12 +13715,12 @@
           </a:prstGeom>
         </p:spPr>
         <p:txBody>
-          <a:bodyPr spcFirstLastPara="1" wrap="square" lIns="91425" tIns="91425" rIns="91425" bIns="91425" anchor="t" anchorCtr="0">
+          <a:bodyPr anchorCtr="0" anchor="t" bIns="91425" lIns="91425" spcFirstLastPara="1" rIns="91425" wrap="square" tIns="91425">
             <a:normAutofit fontScale="90000"/>
           </a:bodyPr>
           <a:lstStyle/>
           <a:p>
-            <a:pPr marL="0" lvl="0" indent="0" algn="l" rtl="0">
+            <a:pPr indent="0" lvl="0" marL="0" rtl="0" algn="l">
               <a:spcBef>
                 <a:spcPts val="0"/>
               </a:spcBef>
@@ -13970,11 +13740,9 @@
       <p:sp>
         <p:nvSpPr>
           <p:cNvPr id="118" name="Google Shape;118;p21"/>
-          <p:cNvSpPr txBox="1">
-            <a:spLocks noGrp="1"/>
-          </p:cNvSpPr>
-          <p:nvPr>
-            <p:ph type="body" idx="1"/>
+          <p:cNvSpPr txBox="1"/>
+          <p:nvPr>
+            <p:ph idx="1" type="body"/>
           </p:nvPr>
         </p:nvSpPr>
         <p:spPr>
@@ -13987,12 +13755,12 @@
           </a:prstGeom>
         </p:spPr>
         <p:txBody>
-          <a:bodyPr spcFirstLastPara="1" wrap="square" lIns="91425" tIns="91425" rIns="91425" bIns="91425" anchor="t" anchorCtr="0">
+          <a:bodyPr anchorCtr="0" anchor="t" bIns="91425" lIns="91425" spcFirstLastPara="1" rIns="91425" wrap="square" tIns="91425">
             <a:normAutofit/>
           </a:bodyPr>
           <a:lstStyle/>
           <a:p>
-            <a:pPr marL="0" lvl="0" indent="0" algn="l" rtl="0">
+            <a:pPr indent="0" lvl="0" marL="0" rtl="0" algn="l">
               <a:spcBef>
                 <a:spcPts val="0"/>
               </a:spcBef>
@@ -14008,7 +13776,7 @@
             <a:endParaRPr/>
           </a:p>
           <a:p>
-            <a:pPr marL="457200" lvl="0" indent="-342900" algn="l" rtl="0">
+            <a:pPr indent="-342900" lvl="0" marL="457200" rtl="0" algn="l">
               <a:spcBef>
                 <a:spcPts val="1200"/>
               </a:spcBef>
@@ -14020,7 +13788,11 @@
             </a:pPr>
             <a:r>
               <a:rPr lang="en"/>
-              <a:t>Unicode Scalar Values: range from U+0000 to U+D7FF and U+E000 to U+10FFFF</a:t>
+              <a:t>U</a:t>
+            </a:r>
+            <a:r>
+              <a:rPr lang="en"/>
+              <a:t>nicode Scalar Values: range from U+0000 to U+D7FF and U+E000 to U+10FFFF</a:t>
             </a:r>
             <a:endParaRPr/>
           </a:p>
@@ -14063,7 +13835,7 @@
 </file>
 
 <file path=ppt/theme/theme1.xml><?xml version="1.0" encoding="utf-8"?>
-<a:theme xmlns:a="http://schemas.openxmlformats.org/drawingml/2006/main" name="Simple Dark">
+<a:theme xmlns:a="http://schemas.openxmlformats.org/drawingml/2006/main" xmlns:r="http://schemas.openxmlformats.org/officeDocument/2006/relationships" name="Simple Dark">
   <a:themeElements>
     <a:clrScheme name="Simple Dark">
       <a:dk1>
@@ -14338,13 +14110,11 @@
       </a:bgFillStyleLst>
     </a:fmtScheme>
   </a:themeElements>
-  <a:objectDefaults/>
-  <a:extraClrSchemeLst/>
 </a:theme>
 </file>
 
 <file path=ppt/theme/theme2.xml><?xml version="1.0" encoding="utf-8"?>
-<a:theme xmlns:a="http://schemas.openxmlformats.org/drawingml/2006/main">
+<a:theme xmlns:a="http://schemas.openxmlformats.org/drawingml/2006/main" xmlns:r="http://schemas.openxmlformats.org/officeDocument/2006/relationships">
   <a:themeElements>
     <a:clrScheme name="Default">
       <a:dk1>
@@ -14619,7 +14389,5 @@
       </a:bgFillStyleLst>
     </a:fmtScheme>
   </a:themeElements>
-  <a:objectDefaults/>
-  <a:extraClrSchemeLst/>
 </a:theme>
 </file>
--- a/Research Project 2022 - Jay & Minh.pptx
+++ b/Research Project 2022 - Jay & Minh.pptx
@@ -1,46 +1,46 @@
 
 <file path=ppt/presentation.xml><?xml version="1.0" encoding="utf-8"?>
-<p:presentation xmlns:a="http://schemas.openxmlformats.org/drawingml/2006/main" xmlns:r="http://schemas.openxmlformats.org/officeDocument/2006/relationships" xmlns:mc="http://schemas.openxmlformats.org/markup-compatibility/2006" xmlns:mv="urn:schemas-microsoft-com:mac:vml" xmlns:p="http://schemas.openxmlformats.org/presentationml/2006/main" xmlns:c="http://schemas.openxmlformats.org/drawingml/2006/chart" xmlns:dgm="http://schemas.openxmlformats.org/drawingml/2006/diagram" xmlns:o="urn:schemas-microsoft-com:office:office" xmlns:v="urn:schemas-microsoft-com:vml" xmlns:pvml="urn:schemas-microsoft-com:office:powerpoint" xmlns:com="http://schemas.openxmlformats.org/drawingml/2006/compatibility" xmlns:p14="http://schemas.microsoft.com/office/powerpoint/2010/main" xmlns:p15="http://schemas.microsoft.com/office/powerpoint/2012/main" xmlns:ahyp="http://schemas.microsoft.com/office/drawing/2018/hyperlinkcolor" autoCompressPictures="0" strictFirstAndLastChars="0" saveSubsetFonts="1">
+<p:presentation xmlns:a="http://schemas.openxmlformats.org/drawingml/2006/main" xmlns:r="http://schemas.openxmlformats.org/officeDocument/2006/relationships" xmlns:p="http://schemas.openxmlformats.org/presentationml/2006/main" strictFirstAndLastChars="0" saveSubsetFonts="1" autoCompressPictures="0">
   <p:sldMasterIdLst>
-    <p:sldMasterId id="2147483659" r:id="rId4"/>
+    <p:sldMasterId id="2147483659" r:id="rId1"/>
   </p:sldMasterIdLst>
   <p:notesMasterIdLst>
-    <p:notesMasterId r:id="rId5"/>
+    <p:notesMasterId r:id="rId30"/>
   </p:notesMasterIdLst>
   <p:sldIdLst>
-    <p:sldId id="256" r:id="rId6"/>
-    <p:sldId id="257" r:id="rId7"/>
-    <p:sldId id="258" r:id="rId8"/>
-    <p:sldId id="259" r:id="rId9"/>
-    <p:sldId id="260" r:id="rId10"/>
-    <p:sldId id="261" r:id="rId11"/>
-    <p:sldId id="262" r:id="rId12"/>
-    <p:sldId id="263" r:id="rId13"/>
-    <p:sldId id="264" r:id="rId14"/>
-    <p:sldId id="265" r:id="rId15"/>
-    <p:sldId id="266" r:id="rId16"/>
-    <p:sldId id="267" r:id="rId17"/>
-    <p:sldId id="268" r:id="rId18"/>
-    <p:sldId id="269" r:id="rId19"/>
-    <p:sldId id="270" r:id="rId20"/>
-    <p:sldId id="271" r:id="rId21"/>
-    <p:sldId id="272" r:id="rId22"/>
-    <p:sldId id="273" r:id="rId23"/>
-    <p:sldId id="274" r:id="rId24"/>
-    <p:sldId id="275" r:id="rId25"/>
-    <p:sldId id="276" r:id="rId26"/>
-    <p:sldId id="277" r:id="rId27"/>
-    <p:sldId id="278" r:id="rId28"/>
-    <p:sldId id="279" r:id="rId29"/>
-    <p:sldId id="280" r:id="rId30"/>
-    <p:sldId id="281" r:id="rId31"/>
-    <p:sldId id="282" r:id="rId32"/>
-    <p:sldId id="283" r:id="rId33"/>
+    <p:sldId id="256" r:id="rId2"/>
+    <p:sldId id="257" r:id="rId3"/>
+    <p:sldId id="258" r:id="rId4"/>
+    <p:sldId id="259" r:id="rId5"/>
+    <p:sldId id="260" r:id="rId6"/>
+    <p:sldId id="261" r:id="rId7"/>
+    <p:sldId id="262" r:id="rId8"/>
+    <p:sldId id="263" r:id="rId9"/>
+    <p:sldId id="264" r:id="rId10"/>
+    <p:sldId id="265" r:id="rId11"/>
+    <p:sldId id="266" r:id="rId12"/>
+    <p:sldId id="267" r:id="rId13"/>
+    <p:sldId id="268" r:id="rId14"/>
+    <p:sldId id="269" r:id="rId15"/>
+    <p:sldId id="270" r:id="rId16"/>
+    <p:sldId id="271" r:id="rId17"/>
+    <p:sldId id="272" r:id="rId18"/>
+    <p:sldId id="273" r:id="rId19"/>
+    <p:sldId id="274" r:id="rId20"/>
+    <p:sldId id="275" r:id="rId21"/>
+    <p:sldId id="276" r:id="rId22"/>
+    <p:sldId id="277" r:id="rId23"/>
+    <p:sldId id="278" r:id="rId24"/>
+    <p:sldId id="279" r:id="rId25"/>
+    <p:sldId id="280" r:id="rId26"/>
+    <p:sldId id="281" r:id="rId27"/>
+    <p:sldId id="282" r:id="rId28"/>
+    <p:sldId id="283" r:id="rId29"/>
   </p:sldIdLst>
-  <p:sldSz cy="5143500" cx="9144000"/>
+  <p:sldSz cx="9144000" cy="5143500" type="screen16x9"/>
   <p:notesSz cx="6858000" cy="9144000"/>
   <p:defaultTextStyle>
-    <a:defPPr lvl="0" marR="0" rtl="0" algn="l">
+    <a:defPPr marR="0" lvl="0" algn="l" rtl="0">
       <a:lnSpc>
         <a:spcPct val="100000"/>
       </a:lnSpc>
@@ -51,7 +51,7 @@
         <a:spcPts val="0"/>
       </a:spcAft>
     </a:defPPr>
-    <a:lvl1pPr lvl="0" marR="0" rtl="0" algn="l">
+    <a:lvl1pPr marR="0" lvl="0" algn="l" rtl="0">
       <a:lnSpc>
         <a:spcPct val="100000"/>
       </a:lnSpc>
@@ -65,7 +65,7 @@
         <a:srgbClr val="000000"/>
       </a:buClr>
       <a:buFont typeface="Arial"/>
-      <a:defRPr b="0" i="0" sz="1400" u="none" cap="none" strike="noStrike">
+      <a:defRPr sz="1400" b="0" i="0" u="none" strike="noStrike" cap="none">
         <a:solidFill>
           <a:srgbClr val="000000"/>
         </a:solidFill>
@@ -75,7 +75,7 @@
         <a:sym typeface="Arial"/>
       </a:defRPr>
     </a:lvl1pPr>
-    <a:lvl2pPr lvl="1" marR="0" rtl="0" algn="l">
+    <a:lvl2pPr marR="0" lvl="1" algn="l" rtl="0">
       <a:lnSpc>
         <a:spcPct val="100000"/>
       </a:lnSpc>
@@ -89,7 +89,7 @@
         <a:srgbClr val="000000"/>
       </a:buClr>
       <a:buFont typeface="Arial"/>
-      <a:defRPr b="0" i="0" sz="1400" u="none" cap="none" strike="noStrike">
+      <a:defRPr sz="1400" b="0" i="0" u="none" strike="noStrike" cap="none">
         <a:solidFill>
           <a:srgbClr val="000000"/>
         </a:solidFill>
@@ -99,7 +99,7 @@
         <a:sym typeface="Arial"/>
       </a:defRPr>
     </a:lvl2pPr>
-    <a:lvl3pPr lvl="2" marR="0" rtl="0" algn="l">
+    <a:lvl3pPr marR="0" lvl="2" algn="l" rtl="0">
       <a:lnSpc>
         <a:spcPct val="100000"/>
       </a:lnSpc>
@@ -113,7 +113,7 @@
         <a:srgbClr val="000000"/>
       </a:buClr>
       <a:buFont typeface="Arial"/>
-      <a:defRPr b="0" i="0" sz="1400" u="none" cap="none" strike="noStrike">
+      <a:defRPr sz="1400" b="0" i="0" u="none" strike="noStrike" cap="none">
         <a:solidFill>
           <a:srgbClr val="000000"/>
         </a:solidFill>
@@ -123,7 +123,7 @@
         <a:sym typeface="Arial"/>
       </a:defRPr>
     </a:lvl3pPr>
-    <a:lvl4pPr lvl="3" marR="0" rtl="0" algn="l">
+    <a:lvl4pPr marR="0" lvl="3" algn="l" rtl="0">
       <a:lnSpc>
         <a:spcPct val="100000"/>
       </a:lnSpc>
@@ -137,7 +137,7 @@
         <a:srgbClr val="000000"/>
       </a:buClr>
       <a:buFont typeface="Arial"/>
-      <a:defRPr b="0" i="0" sz="1400" u="none" cap="none" strike="noStrike">
+      <a:defRPr sz="1400" b="0" i="0" u="none" strike="noStrike" cap="none">
         <a:solidFill>
           <a:srgbClr val="000000"/>
         </a:solidFill>
@@ -147,7 +147,7 @@
         <a:sym typeface="Arial"/>
       </a:defRPr>
     </a:lvl4pPr>
-    <a:lvl5pPr lvl="4" marR="0" rtl="0" algn="l">
+    <a:lvl5pPr marR="0" lvl="4" algn="l" rtl="0">
       <a:lnSpc>
         <a:spcPct val="100000"/>
       </a:lnSpc>
@@ -161,7 +161,7 @@
         <a:srgbClr val="000000"/>
       </a:buClr>
       <a:buFont typeface="Arial"/>
-      <a:defRPr b="0" i="0" sz="1400" u="none" cap="none" strike="noStrike">
+      <a:defRPr sz="1400" b="0" i="0" u="none" strike="noStrike" cap="none">
         <a:solidFill>
           <a:srgbClr val="000000"/>
         </a:solidFill>
@@ -171,7 +171,7 @@
         <a:sym typeface="Arial"/>
       </a:defRPr>
     </a:lvl5pPr>
-    <a:lvl6pPr lvl="5" marR="0" rtl="0" algn="l">
+    <a:lvl6pPr marR="0" lvl="5" algn="l" rtl="0">
       <a:lnSpc>
         <a:spcPct val="100000"/>
       </a:lnSpc>
@@ -185,7 +185,7 @@
         <a:srgbClr val="000000"/>
       </a:buClr>
       <a:buFont typeface="Arial"/>
-      <a:defRPr b="0" i="0" sz="1400" u="none" cap="none" strike="noStrike">
+      <a:defRPr sz="1400" b="0" i="0" u="none" strike="noStrike" cap="none">
         <a:solidFill>
           <a:srgbClr val="000000"/>
         </a:solidFill>
@@ -195,7 +195,7 @@
         <a:sym typeface="Arial"/>
       </a:defRPr>
     </a:lvl6pPr>
-    <a:lvl7pPr lvl="6" marR="0" rtl="0" algn="l">
+    <a:lvl7pPr marR="0" lvl="6" algn="l" rtl="0">
       <a:lnSpc>
         <a:spcPct val="100000"/>
       </a:lnSpc>
@@ -209,7 +209,7 @@
         <a:srgbClr val="000000"/>
       </a:buClr>
       <a:buFont typeface="Arial"/>
-      <a:defRPr b="0" i="0" sz="1400" u="none" cap="none" strike="noStrike">
+      <a:defRPr sz="1400" b="0" i="0" u="none" strike="noStrike" cap="none">
         <a:solidFill>
           <a:srgbClr val="000000"/>
         </a:solidFill>
@@ -219,7 +219,7 @@
         <a:sym typeface="Arial"/>
       </a:defRPr>
     </a:lvl7pPr>
-    <a:lvl8pPr lvl="7" marR="0" rtl="0" algn="l">
+    <a:lvl8pPr marR="0" lvl="7" algn="l" rtl="0">
       <a:lnSpc>
         <a:spcPct val="100000"/>
       </a:lnSpc>
@@ -233,7 +233,7 @@
         <a:srgbClr val="000000"/>
       </a:buClr>
       <a:buFont typeface="Arial"/>
-      <a:defRPr b="0" i="0" sz="1400" u="none" cap="none" strike="noStrike">
+      <a:defRPr sz="1400" b="0" i="0" u="none" strike="noStrike" cap="none">
         <a:solidFill>
           <a:srgbClr val="000000"/>
         </a:solidFill>
@@ -243,7 +243,7 @@
         <a:sym typeface="Arial"/>
       </a:defRPr>
     </a:lvl8pPr>
-    <a:lvl9pPr lvl="8" marR="0" rtl="0" algn="l">
+    <a:lvl9pPr marR="0" lvl="8" algn="l" rtl="0">
       <a:lnSpc>
         <a:spcPct val="100000"/>
       </a:lnSpc>
@@ -257,7 +257,7 @@
         <a:srgbClr val="000000"/>
       </a:buClr>
       <a:buFont typeface="Arial"/>
-      <a:defRPr b="0" i="0" sz="1400" u="none" cap="none" strike="noStrike">
+      <a:defRPr sz="1400" b="0" i="0" u="none" strike="noStrike" cap="none">
         <a:solidFill>
           <a:srgbClr val="000000"/>
         </a:solidFill>
@@ -270,7 +270,7 @@
   </p:defaultTextStyle>
   <p:extLst>
     <p:ext uri="{EFAFB233-063F-42B5-8137-9DF3F51BA10A}">
-      <p15:sldGuideLst>
+      <p15:sldGuideLst xmlns:p15="http://schemas.microsoft.com/office/powerpoint/2012/main">
         <p15:guide id="1" orient="horz" pos="1620">
           <p15:clr>
             <a:srgbClr val="A4A3A4"/>
@@ -288,11 +288,16 @@
 </file>
 
 <file path=ppt/notesMasters/notesMaster1.xml><?xml version="1.0" encoding="utf-8"?>
-<p:notesMaster xmlns:a="http://schemas.openxmlformats.org/drawingml/2006/main" xmlns:r="http://schemas.openxmlformats.org/officeDocument/2006/relationships" xmlns:mc="http://schemas.openxmlformats.org/markup-compatibility/2006" xmlns:mv="urn:schemas-microsoft-com:mac:vml" xmlns:p="http://schemas.openxmlformats.org/presentationml/2006/main" xmlns:c="http://schemas.openxmlformats.org/drawingml/2006/chart" xmlns:dgm="http://schemas.openxmlformats.org/drawingml/2006/diagram" xmlns:o="urn:schemas-microsoft-com:office:office" xmlns:v="urn:schemas-microsoft-com:vml" xmlns:pvml="urn:schemas-microsoft-com:office:powerpoint" xmlns:com="http://schemas.openxmlformats.org/drawingml/2006/compatibility" xmlns:p14="http://schemas.microsoft.com/office/powerpoint/2010/main" xmlns:p15="http://schemas.microsoft.com/office/powerpoint/2012/main" xmlns:ahyp="http://schemas.microsoft.com/office/drawing/2018/hyperlinkcolor">
+<p:notesMaster xmlns:a="http://schemas.openxmlformats.org/drawingml/2006/main" xmlns:r="http://schemas.openxmlformats.org/officeDocument/2006/relationships" xmlns:p="http://schemas.openxmlformats.org/presentationml/2006/main">
   <p:cSld>
+    <p:bg>
+      <p:bgRef idx="1001">
+        <a:schemeClr val="bg1"/>
+      </p:bgRef>
+    </p:bg>
     <p:spTree>
       <p:nvGrpSpPr>
-        <p:cNvPr id="2" name="Shape 2"/>
+        <p:cNvPr id="1" name="Shape 2"/>
         <p:cNvGrpSpPr/>
         <p:nvPr/>
       </p:nvGrpSpPr>
@@ -307,9 +312,11 @@
       <p:sp>
         <p:nvSpPr>
           <p:cNvPr id="3" name="Google Shape;3;n"/>
-          <p:cNvSpPr/>
-          <p:nvPr>
-            <p:ph idx="2" type="sldImg"/>
+          <p:cNvSpPr>
+            <a:spLocks noGrp="1" noRot="1" noChangeAspect="1"/>
+          </p:cNvSpPr>
+          <p:nvPr>
+            <p:ph type="sldImg" idx="2"/>
           </p:nvPr>
         </p:nvSpPr>
         <p:spPr>
@@ -318,9 +325,13 @@
             <a:ext cx="6096075" cy="3429000"/>
           </a:xfrm>
           <a:custGeom>
-            <a:rect b="b" l="l" r="r" t="t"/>
+            <a:avLst/>
+            <a:gdLst/>
+            <a:ahLst/>
+            <a:cxnLst/>
+            <a:rect l="l" t="t" r="r" b="b"/>
             <a:pathLst>
-              <a:path extrusionOk="0" h="120000" w="120000">
+              <a:path w="120000" h="120000" extrusionOk="0">
                 <a:moveTo>
                   <a:pt x="0" y="0"/>
                 </a:moveTo>
@@ -338,23 +349,25 @@
             </a:pathLst>
           </a:custGeom>
           <a:noFill/>
-          <a:ln cap="flat" cmpd="sng" w="9525">
+          <a:ln w="9525" cap="flat" cmpd="sng">
             <a:solidFill>
               <a:srgbClr val="000000"/>
             </a:solidFill>
             <a:prstDash val="solid"/>
             <a:round/>
-            <a:headEnd len="sm" w="sm" type="none"/>
-            <a:tailEnd len="sm" w="sm" type="none"/>
+            <a:headEnd type="none" w="sm" len="sm"/>
+            <a:tailEnd type="none" w="sm" len="sm"/>
           </a:ln>
         </p:spPr>
       </p:sp>
       <p:sp>
         <p:nvSpPr>
           <p:cNvPr id="4" name="Google Shape;4;n"/>
-          <p:cNvSpPr txBox="1"/>
-          <p:nvPr>
-            <p:ph idx="1" type="body"/>
+          <p:cNvSpPr txBox="1">
+            <a:spLocks noGrp="1"/>
+          </p:cNvSpPr>
+          <p:nvPr>
+            <p:ph type="body" idx="1"/>
           </p:nvPr>
         </p:nvSpPr>
         <p:spPr>
@@ -371,11 +384,11 @@
           </a:ln>
         </p:spPr>
         <p:txBody>
-          <a:bodyPr anchorCtr="0" anchor="t" bIns="91425" lIns="91425" spcFirstLastPara="1" rIns="91425" wrap="square" tIns="91425">
+          <a:bodyPr spcFirstLastPara="1" wrap="square" lIns="91425" tIns="91425" rIns="91425" bIns="91425" anchor="t" anchorCtr="0">
             <a:noAutofit/>
           </a:bodyPr>
           <a:lstStyle>
-            <a:lvl1pPr indent="-298450" lvl="0" marL="457200">
+            <a:lvl1pPr marL="457200" lvl="0" indent="-298450">
               <a:spcBef>
                 <a:spcPts val="0"/>
               </a:spcBef>
@@ -386,7 +399,7 @@
               <a:buChar char="●"/>
               <a:defRPr sz="1100"/>
             </a:lvl1pPr>
-            <a:lvl2pPr indent="-298450" lvl="1" marL="914400">
+            <a:lvl2pPr marL="914400" lvl="1" indent="-298450">
               <a:spcBef>
                 <a:spcPts val="0"/>
               </a:spcBef>
@@ -397,7 +410,7 @@
               <a:buChar char="○"/>
               <a:defRPr sz="1100"/>
             </a:lvl2pPr>
-            <a:lvl3pPr indent="-298450" lvl="2" marL="1371600">
+            <a:lvl3pPr marL="1371600" lvl="2" indent="-298450">
               <a:spcBef>
                 <a:spcPts val="0"/>
               </a:spcBef>
@@ -408,7 +421,7 @@
               <a:buChar char="■"/>
               <a:defRPr sz="1100"/>
             </a:lvl3pPr>
-            <a:lvl4pPr indent="-298450" lvl="3" marL="1828800">
+            <a:lvl4pPr marL="1828800" lvl="3" indent="-298450">
               <a:spcBef>
                 <a:spcPts val="0"/>
               </a:spcBef>
@@ -419,7 +432,7 @@
               <a:buChar char="●"/>
               <a:defRPr sz="1100"/>
             </a:lvl4pPr>
-            <a:lvl5pPr indent="-298450" lvl="4" marL="2286000">
+            <a:lvl5pPr marL="2286000" lvl="4" indent="-298450">
               <a:spcBef>
                 <a:spcPts val="0"/>
               </a:spcBef>
@@ -430,7 +443,7 @@
               <a:buChar char="○"/>
               <a:defRPr sz="1100"/>
             </a:lvl5pPr>
-            <a:lvl6pPr indent="-298450" lvl="5" marL="2743200">
+            <a:lvl6pPr marL="2743200" lvl="5" indent="-298450">
               <a:spcBef>
                 <a:spcPts val="0"/>
               </a:spcBef>
@@ -441,7 +454,7 @@
               <a:buChar char="■"/>
               <a:defRPr sz="1100"/>
             </a:lvl6pPr>
-            <a:lvl7pPr indent="-298450" lvl="6" marL="3200400">
+            <a:lvl7pPr marL="3200400" lvl="6" indent="-298450">
               <a:spcBef>
                 <a:spcPts val="0"/>
               </a:spcBef>
@@ -452,7 +465,7 @@
               <a:buChar char="●"/>
               <a:defRPr sz="1100"/>
             </a:lvl7pPr>
-            <a:lvl8pPr indent="-298450" lvl="7" marL="3657600">
+            <a:lvl8pPr marL="3657600" lvl="7" indent="-298450">
               <a:spcBef>
                 <a:spcPts val="0"/>
               </a:spcBef>
@@ -463,7 +476,7 @@
               <a:buChar char="○"/>
               <a:defRPr sz="1100"/>
             </a:lvl8pPr>
-            <a:lvl9pPr indent="-298450" lvl="8" marL="4114800">
+            <a:lvl9pPr marL="4114800" lvl="8" indent="-298450">
               <a:spcBef>
                 <a:spcPts val="0"/>
               </a:spcBef>
@@ -475,14 +488,16 @@
               <a:defRPr sz="1100"/>
             </a:lvl9pPr>
           </a:lstStyle>
-          <a:p/>
+          <a:p>
+            <a:endParaRPr/>
+          </a:p>
         </p:txBody>
       </p:sp>
     </p:spTree>
   </p:cSld>
-  <p:clrMap accent1="accent1" accent2="accent2" accent3="accent3" accent4="accent4" accent5="accent5" accent6="accent6" bg1="lt1" bg2="dk2" tx1="dk1" tx2="lt2" folHlink="folHlink" hlink="hlink"/>
+  <p:clrMap bg1="lt1" tx1="dk1" bg2="dk2" tx2="lt2" accent1="accent1" accent2="accent2" accent3="accent3" accent4="accent4" accent5="accent5" accent6="accent6" hlink="hlink" folHlink="folHlink"/>
   <p:notesStyle>
-    <a:defPPr lvl="0" marR="0" rtl="0" algn="l">
+    <a:defPPr marR="0" lvl="0" algn="l" rtl="0">
       <a:lnSpc>
         <a:spcPct val="100000"/>
       </a:lnSpc>
@@ -493,7 +508,7 @@
         <a:spcPts val="0"/>
       </a:spcAft>
     </a:defPPr>
-    <a:lvl1pPr lvl="0" marR="0" rtl="0" algn="l">
+    <a:lvl1pPr marR="0" lvl="0" algn="l" rtl="0">
       <a:lnSpc>
         <a:spcPct val="100000"/>
       </a:lnSpc>
@@ -507,7 +522,7 @@
         <a:srgbClr val="000000"/>
       </a:buClr>
       <a:buFont typeface="Arial"/>
-      <a:defRPr b="0" i="0" sz="1400" u="none" cap="none" strike="noStrike">
+      <a:defRPr sz="1400" b="0" i="0" u="none" strike="noStrike" cap="none">
         <a:solidFill>
           <a:srgbClr val="000000"/>
         </a:solidFill>
@@ -517,7 +532,7 @@
         <a:sym typeface="Arial"/>
       </a:defRPr>
     </a:lvl1pPr>
-    <a:lvl2pPr lvl="1" marR="0" rtl="0" algn="l">
+    <a:lvl2pPr marR="0" lvl="1" algn="l" rtl="0">
       <a:lnSpc>
         <a:spcPct val="100000"/>
       </a:lnSpc>
@@ -531,7 +546,7 @@
         <a:srgbClr val="000000"/>
       </a:buClr>
       <a:buFont typeface="Arial"/>
-      <a:defRPr b="0" i="0" sz="1400" u="none" cap="none" strike="noStrike">
+      <a:defRPr sz="1400" b="0" i="0" u="none" strike="noStrike" cap="none">
         <a:solidFill>
           <a:srgbClr val="000000"/>
         </a:solidFill>
@@ -541,7 +556,7 @@
         <a:sym typeface="Arial"/>
       </a:defRPr>
     </a:lvl2pPr>
-    <a:lvl3pPr lvl="2" marR="0" rtl="0" algn="l">
+    <a:lvl3pPr marR="0" lvl="2" algn="l" rtl="0">
       <a:lnSpc>
         <a:spcPct val="100000"/>
       </a:lnSpc>
@@ -555,7 +570,7 @@
         <a:srgbClr val="000000"/>
       </a:buClr>
       <a:buFont typeface="Arial"/>
-      <a:defRPr b="0" i="0" sz="1400" u="none" cap="none" strike="noStrike">
+      <a:defRPr sz="1400" b="0" i="0" u="none" strike="noStrike" cap="none">
         <a:solidFill>
           <a:srgbClr val="000000"/>
         </a:solidFill>
@@ -565,7 +580,7 @@
         <a:sym typeface="Arial"/>
       </a:defRPr>
     </a:lvl3pPr>
-    <a:lvl4pPr lvl="3" marR="0" rtl="0" algn="l">
+    <a:lvl4pPr marR="0" lvl="3" algn="l" rtl="0">
       <a:lnSpc>
         <a:spcPct val="100000"/>
       </a:lnSpc>
@@ -579,7 +594,7 @@
         <a:srgbClr val="000000"/>
       </a:buClr>
       <a:buFont typeface="Arial"/>
-      <a:defRPr b="0" i="0" sz="1400" u="none" cap="none" strike="noStrike">
+      <a:defRPr sz="1400" b="0" i="0" u="none" strike="noStrike" cap="none">
         <a:solidFill>
           <a:srgbClr val="000000"/>
         </a:solidFill>
@@ -589,7 +604,7 @@
         <a:sym typeface="Arial"/>
       </a:defRPr>
     </a:lvl4pPr>
-    <a:lvl5pPr lvl="4" marR="0" rtl="0" algn="l">
+    <a:lvl5pPr marR="0" lvl="4" algn="l" rtl="0">
       <a:lnSpc>
         <a:spcPct val="100000"/>
       </a:lnSpc>
@@ -603,7 +618,7 @@
         <a:srgbClr val="000000"/>
       </a:buClr>
       <a:buFont typeface="Arial"/>
-      <a:defRPr b="0" i="0" sz="1400" u="none" cap="none" strike="noStrike">
+      <a:defRPr sz="1400" b="0" i="0" u="none" strike="noStrike" cap="none">
         <a:solidFill>
           <a:srgbClr val="000000"/>
         </a:solidFill>
@@ -613,7 +628,7 @@
         <a:sym typeface="Arial"/>
       </a:defRPr>
     </a:lvl5pPr>
-    <a:lvl6pPr lvl="5" marR="0" rtl="0" algn="l">
+    <a:lvl6pPr marR="0" lvl="5" algn="l" rtl="0">
       <a:lnSpc>
         <a:spcPct val="100000"/>
       </a:lnSpc>
@@ -627,7 +642,7 @@
         <a:srgbClr val="000000"/>
       </a:buClr>
       <a:buFont typeface="Arial"/>
-      <a:defRPr b="0" i="0" sz="1400" u="none" cap="none" strike="noStrike">
+      <a:defRPr sz="1400" b="0" i="0" u="none" strike="noStrike" cap="none">
         <a:solidFill>
           <a:srgbClr val="000000"/>
         </a:solidFill>
@@ -637,7 +652,7 @@
         <a:sym typeface="Arial"/>
       </a:defRPr>
     </a:lvl6pPr>
-    <a:lvl7pPr lvl="6" marR="0" rtl="0" algn="l">
+    <a:lvl7pPr marR="0" lvl="6" algn="l" rtl="0">
       <a:lnSpc>
         <a:spcPct val="100000"/>
       </a:lnSpc>
@@ -651,7 +666,7 @@
         <a:srgbClr val="000000"/>
       </a:buClr>
       <a:buFont typeface="Arial"/>
-      <a:defRPr b="0" i="0" sz="1400" u="none" cap="none" strike="noStrike">
+      <a:defRPr sz="1400" b="0" i="0" u="none" strike="noStrike" cap="none">
         <a:solidFill>
           <a:srgbClr val="000000"/>
         </a:solidFill>
@@ -661,7 +676,7 @@
         <a:sym typeface="Arial"/>
       </a:defRPr>
     </a:lvl7pPr>
-    <a:lvl8pPr lvl="7" marR="0" rtl="0" algn="l">
+    <a:lvl8pPr marR="0" lvl="7" algn="l" rtl="0">
       <a:lnSpc>
         <a:spcPct val="100000"/>
       </a:lnSpc>
@@ -675,7 +690,7 @@
         <a:srgbClr val="000000"/>
       </a:buClr>
       <a:buFont typeface="Arial"/>
-      <a:defRPr b="0" i="0" sz="1400" u="none" cap="none" strike="noStrike">
+      <a:defRPr sz="1400" b="0" i="0" u="none" strike="noStrike" cap="none">
         <a:solidFill>
           <a:srgbClr val="000000"/>
         </a:solidFill>
@@ -685,7 +700,7 @@
         <a:sym typeface="Arial"/>
       </a:defRPr>
     </a:lvl8pPr>
-    <a:lvl9pPr lvl="8" marR="0" rtl="0" algn="l">
+    <a:lvl9pPr marR="0" lvl="8" algn="l" rtl="0">
       <a:lnSpc>
         <a:spcPct val="100000"/>
       </a:lnSpc>
@@ -699,7 +714,7 @@
         <a:srgbClr val="000000"/>
       </a:buClr>
       <a:buFont typeface="Arial"/>
-      <a:defRPr b="0" i="0" sz="1400" u="none" cap="none" strike="noStrike">
+      <a:defRPr sz="1400" b="0" i="0" u="none" strike="noStrike" cap="none">
         <a:solidFill>
           <a:srgbClr val="000000"/>
         </a:solidFill>
@@ -714,11 +729,11 @@
 </file>
 
 <file path=ppt/notesSlides/notesSlide1.xml><?xml version="1.0" encoding="utf-8"?>
-<p:notes xmlns:a="http://schemas.openxmlformats.org/drawingml/2006/main" xmlns:r="http://schemas.openxmlformats.org/officeDocument/2006/relationships" xmlns:mc="http://schemas.openxmlformats.org/markup-compatibility/2006" xmlns:mv="urn:schemas-microsoft-com:mac:vml" xmlns:p="http://schemas.openxmlformats.org/presentationml/2006/main" xmlns:c="http://schemas.openxmlformats.org/drawingml/2006/chart" xmlns:dgm="http://schemas.openxmlformats.org/drawingml/2006/diagram" xmlns:o="urn:schemas-microsoft-com:office:office" xmlns:v="urn:schemas-microsoft-com:vml" xmlns:pvml="urn:schemas-microsoft-com:office:powerpoint" xmlns:com="http://schemas.openxmlformats.org/drawingml/2006/compatibility" xmlns:p14="http://schemas.microsoft.com/office/powerpoint/2010/main" xmlns:p15="http://schemas.microsoft.com/office/powerpoint/2012/main" xmlns:ahyp="http://schemas.microsoft.com/office/drawing/2018/hyperlinkcolor" showMasterPhAnim="0" showMasterSp="0">
+<p:notes xmlns:a="http://schemas.openxmlformats.org/drawingml/2006/main" xmlns:r="http://schemas.openxmlformats.org/officeDocument/2006/relationships" xmlns:p="http://schemas.openxmlformats.org/presentationml/2006/main" showMasterSp="0" showMasterPhAnim="0">
   <p:cSld>
     <p:spTree>
       <p:nvGrpSpPr>
-        <p:cNvPr id="50" name="Shape 50"/>
+        <p:cNvPr id="1" name="Shape 50"/>
         <p:cNvGrpSpPr/>
         <p:nvPr/>
       </p:nvGrpSpPr>
@@ -733,9 +748,11 @@
       <p:sp>
         <p:nvSpPr>
           <p:cNvPr id="51" name="Google Shape;51;p:notes"/>
-          <p:cNvSpPr/>
-          <p:nvPr>
-            <p:ph idx="2" type="sldImg"/>
+          <p:cNvSpPr>
+            <a:spLocks noGrp="1" noRot="1" noChangeAspect="1"/>
+          </p:cNvSpPr>
+          <p:nvPr>
+            <p:ph type="sldImg" idx="2"/>
           </p:nvPr>
         </p:nvSpPr>
         <p:spPr>
@@ -744,9 +761,13 @@
             <a:ext cx="6096075" cy="3429000"/>
           </a:xfrm>
           <a:custGeom>
-            <a:rect b="b" l="l" r="r" t="t"/>
+            <a:avLst/>
+            <a:gdLst/>
+            <a:ahLst/>
+            <a:cxnLst/>
+            <a:rect l="l" t="t" r="r" b="b"/>
             <a:pathLst>
-              <a:path extrusionOk="0" h="120000" w="120000">
+              <a:path w="120000" h="120000" extrusionOk="0">
                 <a:moveTo>
                   <a:pt x="0" y="0"/>
                 </a:moveTo>
@@ -768,9 +789,11 @@
       <p:sp>
         <p:nvSpPr>
           <p:cNvPr id="52" name="Google Shape;52;p:notes"/>
-          <p:cNvSpPr txBox="1"/>
-          <p:nvPr>
-            <p:ph idx="1" type="body"/>
+          <p:cNvSpPr txBox="1">
+            <a:spLocks noGrp="1"/>
+          </p:cNvSpPr>
+          <p:nvPr>
+            <p:ph type="body" idx="1"/>
           </p:nvPr>
         </p:nvSpPr>
         <p:spPr>
@@ -783,23 +806,20 @@
           </a:prstGeom>
         </p:spPr>
         <p:txBody>
-          <a:bodyPr anchorCtr="0" anchor="t" bIns="91425" lIns="91425" spcFirstLastPara="1" rIns="91425" wrap="square" tIns="91425">
+          <a:bodyPr spcFirstLastPara="1" wrap="square" lIns="91425" tIns="91425" rIns="91425" bIns="91425" anchor="t" anchorCtr="0">
             <a:noAutofit/>
           </a:bodyPr>
           <a:lstStyle/>
           <a:p>
-            <a:pPr indent="0" lvl="0" marL="0" rtl="0" algn="l">
-              <a:spcBef>
-                <a:spcPts val="0"/>
-              </a:spcBef>
-              <a:spcAft>
-                <a:spcPts val="0"/>
-              </a:spcAft>
-              <a:buNone/>
-            </a:pPr>
-            <a:r>
-              <a:t/>
-            </a:r>
+            <a:pPr marL="0" lvl="0" indent="0" algn="l" rtl="0">
+              <a:spcBef>
+                <a:spcPts val="0"/>
+              </a:spcBef>
+              <a:spcAft>
+                <a:spcPts val="0"/>
+              </a:spcAft>
+              <a:buNone/>
+            </a:pPr>
             <a:endParaRPr/>
           </a:p>
         </p:txBody>
@@ -813,11 +833,11 @@
 </file>
 
 <file path=ppt/notesSlides/notesSlide10.xml><?xml version="1.0" encoding="utf-8"?>
-<p:notes xmlns:a="http://schemas.openxmlformats.org/drawingml/2006/main" xmlns:r="http://schemas.openxmlformats.org/officeDocument/2006/relationships" xmlns:mc="http://schemas.openxmlformats.org/markup-compatibility/2006" xmlns:mv="urn:schemas-microsoft-com:mac:vml" xmlns:p="http://schemas.openxmlformats.org/presentationml/2006/main" xmlns:c="http://schemas.openxmlformats.org/drawingml/2006/chart" xmlns:dgm="http://schemas.openxmlformats.org/drawingml/2006/diagram" xmlns:o="urn:schemas-microsoft-com:office:office" xmlns:v="urn:schemas-microsoft-com:vml" xmlns:pvml="urn:schemas-microsoft-com:office:powerpoint" xmlns:com="http://schemas.openxmlformats.org/drawingml/2006/compatibility" xmlns:p14="http://schemas.microsoft.com/office/powerpoint/2010/main" xmlns:p15="http://schemas.microsoft.com/office/powerpoint/2012/main" xmlns:ahyp="http://schemas.microsoft.com/office/drawing/2018/hyperlinkcolor" showMasterPhAnim="0" showMasterSp="0">
+<p:notes xmlns:a="http://schemas.openxmlformats.org/drawingml/2006/main" xmlns:r="http://schemas.openxmlformats.org/officeDocument/2006/relationships" xmlns:p="http://schemas.openxmlformats.org/presentationml/2006/main" showMasterSp="0" showMasterPhAnim="0">
   <p:cSld>
     <p:spTree>
       <p:nvGrpSpPr>
-        <p:cNvPr id="120" name="Shape 120"/>
+        <p:cNvPr id="1" name="Shape 120"/>
         <p:cNvGrpSpPr/>
         <p:nvPr/>
       </p:nvGrpSpPr>
@@ -832,9 +852,11 @@
       <p:sp>
         <p:nvSpPr>
           <p:cNvPr id="121" name="Google Shape;121;g1152e44ef54_0_14:notes"/>
-          <p:cNvSpPr/>
-          <p:nvPr>
-            <p:ph idx="2" type="sldImg"/>
+          <p:cNvSpPr>
+            <a:spLocks noGrp="1" noRot="1" noChangeAspect="1"/>
+          </p:cNvSpPr>
+          <p:nvPr>
+            <p:ph type="sldImg" idx="2"/>
           </p:nvPr>
         </p:nvSpPr>
         <p:spPr>
@@ -843,9 +865,13 @@
             <a:ext cx="6096000" cy="3429000"/>
           </a:xfrm>
           <a:custGeom>
-            <a:rect b="b" l="l" r="r" t="t"/>
+            <a:avLst/>
+            <a:gdLst/>
+            <a:ahLst/>
+            <a:cxnLst/>
+            <a:rect l="l" t="t" r="r" b="b"/>
             <a:pathLst>
-              <a:path extrusionOk="0" h="120000" w="120000">
+              <a:path w="120000" h="120000" extrusionOk="0">
                 <a:moveTo>
                   <a:pt x="0" y="0"/>
                 </a:moveTo>
@@ -867,9 +893,11 @@
       <p:sp>
         <p:nvSpPr>
           <p:cNvPr id="122" name="Google Shape;122;g1152e44ef54_0_14:notes"/>
-          <p:cNvSpPr txBox="1"/>
-          <p:nvPr>
-            <p:ph idx="1" type="body"/>
+          <p:cNvSpPr txBox="1">
+            <a:spLocks noGrp="1"/>
+          </p:cNvSpPr>
+          <p:nvPr>
+            <p:ph type="body" idx="1"/>
           </p:nvPr>
         </p:nvSpPr>
         <p:spPr>
@@ -882,23 +910,20 @@
           </a:prstGeom>
         </p:spPr>
         <p:txBody>
-          <a:bodyPr anchorCtr="0" anchor="t" bIns="91425" lIns="91425" spcFirstLastPara="1" rIns="91425" wrap="square" tIns="91425">
+          <a:bodyPr spcFirstLastPara="1" wrap="square" lIns="91425" tIns="91425" rIns="91425" bIns="91425" anchor="t" anchorCtr="0">
             <a:noAutofit/>
           </a:bodyPr>
           <a:lstStyle/>
           <a:p>
-            <a:pPr indent="0" lvl="0" marL="0" rtl="0" algn="l">
-              <a:spcBef>
-                <a:spcPts val="0"/>
-              </a:spcBef>
-              <a:spcAft>
-                <a:spcPts val="0"/>
-              </a:spcAft>
-              <a:buNone/>
-            </a:pPr>
-            <a:r>
-              <a:t/>
-            </a:r>
+            <a:pPr marL="0" lvl="0" indent="0" algn="l" rtl="0">
+              <a:spcBef>
+                <a:spcPts val="0"/>
+              </a:spcBef>
+              <a:spcAft>
+                <a:spcPts val="0"/>
+              </a:spcAft>
+              <a:buNone/>
+            </a:pPr>
             <a:endParaRPr/>
           </a:p>
         </p:txBody>
@@ -912,11 +937,11 @@
 </file>
 
 <file path=ppt/notesSlides/notesSlide11.xml><?xml version="1.0" encoding="utf-8"?>
-<p:notes xmlns:a="http://schemas.openxmlformats.org/drawingml/2006/main" xmlns:r="http://schemas.openxmlformats.org/officeDocument/2006/relationships" xmlns:mc="http://schemas.openxmlformats.org/markup-compatibility/2006" xmlns:mv="urn:schemas-microsoft-com:mac:vml" xmlns:p="http://schemas.openxmlformats.org/presentationml/2006/main" xmlns:c="http://schemas.openxmlformats.org/drawingml/2006/chart" xmlns:dgm="http://schemas.openxmlformats.org/drawingml/2006/diagram" xmlns:o="urn:schemas-microsoft-com:office:office" xmlns:v="urn:schemas-microsoft-com:vml" xmlns:pvml="urn:schemas-microsoft-com:office:powerpoint" xmlns:com="http://schemas.openxmlformats.org/drawingml/2006/compatibility" xmlns:p14="http://schemas.microsoft.com/office/powerpoint/2010/main" xmlns:p15="http://schemas.microsoft.com/office/powerpoint/2012/main" xmlns:ahyp="http://schemas.microsoft.com/office/drawing/2018/hyperlinkcolor" showMasterPhAnim="0" showMasterSp="0">
+<p:notes xmlns:a="http://schemas.openxmlformats.org/drawingml/2006/main" xmlns:r="http://schemas.openxmlformats.org/officeDocument/2006/relationships" xmlns:p="http://schemas.openxmlformats.org/presentationml/2006/main" showMasterSp="0" showMasterPhAnim="0">
   <p:cSld>
     <p:spTree>
       <p:nvGrpSpPr>
-        <p:cNvPr id="128" name="Shape 128"/>
+        <p:cNvPr id="1" name="Shape 128"/>
         <p:cNvGrpSpPr/>
         <p:nvPr/>
       </p:nvGrpSpPr>
@@ -931,20 +956,26 @@
       <p:sp>
         <p:nvSpPr>
           <p:cNvPr id="129" name="Google Shape;129;g115637626fa_0_95:notes"/>
-          <p:cNvSpPr/>
-          <p:nvPr>
-            <p:ph idx="2" type="sldImg"/>
-          </p:nvPr>
-        </p:nvSpPr>
-        <p:spPr>
-          <a:xfrm>
-            <a:off x="381300" y="685800"/>
+          <p:cNvSpPr>
+            <a:spLocks noGrp="1" noRot="1" noChangeAspect="1"/>
+          </p:cNvSpPr>
+          <p:nvPr>
+            <p:ph type="sldImg" idx="2"/>
+          </p:nvPr>
+        </p:nvSpPr>
+        <p:spPr>
+          <a:xfrm>
+            <a:off x="381000" y="685800"/>
             <a:ext cx="6096000" cy="3429000"/>
           </a:xfrm>
           <a:custGeom>
-            <a:rect b="b" l="l" r="r" t="t"/>
+            <a:avLst/>
+            <a:gdLst/>
+            <a:ahLst/>
+            <a:cxnLst/>
+            <a:rect l="l" t="t" r="r" b="b"/>
             <a:pathLst>
-              <a:path extrusionOk="0" h="120000" w="120000">
+              <a:path w="120000" h="120000" extrusionOk="0">
                 <a:moveTo>
                   <a:pt x="0" y="0"/>
                 </a:moveTo>
@@ -966,9 +997,11 @@
       <p:sp>
         <p:nvSpPr>
           <p:cNvPr id="130" name="Google Shape;130;g115637626fa_0_95:notes"/>
-          <p:cNvSpPr txBox="1"/>
-          <p:nvPr>
-            <p:ph idx="1" type="body"/>
+          <p:cNvSpPr txBox="1">
+            <a:spLocks noGrp="1"/>
+          </p:cNvSpPr>
+          <p:nvPr>
+            <p:ph type="body" idx="1"/>
           </p:nvPr>
         </p:nvSpPr>
         <p:spPr>
@@ -981,23 +1014,20 @@
           </a:prstGeom>
         </p:spPr>
         <p:txBody>
-          <a:bodyPr anchorCtr="0" anchor="t" bIns="91425" lIns="91425" spcFirstLastPara="1" rIns="91425" wrap="square" tIns="91425">
+          <a:bodyPr spcFirstLastPara="1" wrap="square" lIns="91425" tIns="91425" rIns="91425" bIns="91425" anchor="t" anchorCtr="0">
             <a:noAutofit/>
           </a:bodyPr>
           <a:lstStyle/>
           <a:p>
-            <a:pPr indent="0" lvl="0" marL="0" rtl="0" algn="l">
-              <a:spcBef>
-                <a:spcPts val="0"/>
-              </a:spcBef>
-              <a:spcAft>
-                <a:spcPts val="0"/>
-              </a:spcAft>
-              <a:buNone/>
-            </a:pPr>
-            <a:r>
-              <a:t/>
-            </a:r>
+            <a:pPr marL="0" lvl="0" indent="0" algn="l" rtl="0">
+              <a:spcBef>
+                <a:spcPts val="0"/>
+              </a:spcBef>
+              <a:spcAft>
+                <a:spcPts val="0"/>
+              </a:spcAft>
+              <a:buNone/>
+            </a:pPr>
             <a:endParaRPr/>
           </a:p>
         </p:txBody>
@@ -1011,11 +1041,11 @@
 </file>
 
 <file path=ppt/notesSlides/notesSlide12.xml><?xml version="1.0" encoding="utf-8"?>
-<p:notes xmlns:a="http://schemas.openxmlformats.org/drawingml/2006/main" xmlns:r="http://schemas.openxmlformats.org/officeDocument/2006/relationships" xmlns:mc="http://schemas.openxmlformats.org/markup-compatibility/2006" xmlns:mv="urn:schemas-microsoft-com:mac:vml" xmlns:p="http://schemas.openxmlformats.org/presentationml/2006/main" xmlns:c="http://schemas.openxmlformats.org/drawingml/2006/chart" xmlns:dgm="http://schemas.openxmlformats.org/drawingml/2006/diagram" xmlns:o="urn:schemas-microsoft-com:office:office" xmlns:v="urn:schemas-microsoft-com:vml" xmlns:pvml="urn:schemas-microsoft-com:office:powerpoint" xmlns:com="http://schemas.openxmlformats.org/drawingml/2006/compatibility" xmlns:p14="http://schemas.microsoft.com/office/powerpoint/2010/main" xmlns:p15="http://schemas.microsoft.com/office/powerpoint/2012/main" xmlns:ahyp="http://schemas.microsoft.com/office/drawing/2018/hyperlinkcolor" showMasterPhAnim="0" showMasterSp="0">
+<p:notes xmlns:a="http://schemas.openxmlformats.org/drawingml/2006/main" xmlns:r="http://schemas.openxmlformats.org/officeDocument/2006/relationships" xmlns:p="http://schemas.openxmlformats.org/presentationml/2006/main" showMasterSp="0" showMasterPhAnim="0">
   <p:cSld>
     <p:spTree>
       <p:nvGrpSpPr>
-        <p:cNvPr id="135" name="Shape 135"/>
+        <p:cNvPr id="1" name="Shape 135"/>
         <p:cNvGrpSpPr/>
         <p:nvPr/>
       </p:nvGrpSpPr>
@@ -1030,9 +1060,11 @@
       <p:sp>
         <p:nvSpPr>
           <p:cNvPr id="136" name="Google Shape;136;g115637626fa_0_102:notes"/>
-          <p:cNvSpPr/>
-          <p:nvPr>
-            <p:ph idx="2" type="sldImg"/>
+          <p:cNvSpPr>
+            <a:spLocks noGrp="1" noRot="1" noChangeAspect="1"/>
+          </p:cNvSpPr>
+          <p:nvPr>
+            <p:ph type="sldImg" idx="2"/>
           </p:nvPr>
         </p:nvSpPr>
         <p:spPr>
@@ -1041,9 +1073,13 @@
             <a:ext cx="6096000" cy="3429000"/>
           </a:xfrm>
           <a:custGeom>
-            <a:rect b="b" l="l" r="r" t="t"/>
+            <a:avLst/>
+            <a:gdLst/>
+            <a:ahLst/>
+            <a:cxnLst/>
+            <a:rect l="l" t="t" r="r" b="b"/>
             <a:pathLst>
-              <a:path extrusionOk="0" h="120000" w="120000">
+              <a:path w="120000" h="120000" extrusionOk="0">
                 <a:moveTo>
                   <a:pt x="0" y="0"/>
                 </a:moveTo>
@@ -1065,9 +1101,11 @@
       <p:sp>
         <p:nvSpPr>
           <p:cNvPr id="137" name="Google Shape;137;g115637626fa_0_102:notes"/>
-          <p:cNvSpPr txBox="1"/>
-          <p:nvPr>
-            <p:ph idx="1" type="body"/>
+          <p:cNvSpPr txBox="1">
+            <a:spLocks noGrp="1"/>
+          </p:cNvSpPr>
+          <p:nvPr>
+            <p:ph type="body" idx="1"/>
           </p:nvPr>
         </p:nvSpPr>
         <p:spPr>
@@ -1080,23 +1118,20 @@
           </a:prstGeom>
         </p:spPr>
         <p:txBody>
-          <a:bodyPr anchorCtr="0" anchor="t" bIns="91425" lIns="91425" spcFirstLastPara="1" rIns="91425" wrap="square" tIns="91425">
+          <a:bodyPr spcFirstLastPara="1" wrap="square" lIns="91425" tIns="91425" rIns="91425" bIns="91425" anchor="t" anchorCtr="0">
             <a:noAutofit/>
           </a:bodyPr>
           <a:lstStyle/>
           <a:p>
-            <a:pPr indent="0" lvl="0" marL="0" rtl="0" algn="l">
-              <a:spcBef>
-                <a:spcPts val="0"/>
-              </a:spcBef>
-              <a:spcAft>
-                <a:spcPts val="0"/>
-              </a:spcAft>
-              <a:buNone/>
-            </a:pPr>
-            <a:r>
-              <a:t/>
-            </a:r>
+            <a:pPr marL="0" lvl="0" indent="0" algn="l" rtl="0">
+              <a:spcBef>
+                <a:spcPts val="0"/>
+              </a:spcBef>
+              <a:spcAft>
+                <a:spcPts val="0"/>
+              </a:spcAft>
+              <a:buNone/>
+            </a:pPr>
             <a:endParaRPr/>
           </a:p>
         </p:txBody>
@@ -1110,11 +1145,11 @@
 </file>
 
 <file path=ppt/notesSlides/notesSlide13.xml><?xml version="1.0" encoding="utf-8"?>
-<p:notes xmlns:a="http://schemas.openxmlformats.org/drawingml/2006/main" xmlns:r="http://schemas.openxmlformats.org/officeDocument/2006/relationships" xmlns:mc="http://schemas.openxmlformats.org/markup-compatibility/2006" xmlns:mv="urn:schemas-microsoft-com:mac:vml" xmlns:p="http://schemas.openxmlformats.org/presentationml/2006/main" xmlns:c="http://schemas.openxmlformats.org/drawingml/2006/chart" xmlns:dgm="http://schemas.openxmlformats.org/drawingml/2006/diagram" xmlns:o="urn:schemas-microsoft-com:office:office" xmlns:v="urn:schemas-microsoft-com:vml" xmlns:pvml="urn:schemas-microsoft-com:office:powerpoint" xmlns:com="http://schemas.openxmlformats.org/drawingml/2006/compatibility" xmlns:p14="http://schemas.microsoft.com/office/powerpoint/2010/main" xmlns:p15="http://schemas.microsoft.com/office/powerpoint/2012/main" xmlns:ahyp="http://schemas.microsoft.com/office/drawing/2018/hyperlinkcolor" showMasterPhAnim="0" showMasterSp="0">
+<p:notes xmlns:a="http://schemas.openxmlformats.org/drawingml/2006/main" xmlns:r="http://schemas.openxmlformats.org/officeDocument/2006/relationships" xmlns:p="http://schemas.openxmlformats.org/presentationml/2006/main" showMasterSp="0" showMasterPhAnim="0">
   <p:cSld>
     <p:spTree>
       <p:nvGrpSpPr>
-        <p:cNvPr id="142" name="Shape 142"/>
+        <p:cNvPr id="1" name="Shape 142"/>
         <p:cNvGrpSpPr/>
         <p:nvPr/>
       </p:nvGrpSpPr>
@@ -1129,20 +1164,26 @@
       <p:sp>
         <p:nvSpPr>
           <p:cNvPr id="143" name="Google Shape;143;g115637626fa_0_108:notes"/>
-          <p:cNvSpPr/>
-          <p:nvPr>
-            <p:ph idx="2" type="sldImg"/>
-          </p:nvPr>
-        </p:nvSpPr>
-        <p:spPr>
-          <a:xfrm>
-            <a:off x="381300" y="685800"/>
+          <p:cNvSpPr>
+            <a:spLocks noGrp="1" noRot="1" noChangeAspect="1"/>
+          </p:cNvSpPr>
+          <p:nvPr>
+            <p:ph type="sldImg" idx="2"/>
+          </p:nvPr>
+        </p:nvSpPr>
+        <p:spPr>
+          <a:xfrm>
+            <a:off x="381000" y="685800"/>
             <a:ext cx="6096000" cy="3429000"/>
           </a:xfrm>
           <a:custGeom>
-            <a:rect b="b" l="l" r="r" t="t"/>
+            <a:avLst/>
+            <a:gdLst/>
+            <a:ahLst/>
+            <a:cxnLst/>
+            <a:rect l="l" t="t" r="r" b="b"/>
             <a:pathLst>
-              <a:path extrusionOk="0" h="120000" w="120000">
+              <a:path w="120000" h="120000" extrusionOk="0">
                 <a:moveTo>
                   <a:pt x="0" y="0"/>
                 </a:moveTo>
@@ -1164,9 +1205,11 @@
       <p:sp>
         <p:nvSpPr>
           <p:cNvPr id="144" name="Google Shape;144;g115637626fa_0_108:notes"/>
-          <p:cNvSpPr txBox="1"/>
-          <p:nvPr>
-            <p:ph idx="1" type="body"/>
+          <p:cNvSpPr txBox="1">
+            <a:spLocks noGrp="1"/>
+          </p:cNvSpPr>
+          <p:nvPr>
+            <p:ph type="body" idx="1"/>
           </p:nvPr>
         </p:nvSpPr>
         <p:spPr>
@@ -1179,23 +1222,20 @@
           </a:prstGeom>
         </p:spPr>
         <p:txBody>
-          <a:bodyPr anchorCtr="0" anchor="t" bIns="91425" lIns="91425" spcFirstLastPara="1" rIns="91425" wrap="square" tIns="91425">
+          <a:bodyPr spcFirstLastPara="1" wrap="square" lIns="91425" tIns="91425" rIns="91425" bIns="91425" anchor="t" anchorCtr="0">
             <a:noAutofit/>
           </a:bodyPr>
           <a:lstStyle/>
           <a:p>
-            <a:pPr indent="0" lvl="0" marL="0" rtl="0" algn="l">
-              <a:spcBef>
-                <a:spcPts val="0"/>
-              </a:spcBef>
-              <a:spcAft>
-                <a:spcPts val="0"/>
-              </a:spcAft>
-              <a:buNone/>
-            </a:pPr>
-            <a:r>
-              <a:t/>
-            </a:r>
+            <a:pPr marL="0" lvl="0" indent="0" algn="l" rtl="0">
+              <a:spcBef>
+                <a:spcPts val="0"/>
+              </a:spcBef>
+              <a:spcAft>
+                <a:spcPts val="0"/>
+              </a:spcAft>
+              <a:buNone/>
+            </a:pPr>
             <a:endParaRPr/>
           </a:p>
         </p:txBody>
@@ -1209,11 +1249,11 @@
 </file>
 
 <file path=ppt/notesSlides/notesSlide14.xml><?xml version="1.0" encoding="utf-8"?>
-<p:notes xmlns:a="http://schemas.openxmlformats.org/drawingml/2006/main" xmlns:r="http://schemas.openxmlformats.org/officeDocument/2006/relationships" xmlns:mc="http://schemas.openxmlformats.org/markup-compatibility/2006" xmlns:mv="urn:schemas-microsoft-com:mac:vml" xmlns:p="http://schemas.openxmlformats.org/presentationml/2006/main" xmlns:c="http://schemas.openxmlformats.org/drawingml/2006/chart" xmlns:dgm="http://schemas.openxmlformats.org/drawingml/2006/diagram" xmlns:o="urn:schemas-microsoft-com:office:office" xmlns:v="urn:schemas-microsoft-com:vml" xmlns:pvml="urn:schemas-microsoft-com:office:powerpoint" xmlns:com="http://schemas.openxmlformats.org/drawingml/2006/compatibility" xmlns:p14="http://schemas.microsoft.com/office/powerpoint/2010/main" xmlns:p15="http://schemas.microsoft.com/office/powerpoint/2012/main" xmlns:ahyp="http://schemas.microsoft.com/office/drawing/2018/hyperlinkcolor" showMasterPhAnim="0" showMasterSp="0">
+<p:notes xmlns:a="http://schemas.openxmlformats.org/drawingml/2006/main" xmlns:r="http://schemas.openxmlformats.org/officeDocument/2006/relationships" xmlns:p="http://schemas.openxmlformats.org/presentationml/2006/main" showMasterSp="0" showMasterPhAnim="0">
   <p:cSld>
     <p:spTree>
       <p:nvGrpSpPr>
-        <p:cNvPr id="153" name="Shape 153"/>
+        <p:cNvPr id="1" name="Shape 153"/>
         <p:cNvGrpSpPr/>
         <p:nvPr/>
       </p:nvGrpSpPr>
@@ -1228,9 +1268,11 @@
       <p:sp>
         <p:nvSpPr>
           <p:cNvPr id="154" name="Google Shape;154;g115637626fa_0_13:notes"/>
-          <p:cNvSpPr/>
-          <p:nvPr>
-            <p:ph idx="2" type="sldImg"/>
+          <p:cNvSpPr>
+            <a:spLocks noGrp="1" noRot="1" noChangeAspect="1"/>
+          </p:cNvSpPr>
+          <p:nvPr>
+            <p:ph type="sldImg" idx="2"/>
           </p:nvPr>
         </p:nvSpPr>
         <p:spPr>
@@ -1239,9 +1281,13 @@
             <a:ext cx="6096000" cy="3429000"/>
           </a:xfrm>
           <a:custGeom>
-            <a:rect b="b" l="l" r="r" t="t"/>
+            <a:avLst/>
+            <a:gdLst/>
+            <a:ahLst/>
+            <a:cxnLst/>
+            <a:rect l="l" t="t" r="r" b="b"/>
             <a:pathLst>
-              <a:path extrusionOk="0" h="120000" w="120000">
+              <a:path w="120000" h="120000" extrusionOk="0">
                 <a:moveTo>
                   <a:pt x="0" y="0"/>
                 </a:moveTo>
@@ -1263,9 +1309,11 @@
       <p:sp>
         <p:nvSpPr>
           <p:cNvPr id="155" name="Google Shape;155;g115637626fa_0_13:notes"/>
-          <p:cNvSpPr txBox="1"/>
-          <p:nvPr>
-            <p:ph idx="1" type="body"/>
+          <p:cNvSpPr txBox="1">
+            <a:spLocks noGrp="1"/>
+          </p:cNvSpPr>
+          <p:nvPr>
+            <p:ph type="body" idx="1"/>
           </p:nvPr>
         </p:nvSpPr>
         <p:spPr>
@@ -1278,23 +1326,20 @@
           </a:prstGeom>
         </p:spPr>
         <p:txBody>
-          <a:bodyPr anchorCtr="0" anchor="t" bIns="91425" lIns="91425" spcFirstLastPara="1" rIns="91425" wrap="square" tIns="91425">
+          <a:bodyPr spcFirstLastPara="1" wrap="square" lIns="91425" tIns="91425" rIns="91425" bIns="91425" anchor="t" anchorCtr="0">
             <a:noAutofit/>
           </a:bodyPr>
           <a:lstStyle/>
           <a:p>
-            <a:pPr indent="0" lvl="0" marL="0" rtl="0" algn="l">
-              <a:spcBef>
-                <a:spcPts val="0"/>
-              </a:spcBef>
-              <a:spcAft>
-                <a:spcPts val="0"/>
-              </a:spcAft>
-              <a:buNone/>
-            </a:pPr>
-            <a:r>
-              <a:t/>
-            </a:r>
+            <a:pPr marL="0" lvl="0" indent="0" algn="l" rtl="0">
+              <a:spcBef>
+                <a:spcPts val="0"/>
+              </a:spcBef>
+              <a:spcAft>
+                <a:spcPts val="0"/>
+              </a:spcAft>
+              <a:buNone/>
+            </a:pPr>
             <a:endParaRPr/>
           </a:p>
         </p:txBody>
@@ -1308,11 +1353,11 @@
 </file>
 
 <file path=ppt/notesSlides/notesSlide15.xml><?xml version="1.0" encoding="utf-8"?>
-<p:notes xmlns:a="http://schemas.openxmlformats.org/drawingml/2006/main" xmlns:r="http://schemas.openxmlformats.org/officeDocument/2006/relationships" xmlns:mc="http://schemas.openxmlformats.org/markup-compatibility/2006" xmlns:mv="urn:schemas-microsoft-com:mac:vml" xmlns:p="http://schemas.openxmlformats.org/presentationml/2006/main" xmlns:c="http://schemas.openxmlformats.org/drawingml/2006/chart" xmlns:dgm="http://schemas.openxmlformats.org/drawingml/2006/diagram" xmlns:o="urn:schemas-microsoft-com:office:office" xmlns:v="urn:schemas-microsoft-com:vml" xmlns:pvml="urn:schemas-microsoft-com:office:powerpoint" xmlns:com="http://schemas.openxmlformats.org/drawingml/2006/compatibility" xmlns:p14="http://schemas.microsoft.com/office/powerpoint/2010/main" xmlns:p15="http://schemas.microsoft.com/office/powerpoint/2012/main" xmlns:ahyp="http://schemas.microsoft.com/office/drawing/2018/hyperlinkcolor" showMasterPhAnim="0" showMasterSp="0">
+<p:notes xmlns:a="http://schemas.openxmlformats.org/drawingml/2006/main" xmlns:r="http://schemas.openxmlformats.org/officeDocument/2006/relationships" xmlns:p="http://schemas.openxmlformats.org/presentationml/2006/main" showMasterSp="0" showMasterPhAnim="0">
   <p:cSld>
     <p:spTree>
       <p:nvGrpSpPr>
-        <p:cNvPr id="161" name="Shape 161"/>
+        <p:cNvPr id="1" name="Shape 161"/>
         <p:cNvGrpSpPr/>
         <p:nvPr/>
       </p:nvGrpSpPr>
@@ -1327,9 +1372,11 @@
       <p:sp>
         <p:nvSpPr>
           <p:cNvPr id="162" name="Google Shape;162;g115637626fa_0_121:notes"/>
-          <p:cNvSpPr/>
-          <p:nvPr>
-            <p:ph idx="2" type="sldImg"/>
+          <p:cNvSpPr>
+            <a:spLocks noGrp="1" noRot="1" noChangeAspect="1"/>
+          </p:cNvSpPr>
+          <p:nvPr>
+            <p:ph type="sldImg" idx="2"/>
           </p:nvPr>
         </p:nvSpPr>
         <p:spPr>
@@ -1338,9 +1385,13 @@
             <a:ext cx="6096000" cy="3429000"/>
           </a:xfrm>
           <a:custGeom>
-            <a:rect b="b" l="l" r="r" t="t"/>
+            <a:avLst/>
+            <a:gdLst/>
+            <a:ahLst/>
+            <a:cxnLst/>
+            <a:rect l="l" t="t" r="r" b="b"/>
             <a:pathLst>
-              <a:path extrusionOk="0" h="120000" w="120000">
+              <a:path w="120000" h="120000" extrusionOk="0">
                 <a:moveTo>
                   <a:pt x="0" y="0"/>
                 </a:moveTo>
@@ -1362,9 +1413,11 @@
       <p:sp>
         <p:nvSpPr>
           <p:cNvPr id="163" name="Google Shape;163;g115637626fa_0_121:notes"/>
-          <p:cNvSpPr txBox="1"/>
-          <p:nvPr>
-            <p:ph idx="1" type="body"/>
+          <p:cNvSpPr txBox="1">
+            <a:spLocks noGrp="1"/>
+          </p:cNvSpPr>
+          <p:nvPr>
+            <p:ph type="body" idx="1"/>
           </p:nvPr>
         </p:nvSpPr>
         <p:spPr>
@@ -1377,23 +1430,20 @@
           </a:prstGeom>
         </p:spPr>
         <p:txBody>
-          <a:bodyPr anchorCtr="0" anchor="t" bIns="91425" lIns="91425" spcFirstLastPara="1" rIns="91425" wrap="square" tIns="91425">
+          <a:bodyPr spcFirstLastPara="1" wrap="square" lIns="91425" tIns="91425" rIns="91425" bIns="91425" anchor="t" anchorCtr="0">
             <a:noAutofit/>
           </a:bodyPr>
           <a:lstStyle/>
           <a:p>
-            <a:pPr indent="0" lvl="0" marL="0" rtl="0" algn="l">
-              <a:spcBef>
-                <a:spcPts val="0"/>
-              </a:spcBef>
-              <a:spcAft>
-                <a:spcPts val="0"/>
-              </a:spcAft>
-              <a:buNone/>
-            </a:pPr>
-            <a:r>
-              <a:t/>
-            </a:r>
+            <a:pPr marL="0" lvl="0" indent="0" algn="l" rtl="0">
+              <a:spcBef>
+                <a:spcPts val="0"/>
+              </a:spcBef>
+              <a:spcAft>
+                <a:spcPts val="0"/>
+              </a:spcAft>
+              <a:buNone/>
+            </a:pPr>
             <a:endParaRPr/>
           </a:p>
         </p:txBody>
@@ -1407,11 +1457,11 @@
 </file>
 
 <file path=ppt/notesSlides/notesSlide16.xml><?xml version="1.0" encoding="utf-8"?>
-<p:notes xmlns:a="http://schemas.openxmlformats.org/drawingml/2006/main" xmlns:r="http://schemas.openxmlformats.org/officeDocument/2006/relationships" xmlns:mc="http://schemas.openxmlformats.org/markup-compatibility/2006" xmlns:mv="urn:schemas-microsoft-com:mac:vml" xmlns:p="http://schemas.openxmlformats.org/presentationml/2006/main" xmlns:c="http://schemas.openxmlformats.org/drawingml/2006/chart" xmlns:dgm="http://schemas.openxmlformats.org/drawingml/2006/diagram" xmlns:o="urn:schemas-microsoft-com:office:office" xmlns:v="urn:schemas-microsoft-com:vml" xmlns:pvml="urn:schemas-microsoft-com:office:powerpoint" xmlns:com="http://schemas.openxmlformats.org/drawingml/2006/compatibility" xmlns:p14="http://schemas.microsoft.com/office/powerpoint/2010/main" xmlns:p15="http://schemas.microsoft.com/office/powerpoint/2012/main" xmlns:ahyp="http://schemas.microsoft.com/office/drawing/2018/hyperlinkcolor" showMasterPhAnim="0" showMasterSp="0">
+<p:notes xmlns:a="http://schemas.openxmlformats.org/drawingml/2006/main" xmlns:r="http://schemas.openxmlformats.org/officeDocument/2006/relationships" xmlns:p="http://schemas.openxmlformats.org/presentationml/2006/main" showMasterSp="0" showMasterPhAnim="0">
   <p:cSld>
     <p:spTree>
       <p:nvGrpSpPr>
-        <p:cNvPr id="168" name="Shape 168"/>
+        <p:cNvPr id="1" name="Shape 168"/>
         <p:cNvGrpSpPr/>
         <p:nvPr/>
       </p:nvGrpSpPr>
@@ -1426,9 +1476,11 @@
       <p:sp>
         <p:nvSpPr>
           <p:cNvPr id="169" name="Google Shape;169;g115637626fa_0_127:notes"/>
-          <p:cNvSpPr/>
-          <p:nvPr>
-            <p:ph idx="2" type="sldImg"/>
+          <p:cNvSpPr>
+            <a:spLocks noGrp="1" noRot="1" noChangeAspect="1"/>
+          </p:cNvSpPr>
+          <p:nvPr>
+            <p:ph type="sldImg" idx="2"/>
           </p:nvPr>
         </p:nvSpPr>
         <p:spPr>
@@ -1437,9 +1489,13 @@
             <a:ext cx="6096000" cy="3429000"/>
           </a:xfrm>
           <a:custGeom>
-            <a:rect b="b" l="l" r="r" t="t"/>
+            <a:avLst/>
+            <a:gdLst/>
+            <a:ahLst/>
+            <a:cxnLst/>
+            <a:rect l="l" t="t" r="r" b="b"/>
             <a:pathLst>
-              <a:path extrusionOk="0" h="120000" w="120000">
+              <a:path w="120000" h="120000" extrusionOk="0">
                 <a:moveTo>
                   <a:pt x="0" y="0"/>
                 </a:moveTo>
@@ -1461,9 +1517,11 @@
       <p:sp>
         <p:nvSpPr>
           <p:cNvPr id="170" name="Google Shape;170;g115637626fa_0_127:notes"/>
-          <p:cNvSpPr txBox="1"/>
-          <p:nvPr>
-            <p:ph idx="1" type="body"/>
+          <p:cNvSpPr txBox="1">
+            <a:spLocks noGrp="1"/>
+          </p:cNvSpPr>
+          <p:nvPr>
+            <p:ph type="body" idx="1"/>
           </p:nvPr>
         </p:nvSpPr>
         <p:spPr>
@@ -1476,23 +1534,20 @@
           </a:prstGeom>
         </p:spPr>
         <p:txBody>
-          <a:bodyPr anchorCtr="0" anchor="t" bIns="91425" lIns="91425" spcFirstLastPara="1" rIns="91425" wrap="square" tIns="91425">
+          <a:bodyPr spcFirstLastPara="1" wrap="square" lIns="91425" tIns="91425" rIns="91425" bIns="91425" anchor="t" anchorCtr="0">
             <a:noAutofit/>
           </a:bodyPr>
           <a:lstStyle/>
           <a:p>
-            <a:pPr indent="0" lvl="0" marL="0" rtl="0" algn="l">
-              <a:spcBef>
-                <a:spcPts val="0"/>
-              </a:spcBef>
-              <a:spcAft>
-                <a:spcPts val="0"/>
-              </a:spcAft>
-              <a:buNone/>
-            </a:pPr>
-            <a:r>
-              <a:t/>
-            </a:r>
+            <a:pPr marL="0" lvl="0" indent="0" algn="l" rtl="0">
+              <a:spcBef>
+                <a:spcPts val="0"/>
+              </a:spcBef>
+              <a:spcAft>
+                <a:spcPts val="0"/>
+              </a:spcAft>
+              <a:buNone/>
+            </a:pPr>
             <a:endParaRPr/>
           </a:p>
         </p:txBody>
@@ -1506,11 +1561,11 @@
 </file>
 
 <file path=ppt/notesSlides/notesSlide17.xml><?xml version="1.0" encoding="utf-8"?>
-<p:notes xmlns:a="http://schemas.openxmlformats.org/drawingml/2006/main" xmlns:r="http://schemas.openxmlformats.org/officeDocument/2006/relationships" xmlns:mc="http://schemas.openxmlformats.org/markup-compatibility/2006" xmlns:mv="urn:schemas-microsoft-com:mac:vml" xmlns:p="http://schemas.openxmlformats.org/presentationml/2006/main" xmlns:c="http://schemas.openxmlformats.org/drawingml/2006/chart" xmlns:dgm="http://schemas.openxmlformats.org/drawingml/2006/diagram" xmlns:o="urn:schemas-microsoft-com:office:office" xmlns:v="urn:schemas-microsoft-com:vml" xmlns:pvml="urn:schemas-microsoft-com:office:powerpoint" xmlns:com="http://schemas.openxmlformats.org/drawingml/2006/compatibility" xmlns:p14="http://schemas.microsoft.com/office/powerpoint/2010/main" xmlns:p15="http://schemas.microsoft.com/office/powerpoint/2012/main" xmlns:ahyp="http://schemas.microsoft.com/office/drawing/2018/hyperlinkcolor" showMasterPhAnim="0" showMasterSp="0">
+<p:notes xmlns:a="http://schemas.openxmlformats.org/drawingml/2006/main" xmlns:r="http://schemas.openxmlformats.org/officeDocument/2006/relationships" xmlns:p="http://schemas.openxmlformats.org/presentationml/2006/main" showMasterSp="0" showMasterPhAnim="0">
   <p:cSld>
     <p:spTree>
       <p:nvGrpSpPr>
-        <p:cNvPr id="181" name="Shape 181"/>
+        <p:cNvPr id="1" name="Shape 181"/>
         <p:cNvGrpSpPr/>
         <p:nvPr/>
       </p:nvGrpSpPr>
@@ -1525,9 +1580,11 @@
       <p:sp>
         <p:nvSpPr>
           <p:cNvPr id="182" name="Google Shape;182;g115637626fa_0_18:notes"/>
-          <p:cNvSpPr/>
-          <p:nvPr>
-            <p:ph idx="2" type="sldImg"/>
+          <p:cNvSpPr>
+            <a:spLocks noGrp="1" noRot="1" noChangeAspect="1"/>
+          </p:cNvSpPr>
+          <p:nvPr>
+            <p:ph type="sldImg" idx="2"/>
           </p:nvPr>
         </p:nvSpPr>
         <p:spPr>
@@ -1536,9 +1593,13 @@
             <a:ext cx="6096000" cy="3429000"/>
           </a:xfrm>
           <a:custGeom>
-            <a:rect b="b" l="l" r="r" t="t"/>
+            <a:avLst/>
+            <a:gdLst/>
+            <a:ahLst/>
+            <a:cxnLst/>
+            <a:rect l="l" t="t" r="r" b="b"/>
             <a:pathLst>
-              <a:path extrusionOk="0" h="120000" w="120000">
+              <a:path w="120000" h="120000" extrusionOk="0">
                 <a:moveTo>
                   <a:pt x="0" y="0"/>
                 </a:moveTo>
@@ -1560,9 +1621,11 @@
       <p:sp>
         <p:nvSpPr>
           <p:cNvPr id="183" name="Google Shape;183;g115637626fa_0_18:notes"/>
-          <p:cNvSpPr txBox="1"/>
-          <p:nvPr>
-            <p:ph idx="1" type="body"/>
+          <p:cNvSpPr txBox="1">
+            <a:spLocks noGrp="1"/>
+          </p:cNvSpPr>
+          <p:nvPr>
+            <p:ph type="body" idx="1"/>
           </p:nvPr>
         </p:nvSpPr>
         <p:spPr>
@@ -1575,23 +1638,20 @@
           </a:prstGeom>
         </p:spPr>
         <p:txBody>
-          <a:bodyPr anchorCtr="0" anchor="t" bIns="91425" lIns="91425" spcFirstLastPara="1" rIns="91425" wrap="square" tIns="91425">
+          <a:bodyPr spcFirstLastPara="1" wrap="square" lIns="91425" tIns="91425" rIns="91425" bIns="91425" anchor="t" anchorCtr="0">
             <a:noAutofit/>
           </a:bodyPr>
           <a:lstStyle/>
           <a:p>
-            <a:pPr indent="0" lvl="0" marL="0" rtl="0" algn="l">
-              <a:spcBef>
-                <a:spcPts val="0"/>
-              </a:spcBef>
-              <a:spcAft>
-                <a:spcPts val="0"/>
-              </a:spcAft>
-              <a:buNone/>
-            </a:pPr>
-            <a:r>
-              <a:t/>
-            </a:r>
+            <a:pPr marL="0" lvl="0" indent="0" algn="l" rtl="0">
+              <a:spcBef>
+                <a:spcPts val="0"/>
+              </a:spcBef>
+              <a:spcAft>
+                <a:spcPts val="0"/>
+              </a:spcAft>
+              <a:buNone/>
+            </a:pPr>
             <a:endParaRPr/>
           </a:p>
         </p:txBody>
@@ -1605,11 +1665,11 @@
 </file>
 
 <file path=ppt/notesSlides/notesSlide18.xml><?xml version="1.0" encoding="utf-8"?>
-<p:notes xmlns:a="http://schemas.openxmlformats.org/drawingml/2006/main" xmlns:r="http://schemas.openxmlformats.org/officeDocument/2006/relationships" xmlns:mc="http://schemas.openxmlformats.org/markup-compatibility/2006" xmlns:mv="urn:schemas-microsoft-com:mac:vml" xmlns:p="http://schemas.openxmlformats.org/presentationml/2006/main" xmlns:c="http://schemas.openxmlformats.org/drawingml/2006/chart" xmlns:dgm="http://schemas.openxmlformats.org/drawingml/2006/diagram" xmlns:o="urn:schemas-microsoft-com:office:office" xmlns:v="urn:schemas-microsoft-com:vml" xmlns:pvml="urn:schemas-microsoft-com:office:powerpoint" xmlns:com="http://schemas.openxmlformats.org/drawingml/2006/compatibility" xmlns:p14="http://schemas.microsoft.com/office/powerpoint/2010/main" xmlns:p15="http://schemas.microsoft.com/office/powerpoint/2012/main" xmlns:ahyp="http://schemas.microsoft.com/office/drawing/2018/hyperlinkcolor" showMasterPhAnim="0" showMasterSp="0">
+<p:notes xmlns:a="http://schemas.openxmlformats.org/drawingml/2006/main" xmlns:r="http://schemas.openxmlformats.org/officeDocument/2006/relationships" xmlns:p="http://schemas.openxmlformats.org/presentationml/2006/main" showMasterSp="0" showMasterPhAnim="0">
   <p:cSld>
     <p:spTree>
       <p:nvGrpSpPr>
-        <p:cNvPr id="189" name="Shape 189"/>
+        <p:cNvPr id="1" name="Shape 189"/>
         <p:cNvGrpSpPr/>
         <p:nvPr/>
       </p:nvGrpSpPr>
@@ -1624,9 +1684,11 @@
       <p:sp>
         <p:nvSpPr>
           <p:cNvPr id="190" name="Google Shape;190;g115637626fa_0_146:notes"/>
-          <p:cNvSpPr/>
-          <p:nvPr>
-            <p:ph idx="2" type="sldImg"/>
+          <p:cNvSpPr>
+            <a:spLocks noGrp="1" noRot="1" noChangeAspect="1"/>
+          </p:cNvSpPr>
+          <p:nvPr>
+            <p:ph type="sldImg" idx="2"/>
           </p:nvPr>
         </p:nvSpPr>
         <p:spPr>
@@ -1635,9 +1697,13 @@
             <a:ext cx="6096000" cy="3429000"/>
           </a:xfrm>
           <a:custGeom>
-            <a:rect b="b" l="l" r="r" t="t"/>
+            <a:avLst/>
+            <a:gdLst/>
+            <a:ahLst/>
+            <a:cxnLst/>
+            <a:rect l="l" t="t" r="r" b="b"/>
             <a:pathLst>
-              <a:path extrusionOk="0" h="120000" w="120000">
+              <a:path w="120000" h="120000" extrusionOk="0">
                 <a:moveTo>
                   <a:pt x="0" y="0"/>
                 </a:moveTo>
@@ -1659,9 +1725,11 @@
       <p:sp>
         <p:nvSpPr>
           <p:cNvPr id="191" name="Google Shape;191;g115637626fa_0_146:notes"/>
-          <p:cNvSpPr txBox="1"/>
-          <p:nvPr>
-            <p:ph idx="1" type="body"/>
+          <p:cNvSpPr txBox="1">
+            <a:spLocks noGrp="1"/>
+          </p:cNvSpPr>
+          <p:nvPr>
+            <p:ph type="body" idx="1"/>
           </p:nvPr>
         </p:nvSpPr>
         <p:spPr>
@@ -1674,23 +1742,20 @@
           </a:prstGeom>
         </p:spPr>
         <p:txBody>
-          <a:bodyPr anchorCtr="0" anchor="t" bIns="91425" lIns="91425" spcFirstLastPara="1" rIns="91425" wrap="square" tIns="91425">
+          <a:bodyPr spcFirstLastPara="1" wrap="square" lIns="91425" tIns="91425" rIns="91425" bIns="91425" anchor="t" anchorCtr="0">
             <a:noAutofit/>
           </a:bodyPr>
           <a:lstStyle/>
           <a:p>
-            <a:pPr indent="0" lvl="0" marL="0" rtl="0" algn="l">
-              <a:spcBef>
-                <a:spcPts val="0"/>
-              </a:spcBef>
-              <a:spcAft>
-                <a:spcPts val="0"/>
-              </a:spcAft>
-              <a:buNone/>
-            </a:pPr>
-            <a:r>
-              <a:t/>
-            </a:r>
+            <a:pPr marL="0" lvl="0" indent="0" algn="l" rtl="0">
+              <a:spcBef>
+                <a:spcPts val="0"/>
+              </a:spcBef>
+              <a:spcAft>
+                <a:spcPts val="0"/>
+              </a:spcAft>
+              <a:buNone/>
+            </a:pPr>
             <a:endParaRPr/>
           </a:p>
         </p:txBody>
@@ -1704,11 +1769,11 @@
 </file>
 
 <file path=ppt/notesSlides/notesSlide19.xml><?xml version="1.0" encoding="utf-8"?>
-<p:notes xmlns:a="http://schemas.openxmlformats.org/drawingml/2006/main" xmlns:r="http://schemas.openxmlformats.org/officeDocument/2006/relationships" xmlns:mc="http://schemas.openxmlformats.org/markup-compatibility/2006" xmlns:mv="urn:schemas-microsoft-com:mac:vml" xmlns:p="http://schemas.openxmlformats.org/presentationml/2006/main" xmlns:c="http://schemas.openxmlformats.org/drawingml/2006/chart" xmlns:dgm="http://schemas.openxmlformats.org/drawingml/2006/diagram" xmlns:o="urn:schemas-microsoft-com:office:office" xmlns:v="urn:schemas-microsoft-com:vml" xmlns:pvml="urn:schemas-microsoft-com:office:powerpoint" xmlns:com="http://schemas.openxmlformats.org/drawingml/2006/compatibility" xmlns:p14="http://schemas.microsoft.com/office/powerpoint/2010/main" xmlns:p15="http://schemas.microsoft.com/office/powerpoint/2012/main" xmlns:ahyp="http://schemas.microsoft.com/office/drawing/2018/hyperlinkcolor" showMasterPhAnim="0" showMasterSp="0">
+<p:notes xmlns:a="http://schemas.openxmlformats.org/drawingml/2006/main" xmlns:r="http://schemas.openxmlformats.org/officeDocument/2006/relationships" xmlns:p="http://schemas.openxmlformats.org/presentationml/2006/main" showMasterSp="0" showMasterPhAnim="0">
   <p:cSld>
     <p:spTree>
       <p:nvGrpSpPr>
-        <p:cNvPr id="197" name="Shape 197"/>
+        <p:cNvPr id="1" name="Shape 197"/>
         <p:cNvGrpSpPr/>
         <p:nvPr/>
       </p:nvGrpSpPr>
@@ -1723,9 +1788,11 @@
       <p:sp>
         <p:nvSpPr>
           <p:cNvPr id="198" name="Google Shape;198;g115637626fa_0_23:notes"/>
-          <p:cNvSpPr/>
-          <p:nvPr>
-            <p:ph idx="2" type="sldImg"/>
+          <p:cNvSpPr>
+            <a:spLocks noGrp="1" noRot="1" noChangeAspect="1"/>
+          </p:cNvSpPr>
+          <p:nvPr>
+            <p:ph type="sldImg" idx="2"/>
           </p:nvPr>
         </p:nvSpPr>
         <p:spPr>
@@ -1734,9 +1801,13 @@
             <a:ext cx="6096000" cy="3429000"/>
           </a:xfrm>
           <a:custGeom>
-            <a:rect b="b" l="l" r="r" t="t"/>
+            <a:avLst/>
+            <a:gdLst/>
+            <a:ahLst/>
+            <a:cxnLst/>
+            <a:rect l="l" t="t" r="r" b="b"/>
             <a:pathLst>
-              <a:path extrusionOk="0" h="120000" w="120000">
+              <a:path w="120000" h="120000" extrusionOk="0">
                 <a:moveTo>
                   <a:pt x="0" y="0"/>
                 </a:moveTo>
@@ -1758,9 +1829,11 @@
       <p:sp>
         <p:nvSpPr>
           <p:cNvPr id="199" name="Google Shape;199;g115637626fa_0_23:notes"/>
-          <p:cNvSpPr txBox="1"/>
-          <p:nvPr>
-            <p:ph idx="1" type="body"/>
+          <p:cNvSpPr txBox="1">
+            <a:spLocks noGrp="1"/>
+          </p:cNvSpPr>
+          <p:nvPr>
+            <p:ph type="body" idx="1"/>
           </p:nvPr>
         </p:nvSpPr>
         <p:spPr>
@@ -1773,23 +1846,20 @@
           </a:prstGeom>
         </p:spPr>
         <p:txBody>
-          <a:bodyPr anchorCtr="0" anchor="t" bIns="91425" lIns="91425" spcFirstLastPara="1" rIns="91425" wrap="square" tIns="91425">
+          <a:bodyPr spcFirstLastPara="1" wrap="square" lIns="91425" tIns="91425" rIns="91425" bIns="91425" anchor="t" anchorCtr="0">
             <a:noAutofit/>
           </a:bodyPr>
           <a:lstStyle/>
           <a:p>
-            <a:pPr indent="0" lvl="0" marL="0" rtl="0" algn="l">
-              <a:spcBef>
-                <a:spcPts val="0"/>
-              </a:spcBef>
-              <a:spcAft>
-                <a:spcPts val="0"/>
-              </a:spcAft>
-              <a:buNone/>
-            </a:pPr>
-            <a:r>
-              <a:t/>
-            </a:r>
+            <a:pPr marL="0" lvl="0" indent="0" algn="l" rtl="0">
+              <a:spcBef>
+                <a:spcPts val="0"/>
+              </a:spcBef>
+              <a:spcAft>
+                <a:spcPts val="0"/>
+              </a:spcAft>
+              <a:buNone/>
+            </a:pPr>
             <a:endParaRPr/>
           </a:p>
         </p:txBody>
@@ -1803,11 +1873,11 @@
 </file>
 
 <file path=ppt/notesSlides/notesSlide2.xml><?xml version="1.0" encoding="utf-8"?>
-<p:notes xmlns:a="http://schemas.openxmlformats.org/drawingml/2006/main" xmlns:r="http://schemas.openxmlformats.org/officeDocument/2006/relationships" xmlns:mc="http://schemas.openxmlformats.org/markup-compatibility/2006" xmlns:mv="urn:schemas-microsoft-com:mac:vml" xmlns:p="http://schemas.openxmlformats.org/presentationml/2006/main" xmlns:c="http://schemas.openxmlformats.org/drawingml/2006/chart" xmlns:dgm="http://schemas.openxmlformats.org/drawingml/2006/diagram" xmlns:o="urn:schemas-microsoft-com:office:office" xmlns:v="urn:schemas-microsoft-com:vml" xmlns:pvml="urn:schemas-microsoft-com:office:powerpoint" xmlns:com="http://schemas.openxmlformats.org/drawingml/2006/compatibility" xmlns:p14="http://schemas.microsoft.com/office/powerpoint/2010/main" xmlns:p15="http://schemas.microsoft.com/office/powerpoint/2012/main" xmlns:ahyp="http://schemas.microsoft.com/office/drawing/2018/hyperlinkcolor" showMasterPhAnim="0" showMasterSp="0">
+<p:notes xmlns:a="http://schemas.openxmlformats.org/drawingml/2006/main" xmlns:r="http://schemas.openxmlformats.org/officeDocument/2006/relationships" xmlns:p="http://schemas.openxmlformats.org/presentationml/2006/main" showMasterSp="0" showMasterPhAnim="0">
   <p:cSld>
     <p:spTree>
       <p:nvGrpSpPr>
-        <p:cNvPr id="57" name="Shape 57"/>
+        <p:cNvPr id="1" name="Shape 57"/>
         <p:cNvGrpSpPr/>
         <p:nvPr/>
       </p:nvGrpSpPr>
@@ -1822,9 +1892,11 @@
       <p:sp>
         <p:nvSpPr>
           <p:cNvPr id="58" name="Google Shape;58;g1152e44ef54_0_2:notes"/>
-          <p:cNvSpPr/>
-          <p:nvPr>
-            <p:ph idx="2" type="sldImg"/>
+          <p:cNvSpPr>
+            <a:spLocks noGrp="1" noRot="1" noChangeAspect="1"/>
+          </p:cNvSpPr>
+          <p:nvPr>
+            <p:ph type="sldImg" idx="2"/>
           </p:nvPr>
         </p:nvSpPr>
         <p:spPr>
@@ -1833,9 +1905,13 @@
             <a:ext cx="6096000" cy="3429000"/>
           </a:xfrm>
           <a:custGeom>
-            <a:rect b="b" l="l" r="r" t="t"/>
+            <a:avLst/>
+            <a:gdLst/>
+            <a:ahLst/>
+            <a:cxnLst/>
+            <a:rect l="l" t="t" r="r" b="b"/>
             <a:pathLst>
-              <a:path extrusionOk="0" h="120000" w="120000">
+              <a:path w="120000" h="120000" extrusionOk="0">
                 <a:moveTo>
                   <a:pt x="0" y="0"/>
                 </a:moveTo>
@@ -1857,9 +1933,11 @@
       <p:sp>
         <p:nvSpPr>
           <p:cNvPr id="59" name="Google Shape;59;g1152e44ef54_0_2:notes"/>
-          <p:cNvSpPr txBox="1"/>
-          <p:nvPr>
-            <p:ph idx="1" type="body"/>
+          <p:cNvSpPr txBox="1">
+            <a:spLocks noGrp="1"/>
+          </p:cNvSpPr>
+          <p:nvPr>
+            <p:ph type="body" idx="1"/>
           </p:nvPr>
         </p:nvSpPr>
         <p:spPr>
@@ -1872,23 +1950,20 @@
           </a:prstGeom>
         </p:spPr>
         <p:txBody>
-          <a:bodyPr anchorCtr="0" anchor="t" bIns="91425" lIns="91425" spcFirstLastPara="1" rIns="91425" wrap="square" tIns="91425">
+          <a:bodyPr spcFirstLastPara="1" wrap="square" lIns="91425" tIns="91425" rIns="91425" bIns="91425" anchor="t" anchorCtr="0">
             <a:noAutofit/>
           </a:bodyPr>
           <a:lstStyle/>
           <a:p>
-            <a:pPr indent="0" lvl="0" marL="0" rtl="0" algn="l">
-              <a:spcBef>
-                <a:spcPts val="0"/>
-              </a:spcBef>
-              <a:spcAft>
-                <a:spcPts val="0"/>
-              </a:spcAft>
-              <a:buNone/>
-            </a:pPr>
-            <a:r>
-              <a:t/>
-            </a:r>
+            <a:pPr marL="0" lvl="0" indent="0" algn="l" rtl="0">
+              <a:spcBef>
+                <a:spcPts val="0"/>
+              </a:spcBef>
+              <a:spcAft>
+                <a:spcPts val="0"/>
+              </a:spcAft>
+              <a:buNone/>
+            </a:pPr>
             <a:endParaRPr/>
           </a:p>
         </p:txBody>
@@ -1902,11 +1977,11 @@
 </file>
 
 <file path=ppt/notesSlides/notesSlide20.xml><?xml version="1.0" encoding="utf-8"?>
-<p:notes xmlns:a="http://schemas.openxmlformats.org/drawingml/2006/main" xmlns:r="http://schemas.openxmlformats.org/officeDocument/2006/relationships" xmlns:mc="http://schemas.openxmlformats.org/markup-compatibility/2006" xmlns:mv="urn:schemas-microsoft-com:mac:vml" xmlns:p="http://schemas.openxmlformats.org/presentationml/2006/main" xmlns:c="http://schemas.openxmlformats.org/drawingml/2006/chart" xmlns:dgm="http://schemas.openxmlformats.org/drawingml/2006/diagram" xmlns:o="urn:schemas-microsoft-com:office:office" xmlns:v="urn:schemas-microsoft-com:vml" xmlns:pvml="urn:schemas-microsoft-com:office:powerpoint" xmlns:com="http://schemas.openxmlformats.org/drawingml/2006/compatibility" xmlns:p14="http://schemas.microsoft.com/office/powerpoint/2010/main" xmlns:p15="http://schemas.microsoft.com/office/powerpoint/2012/main" xmlns:ahyp="http://schemas.microsoft.com/office/drawing/2018/hyperlinkcolor" showMasterPhAnim="0" showMasterSp="0">
+<p:notes xmlns:a="http://schemas.openxmlformats.org/drawingml/2006/main" xmlns:r="http://schemas.openxmlformats.org/officeDocument/2006/relationships" xmlns:p="http://schemas.openxmlformats.org/presentationml/2006/main" showMasterSp="0" showMasterPhAnim="0">
   <p:cSld>
     <p:spTree>
       <p:nvGrpSpPr>
-        <p:cNvPr id="205" name="Shape 205"/>
+        <p:cNvPr id="1" name="Shape 205"/>
         <p:cNvGrpSpPr/>
         <p:nvPr/>
       </p:nvGrpSpPr>
@@ -1921,9 +1996,11 @@
       <p:sp>
         <p:nvSpPr>
           <p:cNvPr id="206" name="Google Shape;206;g115637626fa_0_28:notes"/>
-          <p:cNvSpPr/>
-          <p:nvPr>
-            <p:ph idx="2" type="sldImg"/>
+          <p:cNvSpPr>
+            <a:spLocks noGrp="1" noRot="1" noChangeAspect="1"/>
+          </p:cNvSpPr>
+          <p:nvPr>
+            <p:ph type="sldImg" idx="2"/>
           </p:nvPr>
         </p:nvSpPr>
         <p:spPr>
@@ -1932,9 +2009,13 @@
             <a:ext cx="6096000" cy="3429000"/>
           </a:xfrm>
           <a:custGeom>
-            <a:rect b="b" l="l" r="r" t="t"/>
+            <a:avLst/>
+            <a:gdLst/>
+            <a:ahLst/>
+            <a:cxnLst/>
+            <a:rect l="l" t="t" r="r" b="b"/>
             <a:pathLst>
-              <a:path extrusionOk="0" h="120000" w="120000">
+              <a:path w="120000" h="120000" extrusionOk="0">
                 <a:moveTo>
                   <a:pt x="0" y="0"/>
                 </a:moveTo>
@@ -1956,9 +2037,11 @@
       <p:sp>
         <p:nvSpPr>
           <p:cNvPr id="207" name="Google Shape;207;g115637626fa_0_28:notes"/>
-          <p:cNvSpPr txBox="1"/>
-          <p:nvPr>
-            <p:ph idx="1" type="body"/>
+          <p:cNvSpPr txBox="1">
+            <a:spLocks noGrp="1"/>
+          </p:cNvSpPr>
+          <p:nvPr>
+            <p:ph type="body" idx="1"/>
           </p:nvPr>
         </p:nvSpPr>
         <p:spPr>
@@ -1971,23 +2054,20 @@
           </a:prstGeom>
         </p:spPr>
         <p:txBody>
-          <a:bodyPr anchorCtr="0" anchor="t" bIns="91425" lIns="91425" spcFirstLastPara="1" rIns="91425" wrap="square" tIns="91425">
+          <a:bodyPr spcFirstLastPara="1" wrap="square" lIns="91425" tIns="91425" rIns="91425" bIns="91425" anchor="t" anchorCtr="0">
             <a:noAutofit/>
           </a:bodyPr>
           <a:lstStyle/>
           <a:p>
-            <a:pPr indent="0" lvl="0" marL="0" rtl="0" algn="l">
-              <a:spcBef>
-                <a:spcPts val="0"/>
-              </a:spcBef>
-              <a:spcAft>
-                <a:spcPts val="0"/>
-              </a:spcAft>
-              <a:buNone/>
-            </a:pPr>
-            <a:r>
-              <a:t/>
-            </a:r>
+            <a:pPr marL="0" lvl="0" indent="0" algn="l" rtl="0">
+              <a:spcBef>
+                <a:spcPts val="0"/>
+              </a:spcBef>
+              <a:spcAft>
+                <a:spcPts val="0"/>
+              </a:spcAft>
+              <a:buNone/>
+            </a:pPr>
             <a:endParaRPr/>
           </a:p>
         </p:txBody>
@@ -2001,11 +2081,11 @@
 </file>
 
 <file path=ppt/notesSlides/notesSlide21.xml><?xml version="1.0" encoding="utf-8"?>
-<p:notes xmlns:a="http://schemas.openxmlformats.org/drawingml/2006/main" xmlns:r="http://schemas.openxmlformats.org/officeDocument/2006/relationships" xmlns:mc="http://schemas.openxmlformats.org/markup-compatibility/2006" xmlns:mv="urn:schemas-microsoft-com:mac:vml" xmlns:p="http://schemas.openxmlformats.org/presentationml/2006/main" xmlns:c="http://schemas.openxmlformats.org/drawingml/2006/chart" xmlns:dgm="http://schemas.openxmlformats.org/drawingml/2006/diagram" xmlns:o="urn:schemas-microsoft-com:office:office" xmlns:v="urn:schemas-microsoft-com:vml" xmlns:pvml="urn:schemas-microsoft-com:office:powerpoint" xmlns:com="http://schemas.openxmlformats.org/drawingml/2006/compatibility" xmlns:p14="http://schemas.microsoft.com/office/powerpoint/2010/main" xmlns:p15="http://schemas.microsoft.com/office/powerpoint/2012/main" xmlns:ahyp="http://schemas.microsoft.com/office/drawing/2018/hyperlinkcolor" showMasterPhAnim="0" showMasterSp="0">
+<p:notes xmlns:a="http://schemas.openxmlformats.org/drawingml/2006/main" xmlns:r="http://schemas.openxmlformats.org/officeDocument/2006/relationships" xmlns:p="http://schemas.openxmlformats.org/presentationml/2006/main" showMasterSp="0" showMasterPhAnim="0">
   <p:cSld>
     <p:spTree>
       <p:nvGrpSpPr>
-        <p:cNvPr id="213" name="Shape 213"/>
+        <p:cNvPr id="1" name="Shape 213"/>
         <p:cNvGrpSpPr/>
         <p:nvPr/>
       </p:nvGrpSpPr>
@@ -2020,9 +2100,11 @@
       <p:sp>
         <p:nvSpPr>
           <p:cNvPr id="214" name="Google Shape;214;g1184faf39ae_0_0:notes"/>
-          <p:cNvSpPr/>
-          <p:nvPr>
-            <p:ph idx="2" type="sldImg"/>
+          <p:cNvSpPr>
+            <a:spLocks noGrp="1" noRot="1" noChangeAspect="1"/>
+          </p:cNvSpPr>
+          <p:nvPr>
+            <p:ph type="sldImg" idx="2"/>
           </p:nvPr>
         </p:nvSpPr>
         <p:spPr>
@@ -2031,9 +2113,13 @@
             <a:ext cx="6096000" cy="3429000"/>
           </a:xfrm>
           <a:custGeom>
-            <a:rect b="b" l="l" r="r" t="t"/>
+            <a:avLst/>
+            <a:gdLst/>
+            <a:ahLst/>
+            <a:cxnLst/>
+            <a:rect l="l" t="t" r="r" b="b"/>
             <a:pathLst>
-              <a:path extrusionOk="0" h="120000" w="120000">
+              <a:path w="120000" h="120000" extrusionOk="0">
                 <a:moveTo>
                   <a:pt x="0" y="0"/>
                 </a:moveTo>
@@ -2055,9 +2141,11 @@
       <p:sp>
         <p:nvSpPr>
           <p:cNvPr id="215" name="Google Shape;215;g1184faf39ae_0_0:notes"/>
-          <p:cNvSpPr txBox="1"/>
-          <p:nvPr>
-            <p:ph idx="1" type="body"/>
+          <p:cNvSpPr txBox="1">
+            <a:spLocks noGrp="1"/>
+          </p:cNvSpPr>
+          <p:nvPr>
+            <p:ph type="body" idx="1"/>
           </p:nvPr>
         </p:nvSpPr>
         <p:spPr>
@@ -2070,23 +2158,20 @@
           </a:prstGeom>
         </p:spPr>
         <p:txBody>
-          <a:bodyPr anchorCtr="0" anchor="t" bIns="91425" lIns="91425" spcFirstLastPara="1" rIns="91425" wrap="square" tIns="91425">
+          <a:bodyPr spcFirstLastPara="1" wrap="square" lIns="91425" tIns="91425" rIns="91425" bIns="91425" anchor="t" anchorCtr="0">
             <a:noAutofit/>
           </a:bodyPr>
           <a:lstStyle/>
           <a:p>
-            <a:pPr indent="0" lvl="0" marL="0" rtl="0" algn="l">
-              <a:spcBef>
-                <a:spcPts val="0"/>
-              </a:spcBef>
-              <a:spcAft>
-                <a:spcPts val="0"/>
-              </a:spcAft>
-              <a:buNone/>
-            </a:pPr>
-            <a:r>
-              <a:t/>
-            </a:r>
+            <a:pPr marL="0" lvl="0" indent="0" algn="l" rtl="0">
+              <a:spcBef>
+                <a:spcPts val="0"/>
+              </a:spcBef>
+              <a:spcAft>
+                <a:spcPts val="0"/>
+              </a:spcAft>
+              <a:buNone/>
+            </a:pPr>
             <a:endParaRPr/>
           </a:p>
         </p:txBody>
@@ -2100,11 +2185,11 @@
 </file>
 
 <file path=ppt/notesSlides/notesSlide22.xml><?xml version="1.0" encoding="utf-8"?>
-<p:notes xmlns:a="http://schemas.openxmlformats.org/drawingml/2006/main" xmlns:r="http://schemas.openxmlformats.org/officeDocument/2006/relationships" xmlns:mc="http://schemas.openxmlformats.org/markup-compatibility/2006" xmlns:mv="urn:schemas-microsoft-com:mac:vml" xmlns:p="http://schemas.openxmlformats.org/presentationml/2006/main" xmlns:c="http://schemas.openxmlformats.org/drawingml/2006/chart" xmlns:dgm="http://schemas.openxmlformats.org/drawingml/2006/diagram" xmlns:o="urn:schemas-microsoft-com:office:office" xmlns:v="urn:schemas-microsoft-com:vml" xmlns:pvml="urn:schemas-microsoft-com:office:powerpoint" xmlns:com="http://schemas.openxmlformats.org/drawingml/2006/compatibility" xmlns:p14="http://schemas.microsoft.com/office/powerpoint/2010/main" xmlns:p15="http://schemas.microsoft.com/office/powerpoint/2012/main" xmlns:ahyp="http://schemas.microsoft.com/office/drawing/2018/hyperlinkcolor" showMasterPhAnim="0" showMasterSp="0">
+<p:notes xmlns:a="http://schemas.openxmlformats.org/drawingml/2006/main" xmlns:r="http://schemas.openxmlformats.org/officeDocument/2006/relationships" xmlns:p="http://schemas.openxmlformats.org/presentationml/2006/main" showMasterSp="0" showMasterPhAnim="0">
   <p:cSld>
     <p:spTree>
       <p:nvGrpSpPr>
-        <p:cNvPr id="220" name="Shape 220"/>
+        <p:cNvPr id="1" name="Shape 220"/>
         <p:cNvGrpSpPr/>
         <p:nvPr/>
       </p:nvGrpSpPr>
@@ -2119,9 +2204,11 @@
       <p:sp>
         <p:nvSpPr>
           <p:cNvPr id="221" name="Google Shape;221;g1184faf39ae_0_7:notes"/>
-          <p:cNvSpPr/>
-          <p:nvPr>
-            <p:ph idx="2" type="sldImg"/>
+          <p:cNvSpPr>
+            <a:spLocks noGrp="1" noRot="1" noChangeAspect="1"/>
+          </p:cNvSpPr>
+          <p:nvPr>
+            <p:ph type="sldImg" idx="2"/>
           </p:nvPr>
         </p:nvSpPr>
         <p:spPr>
@@ -2130,9 +2217,13 @@
             <a:ext cx="6096000" cy="3429000"/>
           </a:xfrm>
           <a:custGeom>
-            <a:rect b="b" l="l" r="r" t="t"/>
+            <a:avLst/>
+            <a:gdLst/>
+            <a:ahLst/>
+            <a:cxnLst/>
+            <a:rect l="l" t="t" r="r" b="b"/>
             <a:pathLst>
-              <a:path extrusionOk="0" h="120000" w="120000">
+              <a:path w="120000" h="120000" extrusionOk="0">
                 <a:moveTo>
                   <a:pt x="0" y="0"/>
                 </a:moveTo>
@@ -2154,9 +2245,11 @@
       <p:sp>
         <p:nvSpPr>
           <p:cNvPr id="222" name="Google Shape;222;g1184faf39ae_0_7:notes"/>
-          <p:cNvSpPr txBox="1"/>
-          <p:nvPr>
-            <p:ph idx="1" type="body"/>
+          <p:cNvSpPr txBox="1">
+            <a:spLocks noGrp="1"/>
+          </p:cNvSpPr>
+          <p:nvPr>
+            <p:ph type="body" idx="1"/>
           </p:nvPr>
         </p:nvSpPr>
         <p:spPr>
@@ -2169,23 +2262,20 @@
           </a:prstGeom>
         </p:spPr>
         <p:txBody>
-          <a:bodyPr anchorCtr="0" anchor="t" bIns="91425" lIns="91425" spcFirstLastPara="1" rIns="91425" wrap="square" tIns="91425">
+          <a:bodyPr spcFirstLastPara="1" wrap="square" lIns="91425" tIns="91425" rIns="91425" bIns="91425" anchor="t" anchorCtr="0">
             <a:noAutofit/>
           </a:bodyPr>
           <a:lstStyle/>
           <a:p>
-            <a:pPr indent="0" lvl="0" marL="0" rtl="0" algn="l">
-              <a:spcBef>
-                <a:spcPts val="0"/>
-              </a:spcBef>
-              <a:spcAft>
-                <a:spcPts val="0"/>
-              </a:spcAft>
-              <a:buNone/>
-            </a:pPr>
-            <a:r>
-              <a:t/>
-            </a:r>
+            <a:pPr marL="0" lvl="0" indent="0" algn="l" rtl="0">
+              <a:spcBef>
+                <a:spcPts val="0"/>
+              </a:spcBef>
+              <a:spcAft>
+                <a:spcPts val="0"/>
+              </a:spcAft>
+              <a:buNone/>
+            </a:pPr>
             <a:endParaRPr/>
           </a:p>
         </p:txBody>
@@ -2199,11 +2289,11 @@
 </file>
 
 <file path=ppt/notesSlides/notesSlide23.xml><?xml version="1.0" encoding="utf-8"?>
-<p:notes xmlns:a="http://schemas.openxmlformats.org/drawingml/2006/main" xmlns:r="http://schemas.openxmlformats.org/officeDocument/2006/relationships" xmlns:mc="http://schemas.openxmlformats.org/markup-compatibility/2006" xmlns:mv="urn:schemas-microsoft-com:mac:vml" xmlns:p="http://schemas.openxmlformats.org/presentationml/2006/main" xmlns:c="http://schemas.openxmlformats.org/drawingml/2006/chart" xmlns:dgm="http://schemas.openxmlformats.org/drawingml/2006/diagram" xmlns:o="urn:schemas-microsoft-com:office:office" xmlns:v="urn:schemas-microsoft-com:vml" xmlns:pvml="urn:schemas-microsoft-com:office:powerpoint" xmlns:com="http://schemas.openxmlformats.org/drawingml/2006/compatibility" xmlns:p14="http://schemas.microsoft.com/office/powerpoint/2010/main" xmlns:p15="http://schemas.microsoft.com/office/powerpoint/2012/main" xmlns:ahyp="http://schemas.microsoft.com/office/drawing/2018/hyperlinkcolor" showMasterPhAnim="0" showMasterSp="0">
+<p:notes xmlns:a="http://schemas.openxmlformats.org/drawingml/2006/main" xmlns:r="http://schemas.openxmlformats.org/officeDocument/2006/relationships" xmlns:p="http://schemas.openxmlformats.org/presentationml/2006/main" showMasterSp="0" showMasterPhAnim="0">
   <p:cSld>
     <p:spTree>
       <p:nvGrpSpPr>
-        <p:cNvPr id="228" name="Shape 228"/>
+        <p:cNvPr id="1" name="Shape 228"/>
         <p:cNvGrpSpPr/>
         <p:nvPr/>
       </p:nvGrpSpPr>
@@ -2218,9 +2308,11 @@
       <p:sp>
         <p:nvSpPr>
           <p:cNvPr id="229" name="Google Shape;229;g1184faf39ae_0_15:notes"/>
-          <p:cNvSpPr/>
-          <p:nvPr>
-            <p:ph idx="2" type="sldImg"/>
+          <p:cNvSpPr>
+            <a:spLocks noGrp="1" noRot="1" noChangeAspect="1"/>
+          </p:cNvSpPr>
+          <p:nvPr>
+            <p:ph type="sldImg" idx="2"/>
           </p:nvPr>
         </p:nvSpPr>
         <p:spPr>
@@ -2229,9 +2321,13 @@
             <a:ext cx="6096000" cy="3429000"/>
           </a:xfrm>
           <a:custGeom>
-            <a:rect b="b" l="l" r="r" t="t"/>
+            <a:avLst/>
+            <a:gdLst/>
+            <a:ahLst/>
+            <a:cxnLst/>
+            <a:rect l="l" t="t" r="r" b="b"/>
             <a:pathLst>
-              <a:path extrusionOk="0" h="120000" w="120000">
+              <a:path w="120000" h="120000" extrusionOk="0">
                 <a:moveTo>
                   <a:pt x="0" y="0"/>
                 </a:moveTo>
@@ -2253,9 +2349,11 @@
       <p:sp>
         <p:nvSpPr>
           <p:cNvPr id="230" name="Google Shape;230;g1184faf39ae_0_15:notes"/>
-          <p:cNvSpPr txBox="1"/>
-          <p:nvPr>
-            <p:ph idx="1" type="body"/>
+          <p:cNvSpPr txBox="1">
+            <a:spLocks noGrp="1"/>
+          </p:cNvSpPr>
+          <p:nvPr>
+            <p:ph type="body" idx="1"/>
           </p:nvPr>
         </p:nvSpPr>
         <p:spPr>
@@ -2268,23 +2366,20 @@
           </a:prstGeom>
         </p:spPr>
         <p:txBody>
-          <a:bodyPr anchorCtr="0" anchor="t" bIns="91425" lIns="91425" spcFirstLastPara="1" rIns="91425" wrap="square" tIns="91425">
+          <a:bodyPr spcFirstLastPara="1" wrap="square" lIns="91425" tIns="91425" rIns="91425" bIns="91425" anchor="t" anchorCtr="0">
             <a:noAutofit/>
           </a:bodyPr>
           <a:lstStyle/>
           <a:p>
-            <a:pPr indent="0" lvl="0" marL="0" rtl="0" algn="l">
-              <a:spcBef>
-                <a:spcPts val="0"/>
-              </a:spcBef>
-              <a:spcAft>
-                <a:spcPts val="0"/>
-              </a:spcAft>
-              <a:buNone/>
-            </a:pPr>
-            <a:r>
-              <a:t/>
-            </a:r>
+            <a:pPr marL="0" lvl="0" indent="0" algn="l" rtl="0">
+              <a:spcBef>
+                <a:spcPts val="0"/>
+              </a:spcBef>
+              <a:spcAft>
+                <a:spcPts val="0"/>
+              </a:spcAft>
+              <a:buNone/>
+            </a:pPr>
             <a:endParaRPr/>
           </a:p>
         </p:txBody>
@@ -2298,11 +2393,11 @@
 </file>
 
 <file path=ppt/notesSlides/notesSlide24.xml><?xml version="1.0" encoding="utf-8"?>
-<p:notes xmlns:a="http://schemas.openxmlformats.org/drawingml/2006/main" xmlns:r="http://schemas.openxmlformats.org/officeDocument/2006/relationships" xmlns:mc="http://schemas.openxmlformats.org/markup-compatibility/2006" xmlns:mv="urn:schemas-microsoft-com:mac:vml" xmlns:p="http://schemas.openxmlformats.org/presentationml/2006/main" xmlns:c="http://schemas.openxmlformats.org/drawingml/2006/chart" xmlns:dgm="http://schemas.openxmlformats.org/drawingml/2006/diagram" xmlns:o="urn:schemas-microsoft-com:office:office" xmlns:v="urn:schemas-microsoft-com:vml" xmlns:pvml="urn:schemas-microsoft-com:office:powerpoint" xmlns:com="http://schemas.openxmlformats.org/drawingml/2006/compatibility" xmlns:p14="http://schemas.microsoft.com/office/powerpoint/2010/main" xmlns:p15="http://schemas.microsoft.com/office/powerpoint/2012/main" xmlns:ahyp="http://schemas.microsoft.com/office/drawing/2018/hyperlinkcolor" showMasterPhAnim="0" showMasterSp="0">
+<p:notes xmlns:a="http://schemas.openxmlformats.org/drawingml/2006/main" xmlns:r="http://schemas.openxmlformats.org/officeDocument/2006/relationships" xmlns:p="http://schemas.openxmlformats.org/presentationml/2006/main" showMasterSp="0" showMasterPhAnim="0">
   <p:cSld>
     <p:spTree>
       <p:nvGrpSpPr>
-        <p:cNvPr id="234" name="Shape 234"/>
+        <p:cNvPr id="1" name="Shape 234"/>
         <p:cNvGrpSpPr/>
         <p:nvPr/>
       </p:nvGrpSpPr>
@@ -2317,9 +2412,11 @@
       <p:sp>
         <p:nvSpPr>
           <p:cNvPr id="235" name="Google Shape;235;g1184faf39ae_0_21:notes"/>
-          <p:cNvSpPr/>
-          <p:nvPr>
-            <p:ph idx="2" type="sldImg"/>
+          <p:cNvSpPr>
+            <a:spLocks noGrp="1" noRot="1" noChangeAspect="1"/>
+          </p:cNvSpPr>
+          <p:nvPr>
+            <p:ph type="sldImg" idx="2"/>
           </p:nvPr>
         </p:nvSpPr>
         <p:spPr>
@@ -2328,9 +2425,13 @@
             <a:ext cx="6096000" cy="3429000"/>
           </a:xfrm>
           <a:custGeom>
-            <a:rect b="b" l="l" r="r" t="t"/>
+            <a:avLst/>
+            <a:gdLst/>
+            <a:ahLst/>
+            <a:cxnLst/>
+            <a:rect l="l" t="t" r="r" b="b"/>
             <a:pathLst>
-              <a:path extrusionOk="0" h="120000" w="120000">
+              <a:path w="120000" h="120000" extrusionOk="0">
                 <a:moveTo>
                   <a:pt x="0" y="0"/>
                 </a:moveTo>
@@ -2352,9 +2453,11 @@
       <p:sp>
         <p:nvSpPr>
           <p:cNvPr id="236" name="Google Shape;236;g1184faf39ae_0_21:notes"/>
-          <p:cNvSpPr txBox="1"/>
-          <p:nvPr>
-            <p:ph idx="1" type="body"/>
+          <p:cNvSpPr txBox="1">
+            <a:spLocks noGrp="1"/>
+          </p:cNvSpPr>
+          <p:nvPr>
+            <p:ph type="body" idx="1"/>
           </p:nvPr>
         </p:nvSpPr>
         <p:spPr>
@@ -2367,23 +2470,20 @@
           </a:prstGeom>
         </p:spPr>
         <p:txBody>
-          <a:bodyPr anchorCtr="0" anchor="t" bIns="91425" lIns="91425" spcFirstLastPara="1" rIns="91425" wrap="square" tIns="91425">
+          <a:bodyPr spcFirstLastPara="1" wrap="square" lIns="91425" tIns="91425" rIns="91425" bIns="91425" anchor="t" anchorCtr="0">
             <a:noAutofit/>
           </a:bodyPr>
           <a:lstStyle/>
           <a:p>
-            <a:pPr indent="0" lvl="0" marL="0" rtl="0" algn="l">
-              <a:spcBef>
-                <a:spcPts val="0"/>
-              </a:spcBef>
-              <a:spcAft>
-                <a:spcPts val="0"/>
-              </a:spcAft>
-              <a:buNone/>
-            </a:pPr>
-            <a:r>
-              <a:t/>
-            </a:r>
+            <a:pPr marL="0" lvl="0" indent="0" algn="l" rtl="0">
+              <a:spcBef>
+                <a:spcPts val="0"/>
+              </a:spcBef>
+              <a:spcAft>
+                <a:spcPts val="0"/>
+              </a:spcAft>
+              <a:buNone/>
+            </a:pPr>
             <a:endParaRPr/>
           </a:p>
         </p:txBody>
@@ -2397,11 +2497,11 @@
 </file>
 
 <file path=ppt/notesSlides/notesSlide25.xml><?xml version="1.0" encoding="utf-8"?>
-<p:notes xmlns:a="http://schemas.openxmlformats.org/drawingml/2006/main" xmlns:r="http://schemas.openxmlformats.org/officeDocument/2006/relationships" xmlns:mc="http://schemas.openxmlformats.org/markup-compatibility/2006" xmlns:mv="urn:schemas-microsoft-com:mac:vml" xmlns:p="http://schemas.openxmlformats.org/presentationml/2006/main" xmlns:c="http://schemas.openxmlformats.org/drawingml/2006/chart" xmlns:dgm="http://schemas.openxmlformats.org/drawingml/2006/diagram" xmlns:o="urn:schemas-microsoft-com:office:office" xmlns:v="urn:schemas-microsoft-com:vml" xmlns:pvml="urn:schemas-microsoft-com:office:powerpoint" xmlns:com="http://schemas.openxmlformats.org/drawingml/2006/compatibility" xmlns:p14="http://schemas.microsoft.com/office/powerpoint/2010/main" xmlns:p15="http://schemas.microsoft.com/office/powerpoint/2012/main" xmlns:ahyp="http://schemas.microsoft.com/office/drawing/2018/hyperlinkcolor" showMasterPhAnim="0" showMasterSp="0">
+<p:notes xmlns:a="http://schemas.openxmlformats.org/drawingml/2006/main" xmlns:r="http://schemas.openxmlformats.org/officeDocument/2006/relationships" xmlns:p="http://schemas.openxmlformats.org/presentationml/2006/main" showMasterSp="0" showMasterPhAnim="0">
   <p:cSld>
     <p:spTree>
       <p:nvGrpSpPr>
-        <p:cNvPr id="241" name="Shape 241"/>
+        <p:cNvPr id="1" name="Shape 241"/>
         <p:cNvGrpSpPr/>
         <p:nvPr/>
       </p:nvGrpSpPr>
@@ -2416,9 +2516,11 @@
       <p:sp>
         <p:nvSpPr>
           <p:cNvPr id="242" name="Google Shape;242;g1184faf39ae_0_28:notes"/>
-          <p:cNvSpPr/>
-          <p:nvPr>
-            <p:ph idx="2" type="sldImg"/>
+          <p:cNvSpPr>
+            <a:spLocks noGrp="1" noRot="1" noChangeAspect="1"/>
+          </p:cNvSpPr>
+          <p:nvPr>
+            <p:ph type="sldImg" idx="2"/>
           </p:nvPr>
         </p:nvSpPr>
         <p:spPr>
@@ -2427,9 +2529,13 @@
             <a:ext cx="6096000" cy="3429000"/>
           </a:xfrm>
           <a:custGeom>
-            <a:rect b="b" l="l" r="r" t="t"/>
+            <a:avLst/>
+            <a:gdLst/>
+            <a:ahLst/>
+            <a:cxnLst/>
+            <a:rect l="l" t="t" r="r" b="b"/>
             <a:pathLst>
-              <a:path extrusionOk="0" h="120000" w="120000">
+              <a:path w="120000" h="120000" extrusionOk="0">
                 <a:moveTo>
                   <a:pt x="0" y="0"/>
                 </a:moveTo>
@@ -2451,9 +2557,11 @@
       <p:sp>
         <p:nvSpPr>
           <p:cNvPr id="243" name="Google Shape;243;g1184faf39ae_0_28:notes"/>
-          <p:cNvSpPr txBox="1"/>
-          <p:nvPr>
-            <p:ph idx="1" type="body"/>
+          <p:cNvSpPr txBox="1">
+            <a:spLocks noGrp="1"/>
+          </p:cNvSpPr>
+          <p:nvPr>
+            <p:ph type="body" idx="1"/>
           </p:nvPr>
         </p:nvSpPr>
         <p:spPr>
@@ -2466,23 +2574,20 @@
           </a:prstGeom>
         </p:spPr>
         <p:txBody>
-          <a:bodyPr anchorCtr="0" anchor="t" bIns="91425" lIns="91425" spcFirstLastPara="1" rIns="91425" wrap="square" tIns="91425">
+          <a:bodyPr spcFirstLastPara="1" wrap="square" lIns="91425" tIns="91425" rIns="91425" bIns="91425" anchor="t" anchorCtr="0">
             <a:noAutofit/>
           </a:bodyPr>
           <a:lstStyle/>
           <a:p>
-            <a:pPr indent="0" lvl="0" marL="0" rtl="0" algn="l">
-              <a:spcBef>
-                <a:spcPts val="0"/>
-              </a:spcBef>
-              <a:spcAft>
-                <a:spcPts val="0"/>
-              </a:spcAft>
-              <a:buNone/>
-            </a:pPr>
-            <a:r>
-              <a:t/>
-            </a:r>
+            <a:pPr marL="0" lvl="0" indent="0" algn="l" rtl="0">
+              <a:spcBef>
+                <a:spcPts val="0"/>
+              </a:spcBef>
+              <a:spcAft>
+                <a:spcPts val="0"/>
+              </a:spcAft>
+              <a:buNone/>
+            </a:pPr>
             <a:endParaRPr/>
           </a:p>
         </p:txBody>
@@ -2496,11 +2601,11 @@
 </file>
 
 <file path=ppt/notesSlides/notesSlide26.xml><?xml version="1.0" encoding="utf-8"?>
-<p:notes xmlns:a="http://schemas.openxmlformats.org/drawingml/2006/main" xmlns:r="http://schemas.openxmlformats.org/officeDocument/2006/relationships" xmlns:mc="http://schemas.openxmlformats.org/markup-compatibility/2006" xmlns:mv="urn:schemas-microsoft-com:mac:vml" xmlns:p="http://schemas.openxmlformats.org/presentationml/2006/main" xmlns:c="http://schemas.openxmlformats.org/drawingml/2006/chart" xmlns:dgm="http://schemas.openxmlformats.org/drawingml/2006/diagram" xmlns:o="urn:schemas-microsoft-com:office:office" xmlns:v="urn:schemas-microsoft-com:vml" xmlns:pvml="urn:schemas-microsoft-com:office:powerpoint" xmlns:com="http://schemas.openxmlformats.org/drawingml/2006/compatibility" xmlns:p14="http://schemas.microsoft.com/office/powerpoint/2010/main" xmlns:p15="http://schemas.microsoft.com/office/powerpoint/2012/main" xmlns:ahyp="http://schemas.microsoft.com/office/drawing/2018/hyperlinkcolor" showMasterPhAnim="0" showMasterSp="0">
+<p:notes xmlns:a="http://schemas.openxmlformats.org/drawingml/2006/main" xmlns:r="http://schemas.openxmlformats.org/officeDocument/2006/relationships" xmlns:p="http://schemas.openxmlformats.org/presentationml/2006/main" showMasterSp="0" showMasterPhAnim="0">
   <p:cSld>
     <p:spTree>
       <p:nvGrpSpPr>
-        <p:cNvPr id="249" name="Shape 249"/>
+        <p:cNvPr id="1" name="Shape 249"/>
         <p:cNvGrpSpPr/>
         <p:nvPr/>
       </p:nvGrpSpPr>
@@ -2515,9 +2620,11 @@
       <p:sp>
         <p:nvSpPr>
           <p:cNvPr id="250" name="Google Shape;250;g114deed6f4e_0_220:notes"/>
-          <p:cNvSpPr/>
-          <p:nvPr>
-            <p:ph idx="2" type="sldImg"/>
+          <p:cNvSpPr>
+            <a:spLocks noGrp="1" noRot="1" noChangeAspect="1"/>
+          </p:cNvSpPr>
+          <p:nvPr>
+            <p:ph type="sldImg" idx="2"/>
           </p:nvPr>
         </p:nvSpPr>
         <p:spPr>
@@ -2526,9 +2633,13 @@
             <a:ext cx="6096000" cy="3429000"/>
           </a:xfrm>
           <a:custGeom>
-            <a:rect b="b" l="l" r="r" t="t"/>
+            <a:avLst/>
+            <a:gdLst/>
+            <a:ahLst/>
+            <a:cxnLst/>
+            <a:rect l="l" t="t" r="r" b="b"/>
             <a:pathLst>
-              <a:path extrusionOk="0" h="120000" w="120000">
+              <a:path w="120000" h="120000" extrusionOk="0">
                 <a:moveTo>
                   <a:pt x="0" y="0"/>
                 </a:moveTo>
@@ -2550,9 +2661,11 @@
       <p:sp>
         <p:nvSpPr>
           <p:cNvPr id="251" name="Google Shape;251;g114deed6f4e_0_220:notes"/>
-          <p:cNvSpPr txBox="1"/>
-          <p:nvPr>
-            <p:ph idx="1" type="body"/>
+          <p:cNvSpPr txBox="1">
+            <a:spLocks noGrp="1"/>
+          </p:cNvSpPr>
+          <p:nvPr>
+            <p:ph type="body" idx="1"/>
           </p:nvPr>
         </p:nvSpPr>
         <p:spPr>
@@ -2565,23 +2678,20 @@
           </a:prstGeom>
         </p:spPr>
         <p:txBody>
-          <a:bodyPr anchorCtr="0" anchor="t" bIns="91425" lIns="91425" spcFirstLastPara="1" rIns="91425" wrap="square" tIns="91425">
+          <a:bodyPr spcFirstLastPara="1" wrap="square" lIns="91425" tIns="91425" rIns="91425" bIns="91425" anchor="t" anchorCtr="0">
             <a:noAutofit/>
           </a:bodyPr>
           <a:lstStyle/>
           <a:p>
-            <a:pPr indent="0" lvl="0" marL="0" rtl="0" algn="l">
-              <a:spcBef>
-                <a:spcPts val="0"/>
-              </a:spcBef>
-              <a:spcAft>
-                <a:spcPts val="0"/>
-              </a:spcAft>
-              <a:buNone/>
-            </a:pPr>
-            <a:r>
-              <a:t/>
-            </a:r>
+            <a:pPr marL="0" lvl="0" indent="0" algn="l" rtl="0">
+              <a:spcBef>
+                <a:spcPts val="0"/>
+              </a:spcBef>
+              <a:spcAft>
+                <a:spcPts val="0"/>
+              </a:spcAft>
+              <a:buNone/>
+            </a:pPr>
             <a:endParaRPr/>
           </a:p>
         </p:txBody>
@@ -2595,11 +2705,11 @@
 </file>
 
 <file path=ppt/notesSlides/notesSlide27.xml><?xml version="1.0" encoding="utf-8"?>
-<p:notes xmlns:a="http://schemas.openxmlformats.org/drawingml/2006/main" xmlns:r="http://schemas.openxmlformats.org/officeDocument/2006/relationships" xmlns:mc="http://schemas.openxmlformats.org/markup-compatibility/2006" xmlns:mv="urn:schemas-microsoft-com:mac:vml" xmlns:p="http://schemas.openxmlformats.org/presentationml/2006/main" xmlns:c="http://schemas.openxmlformats.org/drawingml/2006/chart" xmlns:dgm="http://schemas.openxmlformats.org/drawingml/2006/diagram" xmlns:o="urn:schemas-microsoft-com:office:office" xmlns:v="urn:schemas-microsoft-com:vml" xmlns:pvml="urn:schemas-microsoft-com:office:powerpoint" xmlns:com="http://schemas.openxmlformats.org/drawingml/2006/compatibility" xmlns:p14="http://schemas.microsoft.com/office/powerpoint/2010/main" xmlns:p15="http://schemas.microsoft.com/office/powerpoint/2012/main" xmlns:ahyp="http://schemas.microsoft.com/office/drawing/2018/hyperlinkcolor" showMasterPhAnim="0" showMasterSp="0">
+<p:notes xmlns:a="http://schemas.openxmlformats.org/drawingml/2006/main" xmlns:r="http://schemas.openxmlformats.org/officeDocument/2006/relationships" xmlns:p="http://schemas.openxmlformats.org/presentationml/2006/main" showMasterSp="0" showMasterPhAnim="0">
   <p:cSld>
     <p:spTree>
       <p:nvGrpSpPr>
-        <p:cNvPr id="256" name="Shape 256"/>
+        <p:cNvPr id="1" name="Shape 256"/>
         <p:cNvGrpSpPr/>
         <p:nvPr/>
       </p:nvGrpSpPr>
@@ -2614,20 +2724,26 @@
       <p:sp>
         <p:nvSpPr>
           <p:cNvPr id="257" name="Google Shape;257;g115637626fa_0_6:notes"/>
-          <p:cNvSpPr/>
-          <p:nvPr>
-            <p:ph idx="2" type="sldImg"/>
-          </p:nvPr>
-        </p:nvSpPr>
-        <p:spPr>
-          <a:xfrm>
-            <a:off x="381300" y="685800"/>
+          <p:cNvSpPr>
+            <a:spLocks noGrp="1" noRot="1" noChangeAspect="1"/>
+          </p:cNvSpPr>
+          <p:nvPr>
+            <p:ph type="sldImg" idx="2"/>
+          </p:nvPr>
+        </p:nvSpPr>
+        <p:spPr>
+          <a:xfrm>
+            <a:off x="381000" y="685800"/>
             <a:ext cx="6096000" cy="3429000"/>
           </a:xfrm>
           <a:custGeom>
-            <a:rect b="b" l="l" r="r" t="t"/>
+            <a:avLst/>
+            <a:gdLst/>
+            <a:ahLst/>
+            <a:cxnLst/>
+            <a:rect l="l" t="t" r="r" b="b"/>
             <a:pathLst>
-              <a:path extrusionOk="0" h="120000" w="120000">
+              <a:path w="120000" h="120000" extrusionOk="0">
                 <a:moveTo>
                   <a:pt x="0" y="0"/>
                 </a:moveTo>
@@ -2649,9 +2765,11 @@
       <p:sp>
         <p:nvSpPr>
           <p:cNvPr id="258" name="Google Shape;258;g115637626fa_0_6:notes"/>
-          <p:cNvSpPr txBox="1"/>
-          <p:nvPr>
-            <p:ph idx="1" type="body"/>
+          <p:cNvSpPr txBox="1">
+            <a:spLocks noGrp="1"/>
+          </p:cNvSpPr>
+          <p:nvPr>
+            <p:ph type="body" idx="1"/>
           </p:nvPr>
         </p:nvSpPr>
         <p:spPr>
@@ -2664,23 +2782,20 @@
           </a:prstGeom>
         </p:spPr>
         <p:txBody>
-          <a:bodyPr anchorCtr="0" anchor="t" bIns="91425" lIns="91425" spcFirstLastPara="1" rIns="91425" wrap="square" tIns="91425">
+          <a:bodyPr spcFirstLastPara="1" wrap="square" lIns="91425" tIns="91425" rIns="91425" bIns="91425" anchor="t" anchorCtr="0">
             <a:noAutofit/>
           </a:bodyPr>
           <a:lstStyle/>
           <a:p>
-            <a:pPr indent="0" lvl="0" marL="0" rtl="0" algn="l">
-              <a:spcBef>
-                <a:spcPts val="0"/>
-              </a:spcBef>
-              <a:spcAft>
-                <a:spcPts val="0"/>
-              </a:spcAft>
-              <a:buNone/>
-            </a:pPr>
-            <a:r>
-              <a:t/>
-            </a:r>
+            <a:pPr marL="0" lvl="0" indent="0" algn="l" rtl="0">
+              <a:spcBef>
+                <a:spcPts val="0"/>
+              </a:spcBef>
+              <a:spcAft>
+                <a:spcPts val="0"/>
+              </a:spcAft>
+              <a:buNone/>
+            </a:pPr>
             <a:endParaRPr/>
           </a:p>
         </p:txBody>
@@ -2694,11 +2809,11 @@
 </file>
 
 <file path=ppt/notesSlides/notesSlide28.xml><?xml version="1.0" encoding="utf-8"?>
-<p:notes xmlns:a="http://schemas.openxmlformats.org/drawingml/2006/main" xmlns:r="http://schemas.openxmlformats.org/officeDocument/2006/relationships" xmlns:mc="http://schemas.openxmlformats.org/markup-compatibility/2006" xmlns:mv="urn:schemas-microsoft-com:mac:vml" xmlns:p="http://schemas.openxmlformats.org/presentationml/2006/main" xmlns:c="http://schemas.openxmlformats.org/drawingml/2006/chart" xmlns:dgm="http://schemas.openxmlformats.org/drawingml/2006/diagram" xmlns:o="urn:schemas-microsoft-com:office:office" xmlns:v="urn:schemas-microsoft-com:vml" xmlns:pvml="urn:schemas-microsoft-com:office:powerpoint" xmlns:com="http://schemas.openxmlformats.org/drawingml/2006/compatibility" xmlns:p14="http://schemas.microsoft.com/office/powerpoint/2010/main" xmlns:p15="http://schemas.microsoft.com/office/powerpoint/2012/main" xmlns:ahyp="http://schemas.microsoft.com/office/drawing/2018/hyperlinkcolor" showMasterPhAnim="0" showMasterSp="0">
+<p:notes xmlns:a="http://schemas.openxmlformats.org/drawingml/2006/main" xmlns:r="http://schemas.openxmlformats.org/officeDocument/2006/relationships" xmlns:p="http://schemas.openxmlformats.org/presentationml/2006/main" showMasterSp="0" showMasterPhAnim="0">
   <p:cSld>
     <p:spTree>
       <p:nvGrpSpPr>
-        <p:cNvPr id="263" name="Shape 263"/>
+        <p:cNvPr id="1" name="Shape 263"/>
         <p:cNvGrpSpPr/>
         <p:nvPr/>
       </p:nvGrpSpPr>
@@ -2713,20 +2828,26 @@
       <p:sp>
         <p:nvSpPr>
           <p:cNvPr id="264" name="Google Shape;264;g115637626fa_0_83:notes"/>
-          <p:cNvSpPr/>
-          <p:nvPr>
-            <p:ph idx="2" type="sldImg"/>
-          </p:nvPr>
-        </p:nvSpPr>
-        <p:spPr>
-          <a:xfrm>
-            <a:off x="381300" y="685800"/>
+          <p:cNvSpPr>
+            <a:spLocks noGrp="1" noRot="1" noChangeAspect="1"/>
+          </p:cNvSpPr>
+          <p:nvPr>
+            <p:ph type="sldImg" idx="2"/>
+          </p:nvPr>
+        </p:nvSpPr>
+        <p:spPr>
+          <a:xfrm>
+            <a:off x="381000" y="685800"/>
             <a:ext cx="6096000" cy="3429000"/>
           </a:xfrm>
           <a:custGeom>
-            <a:rect b="b" l="l" r="r" t="t"/>
+            <a:avLst/>
+            <a:gdLst/>
+            <a:ahLst/>
+            <a:cxnLst/>
+            <a:rect l="l" t="t" r="r" b="b"/>
             <a:pathLst>
-              <a:path extrusionOk="0" h="120000" w="120000">
+              <a:path w="120000" h="120000" extrusionOk="0">
                 <a:moveTo>
                   <a:pt x="0" y="0"/>
                 </a:moveTo>
@@ -2748,9 +2869,11 @@
       <p:sp>
         <p:nvSpPr>
           <p:cNvPr id="265" name="Google Shape;265;g115637626fa_0_83:notes"/>
-          <p:cNvSpPr txBox="1"/>
-          <p:nvPr>
-            <p:ph idx="1" type="body"/>
+          <p:cNvSpPr txBox="1">
+            <a:spLocks noGrp="1"/>
+          </p:cNvSpPr>
+          <p:nvPr>
+            <p:ph type="body" idx="1"/>
           </p:nvPr>
         </p:nvSpPr>
         <p:spPr>
@@ -2763,23 +2886,20 @@
           </a:prstGeom>
         </p:spPr>
         <p:txBody>
-          <a:bodyPr anchorCtr="0" anchor="t" bIns="91425" lIns="91425" spcFirstLastPara="1" rIns="91425" wrap="square" tIns="91425">
+          <a:bodyPr spcFirstLastPara="1" wrap="square" lIns="91425" tIns="91425" rIns="91425" bIns="91425" anchor="t" anchorCtr="0">
             <a:noAutofit/>
           </a:bodyPr>
           <a:lstStyle/>
           <a:p>
-            <a:pPr indent="0" lvl="0" marL="0" rtl="0" algn="l">
-              <a:spcBef>
-                <a:spcPts val="0"/>
-              </a:spcBef>
-              <a:spcAft>
-                <a:spcPts val="0"/>
-              </a:spcAft>
-              <a:buNone/>
-            </a:pPr>
-            <a:r>
-              <a:t/>
-            </a:r>
+            <a:pPr marL="0" lvl="0" indent="0" algn="l" rtl="0">
+              <a:spcBef>
+                <a:spcPts val="0"/>
+              </a:spcBef>
+              <a:spcAft>
+                <a:spcPts val="0"/>
+              </a:spcAft>
+              <a:buNone/>
+            </a:pPr>
             <a:endParaRPr/>
           </a:p>
         </p:txBody>
@@ -2793,11 +2913,11 @@
 </file>
 
 <file path=ppt/notesSlides/notesSlide3.xml><?xml version="1.0" encoding="utf-8"?>
-<p:notes xmlns:a="http://schemas.openxmlformats.org/drawingml/2006/main" xmlns:r="http://schemas.openxmlformats.org/officeDocument/2006/relationships" xmlns:mc="http://schemas.openxmlformats.org/markup-compatibility/2006" xmlns:mv="urn:schemas-microsoft-com:mac:vml" xmlns:p="http://schemas.openxmlformats.org/presentationml/2006/main" xmlns:c="http://schemas.openxmlformats.org/drawingml/2006/chart" xmlns:dgm="http://schemas.openxmlformats.org/drawingml/2006/diagram" xmlns:o="urn:schemas-microsoft-com:office:office" xmlns:v="urn:schemas-microsoft-com:vml" xmlns:pvml="urn:schemas-microsoft-com:office:powerpoint" xmlns:com="http://schemas.openxmlformats.org/drawingml/2006/compatibility" xmlns:p14="http://schemas.microsoft.com/office/powerpoint/2010/main" xmlns:p15="http://schemas.microsoft.com/office/powerpoint/2012/main" xmlns:ahyp="http://schemas.microsoft.com/office/drawing/2018/hyperlinkcolor" showMasterPhAnim="0" showMasterSp="0">
+<p:notes xmlns:a="http://schemas.openxmlformats.org/drawingml/2006/main" xmlns:r="http://schemas.openxmlformats.org/officeDocument/2006/relationships" xmlns:p="http://schemas.openxmlformats.org/presentationml/2006/main" showMasterSp="0" showMasterPhAnim="0">
   <p:cSld>
     <p:spTree>
       <p:nvGrpSpPr>
-        <p:cNvPr id="63" name="Shape 63"/>
+        <p:cNvPr id="1" name="Shape 63"/>
         <p:cNvGrpSpPr/>
         <p:nvPr/>
       </p:nvGrpSpPr>
@@ -2812,9 +2932,11 @@
       <p:sp>
         <p:nvSpPr>
           <p:cNvPr id="64" name="Google Shape;64;g1152e44ef54_0_8:notes"/>
-          <p:cNvSpPr/>
-          <p:nvPr>
-            <p:ph idx="2" type="sldImg"/>
+          <p:cNvSpPr>
+            <a:spLocks noGrp="1" noRot="1" noChangeAspect="1"/>
+          </p:cNvSpPr>
+          <p:nvPr>
+            <p:ph type="sldImg" idx="2"/>
           </p:nvPr>
         </p:nvSpPr>
         <p:spPr>
@@ -2823,9 +2945,13 @@
             <a:ext cx="6096000" cy="3429000"/>
           </a:xfrm>
           <a:custGeom>
-            <a:rect b="b" l="l" r="r" t="t"/>
+            <a:avLst/>
+            <a:gdLst/>
+            <a:ahLst/>
+            <a:cxnLst/>
+            <a:rect l="l" t="t" r="r" b="b"/>
             <a:pathLst>
-              <a:path extrusionOk="0" h="120000" w="120000">
+              <a:path w="120000" h="120000" extrusionOk="0">
                 <a:moveTo>
                   <a:pt x="0" y="0"/>
                 </a:moveTo>
@@ -2847,9 +2973,11 @@
       <p:sp>
         <p:nvSpPr>
           <p:cNvPr id="65" name="Google Shape;65;g1152e44ef54_0_8:notes"/>
-          <p:cNvSpPr txBox="1"/>
-          <p:nvPr>
-            <p:ph idx="1" type="body"/>
+          <p:cNvSpPr txBox="1">
+            <a:spLocks noGrp="1"/>
+          </p:cNvSpPr>
+          <p:nvPr>
+            <p:ph type="body" idx="1"/>
           </p:nvPr>
         </p:nvSpPr>
         <p:spPr>
@@ -2862,23 +2990,20 @@
           </a:prstGeom>
         </p:spPr>
         <p:txBody>
-          <a:bodyPr anchorCtr="0" anchor="t" bIns="91425" lIns="91425" spcFirstLastPara="1" rIns="91425" wrap="square" tIns="91425">
+          <a:bodyPr spcFirstLastPara="1" wrap="square" lIns="91425" tIns="91425" rIns="91425" bIns="91425" anchor="t" anchorCtr="0">
             <a:noAutofit/>
           </a:bodyPr>
           <a:lstStyle/>
           <a:p>
-            <a:pPr indent="0" lvl="0" marL="0" rtl="0" algn="l">
-              <a:spcBef>
-                <a:spcPts val="0"/>
-              </a:spcBef>
-              <a:spcAft>
-                <a:spcPts val="0"/>
-              </a:spcAft>
-              <a:buNone/>
-            </a:pPr>
-            <a:r>
-              <a:t/>
-            </a:r>
+            <a:pPr marL="0" lvl="0" indent="0" algn="l" rtl="0">
+              <a:spcBef>
+                <a:spcPts val="0"/>
+              </a:spcBef>
+              <a:spcAft>
+                <a:spcPts val="0"/>
+              </a:spcAft>
+              <a:buNone/>
+            </a:pPr>
             <a:endParaRPr/>
           </a:p>
         </p:txBody>
@@ -2892,11 +3017,11 @@
 </file>
 
 <file path=ppt/notesSlides/notesSlide4.xml><?xml version="1.0" encoding="utf-8"?>
-<p:notes xmlns:a="http://schemas.openxmlformats.org/drawingml/2006/main" xmlns:r="http://schemas.openxmlformats.org/officeDocument/2006/relationships" xmlns:mc="http://schemas.openxmlformats.org/markup-compatibility/2006" xmlns:mv="urn:schemas-microsoft-com:mac:vml" xmlns:p="http://schemas.openxmlformats.org/presentationml/2006/main" xmlns:c="http://schemas.openxmlformats.org/drawingml/2006/chart" xmlns:dgm="http://schemas.openxmlformats.org/drawingml/2006/diagram" xmlns:o="urn:schemas-microsoft-com:office:office" xmlns:v="urn:schemas-microsoft-com:vml" xmlns:pvml="urn:schemas-microsoft-com:office:powerpoint" xmlns:com="http://schemas.openxmlformats.org/drawingml/2006/compatibility" xmlns:p14="http://schemas.microsoft.com/office/powerpoint/2010/main" xmlns:p15="http://schemas.microsoft.com/office/powerpoint/2012/main" xmlns:ahyp="http://schemas.microsoft.com/office/drawing/2018/hyperlinkcolor" showMasterPhAnim="0" showMasterSp="0">
+<p:notes xmlns:a="http://schemas.openxmlformats.org/drawingml/2006/main" xmlns:r="http://schemas.openxmlformats.org/officeDocument/2006/relationships" xmlns:p="http://schemas.openxmlformats.org/presentationml/2006/main" showMasterSp="0" showMasterPhAnim="0">
   <p:cSld>
     <p:spTree>
       <p:nvGrpSpPr>
-        <p:cNvPr id="70" name="Shape 70"/>
+        <p:cNvPr id="1" name="Shape 70"/>
         <p:cNvGrpSpPr/>
         <p:nvPr/>
       </p:nvGrpSpPr>
@@ -2911,9 +3036,11 @@
       <p:sp>
         <p:nvSpPr>
           <p:cNvPr id="71" name="Google Shape;71;g115637626fa_0_33:notes"/>
-          <p:cNvSpPr/>
-          <p:nvPr>
-            <p:ph idx="2" type="sldImg"/>
+          <p:cNvSpPr>
+            <a:spLocks noGrp="1" noRot="1" noChangeAspect="1"/>
+          </p:cNvSpPr>
+          <p:nvPr>
+            <p:ph type="sldImg" idx="2"/>
           </p:nvPr>
         </p:nvSpPr>
         <p:spPr>
@@ -2922,9 +3049,13 @@
             <a:ext cx="6096000" cy="3429000"/>
           </a:xfrm>
           <a:custGeom>
-            <a:rect b="b" l="l" r="r" t="t"/>
+            <a:avLst/>
+            <a:gdLst/>
+            <a:ahLst/>
+            <a:cxnLst/>
+            <a:rect l="l" t="t" r="r" b="b"/>
             <a:pathLst>
-              <a:path extrusionOk="0" h="120000" w="120000">
+              <a:path w="120000" h="120000" extrusionOk="0">
                 <a:moveTo>
                   <a:pt x="0" y="0"/>
                 </a:moveTo>
@@ -2946,9 +3077,11 @@
       <p:sp>
         <p:nvSpPr>
           <p:cNvPr id="72" name="Google Shape;72;g115637626fa_0_33:notes"/>
-          <p:cNvSpPr txBox="1"/>
-          <p:nvPr>
-            <p:ph idx="1" type="body"/>
+          <p:cNvSpPr txBox="1">
+            <a:spLocks noGrp="1"/>
+          </p:cNvSpPr>
+          <p:nvPr>
+            <p:ph type="body" idx="1"/>
           </p:nvPr>
         </p:nvSpPr>
         <p:spPr>
@@ -2961,23 +3094,20 @@
           </a:prstGeom>
         </p:spPr>
         <p:txBody>
-          <a:bodyPr anchorCtr="0" anchor="t" bIns="91425" lIns="91425" spcFirstLastPara="1" rIns="91425" wrap="square" tIns="91425">
+          <a:bodyPr spcFirstLastPara="1" wrap="square" lIns="91425" tIns="91425" rIns="91425" bIns="91425" anchor="t" anchorCtr="0">
             <a:noAutofit/>
           </a:bodyPr>
           <a:lstStyle/>
           <a:p>
-            <a:pPr indent="0" lvl="0" marL="0" rtl="0" algn="l">
-              <a:spcBef>
-                <a:spcPts val="0"/>
-              </a:spcBef>
-              <a:spcAft>
-                <a:spcPts val="0"/>
-              </a:spcAft>
-              <a:buNone/>
-            </a:pPr>
-            <a:r>
-              <a:t/>
-            </a:r>
+            <a:pPr marL="0" lvl="0" indent="0" algn="l" rtl="0">
+              <a:spcBef>
+                <a:spcPts val="0"/>
+              </a:spcBef>
+              <a:spcAft>
+                <a:spcPts val="0"/>
+              </a:spcAft>
+              <a:buNone/>
+            </a:pPr>
             <a:endParaRPr/>
           </a:p>
         </p:txBody>
@@ -2991,11 +3121,11 @@
 </file>
 
 <file path=ppt/notesSlides/notesSlide5.xml><?xml version="1.0" encoding="utf-8"?>
-<p:notes xmlns:a="http://schemas.openxmlformats.org/drawingml/2006/main" xmlns:r="http://schemas.openxmlformats.org/officeDocument/2006/relationships" xmlns:mc="http://schemas.openxmlformats.org/markup-compatibility/2006" xmlns:mv="urn:schemas-microsoft-com:mac:vml" xmlns:p="http://schemas.openxmlformats.org/presentationml/2006/main" xmlns:c="http://schemas.openxmlformats.org/drawingml/2006/chart" xmlns:dgm="http://schemas.openxmlformats.org/drawingml/2006/diagram" xmlns:o="urn:schemas-microsoft-com:office:office" xmlns:v="urn:schemas-microsoft-com:vml" xmlns:pvml="urn:schemas-microsoft-com:office:powerpoint" xmlns:com="http://schemas.openxmlformats.org/drawingml/2006/compatibility" xmlns:p14="http://schemas.microsoft.com/office/powerpoint/2010/main" xmlns:p15="http://schemas.microsoft.com/office/powerpoint/2012/main" xmlns:ahyp="http://schemas.microsoft.com/office/drawing/2018/hyperlinkcolor" showMasterPhAnim="0" showMasterSp="0">
+<p:notes xmlns:a="http://schemas.openxmlformats.org/drawingml/2006/main" xmlns:r="http://schemas.openxmlformats.org/officeDocument/2006/relationships" xmlns:p="http://schemas.openxmlformats.org/presentationml/2006/main" showMasterSp="0" showMasterPhAnim="0">
   <p:cSld>
     <p:spTree>
       <p:nvGrpSpPr>
-        <p:cNvPr id="80" name="Shape 80"/>
+        <p:cNvPr id="1" name="Shape 80"/>
         <p:cNvGrpSpPr/>
         <p:nvPr/>
       </p:nvGrpSpPr>
@@ -3010,9 +3140,11 @@
       <p:sp>
         <p:nvSpPr>
           <p:cNvPr id="81" name="Google Shape;81;g115637626fa_0_47:notes"/>
-          <p:cNvSpPr/>
-          <p:nvPr>
-            <p:ph idx="2" type="sldImg"/>
+          <p:cNvSpPr>
+            <a:spLocks noGrp="1" noRot="1" noChangeAspect="1"/>
+          </p:cNvSpPr>
+          <p:nvPr>
+            <p:ph type="sldImg" idx="2"/>
           </p:nvPr>
         </p:nvSpPr>
         <p:spPr>
@@ -3021,9 +3153,13 @@
             <a:ext cx="6096000" cy="3429000"/>
           </a:xfrm>
           <a:custGeom>
-            <a:rect b="b" l="l" r="r" t="t"/>
+            <a:avLst/>
+            <a:gdLst/>
+            <a:ahLst/>
+            <a:cxnLst/>
+            <a:rect l="l" t="t" r="r" b="b"/>
             <a:pathLst>
-              <a:path extrusionOk="0" h="120000" w="120000">
+              <a:path w="120000" h="120000" extrusionOk="0">
                 <a:moveTo>
                   <a:pt x="0" y="0"/>
                 </a:moveTo>
@@ -3045,9 +3181,11 @@
       <p:sp>
         <p:nvSpPr>
           <p:cNvPr id="82" name="Google Shape;82;g115637626fa_0_47:notes"/>
-          <p:cNvSpPr txBox="1"/>
-          <p:nvPr>
-            <p:ph idx="1" type="body"/>
+          <p:cNvSpPr txBox="1">
+            <a:spLocks noGrp="1"/>
+          </p:cNvSpPr>
+          <p:nvPr>
+            <p:ph type="body" idx="1"/>
           </p:nvPr>
         </p:nvSpPr>
         <p:spPr>
@@ -3060,23 +3198,20 @@
           </a:prstGeom>
         </p:spPr>
         <p:txBody>
-          <a:bodyPr anchorCtr="0" anchor="t" bIns="91425" lIns="91425" spcFirstLastPara="1" rIns="91425" wrap="square" tIns="91425">
+          <a:bodyPr spcFirstLastPara="1" wrap="square" lIns="91425" tIns="91425" rIns="91425" bIns="91425" anchor="t" anchorCtr="0">
             <a:noAutofit/>
           </a:bodyPr>
           <a:lstStyle/>
           <a:p>
-            <a:pPr indent="0" lvl="0" marL="0" rtl="0" algn="l">
-              <a:spcBef>
-                <a:spcPts val="0"/>
-              </a:spcBef>
-              <a:spcAft>
-                <a:spcPts val="0"/>
-              </a:spcAft>
-              <a:buNone/>
-            </a:pPr>
-            <a:r>
-              <a:t/>
-            </a:r>
+            <a:pPr marL="0" lvl="0" indent="0" algn="l" rtl="0">
+              <a:spcBef>
+                <a:spcPts val="0"/>
+              </a:spcBef>
+              <a:spcAft>
+                <a:spcPts val="0"/>
+              </a:spcAft>
+              <a:buNone/>
+            </a:pPr>
             <a:endParaRPr/>
           </a:p>
         </p:txBody>
@@ -3090,11 +3225,11 @@
 </file>
 
 <file path=ppt/notesSlides/notesSlide6.xml><?xml version="1.0" encoding="utf-8"?>
-<p:notes xmlns:a="http://schemas.openxmlformats.org/drawingml/2006/main" xmlns:r="http://schemas.openxmlformats.org/officeDocument/2006/relationships" xmlns:mc="http://schemas.openxmlformats.org/markup-compatibility/2006" xmlns:mv="urn:schemas-microsoft-com:mac:vml" xmlns:p="http://schemas.openxmlformats.org/presentationml/2006/main" xmlns:c="http://schemas.openxmlformats.org/drawingml/2006/chart" xmlns:dgm="http://schemas.openxmlformats.org/drawingml/2006/diagram" xmlns:o="urn:schemas-microsoft-com:office:office" xmlns:v="urn:schemas-microsoft-com:vml" xmlns:pvml="urn:schemas-microsoft-com:office:powerpoint" xmlns:com="http://schemas.openxmlformats.org/drawingml/2006/compatibility" xmlns:p14="http://schemas.microsoft.com/office/powerpoint/2010/main" xmlns:p15="http://schemas.microsoft.com/office/powerpoint/2012/main" xmlns:ahyp="http://schemas.microsoft.com/office/drawing/2018/hyperlinkcolor" showMasterPhAnim="0" showMasterSp="0">
+<p:notes xmlns:a="http://schemas.openxmlformats.org/drawingml/2006/main" xmlns:r="http://schemas.openxmlformats.org/officeDocument/2006/relationships" xmlns:p="http://schemas.openxmlformats.org/presentationml/2006/main" showMasterSp="0" showMasterPhAnim="0">
   <p:cSld>
     <p:spTree>
       <p:nvGrpSpPr>
-        <p:cNvPr id="88" name="Shape 88"/>
+        <p:cNvPr id="1" name="Shape 88"/>
         <p:cNvGrpSpPr/>
         <p:nvPr/>
       </p:nvGrpSpPr>
@@ -3109,9 +3244,11 @@
       <p:sp>
         <p:nvSpPr>
           <p:cNvPr id="89" name="Google Shape;89;g115637626fa_0_52:notes"/>
-          <p:cNvSpPr/>
-          <p:nvPr>
-            <p:ph idx="2" type="sldImg"/>
+          <p:cNvSpPr>
+            <a:spLocks noGrp="1" noRot="1" noChangeAspect="1"/>
+          </p:cNvSpPr>
+          <p:nvPr>
+            <p:ph type="sldImg" idx="2"/>
           </p:nvPr>
         </p:nvSpPr>
         <p:spPr>
@@ -3120,9 +3257,13 @@
             <a:ext cx="6096000" cy="3429000"/>
           </a:xfrm>
           <a:custGeom>
-            <a:rect b="b" l="l" r="r" t="t"/>
+            <a:avLst/>
+            <a:gdLst/>
+            <a:ahLst/>
+            <a:cxnLst/>
+            <a:rect l="l" t="t" r="r" b="b"/>
             <a:pathLst>
-              <a:path extrusionOk="0" h="120000" w="120000">
+              <a:path w="120000" h="120000" extrusionOk="0">
                 <a:moveTo>
                   <a:pt x="0" y="0"/>
                 </a:moveTo>
@@ -3144,9 +3285,11 @@
       <p:sp>
         <p:nvSpPr>
           <p:cNvPr id="90" name="Google Shape;90;g115637626fa_0_52:notes"/>
-          <p:cNvSpPr txBox="1"/>
-          <p:nvPr>
-            <p:ph idx="1" type="body"/>
+          <p:cNvSpPr txBox="1">
+            <a:spLocks noGrp="1"/>
+          </p:cNvSpPr>
+          <p:nvPr>
+            <p:ph type="body" idx="1"/>
           </p:nvPr>
         </p:nvSpPr>
         <p:spPr>
@@ -3159,23 +3302,20 @@
           </a:prstGeom>
         </p:spPr>
         <p:txBody>
-          <a:bodyPr anchorCtr="0" anchor="t" bIns="91425" lIns="91425" spcFirstLastPara="1" rIns="91425" wrap="square" tIns="91425">
+          <a:bodyPr spcFirstLastPara="1" wrap="square" lIns="91425" tIns="91425" rIns="91425" bIns="91425" anchor="t" anchorCtr="0">
             <a:noAutofit/>
           </a:bodyPr>
           <a:lstStyle/>
           <a:p>
-            <a:pPr indent="0" lvl="0" marL="0" rtl="0" algn="l">
-              <a:spcBef>
-                <a:spcPts val="0"/>
-              </a:spcBef>
-              <a:spcAft>
-                <a:spcPts val="0"/>
-              </a:spcAft>
-              <a:buNone/>
-            </a:pPr>
-            <a:r>
-              <a:t/>
-            </a:r>
+            <a:pPr marL="0" lvl="0" indent="0" algn="l" rtl="0">
+              <a:spcBef>
+                <a:spcPts val="0"/>
+              </a:spcBef>
+              <a:spcAft>
+                <a:spcPts val="0"/>
+              </a:spcAft>
+              <a:buNone/>
+            </a:pPr>
             <a:endParaRPr/>
           </a:p>
         </p:txBody>
@@ -3189,11 +3329,11 @@
 </file>
 
 <file path=ppt/notesSlides/notesSlide7.xml><?xml version="1.0" encoding="utf-8"?>
-<p:notes xmlns:a="http://schemas.openxmlformats.org/drawingml/2006/main" xmlns:r="http://schemas.openxmlformats.org/officeDocument/2006/relationships" xmlns:mc="http://schemas.openxmlformats.org/markup-compatibility/2006" xmlns:mv="urn:schemas-microsoft-com:mac:vml" xmlns:p="http://schemas.openxmlformats.org/presentationml/2006/main" xmlns:c="http://schemas.openxmlformats.org/drawingml/2006/chart" xmlns:dgm="http://schemas.openxmlformats.org/drawingml/2006/diagram" xmlns:o="urn:schemas-microsoft-com:office:office" xmlns:v="urn:schemas-microsoft-com:vml" xmlns:pvml="urn:schemas-microsoft-com:office:powerpoint" xmlns:com="http://schemas.openxmlformats.org/drawingml/2006/compatibility" xmlns:p14="http://schemas.microsoft.com/office/powerpoint/2010/main" xmlns:p15="http://schemas.microsoft.com/office/powerpoint/2012/main" xmlns:ahyp="http://schemas.microsoft.com/office/drawing/2018/hyperlinkcolor" showMasterPhAnim="0" showMasterSp="0">
+<p:notes xmlns:a="http://schemas.openxmlformats.org/drawingml/2006/main" xmlns:r="http://schemas.openxmlformats.org/officeDocument/2006/relationships" xmlns:p="http://schemas.openxmlformats.org/presentationml/2006/main" showMasterSp="0" showMasterPhAnim="0">
   <p:cSld>
     <p:spTree>
       <p:nvGrpSpPr>
-        <p:cNvPr id="97" name="Shape 97"/>
+        <p:cNvPr id="1" name="Shape 97"/>
         <p:cNvGrpSpPr/>
         <p:nvPr/>
       </p:nvGrpSpPr>
@@ -3208,9 +3348,11 @@
       <p:sp>
         <p:nvSpPr>
           <p:cNvPr id="98" name="Google Shape;98;g115637626fa_0_65:notes"/>
-          <p:cNvSpPr/>
-          <p:nvPr>
-            <p:ph idx="2" type="sldImg"/>
+          <p:cNvSpPr>
+            <a:spLocks noGrp="1" noRot="1" noChangeAspect="1"/>
+          </p:cNvSpPr>
+          <p:nvPr>
+            <p:ph type="sldImg" idx="2"/>
           </p:nvPr>
         </p:nvSpPr>
         <p:spPr>
@@ -3219,9 +3361,13 @@
             <a:ext cx="6096000" cy="3429000"/>
           </a:xfrm>
           <a:custGeom>
-            <a:rect b="b" l="l" r="r" t="t"/>
+            <a:avLst/>
+            <a:gdLst/>
+            <a:ahLst/>
+            <a:cxnLst/>
+            <a:rect l="l" t="t" r="r" b="b"/>
             <a:pathLst>
-              <a:path extrusionOk="0" h="120000" w="120000">
+              <a:path w="120000" h="120000" extrusionOk="0">
                 <a:moveTo>
                   <a:pt x="0" y="0"/>
                 </a:moveTo>
@@ -3243,9 +3389,11 @@
       <p:sp>
         <p:nvSpPr>
           <p:cNvPr id="99" name="Google Shape;99;g115637626fa_0_65:notes"/>
-          <p:cNvSpPr txBox="1"/>
-          <p:nvPr>
-            <p:ph idx="1" type="body"/>
+          <p:cNvSpPr txBox="1">
+            <a:spLocks noGrp="1"/>
+          </p:cNvSpPr>
+          <p:nvPr>
+            <p:ph type="body" idx="1"/>
           </p:nvPr>
         </p:nvSpPr>
         <p:spPr>
@@ -3258,23 +3406,20 @@
           </a:prstGeom>
         </p:spPr>
         <p:txBody>
-          <a:bodyPr anchorCtr="0" anchor="t" bIns="91425" lIns="91425" spcFirstLastPara="1" rIns="91425" wrap="square" tIns="91425">
+          <a:bodyPr spcFirstLastPara="1" wrap="square" lIns="91425" tIns="91425" rIns="91425" bIns="91425" anchor="t" anchorCtr="0">
             <a:noAutofit/>
           </a:bodyPr>
           <a:lstStyle/>
           <a:p>
-            <a:pPr indent="0" lvl="0" marL="0" rtl="0" algn="l">
-              <a:spcBef>
-                <a:spcPts val="0"/>
-              </a:spcBef>
-              <a:spcAft>
-                <a:spcPts val="0"/>
-              </a:spcAft>
-              <a:buNone/>
-            </a:pPr>
-            <a:r>
-              <a:t/>
-            </a:r>
+            <a:pPr marL="0" lvl="0" indent="0" algn="l" rtl="0">
+              <a:spcBef>
+                <a:spcPts val="0"/>
+              </a:spcBef>
+              <a:spcAft>
+                <a:spcPts val="0"/>
+              </a:spcAft>
+              <a:buNone/>
+            </a:pPr>
             <a:endParaRPr/>
           </a:p>
         </p:txBody>
@@ -3288,11 +3433,11 @@
 </file>
 
 <file path=ppt/notesSlides/notesSlide8.xml><?xml version="1.0" encoding="utf-8"?>
-<p:notes xmlns:a="http://schemas.openxmlformats.org/drawingml/2006/main" xmlns:r="http://schemas.openxmlformats.org/officeDocument/2006/relationships" xmlns:mc="http://schemas.openxmlformats.org/markup-compatibility/2006" xmlns:mv="urn:schemas-microsoft-com:mac:vml" xmlns:p="http://schemas.openxmlformats.org/presentationml/2006/main" xmlns:c="http://schemas.openxmlformats.org/drawingml/2006/chart" xmlns:dgm="http://schemas.openxmlformats.org/drawingml/2006/diagram" xmlns:o="urn:schemas-microsoft-com:office:office" xmlns:v="urn:schemas-microsoft-com:vml" xmlns:pvml="urn:schemas-microsoft-com:office:powerpoint" xmlns:com="http://schemas.openxmlformats.org/drawingml/2006/compatibility" xmlns:p14="http://schemas.microsoft.com/office/powerpoint/2010/main" xmlns:p15="http://schemas.microsoft.com/office/powerpoint/2012/main" xmlns:ahyp="http://schemas.microsoft.com/office/drawing/2018/hyperlinkcolor" showMasterPhAnim="0" showMasterSp="0">
+<p:notes xmlns:a="http://schemas.openxmlformats.org/drawingml/2006/main" xmlns:r="http://schemas.openxmlformats.org/officeDocument/2006/relationships" xmlns:p="http://schemas.openxmlformats.org/presentationml/2006/main" showMasterSp="0" showMasterPhAnim="0">
   <p:cSld>
     <p:spTree>
       <p:nvGrpSpPr>
-        <p:cNvPr id="105" name="Shape 105"/>
+        <p:cNvPr id="1" name="Shape 105"/>
         <p:cNvGrpSpPr/>
         <p:nvPr/>
       </p:nvGrpSpPr>
@@ -3307,9 +3452,11 @@
       <p:sp>
         <p:nvSpPr>
           <p:cNvPr id="106" name="Google Shape;106;g115637626fa_0_73:notes"/>
-          <p:cNvSpPr/>
-          <p:nvPr>
-            <p:ph idx="2" type="sldImg"/>
+          <p:cNvSpPr>
+            <a:spLocks noGrp="1" noRot="1" noChangeAspect="1"/>
+          </p:cNvSpPr>
+          <p:nvPr>
+            <p:ph type="sldImg" idx="2"/>
           </p:nvPr>
         </p:nvSpPr>
         <p:spPr>
@@ -3318,9 +3465,13 @@
             <a:ext cx="6096000" cy="3429000"/>
           </a:xfrm>
           <a:custGeom>
-            <a:rect b="b" l="l" r="r" t="t"/>
+            <a:avLst/>
+            <a:gdLst/>
+            <a:ahLst/>
+            <a:cxnLst/>
+            <a:rect l="l" t="t" r="r" b="b"/>
             <a:pathLst>
-              <a:path extrusionOk="0" h="120000" w="120000">
+              <a:path w="120000" h="120000" extrusionOk="0">
                 <a:moveTo>
                   <a:pt x="0" y="0"/>
                 </a:moveTo>
@@ -3342,9 +3493,11 @@
       <p:sp>
         <p:nvSpPr>
           <p:cNvPr id="107" name="Google Shape;107;g115637626fa_0_73:notes"/>
-          <p:cNvSpPr txBox="1"/>
-          <p:nvPr>
-            <p:ph idx="1" type="body"/>
+          <p:cNvSpPr txBox="1">
+            <a:spLocks noGrp="1"/>
+          </p:cNvSpPr>
+          <p:nvPr>
+            <p:ph type="body" idx="1"/>
           </p:nvPr>
         </p:nvSpPr>
         <p:spPr>
@@ -3357,23 +3510,20 @@
           </a:prstGeom>
         </p:spPr>
         <p:txBody>
-          <a:bodyPr anchorCtr="0" anchor="t" bIns="91425" lIns="91425" spcFirstLastPara="1" rIns="91425" wrap="square" tIns="91425">
+          <a:bodyPr spcFirstLastPara="1" wrap="square" lIns="91425" tIns="91425" rIns="91425" bIns="91425" anchor="t" anchorCtr="0">
             <a:noAutofit/>
           </a:bodyPr>
           <a:lstStyle/>
           <a:p>
-            <a:pPr indent="0" lvl="0" marL="0" rtl="0" algn="l">
-              <a:spcBef>
-                <a:spcPts val="0"/>
-              </a:spcBef>
-              <a:spcAft>
-                <a:spcPts val="0"/>
-              </a:spcAft>
-              <a:buNone/>
-            </a:pPr>
-            <a:r>
-              <a:t/>
-            </a:r>
+            <a:pPr marL="0" lvl="0" indent="0" algn="l" rtl="0">
+              <a:spcBef>
+                <a:spcPts val="0"/>
+              </a:spcBef>
+              <a:spcAft>
+                <a:spcPts val="0"/>
+              </a:spcAft>
+              <a:buNone/>
+            </a:pPr>
             <a:endParaRPr/>
           </a:p>
         </p:txBody>
@@ -3387,11 +3537,11 @@
 </file>
 
 <file path=ppt/notesSlides/notesSlide9.xml><?xml version="1.0" encoding="utf-8"?>
-<p:notes xmlns:a="http://schemas.openxmlformats.org/drawingml/2006/main" xmlns:r="http://schemas.openxmlformats.org/officeDocument/2006/relationships" xmlns:mc="http://schemas.openxmlformats.org/markup-compatibility/2006" xmlns:mv="urn:schemas-microsoft-com:mac:vml" xmlns:p="http://schemas.openxmlformats.org/presentationml/2006/main" xmlns:c="http://schemas.openxmlformats.org/drawingml/2006/chart" xmlns:dgm="http://schemas.openxmlformats.org/drawingml/2006/diagram" xmlns:o="urn:schemas-microsoft-com:office:office" xmlns:v="urn:schemas-microsoft-com:vml" xmlns:pvml="urn:schemas-microsoft-com:office:powerpoint" xmlns:com="http://schemas.openxmlformats.org/drawingml/2006/compatibility" xmlns:p14="http://schemas.microsoft.com/office/powerpoint/2010/main" xmlns:p15="http://schemas.microsoft.com/office/powerpoint/2012/main" xmlns:ahyp="http://schemas.microsoft.com/office/drawing/2018/hyperlinkcolor" showMasterPhAnim="0" showMasterSp="0">
+<p:notes xmlns:a="http://schemas.openxmlformats.org/drawingml/2006/main" xmlns:r="http://schemas.openxmlformats.org/officeDocument/2006/relationships" xmlns:p="http://schemas.openxmlformats.org/presentationml/2006/main" showMasterSp="0" showMasterPhAnim="0">
   <p:cSld>
     <p:spTree>
       <p:nvGrpSpPr>
-        <p:cNvPr id="113" name="Shape 113"/>
+        <p:cNvPr id="1" name="Shape 113"/>
         <p:cNvGrpSpPr/>
         <p:nvPr/>
       </p:nvGrpSpPr>
@@ -3406,9 +3556,11 @@
       <p:sp>
         <p:nvSpPr>
           <p:cNvPr id="114" name="Google Shape;114;g115637626fa_0_78:notes"/>
-          <p:cNvSpPr/>
-          <p:nvPr>
-            <p:ph idx="2" type="sldImg"/>
+          <p:cNvSpPr>
+            <a:spLocks noGrp="1" noRot="1" noChangeAspect="1"/>
+          </p:cNvSpPr>
+          <p:nvPr>
+            <p:ph type="sldImg" idx="2"/>
           </p:nvPr>
         </p:nvSpPr>
         <p:spPr>
@@ -3417,9 +3569,13 @@
             <a:ext cx="6096000" cy="3429000"/>
           </a:xfrm>
           <a:custGeom>
-            <a:rect b="b" l="l" r="r" t="t"/>
+            <a:avLst/>
+            <a:gdLst/>
+            <a:ahLst/>
+            <a:cxnLst/>
+            <a:rect l="l" t="t" r="r" b="b"/>
             <a:pathLst>
-              <a:path extrusionOk="0" h="120000" w="120000">
+              <a:path w="120000" h="120000" extrusionOk="0">
                 <a:moveTo>
                   <a:pt x="0" y="0"/>
                 </a:moveTo>
@@ -3441,9 +3597,11 @@
       <p:sp>
         <p:nvSpPr>
           <p:cNvPr id="115" name="Google Shape;115;g115637626fa_0_78:notes"/>
-          <p:cNvSpPr txBox="1"/>
-          <p:nvPr>
-            <p:ph idx="1" type="body"/>
+          <p:cNvSpPr txBox="1">
+            <a:spLocks noGrp="1"/>
+          </p:cNvSpPr>
+          <p:nvPr>
+            <p:ph type="body" idx="1"/>
           </p:nvPr>
         </p:nvSpPr>
         <p:spPr>
@@ -3456,23 +3614,20 @@
           </a:prstGeom>
         </p:spPr>
         <p:txBody>
-          <a:bodyPr anchorCtr="0" anchor="t" bIns="91425" lIns="91425" spcFirstLastPara="1" rIns="91425" wrap="square" tIns="91425">
+          <a:bodyPr spcFirstLastPara="1" wrap="square" lIns="91425" tIns="91425" rIns="91425" bIns="91425" anchor="t" anchorCtr="0">
             <a:noAutofit/>
           </a:bodyPr>
           <a:lstStyle/>
           <a:p>
-            <a:pPr indent="0" lvl="0" marL="0" rtl="0" algn="l">
-              <a:spcBef>
-                <a:spcPts val="0"/>
-              </a:spcBef>
-              <a:spcAft>
-                <a:spcPts val="0"/>
-              </a:spcAft>
-              <a:buNone/>
-            </a:pPr>
-            <a:r>
-              <a:t/>
-            </a:r>
+            <a:pPr marL="0" lvl="0" indent="0" algn="l" rtl="0">
+              <a:spcBef>
+                <a:spcPts val="0"/>
+              </a:spcBef>
+              <a:spcAft>
+                <a:spcPts val="0"/>
+              </a:spcAft>
+              <a:buNone/>
+            </a:pPr>
             <a:endParaRPr/>
           </a:p>
         </p:txBody>
@@ -3486,11 +3641,11 @@
 </file>
 
 <file path=ppt/slideLayouts/slideLayout1.xml><?xml version="1.0" encoding="utf-8"?>
-<p:sldLayout xmlns:a="http://schemas.openxmlformats.org/drawingml/2006/main" xmlns:r="http://schemas.openxmlformats.org/officeDocument/2006/relationships" xmlns:mc="http://schemas.openxmlformats.org/markup-compatibility/2006" xmlns:mv="urn:schemas-microsoft-com:mac:vml" xmlns:p="http://schemas.openxmlformats.org/presentationml/2006/main" xmlns:c="http://schemas.openxmlformats.org/drawingml/2006/chart" xmlns:dgm="http://schemas.openxmlformats.org/drawingml/2006/diagram" xmlns:o="urn:schemas-microsoft-com:office:office" xmlns:v="urn:schemas-microsoft-com:vml" xmlns:pvml="urn:schemas-microsoft-com:office:powerpoint" xmlns:com="http://schemas.openxmlformats.org/drawingml/2006/compatibility" xmlns:p14="http://schemas.microsoft.com/office/powerpoint/2010/main" xmlns:p15="http://schemas.microsoft.com/office/powerpoint/2012/main" xmlns:ahyp="http://schemas.microsoft.com/office/drawing/2018/hyperlinkcolor" matchingName="Title slide" type="title">
+<p:sldLayout xmlns:a="http://schemas.openxmlformats.org/drawingml/2006/main" xmlns:r="http://schemas.openxmlformats.org/officeDocument/2006/relationships" xmlns:p="http://schemas.openxmlformats.org/presentationml/2006/main" matchingName="Title slide" type="title">
   <p:cSld name="TITLE">
     <p:spTree>
       <p:nvGrpSpPr>
-        <p:cNvPr id="9" name="Shape 9"/>
+        <p:cNvPr id="1" name="Shape 9"/>
         <p:cNvGrpSpPr/>
         <p:nvPr/>
       </p:nvGrpSpPr>
@@ -3505,7 +3660,9 @@
       <p:sp>
         <p:nvSpPr>
           <p:cNvPr id="10" name="Google Shape;10;p2"/>
-          <p:cNvSpPr txBox="1"/>
+          <p:cNvSpPr txBox="1">
+            <a:spLocks noGrp="1"/>
+          </p:cNvSpPr>
           <p:nvPr>
             <p:ph type="ctrTitle"/>
           </p:nvPr>
@@ -3520,7 +3677,7 @@
           </a:prstGeom>
         </p:spPr>
         <p:txBody>
-          <a:bodyPr anchorCtr="0" anchor="b" bIns="91425" lIns="91425" spcFirstLastPara="1" rIns="91425" wrap="square" tIns="91425">
+          <a:bodyPr spcFirstLastPara="1" wrap="square" lIns="91425" tIns="91425" rIns="91425" bIns="91425" anchor="b" anchorCtr="0">
             <a:normAutofit/>
           </a:bodyPr>
           <a:lstStyle>
@@ -3624,15 +3781,19 @@
               <a:defRPr sz="5200"/>
             </a:lvl9pPr>
           </a:lstStyle>
-          <a:p/>
+          <a:p>
+            <a:endParaRPr/>
+          </a:p>
         </p:txBody>
       </p:sp>
       <p:sp>
         <p:nvSpPr>
           <p:cNvPr id="11" name="Google Shape;11;p2"/>
-          <p:cNvSpPr txBox="1"/>
-          <p:nvPr>
-            <p:ph idx="1" type="subTitle"/>
+          <p:cNvSpPr txBox="1">
+            <a:spLocks noGrp="1"/>
+          </p:cNvSpPr>
+          <p:nvPr>
+            <p:ph type="subTitle" idx="1"/>
           </p:nvPr>
         </p:nvSpPr>
         <p:spPr>
@@ -3645,7 +3806,7 @@
           </a:prstGeom>
         </p:spPr>
         <p:txBody>
-          <a:bodyPr anchorCtr="0" anchor="t" bIns="91425" lIns="91425" spcFirstLastPara="1" rIns="91425" wrap="square" tIns="91425">
+          <a:bodyPr spcFirstLastPara="1" wrap="square" lIns="91425" tIns="91425" rIns="91425" bIns="91425" anchor="t" anchorCtr="0">
             <a:normAutofit/>
           </a:bodyPr>
           <a:lstStyle>
@@ -3776,15 +3937,19 @@
               <a:defRPr sz="2800"/>
             </a:lvl9pPr>
           </a:lstStyle>
-          <a:p/>
+          <a:p>
+            <a:endParaRPr/>
+          </a:p>
         </p:txBody>
       </p:sp>
       <p:sp>
         <p:nvSpPr>
           <p:cNvPr id="12" name="Google Shape;12;p2"/>
-          <p:cNvSpPr txBox="1"/>
-          <p:nvPr>
-            <p:ph idx="12" type="sldNum"/>
+          <p:cNvSpPr txBox="1">
+            <a:spLocks noGrp="1"/>
+          </p:cNvSpPr>
+          <p:nvPr>
+            <p:ph type="sldNum" idx="12"/>
           </p:nvPr>
         </p:nvSpPr>
         <p:spPr>
@@ -3797,7 +3962,7 @@
           </a:prstGeom>
         </p:spPr>
         <p:txBody>
-          <a:bodyPr anchorCtr="0" anchor="ctr" bIns="91425" lIns="91425" spcFirstLastPara="1" rIns="91425" wrap="square" tIns="91425">
+          <a:bodyPr spcFirstLastPara="1" wrap="square" lIns="91425" tIns="91425" rIns="91425" bIns="91425" anchor="ctr" anchorCtr="0">
             <a:normAutofit/>
           </a:bodyPr>
           <a:lstStyle>
@@ -3839,7 +4004,7 @@
             </a:lvl9pPr>
           </a:lstStyle>
           <a:p>
-            <a:pPr indent="0" lvl="0" marL="0" rtl="0" algn="r">
+            <a:pPr marL="0" lvl="0" indent="0" algn="r" rtl="0">
               <a:spcBef>
                 <a:spcPts val="0"/>
               </a:spcBef>
@@ -3865,11 +4030,11 @@
 </file>
 
 <file path=ppt/slideLayouts/slideLayout10.xml><?xml version="1.0" encoding="utf-8"?>
-<p:sldLayout xmlns:a="http://schemas.openxmlformats.org/drawingml/2006/main" xmlns:r="http://schemas.openxmlformats.org/officeDocument/2006/relationships" xmlns:mc="http://schemas.openxmlformats.org/markup-compatibility/2006" xmlns:mv="urn:schemas-microsoft-com:mac:vml" xmlns:p="http://schemas.openxmlformats.org/presentationml/2006/main" xmlns:c="http://schemas.openxmlformats.org/drawingml/2006/chart" xmlns:dgm="http://schemas.openxmlformats.org/drawingml/2006/diagram" xmlns:o="urn:schemas-microsoft-com:office:office" xmlns:v="urn:schemas-microsoft-com:vml" xmlns:pvml="urn:schemas-microsoft-com:office:powerpoint" xmlns:com="http://schemas.openxmlformats.org/drawingml/2006/compatibility" xmlns:p14="http://schemas.microsoft.com/office/powerpoint/2010/main" xmlns:p15="http://schemas.microsoft.com/office/powerpoint/2012/main" xmlns:ahyp="http://schemas.microsoft.com/office/drawing/2018/hyperlinkcolor" matchingName="Big number">
+<p:sldLayout xmlns:a="http://schemas.openxmlformats.org/drawingml/2006/main" xmlns:r="http://schemas.openxmlformats.org/officeDocument/2006/relationships" xmlns:p="http://schemas.openxmlformats.org/presentationml/2006/main" matchingName="Big number">
   <p:cSld name="BIG_NUMBER">
     <p:spTree>
       <p:nvGrpSpPr>
-        <p:cNvPr id="44" name="Shape 44"/>
+        <p:cNvPr id="1" name="Shape 44"/>
         <p:cNvGrpSpPr/>
         <p:nvPr/>
       </p:nvGrpSpPr>
@@ -3884,9 +4049,11 @@
       <p:sp>
         <p:nvSpPr>
           <p:cNvPr id="45" name="Google Shape;45;p11"/>
-          <p:cNvSpPr txBox="1"/>
-          <p:nvPr>
-            <p:ph hasCustomPrompt="1" type="title"/>
+          <p:cNvSpPr txBox="1">
+            <a:spLocks noGrp="1"/>
+          </p:cNvSpPr>
+          <p:nvPr>
+            <p:ph type="title" hasCustomPrompt="1"/>
           </p:nvPr>
         </p:nvSpPr>
         <p:spPr>
@@ -3899,7 +4066,7 @@
           </a:prstGeom>
         </p:spPr>
         <p:txBody>
-          <a:bodyPr anchorCtr="0" anchor="b" bIns="91425" lIns="91425" spcFirstLastPara="1" rIns="91425" wrap="square" tIns="91425">
+          <a:bodyPr spcFirstLastPara="1" wrap="square" lIns="91425" tIns="91425" rIns="91425" bIns="91425" anchor="b" anchorCtr="0">
             <a:normAutofit/>
           </a:bodyPr>
           <a:lstStyle>
@@ -4013,9 +4180,11 @@
       <p:sp>
         <p:nvSpPr>
           <p:cNvPr id="46" name="Google Shape;46;p11"/>
-          <p:cNvSpPr txBox="1"/>
-          <p:nvPr>
-            <p:ph idx="1" type="body"/>
+          <p:cNvSpPr txBox="1">
+            <a:spLocks noGrp="1"/>
+          </p:cNvSpPr>
+          <p:nvPr>
+            <p:ph type="body" idx="1"/>
           </p:nvPr>
         </p:nvSpPr>
         <p:spPr>
@@ -4028,11 +4197,11 @@
           </a:prstGeom>
         </p:spPr>
         <p:txBody>
-          <a:bodyPr anchorCtr="0" anchor="t" bIns="91425" lIns="91425" spcFirstLastPara="1" rIns="91425" wrap="square" tIns="91425">
+          <a:bodyPr spcFirstLastPara="1" wrap="square" lIns="91425" tIns="91425" rIns="91425" bIns="91425" anchor="t" anchorCtr="0">
             <a:normAutofit/>
           </a:bodyPr>
           <a:lstStyle>
-            <a:lvl1pPr indent="-342900" lvl="0" marL="457200" algn="ctr">
+            <a:lvl1pPr marL="457200" lvl="0" indent="-342900" algn="ctr">
               <a:spcBef>
                 <a:spcPts val="0"/>
               </a:spcBef>
@@ -4043,7 +4212,7 @@
               <a:buChar char="●"/>
               <a:defRPr/>
             </a:lvl1pPr>
-            <a:lvl2pPr indent="-317500" lvl="1" marL="914400" algn="ctr">
+            <a:lvl2pPr marL="914400" lvl="1" indent="-317500" algn="ctr">
               <a:spcBef>
                 <a:spcPts val="0"/>
               </a:spcBef>
@@ -4054,7 +4223,7 @@
               <a:buChar char="○"/>
               <a:defRPr/>
             </a:lvl2pPr>
-            <a:lvl3pPr indent="-317500" lvl="2" marL="1371600" algn="ctr">
+            <a:lvl3pPr marL="1371600" lvl="2" indent="-317500" algn="ctr">
               <a:spcBef>
                 <a:spcPts val="0"/>
               </a:spcBef>
@@ -4065,7 +4234,7 @@
               <a:buChar char="■"/>
               <a:defRPr/>
             </a:lvl3pPr>
-            <a:lvl4pPr indent="-317500" lvl="3" marL="1828800" algn="ctr">
+            <a:lvl4pPr marL="1828800" lvl="3" indent="-317500" algn="ctr">
               <a:spcBef>
                 <a:spcPts val="0"/>
               </a:spcBef>
@@ -4076,7 +4245,7 @@
               <a:buChar char="●"/>
               <a:defRPr/>
             </a:lvl4pPr>
-            <a:lvl5pPr indent="-317500" lvl="4" marL="2286000" algn="ctr">
+            <a:lvl5pPr marL="2286000" lvl="4" indent="-317500" algn="ctr">
               <a:spcBef>
                 <a:spcPts val="0"/>
               </a:spcBef>
@@ -4087,7 +4256,7 @@
               <a:buChar char="○"/>
               <a:defRPr/>
             </a:lvl5pPr>
-            <a:lvl6pPr indent="-317500" lvl="5" marL="2743200" algn="ctr">
+            <a:lvl6pPr marL="2743200" lvl="5" indent="-317500" algn="ctr">
               <a:spcBef>
                 <a:spcPts val="0"/>
               </a:spcBef>
@@ -4098,7 +4267,7 @@
               <a:buChar char="■"/>
               <a:defRPr/>
             </a:lvl6pPr>
-            <a:lvl7pPr indent="-317500" lvl="6" marL="3200400" algn="ctr">
+            <a:lvl7pPr marL="3200400" lvl="6" indent="-317500" algn="ctr">
               <a:spcBef>
                 <a:spcPts val="0"/>
               </a:spcBef>
@@ -4109,7 +4278,7 @@
               <a:buChar char="●"/>
               <a:defRPr/>
             </a:lvl7pPr>
-            <a:lvl8pPr indent="-317500" lvl="7" marL="3657600" algn="ctr">
+            <a:lvl8pPr marL="3657600" lvl="7" indent="-317500" algn="ctr">
               <a:spcBef>
                 <a:spcPts val="0"/>
               </a:spcBef>
@@ -4120,7 +4289,7 @@
               <a:buChar char="○"/>
               <a:defRPr/>
             </a:lvl8pPr>
-            <a:lvl9pPr indent="-317500" lvl="8" marL="4114800" algn="ctr">
+            <a:lvl9pPr marL="4114800" lvl="8" indent="-317500" algn="ctr">
               <a:spcBef>
                 <a:spcPts val="0"/>
               </a:spcBef>
@@ -4132,15 +4301,19 @@
               <a:defRPr/>
             </a:lvl9pPr>
           </a:lstStyle>
-          <a:p/>
+          <a:p>
+            <a:endParaRPr/>
+          </a:p>
         </p:txBody>
       </p:sp>
       <p:sp>
         <p:nvSpPr>
           <p:cNvPr id="47" name="Google Shape;47;p11"/>
-          <p:cNvSpPr txBox="1"/>
-          <p:nvPr>
-            <p:ph idx="12" type="sldNum"/>
+          <p:cNvSpPr txBox="1">
+            <a:spLocks noGrp="1"/>
+          </p:cNvSpPr>
+          <p:nvPr>
+            <p:ph type="sldNum" idx="12"/>
           </p:nvPr>
         </p:nvSpPr>
         <p:spPr>
@@ -4153,7 +4326,7 @@
           </a:prstGeom>
         </p:spPr>
         <p:txBody>
-          <a:bodyPr anchorCtr="0" anchor="ctr" bIns="91425" lIns="91425" spcFirstLastPara="1" rIns="91425" wrap="square" tIns="91425">
+          <a:bodyPr spcFirstLastPara="1" wrap="square" lIns="91425" tIns="91425" rIns="91425" bIns="91425" anchor="ctr" anchorCtr="0">
             <a:normAutofit/>
           </a:bodyPr>
           <a:lstStyle>
@@ -4195,7 +4368,7 @@
             </a:lvl9pPr>
           </a:lstStyle>
           <a:p>
-            <a:pPr indent="0" lvl="0" marL="0" rtl="0" algn="r">
+            <a:pPr marL="0" lvl="0" indent="0" algn="r" rtl="0">
               <a:spcBef>
                 <a:spcPts val="0"/>
               </a:spcBef>
@@ -4221,11 +4394,11 @@
 </file>
 
 <file path=ppt/slideLayouts/slideLayout11.xml><?xml version="1.0" encoding="utf-8"?>
-<p:sldLayout xmlns:a="http://schemas.openxmlformats.org/drawingml/2006/main" xmlns:r="http://schemas.openxmlformats.org/officeDocument/2006/relationships" xmlns:mc="http://schemas.openxmlformats.org/markup-compatibility/2006" xmlns:mv="urn:schemas-microsoft-com:mac:vml" xmlns:p="http://schemas.openxmlformats.org/presentationml/2006/main" xmlns:c="http://schemas.openxmlformats.org/drawingml/2006/chart" xmlns:dgm="http://schemas.openxmlformats.org/drawingml/2006/diagram" xmlns:o="urn:schemas-microsoft-com:office:office" xmlns:v="urn:schemas-microsoft-com:vml" xmlns:pvml="urn:schemas-microsoft-com:office:powerpoint" xmlns:com="http://schemas.openxmlformats.org/drawingml/2006/compatibility" xmlns:p14="http://schemas.microsoft.com/office/powerpoint/2010/main" xmlns:p15="http://schemas.microsoft.com/office/powerpoint/2012/main" xmlns:ahyp="http://schemas.microsoft.com/office/drawing/2018/hyperlinkcolor" matchingName="Blank" type="blank">
+<p:sldLayout xmlns:a="http://schemas.openxmlformats.org/drawingml/2006/main" xmlns:r="http://schemas.openxmlformats.org/officeDocument/2006/relationships" xmlns:p="http://schemas.openxmlformats.org/presentationml/2006/main" matchingName="Blank" type="blank">
   <p:cSld name="BLANK">
     <p:spTree>
       <p:nvGrpSpPr>
-        <p:cNvPr id="48" name="Shape 48"/>
+        <p:cNvPr id="1" name="Shape 48"/>
         <p:cNvGrpSpPr/>
         <p:nvPr/>
       </p:nvGrpSpPr>
@@ -4240,9 +4413,11 @@
       <p:sp>
         <p:nvSpPr>
           <p:cNvPr id="49" name="Google Shape;49;p12"/>
-          <p:cNvSpPr txBox="1"/>
-          <p:nvPr>
-            <p:ph idx="12" type="sldNum"/>
+          <p:cNvSpPr txBox="1">
+            <a:spLocks noGrp="1"/>
+          </p:cNvSpPr>
+          <p:nvPr>
+            <p:ph type="sldNum" idx="12"/>
           </p:nvPr>
         </p:nvSpPr>
         <p:spPr>
@@ -4255,7 +4430,7 @@
           </a:prstGeom>
         </p:spPr>
         <p:txBody>
-          <a:bodyPr anchorCtr="0" anchor="ctr" bIns="91425" lIns="91425" spcFirstLastPara="1" rIns="91425" wrap="square" tIns="91425">
+          <a:bodyPr spcFirstLastPara="1" wrap="square" lIns="91425" tIns="91425" rIns="91425" bIns="91425" anchor="ctr" anchorCtr="0">
             <a:normAutofit/>
           </a:bodyPr>
           <a:lstStyle>
@@ -4297,7 +4472,7 @@
             </a:lvl9pPr>
           </a:lstStyle>
           <a:p>
-            <a:pPr indent="0" lvl="0" marL="0" rtl="0" algn="r">
+            <a:pPr marL="0" lvl="0" indent="0" algn="r" rtl="0">
               <a:spcBef>
                 <a:spcPts val="0"/>
               </a:spcBef>
@@ -4323,11 +4498,11 @@
 </file>
 
 <file path=ppt/slideLayouts/slideLayout2.xml><?xml version="1.0" encoding="utf-8"?>
-<p:sldLayout xmlns:a="http://schemas.openxmlformats.org/drawingml/2006/main" xmlns:r="http://schemas.openxmlformats.org/officeDocument/2006/relationships" xmlns:mc="http://schemas.openxmlformats.org/markup-compatibility/2006" xmlns:mv="urn:schemas-microsoft-com:mac:vml" xmlns:p="http://schemas.openxmlformats.org/presentationml/2006/main" xmlns:c="http://schemas.openxmlformats.org/drawingml/2006/chart" xmlns:dgm="http://schemas.openxmlformats.org/drawingml/2006/diagram" xmlns:o="urn:schemas-microsoft-com:office:office" xmlns:v="urn:schemas-microsoft-com:vml" xmlns:pvml="urn:schemas-microsoft-com:office:powerpoint" xmlns:com="http://schemas.openxmlformats.org/drawingml/2006/compatibility" xmlns:p14="http://schemas.microsoft.com/office/powerpoint/2010/main" xmlns:p15="http://schemas.microsoft.com/office/powerpoint/2012/main" xmlns:ahyp="http://schemas.microsoft.com/office/drawing/2018/hyperlinkcolor" matchingName="Section header" type="secHead">
+<p:sldLayout xmlns:a="http://schemas.openxmlformats.org/drawingml/2006/main" xmlns:r="http://schemas.openxmlformats.org/officeDocument/2006/relationships" xmlns:p="http://schemas.openxmlformats.org/presentationml/2006/main" matchingName="Section header" type="secHead">
   <p:cSld name="SECTION_HEADER">
     <p:spTree>
       <p:nvGrpSpPr>
-        <p:cNvPr id="13" name="Shape 13"/>
+        <p:cNvPr id="1" name="Shape 13"/>
         <p:cNvGrpSpPr/>
         <p:nvPr/>
       </p:nvGrpSpPr>
@@ -4342,7 +4517,9 @@
       <p:sp>
         <p:nvSpPr>
           <p:cNvPr id="14" name="Google Shape;14;p3"/>
-          <p:cNvSpPr txBox="1"/>
+          <p:cNvSpPr txBox="1">
+            <a:spLocks noGrp="1"/>
+          </p:cNvSpPr>
           <p:nvPr>
             <p:ph type="title"/>
           </p:nvPr>
@@ -4357,7 +4534,7 @@
           </a:prstGeom>
         </p:spPr>
         <p:txBody>
-          <a:bodyPr anchorCtr="0" anchor="ctr" bIns="91425" lIns="91425" spcFirstLastPara="1" rIns="91425" wrap="square" tIns="91425">
+          <a:bodyPr spcFirstLastPara="1" wrap="square" lIns="91425" tIns="91425" rIns="91425" bIns="91425" anchor="ctr" anchorCtr="0">
             <a:normAutofit/>
           </a:bodyPr>
           <a:lstStyle>
@@ -4461,15 +4638,19 @@
               <a:defRPr sz="3600"/>
             </a:lvl9pPr>
           </a:lstStyle>
-          <a:p/>
+          <a:p>
+            <a:endParaRPr/>
+          </a:p>
         </p:txBody>
       </p:sp>
       <p:sp>
         <p:nvSpPr>
           <p:cNvPr id="15" name="Google Shape;15;p3"/>
-          <p:cNvSpPr txBox="1"/>
-          <p:nvPr>
-            <p:ph idx="12" type="sldNum"/>
+          <p:cNvSpPr txBox="1">
+            <a:spLocks noGrp="1"/>
+          </p:cNvSpPr>
+          <p:nvPr>
+            <p:ph type="sldNum" idx="12"/>
           </p:nvPr>
         </p:nvSpPr>
         <p:spPr>
@@ -4482,7 +4663,7 @@
           </a:prstGeom>
         </p:spPr>
         <p:txBody>
-          <a:bodyPr anchorCtr="0" anchor="ctr" bIns="91425" lIns="91425" spcFirstLastPara="1" rIns="91425" wrap="square" tIns="91425">
+          <a:bodyPr spcFirstLastPara="1" wrap="square" lIns="91425" tIns="91425" rIns="91425" bIns="91425" anchor="ctr" anchorCtr="0">
             <a:normAutofit/>
           </a:bodyPr>
           <a:lstStyle>
@@ -4524,7 +4705,7 @@
             </a:lvl9pPr>
           </a:lstStyle>
           <a:p>
-            <a:pPr indent="0" lvl="0" marL="0" rtl="0" algn="r">
+            <a:pPr marL="0" lvl="0" indent="0" algn="r" rtl="0">
               <a:spcBef>
                 <a:spcPts val="0"/>
               </a:spcBef>
@@ -4550,11 +4731,11 @@
 </file>
 
 <file path=ppt/slideLayouts/slideLayout3.xml><?xml version="1.0" encoding="utf-8"?>
-<p:sldLayout xmlns:a="http://schemas.openxmlformats.org/drawingml/2006/main" xmlns:r="http://schemas.openxmlformats.org/officeDocument/2006/relationships" xmlns:mc="http://schemas.openxmlformats.org/markup-compatibility/2006" xmlns:mv="urn:schemas-microsoft-com:mac:vml" xmlns:p="http://schemas.openxmlformats.org/presentationml/2006/main" xmlns:c="http://schemas.openxmlformats.org/drawingml/2006/chart" xmlns:dgm="http://schemas.openxmlformats.org/drawingml/2006/diagram" xmlns:o="urn:schemas-microsoft-com:office:office" xmlns:v="urn:schemas-microsoft-com:vml" xmlns:pvml="urn:schemas-microsoft-com:office:powerpoint" xmlns:com="http://schemas.openxmlformats.org/drawingml/2006/compatibility" xmlns:p14="http://schemas.microsoft.com/office/powerpoint/2010/main" xmlns:p15="http://schemas.microsoft.com/office/powerpoint/2012/main" xmlns:ahyp="http://schemas.microsoft.com/office/drawing/2018/hyperlinkcolor" matchingName="Title and body" type="tx">
+<p:sldLayout xmlns:a="http://schemas.openxmlformats.org/drawingml/2006/main" xmlns:r="http://schemas.openxmlformats.org/officeDocument/2006/relationships" xmlns:p="http://schemas.openxmlformats.org/presentationml/2006/main" matchingName="Title and body" type="tx">
   <p:cSld name="TITLE_AND_BODY">
     <p:spTree>
       <p:nvGrpSpPr>
-        <p:cNvPr id="16" name="Shape 16"/>
+        <p:cNvPr id="1" name="Shape 16"/>
         <p:cNvGrpSpPr/>
         <p:nvPr/>
       </p:nvGrpSpPr>
@@ -4569,7 +4750,9 @@
       <p:sp>
         <p:nvSpPr>
           <p:cNvPr id="17" name="Google Shape;17;p4"/>
-          <p:cNvSpPr txBox="1"/>
+          <p:cNvSpPr txBox="1">
+            <a:spLocks noGrp="1"/>
+          </p:cNvSpPr>
           <p:nvPr>
             <p:ph type="title"/>
           </p:nvPr>
@@ -4584,7 +4767,7 @@
           </a:prstGeom>
         </p:spPr>
         <p:txBody>
-          <a:bodyPr anchorCtr="0" anchor="t" bIns="91425" lIns="91425" spcFirstLastPara="1" rIns="91425" wrap="square" tIns="91425">
+          <a:bodyPr spcFirstLastPara="1" wrap="square" lIns="91425" tIns="91425" rIns="91425" bIns="91425" anchor="t" anchorCtr="0">
             <a:normAutofit/>
           </a:bodyPr>
           <a:lstStyle>
@@ -4688,15 +4871,19 @@
               <a:defRPr/>
             </a:lvl9pPr>
           </a:lstStyle>
-          <a:p/>
+          <a:p>
+            <a:endParaRPr/>
+          </a:p>
         </p:txBody>
       </p:sp>
       <p:sp>
         <p:nvSpPr>
           <p:cNvPr id="18" name="Google Shape;18;p4"/>
-          <p:cNvSpPr txBox="1"/>
-          <p:nvPr>
-            <p:ph idx="1" type="body"/>
+          <p:cNvSpPr txBox="1">
+            <a:spLocks noGrp="1"/>
+          </p:cNvSpPr>
+          <p:nvPr>
+            <p:ph type="body" idx="1"/>
           </p:nvPr>
         </p:nvSpPr>
         <p:spPr>
@@ -4709,11 +4896,11 @@
           </a:prstGeom>
         </p:spPr>
         <p:txBody>
-          <a:bodyPr anchorCtr="0" anchor="t" bIns="91425" lIns="91425" spcFirstLastPara="1" rIns="91425" wrap="square" tIns="91425">
+          <a:bodyPr spcFirstLastPara="1" wrap="square" lIns="91425" tIns="91425" rIns="91425" bIns="91425" anchor="t" anchorCtr="0">
             <a:normAutofit/>
           </a:bodyPr>
           <a:lstStyle>
-            <a:lvl1pPr indent="-342900" lvl="0" marL="457200">
+            <a:lvl1pPr marL="457200" lvl="0" indent="-342900">
               <a:spcBef>
                 <a:spcPts val="0"/>
               </a:spcBef>
@@ -4724,7 +4911,7 @@
               <a:buChar char="●"/>
               <a:defRPr/>
             </a:lvl1pPr>
-            <a:lvl2pPr indent="-317500" lvl="1" marL="914400">
+            <a:lvl2pPr marL="914400" lvl="1" indent="-317500">
               <a:spcBef>
                 <a:spcPts val="0"/>
               </a:spcBef>
@@ -4735,7 +4922,7 @@
               <a:buChar char="○"/>
               <a:defRPr/>
             </a:lvl2pPr>
-            <a:lvl3pPr indent="-317500" lvl="2" marL="1371600">
+            <a:lvl3pPr marL="1371600" lvl="2" indent="-317500">
               <a:spcBef>
                 <a:spcPts val="0"/>
               </a:spcBef>
@@ -4746,7 +4933,7 @@
               <a:buChar char="■"/>
               <a:defRPr/>
             </a:lvl3pPr>
-            <a:lvl4pPr indent="-317500" lvl="3" marL="1828800">
+            <a:lvl4pPr marL="1828800" lvl="3" indent="-317500">
               <a:spcBef>
                 <a:spcPts val="0"/>
               </a:spcBef>
@@ -4757,7 +4944,7 @@
               <a:buChar char="●"/>
               <a:defRPr/>
             </a:lvl4pPr>
-            <a:lvl5pPr indent="-317500" lvl="4" marL="2286000">
+            <a:lvl5pPr marL="2286000" lvl="4" indent="-317500">
               <a:spcBef>
                 <a:spcPts val="0"/>
               </a:spcBef>
@@ -4768,7 +4955,7 @@
               <a:buChar char="○"/>
               <a:defRPr/>
             </a:lvl5pPr>
-            <a:lvl6pPr indent="-317500" lvl="5" marL="2743200">
+            <a:lvl6pPr marL="2743200" lvl="5" indent="-317500">
               <a:spcBef>
                 <a:spcPts val="0"/>
               </a:spcBef>
@@ -4779,7 +4966,7 @@
               <a:buChar char="■"/>
               <a:defRPr/>
             </a:lvl6pPr>
-            <a:lvl7pPr indent="-317500" lvl="6" marL="3200400">
+            <a:lvl7pPr marL="3200400" lvl="6" indent="-317500">
               <a:spcBef>
                 <a:spcPts val="0"/>
               </a:spcBef>
@@ -4790,7 +4977,7 @@
               <a:buChar char="●"/>
               <a:defRPr/>
             </a:lvl7pPr>
-            <a:lvl8pPr indent="-317500" lvl="7" marL="3657600">
+            <a:lvl8pPr marL="3657600" lvl="7" indent="-317500">
               <a:spcBef>
                 <a:spcPts val="0"/>
               </a:spcBef>
@@ -4801,7 +4988,7 @@
               <a:buChar char="○"/>
               <a:defRPr/>
             </a:lvl8pPr>
-            <a:lvl9pPr indent="-317500" lvl="8" marL="4114800">
+            <a:lvl9pPr marL="4114800" lvl="8" indent="-317500">
               <a:spcBef>
                 <a:spcPts val="0"/>
               </a:spcBef>
@@ -4813,15 +5000,19 @@
               <a:defRPr/>
             </a:lvl9pPr>
           </a:lstStyle>
-          <a:p/>
+          <a:p>
+            <a:endParaRPr/>
+          </a:p>
         </p:txBody>
       </p:sp>
       <p:sp>
         <p:nvSpPr>
           <p:cNvPr id="19" name="Google Shape;19;p4"/>
-          <p:cNvSpPr txBox="1"/>
-          <p:nvPr>
-            <p:ph idx="12" type="sldNum"/>
+          <p:cNvSpPr txBox="1">
+            <a:spLocks noGrp="1"/>
+          </p:cNvSpPr>
+          <p:nvPr>
+            <p:ph type="sldNum" idx="12"/>
           </p:nvPr>
         </p:nvSpPr>
         <p:spPr>
@@ -4834,7 +5025,7 @@
           </a:prstGeom>
         </p:spPr>
         <p:txBody>
-          <a:bodyPr anchorCtr="0" anchor="ctr" bIns="91425" lIns="91425" spcFirstLastPara="1" rIns="91425" wrap="square" tIns="91425">
+          <a:bodyPr spcFirstLastPara="1" wrap="square" lIns="91425" tIns="91425" rIns="91425" bIns="91425" anchor="ctr" anchorCtr="0">
             <a:normAutofit/>
           </a:bodyPr>
           <a:lstStyle>
@@ -4876,7 +5067,7 @@
             </a:lvl9pPr>
           </a:lstStyle>
           <a:p>
-            <a:pPr indent="0" lvl="0" marL="0" rtl="0" algn="r">
+            <a:pPr marL="0" lvl="0" indent="0" algn="r" rtl="0">
               <a:spcBef>
                 <a:spcPts val="0"/>
               </a:spcBef>
@@ -4902,11 +5093,11 @@
 </file>
 
 <file path=ppt/slideLayouts/slideLayout4.xml><?xml version="1.0" encoding="utf-8"?>
-<p:sldLayout xmlns:a="http://schemas.openxmlformats.org/drawingml/2006/main" xmlns:r="http://schemas.openxmlformats.org/officeDocument/2006/relationships" xmlns:mc="http://schemas.openxmlformats.org/markup-compatibility/2006" xmlns:mv="urn:schemas-microsoft-com:mac:vml" xmlns:p="http://schemas.openxmlformats.org/presentationml/2006/main" xmlns:c="http://schemas.openxmlformats.org/drawingml/2006/chart" xmlns:dgm="http://schemas.openxmlformats.org/drawingml/2006/diagram" xmlns:o="urn:schemas-microsoft-com:office:office" xmlns:v="urn:schemas-microsoft-com:vml" xmlns:pvml="urn:schemas-microsoft-com:office:powerpoint" xmlns:com="http://schemas.openxmlformats.org/drawingml/2006/compatibility" xmlns:p14="http://schemas.microsoft.com/office/powerpoint/2010/main" xmlns:p15="http://schemas.microsoft.com/office/powerpoint/2012/main" xmlns:ahyp="http://schemas.microsoft.com/office/drawing/2018/hyperlinkcolor" matchingName="Title and two columns" type="twoColTx">
+<p:sldLayout xmlns:a="http://schemas.openxmlformats.org/drawingml/2006/main" xmlns:r="http://schemas.openxmlformats.org/officeDocument/2006/relationships" xmlns:p="http://schemas.openxmlformats.org/presentationml/2006/main" matchingName="Title and two columns" type="twoColTx">
   <p:cSld name="TITLE_AND_TWO_COLUMNS">
     <p:spTree>
       <p:nvGrpSpPr>
-        <p:cNvPr id="20" name="Shape 20"/>
+        <p:cNvPr id="1" name="Shape 20"/>
         <p:cNvGrpSpPr/>
         <p:nvPr/>
       </p:nvGrpSpPr>
@@ -4921,7 +5112,9 @@
       <p:sp>
         <p:nvSpPr>
           <p:cNvPr id="21" name="Google Shape;21;p5"/>
-          <p:cNvSpPr txBox="1"/>
+          <p:cNvSpPr txBox="1">
+            <a:spLocks noGrp="1"/>
+          </p:cNvSpPr>
           <p:nvPr>
             <p:ph type="title"/>
           </p:nvPr>
@@ -4936,7 +5129,7 @@
           </a:prstGeom>
         </p:spPr>
         <p:txBody>
-          <a:bodyPr anchorCtr="0" anchor="t" bIns="91425" lIns="91425" spcFirstLastPara="1" rIns="91425" wrap="square" tIns="91425">
+          <a:bodyPr spcFirstLastPara="1" wrap="square" lIns="91425" tIns="91425" rIns="91425" bIns="91425" anchor="t" anchorCtr="0">
             <a:normAutofit/>
           </a:bodyPr>
           <a:lstStyle>
@@ -5040,15 +5233,19 @@
               <a:defRPr/>
             </a:lvl9pPr>
           </a:lstStyle>
-          <a:p/>
+          <a:p>
+            <a:endParaRPr/>
+          </a:p>
         </p:txBody>
       </p:sp>
       <p:sp>
         <p:nvSpPr>
           <p:cNvPr id="22" name="Google Shape;22;p5"/>
-          <p:cNvSpPr txBox="1"/>
-          <p:nvPr>
-            <p:ph idx="1" type="body"/>
+          <p:cNvSpPr txBox="1">
+            <a:spLocks noGrp="1"/>
+          </p:cNvSpPr>
+          <p:nvPr>
+            <p:ph type="body" idx="1"/>
           </p:nvPr>
         </p:nvSpPr>
         <p:spPr>
@@ -5061,11 +5258,11 @@
           </a:prstGeom>
         </p:spPr>
         <p:txBody>
-          <a:bodyPr anchorCtr="0" anchor="t" bIns="91425" lIns="91425" spcFirstLastPara="1" rIns="91425" wrap="square" tIns="91425">
+          <a:bodyPr spcFirstLastPara="1" wrap="square" lIns="91425" tIns="91425" rIns="91425" bIns="91425" anchor="t" anchorCtr="0">
             <a:normAutofit/>
           </a:bodyPr>
           <a:lstStyle>
-            <a:lvl1pPr indent="-317500" lvl="0" marL="457200">
+            <a:lvl1pPr marL="457200" lvl="0" indent="-317500">
               <a:spcBef>
                 <a:spcPts val="0"/>
               </a:spcBef>
@@ -5076,7 +5273,7 @@
               <a:buChar char="●"/>
               <a:defRPr sz="1400"/>
             </a:lvl1pPr>
-            <a:lvl2pPr indent="-304800" lvl="1" marL="914400">
+            <a:lvl2pPr marL="914400" lvl="1" indent="-304800">
               <a:spcBef>
                 <a:spcPts val="0"/>
               </a:spcBef>
@@ -5087,7 +5284,7 @@
               <a:buChar char="○"/>
               <a:defRPr sz="1200"/>
             </a:lvl2pPr>
-            <a:lvl3pPr indent="-304800" lvl="2" marL="1371600">
+            <a:lvl3pPr marL="1371600" lvl="2" indent="-304800">
               <a:spcBef>
                 <a:spcPts val="0"/>
               </a:spcBef>
@@ -5098,7 +5295,7 @@
               <a:buChar char="■"/>
               <a:defRPr sz="1200"/>
             </a:lvl3pPr>
-            <a:lvl4pPr indent="-304800" lvl="3" marL="1828800">
+            <a:lvl4pPr marL="1828800" lvl="3" indent="-304800">
               <a:spcBef>
                 <a:spcPts val="0"/>
               </a:spcBef>
@@ -5109,7 +5306,7 @@
               <a:buChar char="●"/>
               <a:defRPr sz="1200"/>
             </a:lvl4pPr>
-            <a:lvl5pPr indent="-304800" lvl="4" marL="2286000">
+            <a:lvl5pPr marL="2286000" lvl="4" indent="-304800">
               <a:spcBef>
                 <a:spcPts val="0"/>
               </a:spcBef>
@@ -5120,7 +5317,7 @@
               <a:buChar char="○"/>
               <a:defRPr sz="1200"/>
             </a:lvl5pPr>
-            <a:lvl6pPr indent="-304800" lvl="5" marL="2743200">
+            <a:lvl6pPr marL="2743200" lvl="5" indent="-304800">
               <a:spcBef>
                 <a:spcPts val="0"/>
               </a:spcBef>
@@ -5131,7 +5328,7 @@
               <a:buChar char="■"/>
               <a:defRPr sz="1200"/>
             </a:lvl6pPr>
-            <a:lvl7pPr indent="-304800" lvl="6" marL="3200400">
+            <a:lvl7pPr marL="3200400" lvl="6" indent="-304800">
               <a:spcBef>
                 <a:spcPts val="0"/>
               </a:spcBef>
@@ -5142,7 +5339,7 @@
               <a:buChar char="●"/>
               <a:defRPr sz="1200"/>
             </a:lvl7pPr>
-            <a:lvl8pPr indent="-304800" lvl="7" marL="3657600">
+            <a:lvl8pPr marL="3657600" lvl="7" indent="-304800">
               <a:spcBef>
                 <a:spcPts val="0"/>
               </a:spcBef>
@@ -5153,7 +5350,7 @@
               <a:buChar char="○"/>
               <a:defRPr sz="1200"/>
             </a:lvl8pPr>
-            <a:lvl9pPr indent="-304800" lvl="8" marL="4114800">
+            <a:lvl9pPr marL="4114800" lvl="8" indent="-304800">
               <a:spcBef>
                 <a:spcPts val="0"/>
               </a:spcBef>
@@ -5165,15 +5362,19 @@
               <a:defRPr sz="1200"/>
             </a:lvl9pPr>
           </a:lstStyle>
-          <a:p/>
+          <a:p>
+            <a:endParaRPr/>
+          </a:p>
         </p:txBody>
       </p:sp>
       <p:sp>
         <p:nvSpPr>
           <p:cNvPr id="23" name="Google Shape;23;p5"/>
-          <p:cNvSpPr txBox="1"/>
-          <p:nvPr>
-            <p:ph idx="2" type="body"/>
+          <p:cNvSpPr txBox="1">
+            <a:spLocks noGrp="1"/>
+          </p:cNvSpPr>
+          <p:nvPr>
+            <p:ph type="body" idx="2"/>
           </p:nvPr>
         </p:nvSpPr>
         <p:spPr>
@@ -5186,11 +5387,11 @@
           </a:prstGeom>
         </p:spPr>
         <p:txBody>
-          <a:bodyPr anchorCtr="0" anchor="t" bIns="91425" lIns="91425" spcFirstLastPara="1" rIns="91425" wrap="square" tIns="91425">
+          <a:bodyPr spcFirstLastPara="1" wrap="square" lIns="91425" tIns="91425" rIns="91425" bIns="91425" anchor="t" anchorCtr="0">
             <a:normAutofit/>
           </a:bodyPr>
           <a:lstStyle>
-            <a:lvl1pPr indent="-317500" lvl="0" marL="457200">
+            <a:lvl1pPr marL="457200" lvl="0" indent="-317500">
               <a:spcBef>
                 <a:spcPts val="0"/>
               </a:spcBef>
@@ -5201,7 +5402,7 @@
               <a:buChar char="●"/>
               <a:defRPr sz="1400"/>
             </a:lvl1pPr>
-            <a:lvl2pPr indent="-304800" lvl="1" marL="914400">
+            <a:lvl2pPr marL="914400" lvl="1" indent="-304800">
               <a:spcBef>
                 <a:spcPts val="0"/>
               </a:spcBef>
@@ -5212,7 +5413,7 @@
               <a:buChar char="○"/>
               <a:defRPr sz="1200"/>
             </a:lvl2pPr>
-            <a:lvl3pPr indent="-304800" lvl="2" marL="1371600">
+            <a:lvl3pPr marL="1371600" lvl="2" indent="-304800">
               <a:spcBef>
                 <a:spcPts val="0"/>
               </a:spcBef>
@@ -5223,7 +5424,7 @@
               <a:buChar char="■"/>
               <a:defRPr sz="1200"/>
             </a:lvl3pPr>
-            <a:lvl4pPr indent="-304800" lvl="3" marL="1828800">
+            <a:lvl4pPr marL="1828800" lvl="3" indent="-304800">
               <a:spcBef>
                 <a:spcPts val="0"/>
               </a:spcBef>
@@ -5234,7 +5435,7 @@
               <a:buChar char="●"/>
               <a:defRPr sz="1200"/>
             </a:lvl4pPr>
-            <a:lvl5pPr indent="-304800" lvl="4" marL="2286000">
+            <a:lvl5pPr marL="2286000" lvl="4" indent="-304800">
               <a:spcBef>
                 <a:spcPts val="0"/>
               </a:spcBef>
@@ -5245,7 +5446,7 @@
               <a:buChar char="○"/>
               <a:defRPr sz="1200"/>
             </a:lvl5pPr>
-            <a:lvl6pPr indent="-304800" lvl="5" marL="2743200">
+            <a:lvl6pPr marL="2743200" lvl="5" indent="-304800">
               <a:spcBef>
                 <a:spcPts val="0"/>
               </a:spcBef>
@@ -5256,7 +5457,7 @@
               <a:buChar char="■"/>
               <a:defRPr sz="1200"/>
             </a:lvl6pPr>
-            <a:lvl7pPr indent="-304800" lvl="6" marL="3200400">
+            <a:lvl7pPr marL="3200400" lvl="6" indent="-304800">
               <a:spcBef>
                 <a:spcPts val="0"/>
               </a:spcBef>
@@ -5267,7 +5468,7 @@
               <a:buChar char="●"/>
               <a:defRPr sz="1200"/>
             </a:lvl7pPr>
-            <a:lvl8pPr indent="-304800" lvl="7" marL="3657600">
+            <a:lvl8pPr marL="3657600" lvl="7" indent="-304800">
               <a:spcBef>
                 <a:spcPts val="0"/>
               </a:spcBef>
@@ -5278,7 +5479,7 @@
               <a:buChar char="○"/>
               <a:defRPr sz="1200"/>
             </a:lvl8pPr>
-            <a:lvl9pPr indent="-304800" lvl="8" marL="4114800">
+            <a:lvl9pPr marL="4114800" lvl="8" indent="-304800">
               <a:spcBef>
                 <a:spcPts val="0"/>
               </a:spcBef>
@@ -5290,15 +5491,19 @@
               <a:defRPr sz="1200"/>
             </a:lvl9pPr>
           </a:lstStyle>
-          <a:p/>
+          <a:p>
+            <a:endParaRPr/>
+          </a:p>
         </p:txBody>
       </p:sp>
       <p:sp>
         <p:nvSpPr>
           <p:cNvPr id="24" name="Google Shape;24;p5"/>
-          <p:cNvSpPr txBox="1"/>
-          <p:nvPr>
-            <p:ph idx="12" type="sldNum"/>
+          <p:cNvSpPr txBox="1">
+            <a:spLocks noGrp="1"/>
+          </p:cNvSpPr>
+          <p:nvPr>
+            <p:ph type="sldNum" idx="12"/>
           </p:nvPr>
         </p:nvSpPr>
         <p:spPr>
@@ -5311,7 +5516,7 @@
           </a:prstGeom>
         </p:spPr>
         <p:txBody>
-          <a:bodyPr anchorCtr="0" anchor="ctr" bIns="91425" lIns="91425" spcFirstLastPara="1" rIns="91425" wrap="square" tIns="91425">
+          <a:bodyPr spcFirstLastPara="1" wrap="square" lIns="91425" tIns="91425" rIns="91425" bIns="91425" anchor="ctr" anchorCtr="0">
             <a:normAutofit/>
           </a:bodyPr>
           <a:lstStyle>
@@ -5353,7 +5558,7 @@
             </a:lvl9pPr>
           </a:lstStyle>
           <a:p>
-            <a:pPr indent="0" lvl="0" marL="0" rtl="0" algn="r">
+            <a:pPr marL="0" lvl="0" indent="0" algn="r" rtl="0">
               <a:spcBef>
                 <a:spcPts val="0"/>
               </a:spcBef>
@@ -5379,11 +5584,11 @@
 </file>
 
 <file path=ppt/slideLayouts/slideLayout5.xml><?xml version="1.0" encoding="utf-8"?>
-<p:sldLayout xmlns:a="http://schemas.openxmlformats.org/drawingml/2006/main" xmlns:r="http://schemas.openxmlformats.org/officeDocument/2006/relationships" xmlns:mc="http://schemas.openxmlformats.org/markup-compatibility/2006" xmlns:mv="urn:schemas-microsoft-com:mac:vml" xmlns:p="http://schemas.openxmlformats.org/presentationml/2006/main" xmlns:c="http://schemas.openxmlformats.org/drawingml/2006/chart" xmlns:dgm="http://schemas.openxmlformats.org/drawingml/2006/diagram" xmlns:o="urn:schemas-microsoft-com:office:office" xmlns:v="urn:schemas-microsoft-com:vml" xmlns:pvml="urn:schemas-microsoft-com:office:powerpoint" xmlns:com="http://schemas.openxmlformats.org/drawingml/2006/compatibility" xmlns:p14="http://schemas.microsoft.com/office/powerpoint/2010/main" xmlns:p15="http://schemas.microsoft.com/office/powerpoint/2012/main" xmlns:ahyp="http://schemas.microsoft.com/office/drawing/2018/hyperlinkcolor" matchingName="Title only" type="titleOnly">
+<p:sldLayout xmlns:a="http://schemas.openxmlformats.org/drawingml/2006/main" xmlns:r="http://schemas.openxmlformats.org/officeDocument/2006/relationships" xmlns:p="http://schemas.openxmlformats.org/presentationml/2006/main" matchingName="Title only" type="titleOnly">
   <p:cSld name="TITLE_ONLY">
     <p:spTree>
       <p:nvGrpSpPr>
-        <p:cNvPr id="25" name="Shape 25"/>
+        <p:cNvPr id="1" name="Shape 25"/>
         <p:cNvGrpSpPr/>
         <p:nvPr/>
       </p:nvGrpSpPr>
@@ -5398,7 +5603,9 @@
       <p:sp>
         <p:nvSpPr>
           <p:cNvPr id="26" name="Google Shape;26;p6"/>
-          <p:cNvSpPr txBox="1"/>
+          <p:cNvSpPr txBox="1">
+            <a:spLocks noGrp="1"/>
+          </p:cNvSpPr>
           <p:nvPr>
             <p:ph type="title"/>
           </p:nvPr>
@@ -5413,7 +5620,7 @@
           </a:prstGeom>
         </p:spPr>
         <p:txBody>
-          <a:bodyPr anchorCtr="0" anchor="t" bIns="91425" lIns="91425" spcFirstLastPara="1" rIns="91425" wrap="square" tIns="91425">
+          <a:bodyPr spcFirstLastPara="1" wrap="square" lIns="91425" tIns="91425" rIns="91425" bIns="91425" anchor="t" anchorCtr="0">
             <a:normAutofit/>
           </a:bodyPr>
           <a:lstStyle>
@@ -5517,15 +5724,19 @@
               <a:defRPr/>
             </a:lvl9pPr>
           </a:lstStyle>
-          <a:p/>
+          <a:p>
+            <a:endParaRPr/>
+          </a:p>
         </p:txBody>
       </p:sp>
       <p:sp>
         <p:nvSpPr>
           <p:cNvPr id="27" name="Google Shape;27;p6"/>
-          <p:cNvSpPr txBox="1"/>
-          <p:nvPr>
-            <p:ph idx="12" type="sldNum"/>
+          <p:cNvSpPr txBox="1">
+            <a:spLocks noGrp="1"/>
+          </p:cNvSpPr>
+          <p:nvPr>
+            <p:ph type="sldNum" idx="12"/>
           </p:nvPr>
         </p:nvSpPr>
         <p:spPr>
@@ -5538,7 +5749,7 @@
           </a:prstGeom>
         </p:spPr>
         <p:txBody>
-          <a:bodyPr anchorCtr="0" anchor="ctr" bIns="91425" lIns="91425" spcFirstLastPara="1" rIns="91425" wrap="square" tIns="91425">
+          <a:bodyPr spcFirstLastPara="1" wrap="square" lIns="91425" tIns="91425" rIns="91425" bIns="91425" anchor="ctr" anchorCtr="0">
             <a:normAutofit/>
           </a:bodyPr>
           <a:lstStyle>
@@ -5580,7 +5791,7 @@
             </a:lvl9pPr>
           </a:lstStyle>
           <a:p>
-            <a:pPr indent="0" lvl="0" marL="0" rtl="0" algn="r">
+            <a:pPr marL="0" lvl="0" indent="0" algn="r" rtl="0">
               <a:spcBef>
                 <a:spcPts val="0"/>
               </a:spcBef>
@@ -5606,11 +5817,11 @@
 </file>
 
 <file path=ppt/slideLayouts/slideLayout6.xml><?xml version="1.0" encoding="utf-8"?>
-<p:sldLayout xmlns:a="http://schemas.openxmlformats.org/drawingml/2006/main" xmlns:r="http://schemas.openxmlformats.org/officeDocument/2006/relationships" xmlns:mc="http://schemas.openxmlformats.org/markup-compatibility/2006" xmlns:mv="urn:schemas-microsoft-com:mac:vml" xmlns:p="http://schemas.openxmlformats.org/presentationml/2006/main" xmlns:c="http://schemas.openxmlformats.org/drawingml/2006/chart" xmlns:dgm="http://schemas.openxmlformats.org/drawingml/2006/diagram" xmlns:o="urn:schemas-microsoft-com:office:office" xmlns:v="urn:schemas-microsoft-com:vml" xmlns:pvml="urn:schemas-microsoft-com:office:powerpoint" xmlns:com="http://schemas.openxmlformats.org/drawingml/2006/compatibility" xmlns:p14="http://schemas.microsoft.com/office/powerpoint/2010/main" xmlns:p15="http://schemas.microsoft.com/office/powerpoint/2012/main" xmlns:ahyp="http://schemas.microsoft.com/office/drawing/2018/hyperlinkcolor" matchingName="One column text">
+<p:sldLayout xmlns:a="http://schemas.openxmlformats.org/drawingml/2006/main" xmlns:r="http://schemas.openxmlformats.org/officeDocument/2006/relationships" xmlns:p="http://schemas.openxmlformats.org/presentationml/2006/main" matchingName="One column text">
   <p:cSld name="ONE_COLUMN_TEXT">
     <p:spTree>
       <p:nvGrpSpPr>
-        <p:cNvPr id="28" name="Shape 28"/>
+        <p:cNvPr id="1" name="Shape 28"/>
         <p:cNvGrpSpPr/>
         <p:nvPr/>
       </p:nvGrpSpPr>
@@ -5625,7 +5836,9 @@
       <p:sp>
         <p:nvSpPr>
           <p:cNvPr id="29" name="Google Shape;29;p7"/>
-          <p:cNvSpPr txBox="1"/>
+          <p:cNvSpPr txBox="1">
+            <a:spLocks noGrp="1"/>
+          </p:cNvSpPr>
           <p:nvPr>
             <p:ph type="title"/>
           </p:nvPr>
@@ -5640,7 +5853,7 @@
           </a:prstGeom>
         </p:spPr>
         <p:txBody>
-          <a:bodyPr anchorCtr="0" anchor="b" bIns="91425" lIns="91425" spcFirstLastPara="1" rIns="91425" wrap="square" tIns="91425">
+          <a:bodyPr spcFirstLastPara="1" wrap="square" lIns="91425" tIns="91425" rIns="91425" bIns="91425" anchor="b" anchorCtr="0">
             <a:normAutofit/>
           </a:bodyPr>
           <a:lstStyle>
@@ -5744,15 +5957,19 @@
               <a:defRPr sz="2400"/>
             </a:lvl9pPr>
           </a:lstStyle>
-          <a:p/>
+          <a:p>
+            <a:endParaRPr/>
+          </a:p>
         </p:txBody>
       </p:sp>
       <p:sp>
         <p:nvSpPr>
           <p:cNvPr id="30" name="Google Shape;30;p7"/>
-          <p:cNvSpPr txBox="1"/>
-          <p:nvPr>
-            <p:ph idx="1" type="body"/>
+          <p:cNvSpPr txBox="1">
+            <a:spLocks noGrp="1"/>
+          </p:cNvSpPr>
+          <p:nvPr>
+            <p:ph type="body" idx="1"/>
           </p:nvPr>
         </p:nvSpPr>
         <p:spPr>
@@ -5765,11 +5982,11 @@
           </a:prstGeom>
         </p:spPr>
         <p:txBody>
-          <a:bodyPr anchorCtr="0" anchor="t" bIns="91425" lIns="91425" spcFirstLastPara="1" rIns="91425" wrap="square" tIns="91425">
+          <a:bodyPr spcFirstLastPara="1" wrap="square" lIns="91425" tIns="91425" rIns="91425" bIns="91425" anchor="t" anchorCtr="0">
             <a:normAutofit/>
           </a:bodyPr>
           <a:lstStyle>
-            <a:lvl1pPr indent="-304800" lvl="0" marL="457200">
+            <a:lvl1pPr marL="457200" lvl="0" indent="-304800">
               <a:spcBef>
                 <a:spcPts val="0"/>
               </a:spcBef>
@@ -5780,7 +5997,7 @@
               <a:buChar char="●"/>
               <a:defRPr sz="1200"/>
             </a:lvl1pPr>
-            <a:lvl2pPr indent="-304800" lvl="1" marL="914400">
+            <a:lvl2pPr marL="914400" lvl="1" indent="-304800">
               <a:spcBef>
                 <a:spcPts val="0"/>
               </a:spcBef>
@@ -5791,7 +6008,7 @@
               <a:buChar char="○"/>
               <a:defRPr sz="1200"/>
             </a:lvl2pPr>
-            <a:lvl3pPr indent="-304800" lvl="2" marL="1371600">
+            <a:lvl3pPr marL="1371600" lvl="2" indent="-304800">
               <a:spcBef>
                 <a:spcPts val="0"/>
               </a:spcBef>
@@ -5802,7 +6019,7 @@
               <a:buChar char="■"/>
               <a:defRPr sz="1200"/>
             </a:lvl3pPr>
-            <a:lvl4pPr indent="-304800" lvl="3" marL="1828800">
+            <a:lvl4pPr marL="1828800" lvl="3" indent="-304800">
               <a:spcBef>
                 <a:spcPts val="0"/>
               </a:spcBef>
@@ -5813,7 +6030,7 @@
               <a:buChar char="●"/>
               <a:defRPr sz="1200"/>
             </a:lvl4pPr>
-            <a:lvl5pPr indent="-304800" lvl="4" marL="2286000">
+            <a:lvl5pPr marL="2286000" lvl="4" indent="-304800">
               <a:spcBef>
                 <a:spcPts val="0"/>
               </a:spcBef>
@@ -5824,7 +6041,7 @@
               <a:buChar char="○"/>
               <a:defRPr sz="1200"/>
             </a:lvl5pPr>
-            <a:lvl6pPr indent="-304800" lvl="5" marL="2743200">
+            <a:lvl6pPr marL="2743200" lvl="5" indent="-304800">
               <a:spcBef>
                 <a:spcPts val="0"/>
               </a:spcBef>
@@ -5835,7 +6052,7 @@
               <a:buChar char="■"/>
               <a:defRPr sz="1200"/>
             </a:lvl6pPr>
-            <a:lvl7pPr indent="-304800" lvl="6" marL="3200400">
+            <a:lvl7pPr marL="3200400" lvl="6" indent="-304800">
               <a:spcBef>
                 <a:spcPts val="0"/>
               </a:spcBef>
@@ -5846,7 +6063,7 @@
               <a:buChar char="●"/>
               <a:defRPr sz="1200"/>
             </a:lvl7pPr>
-            <a:lvl8pPr indent="-304800" lvl="7" marL="3657600">
+            <a:lvl8pPr marL="3657600" lvl="7" indent="-304800">
               <a:spcBef>
                 <a:spcPts val="0"/>
               </a:spcBef>
@@ -5857,7 +6074,7 @@
               <a:buChar char="○"/>
               <a:defRPr sz="1200"/>
             </a:lvl8pPr>
-            <a:lvl9pPr indent="-304800" lvl="8" marL="4114800">
+            <a:lvl9pPr marL="4114800" lvl="8" indent="-304800">
               <a:spcBef>
                 <a:spcPts val="0"/>
               </a:spcBef>
@@ -5869,15 +6086,19 @@
               <a:defRPr sz="1200"/>
             </a:lvl9pPr>
           </a:lstStyle>
-          <a:p/>
+          <a:p>
+            <a:endParaRPr/>
+          </a:p>
         </p:txBody>
       </p:sp>
       <p:sp>
         <p:nvSpPr>
           <p:cNvPr id="31" name="Google Shape;31;p7"/>
-          <p:cNvSpPr txBox="1"/>
-          <p:nvPr>
-            <p:ph idx="12" type="sldNum"/>
+          <p:cNvSpPr txBox="1">
+            <a:spLocks noGrp="1"/>
+          </p:cNvSpPr>
+          <p:nvPr>
+            <p:ph type="sldNum" idx="12"/>
           </p:nvPr>
         </p:nvSpPr>
         <p:spPr>
@@ -5890,7 +6111,7 @@
           </a:prstGeom>
         </p:spPr>
         <p:txBody>
-          <a:bodyPr anchorCtr="0" anchor="ctr" bIns="91425" lIns="91425" spcFirstLastPara="1" rIns="91425" wrap="square" tIns="91425">
+          <a:bodyPr spcFirstLastPara="1" wrap="square" lIns="91425" tIns="91425" rIns="91425" bIns="91425" anchor="ctr" anchorCtr="0">
             <a:normAutofit/>
           </a:bodyPr>
           <a:lstStyle>
@@ -5932,7 +6153,7 @@
             </a:lvl9pPr>
           </a:lstStyle>
           <a:p>
-            <a:pPr indent="0" lvl="0" marL="0" rtl="0" algn="r">
+            <a:pPr marL="0" lvl="0" indent="0" algn="r" rtl="0">
               <a:spcBef>
                 <a:spcPts val="0"/>
               </a:spcBef>
@@ -5958,11 +6179,11 @@
 </file>
 
 <file path=ppt/slideLayouts/slideLayout7.xml><?xml version="1.0" encoding="utf-8"?>
-<p:sldLayout xmlns:a="http://schemas.openxmlformats.org/drawingml/2006/main" xmlns:r="http://schemas.openxmlformats.org/officeDocument/2006/relationships" xmlns:mc="http://schemas.openxmlformats.org/markup-compatibility/2006" xmlns:mv="urn:schemas-microsoft-com:mac:vml" xmlns:p="http://schemas.openxmlformats.org/presentationml/2006/main" xmlns:c="http://schemas.openxmlformats.org/drawingml/2006/chart" xmlns:dgm="http://schemas.openxmlformats.org/drawingml/2006/diagram" xmlns:o="urn:schemas-microsoft-com:office:office" xmlns:v="urn:schemas-microsoft-com:vml" xmlns:pvml="urn:schemas-microsoft-com:office:powerpoint" xmlns:com="http://schemas.openxmlformats.org/drawingml/2006/compatibility" xmlns:p14="http://schemas.microsoft.com/office/powerpoint/2010/main" xmlns:p15="http://schemas.microsoft.com/office/powerpoint/2012/main" xmlns:ahyp="http://schemas.microsoft.com/office/drawing/2018/hyperlinkcolor" matchingName="Main point">
+<p:sldLayout xmlns:a="http://schemas.openxmlformats.org/drawingml/2006/main" xmlns:r="http://schemas.openxmlformats.org/officeDocument/2006/relationships" xmlns:p="http://schemas.openxmlformats.org/presentationml/2006/main" matchingName="Main point">
   <p:cSld name="MAIN_POINT">
     <p:spTree>
       <p:nvGrpSpPr>
-        <p:cNvPr id="32" name="Shape 32"/>
+        <p:cNvPr id="1" name="Shape 32"/>
         <p:cNvGrpSpPr/>
         <p:nvPr/>
       </p:nvGrpSpPr>
@@ -5977,7 +6198,9 @@
       <p:sp>
         <p:nvSpPr>
           <p:cNvPr id="33" name="Google Shape;33;p8"/>
-          <p:cNvSpPr txBox="1"/>
+          <p:cNvSpPr txBox="1">
+            <a:spLocks noGrp="1"/>
+          </p:cNvSpPr>
           <p:nvPr>
             <p:ph type="title"/>
           </p:nvPr>
@@ -5992,7 +6215,7 @@
           </a:prstGeom>
         </p:spPr>
         <p:txBody>
-          <a:bodyPr anchorCtr="0" anchor="ctr" bIns="91425" lIns="91425" spcFirstLastPara="1" rIns="91425" wrap="square" tIns="91425">
+          <a:bodyPr spcFirstLastPara="1" wrap="square" lIns="91425" tIns="91425" rIns="91425" bIns="91425" anchor="ctr" anchorCtr="0">
             <a:normAutofit/>
           </a:bodyPr>
           <a:lstStyle>
@@ -6096,15 +6319,19 @@
               <a:defRPr sz="4800"/>
             </a:lvl9pPr>
           </a:lstStyle>
-          <a:p/>
+          <a:p>
+            <a:endParaRPr/>
+          </a:p>
         </p:txBody>
       </p:sp>
       <p:sp>
         <p:nvSpPr>
           <p:cNvPr id="34" name="Google Shape;34;p8"/>
-          <p:cNvSpPr txBox="1"/>
-          <p:nvPr>
-            <p:ph idx="12" type="sldNum"/>
+          <p:cNvSpPr txBox="1">
+            <a:spLocks noGrp="1"/>
+          </p:cNvSpPr>
+          <p:nvPr>
+            <p:ph type="sldNum" idx="12"/>
           </p:nvPr>
         </p:nvSpPr>
         <p:spPr>
@@ -6117,7 +6344,7 @@
           </a:prstGeom>
         </p:spPr>
         <p:txBody>
-          <a:bodyPr anchorCtr="0" anchor="ctr" bIns="91425" lIns="91425" spcFirstLastPara="1" rIns="91425" wrap="square" tIns="91425">
+          <a:bodyPr spcFirstLastPara="1" wrap="square" lIns="91425" tIns="91425" rIns="91425" bIns="91425" anchor="ctr" anchorCtr="0">
             <a:normAutofit/>
           </a:bodyPr>
           <a:lstStyle>
@@ -6159,7 +6386,7 @@
             </a:lvl9pPr>
           </a:lstStyle>
           <a:p>
-            <a:pPr indent="0" lvl="0" marL="0" rtl="0" algn="r">
+            <a:pPr marL="0" lvl="0" indent="0" algn="r" rtl="0">
               <a:spcBef>
                 <a:spcPts val="0"/>
               </a:spcBef>
@@ -6185,11 +6412,11 @@
 </file>
 
 <file path=ppt/slideLayouts/slideLayout8.xml><?xml version="1.0" encoding="utf-8"?>
-<p:sldLayout xmlns:a="http://schemas.openxmlformats.org/drawingml/2006/main" xmlns:r="http://schemas.openxmlformats.org/officeDocument/2006/relationships" xmlns:mc="http://schemas.openxmlformats.org/markup-compatibility/2006" xmlns:mv="urn:schemas-microsoft-com:mac:vml" xmlns:p="http://schemas.openxmlformats.org/presentationml/2006/main" xmlns:c="http://schemas.openxmlformats.org/drawingml/2006/chart" xmlns:dgm="http://schemas.openxmlformats.org/drawingml/2006/diagram" xmlns:o="urn:schemas-microsoft-com:office:office" xmlns:v="urn:schemas-microsoft-com:vml" xmlns:pvml="urn:schemas-microsoft-com:office:powerpoint" xmlns:com="http://schemas.openxmlformats.org/drawingml/2006/compatibility" xmlns:p14="http://schemas.microsoft.com/office/powerpoint/2010/main" xmlns:p15="http://schemas.microsoft.com/office/powerpoint/2012/main" xmlns:ahyp="http://schemas.microsoft.com/office/drawing/2018/hyperlinkcolor" matchingName="Section title and description">
+<p:sldLayout xmlns:a="http://schemas.openxmlformats.org/drawingml/2006/main" xmlns:r="http://schemas.openxmlformats.org/officeDocument/2006/relationships" xmlns:p="http://schemas.openxmlformats.org/presentationml/2006/main" matchingName="Section title and description">
   <p:cSld name="SECTION_TITLE_AND_DESCRIPTION">
     <p:spTree>
       <p:nvGrpSpPr>
-        <p:cNvPr id="35" name="Shape 35"/>
+        <p:cNvPr id="1" name="Shape 35"/>
         <p:cNvGrpSpPr/>
         <p:nvPr/>
       </p:nvGrpSpPr>
@@ -6223,23 +6450,20 @@
           </a:ln>
         </p:spPr>
         <p:txBody>
-          <a:bodyPr anchorCtr="0" anchor="ctr" bIns="91425" lIns="91425" spcFirstLastPara="1" rIns="91425" wrap="square" tIns="91425">
+          <a:bodyPr spcFirstLastPara="1" wrap="square" lIns="91425" tIns="91425" rIns="91425" bIns="91425" anchor="ctr" anchorCtr="0">
             <a:noAutofit/>
           </a:bodyPr>
           <a:lstStyle/>
           <a:p>
-            <a:pPr indent="0" lvl="0" marL="0" rtl="0" algn="l">
-              <a:spcBef>
-                <a:spcPts val="0"/>
-              </a:spcBef>
-              <a:spcAft>
-                <a:spcPts val="0"/>
-              </a:spcAft>
-              <a:buNone/>
-            </a:pPr>
-            <a:r>
-              <a:t/>
-            </a:r>
+            <a:pPr marL="0" lvl="0" indent="0" algn="l" rtl="0">
+              <a:spcBef>
+                <a:spcPts val="0"/>
+              </a:spcBef>
+              <a:spcAft>
+                <a:spcPts val="0"/>
+              </a:spcAft>
+              <a:buNone/>
+            </a:pPr>
             <a:endParaRPr/>
           </a:p>
         </p:txBody>
@@ -6247,7 +6471,9 @@
       <p:sp>
         <p:nvSpPr>
           <p:cNvPr id="37" name="Google Shape;37;p9"/>
-          <p:cNvSpPr txBox="1"/>
+          <p:cNvSpPr txBox="1">
+            <a:spLocks noGrp="1"/>
+          </p:cNvSpPr>
           <p:nvPr>
             <p:ph type="title"/>
           </p:nvPr>
@@ -6262,7 +6488,7 @@
           </a:prstGeom>
         </p:spPr>
         <p:txBody>
-          <a:bodyPr anchorCtr="0" anchor="b" bIns="91425" lIns="91425" spcFirstLastPara="1" rIns="91425" wrap="square" tIns="91425">
+          <a:bodyPr spcFirstLastPara="1" wrap="square" lIns="91425" tIns="91425" rIns="91425" bIns="91425" anchor="b" anchorCtr="0">
             <a:normAutofit/>
           </a:bodyPr>
           <a:lstStyle>
@@ -6366,15 +6592,19 @@
               <a:defRPr sz="4200"/>
             </a:lvl9pPr>
           </a:lstStyle>
-          <a:p/>
+          <a:p>
+            <a:endParaRPr/>
+          </a:p>
         </p:txBody>
       </p:sp>
       <p:sp>
         <p:nvSpPr>
           <p:cNvPr id="38" name="Google Shape;38;p9"/>
-          <p:cNvSpPr txBox="1"/>
-          <p:nvPr>
-            <p:ph idx="1" type="subTitle"/>
+          <p:cNvSpPr txBox="1">
+            <a:spLocks noGrp="1"/>
+          </p:cNvSpPr>
+          <p:nvPr>
+            <p:ph type="subTitle" idx="1"/>
           </p:nvPr>
         </p:nvSpPr>
         <p:spPr>
@@ -6387,7 +6617,7 @@
           </a:prstGeom>
         </p:spPr>
         <p:txBody>
-          <a:bodyPr anchorCtr="0" anchor="t" bIns="91425" lIns="91425" spcFirstLastPara="1" rIns="91425" wrap="square" tIns="91425">
+          <a:bodyPr spcFirstLastPara="1" wrap="square" lIns="91425" tIns="91425" rIns="91425" bIns="91425" anchor="t" anchorCtr="0">
             <a:normAutofit/>
           </a:bodyPr>
           <a:lstStyle>
@@ -6518,15 +6748,19 @@
               <a:defRPr sz="2100"/>
             </a:lvl9pPr>
           </a:lstStyle>
-          <a:p/>
+          <a:p>
+            <a:endParaRPr/>
+          </a:p>
         </p:txBody>
       </p:sp>
       <p:sp>
         <p:nvSpPr>
           <p:cNvPr id="39" name="Google Shape;39;p9"/>
-          <p:cNvSpPr txBox="1"/>
-          <p:nvPr>
-            <p:ph idx="2" type="body"/>
+          <p:cNvSpPr txBox="1">
+            <a:spLocks noGrp="1"/>
+          </p:cNvSpPr>
+          <p:nvPr>
+            <p:ph type="body" idx="2"/>
           </p:nvPr>
         </p:nvSpPr>
         <p:spPr>
@@ -6539,11 +6773,11 @@
           </a:prstGeom>
         </p:spPr>
         <p:txBody>
-          <a:bodyPr anchorCtr="0" anchor="ctr" bIns="91425" lIns="91425" spcFirstLastPara="1" rIns="91425" wrap="square" tIns="91425">
+          <a:bodyPr spcFirstLastPara="1" wrap="square" lIns="91425" tIns="91425" rIns="91425" bIns="91425" anchor="ctr" anchorCtr="0">
             <a:normAutofit/>
           </a:bodyPr>
           <a:lstStyle>
-            <a:lvl1pPr indent="-342900" lvl="0" marL="457200">
+            <a:lvl1pPr marL="457200" lvl="0" indent="-342900">
               <a:spcBef>
                 <a:spcPts val="0"/>
               </a:spcBef>
@@ -6561,7 +6795,7 @@
                 </a:solidFill>
               </a:defRPr>
             </a:lvl1pPr>
-            <a:lvl2pPr indent="-317500" lvl="1" marL="914400">
+            <a:lvl2pPr marL="914400" lvl="1" indent="-317500">
               <a:spcBef>
                 <a:spcPts val="0"/>
               </a:spcBef>
@@ -6579,7 +6813,7 @@
                 </a:solidFill>
               </a:defRPr>
             </a:lvl2pPr>
-            <a:lvl3pPr indent="-317500" lvl="2" marL="1371600">
+            <a:lvl3pPr marL="1371600" lvl="2" indent="-317500">
               <a:spcBef>
                 <a:spcPts val="0"/>
               </a:spcBef>
@@ -6597,7 +6831,7 @@
                 </a:solidFill>
               </a:defRPr>
             </a:lvl3pPr>
-            <a:lvl4pPr indent="-317500" lvl="3" marL="1828800">
+            <a:lvl4pPr marL="1828800" lvl="3" indent="-317500">
               <a:spcBef>
                 <a:spcPts val="0"/>
               </a:spcBef>
@@ -6615,7 +6849,7 @@
                 </a:solidFill>
               </a:defRPr>
             </a:lvl4pPr>
-            <a:lvl5pPr indent="-317500" lvl="4" marL="2286000">
+            <a:lvl5pPr marL="2286000" lvl="4" indent="-317500">
               <a:spcBef>
                 <a:spcPts val="0"/>
               </a:spcBef>
@@ -6633,7 +6867,7 @@
                 </a:solidFill>
               </a:defRPr>
             </a:lvl5pPr>
-            <a:lvl6pPr indent="-317500" lvl="5" marL="2743200">
+            <a:lvl6pPr marL="2743200" lvl="5" indent="-317500">
               <a:spcBef>
                 <a:spcPts val="0"/>
               </a:spcBef>
@@ -6651,7 +6885,7 @@
                 </a:solidFill>
               </a:defRPr>
             </a:lvl6pPr>
-            <a:lvl7pPr indent="-317500" lvl="6" marL="3200400">
+            <a:lvl7pPr marL="3200400" lvl="6" indent="-317500">
               <a:spcBef>
                 <a:spcPts val="0"/>
               </a:spcBef>
@@ -6669,7 +6903,7 @@
                 </a:solidFill>
               </a:defRPr>
             </a:lvl7pPr>
-            <a:lvl8pPr indent="-317500" lvl="7" marL="3657600">
+            <a:lvl8pPr marL="3657600" lvl="7" indent="-317500">
               <a:spcBef>
                 <a:spcPts val="0"/>
               </a:spcBef>
@@ -6687,7 +6921,7 @@
                 </a:solidFill>
               </a:defRPr>
             </a:lvl8pPr>
-            <a:lvl9pPr indent="-317500" lvl="8" marL="4114800">
+            <a:lvl9pPr marL="4114800" lvl="8" indent="-317500">
               <a:spcBef>
                 <a:spcPts val="0"/>
               </a:spcBef>
@@ -6706,15 +6940,19 @@
               </a:defRPr>
             </a:lvl9pPr>
           </a:lstStyle>
-          <a:p/>
+          <a:p>
+            <a:endParaRPr/>
+          </a:p>
         </p:txBody>
       </p:sp>
       <p:sp>
         <p:nvSpPr>
           <p:cNvPr id="40" name="Google Shape;40;p9"/>
-          <p:cNvSpPr txBox="1"/>
-          <p:nvPr>
-            <p:ph idx="12" type="sldNum"/>
+          <p:cNvSpPr txBox="1">
+            <a:spLocks noGrp="1"/>
+          </p:cNvSpPr>
+          <p:nvPr>
+            <p:ph type="sldNum" idx="12"/>
           </p:nvPr>
         </p:nvSpPr>
         <p:spPr>
@@ -6727,7 +6965,7 @@
           </a:prstGeom>
         </p:spPr>
         <p:txBody>
-          <a:bodyPr anchorCtr="0" anchor="ctr" bIns="91425" lIns="91425" spcFirstLastPara="1" rIns="91425" wrap="square" tIns="91425">
+          <a:bodyPr spcFirstLastPara="1" wrap="square" lIns="91425" tIns="91425" rIns="91425" bIns="91425" anchor="ctr" anchorCtr="0">
             <a:normAutofit/>
           </a:bodyPr>
           <a:lstStyle>
@@ -6769,7 +7007,7 @@
             </a:lvl9pPr>
           </a:lstStyle>
           <a:p>
-            <a:pPr indent="0" lvl="0" marL="0" rtl="0" algn="r">
+            <a:pPr marL="0" lvl="0" indent="0" algn="r" rtl="0">
               <a:spcBef>
                 <a:spcPts val="0"/>
               </a:spcBef>
@@ -6795,11 +7033,11 @@
 </file>
 
 <file path=ppt/slideLayouts/slideLayout9.xml><?xml version="1.0" encoding="utf-8"?>
-<p:sldLayout xmlns:a="http://schemas.openxmlformats.org/drawingml/2006/main" xmlns:r="http://schemas.openxmlformats.org/officeDocument/2006/relationships" xmlns:mc="http://schemas.openxmlformats.org/markup-compatibility/2006" xmlns:mv="urn:schemas-microsoft-com:mac:vml" xmlns:p="http://schemas.openxmlformats.org/presentationml/2006/main" xmlns:c="http://schemas.openxmlformats.org/drawingml/2006/chart" xmlns:dgm="http://schemas.openxmlformats.org/drawingml/2006/diagram" xmlns:o="urn:schemas-microsoft-com:office:office" xmlns:v="urn:schemas-microsoft-com:vml" xmlns:pvml="urn:schemas-microsoft-com:office:powerpoint" xmlns:com="http://schemas.openxmlformats.org/drawingml/2006/compatibility" xmlns:p14="http://schemas.microsoft.com/office/powerpoint/2010/main" xmlns:p15="http://schemas.microsoft.com/office/powerpoint/2012/main" xmlns:ahyp="http://schemas.microsoft.com/office/drawing/2018/hyperlinkcolor" matchingName="Caption">
+<p:sldLayout xmlns:a="http://schemas.openxmlformats.org/drawingml/2006/main" xmlns:r="http://schemas.openxmlformats.org/officeDocument/2006/relationships" xmlns:p="http://schemas.openxmlformats.org/presentationml/2006/main" matchingName="Caption">
   <p:cSld name="CAPTION_ONLY">
     <p:spTree>
       <p:nvGrpSpPr>
-        <p:cNvPr id="41" name="Shape 41"/>
+        <p:cNvPr id="1" name="Shape 41"/>
         <p:cNvGrpSpPr/>
         <p:nvPr/>
       </p:nvGrpSpPr>
@@ -6814,9 +7052,11 @@
       <p:sp>
         <p:nvSpPr>
           <p:cNvPr id="42" name="Google Shape;42;p10"/>
-          <p:cNvSpPr txBox="1"/>
-          <p:nvPr>
-            <p:ph idx="1" type="body"/>
+          <p:cNvSpPr txBox="1">
+            <a:spLocks noGrp="1"/>
+          </p:cNvSpPr>
+          <p:nvPr>
+            <p:ph type="body" idx="1"/>
           </p:nvPr>
         </p:nvSpPr>
         <p:spPr>
@@ -6829,11 +7069,11 @@
           </a:prstGeom>
         </p:spPr>
         <p:txBody>
-          <a:bodyPr anchorCtr="0" anchor="ctr" bIns="91425" lIns="91425" spcFirstLastPara="1" rIns="91425" wrap="square" tIns="91425">
+          <a:bodyPr spcFirstLastPara="1" wrap="square" lIns="91425" tIns="91425" rIns="91425" bIns="91425" anchor="ctr" anchorCtr="0">
             <a:normAutofit/>
           </a:bodyPr>
           <a:lstStyle>
-            <a:lvl1pPr indent="-228600" lvl="0" marL="457200">
+            <a:lvl1pPr marL="457200" lvl="0" indent="-228600">
               <a:lnSpc>
                 <a:spcPct val="100000"/>
               </a:lnSpc>
@@ -6848,15 +7088,19 @@
               <a:defRPr/>
             </a:lvl1pPr>
           </a:lstStyle>
-          <a:p/>
+          <a:p>
+            <a:endParaRPr/>
+          </a:p>
         </p:txBody>
       </p:sp>
       <p:sp>
         <p:nvSpPr>
           <p:cNvPr id="43" name="Google Shape;43;p10"/>
-          <p:cNvSpPr txBox="1"/>
-          <p:nvPr>
-            <p:ph idx="12" type="sldNum"/>
+          <p:cNvSpPr txBox="1">
+            <a:spLocks noGrp="1"/>
+          </p:cNvSpPr>
+          <p:nvPr>
+            <p:ph type="sldNum" idx="12"/>
           </p:nvPr>
         </p:nvSpPr>
         <p:spPr>
@@ -6869,7 +7113,7 @@
           </a:prstGeom>
         </p:spPr>
         <p:txBody>
-          <a:bodyPr anchorCtr="0" anchor="ctr" bIns="91425" lIns="91425" spcFirstLastPara="1" rIns="91425" wrap="square" tIns="91425">
+          <a:bodyPr spcFirstLastPara="1" wrap="square" lIns="91425" tIns="91425" rIns="91425" bIns="91425" anchor="ctr" anchorCtr="0">
             <a:normAutofit/>
           </a:bodyPr>
           <a:lstStyle>
@@ -6911,7 +7155,7 @@
             </a:lvl9pPr>
           </a:lstStyle>
           <a:p>
-            <a:pPr indent="0" lvl="0" marL="0" rtl="0" algn="r">
+            <a:pPr marL="0" lvl="0" indent="0" algn="r" rtl="0">
               <a:spcBef>
                 <a:spcPts val="0"/>
               </a:spcBef>
@@ -6937,18 +7181,19 @@
 </file>
 
 <file path=ppt/slideMasters/slideMaster1.xml><?xml version="1.0" encoding="utf-8"?>
-<p:sldMaster xmlns:a="http://schemas.openxmlformats.org/drawingml/2006/main" xmlns:r="http://schemas.openxmlformats.org/officeDocument/2006/relationships" xmlns:mc="http://schemas.openxmlformats.org/markup-compatibility/2006" xmlns:mv="urn:schemas-microsoft-com:mac:vml" xmlns:p="http://schemas.openxmlformats.org/presentationml/2006/main" xmlns:c="http://schemas.openxmlformats.org/drawingml/2006/chart" xmlns:dgm="http://schemas.openxmlformats.org/drawingml/2006/diagram" xmlns:o="urn:schemas-microsoft-com:office:office" xmlns:v="urn:schemas-microsoft-com:vml" xmlns:pvml="urn:schemas-microsoft-com:office:powerpoint" xmlns:com="http://schemas.openxmlformats.org/drawingml/2006/compatibility" xmlns:p14="http://schemas.microsoft.com/office/powerpoint/2010/main" xmlns:p15="http://schemas.microsoft.com/office/powerpoint/2012/main" xmlns:ahyp="http://schemas.microsoft.com/office/drawing/2018/hyperlinkcolor">
+<p:sldMaster xmlns:a="http://schemas.openxmlformats.org/drawingml/2006/main" xmlns:r="http://schemas.openxmlformats.org/officeDocument/2006/relationships" xmlns:p="http://schemas.openxmlformats.org/presentationml/2006/main">
   <p:cSld name="simple-dark-2">
     <p:bg>
       <p:bgPr>
         <a:solidFill>
           <a:schemeClr val="lt1"/>
         </a:solidFill>
+        <a:effectLst/>
       </p:bgPr>
     </p:bg>
     <p:spTree>
       <p:nvGrpSpPr>
-        <p:cNvPr id="5" name="Shape 5"/>
+        <p:cNvPr id="1" name="Shape 5"/>
         <p:cNvGrpSpPr/>
         <p:nvPr/>
       </p:nvGrpSpPr>
@@ -6963,7 +7208,9 @@
       <p:sp>
         <p:nvSpPr>
           <p:cNvPr id="6" name="Google Shape;6;p1"/>
-          <p:cNvSpPr txBox="1"/>
+          <p:cNvSpPr txBox="1">
+            <a:spLocks noGrp="1"/>
+          </p:cNvSpPr>
           <p:nvPr>
             <p:ph type="title"/>
           </p:nvPr>
@@ -6982,7 +7229,7 @@
           </a:ln>
         </p:spPr>
         <p:txBody>
-          <a:bodyPr anchorCtr="0" anchor="t" bIns="91425" lIns="91425" spcFirstLastPara="1" rIns="91425" wrap="square" tIns="91425">
+          <a:bodyPr spcFirstLastPara="1" wrap="square" lIns="91425" tIns="91425" rIns="91425" bIns="91425" anchor="t" anchorCtr="0">
             <a:normAutofit/>
           </a:bodyPr>
           <a:lstStyle>
@@ -7149,15 +7396,19 @@
               </a:defRPr>
             </a:lvl9pPr>
           </a:lstStyle>
-          <a:p/>
+          <a:p>
+            <a:endParaRPr/>
+          </a:p>
         </p:txBody>
       </p:sp>
       <p:sp>
         <p:nvSpPr>
           <p:cNvPr id="7" name="Google Shape;7;p1"/>
-          <p:cNvSpPr txBox="1"/>
-          <p:nvPr>
-            <p:ph idx="1" type="body"/>
+          <p:cNvSpPr txBox="1">
+            <a:spLocks noGrp="1"/>
+          </p:cNvSpPr>
+          <p:nvPr>
+            <p:ph type="body" idx="1"/>
           </p:nvPr>
         </p:nvSpPr>
         <p:spPr>
@@ -7174,11 +7425,11 @@
           </a:ln>
         </p:spPr>
         <p:txBody>
-          <a:bodyPr anchorCtr="0" anchor="t" bIns="91425" lIns="91425" spcFirstLastPara="1" rIns="91425" wrap="square" tIns="91425">
+          <a:bodyPr spcFirstLastPara="1" wrap="square" lIns="91425" tIns="91425" rIns="91425" bIns="91425" anchor="t" anchorCtr="0">
             <a:normAutofit/>
           </a:bodyPr>
           <a:lstStyle>
-            <a:lvl1pPr indent="-342900" lvl="0" marL="457200">
+            <a:lvl1pPr marL="457200" lvl="0" indent="-342900">
               <a:lnSpc>
                 <a:spcPct val="115000"/>
               </a:lnSpc>
@@ -7199,7 +7450,7 @@
                 </a:solidFill>
               </a:defRPr>
             </a:lvl1pPr>
-            <a:lvl2pPr indent="-317500" lvl="1" marL="914400">
+            <a:lvl2pPr marL="914400" lvl="1" indent="-317500">
               <a:lnSpc>
                 <a:spcPct val="115000"/>
               </a:lnSpc>
@@ -7220,7 +7471,7 @@
                 </a:solidFill>
               </a:defRPr>
             </a:lvl2pPr>
-            <a:lvl3pPr indent="-317500" lvl="2" marL="1371600">
+            <a:lvl3pPr marL="1371600" lvl="2" indent="-317500">
               <a:lnSpc>
                 <a:spcPct val="115000"/>
               </a:lnSpc>
@@ -7241,7 +7492,7 @@
                 </a:solidFill>
               </a:defRPr>
             </a:lvl3pPr>
-            <a:lvl4pPr indent="-317500" lvl="3" marL="1828800">
+            <a:lvl4pPr marL="1828800" lvl="3" indent="-317500">
               <a:lnSpc>
                 <a:spcPct val="115000"/>
               </a:lnSpc>
@@ -7262,7 +7513,7 @@
                 </a:solidFill>
               </a:defRPr>
             </a:lvl4pPr>
-            <a:lvl5pPr indent="-317500" lvl="4" marL="2286000">
+            <a:lvl5pPr marL="2286000" lvl="4" indent="-317500">
               <a:lnSpc>
                 <a:spcPct val="115000"/>
               </a:lnSpc>
@@ -7283,7 +7534,7 @@
                 </a:solidFill>
               </a:defRPr>
             </a:lvl5pPr>
-            <a:lvl6pPr indent="-317500" lvl="5" marL="2743200">
+            <a:lvl6pPr marL="2743200" lvl="5" indent="-317500">
               <a:lnSpc>
                 <a:spcPct val="115000"/>
               </a:lnSpc>
@@ -7304,7 +7555,7 @@
                 </a:solidFill>
               </a:defRPr>
             </a:lvl6pPr>
-            <a:lvl7pPr indent="-317500" lvl="6" marL="3200400">
+            <a:lvl7pPr marL="3200400" lvl="6" indent="-317500">
               <a:lnSpc>
                 <a:spcPct val="115000"/>
               </a:lnSpc>
@@ -7325,7 +7576,7 @@
                 </a:solidFill>
               </a:defRPr>
             </a:lvl7pPr>
-            <a:lvl8pPr indent="-317500" lvl="7" marL="3657600">
+            <a:lvl8pPr marL="3657600" lvl="7" indent="-317500">
               <a:lnSpc>
                 <a:spcPct val="115000"/>
               </a:lnSpc>
@@ -7346,7 +7597,7 @@
                 </a:solidFill>
               </a:defRPr>
             </a:lvl8pPr>
-            <a:lvl9pPr indent="-317500" lvl="8" marL="4114800">
+            <a:lvl9pPr marL="4114800" lvl="8" indent="-317500">
               <a:lnSpc>
                 <a:spcPct val="115000"/>
               </a:lnSpc>
@@ -7368,15 +7619,19 @@
               </a:defRPr>
             </a:lvl9pPr>
           </a:lstStyle>
-          <a:p/>
+          <a:p>
+            <a:endParaRPr/>
+          </a:p>
         </p:txBody>
       </p:sp>
       <p:sp>
         <p:nvSpPr>
           <p:cNvPr id="8" name="Google Shape;8;p1"/>
-          <p:cNvSpPr txBox="1"/>
-          <p:nvPr>
-            <p:ph idx="12" type="sldNum"/>
+          <p:cNvSpPr txBox="1">
+            <a:spLocks noGrp="1"/>
+          </p:cNvSpPr>
+          <p:nvPr>
+            <p:ph type="sldNum" idx="12"/>
           </p:nvPr>
         </p:nvSpPr>
         <p:spPr>
@@ -7393,7 +7648,7 @@
           </a:ln>
         </p:spPr>
         <p:txBody>
-          <a:bodyPr anchorCtr="0" anchor="ctr" bIns="91425" lIns="91425" spcFirstLastPara="1" rIns="91425" wrap="square" tIns="91425">
+          <a:bodyPr spcFirstLastPara="1" wrap="square" lIns="91425" tIns="91425" rIns="91425" bIns="91425" anchor="ctr" anchorCtr="0">
             <a:normAutofit/>
           </a:bodyPr>
           <a:lstStyle>
@@ -7471,7 +7726,7 @@
             </a:lvl9pPr>
           </a:lstStyle>
           <a:p>
-            <a:pPr indent="0" lvl="0" marL="0" rtl="0" algn="r">
+            <a:pPr marL="0" lvl="0" indent="0" algn="r" rtl="0">
               <a:spcBef>
                 <a:spcPts val="0"/>
               </a:spcBef>
@@ -7490,7 +7745,7 @@
       </p:sp>
     </p:spTree>
   </p:cSld>
-  <p:clrMap accent1="accent1" accent2="accent2" accent3="accent3" accent4="accent4" accent5="accent5" accent6="accent6" bg1="lt1" bg2="dk2" tx1="dk1" tx2="lt2" folHlink="folHlink" hlink="hlink"/>
+  <p:clrMap bg1="lt1" tx1="dk1" bg2="dk2" tx2="lt2" accent1="accent1" accent2="accent2" accent3="accent3" accent4="accent4" accent5="accent5" accent6="accent6" hlink="hlink" folHlink="folHlink"/>
   <p:sldLayoutIdLst>
     <p:sldLayoutId id="2147483648" r:id="rId1"/>
     <p:sldLayoutId id="2147483649" r:id="rId2"/>
@@ -7504,10 +7759,10 @@
     <p:sldLayoutId id="2147483657" r:id="rId10"/>
     <p:sldLayoutId id="2147483658" r:id="rId11"/>
   </p:sldLayoutIdLst>
-  <p:hf dt="0" ftr="0" hdr="0" sldNum="0"/>
+  <p:hf sldNum="0" hdr="0" ftr="0" dt="0"/>
   <p:txStyles>
     <p:titleStyle>
-      <a:defPPr lvl="0" marR="0" rtl="0" algn="l">
+      <a:defPPr marR="0" lvl="0" algn="l" rtl="0">
         <a:lnSpc>
           <a:spcPct val="100000"/>
         </a:lnSpc>
@@ -7518,7 +7773,7 @@
           <a:spcPts val="0"/>
         </a:spcAft>
       </a:defPPr>
-      <a:lvl1pPr lvl="0" marR="0" rtl="0" algn="l">
+      <a:lvl1pPr marR="0" lvl="0" algn="l" rtl="0">
         <a:lnSpc>
           <a:spcPct val="100000"/>
         </a:lnSpc>
@@ -7532,7 +7787,7 @@
           <a:srgbClr val="000000"/>
         </a:buClr>
         <a:buFont typeface="Arial"/>
-        <a:defRPr b="0" i="0" sz="1400" u="none" cap="none" strike="noStrike">
+        <a:defRPr sz="1400" b="0" i="0" u="none" strike="noStrike" cap="none">
           <a:solidFill>
             <a:srgbClr val="000000"/>
           </a:solidFill>
@@ -7542,7 +7797,7 @@
           <a:sym typeface="Arial"/>
         </a:defRPr>
       </a:lvl1pPr>
-      <a:lvl2pPr lvl="1" marR="0" rtl="0" algn="l">
+      <a:lvl2pPr marR="0" lvl="1" algn="l" rtl="0">
         <a:lnSpc>
           <a:spcPct val="100000"/>
         </a:lnSpc>
@@ -7556,7 +7811,7 @@
           <a:srgbClr val="000000"/>
         </a:buClr>
         <a:buFont typeface="Arial"/>
-        <a:defRPr b="0" i="0" sz="1400" u="none" cap="none" strike="noStrike">
+        <a:defRPr sz="1400" b="0" i="0" u="none" strike="noStrike" cap="none">
           <a:solidFill>
             <a:srgbClr val="000000"/>
           </a:solidFill>
@@ -7566,7 +7821,7 @@
           <a:sym typeface="Arial"/>
         </a:defRPr>
       </a:lvl2pPr>
-      <a:lvl3pPr lvl="2" marR="0" rtl="0" algn="l">
+      <a:lvl3pPr marR="0" lvl="2" algn="l" rtl="0">
         <a:lnSpc>
           <a:spcPct val="100000"/>
         </a:lnSpc>
@@ -7580,7 +7835,7 @@
           <a:srgbClr val="000000"/>
         </a:buClr>
         <a:buFont typeface="Arial"/>
-        <a:defRPr b="0" i="0" sz="1400" u="none" cap="none" strike="noStrike">
+        <a:defRPr sz="1400" b="0" i="0" u="none" strike="noStrike" cap="none">
           <a:solidFill>
             <a:srgbClr val="000000"/>
           </a:solidFill>
@@ -7590,7 +7845,7 @@
           <a:sym typeface="Arial"/>
         </a:defRPr>
       </a:lvl3pPr>
-      <a:lvl4pPr lvl="3" marR="0" rtl="0" algn="l">
+      <a:lvl4pPr marR="0" lvl="3" algn="l" rtl="0">
         <a:lnSpc>
           <a:spcPct val="100000"/>
         </a:lnSpc>
@@ -7604,7 +7859,7 @@
           <a:srgbClr val="000000"/>
         </a:buClr>
         <a:buFont typeface="Arial"/>
-        <a:defRPr b="0" i="0" sz="1400" u="none" cap="none" strike="noStrike">
+        <a:defRPr sz="1400" b="0" i="0" u="none" strike="noStrike" cap="none">
           <a:solidFill>
             <a:srgbClr val="000000"/>
           </a:solidFill>
@@ -7614,7 +7869,7 @@
           <a:sym typeface="Arial"/>
         </a:defRPr>
       </a:lvl4pPr>
-      <a:lvl5pPr lvl="4" marR="0" rtl="0" algn="l">
+      <a:lvl5pPr marR="0" lvl="4" algn="l" rtl="0">
         <a:lnSpc>
           <a:spcPct val="100000"/>
         </a:lnSpc>
@@ -7628,7 +7883,7 @@
           <a:srgbClr val="000000"/>
         </a:buClr>
         <a:buFont typeface="Arial"/>
-        <a:defRPr b="0" i="0" sz="1400" u="none" cap="none" strike="noStrike">
+        <a:defRPr sz="1400" b="0" i="0" u="none" strike="noStrike" cap="none">
           <a:solidFill>
             <a:srgbClr val="000000"/>
           </a:solidFill>
@@ -7638,7 +7893,7 @@
           <a:sym typeface="Arial"/>
         </a:defRPr>
       </a:lvl5pPr>
-      <a:lvl6pPr lvl="5" marR="0" rtl="0" algn="l">
+      <a:lvl6pPr marR="0" lvl="5" algn="l" rtl="0">
         <a:lnSpc>
           <a:spcPct val="100000"/>
         </a:lnSpc>
@@ -7652,7 +7907,7 @@
           <a:srgbClr val="000000"/>
         </a:buClr>
         <a:buFont typeface="Arial"/>
-        <a:defRPr b="0" i="0" sz="1400" u="none" cap="none" strike="noStrike">
+        <a:defRPr sz="1400" b="0" i="0" u="none" strike="noStrike" cap="none">
           <a:solidFill>
             <a:srgbClr val="000000"/>
           </a:solidFill>
@@ -7662,7 +7917,7 @@
           <a:sym typeface="Arial"/>
         </a:defRPr>
       </a:lvl6pPr>
-      <a:lvl7pPr lvl="6" marR="0" rtl="0" algn="l">
+      <a:lvl7pPr marR="0" lvl="6" algn="l" rtl="0">
         <a:lnSpc>
           <a:spcPct val="100000"/>
         </a:lnSpc>
@@ -7676,7 +7931,7 @@
           <a:srgbClr val="000000"/>
         </a:buClr>
         <a:buFont typeface="Arial"/>
-        <a:defRPr b="0" i="0" sz="1400" u="none" cap="none" strike="noStrike">
+        <a:defRPr sz="1400" b="0" i="0" u="none" strike="noStrike" cap="none">
           <a:solidFill>
             <a:srgbClr val="000000"/>
           </a:solidFill>
@@ -7686,7 +7941,7 @@
           <a:sym typeface="Arial"/>
         </a:defRPr>
       </a:lvl7pPr>
-      <a:lvl8pPr lvl="7" marR="0" rtl="0" algn="l">
+      <a:lvl8pPr marR="0" lvl="7" algn="l" rtl="0">
         <a:lnSpc>
           <a:spcPct val="100000"/>
         </a:lnSpc>
@@ -7700,7 +7955,7 @@
           <a:srgbClr val="000000"/>
         </a:buClr>
         <a:buFont typeface="Arial"/>
-        <a:defRPr b="0" i="0" sz="1400" u="none" cap="none" strike="noStrike">
+        <a:defRPr sz="1400" b="0" i="0" u="none" strike="noStrike" cap="none">
           <a:solidFill>
             <a:srgbClr val="000000"/>
           </a:solidFill>
@@ -7710,7 +7965,7 @@
           <a:sym typeface="Arial"/>
         </a:defRPr>
       </a:lvl8pPr>
-      <a:lvl9pPr lvl="8" marR="0" rtl="0" algn="l">
+      <a:lvl9pPr marR="0" lvl="8" algn="l" rtl="0">
         <a:lnSpc>
           <a:spcPct val="100000"/>
         </a:lnSpc>
@@ -7724,7 +7979,7 @@
           <a:srgbClr val="000000"/>
         </a:buClr>
         <a:buFont typeface="Arial"/>
-        <a:defRPr b="0" i="0" sz="1400" u="none" cap="none" strike="noStrike">
+        <a:defRPr sz="1400" b="0" i="0" u="none" strike="noStrike" cap="none">
           <a:solidFill>
             <a:srgbClr val="000000"/>
           </a:solidFill>
@@ -7736,7 +7991,7 @@
       </a:lvl9pPr>
     </p:titleStyle>
     <p:bodyStyle>
-      <a:defPPr lvl="0" marR="0" rtl="0" algn="l">
+      <a:defPPr marR="0" lvl="0" algn="l" rtl="0">
         <a:lnSpc>
           <a:spcPct val="100000"/>
         </a:lnSpc>
@@ -7747,7 +8002,7 @@
           <a:spcPts val="0"/>
         </a:spcAft>
       </a:defPPr>
-      <a:lvl1pPr lvl="0" marR="0" rtl="0" algn="l">
+      <a:lvl1pPr marR="0" lvl="0" algn="l" rtl="0">
         <a:lnSpc>
           <a:spcPct val="100000"/>
         </a:lnSpc>
@@ -7761,7 +8016,7 @@
           <a:srgbClr val="000000"/>
         </a:buClr>
         <a:buFont typeface="Arial"/>
-        <a:defRPr b="0" i="0" sz="1400" u="none" cap="none" strike="noStrike">
+        <a:defRPr sz="1400" b="0" i="0" u="none" strike="noStrike" cap="none">
           <a:solidFill>
             <a:srgbClr val="000000"/>
           </a:solidFill>
@@ -7771,7 +8026,7 @@
           <a:sym typeface="Arial"/>
         </a:defRPr>
       </a:lvl1pPr>
-      <a:lvl2pPr lvl="1" marR="0" rtl="0" algn="l">
+      <a:lvl2pPr marR="0" lvl="1" algn="l" rtl="0">
         <a:lnSpc>
           <a:spcPct val="100000"/>
         </a:lnSpc>
@@ -7785,7 +8040,7 @@
           <a:srgbClr val="000000"/>
         </a:buClr>
         <a:buFont typeface="Arial"/>
-        <a:defRPr b="0" i="0" sz="1400" u="none" cap="none" strike="noStrike">
+        <a:defRPr sz="1400" b="0" i="0" u="none" strike="noStrike" cap="none">
           <a:solidFill>
             <a:srgbClr val="000000"/>
           </a:solidFill>
@@ -7795,7 +8050,7 @@
           <a:sym typeface="Arial"/>
         </a:defRPr>
       </a:lvl2pPr>
-      <a:lvl3pPr lvl="2" marR="0" rtl="0" algn="l">
+      <a:lvl3pPr marR="0" lvl="2" algn="l" rtl="0">
         <a:lnSpc>
           <a:spcPct val="100000"/>
         </a:lnSpc>
@@ -7809,7 +8064,7 @@
           <a:srgbClr val="000000"/>
         </a:buClr>
         <a:buFont typeface="Arial"/>
-        <a:defRPr b="0" i="0" sz="1400" u="none" cap="none" strike="noStrike">
+        <a:defRPr sz="1400" b="0" i="0" u="none" strike="noStrike" cap="none">
           <a:solidFill>
             <a:srgbClr val="000000"/>
           </a:solidFill>
@@ -7819,7 +8074,7 @@
           <a:sym typeface="Arial"/>
         </a:defRPr>
       </a:lvl3pPr>
-      <a:lvl4pPr lvl="3" marR="0" rtl="0" algn="l">
+      <a:lvl4pPr marR="0" lvl="3" algn="l" rtl="0">
         <a:lnSpc>
           <a:spcPct val="100000"/>
         </a:lnSpc>
@@ -7833,7 +8088,7 @@
           <a:srgbClr val="000000"/>
         </a:buClr>
         <a:buFont typeface="Arial"/>
-        <a:defRPr b="0" i="0" sz="1400" u="none" cap="none" strike="noStrike">
+        <a:defRPr sz="1400" b="0" i="0" u="none" strike="noStrike" cap="none">
           <a:solidFill>
             <a:srgbClr val="000000"/>
           </a:solidFill>
@@ -7843,7 +8098,7 @@
           <a:sym typeface="Arial"/>
         </a:defRPr>
       </a:lvl4pPr>
-      <a:lvl5pPr lvl="4" marR="0" rtl="0" algn="l">
+      <a:lvl5pPr marR="0" lvl="4" algn="l" rtl="0">
         <a:lnSpc>
           <a:spcPct val="100000"/>
         </a:lnSpc>
@@ -7857,7 +8112,7 @@
           <a:srgbClr val="000000"/>
         </a:buClr>
         <a:buFont typeface="Arial"/>
-        <a:defRPr b="0" i="0" sz="1400" u="none" cap="none" strike="noStrike">
+        <a:defRPr sz="1400" b="0" i="0" u="none" strike="noStrike" cap="none">
           <a:solidFill>
             <a:srgbClr val="000000"/>
           </a:solidFill>
@@ -7867,7 +8122,7 @@
           <a:sym typeface="Arial"/>
         </a:defRPr>
       </a:lvl5pPr>
-      <a:lvl6pPr lvl="5" marR="0" rtl="0" algn="l">
+      <a:lvl6pPr marR="0" lvl="5" algn="l" rtl="0">
         <a:lnSpc>
           <a:spcPct val="100000"/>
         </a:lnSpc>
@@ -7881,7 +8136,7 @@
           <a:srgbClr val="000000"/>
         </a:buClr>
         <a:buFont typeface="Arial"/>
-        <a:defRPr b="0" i="0" sz="1400" u="none" cap="none" strike="noStrike">
+        <a:defRPr sz="1400" b="0" i="0" u="none" strike="noStrike" cap="none">
           <a:solidFill>
             <a:srgbClr val="000000"/>
           </a:solidFill>
@@ -7891,7 +8146,7 @@
           <a:sym typeface="Arial"/>
         </a:defRPr>
       </a:lvl6pPr>
-      <a:lvl7pPr lvl="6" marR="0" rtl="0" algn="l">
+      <a:lvl7pPr marR="0" lvl="6" algn="l" rtl="0">
         <a:lnSpc>
           <a:spcPct val="100000"/>
         </a:lnSpc>
@@ -7905,7 +8160,7 @@
           <a:srgbClr val="000000"/>
         </a:buClr>
         <a:buFont typeface="Arial"/>
-        <a:defRPr b="0" i="0" sz="1400" u="none" cap="none" strike="noStrike">
+        <a:defRPr sz="1400" b="0" i="0" u="none" strike="noStrike" cap="none">
           <a:solidFill>
             <a:srgbClr val="000000"/>
           </a:solidFill>
@@ -7915,7 +8170,7 @@
           <a:sym typeface="Arial"/>
         </a:defRPr>
       </a:lvl7pPr>
-      <a:lvl8pPr lvl="7" marR="0" rtl="0" algn="l">
+      <a:lvl8pPr marR="0" lvl="7" algn="l" rtl="0">
         <a:lnSpc>
           <a:spcPct val="100000"/>
         </a:lnSpc>
@@ -7929,7 +8184,7 @@
           <a:srgbClr val="000000"/>
         </a:buClr>
         <a:buFont typeface="Arial"/>
-        <a:defRPr b="0" i="0" sz="1400" u="none" cap="none" strike="noStrike">
+        <a:defRPr sz="1400" b="0" i="0" u="none" strike="noStrike" cap="none">
           <a:solidFill>
             <a:srgbClr val="000000"/>
           </a:solidFill>
@@ -7939,7 +8194,7 @@
           <a:sym typeface="Arial"/>
         </a:defRPr>
       </a:lvl8pPr>
-      <a:lvl9pPr lvl="8" marR="0" rtl="0" algn="l">
+      <a:lvl9pPr marR="0" lvl="8" algn="l" rtl="0">
         <a:lnSpc>
           <a:spcPct val="100000"/>
         </a:lnSpc>
@@ -7953,7 +8208,7 @@
           <a:srgbClr val="000000"/>
         </a:buClr>
         <a:buFont typeface="Arial"/>
-        <a:defRPr b="0" i="0" sz="1400" u="none" cap="none" strike="noStrike">
+        <a:defRPr sz="1400" b="0" i="0" u="none" strike="noStrike" cap="none">
           <a:solidFill>
             <a:srgbClr val="000000"/>
           </a:solidFill>
@@ -7965,7 +8220,7 @@
       </a:lvl9pPr>
     </p:bodyStyle>
     <p:otherStyle>
-      <a:defPPr lvl="0" marR="0" rtl="0" algn="l">
+      <a:defPPr marR="0" lvl="0" algn="l" rtl="0">
         <a:lnSpc>
           <a:spcPct val="100000"/>
         </a:lnSpc>
@@ -7976,7 +8231,7 @@
           <a:spcPts val="0"/>
         </a:spcAft>
       </a:defPPr>
-      <a:lvl1pPr lvl="0" marR="0" rtl="0" algn="l">
+      <a:lvl1pPr marR="0" lvl="0" algn="l" rtl="0">
         <a:lnSpc>
           <a:spcPct val="100000"/>
         </a:lnSpc>
@@ -7990,7 +8245,7 @@
           <a:srgbClr val="000000"/>
         </a:buClr>
         <a:buFont typeface="Arial"/>
-        <a:defRPr b="0" i="0" sz="1400" u="none" cap="none" strike="noStrike">
+        <a:defRPr sz="1400" b="0" i="0" u="none" strike="noStrike" cap="none">
           <a:solidFill>
             <a:srgbClr val="000000"/>
           </a:solidFill>
@@ -8000,7 +8255,7 @@
           <a:sym typeface="Arial"/>
         </a:defRPr>
       </a:lvl1pPr>
-      <a:lvl2pPr lvl="1" marR="0" rtl="0" algn="l">
+      <a:lvl2pPr marR="0" lvl="1" algn="l" rtl="0">
         <a:lnSpc>
           <a:spcPct val="100000"/>
         </a:lnSpc>
@@ -8014,7 +8269,7 @@
           <a:srgbClr val="000000"/>
         </a:buClr>
         <a:buFont typeface="Arial"/>
-        <a:defRPr b="0" i="0" sz="1400" u="none" cap="none" strike="noStrike">
+        <a:defRPr sz="1400" b="0" i="0" u="none" strike="noStrike" cap="none">
           <a:solidFill>
             <a:srgbClr val="000000"/>
           </a:solidFill>
@@ -8024,7 +8279,7 @@
           <a:sym typeface="Arial"/>
         </a:defRPr>
       </a:lvl2pPr>
-      <a:lvl3pPr lvl="2" marR="0" rtl="0" algn="l">
+      <a:lvl3pPr marR="0" lvl="2" algn="l" rtl="0">
         <a:lnSpc>
           <a:spcPct val="100000"/>
         </a:lnSpc>
@@ -8038,7 +8293,7 @@
           <a:srgbClr val="000000"/>
         </a:buClr>
         <a:buFont typeface="Arial"/>
-        <a:defRPr b="0" i="0" sz="1400" u="none" cap="none" strike="noStrike">
+        <a:defRPr sz="1400" b="0" i="0" u="none" strike="noStrike" cap="none">
           <a:solidFill>
             <a:srgbClr val="000000"/>
           </a:solidFill>
@@ -8048,7 +8303,7 @@
           <a:sym typeface="Arial"/>
         </a:defRPr>
       </a:lvl3pPr>
-      <a:lvl4pPr lvl="3" marR="0" rtl="0" algn="l">
+      <a:lvl4pPr marR="0" lvl="3" algn="l" rtl="0">
         <a:lnSpc>
           <a:spcPct val="100000"/>
         </a:lnSpc>
@@ -8062,7 +8317,7 @@
           <a:srgbClr val="000000"/>
         </a:buClr>
         <a:buFont typeface="Arial"/>
-        <a:defRPr b="0" i="0" sz="1400" u="none" cap="none" strike="noStrike">
+        <a:defRPr sz="1400" b="0" i="0" u="none" strike="noStrike" cap="none">
           <a:solidFill>
             <a:srgbClr val="000000"/>
           </a:solidFill>
@@ -8072,7 +8327,7 @@
           <a:sym typeface="Arial"/>
         </a:defRPr>
       </a:lvl4pPr>
-      <a:lvl5pPr lvl="4" marR="0" rtl="0" algn="l">
+      <a:lvl5pPr marR="0" lvl="4" algn="l" rtl="0">
         <a:lnSpc>
           <a:spcPct val="100000"/>
         </a:lnSpc>
@@ -8086,7 +8341,7 @@
           <a:srgbClr val="000000"/>
         </a:buClr>
         <a:buFont typeface="Arial"/>
-        <a:defRPr b="0" i="0" sz="1400" u="none" cap="none" strike="noStrike">
+        <a:defRPr sz="1400" b="0" i="0" u="none" strike="noStrike" cap="none">
           <a:solidFill>
             <a:srgbClr val="000000"/>
           </a:solidFill>
@@ -8096,7 +8351,7 @@
           <a:sym typeface="Arial"/>
         </a:defRPr>
       </a:lvl5pPr>
-      <a:lvl6pPr lvl="5" marR="0" rtl="0" algn="l">
+      <a:lvl6pPr marR="0" lvl="5" algn="l" rtl="0">
         <a:lnSpc>
           <a:spcPct val="100000"/>
         </a:lnSpc>
@@ -8110,7 +8365,7 @@
           <a:srgbClr val="000000"/>
         </a:buClr>
         <a:buFont typeface="Arial"/>
-        <a:defRPr b="0" i="0" sz="1400" u="none" cap="none" strike="noStrike">
+        <a:defRPr sz="1400" b="0" i="0" u="none" strike="noStrike" cap="none">
           <a:solidFill>
             <a:srgbClr val="000000"/>
           </a:solidFill>
@@ -8120,7 +8375,7 @@
           <a:sym typeface="Arial"/>
         </a:defRPr>
       </a:lvl6pPr>
-      <a:lvl7pPr lvl="6" marR="0" rtl="0" algn="l">
+      <a:lvl7pPr marR="0" lvl="6" algn="l" rtl="0">
         <a:lnSpc>
           <a:spcPct val="100000"/>
         </a:lnSpc>
@@ -8134,7 +8389,7 @@
           <a:srgbClr val="000000"/>
         </a:buClr>
         <a:buFont typeface="Arial"/>
-        <a:defRPr b="0" i="0" sz="1400" u="none" cap="none" strike="noStrike">
+        <a:defRPr sz="1400" b="0" i="0" u="none" strike="noStrike" cap="none">
           <a:solidFill>
             <a:srgbClr val="000000"/>
           </a:solidFill>
@@ -8144,7 +8399,7 @@
           <a:sym typeface="Arial"/>
         </a:defRPr>
       </a:lvl7pPr>
-      <a:lvl8pPr lvl="7" marR="0" rtl="0" algn="l">
+      <a:lvl8pPr marR="0" lvl="7" algn="l" rtl="0">
         <a:lnSpc>
           <a:spcPct val="100000"/>
         </a:lnSpc>
@@ -8158,7 +8413,7 @@
           <a:srgbClr val="000000"/>
         </a:buClr>
         <a:buFont typeface="Arial"/>
-        <a:defRPr b="0" i="0" sz="1400" u="none" cap="none" strike="noStrike">
+        <a:defRPr sz="1400" b="0" i="0" u="none" strike="noStrike" cap="none">
           <a:solidFill>
             <a:srgbClr val="000000"/>
           </a:solidFill>
@@ -8168,7 +8423,7 @@
           <a:sym typeface="Arial"/>
         </a:defRPr>
       </a:lvl8pPr>
-      <a:lvl9pPr lvl="8" marR="0" rtl="0" algn="l">
+      <a:lvl9pPr marR="0" lvl="8" algn="l" rtl="0">
         <a:lnSpc>
           <a:spcPct val="100000"/>
         </a:lnSpc>
@@ -8182,7 +8437,7 @@
           <a:srgbClr val="000000"/>
         </a:buClr>
         <a:buFont typeface="Arial"/>
-        <a:defRPr b="0" i="0" sz="1400" u="none" cap="none" strike="noStrike">
+        <a:defRPr sz="1400" b="0" i="0" u="none" strike="noStrike" cap="none">
           <a:solidFill>
             <a:srgbClr val="000000"/>
           </a:solidFill>
@@ -8198,11 +8453,11 @@
 </file>
 
 <file path=ppt/slides/slide1.xml><?xml version="1.0" encoding="utf-8"?>
-<p:sld xmlns:a="http://schemas.openxmlformats.org/drawingml/2006/main" xmlns:r="http://schemas.openxmlformats.org/officeDocument/2006/relationships" xmlns:mc="http://schemas.openxmlformats.org/markup-compatibility/2006" xmlns:mv="urn:schemas-microsoft-com:mac:vml" xmlns:p="http://schemas.openxmlformats.org/presentationml/2006/main" xmlns:c="http://schemas.openxmlformats.org/drawingml/2006/chart" xmlns:dgm="http://schemas.openxmlformats.org/drawingml/2006/diagram" xmlns:o="urn:schemas-microsoft-com:office:office" xmlns:v="urn:schemas-microsoft-com:vml" xmlns:pvml="urn:schemas-microsoft-com:office:powerpoint" xmlns:com="http://schemas.openxmlformats.org/drawingml/2006/compatibility" xmlns:p14="http://schemas.microsoft.com/office/powerpoint/2010/main" xmlns:p15="http://schemas.microsoft.com/office/powerpoint/2012/main" xmlns:ahyp="http://schemas.microsoft.com/office/drawing/2018/hyperlinkcolor">
+<p:sld xmlns:a="http://schemas.openxmlformats.org/drawingml/2006/main" xmlns:r="http://schemas.openxmlformats.org/officeDocument/2006/relationships" xmlns:p="http://schemas.openxmlformats.org/presentationml/2006/main">
   <p:cSld>
     <p:spTree>
       <p:nvGrpSpPr>
-        <p:cNvPr id="53" name="Shape 53"/>
+        <p:cNvPr id="1" name="Shape 53"/>
         <p:cNvGrpSpPr/>
         <p:nvPr/>
       </p:nvGrpSpPr>
@@ -8217,7 +8472,9 @@
       <p:sp>
         <p:nvSpPr>
           <p:cNvPr id="54" name="Google Shape;54;p13"/>
-          <p:cNvSpPr txBox="1"/>
+          <p:cNvSpPr txBox="1">
+            <a:spLocks noGrp="1"/>
+          </p:cNvSpPr>
           <p:nvPr>
             <p:ph type="ctrTitle"/>
           </p:nvPr>
@@ -8232,12 +8489,12 @@
           </a:prstGeom>
         </p:spPr>
         <p:txBody>
-          <a:bodyPr anchorCtr="0" anchor="b" bIns="91425" lIns="91425" spcFirstLastPara="1" rIns="91425" wrap="square" tIns="91425">
+          <a:bodyPr spcFirstLastPara="1" wrap="square" lIns="91425" tIns="91425" rIns="91425" bIns="91425" anchor="b" anchorCtr="0">
             <a:normAutofit/>
           </a:bodyPr>
           <a:lstStyle/>
           <a:p>
-            <a:pPr indent="0" lvl="0" marL="0" rtl="0" algn="ctr">
+            <a:pPr marL="0" lvl="0" indent="0" algn="ctr" rtl="0">
               <a:spcBef>
                 <a:spcPts val="0"/>
               </a:spcBef>
@@ -8257,9 +8514,11 @@
       <p:sp>
         <p:nvSpPr>
           <p:cNvPr id="55" name="Google Shape;55;p13"/>
-          <p:cNvSpPr txBox="1"/>
-          <p:nvPr>
-            <p:ph idx="1" type="subTitle"/>
+          <p:cNvSpPr txBox="1">
+            <a:spLocks noGrp="1"/>
+          </p:cNvSpPr>
+          <p:nvPr>
+            <p:ph type="subTitle" idx="1"/>
           </p:nvPr>
         </p:nvSpPr>
         <p:spPr>
@@ -8272,12 +8531,12 @@
           </a:prstGeom>
         </p:spPr>
         <p:txBody>
-          <a:bodyPr anchorCtr="0" anchor="t" bIns="91425" lIns="91425" spcFirstLastPara="1" rIns="91425" wrap="square" tIns="91425">
+          <a:bodyPr spcFirstLastPara="1" wrap="square" lIns="91425" tIns="91425" rIns="91425" bIns="91425" anchor="t" anchorCtr="0">
             <a:normAutofit/>
           </a:bodyPr>
           <a:lstStyle/>
           <a:p>
-            <a:pPr indent="0" lvl="0" marL="0" rtl="0" algn="ctr">
+            <a:pPr marL="0" lvl="0" indent="0" algn="ctr" rtl="0">
               <a:spcBef>
                 <a:spcPts val="0"/>
               </a:spcBef>
@@ -8331,11 +8590,11 @@
 </file>
 
 <file path=ppt/slides/slide10.xml><?xml version="1.0" encoding="utf-8"?>
-<p:sld xmlns:a="http://schemas.openxmlformats.org/drawingml/2006/main" xmlns:r="http://schemas.openxmlformats.org/officeDocument/2006/relationships" xmlns:mc="http://schemas.openxmlformats.org/markup-compatibility/2006" xmlns:mv="urn:schemas-microsoft-com:mac:vml" xmlns:p="http://schemas.openxmlformats.org/presentationml/2006/main" xmlns:c="http://schemas.openxmlformats.org/drawingml/2006/chart" xmlns:dgm="http://schemas.openxmlformats.org/drawingml/2006/diagram" xmlns:o="urn:schemas-microsoft-com:office:office" xmlns:v="urn:schemas-microsoft-com:vml" xmlns:pvml="urn:schemas-microsoft-com:office:powerpoint" xmlns:com="http://schemas.openxmlformats.org/drawingml/2006/compatibility" xmlns:p14="http://schemas.microsoft.com/office/powerpoint/2010/main" xmlns:p15="http://schemas.microsoft.com/office/powerpoint/2012/main" xmlns:ahyp="http://schemas.microsoft.com/office/drawing/2018/hyperlinkcolor">
+<p:sld xmlns:a="http://schemas.openxmlformats.org/drawingml/2006/main" xmlns:r="http://schemas.openxmlformats.org/officeDocument/2006/relationships" xmlns:p="http://schemas.openxmlformats.org/presentationml/2006/main">
   <p:cSld>
     <p:spTree>
       <p:nvGrpSpPr>
-        <p:cNvPr id="123" name="Shape 123"/>
+        <p:cNvPr id="1" name="Shape 123"/>
         <p:cNvGrpSpPr/>
         <p:nvPr/>
       </p:nvGrpSpPr>
@@ -8350,7 +8609,9 @@
       <p:sp>
         <p:nvSpPr>
           <p:cNvPr id="124" name="Google Shape;124;p22"/>
-          <p:cNvSpPr txBox="1"/>
+          <p:cNvSpPr txBox="1">
+            <a:spLocks noGrp="1"/>
+          </p:cNvSpPr>
           <p:nvPr>
             <p:ph type="title"/>
           </p:nvPr>
@@ -8365,12 +8626,12 @@
           </a:prstGeom>
         </p:spPr>
         <p:txBody>
-          <a:bodyPr anchorCtr="0" anchor="t" bIns="91425" lIns="91425" spcFirstLastPara="1" rIns="91425" wrap="square" tIns="91425">
+          <a:bodyPr spcFirstLastPara="1" wrap="square" lIns="91425" tIns="91425" rIns="91425" bIns="91425" anchor="t" anchorCtr="0">
             <a:normAutofit fontScale="90000"/>
           </a:bodyPr>
           <a:lstStyle/>
           <a:p>
-            <a:pPr indent="0" lvl="0" marL="0" rtl="0" algn="l">
+            <a:pPr marL="0" lvl="0" indent="0" algn="l" rtl="0">
               <a:spcBef>
                 <a:spcPts val="0"/>
               </a:spcBef>
@@ -8390,9 +8651,11 @@
       <p:sp>
         <p:nvSpPr>
           <p:cNvPr id="125" name="Google Shape;125;p22"/>
-          <p:cNvSpPr txBox="1"/>
-          <p:nvPr>
-            <p:ph idx="1" type="body"/>
+          <p:cNvSpPr txBox="1">
+            <a:spLocks noGrp="1"/>
+          </p:cNvSpPr>
+          <p:nvPr>
+            <p:ph type="body" idx="1"/>
           </p:nvPr>
         </p:nvSpPr>
         <p:spPr>
@@ -8405,12 +8668,12 @@
           </a:prstGeom>
         </p:spPr>
         <p:txBody>
-          <a:bodyPr anchorCtr="0" anchor="t" bIns="91425" lIns="91425" spcFirstLastPara="1" rIns="91425" wrap="square" tIns="91425">
+          <a:bodyPr spcFirstLastPara="1" wrap="square" lIns="91425" tIns="91425" rIns="91425" bIns="91425" anchor="t" anchorCtr="0">
             <a:normAutofit/>
           </a:bodyPr>
           <a:lstStyle/>
           <a:p>
-            <a:pPr indent="0" lvl="0" marL="0" rtl="0" algn="l">
+            <a:pPr marL="0" lvl="0" indent="0" algn="l" rtl="0">
               <a:spcBef>
                 <a:spcPts val="0"/>
               </a:spcBef>
@@ -8426,7 +8689,7 @@
             <a:endParaRPr/>
           </a:p>
           <a:p>
-            <a:pPr indent="-342900" lvl="0" marL="457200" rtl="0" algn="l">
+            <a:pPr marL="457200" lvl="0" indent="-342900" algn="l" rtl="0">
               <a:spcBef>
                 <a:spcPts val="1200"/>
               </a:spcBef>
@@ -8438,41 +8701,29 @@
             </a:pPr>
             <a:r>
               <a:rPr lang="en"/>
-              <a:t>Underscoring between </a:t>
+              <a:t>Underscoring between character of letters, digits, and the underscore.</a:t>
             </a:r>
+            <a:endParaRPr/>
+          </a:p>
+          <a:p>
+            <a:pPr marL="457200" lvl="0" indent="-342900" algn="l" rtl="0">
+              <a:spcBef>
+                <a:spcPts val="0"/>
+              </a:spcBef>
+              <a:spcAft>
+                <a:spcPts val="0"/>
+              </a:spcAft>
+              <a:buSzPts val="1800"/>
+              <a:buChar char="●"/>
+            </a:pPr>
             <a:r>
               <a:rPr lang="en"/>
-              <a:t>character </a:t>
-            </a:r>
-            <a:r>
-              <a:rPr lang="en"/>
-              <a:t>of letters, digits, and the underscore.</a:t>
+              <a:t>Must begin with either a letter or an underscore.</a:t>
             </a:r>
             <a:endParaRPr/>
           </a:p>
           <a:p>
-            <a:pPr indent="-342900" lvl="0" marL="457200" rtl="0" algn="l">
-              <a:spcBef>
-                <a:spcPts val="0"/>
-              </a:spcBef>
-              <a:spcAft>
-                <a:spcPts val="0"/>
-              </a:spcAft>
-              <a:buSzPts val="1800"/>
-              <a:buChar char="●"/>
-            </a:pPr>
-            <a:r>
-              <a:rPr lang="en"/>
-              <a:t>M</a:t>
-            </a:r>
-            <a:r>
-              <a:rPr lang="en"/>
-              <a:t>ust begin with either a letter or an underscore.</a:t>
-            </a:r>
-            <a:endParaRPr/>
-          </a:p>
-          <a:p>
-            <a:pPr indent="-342900" lvl="0" marL="457200" rtl="0" algn="l">
+            <a:pPr marL="457200" lvl="0" indent="-342900" algn="l" rtl="0">
               <a:spcBef>
                 <a:spcPts val="0"/>
               </a:spcBef>
@@ -8489,7 +8740,7 @@
             <a:endParaRPr/>
           </a:p>
           <a:p>
-            <a:pPr indent="0" lvl="0" marL="0" rtl="0" algn="l">
+            <a:pPr marL="0" lvl="0" indent="0" algn="l" rtl="0">
               <a:spcBef>
                 <a:spcPts val="1200"/>
               </a:spcBef>
@@ -8500,11 +8751,7 @@
             </a:pPr>
             <a:r>
               <a:rPr lang="en"/>
-              <a:t>By default, immutable is set at a read-only. By </a:t>
-            </a:r>
-            <a:r>
-              <a:rPr lang="en"/>
-              <a:t>contrast, mutable (mut) allows to change to other values</a:t>
+              <a:t>By default, immutable is set at a read-only. By contrast, mutable (mut) allows to change to other values</a:t>
             </a:r>
             <a:endParaRPr/>
           </a:p>
@@ -8575,11 +8822,11 @@
 </file>
 
 <file path=ppt/slides/slide11.xml><?xml version="1.0" encoding="utf-8"?>
-<p:sld xmlns:a="http://schemas.openxmlformats.org/drawingml/2006/main" xmlns:r="http://schemas.openxmlformats.org/officeDocument/2006/relationships" xmlns:mc="http://schemas.openxmlformats.org/markup-compatibility/2006" xmlns:mv="urn:schemas-microsoft-com:mac:vml" xmlns:p="http://schemas.openxmlformats.org/presentationml/2006/main" xmlns:c="http://schemas.openxmlformats.org/drawingml/2006/chart" xmlns:dgm="http://schemas.openxmlformats.org/drawingml/2006/diagram" xmlns:o="urn:schemas-microsoft-com:office:office" xmlns:v="urn:schemas-microsoft-com:vml" xmlns:pvml="urn:schemas-microsoft-com:office:powerpoint" xmlns:com="http://schemas.openxmlformats.org/drawingml/2006/compatibility" xmlns:p14="http://schemas.microsoft.com/office/powerpoint/2010/main" xmlns:p15="http://schemas.microsoft.com/office/powerpoint/2012/main" xmlns:ahyp="http://schemas.microsoft.com/office/drawing/2018/hyperlinkcolor">
+<p:sld xmlns:a="http://schemas.openxmlformats.org/drawingml/2006/main" xmlns:r="http://schemas.openxmlformats.org/officeDocument/2006/relationships" xmlns:p="http://schemas.openxmlformats.org/presentationml/2006/main">
   <p:cSld>
     <p:spTree>
       <p:nvGrpSpPr>
-        <p:cNvPr id="131" name="Shape 131"/>
+        <p:cNvPr id="1" name="Shape 131"/>
         <p:cNvGrpSpPr/>
         <p:nvPr/>
       </p:nvGrpSpPr>
@@ -8594,14 +8841,16 @@
       <p:sp>
         <p:nvSpPr>
           <p:cNvPr id="132" name="Google Shape;132;p23"/>
-          <p:cNvSpPr txBox="1"/>
+          <p:cNvSpPr txBox="1">
+            <a:spLocks noGrp="1"/>
+          </p:cNvSpPr>
           <p:nvPr>
             <p:ph type="title"/>
           </p:nvPr>
         </p:nvSpPr>
         <p:spPr>
           <a:xfrm>
-            <a:off x="152400" y="445025"/>
+            <a:off x="96150" y="445025"/>
             <a:ext cx="8951700" cy="572700"/>
           </a:xfrm>
           <a:prstGeom prst="rect">
@@ -8609,12 +8858,12 @@
           </a:prstGeom>
         </p:spPr>
         <p:txBody>
-          <a:bodyPr anchorCtr="0" anchor="t" bIns="91425" lIns="91425" spcFirstLastPara="1" rIns="91425" wrap="square" tIns="91425">
+          <a:bodyPr spcFirstLastPara="1" wrap="square" lIns="91425" tIns="91425" rIns="91425" bIns="91425" anchor="t" anchorCtr="0">
             <a:normAutofit fontScale="90000"/>
           </a:bodyPr>
           <a:lstStyle/>
           <a:p>
-            <a:pPr indent="0" lvl="0" marL="0" rtl="0" algn="l">
+            <a:pPr marL="0" lvl="0" indent="0" algn="l" rtl="0">
               <a:spcBef>
                 <a:spcPts val="0"/>
               </a:spcBef>
@@ -8624,10 +8873,10 @@
               <a:buNone/>
             </a:pPr>
             <a:r>
-              <a:rPr lang="en"/>
-              <a:t>Immutable (without keyword)	 vs	  Mutable (with keyword mut)</a:t>
+              <a:rPr lang="en" dirty="0"/>
+              <a:t>Immutable (without keyword)  vs	  Mutable (with keyword mut)</a:t>
             </a:r>
-            <a:endParaRPr/>
+            <a:endParaRPr dirty="0"/>
           </a:p>
         </p:txBody>
       </p:sp>
@@ -8647,7 +8896,7 @@
         </p:blipFill>
         <p:spPr>
           <a:xfrm>
-            <a:off x="152400" y="1170125"/>
+            <a:off x="188119" y="1120949"/>
             <a:ext cx="4485175" cy="3820975"/>
           </a:xfrm>
           <a:prstGeom prst="rect">
@@ -8696,11 +8945,11 @@
 </file>
 
 <file path=ppt/slides/slide12.xml><?xml version="1.0" encoding="utf-8"?>
-<p:sld xmlns:a="http://schemas.openxmlformats.org/drawingml/2006/main" xmlns:r="http://schemas.openxmlformats.org/officeDocument/2006/relationships" xmlns:mc="http://schemas.openxmlformats.org/markup-compatibility/2006" xmlns:mv="urn:schemas-microsoft-com:mac:vml" xmlns:p="http://schemas.openxmlformats.org/presentationml/2006/main" xmlns:c="http://schemas.openxmlformats.org/drawingml/2006/chart" xmlns:dgm="http://schemas.openxmlformats.org/drawingml/2006/diagram" xmlns:o="urn:schemas-microsoft-com:office:office" xmlns:v="urn:schemas-microsoft-com:vml" xmlns:pvml="urn:schemas-microsoft-com:office:powerpoint" xmlns:com="http://schemas.openxmlformats.org/drawingml/2006/compatibility" xmlns:p14="http://schemas.microsoft.com/office/powerpoint/2010/main" xmlns:p15="http://schemas.microsoft.com/office/powerpoint/2012/main" xmlns:ahyp="http://schemas.microsoft.com/office/drawing/2018/hyperlinkcolor">
+<p:sld xmlns:a="http://schemas.openxmlformats.org/drawingml/2006/main" xmlns:r="http://schemas.openxmlformats.org/officeDocument/2006/relationships" xmlns:p="http://schemas.openxmlformats.org/presentationml/2006/main">
   <p:cSld>
     <p:spTree>
       <p:nvGrpSpPr>
-        <p:cNvPr id="138" name="Shape 138"/>
+        <p:cNvPr id="1" name="Shape 138"/>
         <p:cNvGrpSpPr/>
         <p:nvPr/>
       </p:nvGrpSpPr>
@@ -8715,7 +8964,9 @@
       <p:sp>
         <p:nvSpPr>
           <p:cNvPr id="139" name="Google Shape;139;p24"/>
-          <p:cNvSpPr txBox="1"/>
+          <p:cNvSpPr txBox="1">
+            <a:spLocks noGrp="1"/>
+          </p:cNvSpPr>
           <p:nvPr>
             <p:ph type="title"/>
           </p:nvPr>
@@ -8730,12 +8981,12 @@
           </a:prstGeom>
         </p:spPr>
         <p:txBody>
-          <a:bodyPr anchorCtr="0" anchor="t" bIns="91425" lIns="91425" spcFirstLastPara="1" rIns="91425" wrap="square" tIns="91425">
+          <a:bodyPr spcFirstLastPara="1" wrap="square" lIns="91425" tIns="91425" rIns="91425" bIns="91425" anchor="t" anchorCtr="0">
             <a:normAutofit fontScale="90000"/>
           </a:bodyPr>
           <a:lstStyle/>
           <a:p>
-            <a:pPr indent="0" lvl="0" marL="0" rtl="0" algn="l">
+            <a:pPr marL="0" lvl="0" indent="0" algn="l" rtl="0">
               <a:spcBef>
                 <a:spcPts val="0"/>
               </a:spcBef>
@@ -8755,9 +9006,11 @@
       <p:sp>
         <p:nvSpPr>
           <p:cNvPr id="140" name="Google Shape;140;p24"/>
-          <p:cNvSpPr txBox="1"/>
-          <p:nvPr>
-            <p:ph idx="1" type="body"/>
+          <p:cNvSpPr txBox="1">
+            <a:spLocks noGrp="1"/>
+          </p:cNvSpPr>
+          <p:nvPr>
+            <p:ph type="body" idx="1"/>
           </p:nvPr>
         </p:nvSpPr>
         <p:spPr>
@@ -8770,12 +9023,12 @@
           </a:prstGeom>
         </p:spPr>
         <p:txBody>
-          <a:bodyPr anchorCtr="0" anchor="t" bIns="91425" lIns="91425" spcFirstLastPara="1" rIns="91425" wrap="square" tIns="91425">
+          <a:bodyPr spcFirstLastPara="1" wrap="square" lIns="91425" tIns="91425" rIns="91425" bIns="91425" anchor="t" anchorCtr="0">
             <a:normAutofit/>
           </a:bodyPr>
           <a:lstStyle/>
           <a:p>
-            <a:pPr indent="0" lvl="0" marL="0" rtl="0" algn="l">
+            <a:pPr marL="0" lvl="0" indent="0" algn="l" rtl="0">
               <a:spcBef>
                 <a:spcPts val="0"/>
               </a:spcBef>
@@ -8789,7 +9042,7 @@
               <a:t>The keyword </a:t>
             </a:r>
             <a:r>
-              <a:rPr b="1" lang="en" u="sng">
+              <a:rPr lang="en" b="1" u="sng">
                 <a:solidFill>
                   <a:srgbClr val="FF0000"/>
                 </a:solidFill>
@@ -8811,7 +9064,7 @@
             <a:endParaRPr/>
           </a:p>
           <a:p>
-            <a:pPr indent="0" lvl="0" marL="0" rtl="0" algn="l">
+            <a:pPr marL="0" lvl="0" indent="0" algn="l" rtl="0">
               <a:spcBef>
                 <a:spcPts val="1200"/>
               </a:spcBef>
@@ -8825,7 +9078,7 @@
               <a:t>To make a constant, capitalizing all characters is usually being used with keyword </a:t>
             </a:r>
             <a:r>
-              <a:rPr b="1" lang="en" u="sng">
+              <a:rPr lang="en" b="1" u="sng">
                 <a:solidFill>
                   <a:srgbClr val="CC0000"/>
                 </a:solidFill>
@@ -8877,11 +9130,11 @@
 </file>
 
 <file path=ppt/slides/slide13.xml><?xml version="1.0" encoding="utf-8"?>
-<p:sld xmlns:a="http://schemas.openxmlformats.org/drawingml/2006/main" xmlns:r="http://schemas.openxmlformats.org/officeDocument/2006/relationships" xmlns:mc="http://schemas.openxmlformats.org/markup-compatibility/2006" xmlns:mv="urn:schemas-microsoft-com:mac:vml" xmlns:p="http://schemas.openxmlformats.org/presentationml/2006/main" xmlns:c="http://schemas.openxmlformats.org/drawingml/2006/chart" xmlns:dgm="http://schemas.openxmlformats.org/drawingml/2006/diagram" xmlns:o="urn:schemas-microsoft-com:office:office" xmlns:v="urn:schemas-microsoft-com:vml" xmlns:pvml="urn:schemas-microsoft-com:office:powerpoint" xmlns:com="http://schemas.openxmlformats.org/drawingml/2006/compatibility" xmlns:p14="http://schemas.microsoft.com/office/powerpoint/2010/main" xmlns:p15="http://schemas.microsoft.com/office/powerpoint/2012/main" xmlns:ahyp="http://schemas.microsoft.com/office/drawing/2018/hyperlinkcolor">
+<p:sld xmlns:a="http://schemas.openxmlformats.org/drawingml/2006/main" xmlns:r="http://schemas.openxmlformats.org/officeDocument/2006/relationships" xmlns:p="http://schemas.openxmlformats.org/presentationml/2006/main">
   <p:cSld>
     <p:spTree>
       <p:nvGrpSpPr>
-        <p:cNvPr id="145" name="Shape 145"/>
+        <p:cNvPr id="1" name="Shape 145"/>
         <p:cNvGrpSpPr/>
         <p:nvPr/>
       </p:nvGrpSpPr>
@@ -8896,7 +9149,9 @@
       <p:sp>
         <p:nvSpPr>
           <p:cNvPr id="146" name="Google Shape;146;p25"/>
-          <p:cNvSpPr txBox="1"/>
+          <p:cNvSpPr txBox="1">
+            <a:spLocks noGrp="1"/>
+          </p:cNvSpPr>
           <p:nvPr>
             <p:ph type="title"/>
           </p:nvPr>
@@ -8911,12 +9166,12 @@
           </a:prstGeom>
         </p:spPr>
         <p:txBody>
-          <a:bodyPr anchorCtr="0" anchor="t" bIns="91425" lIns="91425" spcFirstLastPara="1" rIns="91425" wrap="square" tIns="91425">
+          <a:bodyPr spcFirstLastPara="1" wrap="square" lIns="91425" tIns="91425" rIns="91425" bIns="91425" anchor="t" anchorCtr="0">
             <a:normAutofit fontScale="90000"/>
           </a:bodyPr>
           <a:lstStyle/>
           <a:p>
-            <a:pPr indent="0" lvl="0" marL="0" rtl="0" algn="l">
+            <a:pPr marL="0" lvl="0" indent="0" algn="l" rtl="0">
               <a:spcBef>
                 <a:spcPts val="0"/>
               </a:spcBef>
@@ -8926,19 +9181,21 @@
               <a:buNone/>
             </a:pPr>
             <a:r>
-              <a:rPr lang="en"/>
-              <a:t>Constant							vs 					Variables</a:t>
+              <a:rPr lang="en" dirty="0"/>
+              <a:t>Constant			    vs 		Variables</a:t>
             </a:r>
-            <a:endParaRPr/>
+            <a:endParaRPr dirty="0"/>
           </a:p>
         </p:txBody>
       </p:sp>
       <p:sp>
         <p:nvSpPr>
           <p:cNvPr id="147" name="Google Shape;147;p25"/>
-          <p:cNvSpPr txBox="1"/>
-          <p:nvPr>
-            <p:ph idx="1" type="body"/>
+          <p:cNvSpPr txBox="1">
+            <a:spLocks noGrp="1"/>
+          </p:cNvSpPr>
+          <p:nvPr>
+            <p:ph type="body" idx="1"/>
           </p:nvPr>
         </p:nvSpPr>
         <p:spPr>
@@ -8951,12 +9208,12 @@
           </a:prstGeom>
         </p:spPr>
         <p:txBody>
-          <a:bodyPr anchorCtr="0" anchor="t" bIns="91425" lIns="91425" spcFirstLastPara="1" rIns="91425" wrap="square" tIns="91425">
+          <a:bodyPr spcFirstLastPara="1" wrap="square" lIns="91425" tIns="91425" rIns="91425" bIns="91425" anchor="t" anchorCtr="0">
             <a:normAutofit/>
           </a:bodyPr>
           <a:lstStyle/>
           <a:p>
-            <a:pPr indent="0" lvl="0" marL="0" rtl="0" algn="l">
+            <a:pPr marL="0" lvl="0" indent="0" algn="l" rtl="0">
               <a:spcBef>
                 <a:spcPts val="0"/>
               </a:spcBef>
@@ -9088,9 +9345,11 @@
       <p:sp>
         <p:nvSpPr>
           <p:cNvPr id="152" name="Google Shape;152;p25"/>
-          <p:cNvSpPr txBox="1"/>
-          <p:nvPr>
-            <p:ph idx="1" type="body"/>
+          <p:cNvSpPr txBox="1">
+            <a:spLocks noGrp="1"/>
+          </p:cNvSpPr>
+          <p:nvPr>
+            <p:ph type="body" idx="1"/>
           </p:nvPr>
         </p:nvSpPr>
         <p:spPr>
@@ -9103,12 +9362,12 @@
           </a:prstGeom>
         </p:spPr>
         <p:txBody>
-          <a:bodyPr anchorCtr="0" anchor="t" bIns="91425" lIns="91425" spcFirstLastPara="1" rIns="91425" wrap="square" tIns="91425">
+          <a:bodyPr spcFirstLastPara="1" wrap="square" lIns="91425" tIns="91425" rIns="91425" bIns="91425" anchor="t" anchorCtr="0">
             <a:normAutofit/>
           </a:bodyPr>
           <a:lstStyle/>
           <a:p>
-            <a:pPr indent="0" lvl="0" marL="0" rtl="0" algn="l">
+            <a:pPr marL="0" lvl="0" indent="0" algn="l" rtl="0">
               <a:spcBef>
                 <a:spcPts val="0"/>
               </a:spcBef>
@@ -9134,11 +9393,11 @@
 </file>
 
 <file path=ppt/slides/slide14.xml><?xml version="1.0" encoding="utf-8"?>
-<p:sld xmlns:a="http://schemas.openxmlformats.org/drawingml/2006/main" xmlns:r="http://schemas.openxmlformats.org/officeDocument/2006/relationships" xmlns:mc="http://schemas.openxmlformats.org/markup-compatibility/2006" xmlns:mv="urn:schemas-microsoft-com:mac:vml" xmlns:p="http://schemas.openxmlformats.org/presentationml/2006/main" xmlns:c="http://schemas.openxmlformats.org/drawingml/2006/chart" xmlns:dgm="http://schemas.openxmlformats.org/drawingml/2006/diagram" xmlns:o="urn:schemas-microsoft-com:office:office" xmlns:v="urn:schemas-microsoft-com:vml" xmlns:pvml="urn:schemas-microsoft-com:office:powerpoint" xmlns:com="http://schemas.openxmlformats.org/drawingml/2006/compatibility" xmlns:p14="http://schemas.microsoft.com/office/powerpoint/2010/main" xmlns:p15="http://schemas.microsoft.com/office/powerpoint/2012/main" xmlns:ahyp="http://schemas.microsoft.com/office/drawing/2018/hyperlinkcolor">
+<p:sld xmlns:a="http://schemas.openxmlformats.org/drawingml/2006/main" xmlns:r="http://schemas.openxmlformats.org/officeDocument/2006/relationships" xmlns:p="http://schemas.openxmlformats.org/presentationml/2006/main">
   <p:cSld>
     <p:spTree>
       <p:nvGrpSpPr>
-        <p:cNvPr id="156" name="Shape 156"/>
+        <p:cNvPr id="1" name="Shape 156"/>
         <p:cNvGrpSpPr/>
         <p:nvPr/>
       </p:nvGrpSpPr>
@@ -9153,7 +9412,9 @@
       <p:sp>
         <p:nvSpPr>
           <p:cNvPr id="157" name="Google Shape;157;p26"/>
-          <p:cNvSpPr txBox="1"/>
+          <p:cNvSpPr txBox="1">
+            <a:spLocks noGrp="1"/>
+          </p:cNvSpPr>
           <p:nvPr>
             <p:ph type="title"/>
           </p:nvPr>
@@ -9168,12 +9429,12 @@
           </a:prstGeom>
         </p:spPr>
         <p:txBody>
-          <a:bodyPr anchorCtr="0" anchor="t" bIns="91425" lIns="91425" spcFirstLastPara="1" rIns="91425" wrap="square" tIns="91425">
+          <a:bodyPr spcFirstLastPara="1" wrap="square" lIns="91425" tIns="91425" rIns="91425" bIns="91425" anchor="t" anchorCtr="0">
             <a:normAutofit fontScale="90000"/>
           </a:bodyPr>
           <a:lstStyle/>
           <a:p>
-            <a:pPr indent="0" lvl="0" marL="0" rtl="0" algn="l">
+            <a:pPr marL="0" lvl="0" indent="0" algn="l" rtl="0">
               <a:spcBef>
                 <a:spcPts val="0"/>
               </a:spcBef>
@@ -9193,9 +9454,11 @@
       <p:sp>
         <p:nvSpPr>
           <p:cNvPr id="158" name="Google Shape;158;p26"/>
-          <p:cNvSpPr txBox="1"/>
-          <p:nvPr>
-            <p:ph idx="1" type="body"/>
+          <p:cNvSpPr txBox="1">
+            <a:spLocks noGrp="1"/>
+          </p:cNvSpPr>
+          <p:nvPr>
+            <p:ph type="body" idx="1"/>
           </p:nvPr>
         </p:nvSpPr>
         <p:spPr>
@@ -9208,12 +9471,12 @@
           </a:prstGeom>
         </p:spPr>
         <p:txBody>
-          <a:bodyPr anchorCtr="0" anchor="t" bIns="91425" lIns="91425" spcFirstLastPara="1" rIns="91425" wrap="square" tIns="91425">
+          <a:bodyPr spcFirstLastPara="1" wrap="square" lIns="91425" tIns="91425" rIns="91425" bIns="91425" anchor="t" anchorCtr="0">
             <a:normAutofit lnSpcReduction="10000"/>
           </a:bodyPr>
           <a:lstStyle/>
           <a:p>
-            <a:pPr indent="-342900" lvl="0" marL="457200" rtl="0" algn="l">
+            <a:pPr marL="457200" lvl="0" indent="-342900" algn="l" rtl="0">
               <a:spcBef>
                 <a:spcPts val="0"/>
               </a:spcBef>
@@ -9230,7 +9493,7 @@
             <a:endParaRPr/>
           </a:p>
           <a:p>
-            <a:pPr indent="-342900" lvl="0" marL="457200" rtl="0" algn="l">
+            <a:pPr marL="457200" lvl="0" indent="-342900" algn="l" rtl="0">
               <a:spcBef>
                 <a:spcPts val="0"/>
               </a:spcBef>
@@ -9247,7 +9510,7 @@
             <a:endParaRPr/>
           </a:p>
           <a:p>
-            <a:pPr indent="-342900" lvl="0" marL="457200" rtl="0" algn="l">
+            <a:pPr marL="457200" lvl="0" indent="-342900" algn="l" rtl="0">
               <a:spcBef>
                 <a:spcPts val="0"/>
               </a:spcBef>
@@ -9264,7 +9527,7 @@
             <a:endParaRPr/>
           </a:p>
           <a:p>
-            <a:pPr indent="-342900" lvl="0" marL="457200" rtl="0" algn="l">
+            <a:pPr marL="457200" lvl="0" indent="-342900" algn="l" rtl="0">
               <a:spcBef>
                 <a:spcPts val="0"/>
               </a:spcBef>
@@ -9281,7 +9544,7 @@
             <a:endParaRPr/>
           </a:p>
           <a:p>
-            <a:pPr indent="0" lvl="0" marL="0" rtl="0" algn="l">
+            <a:pPr marL="0" lvl="0" indent="0" algn="l" rtl="0">
               <a:spcBef>
                 <a:spcPts val="1200"/>
               </a:spcBef>
@@ -9297,7 +9560,7 @@
             <a:endParaRPr/>
           </a:p>
           <a:p>
-            <a:pPr indent="0" lvl="0" marL="0" rtl="0" algn="l">
+            <a:pPr marL="0" lvl="0" indent="0" algn="l" rtl="0">
               <a:spcBef>
                 <a:spcPts val="1200"/>
               </a:spcBef>
@@ -9306,9 +9569,6 @@
               </a:spcAft>
               <a:buNone/>
             </a:pPr>
-            <a:r>
-              <a:t/>
-            </a:r>
             <a:endParaRPr/>
           </a:p>
         </p:txBody>
@@ -9378,11 +9638,11 @@
 </file>
 
 <file path=ppt/slides/slide15.xml><?xml version="1.0" encoding="utf-8"?>
-<p:sld xmlns:a="http://schemas.openxmlformats.org/drawingml/2006/main" xmlns:r="http://schemas.openxmlformats.org/officeDocument/2006/relationships" xmlns:mc="http://schemas.openxmlformats.org/markup-compatibility/2006" xmlns:mv="urn:schemas-microsoft-com:mac:vml" xmlns:p="http://schemas.openxmlformats.org/presentationml/2006/main" xmlns:c="http://schemas.openxmlformats.org/drawingml/2006/chart" xmlns:dgm="http://schemas.openxmlformats.org/drawingml/2006/diagram" xmlns:o="urn:schemas-microsoft-com:office:office" xmlns:v="urn:schemas-microsoft-com:vml" xmlns:pvml="urn:schemas-microsoft-com:office:powerpoint" xmlns:com="http://schemas.openxmlformats.org/drawingml/2006/compatibility" xmlns:p14="http://schemas.microsoft.com/office/powerpoint/2010/main" xmlns:p15="http://schemas.microsoft.com/office/powerpoint/2012/main" xmlns:ahyp="http://schemas.microsoft.com/office/drawing/2018/hyperlinkcolor">
+<p:sld xmlns:a="http://schemas.openxmlformats.org/drawingml/2006/main" xmlns:r="http://schemas.openxmlformats.org/officeDocument/2006/relationships" xmlns:p="http://schemas.openxmlformats.org/presentationml/2006/main">
   <p:cSld>
     <p:spTree>
       <p:nvGrpSpPr>
-        <p:cNvPr id="164" name="Shape 164"/>
+        <p:cNvPr id="1" name="Shape 164"/>
         <p:cNvGrpSpPr/>
         <p:nvPr/>
       </p:nvGrpSpPr>
@@ -9397,7 +9657,9 @@
       <p:sp>
         <p:nvSpPr>
           <p:cNvPr id="165" name="Google Shape;165;p27"/>
-          <p:cNvSpPr txBox="1"/>
+          <p:cNvSpPr txBox="1">
+            <a:spLocks noGrp="1"/>
+          </p:cNvSpPr>
           <p:nvPr>
             <p:ph type="title"/>
           </p:nvPr>
@@ -9412,12 +9674,12 @@
           </a:prstGeom>
         </p:spPr>
         <p:txBody>
-          <a:bodyPr anchorCtr="0" anchor="t" bIns="91425" lIns="91425" spcFirstLastPara="1" rIns="91425" wrap="square" tIns="91425">
+          <a:bodyPr spcFirstLastPara="1" wrap="square" lIns="91425" tIns="91425" rIns="91425" bIns="91425" anchor="t" anchorCtr="0">
             <a:normAutofit fontScale="90000"/>
           </a:bodyPr>
           <a:lstStyle/>
           <a:p>
-            <a:pPr indent="0" lvl="0" marL="0" rtl="0" algn="ctr">
+            <a:pPr marL="0" lvl="0" indent="0" algn="ctr" rtl="0">
               <a:spcBef>
                 <a:spcPts val="0"/>
               </a:spcBef>
@@ -9437,9 +9699,11 @@
       <p:sp>
         <p:nvSpPr>
           <p:cNvPr id="166" name="Google Shape;166;p27"/>
-          <p:cNvSpPr txBox="1"/>
-          <p:nvPr>
-            <p:ph idx="1" type="body"/>
+          <p:cNvSpPr txBox="1">
+            <a:spLocks noGrp="1"/>
+          </p:cNvSpPr>
+          <p:nvPr>
+            <p:ph type="body" idx="1"/>
           </p:nvPr>
         </p:nvSpPr>
         <p:spPr>
@@ -9452,12 +9716,12 @@
           </a:prstGeom>
         </p:spPr>
         <p:txBody>
-          <a:bodyPr anchorCtr="0" anchor="t" bIns="91425" lIns="91425" spcFirstLastPara="1" rIns="91425" wrap="square" tIns="91425">
+          <a:bodyPr spcFirstLastPara="1" wrap="square" lIns="91425" tIns="91425" rIns="91425" bIns="91425" anchor="t" anchorCtr="0">
             <a:normAutofit/>
           </a:bodyPr>
           <a:lstStyle/>
           <a:p>
-            <a:pPr indent="-342900" lvl="0" marL="457200" rtl="0" algn="l">
+            <a:pPr marL="457200" lvl="0" indent="-342900" algn="l" rtl="0">
               <a:spcBef>
                 <a:spcPts val="0"/>
               </a:spcBef>
@@ -9471,7 +9735,7 @@
               <a:buChar char="●"/>
             </a:pPr>
             <a:r>
-              <a:rPr b="1" lang="en">
+              <a:rPr lang="en" b="1">
                 <a:solidFill>
                   <a:srgbClr val="CFE2F3"/>
                 </a:solidFill>
@@ -9485,7 +9749,7 @@
             </a:endParaRPr>
           </a:p>
           <a:p>
-            <a:pPr indent="0" lvl="0" marL="0" rtl="0" algn="l">
+            <a:pPr marL="0" lvl="0" indent="0" algn="l" rtl="0">
               <a:spcBef>
                 <a:spcPts val="1200"/>
               </a:spcBef>
@@ -9501,7 +9765,7 @@
             <a:endParaRPr/>
           </a:p>
           <a:p>
-            <a:pPr indent="-342900" lvl="0" marL="457200" rtl="0" algn="l">
+            <a:pPr marL="457200" lvl="0" indent="-342900" algn="l" rtl="0">
               <a:spcBef>
                 <a:spcPts val="1200"/>
               </a:spcBef>
@@ -9515,7 +9779,7 @@
               <a:buChar char="●"/>
             </a:pPr>
             <a:r>
-              <a:rPr b="1" lang="en">
+              <a:rPr lang="en" b="1">
                 <a:solidFill>
                   <a:srgbClr val="CFE2F3"/>
                 </a:solidFill>
@@ -9529,7 +9793,7 @@
             </a:endParaRPr>
           </a:p>
           <a:p>
-            <a:pPr indent="0" lvl="0" marL="0" rtl="0" algn="l">
+            <a:pPr marL="0" lvl="0" indent="0" algn="l" rtl="0">
               <a:spcBef>
                 <a:spcPts val="1200"/>
               </a:spcBef>
@@ -9545,7 +9809,7 @@
             <a:endParaRPr/>
           </a:p>
           <a:p>
-            <a:pPr indent="-342900" lvl="0" marL="457200" rtl="0" algn="l">
+            <a:pPr marL="457200" lvl="0" indent="-342900" algn="l" rtl="0">
               <a:spcBef>
                 <a:spcPts val="1200"/>
               </a:spcBef>
@@ -9559,7 +9823,7 @@
               <a:buChar char="●"/>
             </a:pPr>
             <a:r>
-              <a:rPr b="1" lang="en">
+              <a:rPr lang="en" b="1">
                 <a:solidFill>
                   <a:srgbClr val="CFE2F3"/>
                 </a:solidFill>
@@ -9573,7 +9837,7 @@
             </a:endParaRPr>
           </a:p>
           <a:p>
-            <a:pPr indent="0" lvl="0" marL="0" rtl="0" algn="l">
+            <a:pPr marL="0" lvl="0" indent="0" algn="l" rtl="0">
               <a:spcBef>
                 <a:spcPts val="1200"/>
               </a:spcBef>
@@ -9589,7 +9853,7 @@
             <a:endParaRPr/>
           </a:p>
           <a:p>
-            <a:pPr indent="-342900" lvl="0" marL="457200" rtl="0" algn="l">
+            <a:pPr marL="457200" lvl="0" indent="-342900" algn="l" rtl="0">
               <a:spcBef>
                 <a:spcPts val="1200"/>
               </a:spcBef>
@@ -9603,7 +9867,7 @@
               <a:buChar char="●"/>
             </a:pPr>
             <a:r>
-              <a:rPr b="1" lang="en">
+              <a:rPr lang="en" b="1">
                 <a:solidFill>
                   <a:srgbClr val="CFE2F3"/>
                 </a:solidFill>
@@ -9617,7 +9881,7 @@
             </a:endParaRPr>
           </a:p>
           <a:p>
-            <a:pPr indent="0" lvl="0" marL="0" rtl="0" algn="l">
+            <a:pPr marL="0" lvl="0" indent="0" algn="l" rtl="0">
               <a:spcBef>
                 <a:spcPts val="1200"/>
               </a:spcBef>
@@ -9633,7 +9897,7 @@
             <a:endParaRPr/>
           </a:p>
           <a:p>
-            <a:pPr indent="457200" lvl="0" marL="0" rtl="0" algn="l">
+            <a:pPr marL="0" lvl="0" indent="457200" algn="l" rtl="0">
               <a:spcBef>
                 <a:spcPts val="1200"/>
               </a:spcBef>
@@ -9642,9 +9906,6 @@
               </a:spcAft>
               <a:buNone/>
             </a:pPr>
-            <a:r>
-              <a:t/>
-            </a:r>
             <a:endParaRPr/>
           </a:p>
         </p:txBody>
@@ -9686,11 +9947,11 @@
 </file>
 
 <file path=ppt/slides/slide16.xml><?xml version="1.0" encoding="utf-8"?>
-<p:sld xmlns:a="http://schemas.openxmlformats.org/drawingml/2006/main" xmlns:r="http://schemas.openxmlformats.org/officeDocument/2006/relationships" xmlns:mc="http://schemas.openxmlformats.org/markup-compatibility/2006" xmlns:mv="urn:schemas-microsoft-com:mac:vml" xmlns:p="http://schemas.openxmlformats.org/presentationml/2006/main" xmlns:c="http://schemas.openxmlformats.org/drawingml/2006/chart" xmlns:dgm="http://schemas.openxmlformats.org/drawingml/2006/diagram" xmlns:o="urn:schemas-microsoft-com:office:office" xmlns:v="urn:schemas-microsoft-com:vml" xmlns:pvml="urn:schemas-microsoft-com:office:powerpoint" xmlns:com="http://schemas.openxmlformats.org/drawingml/2006/compatibility" xmlns:p14="http://schemas.microsoft.com/office/powerpoint/2010/main" xmlns:p15="http://schemas.microsoft.com/office/powerpoint/2012/main" xmlns:ahyp="http://schemas.microsoft.com/office/drawing/2018/hyperlinkcolor">
+<p:sld xmlns:a="http://schemas.openxmlformats.org/drawingml/2006/main" xmlns:r="http://schemas.openxmlformats.org/officeDocument/2006/relationships" xmlns:p="http://schemas.openxmlformats.org/presentationml/2006/main">
   <p:cSld>
     <p:spTree>
       <p:nvGrpSpPr>
-        <p:cNvPr id="171" name="Shape 171"/>
+        <p:cNvPr id="1" name="Shape 171"/>
         <p:cNvGrpSpPr/>
         <p:nvPr/>
       </p:nvGrpSpPr>
@@ -9705,7 +9966,9 @@
       <p:sp>
         <p:nvSpPr>
           <p:cNvPr id="172" name="Google Shape;172;p28"/>
-          <p:cNvSpPr txBox="1"/>
+          <p:cNvSpPr txBox="1">
+            <a:spLocks noGrp="1"/>
+          </p:cNvSpPr>
           <p:nvPr>
             <p:ph type="title"/>
           </p:nvPr>
@@ -9720,12 +9983,12 @@
           </a:prstGeom>
         </p:spPr>
         <p:txBody>
-          <a:bodyPr anchorCtr="0" anchor="t" bIns="91425" lIns="91425" spcFirstLastPara="1" rIns="91425" wrap="square" tIns="91425">
+          <a:bodyPr spcFirstLastPara="1" wrap="square" lIns="91425" tIns="91425" rIns="91425" bIns="91425" anchor="t" anchorCtr="0">
             <a:normAutofit fontScale="90000"/>
           </a:bodyPr>
           <a:lstStyle/>
           <a:p>
-            <a:pPr indent="0" lvl="0" marL="0" rtl="0" algn="l">
+            <a:pPr marL="0" lvl="0" indent="0" algn="l" rtl="0">
               <a:spcBef>
                 <a:spcPts val="0"/>
               </a:spcBef>
@@ -9773,7 +10036,9 @@
       <p:sp>
         <p:nvSpPr>
           <p:cNvPr id="174" name="Google Shape;174;p28"/>
-          <p:cNvSpPr txBox="1"/>
+          <p:cNvSpPr txBox="1">
+            <a:spLocks noGrp="1"/>
+          </p:cNvSpPr>
           <p:nvPr>
             <p:ph type="title"/>
           </p:nvPr>
@@ -9788,12 +10053,12 @@
           </a:prstGeom>
         </p:spPr>
         <p:txBody>
-          <a:bodyPr anchorCtr="0" anchor="t" bIns="91425" lIns="91425" spcFirstLastPara="1" rIns="91425" wrap="square" tIns="91425">
+          <a:bodyPr spcFirstLastPara="1" wrap="square" lIns="91425" tIns="91425" rIns="91425" bIns="91425" anchor="t" anchorCtr="0">
             <a:normAutofit fontScale="90000"/>
           </a:bodyPr>
           <a:lstStyle/>
           <a:p>
-            <a:pPr indent="0" lvl="0" marL="0" rtl="0" algn="l">
+            <a:pPr marL="0" lvl="0" indent="0" algn="l" rtl="0">
               <a:spcBef>
                 <a:spcPts val="0"/>
               </a:spcBef>
@@ -9804,11 +10069,7 @@
             </a:pPr>
             <a:r>
               <a:rPr lang="en"/>
-              <a:t>Invoking</a:t>
-            </a:r>
-            <a:r>
-              <a:rPr lang="en"/>
-              <a:t> Function</a:t>
+              <a:t>Invoking Function</a:t>
             </a:r>
             <a:endParaRPr/>
           </a:p>
@@ -9845,7 +10106,9 @@
       <p:sp>
         <p:nvSpPr>
           <p:cNvPr id="176" name="Google Shape;176;p28"/>
-          <p:cNvSpPr txBox="1"/>
+          <p:cNvSpPr txBox="1">
+            <a:spLocks noGrp="1"/>
+          </p:cNvSpPr>
           <p:nvPr>
             <p:ph type="title"/>
           </p:nvPr>
@@ -9860,12 +10123,12 @@
           </a:prstGeom>
         </p:spPr>
         <p:txBody>
-          <a:bodyPr anchorCtr="0" anchor="t" bIns="91425" lIns="91425" spcFirstLastPara="1" rIns="91425" wrap="square" tIns="91425">
+          <a:bodyPr spcFirstLastPara="1" wrap="square" lIns="91425" tIns="91425" rIns="91425" bIns="91425" anchor="t" anchorCtr="0">
             <a:normAutofit fontScale="90000"/>
           </a:bodyPr>
           <a:lstStyle/>
           <a:p>
-            <a:pPr indent="0" lvl="0" marL="0" rtl="0" algn="l">
+            <a:pPr marL="0" lvl="0" indent="0" algn="l" rtl="0">
               <a:spcBef>
                 <a:spcPts val="0"/>
               </a:spcBef>
@@ -9876,11 +10139,7 @@
             </a:pPr>
             <a:r>
               <a:rPr lang="en"/>
-              <a:t>Returning</a:t>
-            </a:r>
-            <a:r>
-              <a:rPr lang="en"/>
-              <a:t> Function</a:t>
+              <a:t>Returning Function</a:t>
             </a:r>
             <a:endParaRPr/>
           </a:p>
@@ -9945,7 +10204,9 @@
       <p:sp>
         <p:nvSpPr>
           <p:cNvPr id="179" name="Google Shape;179;p28"/>
-          <p:cNvSpPr txBox="1"/>
+          <p:cNvSpPr txBox="1">
+            <a:spLocks noGrp="1"/>
+          </p:cNvSpPr>
           <p:nvPr>
             <p:ph type="title"/>
           </p:nvPr>
@@ -9960,12 +10221,12 @@
           </a:prstGeom>
         </p:spPr>
         <p:txBody>
-          <a:bodyPr anchorCtr="0" anchor="t" bIns="91425" lIns="91425" spcFirstLastPara="1" rIns="91425" wrap="square" tIns="91425">
+          <a:bodyPr spcFirstLastPara="1" wrap="square" lIns="91425" tIns="91425" rIns="91425" bIns="91425" anchor="t" anchorCtr="0">
             <a:normAutofit fontScale="90000"/>
           </a:bodyPr>
           <a:lstStyle/>
           <a:p>
-            <a:pPr indent="0" lvl="0" marL="0" rtl="0" algn="l">
+            <a:pPr marL="0" lvl="0" indent="0" algn="l" rtl="0">
               <a:spcBef>
                 <a:spcPts val="0"/>
               </a:spcBef>
@@ -9976,11 +10237,7 @@
             </a:pPr>
             <a:r>
               <a:rPr lang="en"/>
-              <a:t>Parameterized </a:t>
-            </a:r>
-            <a:r>
-              <a:rPr lang="en"/>
-              <a:t>Function</a:t>
+              <a:t>Parameterized Function</a:t>
             </a:r>
             <a:endParaRPr/>
           </a:p>
@@ -10023,11 +10280,11 @@
 </file>
 
 <file path=ppt/slides/slide17.xml><?xml version="1.0" encoding="utf-8"?>
-<p:sld xmlns:a="http://schemas.openxmlformats.org/drawingml/2006/main" xmlns:r="http://schemas.openxmlformats.org/officeDocument/2006/relationships" xmlns:mc="http://schemas.openxmlformats.org/markup-compatibility/2006" xmlns:mv="urn:schemas-microsoft-com:mac:vml" xmlns:p="http://schemas.openxmlformats.org/presentationml/2006/main" xmlns:c="http://schemas.openxmlformats.org/drawingml/2006/chart" xmlns:dgm="http://schemas.openxmlformats.org/drawingml/2006/diagram" xmlns:o="urn:schemas-microsoft-com:office:office" xmlns:v="urn:schemas-microsoft-com:vml" xmlns:pvml="urn:schemas-microsoft-com:office:powerpoint" xmlns:com="http://schemas.openxmlformats.org/drawingml/2006/compatibility" xmlns:p14="http://schemas.microsoft.com/office/powerpoint/2010/main" xmlns:p15="http://schemas.microsoft.com/office/powerpoint/2012/main" xmlns:ahyp="http://schemas.microsoft.com/office/drawing/2018/hyperlinkcolor">
+<p:sld xmlns:a="http://schemas.openxmlformats.org/drawingml/2006/main" xmlns:r="http://schemas.openxmlformats.org/officeDocument/2006/relationships" xmlns:p="http://schemas.openxmlformats.org/presentationml/2006/main">
   <p:cSld>
     <p:spTree>
       <p:nvGrpSpPr>
-        <p:cNvPr id="184" name="Shape 184"/>
+        <p:cNvPr id="1" name="Shape 184"/>
         <p:cNvGrpSpPr/>
         <p:nvPr/>
       </p:nvGrpSpPr>
@@ -10042,7 +10299,9 @@
       <p:sp>
         <p:nvSpPr>
           <p:cNvPr id="185" name="Google Shape;185;p29"/>
-          <p:cNvSpPr txBox="1"/>
+          <p:cNvSpPr txBox="1">
+            <a:spLocks noGrp="1"/>
+          </p:cNvSpPr>
           <p:nvPr>
             <p:ph type="title"/>
           </p:nvPr>
@@ -10057,12 +10316,12 @@
           </a:prstGeom>
         </p:spPr>
         <p:txBody>
-          <a:bodyPr anchorCtr="0" anchor="t" bIns="91425" lIns="91425" spcFirstLastPara="1" rIns="91425" wrap="square" tIns="91425">
+          <a:bodyPr spcFirstLastPara="1" wrap="square" lIns="91425" tIns="91425" rIns="91425" bIns="91425" anchor="t" anchorCtr="0">
             <a:normAutofit fontScale="90000"/>
           </a:bodyPr>
           <a:lstStyle/>
           <a:p>
-            <a:pPr indent="0" lvl="0" marL="0" rtl="0" algn="l">
+            <a:pPr marL="0" lvl="0" indent="0" algn="l" rtl="0">
               <a:spcBef>
                 <a:spcPts val="0"/>
               </a:spcBef>
@@ -10082,9 +10341,11 @@
       <p:sp>
         <p:nvSpPr>
           <p:cNvPr id="186" name="Google Shape;186;p29"/>
-          <p:cNvSpPr txBox="1"/>
-          <p:nvPr>
-            <p:ph idx="1" type="body"/>
+          <p:cNvSpPr txBox="1">
+            <a:spLocks noGrp="1"/>
+          </p:cNvSpPr>
+          <p:nvPr>
+            <p:ph type="body" idx="1"/>
           </p:nvPr>
         </p:nvSpPr>
         <p:spPr>
@@ -10097,12 +10358,12 @@
           </a:prstGeom>
         </p:spPr>
         <p:txBody>
-          <a:bodyPr anchorCtr="0" anchor="t" bIns="91425" lIns="91425" spcFirstLastPara="1" rIns="91425" wrap="square" tIns="91425">
+          <a:bodyPr spcFirstLastPara="1" wrap="square" lIns="91425" tIns="91425" rIns="91425" bIns="91425" anchor="t" anchorCtr="0">
             <a:normAutofit/>
           </a:bodyPr>
           <a:lstStyle/>
           <a:p>
-            <a:pPr indent="0" lvl="0" marL="0" rtl="0" algn="l">
+            <a:pPr marL="0" lvl="0" indent="0" algn="l" rtl="0">
               <a:spcBef>
                 <a:spcPts val="0"/>
               </a:spcBef>
@@ -10118,7 +10379,7 @@
             <a:endParaRPr/>
           </a:p>
           <a:p>
-            <a:pPr indent="0" lvl="0" marL="0" rtl="0" algn="l">
+            <a:pPr marL="0" lvl="0" indent="0" algn="l" rtl="0">
               <a:spcBef>
                 <a:spcPts val="1200"/>
               </a:spcBef>
@@ -10132,7 +10393,7 @@
               <a:t>In Rust, it provides </a:t>
             </a:r>
             <a:r>
-              <a:rPr b="1" i="1" lang="en">
+              <a:rPr lang="en" b="1" i="1">
                 <a:solidFill>
                   <a:srgbClr val="F1C232"/>
                 </a:solidFill>
@@ -10146,7 +10407,7 @@
             <a:endParaRPr/>
           </a:p>
           <a:p>
-            <a:pPr indent="-342900" lvl="0" marL="457200" rtl="0" algn="l">
+            <a:pPr marL="457200" lvl="0" indent="-342900" algn="l" rtl="0">
               <a:spcBef>
                 <a:spcPts val="1200"/>
               </a:spcBef>
@@ -10163,7 +10424,7 @@
             <a:endParaRPr/>
           </a:p>
           <a:p>
-            <a:pPr indent="-342900" lvl="0" marL="457200" rtl="0" algn="l">
+            <a:pPr marL="457200" lvl="0" indent="-342900" algn="l" rtl="0">
               <a:spcBef>
                 <a:spcPts val="0"/>
               </a:spcBef>
@@ -10246,11 +10507,11 @@
 </file>
 
 <file path=ppt/slides/slide18.xml><?xml version="1.0" encoding="utf-8"?>
-<p:sld xmlns:a="http://schemas.openxmlformats.org/drawingml/2006/main" xmlns:r="http://schemas.openxmlformats.org/officeDocument/2006/relationships" xmlns:mc="http://schemas.openxmlformats.org/markup-compatibility/2006" xmlns:mv="urn:schemas-microsoft-com:mac:vml" xmlns:p="http://schemas.openxmlformats.org/presentationml/2006/main" xmlns:c="http://schemas.openxmlformats.org/drawingml/2006/chart" xmlns:dgm="http://schemas.openxmlformats.org/drawingml/2006/diagram" xmlns:o="urn:schemas-microsoft-com:office:office" xmlns:v="urn:schemas-microsoft-com:vml" xmlns:pvml="urn:schemas-microsoft-com:office:powerpoint" xmlns:com="http://schemas.openxmlformats.org/drawingml/2006/compatibility" xmlns:p14="http://schemas.microsoft.com/office/powerpoint/2010/main" xmlns:p15="http://schemas.microsoft.com/office/powerpoint/2012/main" xmlns:ahyp="http://schemas.microsoft.com/office/drawing/2018/hyperlinkcolor">
+<p:sld xmlns:a="http://schemas.openxmlformats.org/drawingml/2006/main" xmlns:r="http://schemas.openxmlformats.org/officeDocument/2006/relationships" xmlns:p="http://schemas.openxmlformats.org/presentationml/2006/main">
   <p:cSld>
     <p:spTree>
       <p:nvGrpSpPr>
-        <p:cNvPr id="192" name="Shape 192"/>
+        <p:cNvPr id="1" name="Shape 192"/>
         <p:cNvGrpSpPr/>
         <p:nvPr/>
       </p:nvGrpSpPr>
@@ -10265,7 +10526,9 @@
       <p:sp>
         <p:nvSpPr>
           <p:cNvPr id="193" name="Google Shape;193;p30"/>
-          <p:cNvSpPr txBox="1"/>
+          <p:cNvSpPr txBox="1">
+            <a:spLocks noGrp="1"/>
+          </p:cNvSpPr>
           <p:nvPr>
             <p:ph type="title"/>
           </p:nvPr>
@@ -10280,12 +10543,12 @@
           </a:prstGeom>
         </p:spPr>
         <p:txBody>
-          <a:bodyPr anchorCtr="0" anchor="t" bIns="91425" lIns="91425" spcFirstLastPara="1" rIns="91425" wrap="square" tIns="91425">
+          <a:bodyPr spcFirstLastPara="1" wrap="square" lIns="91425" tIns="91425" rIns="91425" bIns="91425" anchor="t" anchorCtr="0">
             <a:normAutofit fontScale="90000"/>
           </a:bodyPr>
           <a:lstStyle/>
           <a:p>
-            <a:pPr indent="0" lvl="0" marL="0" rtl="0" algn="l">
+            <a:pPr marL="0" lvl="0" indent="0" algn="l" rtl="0">
               <a:spcBef>
                 <a:spcPts val="0"/>
               </a:spcBef>
@@ -10295,7 +10558,7 @@
               <a:buNone/>
             </a:pPr>
             <a:r>
-              <a:rPr b="1" lang="en">
+              <a:rPr lang="en" b="1">
                 <a:highlight>
                   <a:srgbClr val="073763"/>
                 </a:highlight>
@@ -10313,9 +10576,11 @@
       <p:sp>
         <p:nvSpPr>
           <p:cNvPr id="194" name="Google Shape;194;p30"/>
-          <p:cNvSpPr txBox="1"/>
-          <p:nvPr>
-            <p:ph idx="1" type="body"/>
+          <p:cNvSpPr txBox="1">
+            <a:spLocks noGrp="1"/>
+          </p:cNvSpPr>
+          <p:nvPr>
+            <p:ph type="body" idx="1"/>
           </p:nvPr>
         </p:nvSpPr>
         <p:spPr>
@@ -10328,12 +10593,12 @@
           </a:prstGeom>
         </p:spPr>
         <p:txBody>
-          <a:bodyPr anchorCtr="0" anchor="t" bIns="91425" lIns="91425" spcFirstLastPara="1" rIns="91425" wrap="square" tIns="91425">
+          <a:bodyPr spcFirstLastPara="1" wrap="square" lIns="91425" tIns="91425" rIns="91425" bIns="91425" anchor="t" anchorCtr="0">
             <a:normAutofit/>
           </a:bodyPr>
           <a:lstStyle/>
           <a:p>
-            <a:pPr indent="0" lvl="0" marL="0" rtl="0" algn="l">
+            <a:pPr marL="0" lvl="0" indent="0" algn="l" rtl="0">
               <a:spcBef>
                 <a:spcPts val="0"/>
               </a:spcBef>
@@ -10349,7 +10614,7 @@
             <a:endParaRPr/>
           </a:p>
           <a:p>
-            <a:pPr indent="0" lvl="0" marL="0" rtl="0" algn="l">
+            <a:pPr marL="0" lvl="0" indent="0" algn="l" rtl="0">
               <a:spcBef>
                 <a:spcPts val="1200"/>
               </a:spcBef>
@@ -10431,11 +10696,11 @@
 </file>
 
 <file path=ppt/slides/slide19.xml><?xml version="1.0" encoding="utf-8"?>
-<p:sld xmlns:a="http://schemas.openxmlformats.org/drawingml/2006/main" xmlns:r="http://schemas.openxmlformats.org/officeDocument/2006/relationships" xmlns:mc="http://schemas.openxmlformats.org/markup-compatibility/2006" xmlns:mv="urn:schemas-microsoft-com:mac:vml" xmlns:p="http://schemas.openxmlformats.org/presentationml/2006/main" xmlns:c="http://schemas.openxmlformats.org/drawingml/2006/chart" xmlns:dgm="http://schemas.openxmlformats.org/drawingml/2006/diagram" xmlns:o="urn:schemas-microsoft-com:office:office" xmlns:v="urn:schemas-microsoft-com:vml" xmlns:pvml="urn:schemas-microsoft-com:office:powerpoint" xmlns:com="http://schemas.openxmlformats.org/drawingml/2006/compatibility" xmlns:p14="http://schemas.microsoft.com/office/powerpoint/2010/main" xmlns:p15="http://schemas.microsoft.com/office/powerpoint/2012/main" xmlns:ahyp="http://schemas.microsoft.com/office/drawing/2018/hyperlinkcolor">
+<p:sld xmlns:a="http://schemas.openxmlformats.org/drawingml/2006/main" xmlns:r="http://schemas.openxmlformats.org/officeDocument/2006/relationships" xmlns:p="http://schemas.openxmlformats.org/presentationml/2006/main">
   <p:cSld>
     <p:spTree>
       <p:nvGrpSpPr>
-        <p:cNvPr id="200" name="Shape 200"/>
+        <p:cNvPr id="1" name="Shape 200"/>
         <p:cNvGrpSpPr/>
         <p:nvPr/>
       </p:nvGrpSpPr>
@@ -10450,7 +10715,9 @@
       <p:sp>
         <p:nvSpPr>
           <p:cNvPr id="201" name="Google Shape;201;p31"/>
-          <p:cNvSpPr txBox="1"/>
+          <p:cNvSpPr txBox="1">
+            <a:spLocks noGrp="1"/>
+          </p:cNvSpPr>
           <p:nvPr>
             <p:ph type="title"/>
           </p:nvPr>
@@ -10465,12 +10732,12 @@
           </a:prstGeom>
         </p:spPr>
         <p:txBody>
-          <a:bodyPr anchorCtr="0" anchor="t" bIns="91425" lIns="91425" spcFirstLastPara="1" rIns="91425" wrap="square" tIns="91425">
+          <a:bodyPr spcFirstLastPara="1" wrap="square" lIns="91425" tIns="91425" rIns="91425" bIns="91425" anchor="t" anchorCtr="0">
             <a:normAutofit fontScale="90000"/>
           </a:bodyPr>
           <a:lstStyle/>
           <a:p>
-            <a:pPr indent="0" lvl="0" marL="0" rtl="0" algn="l">
+            <a:pPr marL="0" lvl="0" indent="0" algn="l" rtl="0">
               <a:spcBef>
                 <a:spcPts val="0"/>
               </a:spcBef>
@@ -10498,9 +10765,11 @@
       <p:sp>
         <p:nvSpPr>
           <p:cNvPr id="202" name="Google Shape;202;p31"/>
-          <p:cNvSpPr txBox="1"/>
-          <p:nvPr>
-            <p:ph idx="1" type="body"/>
+          <p:cNvSpPr txBox="1">
+            <a:spLocks noGrp="1"/>
+          </p:cNvSpPr>
+          <p:nvPr>
+            <p:ph type="body" idx="1"/>
           </p:nvPr>
         </p:nvSpPr>
         <p:spPr>
@@ -10513,12 +10782,12 @@
           </a:prstGeom>
         </p:spPr>
         <p:txBody>
-          <a:bodyPr anchorCtr="0" anchor="t" bIns="91425" lIns="91425" spcFirstLastPara="1" rIns="91425" wrap="square" tIns="91425">
+          <a:bodyPr spcFirstLastPara="1" wrap="square" lIns="91425" tIns="91425" rIns="91425" bIns="91425" anchor="t" anchorCtr="0">
             <a:normAutofit/>
           </a:bodyPr>
           <a:lstStyle/>
           <a:p>
-            <a:pPr indent="0" lvl="0" marL="0" rtl="0" algn="l">
+            <a:pPr marL="0" lvl="0" indent="0" algn="l" rtl="0">
               <a:spcBef>
                 <a:spcPts val="0"/>
               </a:spcBef>
@@ -10600,18 +10869,19 @@
 </file>
 
 <file path=ppt/slides/slide2.xml><?xml version="1.0" encoding="utf-8"?>
-<p:sld xmlns:a="http://schemas.openxmlformats.org/drawingml/2006/main" xmlns:r="http://schemas.openxmlformats.org/officeDocument/2006/relationships" xmlns:mc="http://schemas.openxmlformats.org/markup-compatibility/2006" xmlns:mv="urn:schemas-microsoft-com:mac:vml" xmlns:p="http://schemas.openxmlformats.org/presentationml/2006/main" xmlns:c="http://schemas.openxmlformats.org/drawingml/2006/chart" xmlns:dgm="http://schemas.openxmlformats.org/drawingml/2006/diagram" xmlns:o="urn:schemas-microsoft-com:office:office" xmlns:v="urn:schemas-microsoft-com:vml" xmlns:pvml="urn:schemas-microsoft-com:office:powerpoint" xmlns:com="http://schemas.openxmlformats.org/drawingml/2006/compatibility" xmlns:p14="http://schemas.microsoft.com/office/powerpoint/2010/main" xmlns:p15="http://schemas.microsoft.com/office/powerpoint/2012/main" xmlns:ahyp="http://schemas.microsoft.com/office/drawing/2018/hyperlinkcolor">
+<p:sld xmlns:a="http://schemas.openxmlformats.org/drawingml/2006/main" xmlns:r="http://schemas.openxmlformats.org/officeDocument/2006/relationships" xmlns:p="http://schemas.openxmlformats.org/presentationml/2006/main">
   <p:cSld>
     <p:bg>
       <p:bgPr>
         <a:solidFill>
           <a:srgbClr val="FFF2CC"/>
         </a:solidFill>
+        <a:effectLst/>
       </p:bgPr>
     </p:bg>
     <p:spTree>
       <p:nvGrpSpPr>
-        <p:cNvPr id="60" name="Shape 60"/>
+        <p:cNvPr id="1" name="Shape 60"/>
         <p:cNvGrpSpPr/>
         <p:nvPr/>
       </p:nvGrpSpPr>
@@ -10626,7 +10896,9 @@
       <p:sp>
         <p:nvSpPr>
           <p:cNvPr id="61" name="Google Shape;61;p14"/>
-          <p:cNvSpPr txBox="1"/>
+          <p:cNvSpPr txBox="1">
+            <a:spLocks noGrp="1"/>
+          </p:cNvSpPr>
           <p:nvPr>
             <p:ph type="title"/>
           </p:nvPr>
@@ -10641,12 +10913,12 @@
           </a:prstGeom>
         </p:spPr>
         <p:txBody>
-          <a:bodyPr anchorCtr="0" anchor="t" bIns="91425" lIns="91425" spcFirstLastPara="1" rIns="91425" wrap="square" tIns="91425">
+          <a:bodyPr spcFirstLastPara="1" wrap="square" lIns="91425" tIns="91425" rIns="91425" bIns="91425" anchor="t" anchorCtr="0">
             <a:normAutofit fontScale="90000"/>
           </a:bodyPr>
           <a:lstStyle/>
           <a:p>
-            <a:pPr indent="0" lvl="0" marL="0" rtl="0" algn="l">
+            <a:pPr marL="0" lvl="0" indent="0" algn="l" rtl="0">
               <a:spcBef>
                 <a:spcPts val="0"/>
               </a:spcBef>
@@ -10674,9 +10946,11 @@
       <p:sp>
         <p:nvSpPr>
           <p:cNvPr id="62" name="Google Shape;62;p14"/>
-          <p:cNvSpPr txBox="1"/>
-          <p:nvPr>
-            <p:ph idx="1" type="body"/>
+          <p:cNvSpPr txBox="1">
+            <a:spLocks noGrp="1"/>
+          </p:cNvSpPr>
+          <p:nvPr>
+            <p:ph type="body" idx="1"/>
           </p:nvPr>
         </p:nvSpPr>
         <p:spPr>
@@ -10689,12 +10963,12 @@
           </a:prstGeom>
         </p:spPr>
         <p:txBody>
-          <a:bodyPr anchorCtr="0" anchor="t" bIns="91425" lIns="91425" spcFirstLastPara="1" rIns="91425" wrap="square" tIns="91425">
+          <a:bodyPr spcFirstLastPara="1" wrap="square" lIns="91425" tIns="91425" rIns="91425" bIns="91425" anchor="t" anchorCtr="0">
             <a:normAutofit lnSpcReduction="20000"/>
           </a:bodyPr>
           <a:lstStyle/>
           <a:p>
-            <a:pPr indent="0" lvl="0" marL="0" rtl="0" algn="l">
+            <a:pPr marL="0" lvl="0" indent="0" algn="l" rtl="0">
               <a:spcBef>
                 <a:spcPts val="0"/>
               </a:spcBef>
@@ -10709,15 +10983,7 @@
                   <a:srgbClr val="0000FF"/>
                 </a:solidFill>
               </a:rPr>
-              <a:t>Rust is a modern systems programming language developed by the Mozilla Corporation. It is intended to be a language for highly concurrent and highly secure systems. It compiles to native code; hence, it is blazingly fast like C and C++. It also is a multi-paradigm with being designed general-purpose programming language for </a:t>
-            </a:r>
-            <a:r>
-              <a:rPr lang="en">
-                <a:solidFill>
-                  <a:srgbClr val="0000FF"/>
-                </a:solidFill>
-              </a:rPr>
-              <a:t>without performance penalties, and concurrency safety.</a:t>
+              <a:t>Rust is a modern systems programming language developed by the Mozilla Corporation. It is intended to be a language for highly concurrent and highly secure systems. It compiles to native code; hence, it is blazingly fast like C and C++. It also is a multi-paradigm with being designed general-purpose programming language for without performance penalties, and concurrency safety.</a:t>
             </a:r>
             <a:endParaRPr>
               <a:solidFill>
@@ -10726,7 +10992,7 @@
             </a:endParaRPr>
           </a:p>
           <a:p>
-            <a:pPr indent="-342900" lvl="0" marL="457200" rtl="0" algn="l">
+            <a:pPr marL="457200" lvl="0" indent="-342900" algn="l" rtl="0">
               <a:spcBef>
                 <a:spcPts val="1200"/>
               </a:spcBef>
@@ -10754,7 +11020,7 @@
             </a:endParaRPr>
           </a:p>
           <a:p>
-            <a:pPr indent="-342900" lvl="0" marL="457200" rtl="0" algn="l">
+            <a:pPr marL="457200" lvl="0" indent="-342900" algn="l" rtl="0">
               <a:spcBef>
                 <a:spcPts val="0"/>
               </a:spcBef>
@@ -10782,7 +11048,7 @@
             </a:endParaRPr>
           </a:p>
           <a:p>
-            <a:pPr indent="-342900" lvl="0" marL="457200" rtl="0" algn="l">
+            <a:pPr marL="457200" lvl="0" indent="-342900" algn="l" rtl="0">
               <a:spcBef>
                 <a:spcPts val="0"/>
               </a:spcBef>
@@ -10810,7 +11076,7 @@
             </a:endParaRPr>
           </a:p>
           <a:p>
-            <a:pPr indent="-342900" lvl="0" marL="457200" rtl="0" algn="l">
+            <a:pPr marL="457200" lvl="0" indent="-342900" algn="l" rtl="0">
               <a:spcBef>
                 <a:spcPts val="0"/>
               </a:spcBef>
@@ -10848,11 +11114,11 @@
 </file>
 
 <file path=ppt/slides/slide20.xml><?xml version="1.0" encoding="utf-8"?>
-<p:sld xmlns:a="http://schemas.openxmlformats.org/drawingml/2006/main" xmlns:r="http://schemas.openxmlformats.org/officeDocument/2006/relationships" xmlns:mc="http://schemas.openxmlformats.org/markup-compatibility/2006" xmlns:mv="urn:schemas-microsoft-com:mac:vml" xmlns:p="http://schemas.openxmlformats.org/presentationml/2006/main" xmlns:c="http://schemas.openxmlformats.org/drawingml/2006/chart" xmlns:dgm="http://schemas.openxmlformats.org/drawingml/2006/diagram" xmlns:o="urn:schemas-microsoft-com:office:office" xmlns:v="urn:schemas-microsoft-com:vml" xmlns:pvml="urn:schemas-microsoft-com:office:powerpoint" xmlns:com="http://schemas.openxmlformats.org/drawingml/2006/compatibility" xmlns:p14="http://schemas.microsoft.com/office/powerpoint/2010/main" xmlns:p15="http://schemas.microsoft.com/office/powerpoint/2012/main" xmlns:ahyp="http://schemas.microsoft.com/office/drawing/2018/hyperlinkcolor">
+<p:sld xmlns:a="http://schemas.openxmlformats.org/drawingml/2006/main" xmlns:r="http://schemas.openxmlformats.org/officeDocument/2006/relationships" xmlns:p="http://schemas.openxmlformats.org/presentationml/2006/main">
   <p:cSld>
     <p:spTree>
       <p:nvGrpSpPr>
-        <p:cNvPr id="208" name="Shape 208"/>
+        <p:cNvPr id="1" name="Shape 208"/>
         <p:cNvGrpSpPr/>
         <p:nvPr/>
       </p:nvGrpSpPr>
@@ -10867,7 +11133,9 @@
       <p:sp>
         <p:nvSpPr>
           <p:cNvPr id="209" name="Google Shape;209;p32"/>
-          <p:cNvSpPr txBox="1"/>
+          <p:cNvSpPr txBox="1">
+            <a:spLocks noGrp="1"/>
+          </p:cNvSpPr>
           <p:nvPr>
             <p:ph type="title"/>
           </p:nvPr>
@@ -10882,12 +11150,12 @@
           </a:prstGeom>
         </p:spPr>
         <p:txBody>
-          <a:bodyPr anchorCtr="0" anchor="t" bIns="91425" lIns="91425" spcFirstLastPara="1" rIns="91425" wrap="square" tIns="91425">
+          <a:bodyPr spcFirstLastPara="1" wrap="square" lIns="91425" tIns="91425" rIns="91425" bIns="91425" anchor="t" anchorCtr="0">
             <a:normAutofit fontScale="90000"/>
           </a:bodyPr>
           <a:lstStyle/>
           <a:p>
-            <a:pPr indent="0" lvl="0" marL="0" rtl="0" algn="l">
+            <a:pPr marL="0" lvl="0" indent="0" algn="l" rtl="0">
               <a:spcBef>
                 <a:spcPts val="0"/>
               </a:spcBef>
@@ -10897,7 +11165,7 @@
               <a:buNone/>
             </a:pPr>
             <a:r>
-              <a:rPr b="1" lang="en">
+              <a:rPr lang="en" b="1">
                 <a:highlight>
                   <a:srgbClr val="073763"/>
                 </a:highlight>
@@ -10915,9 +11183,11 @@
       <p:sp>
         <p:nvSpPr>
           <p:cNvPr id="210" name="Google Shape;210;p32"/>
-          <p:cNvSpPr txBox="1"/>
-          <p:nvPr>
-            <p:ph idx="1" type="body"/>
+          <p:cNvSpPr txBox="1">
+            <a:spLocks noGrp="1"/>
+          </p:cNvSpPr>
+          <p:nvPr>
+            <p:ph type="body" idx="1"/>
           </p:nvPr>
         </p:nvSpPr>
         <p:spPr>
@@ -10930,12 +11200,12 @@
           </a:prstGeom>
         </p:spPr>
         <p:txBody>
-          <a:bodyPr anchorCtr="0" anchor="t" bIns="91425" lIns="91425" spcFirstLastPara="1" rIns="91425" wrap="square" tIns="91425">
+          <a:bodyPr spcFirstLastPara="1" wrap="square" lIns="91425" tIns="91425" rIns="91425" bIns="91425" anchor="t" anchorCtr="0">
             <a:normAutofit/>
           </a:bodyPr>
           <a:lstStyle/>
           <a:p>
-            <a:pPr indent="0" lvl="0" marL="0" rtl="0" algn="l">
+            <a:pPr marL="0" lvl="0" indent="0" algn="l" rtl="0">
               <a:spcBef>
                 <a:spcPts val="0"/>
               </a:spcBef>
@@ -11017,11 +11287,11 @@
 </file>
 
 <file path=ppt/slides/slide21.xml><?xml version="1.0" encoding="utf-8"?>
-<p:sld xmlns:a="http://schemas.openxmlformats.org/drawingml/2006/main" xmlns:r="http://schemas.openxmlformats.org/officeDocument/2006/relationships" xmlns:mc="http://schemas.openxmlformats.org/markup-compatibility/2006" xmlns:mv="urn:schemas-microsoft-com:mac:vml" xmlns:p="http://schemas.openxmlformats.org/presentationml/2006/main" xmlns:c="http://schemas.openxmlformats.org/drawingml/2006/chart" xmlns:dgm="http://schemas.openxmlformats.org/drawingml/2006/diagram" xmlns:o="urn:schemas-microsoft-com:office:office" xmlns:v="urn:schemas-microsoft-com:vml" xmlns:pvml="urn:schemas-microsoft-com:office:powerpoint" xmlns:com="http://schemas.openxmlformats.org/drawingml/2006/compatibility" xmlns:p14="http://schemas.microsoft.com/office/powerpoint/2010/main" xmlns:p15="http://schemas.microsoft.com/office/powerpoint/2012/main" xmlns:ahyp="http://schemas.microsoft.com/office/drawing/2018/hyperlinkcolor">
+<p:sld xmlns:a="http://schemas.openxmlformats.org/drawingml/2006/main" xmlns:r="http://schemas.openxmlformats.org/officeDocument/2006/relationships" xmlns:p="http://schemas.openxmlformats.org/presentationml/2006/main">
   <p:cSld>
     <p:spTree>
       <p:nvGrpSpPr>
-        <p:cNvPr id="216" name="Shape 216"/>
+        <p:cNvPr id="1" name="Shape 216"/>
         <p:cNvGrpSpPr/>
         <p:nvPr/>
       </p:nvGrpSpPr>
@@ -11036,7 +11306,9 @@
       <p:sp>
         <p:nvSpPr>
           <p:cNvPr id="217" name="Google Shape;217;p33"/>
-          <p:cNvSpPr txBox="1"/>
+          <p:cNvSpPr txBox="1">
+            <a:spLocks noGrp="1"/>
+          </p:cNvSpPr>
           <p:nvPr>
             <p:ph type="title"/>
           </p:nvPr>
@@ -11051,12 +11323,12 @@
           </a:prstGeom>
         </p:spPr>
         <p:txBody>
-          <a:bodyPr anchorCtr="0" anchor="t" bIns="91425" lIns="91425" spcFirstLastPara="1" rIns="91425" wrap="square" tIns="91425">
+          <a:bodyPr spcFirstLastPara="1" wrap="square" lIns="91425" tIns="91425" rIns="91425" bIns="91425" anchor="t" anchorCtr="0">
             <a:normAutofit fontScale="90000"/>
           </a:bodyPr>
           <a:lstStyle/>
           <a:p>
-            <a:pPr indent="0" lvl="0" marL="0" rtl="0" algn="l">
+            <a:pPr marL="0" lvl="0" indent="0" algn="l" rtl="0">
               <a:spcBef>
                 <a:spcPts val="0"/>
               </a:spcBef>
@@ -11138,11 +11410,11 @@
 </file>
 
 <file path=ppt/slides/slide22.xml><?xml version="1.0" encoding="utf-8"?>
-<p:sld xmlns:a="http://schemas.openxmlformats.org/drawingml/2006/main" xmlns:r="http://schemas.openxmlformats.org/officeDocument/2006/relationships" xmlns:mc="http://schemas.openxmlformats.org/markup-compatibility/2006" xmlns:mv="urn:schemas-microsoft-com:mac:vml" xmlns:p="http://schemas.openxmlformats.org/presentationml/2006/main" xmlns:c="http://schemas.openxmlformats.org/drawingml/2006/chart" xmlns:dgm="http://schemas.openxmlformats.org/drawingml/2006/diagram" xmlns:o="urn:schemas-microsoft-com:office:office" xmlns:v="urn:schemas-microsoft-com:vml" xmlns:pvml="urn:schemas-microsoft-com:office:powerpoint" xmlns:com="http://schemas.openxmlformats.org/drawingml/2006/compatibility" xmlns:p14="http://schemas.microsoft.com/office/powerpoint/2010/main" xmlns:p15="http://schemas.microsoft.com/office/powerpoint/2012/main" xmlns:ahyp="http://schemas.microsoft.com/office/drawing/2018/hyperlinkcolor">
+<p:sld xmlns:a="http://schemas.openxmlformats.org/drawingml/2006/main" xmlns:r="http://schemas.openxmlformats.org/officeDocument/2006/relationships" xmlns:p="http://schemas.openxmlformats.org/presentationml/2006/main">
   <p:cSld>
     <p:spTree>
       <p:nvGrpSpPr>
-        <p:cNvPr id="223" name="Shape 223"/>
+        <p:cNvPr id="1" name="Shape 223"/>
         <p:cNvGrpSpPr/>
         <p:nvPr/>
       </p:nvGrpSpPr>
@@ -11157,7 +11429,9 @@
       <p:sp>
         <p:nvSpPr>
           <p:cNvPr id="224" name="Google Shape;224;p34"/>
-          <p:cNvSpPr txBox="1"/>
+          <p:cNvSpPr txBox="1">
+            <a:spLocks noGrp="1"/>
+          </p:cNvSpPr>
           <p:nvPr>
             <p:ph type="title"/>
           </p:nvPr>
@@ -11172,12 +11446,12 @@
           </a:prstGeom>
         </p:spPr>
         <p:txBody>
-          <a:bodyPr anchorCtr="0" anchor="t" bIns="91425" lIns="91425" spcFirstLastPara="1" rIns="91425" wrap="square" tIns="91425">
+          <a:bodyPr spcFirstLastPara="1" wrap="square" lIns="91425" tIns="91425" rIns="91425" bIns="91425" anchor="t" anchorCtr="0">
             <a:normAutofit fontScale="90000"/>
           </a:bodyPr>
           <a:lstStyle/>
           <a:p>
-            <a:pPr indent="0" lvl="0" marL="0" rtl="0" algn="l">
+            <a:pPr marL="0" lvl="0" indent="0" algn="l" rtl="0">
               <a:spcBef>
                 <a:spcPts val="0"/>
               </a:spcBef>
@@ -11253,7 +11527,9 @@
       <p:sp>
         <p:nvSpPr>
           <p:cNvPr id="227" name="Google Shape;227;p34"/>
-          <p:cNvSpPr txBox="1"/>
+          <p:cNvSpPr txBox="1">
+            <a:spLocks noGrp="1"/>
+          </p:cNvSpPr>
           <p:nvPr>
             <p:ph type="title"/>
           </p:nvPr>
@@ -11268,12 +11544,12 @@
           </a:prstGeom>
         </p:spPr>
         <p:txBody>
-          <a:bodyPr anchorCtr="0" anchor="t" bIns="91425" lIns="91425" spcFirstLastPara="1" rIns="91425" wrap="square" tIns="91425">
+          <a:bodyPr spcFirstLastPara="1" wrap="square" lIns="91425" tIns="91425" rIns="91425" bIns="91425" anchor="t" anchorCtr="0">
             <a:normAutofit fontScale="90000"/>
           </a:bodyPr>
           <a:lstStyle/>
           <a:p>
-            <a:pPr indent="0" lvl="0" marL="0" rtl="0" algn="l">
+            <a:pPr marL="0" lvl="0" indent="0" algn="l" rtl="0">
               <a:spcBef>
                 <a:spcPts val="0"/>
               </a:spcBef>
@@ -11299,11 +11575,11 @@
 </file>
 
 <file path=ppt/slides/slide23.xml><?xml version="1.0" encoding="utf-8"?>
-<p:sld xmlns:a="http://schemas.openxmlformats.org/drawingml/2006/main" xmlns:r="http://schemas.openxmlformats.org/officeDocument/2006/relationships" xmlns:mc="http://schemas.openxmlformats.org/markup-compatibility/2006" xmlns:mv="urn:schemas-microsoft-com:mac:vml" xmlns:p="http://schemas.openxmlformats.org/presentationml/2006/main" xmlns:c="http://schemas.openxmlformats.org/drawingml/2006/chart" xmlns:dgm="http://schemas.openxmlformats.org/drawingml/2006/diagram" xmlns:o="urn:schemas-microsoft-com:office:office" xmlns:v="urn:schemas-microsoft-com:vml" xmlns:pvml="urn:schemas-microsoft-com:office:powerpoint" xmlns:com="http://schemas.openxmlformats.org/drawingml/2006/compatibility" xmlns:p14="http://schemas.microsoft.com/office/powerpoint/2010/main" xmlns:p15="http://schemas.microsoft.com/office/powerpoint/2012/main" xmlns:ahyp="http://schemas.microsoft.com/office/drawing/2018/hyperlinkcolor">
+<p:sld xmlns:a="http://schemas.openxmlformats.org/drawingml/2006/main" xmlns:r="http://schemas.openxmlformats.org/officeDocument/2006/relationships" xmlns:p="http://schemas.openxmlformats.org/presentationml/2006/main">
   <p:cSld>
     <p:spTree>
       <p:nvGrpSpPr>
-        <p:cNvPr id="231" name="Shape 231"/>
+        <p:cNvPr id="1" name="Shape 231"/>
         <p:cNvGrpSpPr/>
         <p:nvPr/>
       </p:nvGrpSpPr>
@@ -11318,7 +11594,9 @@
       <p:sp>
         <p:nvSpPr>
           <p:cNvPr id="232" name="Google Shape;232;p35"/>
-          <p:cNvSpPr txBox="1"/>
+          <p:cNvSpPr txBox="1">
+            <a:spLocks noGrp="1"/>
+          </p:cNvSpPr>
           <p:nvPr>
             <p:ph type="title"/>
           </p:nvPr>
@@ -11333,12 +11611,12 @@
           </a:prstGeom>
         </p:spPr>
         <p:txBody>
-          <a:bodyPr anchorCtr="0" anchor="t" bIns="91425" lIns="91425" spcFirstLastPara="1" rIns="91425" wrap="square" tIns="91425">
+          <a:bodyPr spcFirstLastPara="1" wrap="square" lIns="91425" tIns="91425" rIns="91425" bIns="91425" anchor="t" anchorCtr="0">
             <a:normAutofit fontScale="90000"/>
           </a:bodyPr>
           <a:lstStyle/>
           <a:p>
-            <a:pPr indent="0" lvl="0" marL="0" rtl="0" algn="l">
+            <a:pPr marL="0" lvl="0" indent="0" algn="l" rtl="0">
               <a:spcBef>
                 <a:spcPts val="0"/>
               </a:spcBef>
@@ -11392,11 +11670,11 @@
 </file>
 
 <file path=ppt/slides/slide24.xml><?xml version="1.0" encoding="utf-8"?>
-<p:sld xmlns:a="http://schemas.openxmlformats.org/drawingml/2006/main" xmlns:r="http://schemas.openxmlformats.org/officeDocument/2006/relationships" xmlns:mc="http://schemas.openxmlformats.org/markup-compatibility/2006" xmlns:mv="urn:schemas-microsoft-com:mac:vml" xmlns:p="http://schemas.openxmlformats.org/presentationml/2006/main" xmlns:c="http://schemas.openxmlformats.org/drawingml/2006/chart" xmlns:dgm="http://schemas.openxmlformats.org/drawingml/2006/diagram" xmlns:o="urn:schemas-microsoft-com:office:office" xmlns:v="urn:schemas-microsoft-com:vml" xmlns:pvml="urn:schemas-microsoft-com:office:powerpoint" xmlns:com="http://schemas.openxmlformats.org/drawingml/2006/compatibility" xmlns:p14="http://schemas.microsoft.com/office/powerpoint/2010/main" xmlns:p15="http://schemas.microsoft.com/office/powerpoint/2012/main" xmlns:ahyp="http://schemas.microsoft.com/office/drawing/2018/hyperlinkcolor">
+<p:sld xmlns:a="http://schemas.openxmlformats.org/drawingml/2006/main" xmlns:r="http://schemas.openxmlformats.org/officeDocument/2006/relationships" xmlns:p="http://schemas.openxmlformats.org/presentationml/2006/main">
   <p:cSld>
     <p:spTree>
       <p:nvGrpSpPr>
-        <p:cNvPr id="237" name="Shape 237"/>
+        <p:cNvPr id="1" name="Shape 237"/>
         <p:cNvGrpSpPr/>
         <p:nvPr/>
       </p:nvGrpSpPr>
@@ -11411,7 +11689,9 @@
       <p:sp>
         <p:nvSpPr>
           <p:cNvPr id="238" name="Google Shape;238;p36"/>
-          <p:cNvSpPr txBox="1"/>
+          <p:cNvSpPr txBox="1">
+            <a:spLocks noGrp="1"/>
+          </p:cNvSpPr>
           <p:nvPr>
             <p:ph type="title"/>
           </p:nvPr>
@@ -11426,12 +11706,12 @@
           </a:prstGeom>
         </p:spPr>
         <p:txBody>
-          <a:bodyPr anchorCtr="0" anchor="t" bIns="91425" lIns="91425" spcFirstLastPara="1" rIns="91425" wrap="square" tIns="91425">
+          <a:bodyPr spcFirstLastPara="1" wrap="square" lIns="91425" tIns="91425" rIns="91425" bIns="91425" anchor="t" anchorCtr="0">
             <a:normAutofit fontScale="90000"/>
           </a:bodyPr>
           <a:lstStyle/>
           <a:p>
-            <a:pPr indent="0" lvl="0" marL="0" rtl="0" algn="l">
+            <a:pPr marL="0" lvl="0" indent="0" algn="l" rtl="0">
               <a:spcBef>
                 <a:spcPts val="0"/>
               </a:spcBef>
@@ -11451,9 +11731,11 @@
       <p:sp>
         <p:nvSpPr>
           <p:cNvPr id="239" name="Google Shape;239;p36"/>
-          <p:cNvSpPr txBox="1"/>
-          <p:nvPr>
-            <p:ph idx="1" type="body"/>
+          <p:cNvSpPr txBox="1">
+            <a:spLocks noGrp="1"/>
+          </p:cNvSpPr>
+          <p:nvPr>
+            <p:ph type="body" idx="1"/>
           </p:nvPr>
         </p:nvSpPr>
         <p:spPr>
@@ -11466,12 +11748,12 @@
           </a:prstGeom>
         </p:spPr>
         <p:txBody>
-          <a:bodyPr anchorCtr="0" anchor="t" bIns="91425" lIns="91425" spcFirstLastPara="1" rIns="91425" wrap="square" tIns="91425">
+          <a:bodyPr spcFirstLastPara="1" wrap="square" lIns="91425" tIns="91425" rIns="91425" bIns="91425" anchor="t" anchorCtr="0">
             <a:normAutofit/>
           </a:bodyPr>
           <a:lstStyle/>
           <a:p>
-            <a:pPr indent="-342900" lvl="0" marL="457200" rtl="0" algn="l">
+            <a:pPr marL="457200" lvl="0" indent="-342900" algn="l" rtl="0">
               <a:spcBef>
                 <a:spcPts val="0"/>
               </a:spcBef>
@@ -11488,7 +11770,7 @@
             <a:endParaRPr/>
           </a:p>
           <a:p>
-            <a:pPr indent="-342900" lvl="0" marL="457200" rtl="0" algn="l">
+            <a:pPr marL="457200" lvl="0" indent="-342900" algn="l" rtl="0">
               <a:spcBef>
                 <a:spcPts val="0"/>
               </a:spcBef>
@@ -11543,11 +11825,11 @@
 </file>
 
 <file path=ppt/slides/slide25.xml><?xml version="1.0" encoding="utf-8"?>
-<p:sld xmlns:a="http://schemas.openxmlformats.org/drawingml/2006/main" xmlns:r="http://schemas.openxmlformats.org/officeDocument/2006/relationships" xmlns:mc="http://schemas.openxmlformats.org/markup-compatibility/2006" xmlns:mv="urn:schemas-microsoft-com:mac:vml" xmlns:p="http://schemas.openxmlformats.org/presentationml/2006/main" xmlns:c="http://schemas.openxmlformats.org/drawingml/2006/chart" xmlns:dgm="http://schemas.openxmlformats.org/drawingml/2006/diagram" xmlns:o="urn:schemas-microsoft-com:office:office" xmlns:v="urn:schemas-microsoft-com:vml" xmlns:pvml="urn:schemas-microsoft-com:office:powerpoint" xmlns:com="http://schemas.openxmlformats.org/drawingml/2006/compatibility" xmlns:p14="http://schemas.microsoft.com/office/powerpoint/2010/main" xmlns:p15="http://schemas.microsoft.com/office/powerpoint/2012/main" xmlns:ahyp="http://schemas.microsoft.com/office/drawing/2018/hyperlinkcolor">
+<p:sld xmlns:a="http://schemas.openxmlformats.org/drawingml/2006/main" xmlns:r="http://schemas.openxmlformats.org/officeDocument/2006/relationships" xmlns:p="http://schemas.openxmlformats.org/presentationml/2006/main">
   <p:cSld>
     <p:spTree>
       <p:nvGrpSpPr>
-        <p:cNvPr id="244" name="Shape 244"/>
+        <p:cNvPr id="1" name="Shape 244"/>
         <p:cNvGrpSpPr/>
         <p:nvPr/>
       </p:nvGrpSpPr>
@@ -11562,7 +11844,9 @@
       <p:sp>
         <p:nvSpPr>
           <p:cNvPr id="245" name="Google Shape;245;p37"/>
-          <p:cNvSpPr txBox="1"/>
+          <p:cNvSpPr txBox="1">
+            <a:spLocks noGrp="1"/>
+          </p:cNvSpPr>
           <p:nvPr>
             <p:ph type="title"/>
           </p:nvPr>
@@ -11577,12 +11861,12 @@
           </a:prstGeom>
         </p:spPr>
         <p:txBody>
-          <a:bodyPr anchorCtr="0" anchor="t" bIns="91425" lIns="91425" spcFirstLastPara="1" rIns="91425" wrap="square" tIns="91425">
+          <a:bodyPr spcFirstLastPara="1" wrap="square" lIns="91425" tIns="91425" rIns="91425" bIns="91425" anchor="t" anchorCtr="0">
             <a:normAutofit fontScale="90000"/>
           </a:bodyPr>
           <a:lstStyle/>
           <a:p>
-            <a:pPr indent="0" lvl="0" marL="0" rtl="0" algn="l">
+            <a:pPr marL="0" lvl="0" indent="0" algn="l" rtl="0">
               <a:spcBef>
                 <a:spcPts val="0"/>
               </a:spcBef>
@@ -11602,9 +11886,11 @@
       <p:sp>
         <p:nvSpPr>
           <p:cNvPr id="246" name="Google Shape;246;p37"/>
-          <p:cNvSpPr txBox="1"/>
-          <p:nvPr>
-            <p:ph idx="1" type="body"/>
+          <p:cNvSpPr txBox="1">
+            <a:spLocks noGrp="1"/>
+          </p:cNvSpPr>
+          <p:nvPr>
+            <p:ph type="body" idx="1"/>
           </p:nvPr>
         </p:nvSpPr>
         <p:spPr>
@@ -11617,12 +11903,12 @@
           </a:prstGeom>
         </p:spPr>
         <p:txBody>
-          <a:bodyPr anchorCtr="0" anchor="t" bIns="91425" lIns="91425" spcFirstLastPara="1" rIns="91425" wrap="square" tIns="91425">
+          <a:bodyPr spcFirstLastPara="1" wrap="square" lIns="91425" tIns="91425" rIns="91425" bIns="91425" anchor="t" anchorCtr="0">
             <a:normAutofit/>
           </a:bodyPr>
           <a:lstStyle/>
           <a:p>
-            <a:pPr indent="0" lvl="0" marL="0" rtl="0" algn="l">
+            <a:pPr marL="0" lvl="0" indent="0" algn="l" rtl="0">
               <a:spcBef>
                 <a:spcPts val="0"/>
               </a:spcBef>
@@ -11704,11 +11990,11 @@
 </file>
 
 <file path=ppt/slides/slide26.xml><?xml version="1.0" encoding="utf-8"?>
-<p:sld xmlns:a="http://schemas.openxmlformats.org/drawingml/2006/main" xmlns:r="http://schemas.openxmlformats.org/officeDocument/2006/relationships" xmlns:mc="http://schemas.openxmlformats.org/markup-compatibility/2006" xmlns:mv="urn:schemas-microsoft-com:mac:vml" xmlns:p="http://schemas.openxmlformats.org/presentationml/2006/main" xmlns:c="http://schemas.openxmlformats.org/drawingml/2006/chart" xmlns:dgm="http://schemas.openxmlformats.org/drawingml/2006/diagram" xmlns:o="urn:schemas-microsoft-com:office:office" xmlns:v="urn:schemas-microsoft-com:vml" xmlns:pvml="urn:schemas-microsoft-com:office:powerpoint" xmlns:com="http://schemas.openxmlformats.org/drawingml/2006/compatibility" xmlns:p14="http://schemas.microsoft.com/office/powerpoint/2010/main" xmlns:p15="http://schemas.microsoft.com/office/powerpoint/2012/main" xmlns:ahyp="http://schemas.microsoft.com/office/drawing/2018/hyperlinkcolor">
+<p:sld xmlns:a="http://schemas.openxmlformats.org/drawingml/2006/main" xmlns:r="http://schemas.openxmlformats.org/officeDocument/2006/relationships" xmlns:p="http://schemas.openxmlformats.org/presentationml/2006/main">
   <p:cSld>
     <p:spTree>
       <p:nvGrpSpPr>
-        <p:cNvPr id="252" name="Shape 252"/>
+        <p:cNvPr id="1" name="Shape 252"/>
         <p:cNvGrpSpPr/>
         <p:nvPr/>
       </p:nvGrpSpPr>
@@ -11723,7 +12009,9 @@
       <p:sp>
         <p:nvSpPr>
           <p:cNvPr id="253" name="Google Shape;253;p38"/>
-          <p:cNvSpPr txBox="1"/>
+          <p:cNvSpPr txBox="1">
+            <a:spLocks noGrp="1"/>
+          </p:cNvSpPr>
           <p:nvPr>
             <p:ph type="title"/>
           </p:nvPr>
@@ -11738,12 +12026,12 @@
           </a:prstGeom>
         </p:spPr>
         <p:txBody>
-          <a:bodyPr anchorCtr="0" anchor="t" bIns="91425" lIns="91425" spcFirstLastPara="1" rIns="91425" wrap="square" tIns="91425">
+          <a:bodyPr spcFirstLastPara="1" wrap="square" lIns="91425" tIns="91425" rIns="91425" bIns="91425" anchor="t" anchorCtr="0">
             <a:normAutofit fontScale="90000"/>
           </a:bodyPr>
           <a:lstStyle/>
           <a:p>
-            <a:pPr indent="0" lvl="0" marL="0" rtl="0" algn="l">
+            <a:pPr marL="0" lvl="0" indent="0" algn="l" rtl="0">
               <a:spcBef>
                 <a:spcPts val="0"/>
               </a:spcBef>
@@ -11763,9 +12051,11 @@
       <p:sp>
         <p:nvSpPr>
           <p:cNvPr id="254" name="Google Shape;254;p38"/>
-          <p:cNvSpPr txBox="1"/>
-          <p:nvPr>
-            <p:ph idx="1" type="body"/>
+          <p:cNvSpPr txBox="1">
+            <a:spLocks noGrp="1"/>
+          </p:cNvSpPr>
+          <p:nvPr>
+            <p:ph type="body" idx="1"/>
           </p:nvPr>
         </p:nvSpPr>
         <p:spPr>
@@ -11778,12 +12068,12 @@
           </a:prstGeom>
         </p:spPr>
         <p:txBody>
-          <a:bodyPr anchorCtr="0" anchor="t" bIns="91425" lIns="91425" spcFirstLastPara="1" rIns="91425" wrap="square" tIns="91425">
+          <a:bodyPr spcFirstLastPara="1" wrap="square" lIns="91425" tIns="91425" rIns="91425" bIns="91425" anchor="t" anchorCtr="0">
             <a:normAutofit/>
           </a:bodyPr>
           <a:lstStyle/>
           <a:p>
-            <a:pPr indent="-342900" lvl="0" marL="457200" rtl="0" algn="l">
+            <a:pPr marL="457200" lvl="0" indent="-342900" algn="l" rtl="0">
               <a:spcBef>
                 <a:spcPts val="0"/>
               </a:spcBef>
@@ -11809,7 +12099,7 @@
             <a:endParaRPr/>
           </a:p>
           <a:p>
-            <a:pPr indent="-342900" lvl="0" marL="457200" rtl="0" algn="l">
+            <a:pPr marL="457200" lvl="0" indent="-342900" algn="l" rtl="0">
               <a:spcBef>
                 <a:spcPts val="0"/>
               </a:spcBef>
@@ -11835,7 +12125,7 @@
             <a:endParaRPr/>
           </a:p>
           <a:p>
-            <a:pPr indent="0" lvl="0" marL="0" rtl="0" algn="l">
+            <a:pPr marL="0" lvl="0" indent="0" algn="l" rtl="0">
               <a:spcBef>
                 <a:spcPts val="1200"/>
               </a:spcBef>
@@ -11851,7 +12141,7 @@
             <a:endParaRPr/>
           </a:p>
           <a:p>
-            <a:pPr indent="0" lvl="0" marL="0" rtl="0" algn="l">
+            <a:pPr marL="0" lvl="0" indent="0" algn="l" rtl="0">
               <a:spcBef>
                 <a:spcPts val="1200"/>
               </a:spcBef>
@@ -11905,11 +12195,11 @@
 </file>
 
 <file path=ppt/slides/slide27.xml><?xml version="1.0" encoding="utf-8"?>
-<p:sld xmlns:a="http://schemas.openxmlformats.org/drawingml/2006/main" xmlns:r="http://schemas.openxmlformats.org/officeDocument/2006/relationships" xmlns:mc="http://schemas.openxmlformats.org/markup-compatibility/2006" xmlns:mv="urn:schemas-microsoft-com:mac:vml" xmlns:p="http://schemas.openxmlformats.org/presentationml/2006/main" xmlns:c="http://schemas.openxmlformats.org/drawingml/2006/chart" xmlns:dgm="http://schemas.openxmlformats.org/drawingml/2006/diagram" xmlns:o="urn:schemas-microsoft-com:office:office" xmlns:v="urn:schemas-microsoft-com:vml" xmlns:pvml="urn:schemas-microsoft-com:office:powerpoint" xmlns:com="http://schemas.openxmlformats.org/drawingml/2006/compatibility" xmlns:p14="http://schemas.microsoft.com/office/powerpoint/2010/main" xmlns:p15="http://schemas.microsoft.com/office/powerpoint/2012/main" xmlns:ahyp="http://schemas.microsoft.com/office/drawing/2018/hyperlinkcolor">
+<p:sld xmlns:a="http://schemas.openxmlformats.org/drawingml/2006/main" xmlns:r="http://schemas.openxmlformats.org/officeDocument/2006/relationships" xmlns:p="http://schemas.openxmlformats.org/presentationml/2006/main">
   <p:cSld>
     <p:spTree>
       <p:nvGrpSpPr>
-        <p:cNvPr id="259" name="Shape 259"/>
+        <p:cNvPr id="1" name="Shape 259"/>
         <p:cNvGrpSpPr/>
         <p:nvPr/>
       </p:nvGrpSpPr>
@@ -11924,7 +12214,9 @@
       <p:sp>
         <p:nvSpPr>
           <p:cNvPr id="260" name="Google Shape;260;p39"/>
-          <p:cNvSpPr txBox="1"/>
+          <p:cNvSpPr txBox="1">
+            <a:spLocks noGrp="1"/>
+          </p:cNvSpPr>
           <p:nvPr>
             <p:ph type="title"/>
           </p:nvPr>
@@ -11939,12 +12231,12 @@
           </a:prstGeom>
         </p:spPr>
         <p:txBody>
-          <a:bodyPr anchorCtr="0" anchor="t" bIns="91425" lIns="91425" spcFirstLastPara="1" rIns="91425" wrap="square" tIns="91425">
+          <a:bodyPr spcFirstLastPara="1" wrap="square" lIns="91425" tIns="91425" rIns="91425" bIns="91425" anchor="t" anchorCtr="0">
             <a:normAutofit fontScale="90000"/>
           </a:bodyPr>
           <a:lstStyle/>
           <a:p>
-            <a:pPr indent="0" lvl="0" marL="0" rtl="0" algn="ctr">
+            <a:pPr marL="0" lvl="0" indent="0" algn="ctr" rtl="0">
               <a:spcBef>
                 <a:spcPts val="0"/>
               </a:spcBef>
@@ -11964,50 +12256,49 @@
       <p:sp>
         <p:nvSpPr>
           <p:cNvPr id="261" name="Google Shape;261;p39"/>
-          <p:cNvSpPr txBox="1"/>
-          <p:nvPr>
-            <p:ph idx="1" type="body"/>
-          </p:nvPr>
-        </p:nvSpPr>
-        <p:spPr>
-          <a:xfrm>
-            <a:off x="4721650" y="29550"/>
+          <p:cNvSpPr txBox="1">
+            <a:spLocks noGrp="1"/>
+          </p:cNvSpPr>
+          <p:nvPr>
+            <p:ph type="body" idx="1"/>
+          </p:nvPr>
+        </p:nvSpPr>
+        <p:spPr>
+          <a:xfrm>
+            <a:off x="4633752" y="-74125"/>
             <a:ext cx="4331100" cy="5017800"/>
           </a:xfrm>
           <a:prstGeom prst="rect">
             <a:avLst/>
           </a:prstGeom>
           <a:effectLst>
-            <a:outerShdw blurRad="57150" rotWithShape="0" algn="bl" dir="5400000" dist="19050">
+            <a:outerShdw blurRad="57150" dist="19050" dir="5400000" algn="bl" rotWithShape="0">
               <a:srgbClr val="000000">
                 <a:alpha val="50000"/>
               </a:srgbClr>
             </a:outerShdw>
-            <a:reflection blurRad="0" dir="5400000" dist="38100" endA="0" fadeDir="5400012" kx="0" rotWithShape="0" algn="bl" stPos="0" sy="-100000" ky="0"/>
+            <a:reflection dist="38100" dir="5400000" fadeDir="5400012" sy="-100000" algn="bl" rotWithShape="0"/>
           </a:effectLst>
         </p:spPr>
         <p:txBody>
-          <a:bodyPr anchorCtr="0" anchor="t" bIns="91425" lIns="91425" spcFirstLastPara="1" rIns="91425" wrap="square" tIns="91425">
+          <a:bodyPr spcFirstLastPara="1" wrap="square" lIns="91425" tIns="91425" rIns="91425" bIns="91425" anchor="t" anchorCtr="0">
             <a:normAutofit/>
           </a:bodyPr>
           <a:lstStyle/>
           <a:p>
-            <a:pPr indent="0" lvl="0" marL="457200" rtl="0" algn="l">
-              <a:spcBef>
-                <a:spcPts val="0"/>
-              </a:spcBef>
-              <a:spcAft>
-                <a:spcPts val="0"/>
-              </a:spcAft>
-              <a:buNone/>
-            </a:pPr>
-            <a:r>
-              <a:t/>
-            </a:r>
-            <a:endParaRPr/>
-          </a:p>
-          <a:p>
-            <a:pPr indent="0" lvl="0" marL="457200" rtl="0" algn="l">
+            <a:pPr marL="457200" lvl="0" indent="0" algn="l" rtl="0">
+              <a:spcBef>
+                <a:spcPts val="0"/>
+              </a:spcBef>
+              <a:spcAft>
+                <a:spcPts val="0"/>
+              </a:spcAft>
+              <a:buNone/>
+            </a:pPr>
+            <a:endParaRPr dirty="0"/>
+          </a:p>
+          <a:p>
+            <a:pPr marL="457200" lvl="0" indent="0" algn="l" rtl="0">
               <a:spcBef>
                 <a:spcPts val="1200"/>
               </a:spcBef>
@@ -12016,13 +12307,10 @@
               </a:spcAft>
               <a:buNone/>
             </a:pPr>
-            <a:r>
-              <a:t/>
-            </a:r>
-            <a:endParaRPr/>
-          </a:p>
-          <a:p>
-            <a:pPr indent="0" lvl="0" marL="457200" rtl="0" algn="l">
+            <a:endParaRPr dirty="0"/>
+          </a:p>
+          <a:p>
+            <a:pPr marL="457200" lvl="0" indent="0" algn="l" rtl="0">
               <a:spcBef>
                 <a:spcPts val="1200"/>
               </a:spcBef>
@@ -12031,13 +12319,10 @@
               </a:spcAft>
               <a:buNone/>
             </a:pPr>
-            <a:r>
-              <a:t/>
-            </a:r>
-            <a:endParaRPr/>
-          </a:p>
-          <a:p>
-            <a:pPr indent="-342900" lvl="0" marL="457200" rtl="0" algn="l">
+            <a:endParaRPr dirty="0"/>
+          </a:p>
+          <a:p>
+            <a:pPr marL="457200" lvl="0" indent="-342900" algn="l" rtl="0">
               <a:spcBef>
                 <a:spcPts val="1200"/>
               </a:spcBef>
@@ -12048,13 +12333,13 @@
               <a:buChar char="●"/>
             </a:pPr>
             <a:r>
-              <a:rPr lang="en"/>
+              <a:rPr lang="en" dirty="0"/>
               <a:t>Open VS code -&gt; Terminal -&gt; New Terminal -&gt; cargo init hello</a:t>
             </a:r>
-            <a:endParaRPr/>
-          </a:p>
-          <a:p>
-            <a:pPr indent="0" lvl="0" marL="457200" rtl="0" algn="l">
+            <a:endParaRPr dirty="0"/>
+          </a:p>
+          <a:p>
+            <a:pPr marL="457200" lvl="0" indent="0" algn="l" rtl="0">
               <a:spcBef>
                 <a:spcPts val="1200"/>
               </a:spcBef>
@@ -12064,13 +12349,13 @@
               <a:buNone/>
             </a:pPr>
             <a:r>
-              <a:rPr lang="en"/>
+              <a:rPr lang="en" dirty="0"/>
               <a:t>=&gt; This will create a binary application.</a:t>
             </a:r>
-            <a:endParaRPr/>
-          </a:p>
-          <a:p>
-            <a:pPr indent="-342900" lvl="0" marL="457200" rtl="0" algn="l">
+            <a:endParaRPr dirty="0"/>
+          </a:p>
+          <a:p>
+            <a:pPr marL="457200" lvl="0" indent="-342900" algn="l" rtl="0">
               <a:spcBef>
                 <a:spcPts val="1200"/>
               </a:spcBef>
@@ -12081,13 +12366,13 @@
               <a:buChar char="●"/>
             </a:pPr>
             <a:r>
-              <a:rPr lang="en"/>
+              <a:rPr lang="en" dirty="0"/>
               <a:t>Open folder -&gt; click on ‘hello’ folder.</a:t>
             </a:r>
-            <a:endParaRPr/>
-          </a:p>
-          <a:p>
-            <a:pPr indent="-342900" lvl="0" marL="457200" rtl="0" algn="l">
+            <a:endParaRPr dirty="0"/>
+          </a:p>
+          <a:p>
+            <a:pPr marL="457200" lvl="0" indent="-342900" algn="l" rtl="0">
               <a:spcBef>
                 <a:spcPts val="0"/>
               </a:spcBef>
@@ -12098,13 +12383,13 @@
               <a:buChar char="●"/>
             </a:pPr>
             <a:r>
-              <a:rPr lang="en"/>
+              <a:rPr lang="en" dirty="0"/>
               <a:t>There is a main.rs file with some rust code in it.</a:t>
             </a:r>
-            <a:endParaRPr/>
-          </a:p>
-          <a:p>
-            <a:pPr indent="-342900" lvl="0" marL="457200" rtl="0" algn="l">
+            <a:endParaRPr dirty="0"/>
+          </a:p>
+          <a:p>
+            <a:pPr marL="457200" lvl="0" indent="-342900" algn="l" rtl="0">
               <a:spcBef>
                 <a:spcPts val="0"/>
               </a:spcBef>
@@ -12115,21 +12400,13 @@
               <a:buChar char="●"/>
             </a:pPr>
             <a:r>
-              <a:rPr lang="en"/>
-              <a:t>Use </a:t>
+              <a:rPr lang="en" dirty="0"/>
+              <a:t>Use command ‘cargo run’.</a:t>
             </a:r>
-            <a:r>
-              <a:rPr lang="en"/>
-              <a:t>command </a:t>
-            </a:r>
-            <a:r>
-              <a:rPr lang="en"/>
-              <a:t>‘cargo run’.</a:t>
-            </a:r>
-            <a:endParaRPr/>
-          </a:p>
-          <a:p>
-            <a:pPr indent="0" lvl="0" marL="0" rtl="0" algn="l">
+            <a:endParaRPr dirty="0"/>
+          </a:p>
+          <a:p>
+            <a:pPr marL="0" lvl="0" indent="0" algn="l" rtl="0">
               <a:spcBef>
                 <a:spcPts val="1200"/>
               </a:spcBef>
@@ -12138,10 +12415,7 @@
               </a:spcAft>
               <a:buNone/>
             </a:pPr>
-            <a:r>
-              <a:t/>
-            </a:r>
-            <a:endParaRPr/>
+            <a:endParaRPr dirty="0"/>
           </a:p>
         </p:txBody>
       </p:sp>
@@ -12182,11 +12456,11 @@
 </file>
 
 <file path=ppt/slides/slide28.xml><?xml version="1.0" encoding="utf-8"?>
-<p:sld xmlns:a="http://schemas.openxmlformats.org/drawingml/2006/main" xmlns:r="http://schemas.openxmlformats.org/officeDocument/2006/relationships" xmlns:mc="http://schemas.openxmlformats.org/markup-compatibility/2006" xmlns:mv="urn:schemas-microsoft-com:mac:vml" xmlns:p="http://schemas.openxmlformats.org/presentationml/2006/main" xmlns:c="http://schemas.openxmlformats.org/drawingml/2006/chart" xmlns:dgm="http://schemas.openxmlformats.org/drawingml/2006/diagram" xmlns:o="urn:schemas-microsoft-com:office:office" xmlns:v="urn:schemas-microsoft-com:vml" xmlns:pvml="urn:schemas-microsoft-com:office:powerpoint" xmlns:com="http://schemas.openxmlformats.org/drawingml/2006/compatibility" xmlns:p14="http://schemas.microsoft.com/office/powerpoint/2010/main" xmlns:p15="http://schemas.microsoft.com/office/powerpoint/2012/main" xmlns:ahyp="http://schemas.microsoft.com/office/drawing/2018/hyperlinkcolor">
+<p:sld xmlns:a="http://schemas.openxmlformats.org/drawingml/2006/main" xmlns:r="http://schemas.openxmlformats.org/officeDocument/2006/relationships" xmlns:p="http://schemas.openxmlformats.org/presentationml/2006/main">
   <p:cSld>
     <p:spTree>
       <p:nvGrpSpPr>
-        <p:cNvPr id="266" name="Shape 266"/>
+        <p:cNvPr id="1" name="Shape 266"/>
         <p:cNvGrpSpPr/>
         <p:nvPr/>
       </p:nvGrpSpPr>
@@ -12201,7 +12475,9 @@
       <p:sp>
         <p:nvSpPr>
           <p:cNvPr id="267" name="Google Shape;267;p40"/>
-          <p:cNvSpPr txBox="1"/>
+          <p:cNvSpPr txBox="1">
+            <a:spLocks noGrp="1"/>
+          </p:cNvSpPr>
           <p:nvPr>
             <p:ph type="title"/>
           </p:nvPr>
@@ -12216,12 +12492,12 @@
           </a:prstGeom>
         </p:spPr>
         <p:txBody>
-          <a:bodyPr anchorCtr="0" anchor="t" bIns="91425" lIns="91425" spcFirstLastPara="1" rIns="91425" wrap="square" tIns="91425">
+          <a:bodyPr spcFirstLastPara="1" wrap="square" lIns="91425" tIns="91425" rIns="91425" bIns="91425" anchor="t" anchorCtr="0">
             <a:normAutofit fontScale="90000"/>
           </a:bodyPr>
           <a:lstStyle/>
           <a:p>
-            <a:pPr indent="0" lvl="0" marL="0" rtl="0" algn="l">
+            <a:pPr marL="0" lvl="0" indent="0" algn="l" rtl="0">
               <a:spcBef>
                 <a:spcPts val="0"/>
               </a:spcBef>
@@ -12241,9 +12517,11 @@
       <p:sp>
         <p:nvSpPr>
           <p:cNvPr id="268" name="Google Shape;268;p40"/>
-          <p:cNvSpPr txBox="1"/>
-          <p:nvPr>
-            <p:ph idx="1" type="body"/>
+          <p:cNvSpPr txBox="1">
+            <a:spLocks noGrp="1"/>
+          </p:cNvSpPr>
+          <p:nvPr>
+            <p:ph type="body" idx="1"/>
           </p:nvPr>
         </p:nvSpPr>
         <p:spPr>
@@ -12256,12 +12534,12 @@
           </a:prstGeom>
         </p:spPr>
         <p:txBody>
-          <a:bodyPr anchorCtr="0" anchor="t" bIns="91425" lIns="91425" spcFirstLastPara="1" rIns="91425" wrap="square" tIns="91425">
+          <a:bodyPr spcFirstLastPara="1" wrap="square" lIns="91425" tIns="91425" rIns="91425" bIns="91425" anchor="t" anchorCtr="0">
             <a:normAutofit/>
           </a:bodyPr>
           <a:lstStyle/>
           <a:p>
-            <a:pPr indent="0" lvl="0" marL="0" rtl="0" algn="l">
+            <a:pPr marL="0" lvl="0" indent="0" algn="l" rtl="0">
               <a:spcBef>
                 <a:spcPts val="0"/>
               </a:spcBef>
@@ -12271,7 +12549,7 @@
               <a:buNone/>
             </a:pPr>
             <a:r>
-              <a:rPr lang="en" u="sng">
+              <a:rPr lang="en" u="sng" dirty="0">
                 <a:solidFill>
                   <a:schemeClr val="hlink"/>
                 </a:solidFill>
@@ -12279,10 +12557,10 @@
               </a:rPr>
               <a:t>Rust Tutorial Point</a:t>
             </a:r>
-            <a:endParaRPr/>
-          </a:p>
-          <a:p>
-            <a:pPr indent="0" lvl="0" marL="0" rtl="0" algn="l">
+            <a:endParaRPr dirty="0"/>
+          </a:p>
+          <a:p>
+            <a:pPr marL="0" lvl="0" indent="0" algn="l" rtl="0">
               <a:spcBef>
                 <a:spcPts val="1200"/>
               </a:spcBef>
@@ -12292,13 +12570,13 @@
               <a:buNone/>
             </a:pPr>
             <a:r>
-              <a:rPr lang="en"/>
+              <a:rPr lang="en" dirty="0"/>
               <a:t>Google Image</a:t>
             </a:r>
-            <a:endParaRPr/>
-          </a:p>
-          <a:p>
-            <a:pPr indent="0" lvl="0" marL="0" rtl="0" algn="l">
+            <a:endParaRPr dirty="0"/>
+          </a:p>
+          <a:p>
+            <a:pPr marL="0" lvl="0" indent="0" algn="l" rtl="0">
               <a:spcBef>
                 <a:spcPts val="1200"/>
               </a:spcBef>
@@ -12308,7 +12586,7 @@
               <a:buNone/>
             </a:pPr>
             <a:r>
-              <a:rPr lang="en" u="sng">
+              <a:rPr lang="en" u="sng" dirty="0">
                 <a:solidFill>
                   <a:schemeClr val="hlink"/>
                 </a:solidFill>
@@ -12316,10 +12594,10 @@
               </a:rPr>
               <a:t>Rust Zero To Mastery</a:t>
             </a:r>
-            <a:endParaRPr/>
-          </a:p>
-          <a:p>
-            <a:pPr indent="0" lvl="0" marL="0" rtl="0" algn="l">
+            <a:endParaRPr dirty="0"/>
+          </a:p>
+          <a:p>
+            <a:pPr marL="0" lvl="0" indent="0" algn="l" rtl="0">
               <a:spcBef>
                 <a:spcPts val="1200"/>
               </a:spcBef>
@@ -12329,18 +12607,15 @@
               <a:buNone/>
             </a:pPr>
             <a:r>
-              <a:rPr lang="en" u="sng">
-                <a:solidFill>
-                  <a:schemeClr val="hlink"/>
-                </a:solidFill>
+              <a:rPr lang="en" dirty="0">
                 <a:hlinkClick r:id="rId5"/>
               </a:rPr>
               <a:t>RustLang</a:t>
             </a:r>
-            <a:endParaRPr/>
-          </a:p>
-          <a:p>
-            <a:pPr indent="0" lvl="0" marL="0" rtl="0" algn="l">
+            <a:endParaRPr dirty="0"/>
+          </a:p>
+          <a:p>
+            <a:pPr marL="0" lvl="0" indent="0" algn="l" rtl="0">
               <a:spcBef>
                 <a:spcPts val="1200"/>
               </a:spcBef>
@@ -12350,7 +12625,7 @@
               <a:buNone/>
             </a:pPr>
             <a:r>
-              <a:rPr lang="en" u="sng">
+              <a:rPr lang="en" u="sng" dirty="0">
                 <a:solidFill>
                   <a:schemeClr val="hlink"/>
                 </a:solidFill>
@@ -12358,10 +12633,10 @@
               </a:rPr>
               <a:t>RustLang playground</a:t>
             </a:r>
-            <a:endParaRPr/>
-          </a:p>
-          <a:p>
-            <a:pPr indent="0" lvl="0" marL="0" rtl="0" algn="l">
+            <a:endParaRPr dirty="0"/>
+          </a:p>
+          <a:p>
+            <a:pPr marL="0" lvl="0" indent="0" algn="l" rtl="0">
               <a:spcBef>
                 <a:spcPts val="1200"/>
               </a:spcBef>
@@ -12371,7 +12646,7 @@
               <a:buNone/>
             </a:pPr>
             <a:r>
-              <a:rPr lang="en" u="sng">
+              <a:rPr lang="en" u="sng" dirty="0">
                 <a:solidFill>
                   <a:schemeClr val="hlink"/>
                 </a:solidFill>
@@ -12379,7 +12654,7 @@
               </a:rPr>
               <a:t>Install Rust Engine</a:t>
             </a:r>
-            <a:endParaRPr/>
+            <a:endParaRPr dirty="0"/>
           </a:p>
         </p:txBody>
       </p:sp>
@@ -12392,7 +12667,7 @@
 </file>
 
 <file path=ppt/slides/slide3.xml><?xml version="1.0" encoding="utf-8"?>
-<p:sld xmlns:a="http://schemas.openxmlformats.org/drawingml/2006/main" xmlns:r="http://schemas.openxmlformats.org/officeDocument/2006/relationships" xmlns:mc="http://schemas.openxmlformats.org/markup-compatibility/2006" xmlns:mv="urn:schemas-microsoft-com:mac:vml" xmlns:p="http://schemas.openxmlformats.org/presentationml/2006/main" xmlns:c="http://schemas.openxmlformats.org/drawingml/2006/chart" xmlns:dgm="http://schemas.openxmlformats.org/drawingml/2006/diagram" xmlns:o="urn:schemas-microsoft-com:office:office" xmlns:v="urn:schemas-microsoft-com:vml" xmlns:pvml="urn:schemas-microsoft-com:office:powerpoint" xmlns:com="http://schemas.openxmlformats.org/drawingml/2006/compatibility" xmlns:p14="http://schemas.microsoft.com/office/powerpoint/2010/main" xmlns:p15="http://schemas.microsoft.com/office/powerpoint/2012/main" xmlns:ahyp="http://schemas.microsoft.com/office/drawing/2018/hyperlinkcolor">
+<p:sld xmlns:a="http://schemas.openxmlformats.org/drawingml/2006/main" xmlns:r="http://schemas.openxmlformats.org/officeDocument/2006/relationships" xmlns:p="http://schemas.openxmlformats.org/presentationml/2006/main">
   <p:cSld>
     <p:bg>
       <p:bgPr>
@@ -12409,15 +12684,16 @@
             </a:gs>
           </a:gsLst>
           <a:path path="circle">
-            <a:fillToRect r="100%" t="100%"/>
+            <a:fillToRect t="100000" r="100000"/>
           </a:path>
-          <a:tileRect b="-100%" l="-100%"/>
+          <a:tileRect l="-100000" b="-100000"/>
         </a:gradFill>
+        <a:effectLst/>
       </p:bgPr>
     </p:bg>
     <p:spTree>
       <p:nvGrpSpPr>
-        <p:cNvPr id="66" name="Shape 66"/>
+        <p:cNvPr id="1" name="Shape 66"/>
         <p:cNvGrpSpPr/>
         <p:nvPr/>
       </p:nvGrpSpPr>
@@ -12432,7 +12708,9 @@
       <p:sp>
         <p:nvSpPr>
           <p:cNvPr id="67" name="Google Shape;67;p15"/>
-          <p:cNvSpPr txBox="1"/>
+          <p:cNvSpPr txBox="1">
+            <a:spLocks noGrp="1"/>
+          </p:cNvSpPr>
           <p:nvPr>
             <p:ph type="title"/>
           </p:nvPr>
@@ -12447,12 +12725,12 @@
           </a:prstGeom>
         </p:spPr>
         <p:txBody>
-          <a:bodyPr anchorCtr="0" anchor="t" bIns="91425" lIns="91425" spcFirstLastPara="1" rIns="91425" wrap="square" tIns="91425">
+          <a:bodyPr spcFirstLastPara="1" wrap="square" lIns="91425" tIns="91425" rIns="91425" bIns="91425" anchor="t" anchorCtr="0">
             <a:normAutofit fontScale="90000"/>
           </a:bodyPr>
           <a:lstStyle/>
           <a:p>
-            <a:pPr indent="0" lvl="0" marL="0" rtl="0" algn="l">
+            <a:pPr marL="0" lvl="0" indent="0" algn="l" rtl="0">
               <a:spcBef>
                 <a:spcPts val="0"/>
               </a:spcBef>
@@ -12480,9 +12758,11 @@
       <p:sp>
         <p:nvSpPr>
           <p:cNvPr id="68" name="Google Shape;68;p15"/>
-          <p:cNvSpPr txBox="1"/>
-          <p:nvPr>
-            <p:ph idx="1" type="body"/>
+          <p:cNvSpPr txBox="1">
+            <a:spLocks noGrp="1"/>
+          </p:cNvSpPr>
+          <p:nvPr>
+            <p:ph type="body" idx="1"/>
           </p:nvPr>
         </p:nvSpPr>
         <p:spPr>
@@ -12495,12 +12775,12 @@
           </a:prstGeom>
         </p:spPr>
         <p:txBody>
-          <a:bodyPr anchorCtr="0" anchor="t" bIns="91425" lIns="91425" spcFirstLastPara="1" rIns="91425" wrap="square" tIns="91425">
+          <a:bodyPr spcFirstLastPara="1" wrap="square" lIns="91425" tIns="91425" rIns="91425" bIns="91425" anchor="t" anchorCtr="0">
             <a:normAutofit/>
           </a:bodyPr>
           <a:lstStyle/>
           <a:p>
-            <a:pPr indent="-342900" lvl="0" marL="457200" rtl="0" algn="l">
+            <a:pPr marL="457200" lvl="0" indent="-342900" algn="l" rtl="0">
               <a:spcBef>
                 <a:spcPts val="0"/>
               </a:spcBef>
@@ -12528,7 +12808,7 @@
             </a:endParaRPr>
           </a:p>
           <a:p>
-            <a:pPr indent="-342900" lvl="0" marL="457200" rtl="0" algn="l">
+            <a:pPr marL="457200" lvl="0" indent="-342900" algn="l" rtl="0">
               <a:spcBef>
                 <a:spcPts val="0"/>
               </a:spcBef>
@@ -12556,7 +12836,7 @@
             </a:endParaRPr>
           </a:p>
           <a:p>
-            <a:pPr indent="-342900" lvl="0" marL="457200" rtl="0" algn="l">
+            <a:pPr marL="457200" lvl="0" indent="-342900" algn="l" rtl="0">
               <a:spcBef>
                 <a:spcPts val="0"/>
               </a:spcBef>
@@ -12584,7 +12864,7 @@
             </a:endParaRPr>
           </a:p>
           <a:p>
-            <a:pPr indent="-342900" lvl="0" marL="457200" rtl="0" algn="l">
+            <a:pPr marL="457200" lvl="0" indent="-342900" algn="l" rtl="0">
               <a:spcBef>
                 <a:spcPts val="0"/>
               </a:spcBef>
@@ -12650,11 +12930,11 @@
 </file>
 
 <file path=ppt/slides/slide4.xml><?xml version="1.0" encoding="utf-8"?>
-<p:sld xmlns:a="http://schemas.openxmlformats.org/drawingml/2006/main" xmlns:r="http://schemas.openxmlformats.org/officeDocument/2006/relationships" xmlns:mc="http://schemas.openxmlformats.org/markup-compatibility/2006" xmlns:mv="urn:schemas-microsoft-com:mac:vml" xmlns:p="http://schemas.openxmlformats.org/presentationml/2006/main" xmlns:c="http://schemas.openxmlformats.org/drawingml/2006/chart" xmlns:dgm="http://schemas.openxmlformats.org/drawingml/2006/diagram" xmlns:o="urn:schemas-microsoft-com:office:office" xmlns:v="urn:schemas-microsoft-com:vml" xmlns:pvml="urn:schemas-microsoft-com:office:powerpoint" xmlns:com="http://schemas.openxmlformats.org/drawingml/2006/compatibility" xmlns:p14="http://schemas.microsoft.com/office/powerpoint/2010/main" xmlns:p15="http://schemas.microsoft.com/office/powerpoint/2012/main" xmlns:ahyp="http://schemas.microsoft.com/office/drawing/2018/hyperlinkcolor">
+<p:sld xmlns:a="http://schemas.openxmlformats.org/drawingml/2006/main" xmlns:r="http://schemas.openxmlformats.org/officeDocument/2006/relationships" xmlns:p="http://schemas.openxmlformats.org/presentationml/2006/main">
   <p:cSld>
     <p:spTree>
       <p:nvGrpSpPr>
-        <p:cNvPr id="73" name="Shape 73"/>
+        <p:cNvPr id="1" name="Shape 73"/>
         <p:cNvGrpSpPr/>
         <p:nvPr/>
       </p:nvGrpSpPr>
@@ -12669,7 +12949,9 @@
       <p:sp>
         <p:nvSpPr>
           <p:cNvPr id="74" name="Google Shape;74;p16"/>
-          <p:cNvSpPr txBox="1"/>
+          <p:cNvSpPr txBox="1">
+            <a:spLocks noGrp="1"/>
+          </p:cNvSpPr>
           <p:nvPr>
             <p:ph type="title"/>
           </p:nvPr>
@@ -12684,12 +12966,12 @@
           </a:prstGeom>
         </p:spPr>
         <p:txBody>
-          <a:bodyPr anchorCtr="0" anchor="t" bIns="91425" lIns="91425" spcFirstLastPara="1" rIns="91425" wrap="square" tIns="91425">
+          <a:bodyPr spcFirstLastPara="1" wrap="square" lIns="91425" tIns="91425" rIns="91425" bIns="91425" anchor="t" anchorCtr="0">
             <a:normAutofit fontScale="90000"/>
           </a:bodyPr>
           <a:lstStyle/>
           <a:p>
-            <a:pPr indent="0" lvl="0" marL="0" rtl="0" algn="l">
+            <a:pPr marL="0" lvl="0" indent="0" algn="l" rtl="0">
               <a:spcBef>
                 <a:spcPts val="0"/>
               </a:spcBef>
@@ -12709,9 +12991,11 @@
       <p:sp>
         <p:nvSpPr>
           <p:cNvPr id="75" name="Google Shape;75;p16"/>
-          <p:cNvSpPr txBox="1"/>
-          <p:nvPr>
-            <p:ph idx="1" type="body"/>
+          <p:cNvSpPr txBox="1">
+            <a:spLocks noGrp="1"/>
+          </p:cNvSpPr>
+          <p:nvPr>
+            <p:ph type="body" idx="1"/>
           </p:nvPr>
         </p:nvSpPr>
         <p:spPr>
@@ -12724,12 +13008,12 @@
           </a:prstGeom>
         </p:spPr>
         <p:txBody>
-          <a:bodyPr anchorCtr="0" anchor="t" bIns="91425" lIns="91425" spcFirstLastPara="1" rIns="91425" wrap="square" tIns="91425">
+          <a:bodyPr spcFirstLastPara="1" wrap="square" lIns="91425" tIns="91425" rIns="91425" bIns="91425" anchor="t" anchorCtr="0">
             <a:normAutofit fontScale="92500"/>
           </a:bodyPr>
           <a:lstStyle/>
           <a:p>
-            <a:pPr indent="0" lvl="0" marL="0" rtl="0" algn="ctr">
+            <a:pPr marL="0" lvl="0" indent="0" algn="ctr" rtl="0">
               <a:spcBef>
                 <a:spcPts val="0"/>
               </a:spcBef>
@@ -12745,7 +13029,7 @@
             <a:endParaRPr/>
           </a:p>
           <a:p>
-            <a:pPr indent="-334327" lvl="0" marL="457200" rtl="0" algn="l">
+            <a:pPr marL="457200" lvl="0" indent="-334327" algn="l" rtl="0">
               <a:spcBef>
                 <a:spcPts val="1200"/>
               </a:spcBef>
@@ -12757,16 +13041,12 @@
             </a:pPr>
             <a:r>
               <a:rPr lang="en"/>
-              <a:t>S</a:t>
-            </a:r>
-            <a:r>
-              <a:rPr lang="en"/>
-              <a:t>tore both negative and positive values</a:t>
+              <a:t>Store both negative and positive values</a:t>
             </a:r>
             <a:endParaRPr/>
           </a:p>
           <a:p>
-            <a:pPr indent="-334327" lvl="0" marL="457200" rtl="0" algn="l">
+            <a:pPr marL="457200" lvl="0" indent="-334327" algn="l" rtl="0">
               <a:spcBef>
                 <a:spcPts val="0"/>
               </a:spcBef>
@@ -12815,9 +13095,11 @@
       <p:sp>
         <p:nvSpPr>
           <p:cNvPr id="77" name="Google Shape;77;p16"/>
-          <p:cNvSpPr txBox="1"/>
-          <p:nvPr>
-            <p:ph idx="1" type="body"/>
+          <p:cNvSpPr txBox="1">
+            <a:spLocks noGrp="1"/>
+          </p:cNvSpPr>
+          <p:nvPr>
+            <p:ph type="body" idx="1"/>
           </p:nvPr>
         </p:nvSpPr>
         <p:spPr>
@@ -12830,12 +13112,12 @@
           </a:prstGeom>
         </p:spPr>
         <p:txBody>
-          <a:bodyPr anchorCtr="0" anchor="t" bIns="91425" lIns="91425" spcFirstLastPara="1" rIns="91425" wrap="square" tIns="91425">
+          <a:bodyPr spcFirstLastPara="1" wrap="square" lIns="91425" tIns="91425" rIns="91425" bIns="91425" anchor="t" anchorCtr="0">
             <a:normAutofit/>
           </a:bodyPr>
           <a:lstStyle/>
           <a:p>
-            <a:pPr indent="0" lvl="0" marL="0" rtl="0" algn="ctr">
+            <a:pPr marL="0" lvl="0" indent="0" algn="ctr" rtl="0">
               <a:spcBef>
                 <a:spcPts val="0"/>
               </a:spcBef>
@@ -12851,7 +13133,7 @@
             <a:endParaRPr/>
           </a:p>
           <a:p>
-            <a:pPr indent="-342900" lvl="0" marL="457200" rtl="0" algn="l">
+            <a:pPr marL="457200" lvl="0" indent="-342900" algn="l" rtl="0">
               <a:spcBef>
                 <a:spcPts val="1200"/>
               </a:spcBef>
@@ -12863,16 +13145,12 @@
             </a:pPr>
             <a:r>
               <a:rPr lang="en"/>
-              <a:t>O</a:t>
-            </a:r>
-            <a:r>
-              <a:rPr lang="en"/>
-              <a:t>nly store positive values</a:t>
+              <a:t>Only store positive values</a:t>
             </a:r>
             <a:endParaRPr/>
           </a:p>
           <a:p>
-            <a:pPr indent="-342900" lvl="0" marL="457200" rtl="0" algn="l">
+            <a:pPr marL="457200" lvl="0" indent="-342900" algn="l" rtl="0">
               <a:spcBef>
                 <a:spcPts val="0"/>
               </a:spcBef>
@@ -12955,11 +13233,11 @@
 </file>
 
 <file path=ppt/slides/slide5.xml><?xml version="1.0" encoding="utf-8"?>
-<p:sld xmlns:a="http://schemas.openxmlformats.org/drawingml/2006/main" xmlns:r="http://schemas.openxmlformats.org/officeDocument/2006/relationships" xmlns:mc="http://schemas.openxmlformats.org/markup-compatibility/2006" xmlns:mv="urn:schemas-microsoft-com:mac:vml" xmlns:p="http://schemas.openxmlformats.org/presentationml/2006/main" xmlns:c="http://schemas.openxmlformats.org/drawingml/2006/chart" xmlns:dgm="http://schemas.openxmlformats.org/drawingml/2006/diagram" xmlns:o="urn:schemas-microsoft-com:office:office" xmlns:v="urn:schemas-microsoft-com:vml" xmlns:pvml="urn:schemas-microsoft-com:office:powerpoint" xmlns:com="http://schemas.openxmlformats.org/drawingml/2006/compatibility" xmlns:p14="http://schemas.microsoft.com/office/powerpoint/2010/main" xmlns:p15="http://schemas.microsoft.com/office/powerpoint/2012/main" xmlns:ahyp="http://schemas.microsoft.com/office/drawing/2018/hyperlinkcolor">
+<p:sld xmlns:a="http://schemas.openxmlformats.org/drawingml/2006/main" xmlns:r="http://schemas.openxmlformats.org/officeDocument/2006/relationships" xmlns:p="http://schemas.openxmlformats.org/presentationml/2006/main">
   <p:cSld>
     <p:spTree>
       <p:nvGrpSpPr>
-        <p:cNvPr id="83" name="Shape 83"/>
+        <p:cNvPr id="1" name="Shape 83"/>
         <p:cNvGrpSpPr/>
         <p:nvPr/>
       </p:nvGrpSpPr>
@@ -12974,9 +13252,11 @@
       <p:sp>
         <p:nvSpPr>
           <p:cNvPr id="84" name="Google Shape;84;p17"/>
-          <p:cNvSpPr txBox="1"/>
-          <p:nvPr>
-            <p:ph idx="1" type="body"/>
+          <p:cNvSpPr txBox="1">
+            <a:spLocks noGrp="1"/>
+          </p:cNvSpPr>
+          <p:nvPr>
+            <p:ph type="body" idx="1"/>
           </p:nvPr>
         </p:nvSpPr>
         <p:spPr>
@@ -12989,12 +13269,12 @@
           </a:prstGeom>
         </p:spPr>
         <p:txBody>
-          <a:bodyPr anchorCtr="0" anchor="t" bIns="91425" lIns="91425" spcFirstLastPara="1" rIns="91425" wrap="square" tIns="91425">
+          <a:bodyPr spcFirstLastPara="1" wrap="square" lIns="91425" tIns="91425" rIns="91425" bIns="91425" anchor="t" anchorCtr="0">
             <a:normAutofit lnSpcReduction="10000"/>
           </a:bodyPr>
           <a:lstStyle/>
           <a:p>
-            <a:pPr indent="0" lvl="0" marL="0" rtl="0" algn="l">
+            <a:pPr marL="0" lvl="0" indent="0" algn="l" rtl="0">
               <a:spcBef>
                 <a:spcPts val="0"/>
               </a:spcBef>
@@ -13004,13 +13284,13 @@
               <a:buNone/>
             </a:pPr>
             <a:r>
-              <a:rPr lang="en"/>
+              <a:rPr lang="en" dirty="0"/>
               <a:t>This size of arch will be taken from the architecture of the machine</a:t>
             </a:r>
-            <a:endParaRPr/>
-          </a:p>
-          <a:p>
-            <a:pPr indent="-342900" lvl="0" marL="457200" rtl="0" algn="l">
+            <a:endParaRPr dirty="0"/>
+          </a:p>
+          <a:p>
+            <a:pPr marL="457200" lvl="0" indent="-342900" algn="l" rtl="0">
               <a:spcBef>
                 <a:spcPts val="1200"/>
               </a:spcBef>
@@ -13021,13 +13301,13 @@
               <a:buChar char="●"/>
             </a:pPr>
             <a:r>
-              <a:rPr lang="en"/>
+              <a:rPr lang="en" dirty="0"/>
               <a:t>If it is a x86 machine, the size of arch will be 32 bits</a:t>
             </a:r>
-            <a:endParaRPr/>
-          </a:p>
-          <a:p>
-            <a:pPr indent="-342900" lvl="0" marL="457200" rtl="0" algn="l">
+            <a:endParaRPr dirty="0"/>
+          </a:p>
+          <a:p>
+            <a:pPr marL="457200" lvl="0" indent="-342900" algn="l" rtl="0">
               <a:spcBef>
                 <a:spcPts val="0"/>
               </a:spcBef>
@@ -13038,19 +13318,21 @@
               <a:buChar char="●"/>
             </a:pPr>
             <a:r>
-              <a:rPr lang="en"/>
+              <a:rPr lang="en" dirty="0"/>
               <a:t>Otherwise, it will be 64 bits on x64 machine</a:t>
             </a:r>
-            <a:endParaRPr/>
+            <a:endParaRPr dirty="0"/>
           </a:p>
         </p:txBody>
       </p:sp>
       <p:sp>
         <p:nvSpPr>
           <p:cNvPr id="85" name="Google Shape;85;p17"/>
-          <p:cNvSpPr txBox="1"/>
-          <p:nvPr>
-            <p:ph idx="1" type="body"/>
+          <p:cNvSpPr txBox="1">
+            <a:spLocks noGrp="1"/>
+          </p:cNvSpPr>
+          <p:nvPr>
+            <p:ph type="body" idx="1"/>
           </p:nvPr>
         </p:nvSpPr>
         <p:spPr>
@@ -13063,12 +13345,12 @@
           </a:prstGeom>
         </p:spPr>
         <p:txBody>
-          <a:bodyPr anchorCtr="0" anchor="t" bIns="91425" lIns="91425" spcFirstLastPara="1" rIns="91425" wrap="square" tIns="91425">
+          <a:bodyPr spcFirstLastPara="1" wrap="square" lIns="91425" tIns="91425" rIns="91425" bIns="91425" anchor="t" anchorCtr="0">
             <a:normAutofit/>
           </a:bodyPr>
           <a:lstStyle/>
           <a:p>
-            <a:pPr indent="0" lvl="0" marL="0" rtl="0" algn="l">
+            <a:pPr marL="0" lvl="0" indent="0" algn="l" rtl="0">
               <a:spcBef>
                 <a:spcPts val="0"/>
               </a:spcBef>
@@ -13079,15 +13361,7 @@
             </a:pPr>
             <a:r>
               <a:rPr lang="en"/>
-              <a:t>Overflow will happen when a value </a:t>
-            </a:r>
-            <a:r>
-              <a:rPr lang="en"/>
-              <a:t>assigned</a:t>
-            </a:r>
-            <a:r>
-              <a:rPr lang="en"/>
-              <a:t> to an integer variable when exceeding its declaration</a:t>
+              <a:t>Overflow will happen when a value assigned to an integer variable when exceeding its declaration</a:t>
             </a:r>
             <a:endParaRPr/>
           </a:p>
@@ -13158,11 +13432,11 @@
 </file>
 
 <file path=ppt/slides/slide6.xml><?xml version="1.0" encoding="utf-8"?>
-<p:sld xmlns:a="http://schemas.openxmlformats.org/drawingml/2006/main" xmlns:r="http://schemas.openxmlformats.org/officeDocument/2006/relationships" xmlns:mc="http://schemas.openxmlformats.org/markup-compatibility/2006" xmlns:mv="urn:schemas-microsoft-com:mac:vml" xmlns:p="http://schemas.openxmlformats.org/presentationml/2006/main" xmlns:c="http://schemas.openxmlformats.org/drawingml/2006/chart" xmlns:dgm="http://schemas.openxmlformats.org/drawingml/2006/diagram" xmlns:o="urn:schemas-microsoft-com:office:office" xmlns:v="urn:schemas-microsoft-com:vml" xmlns:pvml="urn:schemas-microsoft-com:office:powerpoint" xmlns:com="http://schemas.openxmlformats.org/drawingml/2006/compatibility" xmlns:p14="http://schemas.microsoft.com/office/powerpoint/2010/main" xmlns:p15="http://schemas.microsoft.com/office/powerpoint/2012/main" xmlns:ahyp="http://schemas.microsoft.com/office/drawing/2018/hyperlinkcolor">
+<p:sld xmlns:a="http://schemas.openxmlformats.org/drawingml/2006/main" xmlns:r="http://schemas.openxmlformats.org/officeDocument/2006/relationships" xmlns:p="http://schemas.openxmlformats.org/presentationml/2006/main">
   <p:cSld>
     <p:spTree>
       <p:nvGrpSpPr>
-        <p:cNvPr id="91" name="Shape 91"/>
+        <p:cNvPr id="1" name="Shape 91"/>
         <p:cNvGrpSpPr/>
         <p:nvPr/>
       </p:nvGrpSpPr>
@@ -13177,7 +13451,9 @@
       <p:sp>
         <p:nvSpPr>
           <p:cNvPr id="92" name="Google Shape;92;p18"/>
-          <p:cNvSpPr txBox="1"/>
+          <p:cNvSpPr txBox="1">
+            <a:spLocks noGrp="1"/>
+          </p:cNvSpPr>
           <p:nvPr>
             <p:ph type="title"/>
           </p:nvPr>
@@ -13192,12 +13468,12 @@
           </a:prstGeom>
         </p:spPr>
         <p:txBody>
-          <a:bodyPr anchorCtr="0" anchor="t" bIns="91425" lIns="91425" spcFirstLastPara="1" rIns="91425" wrap="square" tIns="91425">
+          <a:bodyPr spcFirstLastPara="1" wrap="square" lIns="91425" tIns="91425" rIns="91425" bIns="91425" anchor="t" anchorCtr="0">
             <a:normAutofit fontScale="90000"/>
           </a:bodyPr>
           <a:lstStyle/>
           <a:p>
-            <a:pPr indent="0" lvl="0" marL="0" rtl="0" algn="l">
+            <a:pPr marL="0" lvl="0" indent="0" algn="l" rtl="0">
               <a:spcBef>
                 <a:spcPts val="0"/>
               </a:spcBef>
@@ -13217,9 +13493,11 @@
       <p:sp>
         <p:nvSpPr>
           <p:cNvPr id="93" name="Google Shape;93;p18"/>
-          <p:cNvSpPr txBox="1"/>
-          <p:nvPr>
-            <p:ph idx="1" type="body"/>
+          <p:cNvSpPr txBox="1">
+            <a:spLocks noGrp="1"/>
+          </p:cNvSpPr>
+          <p:nvPr>
+            <p:ph type="body" idx="1"/>
           </p:nvPr>
         </p:nvSpPr>
         <p:spPr>
@@ -13232,12 +13510,12 @@
           </a:prstGeom>
         </p:spPr>
         <p:txBody>
-          <a:bodyPr anchorCtr="0" anchor="t" bIns="91425" lIns="91425" spcFirstLastPara="1" rIns="91425" wrap="square" tIns="91425">
+          <a:bodyPr spcFirstLastPara="1" wrap="square" lIns="91425" tIns="91425" rIns="91425" bIns="91425" anchor="t" anchorCtr="0">
             <a:normAutofit/>
           </a:bodyPr>
           <a:lstStyle/>
           <a:p>
-            <a:pPr indent="0" lvl="0" marL="0" rtl="0" algn="l">
+            <a:pPr marL="0" lvl="0" indent="0" algn="l" rtl="0">
               <a:spcBef>
                 <a:spcPts val="0"/>
               </a:spcBef>
@@ -13313,9 +13591,11 @@
       <p:sp>
         <p:nvSpPr>
           <p:cNvPr id="96" name="Google Shape;96;p18"/>
-          <p:cNvSpPr txBox="1"/>
-          <p:nvPr>
-            <p:ph idx="1" type="body"/>
+          <p:cNvSpPr txBox="1">
+            <a:spLocks noGrp="1"/>
+          </p:cNvSpPr>
+          <p:nvPr>
+            <p:ph type="body" idx="1"/>
           </p:nvPr>
         </p:nvSpPr>
         <p:spPr>
@@ -13328,12 +13608,12 @@
           </a:prstGeom>
         </p:spPr>
         <p:txBody>
-          <a:bodyPr anchorCtr="0" anchor="t" bIns="91425" lIns="91425" spcFirstLastPara="1" rIns="91425" wrap="square" tIns="91425">
+          <a:bodyPr spcFirstLastPara="1" wrap="square" lIns="91425" tIns="91425" rIns="91425" bIns="91425" anchor="t" anchorCtr="0">
             <a:normAutofit/>
           </a:bodyPr>
           <a:lstStyle/>
           <a:p>
-            <a:pPr indent="0" lvl="0" marL="0" rtl="0" algn="l">
+            <a:pPr marL="0" lvl="0" indent="0" algn="l" rtl="0">
               <a:spcBef>
                 <a:spcPts val="0"/>
               </a:spcBef>
@@ -13359,11 +13639,11 @@
 </file>
 
 <file path=ppt/slides/slide7.xml><?xml version="1.0" encoding="utf-8"?>
-<p:sld xmlns:a="http://schemas.openxmlformats.org/drawingml/2006/main" xmlns:r="http://schemas.openxmlformats.org/officeDocument/2006/relationships" xmlns:mc="http://schemas.openxmlformats.org/markup-compatibility/2006" xmlns:mv="urn:schemas-microsoft-com:mac:vml" xmlns:p="http://schemas.openxmlformats.org/presentationml/2006/main" xmlns:c="http://schemas.openxmlformats.org/drawingml/2006/chart" xmlns:dgm="http://schemas.openxmlformats.org/drawingml/2006/diagram" xmlns:o="urn:schemas-microsoft-com:office:office" xmlns:v="urn:schemas-microsoft-com:vml" xmlns:pvml="urn:schemas-microsoft-com:office:powerpoint" xmlns:com="http://schemas.openxmlformats.org/drawingml/2006/compatibility" xmlns:p14="http://schemas.microsoft.com/office/powerpoint/2010/main" xmlns:p15="http://schemas.microsoft.com/office/powerpoint/2012/main" xmlns:ahyp="http://schemas.microsoft.com/office/drawing/2018/hyperlinkcolor">
+<p:sld xmlns:a="http://schemas.openxmlformats.org/drawingml/2006/main" xmlns:r="http://schemas.openxmlformats.org/officeDocument/2006/relationships" xmlns:p="http://schemas.openxmlformats.org/presentationml/2006/main">
   <p:cSld>
     <p:spTree>
       <p:nvGrpSpPr>
-        <p:cNvPr id="100" name="Shape 100"/>
+        <p:cNvPr id="1" name="Shape 100"/>
         <p:cNvGrpSpPr/>
         <p:nvPr/>
       </p:nvGrpSpPr>
@@ -13378,7 +13658,9 @@
       <p:sp>
         <p:nvSpPr>
           <p:cNvPr id="101" name="Google Shape;101;p19"/>
-          <p:cNvSpPr txBox="1"/>
+          <p:cNvSpPr txBox="1">
+            <a:spLocks noGrp="1"/>
+          </p:cNvSpPr>
           <p:nvPr>
             <p:ph type="title"/>
           </p:nvPr>
@@ -13393,12 +13675,12 @@
           </a:prstGeom>
         </p:spPr>
         <p:txBody>
-          <a:bodyPr anchorCtr="0" anchor="t" bIns="91425" lIns="91425" spcFirstLastPara="1" rIns="91425" wrap="square" tIns="91425">
+          <a:bodyPr spcFirstLastPara="1" wrap="square" lIns="91425" tIns="91425" rIns="91425" bIns="91425" anchor="t" anchorCtr="0">
             <a:normAutofit fontScale="90000"/>
           </a:bodyPr>
           <a:lstStyle/>
           <a:p>
-            <a:pPr indent="0" lvl="0" marL="0" rtl="0" algn="l">
+            <a:pPr marL="0" lvl="0" indent="0" algn="l" rtl="0">
               <a:spcBef>
                 <a:spcPts val="0"/>
               </a:spcBef>
@@ -13418,9 +13700,11 @@
       <p:sp>
         <p:nvSpPr>
           <p:cNvPr id="102" name="Google Shape;102;p19"/>
-          <p:cNvSpPr txBox="1"/>
-          <p:nvPr>
-            <p:ph idx="1" type="body"/>
+          <p:cNvSpPr txBox="1">
+            <a:spLocks noGrp="1"/>
+          </p:cNvSpPr>
+          <p:nvPr>
+            <p:ph type="body" idx="1"/>
           </p:nvPr>
         </p:nvSpPr>
         <p:spPr>
@@ -13433,12 +13717,12 @@
           </a:prstGeom>
         </p:spPr>
         <p:txBody>
-          <a:bodyPr anchorCtr="0" anchor="t" bIns="91425" lIns="91425" spcFirstLastPara="1" rIns="91425" wrap="square" tIns="91425">
+          <a:bodyPr spcFirstLastPara="1" wrap="square" lIns="91425" tIns="91425" rIns="91425" bIns="91425" anchor="t" anchorCtr="0">
             <a:normAutofit/>
           </a:bodyPr>
           <a:lstStyle/>
           <a:p>
-            <a:pPr indent="0" lvl="0" marL="0" rtl="0" algn="l">
+            <a:pPr marL="0" lvl="0" indent="0" algn="l" rtl="0">
               <a:spcBef>
                 <a:spcPts val="0"/>
               </a:spcBef>
@@ -13520,11 +13804,11 @@
 </file>
 
 <file path=ppt/slides/slide8.xml><?xml version="1.0" encoding="utf-8"?>
-<p:sld xmlns:a="http://schemas.openxmlformats.org/drawingml/2006/main" xmlns:r="http://schemas.openxmlformats.org/officeDocument/2006/relationships" xmlns:mc="http://schemas.openxmlformats.org/markup-compatibility/2006" xmlns:mv="urn:schemas-microsoft-com:mac:vml" xmlns:p="http://schemas.openxmlformats.org/presentationml/2006/main" xmlns:c="http://schemas.openxmlformats.org/drawingml/2006/chart" xmlns:dgm="http://schemas.openxmlformats.org/drawingml/2006/diagram" xmlns:o="urn:schemas-microsoft-com:office:office" xmlns:v="urn:schemas-microsoft-com:vml" xmlns:pvml="urn:schemas-microsoft-com:office:powerpoint" xmlns:com="http://schemas.openxmlformats.org/drawingml/2006/compatibility" xmlns:p14="http://schemas.microsoft.com/office/powerpoint/2010/main" xmlns:p15="http://schemas.microsoft.com/office/powerpoint/2012/main" xmlns:ahyp="http://schemas.microsoft.com/office/drawing/2018/hyperlinkcolor">
+<p:sld xmlns:a="http://schemas.openxmlformats.org/drawingml/2006/main" xmlns:r="http://schemas.openxmlformats.org/officeDocument/2006/relationships" xmlns:p="http://schemas.openxmlformats.org/presentationml/2006/main">
   <p:cSld>
     <p:spTree>
       <p:nvGrpSpPr>
-        <p:cNvPr id="108" name="Shape 108"/>
+        <p:cNvPr id="1" name="Shape 108"/>
         <p:cNvGrpSpPr/>
         <p:nvPr/>
       </p:nvGrpSpPr>
@@ -13539,7 +13823,9 @@
       <p:sp>
         <p:nvSpPr>
           <p:cNvPr id="109" name="Google Shape;109;p20"/>
-          <p:cNvSpPr txBox="1"/>
+          <p:cNvSpPr txBox="1">
+            <a:spLocks noGrp="1"/>
+          </p:cNvSpPr>
           <p:nvPr>
             <p:ph type="title"/>
           </p:nvPr>
@@ -13554,12 +13840,12 @@
           </a:prstGeom>
         </p:spPr>
         <p:txBody>
-          <a:bodyPr anchorCtr="0" anchor="t" bIns="91425" lIns="91425" spcFirstLastPara="1" rIns="91425" wrap="square" tIns="91425">
+          <a:bodyPr spcFirstLastPara="1" wrap="square" lIns="91425" tIns="91425" rIns="91425" bIns="91425" anchor="t" anchorCtr="0">
             <a:normAutofit fontScale="90000"/>
           </a:bodyPr>
           <a:lstStyle/>
           <a:p>
-            <a:pPr indent="0" lvl="0" marL="0" rtl="0" algn="l">
+            <a:pPr marL="0" lvl="0" indent="0" algn="l" rtl="0">
               <a:spcBef>
                 <a:spcPts val="0"/>
               </a:spcBef>
@@ -13579,9 +13865,11 @@
       <p:sp>
         <p:nvSpPr>
           <p:cNvPr id="110" name="Google Shape;110;p20"/>
-          <p:cNvSpPr txBox="1"/>
-          <p:nvPr>
-            <p:ph idx="1" type="body"/>
+          <p:cNvSpPr txBox="1">
+            <a:spLocks noGrp="1"/>
+          </p:cNvSpPr>
+          <p:nvPr>
+            <p:ph type="body" idx="1"/>
           </p:nvPr>
         </p:nvSpPr>
         <p:spPr>
@@ -13594,12 +13882,12 @@
           </a:prstGeom>
         </p:spPr>
         <p:txBody>
-          <a:bodyPr anchorCtr="0" anchor="t" bIns="91425" lIns="91425" spcFirstLastPara="1" rIns="91425" wrap="square" tIns="91425">
+          <a:bodyPr spcFirstLastPara="1" wrap="square" lIns="91425" tIns="91425" rIns="91425" bIns="91425" anchor="t" anchorCtr="0">
             <a:normAutofit/>
           </a:bodyPr>
           <a:lstStyle/>
           <a:p>
-            <a:pPr indent="0" lvl="0" marL="0" rtl="0" algn="l">
+            <a:pPr marL="0" lvl="0" indent="0" algn="l" rtl="0">
               <a:spcBef>
                 <a:spcPts val="0"/>
               </a:spcBef>
@@ -13681,11 +13969,11 @@
 </file>
 
 <file path=ppt/slides/slide9.xml><?xml version="1.0" encoding="utf-8"?>
-<p:sld xmlns:a="http://schemas.openxmlformats.org/drawingml/2006/main" xmlns:r="http://schemas.openxmlformats.org/officeDocument/2006/relationships" xmlns:mc="http://schemas.openxmlformats.org/markup-compatibility/2006" xmlns:mv="urn:schemas-microsoft-com:mac:vml" xmlns:p="http://schemas.openxmlformats.org/presentationml/2006/main" xmlns:c="http://schemas.openxmlformats.org/drawingml/2006/chart" xmlns:dgm="http://schemas.openxmlformats.org/drawingml/2006/diagram" xmlns:o="urn:schemas-microsoft-com:office:office" xmlns:v="urn:schemas-microsoft-com:vml" xmlns:pvml="urn:schemas-microsoft-com:office:powerpoint" xmlns:com="http://schemas.openxmlformats.org/drawingml/2006/compatibility" xmlns:p14="http://schemas.microsoft.com/office/powerpoint/2010/main" xmlns:p15="http://schemas.microsoft.com/office/powerpoint/2012/main" xmlns:ahyp="http://schemas.microsoft.com/office/drawing/2018/hyperlinkcolor">
+<p:sld xmlns:a="http://schemas.openxmlformats.org/drawingml/2006/main" xmlns:r="http://schemas.openxmlformats.org/officeDocument/2006/relationships" xmlns:p="http://schemas.openxmlformats.org/presentationml/2006/main">
   <p:cSld>
     <p:spTree>
       <p:nvGrpSpPr>
-        <p:cNvPr id="116" name="Shape 116"/>
+        <p:cNvPr id="1" name="Shape 116"/>
         <p:cNvGrpSpPr/>
         <p:nvPr/>
       </p:nvGrpSpPr>
@@ -13700,7 +13988,9 @@
       <p:sp>
         <p:nvSpPr>
           <p:cNvPr id="117" name="Google Shape;117;p21"/>
-          <p:cNvSpPr txBox="1"/>
+          <p:cNvSpPr txBox="1">
+            <a:spLocks noGrp="1"/>
+          </p:cNvSpPr>
           <p:nvPr>
             <p:ph type="title"/>
           </p:nvPr>
@@ -13715,12 +14005,12 @@
           </a:prstGeom>
         </p:spPr>
         <p:txBody>
-          <a:bodyPr anchorCtr="0" anchor="t" bIns="91425" lIns="91425" spcFirstLastPara="1" rIns="91425" wrap="square" tIns="91425">
+          <a:bodyPr spcFirstLastPara="1" wrap="square" lIns="91425" tIns="91425" rIns="91425" bIns="91425" anchor="t" anchorCtr="0">
             <a:normAutofit fontScale="90000"/>
           </a:bodyPr>
           <a:lstStyle/>
           <a:p>
-            <a:pPr indent="0" lvl="0" marL="0" rtl="0" algn="l">
+            <a:pPr marL="0" lvl="0" indent="0" algn="l" rtl="0">
               <a:spcBef>
                 <a:spcPts val="0"/>
               </a:spcBef>
@@ -13740,9 +14030,11 @@
       <p:sp>
         <p:nvSpPr>
           <p:cNvPr id="118" name="Google Shape;118;p21"/>
-          <p:cNvSpPr txBox="1"/>
-          <p:nvPr>
-            <p:ph idx="1" type="body"/>
+          <p:cNvSpPr txBox="1">
+            <a:spLocks noGrp="1"/>
+          </p:cNvSpPr>
+          <p:nvPr>
+            <p:ph type="body" idx="1"/>
           </p:nvPr>
         </p:nvSpPr>
         <p:spPr>
@@ -13755,12 +14047,12 @@
           </a:prstGeom>
         </p:spPr>
         <p:txBody>
-          <a:bodyPr anchorCtr="0" anchor="t" bIns="91425" lIns="91425" spcFirstLastPara="1" rIns="91425" wrap="square" tIns="91425">
+          <a:bodyPr spcFirstLastPara="1" wrap="square" lIns="91425" tIns="91425" rIns="91425" bIns="91425" anchor="t" anchorCtr="0">
             <a:normAutofit/>
           </a:bodyPr>
           <a:lstStyle/>
           <a:p>
-            <a:pPr indent="0" lvl="0" marL="0" rtl="0" algn="l">
+            <a:pPr marL="0" lvl="0" indent="0" algn="l" rtl="0">
               <a:spcBef>
                 <a:spcPts val="0"/>
               </a:spcBef>
@@ -13776,7 +14068,7 @@
             <a:endParaRPr/>
           </a:p>
           <a:p>
-            <a:pPr indent="-342900" lvl="0" marL="457200" rtl="0" algn="l">
+            <a:pPr marL="457200" lvl="0" indent="-342900" algn="l" rtl="0">
               <a:spcBef>
                 <a:spcPts val="1200"/>
               </a:spcBef>
@@ -13788,11 +14080,7 @@
             </a:pPr>
             <a:r>
               <a:rPr lang="en"/>
-              <a:t>U</a:t>
-            </a:r>
-            <a:r>
-              <a:rPr lang="en"/>
-              <a:t>nicode Scalar Values: range from U+0000 to U+D7FF and U+E000 to U+10FFFF</a:t>
+              <a:t>Unicode Scalar Values: range from U+0000 to U+D7FF and U+E000 to U+10FFFF</a:t>
             </a:r>
             <a:endParaRPr/>
           </a:p>
@@ -13835,7 +14123,7 @@
 </file>
 
 <file path=ppt/theme/theme1.xml><?xml version="1.0" encoding="utf-8"?>
-<a:theme xmlns:a="http://schemas.openxmlformats.org/drawingml/2006/main" xmlns:r="http://schemas.openxmlformats.org/officeDocument/2006/relationships" name="Simple Dark">
+<a:theme xmlns:a="http://schemas.openxmlformats.org/drawingml/2006/main" name="Simple Dark">
   <a:themeElements>
     <a:clrScheme name="Simple Dark">
       <a:dk1>
@@ -14110,11 +14398,13 @@
       </a:bgFillStyleLst>
     </a:fmtScheme>
   </a:themeElements>
+  <a:objectDefaults/>
+  <a:extraClrSchemeLst/>
 </a:theme>
 </file>
 
 <file path=ppt/theme/theme2.xml><?xml version="1.0" encoding="utf-8"?>
-<a:theme xmlns:a="http://schemas.openxmlformats.org/drawingml/2006/main" xmlns:r="http://schemas.openxmlformats.org/officeDocument/2006/relationships">
+<a:theme xmlns:a="http://schemas.openxmlformats.org/drawingml/2006/main">
   <a:themeElements>
     <a:clrScheme name="Default">
       <a:dk1>
@@ -14389,5 +14679,7 @@
       </a:bgFillStyleLst>
     </a:fmtScheme>
   </a:themeElements>
+  <a:objectDefaults/>
+  <a:extraClrSchemeLst/>
 </a:theme>
 </file>